--- a/Figures/jags_for_ecologists_figures.pptx
+++ b/Figures/jags_for_ecologists_figures.pptx
@@ -104,13 +104,18 @@
       </a:defRPr>
     </a:lvl9pPr>
   </p:defaultTextStyle>
+  <p:extLst>
+    <p:ext uri="{EFAFB233-063F-42B5-8137-9DF3F51BA10A}">
+      <p15:sldGuideLst xmlns:p15="http://schemas.microsoft.com/office/powerpoint/2012/main"/>
+    </p:ext>
+  </p:extLst>
 </p:presentation>
 </file>
 
 <file path=ppt/revisionInfo.xml><?xml version="1.0" encoding="utf-8"?>
 <p1510:revInfo xmlns:a="http://schemas.openxmlformats.org/drawingml/2006/main" xmlns:r="http://schemas.openxmlformats.org/officeDocument/2006/relationships" xmlns:p1510="http://schemas.microsoft.com/office/powerpoint/2015/10/main">
   <p1510:revLst>
-    <p1510:client id="{1EE535DA-61B9-44E7-BA05-D30B0AFACE23}" v="1" dt="2023-02-17T16:31:19.247"/>
+    <p1510:client id="{1EE535DA-61B9-44E7-BA05-D30B0AFACE23}" v="7" dt="2023-02-17T16:44:22.497"/>
   </p1510:revLst>
 </p1510:revInfo>
 </file>
@@ -120,18 +125,18 @@
   <pc:docChgLst>
     <pc:chgData name="Simon Bonner" userId="c968d0cc-44b1-4a19-b224-50fd2dc43281" providerId="ADAL" clId="{1EE535DA-61B9-44E7-BA05-D30B0AFACE23}"/>
     <pc:docChg chg="modSld">
-      <pc:chgData name="Simon Bonner" userId="c968d0cc-44b1-4a19-b224-50fd2dc43281" providerId="ADAL" clId="{1EE535DA-61B9-44E7-BA05-D30B0AFACE23}" dt="2023-02-17T16:31:32.307" v="2" actId="12789"/>
+      <pc:chgData name="Simon Bonner" userId="c968d0cc-44b1-4a19-b224-50fd2dc43281" providerId="ADAL" clId="{1EE535DA-61B9-44E7-BA05-D30B0AFACE23}" dt="2023-02-17T16:44:22.497" v="8" actId="20577"/>
       <pc:docMkLst>
         <pc:docMk/>
       </pc:docMkLst>
       <pc:sldChg chg="addSp modSp mod">
-        <pc:chgData name="Simon Bonner" userId="c968d0cc-44b1-4a19-b224-50fd2dc43281" providerId="ADAL" clId="{1EE535DA-61B9-44E7-BA05-D30B0AFACE23}" dt="2023-02-17T16:31:32.307" v="2" actId="12789"/>
+        <pc:chgData name="Simon Bonner" userId="c968d0cc-44b1-4a19-b224-50fd2dc43281" providerId="ADAL" clId="{1EE535DA-61B9-44E7-BA05-D30B0AFACE23}" dt="2023-02-17T16:44:22.497" v="8" actId="20577"/>
         <pc:sldMkLst>
           <pc:docMk/>
           <pc:sldMk cId="3848685715" sldId="256"/>
         </pc:sldMkLst>
         <pc:spChg chg="mod">
-          <ac:chgData name="Simon Bonner" userId="c968d0cc-44b1-4a19-b224-50fd2dc43281" providerId="ADAL" clId="{1EE535DA-61B9-44E7-BA05-D30B0AFACE23}" dt="2023-02-17T16:31:19.247" v="0" actId="164"/>
+          <ac:chgData name="Simon Bonner" userId="c968d0cc-44b1-4a19-b224-50fd2dc43281" providerId="ADAL" clId="{1EE535DA-61B9-44E7-BA05-D30B0AFACE23}" dt="2023-02-17T16:44:22.497" v="8" actId="20577"/>
           <ac:spMkLst>
             <pc:docMk/>
             <pc:sldMk cId="3848685715" sldId="256"/>
@@ -139,7 +144,7 @@
           </ac:spMkLst>
         </pc:spChg>
         <pc:spChg chg="mod">
-          <ac:chgData name="Simon Bonner" userId="c968d0cc-44b1-4a19-b224-50fd2dc43281" providerId="ADAL" clId="{1EE535DA-61B9-44E7-BA05-D30B0AFACE23}" dt="2023-02-17T16:31:19.247" v="0" actId="164"/>
+          <ac:chgData name="Simon Bonner" userId="c968d0cc-44b1-4a19-b224-50fd2dc43281" providerId="ADAL" clId="{1EE535DA-61B9-44E7-BA05-D30B0AFACE23}" dt="2023-02-17T16:44:22.497" v="8" actId="20577"/>
           <ac:spMkLst>
             <pc:docMk/>
             <pc:sldMk cId="3848685715" sldId="256"/>
@@ -147,7 +152,7 @@
           </ac:spMkLst>
         </pc:spChg>
         <pc:spChg chg="mod">
-          <ac:chgData name="Simon Bonner" userId="c968d0cc-44b1-4a19-b224-50fd2dc43281" providerId="ADAL" clId="{1EE535DA-61B9-44E7-BA05-D30B0AFACE23}" dt="2023-02-17T16:31:19.247" v="0" actId="164"/>
+          <ac:chgData name="Simon Bonner" userId="c968d0cc-44b1-4a19-b224-50fd2dc43281" providerId="ADAL" clId="{1EE535DA-61B9-44E7-BA05-D30B0AFACE23}" dt="2023-02-17T16:44:22.497" v="8" actId="20577"/>
           <ac:spMkLst>
             <pc:docMk/>
             <pc:sldMk cId="3848685715" sldId="256"/>
@@ -155,7 +160,7 @@
           </ac:spMkLst>
         </pc:spChg>
         <pc:spChg chg="mod">
-          <ac:chgData name="Simon Bonner" userId="c968d0cc-44b1-4a19-b224-50fd2dc43281" providerId="ADAL" clId="{1EE535DA-61B9-44E7-BA05-D30B0AFACE23}" dt="2023-02-17T16:31:19.247" v="0" actId="164"/>
+          <ac:chgData name="Simon Bonner" userId="c968d0cc-44b1-4a19-b224-50fd2dc43281" providerId="ADAL" clId="{1EE535DA-61B9-44E7-BA05-D30B0AFACE23}" dt="2023-02-17T16:44:22.497" v="8" actId="20577"/>
           <ac:spMkLst>
             <pc:docMk/>
             <pc:sldMk cId="3848685715" sldId="256"/>
@@ -163,7 +168,7 @@
           </ac:spMkLst>
         </pc:spChg>
         <pc:spChg chg="mod">
-          <ac:chgData name="Simon Bonner" userId="c968d0cc-44b1-4a19-b224-50fd2dc43281" providerId="ADAL" clId="{1EE535DA-61B9-44E7-BA05-D30B0AFACE23}" dt="2023-02-17T16:31:19.247" v="0" actId="164"/>
+          <ac:chgData name="Simon Bonner" userId="c968d0cc-44b1-4a19-b224-50fd2dc43281" providerId="ADAL" clId="{1EE535DA-61B9-44E7-BA05-D30B0AFACE23}" dt="2023-02-17T16:44:22.497" v="8" actId="20577"/>
           <ac:spMkLst>
             <pc:docMk/>
             <pc:sldMk cId="3848685715" sldId="256"/>
@@ -171,7 +176,7 @@
           </ac:spMkLst>
         </pc:spChg>
         <pc:spChg chg="mod">
-          <ac:chgData name="Simon Bonner" userId="c968d0cc-44b1-4a19-b224-50fd2dc43281" providerId="ADAL" clId="{1EE535DA-61B9-44E7-BA05-D30B0AFACE23}" dt="2023-02-17T16:31:19.247" v="0" actId="164"/>
+          <ac:chgData name="Simon Bonner" userId="c968d0cc-44b1-4a19-b224-50fd2dc43281" providerId="ADAL" clId="{1EE535DA-61B9-44E7-BA05-D30B0AFACE23}" dt="2023-02-17T16:44:22.497" v="8" actId="20577"/>
           <ac:spMkLst>
             <pc:docMk/>
             <pc:sldMk cId="3848685715" sldId="256"/>
@@ -179,7 +184,7 @@
           </ac:spMkLst>
         </pc:spChg>
         <pc:spChg chg="mod">
-          <ac:chgData name="Simon Bonner" userId="c968d0cc-44b1-4a19-b224-50fd2dc43281" providerId="ADAL" clId="{1EE535DA-61B9-44E7-BA05-D30B0AFACE23}" dt="2023-02-17T16:31:19.247" v="0" actId="164"/>
+          <ac:chgData name="Simon Bonner" userId="c968d0cc-44b1-4a19-b224-50fd2dc43281" providerId="ADAL" clId="{1EE535DA-61B9-44E7-BA05-D30B0AFACE23}" dt="2023-02-17T16:44:22.497" v="8" actId="20577"/>
           <ac:spMkLst>
             <pc:docMk/>
             <pc:sldMk cId="3848685715" sldId="256"/>
@@ -187,7 +192,7 @@
           </ac:spMkLst>
         </pc:spChg>
         <pc:spChg chg="mod">
-          <ac:chgData name="Simon Bonner" userId="c968d0cc-44b1-4a19-b224-50fd2dc43281" providerId="ADAL" clId="{1EE535DA-61B9-44E7-BA05-D30B0AFACE23}" dt="2023-02-17T16:31:19.247" v="0" actId="164"/>
+          <ac:chgData name="Simon Bonner" userId="c968d0cc-44b1-4a19-b224-50fd2dc43281" providerId="ADAL" clId="{1EE535DA-61B9-44E7-BA05-D30B0AFACE23}" dt="2023-02-17T16:44:22.497" v="8" actId="20577"/>
           <ac:spMkLst>
             <pc:docMk/>
             <pc:sldMk cId="3848685715" sldId="256"/>
@@ -195,7 +200,7 @@
           </ac:spMkLst>
         </pc:spChg>
         <pc:spChg chg="mod">
-          <ac:chgData name="Simon Bonner" userId="c968d0cc-44b1-4a19-b224-50fd2dc43281" providerId="ADAL" clId="{1EE535DA-61B9-44E7-BA05-D30B0AFACE23}" dt="2023-02-17T16:31:19.247" v="0" actId="164"/>
+          <ac:chgData name="Simon Bonner" userId="c968d0cc-44b1-4a19-b224-50fd2dc43281" providerId="ADAL" clId="{1EE535DA-61B9-44E7-BA05-D30B0AFACE23}" dt="2023-02-17T16:44:22.497" v="8" actId="20577"/>
           <ac:spMkLst>
             <pc:docMk/>
             <pc:sldMk cId="3848685715" sldId="256"/>
@@ -203,7 +208,7 @@
           </ac:spMkLst>
         </pc:spChg>
         <pc:spChg chg="mod">
-          <ac:chgData name="Simon Bonner" userId="c968d0cc-44b1-4a19-b224-50fd2dc43281" providerId="ADAL" clId="{1EE535DA-61B9-44E7-BA05-D30B0AFACE23}" dt="2023-02-17T16:31:19.247" v="0" actId="164"/>
+          <ac:chgData name="Simon Bonner" userId="c968d0cc-44b1-4a19-b224-50fd2dc43281" providerId="ADAL" clId="{1EE535DA-61B9-44E7-BA05-D30B0AFACE23}" dt="2023-02-17T16:44:22.497" v="8" actId="20577"/>
           <ac:spMkLst>
             <pc:docMk/>
             <pc:sldMk cId="3848685715" sldId="256"/>
@@ -211,7 +216,7 @@
           </ac:spMkLst>
         </pc:spChg>
         <pc:spChg chg="mod">
-          <ac:chgData name="Simon Bonner" userId="c968d0cc-44b1-4a19-b224-50fd2dc43281" providerId="ADAL" clId="{1EE535DA-61B9-44E7-BA05-D30B0AFACE23}" dt="2023-02-17T16:31:19.247" v="0" actId="164"/>
+          <ac:chgData name="Simon Bonner" userId="c968d0cc-44b1-4a19-b224-50fd2dc43281" providerId="ADAL" clId="{1EE535DA-61B9-44E7-BA05-D30B0AFACE23}" dt="2023-02-17T16:44:22.497" v="8" actId="20577"/>
           <ac:spMkLst>
             <pc:docMk/>
             <pc:sldMk cId="3848685715" sldId="256"/>
@@ -219,7 +224,7 @@
           </ac:spMkLst>
         </pc:spChg>
         <pc:spChg chg="mod">
-          <ac:chgData name="Simon Bonner" userId="c968d0cc-44b1-4a19-b224-50fd2dc43281" providerId="ADAL" clId="{1EE535DA-61B9-44E7-BA05-D30B0AFACE23}" dt="2023-02-17T16:31:19.247" v="0" actId="164"/>
+          <ac:chgData name="Simon Bonner" userId="c968d0cc-44b1-4a19-b224-50fd2dc43281" providerId="ADAL" clId="{1EE535DA-61B9-44E7-BA05-D30B0AFACE23}" dt="2023-02-17T16:44:22.497" v="8" actId="20577"/>
           <ac:spMkLst>
             <pc:docMk/>
             <pc:sldMk cId="3848685715" sldId="256"/>
@@ -227,7 +232,7 @@
           </ac:spMkLst>
         </pc:spChg>
         <pc:grpChg chg="add mod">
-          <ac:chgData name="Simon Bonner" userId="c968d0cc-44b1-4a19-b224-50fd2dc43281" providerId="ADAL" clId="{1EE535DA-61B9-44E7-BA05-D30B0AFACE23}" dt="2023-02-17T16:31:32.307" v="2" actId="12789"/>
+          <ac:chgData name="Simon Bonner" userId="c968d0cc-44b1-4a19-b224-50fd2dc43281" providerId="ADAL" clId="{1EE535DA-61B9-44E7-BA05-D30B0AFACE23}" dt="2023-02-17T16:44:22.497" v="8" actId="20577"/>
           <ac:grpSpMkLst>
             <pc:docMk/>
             <pc:sldMk cId="3848685715" sldId="256"/>
@@ -235,7 +240,7 @@
           </ac:grpSpMkLst>
         </pc:grpChg>
         <pc:cxnChg chg="mod">
-          <ac:chgData name="Simon Bonner" userId="c968d0cc-44b1-4a19-b224-50fd2dc43281" providerId="ADAL" clId="{1EE535DA-61B9-44E7-BA05-D30B0AFACE23}" dt="2023-02-17T16:31:19.247" v="0" actId="164"/>
+          <ac:chgData name="Simon Bonner" userId="c968d0cc-44b1-4a19-b224-50fd2dc43281" providerId="ADAL" clId="{1EE535DA-61B9-44E7-BA05-D30B0AFACE23}" dt="2023-02-17T16:44:22.497" v="8" actId="20577"/>
           <ac:cxnSpMkLst>
             <pc:docMk/>
             <pc:sldMk cId="3848685715" sldId="256"/>
@@ -243,7 +248,7 @@
           </ac:cxnSpMkLst>
         </pc:cxnChg>
         <pc:cxnChg chg="mod">
-          <ac:chgData name="Simon Bonner" userId="c968d0cc-44b1-4a19-b224-50fd2dc43281" providerId="ADAL" clId="{1EE535DA-61B9-44E7-BA05-D30B0AFACE23}" dt="2023-02-17T16:31:19.247" v="0" actId="164"/>
+          <ac:chgData name="Simon Bonner" userId="c968d0cc-44b1-4a19-b224-50fd2dc43281" providerId="ADAL" clId="{1EE535DA-61B9-44E7-BA05-D30B0AFACE23}" dt="2023-02-17T16:44:22.497" v="8" actId="20577"/>
           <ac:cxnSpMkLst>
             <pc:docMk/>
             <pc:sldMk cId="3848685715" sldId="256"/>
@@ -251,7 +256,7 @@
           </ac:cxnSpMkLst>
         </pc:cxnChg>
         <pc:cxnChg chg="mod">
-          <ac:chgData name="Simon Bonner" userId="c968d0cc-44b1-4a19-b224-50fd2dc43281" providerId="ADAL" clId="{1EE535DA-61B9-44E7-BA05-D30B0AFACE23}" dt="2023-02-17T16:31:19.247" v="0" actId="164"/>
+          <ac:chgData name="Simon Bonner" userId="c968d0cc-44b1-4a19-b224-50fd2dc43281" providerId="ADAL" clId="{1EE535DA-61B9-44E7-BA05-D30B0AFACE23}" dt="2023-02-17T16:44:22.497" v="8" actId="20577"/>
           <ac:cxnSpMkLst>
             <pc:docMk/>
             <pc:sldMk cId="3848685715" sldId="256"/>
@@ -259,7 +264,7 @@
           </ac:cxnSpMkLst>
         </pc:cxnChg>
         <pc:cxnChg chg="mod">
-          <ac:chgData name="Simon Bonner" userId="c968d0cc-44b1-4a19-b224-50fd2dc43281" providerId="ADAL" clId="{1EE535DA-61B9-44E7-BA05-D30B0AFACE23}" dt="2023-02-17T16:31:19.247" v="0" actId="164"/>
+          <ac:chgData name="Simon Bonner" userId="c968d0cc-44b1-4a19-b224-50fd2dc43281" providerId="ADAL" clId="{1EE535DA-61B9-44E7-BA05-D30B0AFACE23}" dt="2023-02-17T16:44:22.497" v="8" actId="20577"/>
           <ac:cxnSpMkLst>
             <pc:docMk/>
             <pc:sldMk cId="3848685715" sldId="256"/>
@@ -3558,8 +3563,8 @@
             </a:p>
           </p:txBody>
         </p:sp>
-        <mc:AlternateContent xmlns:mc="http://schemas.openxmlformats.org/markup-compatibility/2006">
-          <mc:Choice xmlns:a14="http://schemas.microsoft.com/office/drawing/2010/main" Requires="a14">
+        <mc:AlternateContent xmlns:mc="http://schemas.openxmlformats.org/markup-compatibility/2006" xmlns:a14="http://schemas.microsoft.com/office/drawing/2010/main">
+          <mc:Choice Requires="a14">
             <p:sp>
               <p:nvSpPr>
                 <p:cNvPr id="5" name="TextBox 4">
@@ -3588,6 +3593,7 @@
                 </a:bodyPr>
                 <a:lstStyle/>
                 <a:p>
+                  <a:pPr/>
                   <a14:m>
                     <m:oMathPara xmlns:m="http://schemas.openxmlformats.org/officeDocument/2006/math">
                       <m:oMathParaPr>
@@ -3627,7 +3633,7 @@
               </p:txBody>
             </p:sp>
           </mc:Choice>
-          <mc:Fallback>
+          <mc:Fallback xmlns="">
             <p:sp>
               <p:nvSpPr>
                 <p:cNvPr id="5" name="TextBox 4">
@@ -3672,8 +3678,8 @@
             </p:sp>
           </mc:Fallback>
         </mc:AlternateContent>
-        <mc:AlternateContent xmlns:mc="http://schemas.openxmlformats.org/markup-compatibility/2006">
-          <mc:Choice xmlns:a14="http://schemas.microsoft.com/office/drawing/2010/main" Requires="a14">
+        <mc:AlternateContent xmlns:mc="http://schemas.openxmlformats.org/markup-compatibility/2006" xmlns:a14="http://schemas.microsoft.com/office/drawing/2010/main">
+          <mc:Choice Requires="a14">
             <p:sp>
               <p:nvSpPr>
                 <p:cNvPr id="7" name="TextBox 6">
@@ -3702,6 +3708,7 @@
                 </a:bodyPr>
                 <a:lstStyle/>
                 <a:p>
+                  <a:pPr/>
                   <a14:m>
                     <m:oMathPara xmlns:m="http://schemas.openxmlformats.org/officeDocument/2006/math">
                       <m:oMathParaPr>
@@ -3742,7 +3749,7 @@
               </p:txBody>
             </p:sp>
           </mc:Choice>
-          <mc:Fallback>
+          <mc:Fallback xmlns="">
             <p:sp>
               <p:nvSpPr>
                 <p:cNvPr id="7" name="TextBox 6">
@@ -3787,8 +3794,8 @@
             </p:sp>
           </mc:Fallback>
         </mc:AlternateContent>
-        <mc:AlternateContent xmlns:mc="http://schemas.openxmlformats.org/markup-compatibility/2006">
-          <mc:Choice xmlns:a14="http://schemas.microsoft.com/office/drawing/2010/main" Requires="a14">
+        <mc:AlternateContent xmlns:mc="http://schemas.openxmlformats.org/markup-compatibility/2006" xmlns:a14="http://schemas.microsoft.com/office/drawing/2010/main">
+          <mc:Choice Requires="a14">
             <p:sp>
               <p:nvSpPr>
                 <p:cNvPr id="9" name="TextBox 8">
@@ -3817,6 +3824,7 @@
                 </a:bodyPr>
                 <a:lstStyle/>
                 <a:p>
+                  <a:pPr/>
                   <a14:m>
                     <m:oMathPara xmlns:m="http://schemas.openxmlformats.org/officeDocument/2006/math">
                       <m:oMathParaPr>
@@ -3856,7 +3864,7 @@
               </p:txBody>
             </p:sp>
           </mc:Choice>
-          <mc:Fallback>
+          <mc:Fallback xmlns="">
             <p:sp>
               <p:nvSpPr>
                 <p:cNvPr id="9" name="TextBox 8">
@@ -3901,8 +3909,8 @@
             </p:sp>
           </mc:Fallback>
         </mc:AlternateContent>
-        <mc:AlternateContent xmlns:mc="http://schemas.openxmlformats.org/markup-compatibility/2006">
-          <mc:Choice xmlns:a14="http://schemas.microsoft.com/office/drawing/2010/main" Requires="a14">
+        <mc:AlternateContent xmlns:mc="http://schemas.openxmlformats.org/markup-compatibility/2006" xmlns:a14="http://schemas.microsoft.com/office/drawing/2010/main">
+          <mc:Choice Requires="a14">
             <p:sp>
               <p:nvSpPr>
                 <p:cNvPr id="10" name="Oval 9">
@@ -4012,7 +4020,7 @@
               </p:txBody>
             </p:sp>
           </mc:Choice>
-          <mc:Fallback>
+          <mc:Fallback xmlns="">
             <p:sp>
               <p:nvSpPr>
                 <p:cNvPr id="10" name="Oval 9">
@@ -4166,8 +4174,8 @@
             </a:p>
           </p:txBody>
         </p:sp>
-        <mc:AlternateContent xmlns:mc="http://schemas.openxmlformats.org/markup-compatibility/2006">
-          <mc:Choice xmlns:a14="http://schemas.microsoft.com/office/drawing/2010/main" Requires="a14">
+        <mc:AlternateContent xmlns:mc="http://schemas.openxmlformats.org/markup-compatibility/2006" xmlns:a14="http://schemas.microsoft.com/office/drawing/2010/main">
+          <mc:Choice Requires="a14">
             <p:sp>
               <p:nvSpPr>
                 <p:cNvPr id="14" name="Oval 13">
@@ -4277,7 +4285,7 @@
               </p:txBody>
             </p:sp>
           </mc:Choice>
-          <mc:Fallback>
+          <mc:Fallback xmlns="">
             <p:sp>
               <p:nvSpPr>
                 <p:cNvPr id="14" name="Oval 13">
@@ -4578,7 +4586,7 @@
               <p:spPr>
                 <a:xfrm>
                   <a:off x="3132312" y="3908770"/>
-                  <a:ext cx="1276247" cy="369332"/>
+                  <a:ext cx="1395703" cy="369332"/>
                 </a:xfrm>
                 <a:prstGeom prst="rect">
                   <a:avLst/>
@@ -4591,6 +4599,7 @@
                 </a:bodyPr>
                 <a:lstStyle/>
                 <a:p>
+                  <a:pPr/>
                   <a14:m>
                     <m:oMathPara xmlns:m="http://schemas.openxmlformats.org/officeDocument/2006/math">
                       <m:oMathParaPr>
@@ -4607,13 +4616,7 @@
                           <a:rPr lang="en-CA" b="0" i="1" smtClean="0">
                             <a:latin typeface="Cambria Math" panose="02040503050406030204" pitchFamily="18" charset="0"/>
                           </a:rPr>
-                          <m:t>=1,…,</m:t>
-                        </m:r>
-                        <m:r>
-                          <a:rPr lang="en-CA" b="0" i="1" smtClean="0">
-                            <a:latin typeface="Cambria Math" panose="02040503050406030204" pitchFamily="18" charset="0"/>
-                          </a:rPr>
-                          <m:t>𝑛</m:t>
+                          <m:t>=1,…,10</m:t>
                         </m:r>
                       </m:oMath>
                     </m:oMathPara>
@@ -4641,7 +4644,7 @@
               <p:spPr>
                 <a:xfrm>
                   <a:off x="3132312" y="3908770"/>
-                  <a:ext cx="1276247" cy="369332"/>
+                  <a:ext cx="1395703" cy="369332"/>
                 </a:xfrm>
                 <a:prstGeom prst="rect">
                   <a:avLst/>
@@ -4737,7 +4740,7 @@
               <p:spPr>
                 <a:xfrm>
                   <a:off x="5274530" y="3908770"/>
-                  <a:ext cx="1337161" cy="369332"/>
+                  <a:ext cx="1395703" cy="369332"/>
                 </a:xfrm>
                 <a:prstGeom prst="rect">
                   <a:avLst/>
@@ -4750,6 +4753,7 @@
                 </a:bodyPr>
                 <a:lstStyle/>
                 <a:p>
+                  <a:pPr/>
                   <a14:m>
                     <m:oMathPara xmlns:m="http://schemas.openxmlformats.org/officeDocument/2006/math">
                       <m:oMathParaPr>
@@ -4766,13 +4770,7 @@
                           <a:rPr lang="en-CA" b="0" i="1" smtClean="0">
                             <a:latin typeface="Cambria Math" panose="02040503050406030204" pitchFamily="18" charset="0"/>
                           </a:rPr>
-                          <m:t>=1,…,</m:t>
-                        </m:r>
-                        <m:r>
-                          <a:rPr lang="en-CA" b="0" i="1" smtClean="0">
-                            <a:latin typeface="Cambria Math" panose="02040503050406030204" pitchFamily="18" charset="0"/>
-                          </a:rPr>
-                          <m:t>𝑚</m:t>
+                          <m:t>=1,…,15</m:t>
                         </m:r>
                       </m:oMath>
                     </m:oMathPara>
@@ -4800,7 +4798,7 @@
               <p:spPr>
                 <a:xfrm>
                   <a:off x="5274530" y="3908770"/>
-                  <a:ext cx="1337161" cy="369332"/>
+                  <a:ext cx="1395703" cy="369332"/>
                 </a:xfrm>
                 <a:prstGeom prst="rect">
                   <a:avLst/>

--- a/Figures/jags_for_ecologists_figures.pptx
+++ b/Figures/jags_for_ecologists_figures.pptx
@@ -6,6 +6,7 @@
   </p:sldMasterIdLst>
   <p:sldIdLst>
     <p:sldId id="256" r:id="rId2"/>
+    <p:sldId id="257" r:id="rId3"/>
   </p:sldIdLst>
   <p:sldSz cx="12192000" cy="6858000"/>
   <p:notesSz cx="6858000" cy="9144000"/>
@@ -115,7 +116,7 @@
 <file path=ppt/revisionInfo.xml><?xml version="1.0" encoding="utf-8"?>
 <p1510:revInfo xmlns:a="http://schemas.openxmlformats.org/drawingml/2006/main" xmlns:r="http://schemas.openxmlformats.org/officeDocument/2006/relationships" xmlns:p1510="http://schemas.microsoft.com/office/powerpoint/2015/10/main">
   <p1510:revLst>
-    <p1510:client id="{1EE535DA-61B9-44E7-BA05-D30B0AFACE23}" v="7" dt="2023-02-17T16:44:22.497"/>
+    <p1510:client id="{21C03C2C-B54E-0141-9F1A-D4B48D7F07BB}" v="41" dt="2023-02-21T15:14:29.364"/>
   </p1510:revLst>
 </p1510:revInfo>
 </file>
@@ -274,6 +275,238 @@
       </pc:sldChg>
     </pc:docChg>
   </pc:docChgLst>
+  <pc:docChgLst>
+    <pc:chgData name="Simon Bonner" userId="c968d0cc-44b1-4a19-b224-50fd2dc43281" providerId="ADAL" clId="{21C03C2C-B54E-0141-9F1A-D4B48D7F07BB}"/>
+    <pc:docChg chg="undo custSel addSld modSld">
+      <pc:chgData name="Simon Bonner" userId="c968d0cc-44b1-4a19-b224-50fd2dc43281" providerId="ADAL" clId="{21C03C2C-B54E-0141-9F1A-D4B48D7F07BB}" dt="2023-02-21T15:15:23.092" v="87" actId="1076"/>
+      <pc:docMkLst>
+        <pc:docMk/>
+      </pc:docMkLst>
+      <pc:sldChg chg="addSp delSp modSp add mod">
+        <pc:chgData name="Simon Bonner" userId="c968d0cc-44b1-4a19-b224-50fd2dc43281" providerId="ADAL" clId="{21C03C2C-B54E-0141-9F1A-D4B48D7F07BB}" dt="2023-02-21T15:15:23.092" v="87" actId="1076"/>
+        <pc:sldMkLst>
+          <pc:docMk/>
+          <pc:sldMk cId="2718581900" sldId="257"/>
+        </pc:sldMkLst>
+        <pc:spChg chg="mod topLvl">
+          <ac:chgData name="Simon Bonner" userId="c968d0cc-44b1-4a19-b224-50fd2dc43281" providerId="ADAL" clId="{21C03C2C-B54E-0141-9F1A-D4B48D7F07BB}" dt="2023-02-21T15:11:02.905" v="21" actId="1076"/>
+          <ac:spMkLst>
+            <pc:docMk/>
+            <pc:sldMk cId="2718581900" sldId="257"/>
+            <ac:spMk id="4" creationId="{B7DC34CB-47DE-F49C-DF3B-CF0D0DE1CF12}"/>
+          </ac:spMkLst>
+        </pc:spChg>
+        <pc:spChg chg="mod topLvl">
+          <ac:chgData name="Simon Bonner" userId="c968d0cc-44b1-4a19-b224-50fd2dc43281" providerId="ADAL" clId="{21C03C2C-B54E-0141-9F1A-D4B48D7F07BB}" dt="2023-02-21T15:12:31.219" v="43" actId="1076"/>
+          <ac:spMkLst>
+            <pc:docMk/>
+            <pc:sldMk cId="2718581900" sldId="257"/>
+            <ac:spMk id="5" creationId="{EF38647B-2D14-4F29-A4C4-F04426FA4E51}"/>
+          </ac:spMkLst>
+        </pc:spChg>
+        <pc:spChg chg="add mod">
+          <ac:chgData name="Simon Bonner" userId="c968d0cc-44b1-4a19-b224-50fd2dc43281" providerId="ADAL" clId="{21C03C2C-B54E-0141-9F1A-D4B48D7F07BB}" dt="2023-02-21T15:11:36.746" v="28" actId="1076"/>
+          <ac:spMkLst>
+            <pc:docMk/>
+            <pc:sldMk cId="2718581900" sldId="257"/>
+            <ac:spMk id="6" creationId="{666CB5AE-6497-7D11-B6A5-9DFEFEC9C4B4}"/>
+          </ac:spMkLst>
+        </pc:spChg>
+        <pc:spChg chg="mod topLvl">
+          <ac:chgData name="Simon Bonner" userId="c968d0cc-44b1-4a19-b224-50fd2dc43281" providerId="ADAL" clId="{21C03C2C-B54E-0141-9F1A-D4B48D7F07BB}" dt="2023-02-21T15:14:45.798" v="83" actId="1076"/>
+          <ac:spMkLst>
+            <pc:docMk/>
+            <pc:sldMk cId="2718581900" sldId="257"/>
+            <ac:spMk id="7" creationId="{9DA5E3A8-7CF9-B3D6-CE7D-C5092FC5A82D}"/>
+          </ac:spMkLst>
+        </pc:spChg>
+        <pc:spChg chg="add mod">
+          <ac:chgData name="Simon Bonner" userId="c968d0cc-44b1-4a19-b224-50fd2dc43281" providerId="ADAL" clId="{21C03C2C-B54E-0141-9F1A-D4B48D7F07BB}" dt="2023-02-21T15:12:25.492" v="42" actId="1076"/>
+          <ac:spMkLst>
+            <pc:docMk/>
+            <pc:sldMk cId="2718581900" sldId="257"/>
+            <ac:spMk id="8" creationId="{6BD53912-FF0E-EC58-92F6-8A4A18485BC2}"/>
+          </ac:spMkLst>
+        </pc:spChg>
+        <pc:spChg chg="del mod topLvl">
+          <ac:chgData name="Simon Bonner" userId="c968d0cc-44b1-4a19-b224-50fd2dc43281" providerId="ADAL" clId="{21C03C2C-B54E-0141-9F1A-D4B48D7F07BB}" dt="2023-02-21T15:09:48.416" v="5" actId="478"/>
+          <ac:spMkLst>
+            <pc:docMk/>
+            <pc:sldMk cId="2718581900" sldId="257"/>
+            <ac:spMk id="9" creationId="{6F622C43-87C8-4E56-499D-4EC67C69D287}"/>
+          </ac:spMkLst>
+        </pc:spChg>
+        <pc:spChg chg="mod topLvl">
+          <ac:chgData name="Simon Bonner" userId="c968d0cc-44b1-4a19-b224-50fd2dc43281" providerId="ADAL" clId="{21C03C2C-B54E-0141-9F1A-D4B48D7F07BB}" dt="2023-02-21T15:09:56.532" v="9" actId="20577"/>
+          <ac:spMkLst>
+            <pc:docMk/>
+            <pc:sldMk cId="2718581900" sldId="257"/>
+            <ac:spMk id="10" creationId="{D0B009ED-32B6-ECFB-EFEF-EE08DEB5111B}"/>
+          </ac:spMkLst>
+        </pc:spChg>
+        <pc:spChg chg="mod topLvl">
+          <ac:chgData name="Simon Bonner" userId="c968d0cc-44b1-4a19-b224-50fd2dc43281" providerId="ADAL" clId="{21C03C2C-B54E-0141-9F1A-D4B48D7F07BB}" dt="2023-02-21T15:14:45.798" v="83" actId="1076"/>
+          <ac:spMkLst>
+            <pc:docMk/>
+            <pc:sldMk cId="2718581900" sldId="257"/>
+            <ac:spMk id="12" creationId="{C7E76004-2E3B-FC1A-EF5E-019620BEC9BF}"/>
+          </ac:spMkLst>
+        </pc:spChg>
+        <pc:spChg chg="del mod topLvl">
+          <ac:chgData name="Simon Bonner" userId="c968d0cc-44b1-4a19-b224-50fd2dc43281" providerId="ADAL" clId="{21C03C2C-B54E-0141-9F1A-D4B48D7F07BB}" dt="2023-02-21T15:09:43.706" v="3" actId="478"/>
+          <ac:spMkLst>
+            <pc:docMk/>
+            <pc:sldMk cId="2718581900" sldId="257"/>
+            <ac:spMk id="13" creationId="{08DDD2B2-401C-6D66-D880-EE579EB7F11C}"/>
+          </ac:spMkLst>
+        </pc:spChg>
+        <pc:spChg chg="del mod topLvl">
+          <ac:chgData name="Simon Bonner" userId="c968d0cc-44b1-4a19-b224-50fd2dc43281" providerId="ADAL" clId="{21C03C2C-B54E-0141-9F1A-D4B48D7F07BB}" dt="2023-02-21T15:09:43.706" v="3" actId="478"/>
+          <ac:spMkLst>
+            <pc:docMk/>
+            <pc:sldMk cId="2718581900" sldId="257"/>
+            <ac:spMk id="14" creationId="{5CB0F94E-E46B-D2EC-F7F7-03AA7ED965A1}"/>
+          </ac:spMkLst>
+        </pc:spChg>
+        <pc:spChg chg="add mod">
+          <ac:chgData name="Simon Bonner" userId="c968d0cc-44b1-4a19-b224-50fd2dc43281" providerId="ADAL" clId="{21C03C2C-B54E-0141-9F1A-D4B48D7F07BB}" dt="2023-02-21T15:14:45.798" v="83" actId="1076"/>
+          <ac:spMkLst>
+            <pc:docMk/>
+            <pc:sldMk cId="2718581900" sldId="257"/>
+            <ac:spMk id="24" creationId="{0366CFE7-0B94-71CC-C53D-E1DAA8698E24}"/>
+          </ac:spMkLst>
+        </pc:spChg>
+        <pc:spChg chg="add mod">
+          <ac:chgData name="Simon Bonner" userId="c968d0cc-44b1-4a19-b224-50fd2dc43281" providerId="ADAL" clId="{21C03C2C-B54E-0141-9F1A-D4B48D7F07BB}" dt="2023-02-21T15:14:45.798" v="83" actId="1076"/>
+          <ac:spMkLst>
+            <pc:docMk/>
+            <pc:sldMk cId="2718581900" sldId="257"/>
+            <ac:spMk id="25" creationId="{7DECB3BC-7DE9-3EDB-F779-0B2177FDBBDC}"/>
+          </ac:spMkLst>
+        </pc:spChg>
+        <pc:spChg chg="mod topLvl">
+          <ac:chgData name="Simon Bonner" userId="c968d0cc-44b1-4a19-b224-50fd2dc43281" providerId="ADAL" clId="{21C03C2C-B54E-0141-9F1A-D4B48D7F07BB}" dt="2023-02-21T15:15:23.092" v="87" actId="1076"/>
+          <ac:spMkLst>
+            <pc:docMk/>
+            <pc:sldMk cId="2718581900" sldId="257"/>
+            <ac:spMk id="26" creationId="{F5773DBF-A89C-20F7-96F4-F9EC52BF69B1}"/>
+          </ac:spMkLst>
+        </pc:spChg>
+        <pc:spChg chg="mod topLvl">
+          <ac:chgData name="Simon Bonner" userId="c968d0cc-44b1-4a19-b224-50fd2dc43281" providerId="ADAL" clId="{21C03C2C-B54E-0141-9F1A-D4B48D7F07BB}" dt="2023-02-21T15:11:22.760" v="26" actId="1076"/>
+          <ac:spMkLst>
+            <pc:docMk/>
+            <pc:sldMk cId="2718581900" sldId="257"/>
+            <ac:spMk id="27" creationId="{2C98168B-D35A-922E-D777-FFA7B4287DDB}"/>
+          </ac:spMkLst>
+        </pc:spChg>
+        <pc:spChg chg="del mod topLvl">
+          <ac:chgData name="Simon Bonner" userId="c968d0cc-44b1-4a19-b224-50fd2dc43281" providerId="ADAL" clId="{21C03C2C-B54E-0141-9F1A-D4B48D7F07BB}" dt="2023-02-21T15:09:37.520" v="2" actId="478"/>
+          <ac:spMkLst>
+            <pc:docMk/>
+            <pc:sldMk cId="2718581900" sldId="257"/>
+            <ac:spMk id="28" creationId="{87A040D5-A650-248A-DB2F-7F313345BDED}"/>
+          </ac:spMkLst>
+        </pc:spChg>
+        <pc:spChg chg="del mod topLvl">
+          <ac:chgData name="Simon Bonner" userId="c968d0cc-44b1-4a19-b224-50fd2dc43281" providerId="ADAL" clId="{21C03C2C-B54E-0141-9F1A-D4B48D7F07BB}" dt="2023-02-21T15:09:43.706" v="3" actId="478"/>
+          <ac:spMkLst>
+            <pc:docMk/>
+            <pc:sldMk cId="2718581900" sldId="257"/>
+            <ac:spMk id="29" creationId="{DABF256C-AD45-D0B8-DD76-6821DD3D2A98}"/>
+          </ac:spMkLst>
+        </pc:spChg>
+        <pc:spChg chg="add mod">
+          <ac:chgData name="Simon Bonner" userId="c968d0cc-44b1-4a19-b224-50fd2dc43281" providerId="ADAL" clId="{21C03C2C-B54E-0141-9F1A-D4B48D7F07BB}" dt="2023-02-21T15:14:45.798" v="83" actId="1076"/>
+          <ac:spMkLst>
+            <pc:docMk/>
+            <pc:sldMk cId="2718581900" sldId="257"/>
+            <ac:spMk id="31" creationId="{0D1D3CC1-3ECD-9E99-924E-F8375F53B4F4}"/>
+          </ac:spMkLst>
+        </pc:spChg>
+        <pc:spChg chg="add mod">
+          <ac:chgData name="Simon Bonner" userId="c968d0cc-44b1-4a19-b224-50fd2dc43281" providerId="ADAL" clId="{21C03C2C-B54E-0141-9F1A-D4B48D7F07BB}" dt="2023-02-21T15:14:45.798" v="83" actId="1076"/>
+          <ac:spMkLst>
+            <pc:docMk/>
+            <pc:sldMk cId="2718581900" sldId="257"/>
+            <ac:spMk id="32" creationId="{4CF229E6-3F8D-CE6C-F3AE-141C4A636B0F}"/>
+          </ac:spMkLst>
+        </pc:spChg>
+        <pc:grpChg chg="del">
+          <ac:chgData name="Simon Bonner" userId="c968d0cc-44b1-4a19-b224-50fd2dc43281" providerId="ADAL" clId="{21C03C2C-B54E-0141-9F1A-D4B48D7F07BB}" dt="2023-02-21T15:09:34.749" v="1" actId="165"/>
+          <ac:grpSpMkLst>
+            <pc:docMk/>
+            <pc:sldMk cId="2718581900" sldId="257"/>
+            <ac:grpSpMk id="30" creationId="{01BB1BFE-9E39-C744-A3C4-F6E6FE0C1D3F}"/>
+          </ac:grpSpMkLst>
+        </pc:grpChg>
+        <pc:cxnChg chg="add del mod">
+          <ac:chgData name="Simon Bonner" userId="c968d0cc-44b1-4a19-b224-50fd2dc43281" providerId="ADAL" clId="{21C03C2C-B54E-0141-9F1A-D4B48D7F07BB}" dt="2023-02-21T15:12:52.691" v="45" actId="11529"/>
+          <ac:cxnSpMkLst>
+            <pc:docMk/>
+            <pc:sldMk cId="2718581900" sldId="257"/>
+            <ac:cxnSpMk id="15" creationId="{9B4330E5-C9B5-A5AF-8D6D-52291C62D1BD}"/>
+          </ac:cxnSpMkLst>
+        </pc:cxnChg>
+        <pc:cxnChg chg="mod topLvl">
+          <ac:chgData name="Simon Bonner" userId="c968d0cc-44b1-4a19-b224-50fd2dc43281" providerId="ADAL" clId="{21C03C2C-B54E-0141-9F1A-D4B48D7F07BB}" dt="2023-02-21T15:11:02.905" v="21" actId="1076"/>
+          <ac:cxnSpMkLst>
+            <pc:docMk/>
+            <pc:sldMk cId="2718581900" sldId="257"/>
+            <ac:cxnSpMk id="16" creationId="{ADBEDA71-E44D-5775-EE9B-F7C90EC434CA}"/>
+          </ac:cxnSpMkLst>
+        </pc:cxnChg>
+        <pc:cxnChg chg="mod topLvl">
+          <ac:chgData name="Simon Bonner" userId="c968d0cc-44b1-4a19-b224-50fd2dc43281" providerId="ADAL" clId="{21C03C2C-B54E-0141-9F1A-D4B48D7F07BB}" dt="2023-02-21T15:15:02.985" v="86" actId="14100"/>
+          <ac:cxnSpMkLst>
+            <pc:docMk/>
+            <pc:sldMk cId="2718581900" sldId="257"/>
+            <ac:cxnSpMk id="17" creationId="{D58A0CDD-7120-AE0D-6488-D818C68CA3C9}"/>
+          </ac:cxnSpMkLst>
+        </pc:cxnChg>
+        <pc:cxnChg chg="add mod">
+          <ac:chgData name="Simon Bonner" userId="c968d0cc-44b1-4a19-b224-50fd2dc43281" providerId="ADAL" clId="{21C03C2C-B54E-0141-9F1A-D4B48D7F07BB}" dt="2023-02-21T15:13:01.743" v="48" actId="14100"/>
+          <ac:cxnSpMkLst>
+            <pc:docMk/>
+            <pc:sldMk cId="2718581900" sldId="257"/>
+            <ac:cxnSpMk id="18" creationId="{EB7DAEEE-7B91-59AC-03D2-FE624A485EA7}"/>
+          </ac:cxnSpMkLst>
+        </pc:cxnChg>
+        <pc:cxnChg chg="del mod topLvl">
+          <ac:chgData name="Simon Bonner" userId="c968d0cc-44b1-4a19-b224-50fd2dc43281" providerId="ADAL" clId="{21C03C2C-B54E-0141-9F1A-D4B48D7F07BB}" dt="2023-02-21T15:09:43.706" v="3" actId="478"/>
+          <ac:cxnSpMkLst>
+            <pc:docMk/>
+            <pc:sldMk cId="2718581900" sldId="257"/>
+            <ac:cxnSpMk id="19" creationId="{8A8D6F8B-F330-BD9B-9C41-F3E0E1A5E615}"/>
+          </ac:cxnSpMkLst>
+        </pc:cxnChg>
+        <pc:cxnChg chg="del mod topLvl">
+          <ac:chgData name="Simon Bonner" userId="c968d0cc-44b1-4a19-b224-50fd2dc43281" providerId="ADAL" clId="{21C03C2C-B54E-0141-9F1A-D4B48D7F07BB}" dt="2023-02-21T15:09:43.706" v="3" actId="478"/>
+          <ac:cxnSpMkLst>
+            <pc:docMk/>
+            <pc:sldMk cId="2718581900" sldId="257"/>
+            <ac:cxnSpMk id="23" creationId="{03DF1B1E-E6CE-60F3-0493-BB5999F199D7}"/>
+          </ac:cxnSpMkLst>
+        </pc:cxnChg>
+        <pc:cxnChg chg="add mod">
+          <ac:chgData name="Simon Bonner" userId="c968d0cc-44b1-4a19-b224-50fd2dc43281" providerId="ADAL" clId="{21C03C2C-B54E-0141-9F1A-D4B48D7F07BB}" dt="2023-02-21T15:14:53.120" v="84" actId="14100"/>
+          <ac:cxnSpMkLst>
+            <pc:docMk/>
+            <pc:sldMk cId="2718581900" sldId="257"/>
+            <ac:cxnSpMk id="33" creationId="{9561C585-8886-7A28-61BA-C330B780C927}"/>
+          </ac:cxnSpMkLst>
+        </pc:cxnChg>
+        <pc:cxnChg chg="add mod">
+          <ac:chgData name="Simon Bonner" userId="c968d0cc-44b1-4a19-b224-50fd2dc43281" providerId="ADAL" clId="{21C03C2C-B54E-0141-9F1A-D4B48D7F07BB}" dt="2023-02-21T15:14:57.216" v="85" actId="14100"/>
+          <ac:cxnSpMkLst>
+            <pc:docMk/>
+            <pc:sldMk cId="2718581900" sldId="257"/>
+            <ac:cxnSpMk id="36" creationId="{DA288777-66A9-C4FD-EFDF-9974BF412930}"/>
+          </ac:cxnSpMkLst>
+        </pc:cxnChg>
+      </pc:sldChg>
+    </pc:docChg>
+  </pc:docChgLst>
 </pc:chgInfo>
 </file>
 
@@ -424,7 +657,7 @@
           <a:p>
             <a:fld id="{68217EAF-5F0D-4A28-B856-1C00EE8A7931}" type="datetimeFigureOut">
               <a:rPr lang="en-US" smtClean="0"/>
-              <a:t>2/17/2023</a:t>
+              <a:t>2/21/23</a:t>
             </a:fld>
             <a:endParaRPr lang="en-US"/>
           </a:p>
@@ -622,7 +855,7 @@
           <a:p>
             <a:fld id="{68217EAF-5F0D-4A28-B856-1C00EE8A7931}" type="datetimeFigureOut">
               <a:rPr lang="en-US" smtClean="0"/>
-              <a:t>2/17/2023</a:t>
+              <a:t>2/21/23</a:t>
             </a:fld>
             <a:endParaRPr lang="en-US"/>
           </a:p>
@@ -830,7 +1063,7 @@
           <a:p>
             <a:fld id="{68217EAF-5F0D-4A28-B856-1C00EE8A7931}" type="datetimeFigureOut">
               <a:rPr lang="en-US" smtClean="0"/>
-              <a:t>2/17/2023</a:t>
+              <a:t>2/21/23</a:t>
             </a:fld>
             <a:endParaRPr lang="en-US"/>
           </a:p>
@@ -1028,7 +1261,7 @@
           <a:p>
             <a:fld id="{68217EAF-5F0D-4A28-B856-1C00EE8A7931}" type="datetimeFigureOut">
               <a:rPr lang="en-US" smtClean="0"/>
-              <a:t>2/17/2023</a:t>
+              <a:t>2/21/23</a:t>
             </a:fld>
             <a:endParaRPr lang="en-US"/>
           </a:p>
@@ -1303,7 +1536,7 @@
           <a:p>
             <a:fld id="{68217EAF-5F0D-4A28-B856-1C00EE8A7931}" type="datetimeFigureOut">
               <a:rPr lang="en-US" smtClean="0"/>
-              <a:t>2/17/2023</a:t>
+              <a:t>2/21/23</a:t>
             </a:fld>
             <a:endParaRPr lang="en-US"/>
           </a:p>
@@ -1568,7 +1801,7 @@
           <a:p>
             <a:fld id="{68217EAF-5F0D-4A28-B856-1C00EE8A7931}" type="datetimeFigureOut">
               <a:rPr lang="en-US" smtClean="0"/>
-              <a:t>2/17/2023</a:t>
+              <a:t>2/21/23</a:t>
             </a:fld>
             <a:endParaRPr lang="en-US"/>
           </a:p>
@@ -1980,7 +2213,7 @@
           <a:p>
             <a:fld id="{68217EAF-5F0D-4A28-B856-1C00EE8A7931}" type="datetimeFigureOut">
               <a:rPr lang="en-US" smtClean="0"/>
-              <a:t>2/17/2023</a:t>
+              <a:t>2/21/23</a:t>
             </a:fld>
             <a:endParaRPr lang="en-US"/>
           </a:p>
@@ -2121,7 +2354,7 @@
           <a:p>
             <a:fld id="{68217EAF-5F0D-4A28-B856-1C00EE8A7931}" type="datetimeFigureOut">
               <a:rPr lang="en-US" smtClean="0"/>
-              <a:t>2/17/2023</a:t>
+              <a:t>2/21/23</a:t>
             </a:fld>
             <a:endParaRPr lang="en-US"/>
           </a:p>
@@ -2234,7 +2467,7 @@
           <a:p>
             <a:fld id="{68217EAF-5F0D-4A28-B856-1C00EE8A7931}" type="datetimeFigureOut">
               <a:rPr lang="en-US" smtClean="0"/>
-              <a:t>2/17/2023</a:t>
+              <a:t>2/21/23</a:t>
             </a:fld>
             <a:endParaRPr lang="en-US"/>
           </a:p>
@@ -2545,7 +2778,7 @@
           <a:p>
             <a:fld id="{68217EAF-5F0D-4A28-B856-1C00EE8A7931}" type="datetimeFigureOut">
               <a:rPr lang="en-US" smtClean="0"/>
-              <a:t>2/17/2023</a:t>
+              <a:t>2/21/23</a:t>
             </a:fld>
             <a:endParaRPr lang="en-US"/>
           </a:p>
@@ -2833,7 +3066,7 @@
           <a:p>
             <a:fld id="{68217EAF-5F0D-4A28-B856-1C00EE8A7931}" type="datetimeFigureOut">
               <a:rPr lang="en-US" smtClean="0"/>
-              <a:t>2/17/2023</a:t>
+              <a:t>2/21/23</a:t>
             </a:fld>
             <a:endParaRPr lang="en-US"/>
           </a:p>
@@ -3074,7 +3307,7 @@
           <a:p>
             <a:fld id="{68217EAF-5F0D-4A28-B856-1C00EE8A7931}" type="datetimeFigureOut">
               <a:rPr lang="en-US" smtClean="0"/>
-              <a:t>2/17/2023</a:t>
+              <a:t>2/21/23</a:t>
             </a:fld>
             <a:endParaRPr lang="en-US"/>
           </a:p>
@@ -4569,8 +4802,8 @@
             </a:p>
           </p:txBody>
         </p:sp>
-        <mc:AlternateContent xmlns:mc="http://schemas.openxmlformats.org/markup-compatibility/2006">
-          <mc:Choice xmlns:a14="http://schemas.microsoft.com/office/drawing/2010/main" Requires="a14">
+        <mc:AlternateContent xmlns:mc="http://schemas.openxmlformats.org/markup-compatibility/2006" xmlns:a14="http://schemas.microsoft.com/office/drawing/2010/main">
+          <mc:Choice Requires="a14">
             <p:sp>
               <p:nvSpPr>
                 <p:cNvPr id="27" name="TextBox 26">
@@ -4626,7 +4859,7 @@
               </p:txBody>
             </p:sp>
           </mc:Choice>
-          <mc:Fallback>
+          <mc:Fallback xmlns="">
             <p:sp>
               <p:nvSpPr>
                 <p:cNvPr id="27" name="TextBox 26">
@@ -4723,8 +4956,8 @@
             </a:p>
           </p:txBody>
         </p:sp>
-        <mc:AlternateContent xmlns:mc="http://schemas.openxmlformats.org/markup-compatibility/2006">
-          <mc:Choice xmlns:a14="http://schemas.microsoft.com/office/drawing/2010/main" Requires="a14">
+        <mc:AlternateContent xmlns:mc="http://schemas.openxmlformats.org/markup-compatibility/2006" xmlns:a14="http://schemas.microsoft.com/office/drawing/2010/main">
+          <mc:Choice Requires="a14">
             <p:sp>
               <p:nvSpPr>
                 <p:cNvPr id="29" name="TextBox 28">
@@ -4780,7 +5013,7 @@
               </p:txBody>
             </p:sp>
           </mc:Choice>
-          <mc:Fallback>
+          <mc:Fallback xmlns="">
             <p:sp>
               <p:nvSpPr>
                 <p:cNvPr id="29" name="TextBox 28">
@@ -4830,6 +5063,1409 @@
     <p:extLst>
       <p:ext uri="{BB962C8B-B14F-4D97-AF65-F5344CB8AC3E}">
         <p14:creationId xmlns:p14="http://schemas.microsoft.com/office/powerpoint/2010/main" val="3848685715"/>
+      </p:ext>
+    </p:extLst>
+  </p:cSld>
+  <p:clrMapOvr>
+    <a:masterClrMapping/>
+  </p:clrMapOvr>
+</p:sld>
+</file>
+
+<file path=ppt/slides/slide2.xml><?xml version="1.0" encoding="utf-8"?>
+<p:sld xmlns:a="http://schemas.openxmlformats.org/drawingml/2006/main" xmlns:r="http://schemas.openxmlformats.org/officeDocument/2006/relationships" xmlns:p="http://schemas.openxmlformats.org/presentationml/2006/main">
+  <p:cSld>
+    <p:spTree>
+      <p:nvGrpSpPr>
+        <p:cNvPr id="1" name=""/>
+        <p:cNvGrpSpPr/>
+        <p:nvPr/>
+      </p:nvGrpSpPr>
+      <p:grpSpPr>
+        <a:xfrm>
+          <a:off x="0" y="0"/>
+          <a:ext cx="0" cy="0"/>
+          <a:chOff x="0" y="0"/>
+          <a:chExt cx="0" cy="0"/>
+        </a:xfrm>
+      </p:grpSpPr>
+      <p:sp>
+        <p:nvSpPr>
+          <p:cNvPr id="4" name="Rectangle 3">
+            <a:extLst>
+              <a:ext uri="{FF2B5EF4-FFF2-40B4-BE49-F238E27FC236}">
+                <a16:creationId xmlns:a16="http://schemas.microsoft.com/office/drawing/2014/main" id="{B7DC34CB-47DE-F49C-DF3B-CF0D0DE1CF12}"/>
+              </a:ext>
+            </a:extLst>
+          </p:cNvPr>
+          <p:cNvSpPr/>
+          <p:nvPr/>
+        </p:nvSpPr>
+        <p:spPr>
+          <a:xfrm>
+            <a:off x="4366861" y="2734462"/>
+            <a:ext cx="540000" cy="540000"/>
+          </a:xfrm>
+          <a:prstGeom prst="rect">
+            <a:avLst/>
+          </a:prstGeom>
+          <a:noFill/>
+          <a:ln>
+            <a:solidFill>
+              <a:schemeClr val="tx1"/>
+            </a:solidFill>
+          </a:ln>
+        </p:spPr>
+        <p:style>
+          <a:lnRef idx="2">
+            <a:schemeClr val="accent1">
+              <a:shade val="50000"/>
+            </a:schemeClr>
+          </a:lnRef>
+          <a:fillRef idx="1">
+            <a:schemeClr val="accent1"/>
+          </a:fillRef>
+          <a:effectRef idx="0">
+            <a:schemeClr val="accent1"/>
+          </a:effectRef>
+          <a:fontRef idx="minor">
+            <a:schemeClr val="lt1"/>
+          </a:fontRef>
+        </p:style>
+        <p:txBody>
+          <a:bodyPr rtlCol="0" anchor="ctr"/>
+          <a:lstStyle/>
+          <a:p>
+            <a:pPr algn="ctr"/>
+            <a:endParaRPr lang="en-US"/>
+          </a:p>
+        </p:txBody>
+      </p:sp>
+      <mc:AlternateContent xmlns:mc="http://schemas.openxmlformats.org/markup-compatibility/2006">
+        <mc:Choice xmlns:a14="http://schemas.microsoft.com/office/drawing/2010/main" Requires="a14">
+          <p:sp>
+            <p:nvSpPr>
+              <p:cNvPr id="5" name="TextBox 4">
+                <a:extLst>
+                  <a:ext uri="{FF2B5EF4-FFF2-40B4-BE49-F238E27FC236}">
+                    <a16:creationId xmlns:a16="http://schemas.microsoft.com/office/drawing/2014/main" id="{EF38647B-2D14-4F29-A4C4-F04426FA4E51}"/>
+                  </a:ext>
+                </a:extLst>
+              </p:cNvPr>
+              <p:cNvSpPr txBox="1"/>
+              <p:nvPr/>
+            </p:nvSpPr>
+            <p:spPr>
+              <a:xfrm>
+                <a:off x="4440019" y="2813543"/>
+                <a:ext cx="438838" cy="369332"/>
+              </a:xfrm>
+              <a:prstGeom prst="rect">
+                <a:avLst/>
+              </a:prstGeom>
+              <a:noFill/>
+            </p:spPr>
+            <p:txBody>
+              <a:bodyPr wrap="none" rtlCol="0">
+                <a:spAutoFit/>
+              </a:bodyPr>
+              <a:lstStyle/>
+              <a:p>
+                <a:pPr/>
+                <a14:m>
+                  <m:oMathPara xmlns:m="http://schemas.openxmlformats.org/officeDocument/2006/math">
+                    <m:oMathParaPr>
+                      <m:jc m:val="centerGroup"/>
+                    </m:oMathParaPr>
+                    <m:oMath xmlns:m="http://schemas.openxmlformats.org/officeDocument/2006/math">
+                      <m:sSub>
+                        <m:sSubPr>
+                          <m:ctrlPr>
+                            <a:rPr lang="en-CA" b="0" i="1" smtClean="0">
+                              <a:latin typeface="Cambria Math" panose="02040503050406030204" pitchFamily="18" charset="0"/>
+                            </a:rPr>
+                          </m:ctrlPr>
+                        </m:sSubPr>
+                        <m:e>
+                          <m:r>
+                            <a:rPr lang="en-CA" b="0" i="1" smtClean="0">
+                              <a:latin typeface="Cambria Math" panose="02040503050406030204" pitchFamily="18" charset="0"/>
+                            </a:rPr>
+                            <m:t>𝜇</m:t>
+                          </m:r>
+                        </m:e>
+                        <m:sub>
+                          <m:r>
+                            <a:rPr lang="en-CA" b="0" i="1" smtClean="0">
+                              <a:latin typeface="Cambria Math" panose="02040503050406030204" pitchFamily="18" charset="0"/>
+                            </a:rPr>
+                            <m:t>𝑖</m:t>
+                          </m:r>
+                        </m:sub>
+                      </m:sSub>
+                    </m:oMath>
+                  </m:oMathPara>
+                </a14:m>
+                <a:endParaRPr lang="en-US" dirty="0"/>
+              </a:p>
+            </p:txBody>
+          </p:sp>
+        </mc:Choice>
+        <mc:Fallback>
+          <p:sp>
+            <p:nvSpPr>
+              <p:cNvPr id="5" name="TextBox 4">
+                <a:extLst>
+                  <a:ext uri="{FF2B5EF4-FFF2-40B4-BE49-F238E27FC236}">
+                    <a16:creationId xmlns:a16="http://schemas.microsoft.com/office/drawing/2014/main" id="{EF38647B-2D14-4F29-A4C4-F04426FA4E51}"/>
+                  </a:ext>
+                </a:extLst>
+              </p:cNvPr>
+              <p:cNvSpPr txBox="1">
+                <a:spLocks noRot="1" noChangeAspect="1" noMove="1" noResize="1" noEditPoints="1" noAdjustHandles="1" noChangeArrowheads="1" noChangeShapeType="1" noTextEdit="1"/>
+              </p:cNvSpPr>
+              <p:nvPr/>
+            </p:nvSpPr>
+            <p:spPr>
+              <a:xfrm>
+                <a:off x="4440019" y="2813543"/>
+                <a:ext cx="438838" cy="369332"/>
+              </a:xfrm>
+              <a:prstGeom prst="rect">
+                <a:avLst/>
+              </a:prstGeom>
+              <a:blipFill>
+                <a:blip r:embed="rId2"/>
+                <a:stretch>
+                  <a:fillRect b="-6667"/>
+                </a:stretch>
+              </a:blipFill>
+            </p:spPr>
+            <p:txBody>
+              <a:bodyPr/>
+              <a:lstStyle/>
+              <a:p>
+                <a:r>
+                  <a:rPr lang="en-US">
+                    <a:noFill/>
+                  </a:rPr>
+                  <a:t> </a:t>
+                </a:r>
+              </a:p>
+            </p:txBody>
+          </p:sp>
+        </mc:Fallback>
+      </mc:AlternateContent>
+      <mc:AlternateContent xmlns:mc="http://schemas.openxmlformats.org/markup-compatibility/2006">
+        <mc:Choice xmlns:a14="http://schemas.microsoft.com/office/drawing/2010/main" Requires="a14">
+          <p:sp>
+            <p:nvSpPr>
+              <p:cNvPr id="7" name="TextBox 6">
+                <a:extLst>
+                  <a:ext uri="{FF2B5EF4-FFF2-40B4-BE49-F238E27FC236}">
+                    <a16:creationId xmlns:a16="http://schemas.microsoft.com/office/drawing/2014/main" id="{9DA5E3A8-7CF9-B3D6-CE7D-C5092FC5A82D}"/>
+                  </a:ext>
+                </a:extLst>
+              </p:cNvPr>
+              <p:cNvSpPr txBox="1"/>
+              <p:nvPr/>
+            </p:nvSpPr>
+            <p:spPr>
+              <a:xfrm>
+                <a:off x="5511176" y="1514363"/>
+                <a:ext cx="466217" cy="397545"/>
+              </a:xfrm>
+              <a:prstGeom prst="rect">
+                <a:avLst/>
+              </a:prstGeom>
+              <a:noFill/>
+            </p:spPr>
+            <p:txBody>
+              <a:bodyPr wrap="square" rtlCol="0">
+                <a:spAutoFit/>
+              </a:bodyPr>
+              <a:lstStyle/>
+              <a:p>
+                <a:pPr/>
+                <a14:m>
+                  <m:oMathPara xmlns:m="http://schemas.openxmlformats.org/officeDocument/2006/math">
+                    <m:oMathParaPr>
+                      <m:jc m:val="centerGroup"/>
+                    </m:oMathParaPr>
+                    <m:oMath xmlns:m="http://schemas.openxmlformats.org/officeDocument/2006/math">
+                      <m:sSubSup>
+                        <m:sSubSupPr>
+                          <m:ctrlPr>
+                            <a:rPr lang="en-CA" b="0" i="1" smtClean="0">
+                              <a:latin typeface="Cambria Math" panose="02040503050406030204" pitchFamily="18" charset="0"/>
+                            </a:rPr>
+                          </m:ctrlPr>
+                        </m:sSubSupPr>
+                        <m:e>
+                          <m:r>
+                            <a:rPr lang="en-CA" b="0" i="1" smtClean="0">
+                              <a:latin typeface="Cambria Math" panose="02040503050406030204" pitchFamily="18" charset="0"/>
+                            </a:rPr>
+                            <m:t>𝜎</m:t>
+                          </m:r>
+                        </m:e>
+                        <m:sub/>
+                        <m:sup>
+                          <m:r>
+                            <a:rPr lang="en-CA" b="0" i="1" smtClean="0">
+                              <a:latin typeface="Cambria Math" panose="02040503050406030204" pitchFamily="18" charset="0"/>
+                            </a:rPr>
+                            <m:t>2</m:t>
+                          </m:r>
+                        </m:sup>
+                      </m:sSubSup>
+                    </m:oMath>
+                  </m:oMathPara>
+                </a14:m>
+                <a:endParaRPr lang="en-US" dirty="0"/>
+              </a:p>
+            </p:txBody>
+          </p:sp>
+        </mc:Choice>
+        <mc:Fallback>
+          <p:sp>
+            <p:nvSpPr>
+              <p:cNvPr id="7" name="TextBox 6">
+                <a:extLst>
+                  <a:ext uri="{FF2B5EF4-FFF2-40B4-BE49-F238E27FC236}">
+                    <a16:creationId xmlns:a16="http://schemas.microsoft.com/office/drawing/2014/main" id="{9DA5E3A8-7CF9-B3D6-CE7D-C5092FC5A82D}"/>
+                  </a:ext>
+                </a:extLst>
+              </p:cNvPr>
+              <p:cNvSpPr txBox="1">
+                <a:spLocks noRot="1" noChangeAspect="1" noMove="1" noResize="1" noEditPoints="1" noAdjustHandles="1" noChangeArrowheads="1" noChangeShapeType="1" noTextEdit="1"/>
+              </p:cNvSpPr>
+              <p:nvPr/>
+            </p:nvSpPr>
+            <p:spPr>
+              <a:xfrm>
+                <a:off x="5511176" y="1514363"/>
+                <a:ext cx="466217" cy="397545"/>
+              </a:xfrm>
+              <a:prstGeom prst="rect">
+                <a:avLst/>
+              </a:prstGeom>
+              <a:blipFill>
+                <a:blip r:embed="rId3"/>
+                <a:stretch>
+                  <a:fillRect/>
+                </a:stretch>
+              </a:blipFill>
+            </p:spPr>
+            <p:txBody>
+              <a:bodyPr/>
+              <a:lstStyle/>
+              <a:p>
+                <a:r>
+                  <a:rPr lang="en-US">
+                    <a:noFill/>
+                  </a:rPr>
+                  <a:t> </a:t>
+                </a:r>
+              </a:p>
+            </p:txBody>
+          </p:sp>
+        </mc:Fallback>
+      </mc:AlternateContent>
+      <mc:AlternateContent xmlns:mc="http://schemas.openxmlformats.org/markup-compatibility/2006">
+        <mc:Choice xmlns:a14="http://schemas.microsoft.com/office/drawing/2010/main" Requires="a14">
+          <p:sp>
+            <p:nvSpPr>
+              <p:cNvPr id="10" name="Oval 9">
+                <a:extLst>
+                  <a:ext uri="{FF2B5EF4-FFF2-40B4-BE49-F238E27FC236}">
+                    <a16:creationId xmlns:a16="http://schemas.microsoft.com/office/drawing/2014/main" id="{D0B009ED-32B6-ECFB-EFEF-EE08DEB5111B}"/>
+                  </a:ext>
+                </a:extLst>
+              </p:cNvPr>
+              <p:cNvSpPr/>
+              <p:nvPr/>
+            </p:nvSpPr>
+            <p:spPr>
+              <a:xfrm>
+                <a:off x="4906861" y="3722011"/>
+                <a:ext cx="540000" cy="540000"/>
+              </a:xfrm>
+              <a:prstGeom prst="ellipse">
+                <a:avLst/>
+              </a:prstGeom>
+              <a:noFill/>
+              <a:ln>
+                <a:solidFill>
+                  <a:schemeClr val="tx1"/>
+                </a:solidFill>
+              </a:ln>
+            </p:spPr>
+            <p:style>
+              <a:lnRef idx="2">
+                <a:schemeClr val="accent1">
+                  <a:shade val="50000"/>
+                </a:schemeClr>
+              </a:lnRef>
+              <a:fillRef idx="1">
+                <a:schemeClr val="accent1"/>
+              </a:fillRef>
+              <a:effectRef idx="0">
+                <a:schemeClr val="accent1"/>
+              </a:effectRef>
+              <a:fontRef idx="minor">
+                <a:schemeClr val="lt1"/>
+              </a:fontRef>
+            </p:style>
+            <p:txBody>
+              <a:bodyPr rtlCol="0" anchor="ctr"/>
+              <a:lstStyle/>
+              <a:p>
+                <a:pPr algn="ctr"/>
+                <a14:m>
+                  <m:oMathPara xmlns:m="http://schemas.openxmlformats.org/officeDocument/2006/math">
+                    <m:oMathParaPr>
+                      <m:jc m:val="centerGroup"/>
+                    </m:oMathParaPr>
+                    <m:oMath xmlns:m="http://schemas.openxmlformats.org/officeDocument/2006/math">
+                      <m:sSub>
+                        <m:sSubPr>
+                          <m:ctrlPr>
+                            <a:rPr lang="en-CA" b="0" i="1" smtClean="0">
+                              <a:solidFill>
+                                <a:schemeClr val="tx1"/>
+                              </a:solidFill>
+                              <a:latin typeface="Cambria Math" panose="02040503050406030204" pitchFamily="18" charset="0"/>
+                            </a:rPr>
+                          </m:ctrlPr>
+                        </m:sSubPr>
+                        <m:e>
+                          <m:r>
+                            <a:rPr lang="en-CA" b="0" i="1" smtClean="0">
+                              <a:solidFill>
+                                <a:schemeClr val="tx1"/>
+                              </a:solidFill>
+                              <a:latin typeface="Cambria Math" panose="02040503050406030204" pitchFamily="18" charset="0"/>
+                            </a:rPr>
+                            <m:t>𝑌</m:t>
+                          </m:r>
+                        </m:e>
+                        <m:sub>
+                          <m:r>
+                            <a:rPr lang="en-CA" b="0" i="1" smtClean="0">
+                              <a:solidFill>
+                                <a:schemeClr val="tx1"/>
+                              </a:solidFill>
+                              <a:latin typeface="Cambria Math" panose="02040503050406030204" pitchFamily="18" charset="0"/>
+                            </a:rPr>
+                            <m:t>𝑖</m:t>
+                          </m:r>
+                        </m:sub>
+                      </m:sSub>
+                    </m:oMath>
+                  </m:oMathPara>
+                </a14:m>
+                <a:endParaRPr lang="en-CA" b="0" dirty="0">
+                  <a:solidFill>
+                    <a:schemeClr val="tx1"/>
+                  </a:solidFill>
+                </a:endParaRPr>
+              </a:p>
+            </p:txBody>
+          </p:sp>
+        </mc:Choice>
+        <mc:Fallback>
+          <p:sp>
+            <p:nvSpPr>
+              <p:cNvPr id="10" name="Oval 9">
+                <a:extLst>
+                  <a:ext uri="{FF2B5EF4-FFF2-40B4-BE49-F238E27FC236}">
+                    <a16:creationId xmlns:a16="http://schemas.microsoft.com/office/drawing/2014/main" id="{D0B009ED-32B6-ECFB-EFEF-EE08DEB5111B}"/>
+                  </a:ext>
+                </a:extLst>
+              </p:cNvPr>
+              <p:cNvSpPr>
+                <a:spLocks noRot="1" noChangeAspect="1" noMove="1" noResize="1" noEditPoints="1" noAdjustHandles="1" noChangeArrowheads="1" noChangeShapeType="1" noTextEdit="1"/>
+              </p:cNvSpPr>
+              <p:nvPr/>
+            </p:nvSpPr>
+            <p:spPr>
+              <a:xfrm>
+                <a:off x="4906861" y="3722011"/>
+                <a:ext cx="540000" cy="540000"/>
+              </a:xfrm>
+              <a:prstGeom prst="ellipse">
+                <a:avLst/>
+              </a:prstGeom>
+              <a:blipFill>
+                <a:blip r:embed="rId4"/>
+                <a:stretch>
+                  <a:fillRect/>
+                </a:stretch>
+              </a:blipFill>
+              <a:ln>
+                <a:solidFill>
+                  <a:schemeClr val="tx1"/>
+                </a:solidFill>
+              </a:ln>
+            </p:spPr>
+            <p:txBody>
+              <a:bodyPr/>
+              <a:lstStyle/>
+              <a:p>
+                <a:r>
+                  <a:rPr lang="en-US">
+                    <a:noFill/>
+                  </a:rPr>
+                  <a:t> </a:t>
+                </a:r>
+              </a:p>
+            </p:txBody>
+          </p:sp>
+        </mc:Fallback>
+      </mc:AlternateContent>
+      <p:sp>
+        <p:nvSpPr>
+          <p:cNvPr id="12" name="Rectangle 11">
+            <a:extLst>
+              <a:ext uri="{FF2B5EF4-FFF2-40B4-BE49-F238E27FC236}">
+                <a16:creationId xmlns:a16="http://schemas.microsoft.com/office/drawing/2014/main" id="{C7E76004-2E3B-FC1A-EF5E-019620BEC9BF}"/>
+              </a:ext>
+            </a:extLst>
+          </p:cNvPr>
+          <p:cNvSpPr/>
+          <p:nvPr/>
+        </p:nvSpPr>
+        <p:spPr>
+          <a:xfrm>
+            <a:off x="5437393" y="1429029"/>
+            <a:ext cx="540000" cy="540000"/>
+          </a:xfrm>
+          <a:prstGeom prst="rect">
+            <a:avLst/>
+          </a:prstGeom>
+          <a:noFill/>
+          <a:ln>
+            <a:solidFill>
+              <a:schemeClr val="tx1"/>
+            </a:solidFill>
+          </a:ln>
+        </p:spPr>
+        <p:style>
+          <a:lnRef idx="2">
+            <a:schemeClr val="accent1">
+              <a:shade val="50000"/>
+            </a:schemeClr>
+          </a:lnRef>
+          <a:fillRef idx="1">
+            <a:schemeClr val="accent1"/>
+          </a:fillRef>
+          <a:effectRef idx="0">
+            <a:schemeClr val="accent1"/>
+          </a:effectRef>
+          <a:fontRef idx="minor">
+            <a:schemeClr val="lt1"/>
+          </a:fontRef>
+        </p:style>
+        <p:txBody>
+          <a:bodyPr rtlCol="0" anchor="ctr"/>
+          <a:lstStyle/>
+          <a:p>
+            <a:pPr algn="ctr"/>
+            <a:endParaRPr lang="en-US"/>
+          </a:p>
+        </p:txBody>
+      </p:sp>
+      <p:cxnSp>
+        <p:nvCxnSpPr>
+          <p:cNvPr id="16" name="Straight Arrow Connector 15">
+            <a:extLst>
+              <a:ext uri="{FF2B5EF4-FFF2-40B4-BE49-F238E27FC236}">
+                <a16:creationId xmlns:a16="http://schemas.microsoft.com/office/drawing/2014/main" id="{ADBEDA71-E44D-5775-EE9B-F7C90EC434CA}"/>
+              </a:ext>
+            </a:extLst>
+          </p:cNvPr>
+          <p:cNvCxnSpPr>
+            <a:stCxn id="4" idx="2"/>
+            <a:endCxn id="10" idx="1"/>
+          </p:cNvCxnSpPr>
+          <p:nvPr/>
+        </p:nvCxnSpPr>
+        <p:spPr>
+          <a:xfrm>
+            <a:off x="4636861" y="3274462"/>
+            <a:ext cx="349081" cy="526630"/>
+          </a:xfrm>
+          <a:prstGeom prst="straightConnector1">
+            <a:avLst/>
+          </a:prstGeom>
+          <a:ln>
+            <a:solidFill>
+              <a:schemeClr val="tx1"/>
+            </a:solidFill>
+            <a:tailEnd type="triangle" w="lg" len="lg"/>
+          </a:ln>
+        </p:spPr>
+        <p:style>
+          <a:lnRef idx="1">
+            <a:schemeClr val="accent1"/>
+          </a:lnRef>
+          <a:fillRef idx="0">
+            <a:schemeClr val="accent1"/>
+          </a:fillRef>
+          <a:effectRef idx="0">
+            <a:schemeClr val="accent1"/>
+          </a:effectRef>
+          <a:fontRef idx="minor">
+            <a:schemeClr val="tx1"/>
+          </a:fontRef>
+        </p:style>
+      </p:cxnSp>
+      <p:cxnSp>
+        <p:nvCxnSpPr>
+          <p:cNvPr id="17" name="Straight Arrow Connector 16">
+            <a:extLst>
+              <a:ext uri="{FF2B5EF4-FFF2-40B4-BE49-F238E27FC236}">
+                <a16:creationId xmlns:a16="http://schemas.microsoft.com/office/drawing/2014/main" id="{D58A0CDD-7120-AE0D-6488-D818C68CA3C9}"/>
+              </a:ext>
+            </a:extLst>
+          </p:cNvPr>
+          <p:cNvCxnSpPr>
+            <a:cxnSpLocks/>
+            <a:stCxn id="12" idx="2"/>
+            <a:endCxn id="10" idx="7"/>
+          </p:cNvCxnSpPr>
+          <p:nvPr/>
+        </p:nvCxnSpPr>
+        <p:spPr>
+          <a:xfrm flipH="1">
+            <a:off x="5367780" y="1969029"/>
+            <a:ext cx="339613" cy="1832063"/>
+          </a:xfrm>
+          <a:prstGeom prst="straightConnector1">
+            <a:avLst/>
+          </a:prstGeom>
+          <a:ln>
+            <a:solidFill>
+              <a:schemeClr val="tx1"/>
+            </a:solidFill>
+            <a:tailEnd type="triangle" w="lg" len="lg"/>
+          </a:ln>
+        </p:spPr>
+        <p:style>
+          <a:lnRef idx="1">
+            <a:schemeClr val="accent1"/>
+          </a:lnRef>
+          <a:fillRef idx="0">
+            <a:schemeClr val="accent1"/>
+          </a:fillRef>
+          <a:effectRef idx="0">
+            <a:schemeClr val="accent1"/>
+          </a:effectRef>
+          <a:fontRef idx="minor">
+            <a:schemeClr val="tx1"/>
+          </a:fontRef>
+        </p:style>
+      </p:cxnSp>
+      <p:sp>
+        <p:nvSpPr>
+          <p:cNvPr id="26" name="Rectangle 25">
+            <a:extLst>
+              <a:ext uri="{FF2B5EF4-FFF2-40B4-BE49-F238E27FC236}">
+                <a16:creationId xmlns:a16="http://schemas.microsoft.com/office/drawing/2014/main" id="{F5773DBF-A89C-20F7-96F4-F9EC52BF69B1}"/>
+              </a:ext>
+            </a:extLst>
+          </p:cNvPr>
+          <p:cNvSpPr/>
+          <p:nvPr/>
+        </p:nvSpPr>
+        <p:spPr>
+          <a:xfrm>
+            <a:off x="3118934" y="2564913"/>
+            <a:ext cx="2979846" cy="2324059"/>
+          </a:xfrm>
+          <a:prstGeom prst="rect">
+            <a:avLst/>
+          </a:prstGeom>
+          <a:noFill/>
+          <a:ln>
+            <a:solidFill>
+              <a:schemeClr val="tx1"/>
+            </a:solidFill>
+          </a:ln>
+        </p:spPr>
+        <p:style>
+          <a:lnRef idx="2">
+            <a:schemeClr val="accent1">
+              <a:shade val="50000"/>
+            </a:schemeClr>
+          </a:lnRef>
+          <a:fillRef idx="1">
+            <a:schemeClr val="accent1"/>
+          </a:fillRef>
+          <a:effectRef idx="0">
+            <a:schemeClr val="accent1"/>
+          </a:effectRef>
+          <a:fontRef idx="minor">
+            <a:schemeClr val="lt1"/>
+          </a:fontRef>
+        </p:style>
+        <p:txBody>
+          <a:bodyPr rtlCol="0" anchor="ctr"/>
+          <a:lstStyle/>
+          <a:p>
+            <a:pPr algn="ctr"/>
+            <a:endParaRPr lang="en-US"/>
+          </a:p>
+        </p:txBody>
+      </p:sp>
+      <mc:AlternateContent xmlns:mc="http://schemas.openxmlformats.org/markup-compatibility/2006">
+        <mc:Choice xmlns:a14="http://schemas.microsoft.com/office/drawing/2010/main" Requires="a14">
+          <p:sp>
+            <p:nvSpPr>
+              <p:cNvPr id="27" name="TextBox 26">
+                <a:extLst>
+                  <a:ext uri="{FF2B5EF4-FFF2-40B4-BE49-F238E27FC236}">
+                    <a16:creationId xmlns:a16="http://schemas.microsoft.com/office/drawing/2014/main" id="{2C98168B-D35A-922E-D777-FFA7B4287DDB}"/>
+                  </a:ext>
+                </a:extLst>
+              </p:cNvPr>
+              <p:cNvSpPr txBox="1"/>
+              <p:nvPr/>
+            </p:nvSpPr>
+            <p:spPr>
+              <a:xfrm>
+                <a:off x="3248364" y="4405957"/>
+                <a:ext cx="1244251" cy="369332"/>
+              </a:xfrm>
+              <a:prstGeom prst="rect">
+                <a:avLst/>
+              </a:prstGeom>
+              <a:noFill/>
+            </p:spPr>
+            <p:txBody>
+              <a:bodyPr wrap="none" rtlCol="0">
+                <a:spAutoFit/>
+              </a:bodyPr>
+              <a:lstStyle/>
+              <a:p>
+                <a:pPr/>
+                <a:r>
+                  <a:rPr lang="en-CA" i="1" dirty="0"/>
+                  <a:t>i</a:t>
+                </a:r>
+                <a14:m>
+                  <m:oMath xmlns:m="http://schemas.openxmlformats.org/officeDocument/2006/math">
+                    <m:r>
+                      <a:rPr lang="en-CA" b="0" i="1" smtClean="0">
+                        <a:latin typeface="Cambria Math" panose="02040503050406030204" pitchFamily="18" charset="0"/>
+                      </a:rPr>
+                      <m:t>=1,…,</m:t>
+                    </m:r>
+                    <m:r>
+                      <a:rPr lang="en-CA" b="0" i="1" smtClean="0">
+                        <a:latin typeface="Cambria Math" panose="02040503050406030204" pitchFamily="18" charset="0"/>
+                      </a:rPr>
+                      <m:t>5</m:t>
+                    </m:r>
+                    <m:r>
+                      <a:rPr lang="en-CA" b="0" i="1" smtClean="0">
+                        <a:latin typeface="Cambria Math" panose="02040503050406030204" pitchFamily="18" charset="0"/>
+                      </a:rPr>
+                      <m:t>0</m:t>
+                    </m:r>
+                  </m:oMath>
+                </a14:m>
+                <a:endParaRPr lang="en-CA" b="0" dirty="0"/>
+              </a:p>
+            </p:txBody>
+          </p:sp>
+        </mc:Choice>
+        <mc:Fallback>
+          <p:sp>
+            <p:nvSpPr>
+              <p:cNvPr id="27" name="TextBox 26">
+                <a:extLst>
+                  <a:ext uri="{FF2B5EF4-FFF2-40B4-BE49-F238E27FC236}">
+                    <a16:creationId xmlns:a16="http://schemas.microsoft.com/office/drawing/2014/main" id="{2C98168B-D35A-922E-D777-FFA7B4287DDB}"/>
+                  </a:ext>
+                </a:extLst>
+              </p:cNvPr>
+              <p:cNvSpPr txBox="1">
+                <a:spLocks noRot="1" noChangeAspect="1" noMove="1" noResize="1" noEditPoints="1" noAdjustHandles="1" noChangeArrowheads="1" noChangeShapeType="1" noTextEdit="1"/>
+              </p:cNvSpPr>
+              <p:nvPr/>
+            </p:nvSpPr>
+            <p:spPr>
+              <a:xfrm>
+                <a:off x="3248364" y="4405957"/>
+                <a:ext cx="1244251" cy="369332"/>
+              </a:xfrm>
+              <a:prstGeom prst="rect">
+                <a:avLst/>
+              </a:prstGeom>
+              <a:blipFill>
+                <a:blip r:embed="rId5"/>
+                <a:stretch>
+                  <a:fillRect l="-4040" t="-10345" b="-27586"/>
+                </a:stretch>
+              </a:blipFill>
+            </p:spPr>
+            <p:txBody>
+              <a:bodyPr/>
+              <a:lstStyle/>
+              <a:p>
+                <a:r>
+                  <a:rPr lang="en-US">
+                    <a:noFill/>
+                  </a:rPr>
+                  <a:t> </a:t>
+                </a:r>
+              </a:p>
+            </p:txBody>
+          </p:sp>
+        </mc:Fallback>
+      </mc:AlternateContent>
+      <p:sp>
+        <p:nvSpPr>
+          <p:cNvPr id="6" name="Rectangle 5">
+            <a:extLst>
+              <a:ext uri="{FF2B5EF4-FFF2-40B4-BE49-F238E27FC236}">
+                <a16:creationId xmlns:a16="http://schemas.microsoft.com/office/drawing/2014/main" id="{666CB5AE-6497-7D11-B6A5-9DFEFEC9C4B4}"/>
+              </a:ext>
+            </a:extLst>
+          </p:cNvPr>
+          <p:cNvSpPr/>
+          <p:nvPr/>
+        </p:nvSpPr>
+        <p:spPr>
+          <a:xfrm>
+            <a:off x="3248364" y="2734462"/>
+            <a:ext cx="540000" cy="540000"/>
+          </a:xfrm>
+          <a:prstGeom prst="rect">
+            <a:avLst/>
+          </a:prstGeom>
+          <a:noFill/>
+          <a:ln>
+            <a:solidFill>
+              <a:schemeClr val="tx1"/>
+            </a:solidFill>
+          </a:ln>
+        </p:spPr>
+        <p:style>
+          <a:lnRef idx="2">
+            <a:schemeClr val="accent1">
+              <a:shade val="50000"/>
+            </a:schemeClr>
+          </a:lnRef>
+          <a:fillRef idx="1">
+            <a:schemeClr val="accent1"/>
+          </a:fillRef>
+          <a:effectRef idx="0">
+            <a:schemeClr val="accent1"/>
+          </a:effectRef>
+          <a:fontRef idx="minor">
+            <a:schemeClr val="lt1"/>
+          </a:fontRef>
+        </p:style>
+        <p:txBody>
+          <a:bodyPr rtlCol="0" anchor="ctr"/>
+          <a:lstStyle/>
+          <a:p>
+            <a:pPr algn="ctr"/>
+            <a:endParaRPr lang="en-US"/>
+          </a:p>
+        </p:txBody>
+      </p:sp>
+      <mc:AlternateContent xmlns:mc="http://schemas.openxmlformats.org/markup-compatibility/2006">
+        <mc:Choice xmlns:a14="http://schemas.microsoft.com/office/drawing/2010/main" Requires="a14">
+          <p:sp>
+            <p:nvSpPr>
+              <p:cNvPr id="8" name="TextBox 7">
+                <a:extLst>
+                  <a:ext uri="{FF2B5EF4-FFF2-40B4-BE49-F238E27FC236}">
+                    <a16:creationId xmlns:a16="http://schemas.microsoft.com/office/drawing/2014/main" id="{6BD53912-FF0E-EC58-92F6-8A4A18485BC2}"/>
+                  </a:ext>
+                </a:extLst>
+              </p:cNvPr>
+              <p:cNvSpPr txBox="1"/>
+              <p:nvPr/>
+            </p:nvSpPr>
+            <p:spPr>
+              <a:xfrm>
+                <a:off x="3354976" y="2821416"/>
+                <a:ext cx="433388" cy="369332"/>
+              </a:xfrm>
+              <a:prstGeom prst="rect">
+                <a:avLst/>
+              </a:prstGeom>
+              <a:noFill/>
+            </p:spPr>
+            <p:txBody>
+              <a:bodyPr wrap="none" rtlCol="0">
+                <a:spAutoFit/>
+              </a:bodyPr>
+              <a:lstStyle/>
+              <a:p>
+                <a14:m>
+                  <m:oMathPara xmlns:m="http://schemas.openxmlformats.org/officeDocument/2006/math">
+                    <m:oMathParaPr>
+                      <m:jc m:val="centerGroup"/>
+                    </m:oMathParaPr>
+                    <m:oMath xmlns:m="http://schemas.openxmlformats.org/officeDocument/2006/math">
+                      <m:sSub>
+                        <m:sSubPr>
+                          <m:ctrlPr>
+                            <a:rPr lang="en-CA" b="0" i="1" smtClean="0">
+                              <a:latin typeface="Cambria Math" panose="02040503050406030204" pitchFamily="18" charset="0"/>
+                            </a:rPr>
+                          </m:ctrlPr>
+                        </m:sSubPr>
+                        <m:e>
+                          <m:r>
+                            <a:rPr lang="en-CA" b="0" i="1" smtClean="0">
+                              <a:latin typeface="Cambria Math" panose="02040503050406030204" pitchFamily="18" charset="0"/>
+                            </a:rPr>
+                            <m:t>𝑥</m:t>
+                          </m:r>
+                        </m:e>
+                        <m:sub>
+                          <m:r>
+                            <a:rPr lang="en-CA" b="0" i="1" smtClean="0">
+                              <a:latin typeface="Cambria Math" panose="02040503050406030204" pitchFamily="18" charset="0"/>
+                            </a:rPr>
+                            <m:t>𝑖</m:t>
+                          </m:r>
+                        </m:sub>
+                      </m:sSub>
+                    </m:oMath>
+                  </m:oMathPara>
+                </a14:m>
+                <a:endParaRPr lang="en-CA" b="0" dirty="0"/>
+              </a:p>
+            </p:txBody>
+          </p:sp>
+        </mc:Choice>
+        <mc:Fallback>
+          <p:sp>
+            <p:nvSpPr>
+              <p:cNvPr id="8" name="TextBox 7">
+                <a:extLst>
+                  <a:ext uri="{FF2B5EF4-FFF2-40B4-BE49-F238E27FC236}">
+                    <a16:creationId xmlns:a16="http://schemas.microsoft.com/office/drawing/2014/main" id="{6BD53912-FF0E-EC58-92F6-8A4A18485BC2}"/>
+                  </a:ext>
+                </a:extLst>
+              </p:cNvPr>
+              <p:cNvSpPr txBox="1">
+                <a:spLocks noRot="1" noChangeAspect="1" noMove="1" noResize="1" noEditPoints="1" noAdjustHandles="1" noChangeArrowheads="1" noChangeShapeType="1" noTextEdit="1"/>
+              </p:cNvSpPr>
+              <p:nvPr/>
+            </p:nvSpPr>
+            <p:spPr>
+              <a:xfrm>
+                <a:off x="3354976" y="2821416"/>
+                <a:ext cx="433388" cy="369332"/>
+              </a:xfrm>
+              <a:prstGeom prst="rect">
+                <a:avLst/>
+              </a:prstGeom>
+              <a:blipFill>
+                <a:blip r:embed="rId6"/>
+                <a:stretch>
+                  <a:fillRect/>
+                </a:stretch>
+              </a:blipFill>
+            </p:spPr>
+            <p:txBody>
+              <a:bodyPr/>
+              <a:lstStyle/>
+              <a:p>
+                <a:r>
+                  <a:rPr lang="en-US">
+                    <a:noFill/>
+                  </a:rPr>
+                  <a:t> </a:t>
+                </a:r>
+              </a:p>
+            </p:txBody>
+          </p:sp>
+        </mc:Fallback>
+      </mc:AlternateContent>
+      <p:cxnSp>
+        <p:nvCxnSpPr>
+          <p:cNvPr id="18" name="Straight Arrow Connector 17">
+            <a:extLst>
+              <a:ext uri="{FF2B5EF4-FFF2-40B4-BE49-F238E27FC236}">
+                <a16:creationId xmlns:a16="http://schemas.microsoft.com/office/drawing/2014/main" id="{EB7DAEEE-7B91-59AC-03D2-FE624A485EA7}"/>
+              </a:ext>
+            </a:extLst>
+          </p:cNvPr>
+          <p:cNvCxnSpPr>
+            <a:cxnSpLocks/>
+            <a:stCxn id="8" idx="3"/>
+            <a:endCxn id="4" idx="1"/>
+          </p:cNvCxnSpPr>
+          <p:nvPr/>
+        </p:nvCxnSpPr>
+        <p:spPr>
+          <a:xfrm flipV="1">
+            <a:off x="3788364" y="3004462"/>
+            <a:ext cx="578497" cy="1620"/>
+          </a:xfrm>
+          <a:prstGeom prst="straightConnector1">
+            <a:avLst/>
+          </a:prstGeom>
+          <a:ln>
+            <a:solidFill>
+              <a:schemeClr val="tx1"/>
+            </a:solidFill>
+            <a:tailEnd type="triangle" w="lg" len="lg"/>
+          </a:ln>
+        </p:spPr>
+        <p:style>
+          <a:lnRef idx="1">
+            <a:schemeClr val="accent1"/>
+          </a:lnRef>
+          <a:fillRef idx="0">
+            <a:schemeClr val="accent1"/>
+          </a:fillRef>
+          <a:effectRef idx="0">
+            <a:schemeClr val="accent1"/>
+          </a:effectRef>
+          <a:fontRef idx="minor">
+            <a:schemeClr val="tx1"/>
+          </a:fontRef>
+        </p:style>
+      </p:cxnSp>
+      <mc:AlternateContent xmlns:mc="http://schemas.openxmlformats.org/markup-compatibility/2006">
+        <mc:Choice xmlns:a14="http://schemas.microsoft.com/office/drawing/2010/main" Requires="a14">
+          <p:sp>
+            <p:nvSpPr>
+              <p:cNvPr id="24" name="TextBox 23">
+                <a:extLst>
+                  <a:ext uri="{FF2B5EF4-FFF2-40B4-BE49-F238E27FC236}">
+                    <a16:creationId xmlns:a16="http://schemas.microsoft.com/office/drawing/2014/main" id="{0366CFE7-0B94-71CC-C53D-E1DAA8698E24}"/>
+                  </a:ext>
+                </a:extLst>
+              </p:cNvPr>
+              <p:cNvSpPr txBox="1"/>
+              <p:nvPr/>
+            </p:nvSpPr>
+            <p:spPr>
+              <a:xfrm>
+                <a:off x="4412640" y="1533986"/>
+                <a:ext cx="466217" cy="369332"/>
+              </a:xfrm>
+              <a:prstGeom prst="rect">
+                <a:avLst/>
+              </a:prstGeom>
+              <a:noFill/>
+            </p:spPr>
+            <p:txBody>
+              <a:bodyPr wrap="square" rtlCol="0">
+                <a:spAutoFit/>
+              </a:bodyPr>
+              <a:lstStyle/>
+              <a:p>
+                <a:pPr/>
+                <a14:m>
+                  <m:oMathPara xmlns:m="http://schemas.openxmlformats.org/officeDocument/2006/math">
+                    <m:oMathParaPr>
+                      <m:jc m:val="centerGroup"/>
+                    </m:oMathParaPr>
+                    <m:oMath xmlns:m="http://schemas.openxmlformats.org/officeDocument/2006/math">
+                      <m:sSub>
+                        <m:sSubPr>
+                          <m:ctrlPr>
+                            <a:rPr lang="en-CA" b="0" i="1" smtClean="0">
+                              <a:latin typeface="Cambria Math" panose="02040503050406030204" pitchFamily="18" charset="0"/>
+                            </a:rPr>
+                          </m:ctrlPr>
+                        </m:sSubPr>
+                        <m:e>
+                          <m:r>
+                            <a:rPr lang="en-CA" b="0" i="1" smtClean="0">
+                              <a:latin typeface="Cambria Math" panose="02040503050406030204" pitchFamily="18" charset="0"/>
+                            </a:rPr>
+                            <m:t>𝛽</m:t>
+                          </m:r>
+                        </m:e>
+                        <m:sub>
+                          <m:r>
+                            <a:rPr lang="en-CA" b="0" i="1" smtClean="0">
+                              <a:latin typeface="Cambria Math" panose="02040503050406030204" pitchFamily="18" charset="0"/>
+                            </a:rPr>
+                            <m:t>1</m:t>
+                          </m:r>
+                        </m:sub>
+                      </m:sSub>
+                    </m:oMath>
+                  </m:oMathPara>
+                </a14:m>
+                <a:endParaRPr lang="en-US" dirty="0"/>
+              </a:p>
+            </p:txBody>
+          </p:sp>
+        </mc:Choice>
+        <mc:Fallback>
+          <p:sp>
+            <p:nvSpPr>
+              <p:cNvPr id="24" name="TextBox 23">
+                <a:extLst>
+                  <a:ext uri="{FF2B5EF4-FFF2-40B4-BE49-F238E27FC236}">
+                    <a16:creationId xmlns:a16="http://schemas.microsoft.com/office/drawing/2014/main" id="{0366CFE7-0B94-71CC-C53D-E1DAA8698E24}"/>
+                  </a:ext>
+                </a:extLst>
+              </p:cNvPr>
+              <p:cNvSpPr txBox="1">
+                <a:spLocks noRot="1" noChangeAspect="1" noMove="1" noResize="1" noEditPoints="1" noAdjustHandles="1" noChangeArrowheads="1" noChangeShapeType="1" noTextEdit="1"/>
+              </p:cNvSpPr>
+              <p:nvPr/>
+            </p:nvSpPr>
+            <p:spPr>
+              <a:xfrm>
+                <a:off x="4412640" y="1533986"/>
+                <a:ext cx="466217" cy="369332"/>
+              </a:xfrm>
+              <a:prstGeom prst="rect">
+                <a:avLst/>
+              </a:prstGeom>
+              <a:blipFill>
+                <a:blip r:embed="rId7"/>
+                <a:stretch>
+                  <a:fillRect b="-16667"/>
+                </a:stretch>
+              </a:blipFill>
+            </p:spPr>
+            <p:txBody>
+              <a:bodyPr/>
+              <a:lstStyle/>
+              <a:p>
+                <a:r>
+                  <a:rPr lang="en-US">
+                    <a:noFill/>
+                  </a:rPr>
+                  <a:t> </a:t>
+                </a:r>
+              </a:p>
+            </p:txBody>
+          </p:sp>
+        </mc:Fallback>
+      </mc:AlternateContent>
+      <p:sp>
+        <p:nvSpPr>
+          <p:cNvPr id="25" name="Rectangle 24">
+            <a:extLst>
+              <a:ext uri="{FF2B5EF4-FFF2-40B4-BE49-F238E27FC236}">
+                <a16:creationId xmlns:a16="http://schemas.microsoft.com/office/drawing/2014/main" id="{7DECB3BC-7DE9-3EDB-F779-0B2177FDBBDC}"/>
+              </a:ext>
+            </a:extLst>
+          </p:cNvPr>
+          <p:cNvSpPr/>
+          <p:nvPr/>
+        </p:nvSpPr>
+        <p:spPr>
+          <a:xfrm>
+            <a:off x="4338857" y="1448652"/>
+            <a:ext cx="540000" cy="540000"/>
+          </a:xfrm>
+          <a:prstGeom prst="rect">
+            <a:avLst/>
+          </a:prstGeom>
+          <a:noFill/>
+          <a:ln>
+            <a:solidFill>
+              <a:schemeClr val="tx1"/>
+            </a:solidFill>
+          </a:ln>
+        </p:spPr>
+        <p:style>
+          <a:lnRef idx="2">
+            <a:schemeClr val="accent1">
+              <a:shade val="50000"/>
+            </a:schemeClr>
+          </a:lnRef>
+          <a:fillRef idx="1">
+            <a:schemeClr val="accent1"/>
+          </a:fillRef>
+          <a:effectRef idx="0">
+            <a:schemeClr val="accent1"/>
+          </a:effectRef>
+          <a:fontRef idx="minor">
+            <a:schemeClr val="lt1"/>
+          </a:fontRef>
+        </p:style>
+        <p:txBody>
+          <a:bodyPr rtlCol="0" anchor="ctr"/>
+          <a:lstStyle/>
+          <a:p>
+            <a:pPr algn="ctr"/>
+            <a:endParaRPr lang="en-US"/>
+          </a:p>
+        </p:txBody>
+      </p:sp>
+      <mc:AlternateContent xmlns:mc="http://schemas.openxmlformats.org/markup-compatibility/2006">
+        <mc:Choice xmlns:a14="http://schemas.microsoft.com/office/drawing/2010/main" Requires="a14">
+          <p:sp>
+            <p:nvSpPr>
+              <p:cNvPr id="31" name="TextBox 30">
+                <a:extLst>
+                  <a:ext uri="{FF2B5EF4-FFF2-40B4-BE49-F238E27FC236}">
+                    <a16:creationId xmlns:a16="http://schemas.microsoft.com/office/drawing/2014/main" id="{0D1D3CC1-3ECD-9E99-924E-F8375F53B4F4}"/>
+                  </a:ext>
+                </a:extLst>
+              </p:cNvPr>
+              <p:cNvSpPr txBox="1"/>
+              <p:nvPr/>
+            </p:nvSpPr>
+            <p:spPr>
+              <a:xfrm>
+                <a:off x="3312679" y="1536420"/>
+                <a:ext cx="466217" cy="369332"/>
+              </a:xfrm>
+              <a:prstGeom prst="rect">
+                <a:avLst/>
+              </a:prstGeom>
+              <a:noFill/>
+            </p:spPr>
+            <p:txBody>
+              <a:bodyPr wrap="square" rtlCol="0">
+                <a:spAutoFit/>
+              </a:bodyPr>
+              <a:lstStyle/>
+              <a:p>
+                <a:pPr/>
+                <a14:m>
+                  <m:oMathPara xmlns:m="http://schemas.openxmlformats.org/officeDocument/2006/math">
+                    <m:oMathParaPr>
+                      <m:jc m:val="centerGroup"/>
+                    </m:oMathParaPr>
+                    <m:oMath xmlns:m="http://schemas.openxmlformats.org/officeDocument/2006/math">
+                      <m:sSub>
+                        <m:sSubPr>
+                          <m:ctrlPr>
+                            <a:rPr lang="en-CA" b="0" i="1" smtClean="0">
+                              <a:latin typeface="Cambria Math" panose="02040503050406030204" pitchFamily="18" charset="0"/>
+                            </a:rPr>
+                          </m:ctrlPr>
+                        </m:sSubPr>
+                        <m:e>
+                          <m:r>
+                            <a:rPr lang="en-CA" b="0" i="1" smtClean="0">
+                              <a:latin typeface="Cambria Math" panose="02040503050406030204" pitchFamily="18" charset="0"/>
+                            </a:rPr>
+                            <m:t>𝛽</m:t>
+                          </m:r>
+                        </m:e>
+                        <m:sub>
+                          <m:r>
+                            <a:rPr lang="en-CA" b="0" i="1" smtClean="0">
+                              <a:latin typeface="Cambria Math" panose="02040503050406030204" pitchFamily="18" charset="0"/>
+                            </a:rPr>
+                            <m:t>0</m:t>
+                          </m:r>
+                        </m:sub>
+                      </m:sSub>
+                    </m:oMath>
+                  </m:oMathPara>
+                </a14:m>
+                <a:endParaRPr lang="en-US" dirty="0"/>
+              </a:p>
+            </p:txBody>
+          </p:sp>
+        </mc:Choice>
+        <mc:Fallback>
+          <p:sp>
+            <p:nvSpPr>
+              <p:cNvPr id="31" name="TextBox 30">
+                <a:extLst>
+                  <a:ext uri="{FF2B5EF4-FFF2-40B4-BE49-F238E27FC236}">
+                    <a16:creationId xmlns:a16="http://schemas.microsoft.com/office/drawing/2014/main" id="{0D1D3CC1-3ECD-9E99-924E-F8375F53B4F4}"/>
+                  </a:ext>
+                </a:extLst>
+              </p:cNvPr>
+              <p:cNvSpPr txBox="1">
+                <a:spLocks noRot="1" noChangeAspect="1" noMove="1" noResize="1" noEditPoints="1" noAdjustHandles="1" noChangeArrowheads="1" noChangeShapeType="1" noTextEdit="1"/>
+              </p:cNvSpPr>
+              <p:nvPr/>
+            </p:nvSpPr>
+            <p:spPr>
+              <a:xfrm>
+                <a:off x="3312679" y="1536420"/>
+                <a:ext cx="466217" cy="369332"/>
+              </a:xfrm>
+              <a:prstGeom prst="rect">
+                <a:avLst/>
+              </a:prstGeom>
+              <a:blipFill>
+                <a:blip r:embed="rId8"/>
+                <a:stretch>
+                  <a:fillRect b="-12903"/>
+                </a:stretch>
+              </a:blipFill>
+            </p:spPr>
+            <p:txBody>
+              <a:bodyPr/>
+              <a:lstStyle/>
+              <a:p>
+                <a:r>
+                  <a:rPr lang="en-US">
+                    <a:noFill/>
+                  </a:rPr>
+                  <a:t> </a:t>
+                </a:r>
+              </a:p>
+            </p:txBody>
+          </p:sp>
+        </mc:Fallback>
+      </mc:AlternateContent>
+      <p:sp>
+        <p:nvSpPr>
+          <p:cNvPr id="32" name="Rectangle 31">
+            <a:extLst>
+              <a:ext uri="{FF2B5EF4-FFF2-40B4-BE49-F238E27FC236}">
+                <a16:creationId xmlns:a16="http://schemas.microsoft.com/office/drawing/2014/main" id="{4CF229E6-3F8D-CE6C-F3AE-141C4A636B0F}"/>
+              </a:ext>
+            </a:extLst>
+          </p:cNvPr>
+          <p:cNvSpPr/>
+          <p:nvPr/>
+        </p:nvSpPr>
+        <p:spPr>
+          <a:xfrm>
+            <a:off x="3238896" y="1451086"/>
+            <a:ext cx="540000" cy="540000"/>
+          </a:xfrm>
+          <a:prstGeom prst="rect">
+            <a:avLst/>
+          </a:prstGeom>
+          <a:noFill/>
+          <a:ln>
+            <a:solidFill>
+              <a:schemeClr val="tx1"/>
+            </a:solidFill>
+          </a:ln>
+        </p:spPr>
+        <p:style>
+          <a:lnRef idx="2">
+            <a:schemeClr val="accent1">
+              <a:shade val="50000"/>
+            </a:schemeClr>
+          </a:lnRef>
+          <a:fillRef idx="1">
+            <a:schemeClr val="accent1"/>
+          </a:fillRef>
+          <a:effectRef idx="0">
+            <a:schemeClr val="accent1"/>
+          </a:effectRef>
+          <a:fontRef idx="minor">
+            <a:schemeClr val="lt1"/>
+          </a:fontRef>
+        </p:style>
+        <p:txBody>
+          <a:bodyPr rtlCol="0" anchor="ctr"/>
+          <a:lstStyle/>
+          <a:p>
+            <a:pPr algn="ctr"/>
+            <a:endParaRPr lang="en-US"/>
+          </a:p>
+        </p:txBody>
+      </p:sp>
+      <p:cxnSp>
+        <p:nvCxnSpPr>
+          <p:cNvPr id="33" name="Straight Arrow Connector 32">
+            <a:extLst>
+              <a:ext uri="{FF2B5EF4-FFF2-40B4-BE49-F238E27FC236}">
+                <a16:creationId xmlns:a16="http://schemas.microsoft.com/office/drawing/2014/main" id="{9561C585-8886-7A28-61BA-C330B780C927}"/>
+              </a:ext>
+            </a:extLst>
+          </p:cNvPr>
+          <p:cNvCxnSpPr>
+            <a:cxnSpLocks/>
+            <a:stCxn id="32" idx="2"/>
+          </p:cNvCxnSpPr>
+          <p:nvPr/>
+        </p:nvCxnSpPr>
+        <p:spPr>
+          <a:xfrm>
+            <a:off x="3508896" y="1991086"/>
+            <a:ext cx="1118497" cy="724139"/>
+          </a:xfrm>
+          <a:prstGeom prst="straightConnector1">
+            <a:avLst/>
+          </a:prstGeom>
+          <a:ln>
+            <a:solidFill>
+              <a:schemeClr val="tx1"/>
+            </a:solidFill>
+            <a:tailEnd type="triangle" w="lg" len="lg"/>
+          </a:ln>
+        </p:spPr>
+        <p:style>
+          <a:lnRef idx="1">
+            <a:schemeClr val="accent1"/>
+          </a:lnRef>
+          <a:fillRef idx="0">
+            <a:schemeClr val="accent1"/>
+          </a:fillRef>
+          <a:effectRef idx="0">
+            <a:schemeClr val="accent1"/>
+          </a:effectRef>
+          <a:fontRef idx="minor">
+            <a:schemeClr val="tx1"/>
+          </a:fontRef>
+        </p:style>
+      </p:cxnSp>
+      <p:cxnSp>
+        <p:nvCxnSpPr>
+          <p:cNvPr id="36" name="Straight Arrow Connector 35">
+            <a:extLst>
+              <a:ext uri="{FF2B5EF4-FFF2-40B4-BE49-F238E27FC236}">
+                <a16:creationId xmlns:a16="http://schemas.microsoft.com/office/drawing/2014/main" id="{DA288777-66A9-C4FD-EFDF-9974BF412930}"/>
+              </a:ext>
+            </a:extLst>
+          </p:cNvPr>
+          <p:cNvCxnSpPr>
+            <a:cxnSpLocks/>
+            <a:stCxn id="25" idx="2"/>
+          </p:cNvCxnSpPr>
+          <p:nvPr/>
+        </p:nvCxnSpPr>
+        <p:spPr>
+          <a:xfrm>
+            <a:off x="4608857" y="1988652"/>
+            <a:ext cx="28004" cy="689911"/>
+          </a:xfrm>
+          <a:prstGeom prst="straightConnector1">
+            <a:avLst/>
+          </a:prstGeom>
+          <a:ln>
+            <a:solidFill>
+              <a:schemeClr val="tx1"/>
+            </a:solidFill>
+            <a:tailEnd type="triangle" w="lg" len="lg"/>
+          </a:ln>
+        </p:spPr>
+        <p:style>
+          <a:lnRef idx="1">
+            <a:schemeClr val="accent1"/>
+          </a:lnRef>
+          <a:fillRef idx="0">
+            <a:schemeClr val="accent1"/>
+          </a:fillRef>
+          <a:effectRef idx="0">
+            <a:schemeClr val="accent1"/>
+          </a:effectRef>
+          <a:fontRef idx="minor">
+            <a:schemeClr val="tx1"/>
+          </a:fontRef>
+        </p:style>
+      </p:cxnSp>
+    </p:spTree>
+    <p:extLst>
+      <p:ext uri="{BB962C8B-B14F-4D97-AF65-F5344CB8AC3E}">
+        <p14:creationId xmlns:p14="http://schemas.microsoft.com/office/powerpoint/2010/main" val="2718581900"/>
       </p:ext>
     </p:extLst>
   </p:cSld>

--- a/Figures/jags_for_ecologists_figures.pptx
+++ b/Figures/jags_for_ecologists_figures.pptx
@@ -7,6 +7,9 @@
   <p:sldIdLst>
     <p:sldId id="256" r:id="rId2"/>
     <p:sldId id="257" r:id="rId3"/>
+    <p:sldId id="259" r:id="rId4"/>
+    <p:sldId id="260" r:id="rId5"/>
+    <p:sldId id="258" r:id="rId6"/>
   </p:sldIdLst>
   <p:sldSz cx="12192000" cy="6858000"/>
   <p:notesSz cx="6858000" cy="9144000"/>
@@ -116,7 +119,7 @@
 <file path=ppt/revisionInfo.xml><?xml version="1.0" encoding="utf-8"?>
 <p1510:revInfo xmlns:a="http://schemas.openxmlformats.org/drawingml/2006/main" xmlns:r="http://schemas.openxmlformats.org/officeDocument/2006/relationships" xmlns:p1510="http://schemas.microsoft.com/office/powerpoint/2015/10/main">
   <p1510:revLst>
-    <p1510:client id="{21C03C2C-B54E-0141-9F1A-D4B48D7F07BB}" v="41" dt="2023-02-21T15:14:29.364"/>
+    <p1510:client id="{21C03C2C-B54E-0141-9F1A-D4B48D7F07BB}" v="190" dt="2023-03-02T03:06:05.519"/>
   </p1510:revLst>
 </p1510:revInfo>
 </file>
@@ -277,8 +280,8 @@
   </pc:docChgLst>
   <pc:docChgLst>
     <pc:chgData name="Simon Bonner" userId="c968d0cc-44b1-4a19-b224-50fd2dc43281" providerId="ADAL" clId="{21C03C2C-B54E-0141-9F1A-D4B48D7F07BB}"/>
-    <pc:docChg chg="undo custSel addSld modSld">
-      <pc:chgData name="Simon Bonner" userId="c968d0cc-44b1-4a19-b224-50fd2dc43281" providerId="ADAL" clId="{21C03C2C-B54E-0141-9F1A-D4B48D7F07BB}" dt="2023-02-21T15:15:23.092" v="87" actId="1076"/>
+    <pc:docChg chg="undo redo custSel addSld delSld modSld">
+      <pc:chgData name="Simon Bonner" userId="c968d0cc-44b1-4a19-b224-50fd2dc43281" providerId="ADAL" clId="{21C03C2C-B54E-0141-9F1A-D4B48D7F07BB}" dt="2023-03-02T03:06:05.519" v="313" actId="767"/>
       <pc:docMkLst>
         <pc:docMk/>
       </pc:docMkLst>
@@ -502,6 +505,793 @@
             <pc:docMk/>
             <pc:sldMk cId="2718581900" sldId="257"/>
             <ac:cxnSpMk id="36" creationId="{DA288777-66A9-C4FD-EFDF-9974BF412930}"/>
+          </ac:cxnSpMkLst>
+        </pc:cxnChg>
+      </pc:sldChg>
+      <pc:sldChg chg="addSp delSp modSp add mod setBg">
+        <pc:chgData name="Simon Bonner" userId="c968d0cc-44b1-4a19-b224-50fd2dc43281" providerId="ADAL" clId="{21C03C2C-B54E-0141-9F1A-D4B48D7F07BB}" dt="2023-03-01T20:52:12.918" v="227" actId="1076"/>
+        <pc:sldMkLst>
+          <pc:docMk/>
+          <pc:sldMk cId="1662873240" sldId="258"/>
+        </pc:sldMkLst>
+        <pc:spChg chg="add mod">
+          <ac:chgData name="Simon Bonner" userId="c968d0cc-44b1-4a19-b224-50fd2dc43281" providerId="ADAL" clId="{21C03C2C-B54E-0141-9F1A-D4B48D7F07BB}" dt="2023-03-01T20:23:05.396" v="103" actId="20577"/>
+          <ac:spMkLst>
+            <pc:docMk/>
+            <pc:sldMk cId="1662873240" sldId="258"/>
+            <ac:spMk id="2" creationId="{0396F487-06C0-E075-242C-8EB84B58E385}"/>
+          </ac:spMkLst>
+        </pc:spChg>
+        <pc:spChg chg="add mod">
+          <ac:chgData name="Simon Bonner" userId="c968d0cc-44b1-4a19-b224-50fd2dc43281" providerId="ADAL" clId="{21C03C2C-B54E-0141-9F1A-D4B48D7F07BB}" dt="2023-03-01T20:23:00.554" v="101" actId="20577"/>
+          <ac:spMkLst>
+            <pc:docMk/>
+            <pc:sldMk cId="1662873240" sldId="258"/>
+            <ac:spMk id="3" creationId="{111AB93F-96B0-4165-F887-0620E50FAF9E}"/>
+          </ac:spMkLst>
+        </pc:spChg>
+        <pc:spChg chg="del">
+          <ac:chgData name="Simon Bonner" userId="c968d0cc-44b1-4a19-b224-50fd2dc43281" providerId="ADAL" clId="{21C03C2C-B54E-0141-9F1A-D4B48D7F07BB}" dt="2023-03-01T20:22:09.299" v="89" actId="478"/>
+          <ac:spMkLst>
+            <pc:docMk/>
+            <pc:sldMk cId="1662873240" sldId="258"/>
+            <ac:spMk id="4" creationId="{B7DC34CB-47DE-F49C-DF3B-CF0D0DE1CF12}"/>
+          </ac:spMkLst>
+        </pc:spChg>
+        <pc:spChg chg="del">
+          <ac:chgData name="Simon Bonner" userId="c968d0cc-44b1-4a19-b224-50fd2dc43281" providerId="ADAL" clId="{21C03C2C-B54E-0141-9F1A-D4B48D7F07BB}" dt="2023-03-01T20:22:09.299" v="89" actId="478"/>
+          <ac:spMkLst>
+            <pc:docMk/>
+            <pc:sldMk cId="1662873240" sldId="258"/>
+            <ac:spMk id="5" creationId="{EF38647B-2D14-4F29-A4C4-F04426FA4E51}"/>
+          </ac:spMkLst>
+        </pc:spChg>
+        <pc:spChg chg="del">
+          <ac:chgData name="Simon Bonner" userId="c968d0cc-44b1-4a19-b224-50fd2dc43281" providerId="ADAL" clId="{21C03C2C-B54E-0141-9F1A-D4B48D7F07BB}" dt="2023-03-01T20:22:09.299" v="89" actId="478"/>
+          <ac:spMkLst>
+            <pc:docMk/>
+            <pc:sldMk cId="1662873240" sldId="258"/>
+            <ac:spMk id="6" creationId="{666CB5AE-6497-7D11-B6A5-9DFEFEC9C4B4}"/>
+          </ac:spMkLst>
+        </pc:spChg>
+        <pc:spChg chg="del">
+          <ac:chgData name="Simon Bonner" userId="c968d0cc-44b1-4a19-b224-50fd2dc43281" providerId="ADAL" clId="{21C03C2C-B54E-0141-9F1A-D4B48D7F07BB}" dt="2023-03-01T20:22:09.299" v="89" actId="478"/>
+          <ac:spMkLst>
+            <pc:docMk/>
+            <pc:sldMk cId="1662873240" sldId="258"/>
+            <ac:spMk id="7" creationId="{9DA5E3A8-7CF9-B3D6-CE7D-C5092FC5A82D}"/>
+          </ac:spMkLst>
+        </pc:spChg>
+        <pc:spChg chg="del">
+          <ac:chgData name="Simon Bonner" userId="c968d0cc-44b1-4a19-b224-50fd2dc43281" providerId="ADAL" clId="{21C03C2C-B54E-0141-9F1A-D4B48D7F07BB}" dt="2023-03-01T20:22:09.299" v="89" actId="478"/>
+          <ac:spMkLst>
+            <pc:docMk/>
+            <pc:sldMk cId="1662873240" sldId="258"/>
+            <ac:spMk id="8" creationId="{6BD53912-FF0E-EC58-92F6-8A4A18485BC2}"/>
+          </ac:spMkLst>
+        </pc:spChg>
+        <pc:spChg chg="add mod">
+          <ac:chgData name="Simon Bonner" userId="c968d0cc-44b1-4a19-b224-50fd2dc43281" providerId="ADAL" clId="{21C03C2C-B54E-0141-9F1A-D4B48D7F07BB}" dt="2023-03-01T20:23:40.565" v="115" actId="20577"/>
+          <ac:spMkLst>
+            <pc:docMk/>
+            <pc:sldMk cId="1662873240" sldId="258"/>
+            <ac:spMk id="9" creationId="{B3CB48A0-C39C-8CE8-F6E3-4105F1FB895E}"/>
+          </ac:spMkLst>
+        </pc:spChg>
+        <pc:spChg chg="del">
+          <ac:chgData name="Simon Bonner" userId="c968d0cc-44b1-4a19-b224-50fd2dc43281" providerId="ADAL" clId="{21C03C2C-B54E-0141-9F1A-D4B48D7F07BB}" dt="2023-03-01T20:22:09.299" v="89" actId="478"/>
+          <ac:spMkLst>
+            <pc:docMk/>
+            <pc:sldMk cId="1662873240" sldId="258"/>
+            <ac:spMk id="10" creationId="{D0B009ED-32B6-ECFB-EFEF-EE08DEB5111B}"/>
+          </ac:spMkLst>
+        </pc:spChg>
+        <pc:spChg chg="add mod">
+          <ac:chgData name="Simon Bonner" userId="c968d0cc-44b1-4a19-b224-50fd2dc43281" providerId="ADAL" clId="{21C03C2C-B54E-0141-9F1A-D4B48D7F07BB}" dt="2023-03-01T20:23:31.440" v="111" actId="20577"/>
+          <ac:spMkLst>
+            <pc:docMk/>
+            <pc:sldMk cId="1662873240" sldId="258"/>
+            <ac:spMk id="11" creationId="{806763BA-8689-43E3-4245-5419EACB35C7}"/>
+          </ac:spMkLst>
+        </pc:spChg>
+        <pc:spChg chg="del">
+          <ac:chgData name="Simon Bonner" userId="c968d0cc-44b1-4a19-b224-50fd2dc43281" providerId="ADAL" clId="{21C03C2C-B54E-0141-9F1A-D4B48D7F07BB}" dt="2023-03-01T20:22:09.299" v="89" actId="478"/>
+          <ac:spMkLst>
+            <pc:docMk/>
+            <pc:sldMk cId="1662873240" sldId="258"/>
+            <ac:spMk id="12" creationId="{C7E76004-2E3B-FC1A-EF5E-019620BEC9BF}"/>
+          </ac:spMkLst>
+        </pc:spChg>
+        <pc:spChg chg="add mod">
+          <ac:chgData name="Simon Bonner" userId="c968d0cc-44b1-4a19-b224-50fd2dc43281" providerId="ADAL" clId="{21C03C2C-B54E-0141-9F1A-D4B48D7F07BB}" dt="2023-03-01T20:23:48.823" v="120" actId="20577"/>
+          <ac:spMkLst>
+            <pc:docMk/>
+            <pc:sldMk cId="1662873240" sldId="258"/>
+            <ac:spMk id="13" creationId="{79CCD821-24B4-76A4-2760-C9C82E3C6ADB}"/>
+          </ac:spMkLst>
+        </pc:spChg>
+        <pc:spChg chg="add mod">
+          <ac:chgData name="Simon Bonner" userId="c968d0cc-44b1-4a19-b224-50fd2dc43281" providerId="ADAL" clId="{21C03C2C-B54E-0141-9F1A-D4B48D7F07BB}" dt="2023-03-01T20:23:43.813" v="117" actId="20577"/>
+          <ac:spMkLst>
+            <pc:docMk/>
+            <pc:sldMk cId="1662873240" sldId="258"/>
+            <ac:spMk id="14" creationId="{A16106DE-FDDE-6C0B-4347-2DC245403F5D}"/>
+          </ac:spMkLst>
+        </pc:spChg>
+        <pc:spChg chg="add mod">
+          <ac:chgData name="Simon Bonner" userId="c968d0cc-44b1-4a19-b224-50fd2dc43281" providerId="ADAL" clId="{21C03C2C-B54E-0141-9F1A-D4B48D7F07BB}" dt="2023-03-01T20:23:58.437" v="124" actId="20577"/>
+          <ac:spMkLst>
+            <pc:docMk/>
+            <pc:sldMk cId="1662873240" sldId="258"/>
+            <ac:spMk id="15" creationId="{7A41C204-0E89-92C9-6AD3-7AD7F75A45C0}"/>
+          </ac:spMkLst>
+        </pc:spChg>
+        <pc:spChg chg="add mod">
+          <ac:chgData name="Simon Bonner" userId="c968d0cc-44b1-4a19-b224-50fd2dc43281" providerId="ADAL" clId="{21C03C2C-B54E-0141-9F1A-D4B48D7F07BB}" dt="2023-03-01T20:24:03.648" v="126" actId="20577"/>
+          <ac:spMkLst>
+            <pc:docMk/>
+            <pc:sldMk cId="1662873240" sldId="258"/>
+            <ac:spMk id="19" creationId="{29F379B3-47DE-50DB-9AA7-DAF007C34582}"/>
+          </ac:spMkLst>
+        </pc:spChg>
+        <pc:spChg chg="del">
+          <ac:chgData name="Simon Bonner" userId="c968d0cc-44b1-4a19-b224-50fd2dc43281" providerId="ADAL" clId="{21C03C2C-B54E-0141-9F1A-D4B48D7F07BB}" dt="2023-03-01T20:22:09.299" v="89" actId="478"/>
+          <ac:spMkLst>
+            <pc:docMk/>
+            <pc:sldMk cId="1662873240" sldId="258"/>
+            <ac:spMk id="24" creationId="{0366CFE7-0B94-71CC-C53D-E1DAA8698E24}"/>
+          </ac:spMkLst>
+        </pc:spChg>
+        <pc:spChg chg="del">
+          <ac:chgData name="Simon Bonner" userId="c968d0cc-44b1-4a19-b224-50fd2dc43281" providerId="ADAL" clId="{21C03C2C-B54E-0141-9F1A-D4B48D7F07BB}" dt="2023-03-01T20:22:09.299" v="89" actId="478"/>
+          <ac:spMkLst>
+            <pc:docMk/>
+            <pc:sldMk cId="1662873240" sldId="258"/>
+            <ac:spMk id="25" creationId="{7DECB3BC-7DE9-3EDB-F779-0B2177FDBBDC}"/>
+          </ac:spMkLst>
+        </pc:spChg>
+        <pc:spChg chg="mod">
+          <ac:chgData name="Simon Bonner" userId="c968d0cc-44b1-4a19-b224-50fd2dc43281" providerId="ADAL" clId="{21C03C2C-B54E-0141-9F1A-D4B48D7F07BB}" dt="2023-03-01T20:22:17.446" v="90" actId="14100"/>
+          <ac:spMkLst>
+            <pc:docMk/>
+            <pc:sldMk cId="1662873240" sldId="258"/>
+            <ac:spMk id="26" creationId="{F5773DBF-A89C-20F7-96F4-F9EC52BF69B1}"/>
+          </ac:spMkLst>
+        </pc:spChg>
+        <pc:spChg chg="mod">
+          <ac:chgData name="Simon Bonner" userId="c968d0cc-44b1-4a19-b224-50fd2dc43281" providerId="ADAL" clId="{21C03C2C-B54E-0141-9F1A-D4B48D7F07BB}" dt="2023-03-01T20:22:22.159" v="93" actId="20577"/>
+          <ac:spMkLst>
+            <pc:docMk/>
+            <pc:sldMk cId="1662873240" sldId="258"/>
+            <ac:spMk id="27" creationId="{2C98168B-D35A-922E-D777-FFA7B4287DDB}"/>
+          </ac:spMkLst>
+        </pc:spChg>
+        <pc:spChg chg="del">
+          <ac:chgData name="Simon Bonner" userId="c968d0cc-44b1-4a19-b224-50fd2dc43281" providerId="ADAL" clId="{21C03C2C-B54E-0141-9F1A-D4B48D7F07BB}" dt="2023-03-01T20:22:09.299" v="89" actId="478"/>
+          <ac:spMkLst>
+            <pc:docMk/>
+            <pc:sldMk cId="1662873240" sldId="258"/>
+            <ac:spMk id="31" creationId="{0D1D3CC1-3ECD-9E99-924E-F8375F53B4F4}"/>
+          </ac:spMkLst>
+        </pc:spChg>
+        <pc:spChg chg="del">
+          <ac:chgData name="Simon Bonner" userId="c968d0cc-44b1-4a19-b224-50fd2dc43281" providerId="ADAL" clId="{21C03C2C-B54E-0141-9F1A-D4B48D7F07BB}" dt="2023-03-01T20:22:09.299" v="89" actId="478"/>
+          <ac:spMkLst>
+            <pc:docMk/>
+            <pc:sldMk cId="1662873240" sldId="258"/>
+            <ac:spMk id="32" creationId="{4CF229E6-3F8D-CE6C-F3AE-141C4A636B0F}"/>
+          </ac:spMkLst>
+        </pc:spChg>
+        <pc:spChg chg="add del mod">
+          <ac:chgData name="Simon Bonner" userId="c968d0cc-44b1-4a19-b224-50fd2dc43281" providerId="ADAL" clId="{21C03C2C-B54E-0141-9F1A-D4B48D7F07BB}" dt="2023-03-01T20:27:31.200" v="172"/>
+          <ac:spMkLst>
+            <pc:docMk/>
+            <pc:sldMk cId="1662873240" sldId="258"/>
+            <ac:spMk id="42" creationId="{6B8049AC-993E-B3E0-7183-AFF1C450B61B}"/>
+          </ac:spMkLst>
+        </pc:spChg>
+        <pc:spChg chg="add mod">
+          <ac:chgData name="Simon Bonner" userId="c968d0cc-44b1-4a19-b224-50fd2dc43281" providerId="ADAL" clId="{21C03C2C-B54E-0141-9F1A-D4B48D7F07BB}" dt="2023-03-01T20:28:25.935" v="187" actId="1076"/>
+          <ac:spMkLst>
+            <pc:docMk/>
+            <pc:sldMk cId="1662873240" sldId="258"/>
+            <ac:spMk id="44" creationId="{A1683360-63C2-4049-7B02-BACDF8541712}"/>
+          </ac:spMkLst>
+        </pc:spChg>
+        <pc:spChg chg="add mod">
+          <ac:chgData name="Simon Bonner" userId="c968d0cc-44b1-4a19-b224-50fd2dc43281" providerId="ADAL" clId="{21C03C2C-B54E-0141-9F1A-D4B48D7F07BB}" dt="2023-03-01T20:28:25.935" v="187" actId="1076"/>
+          <ac:spMkLst>
+            <pc:docMk/>
+            <pc:sldMk cId="1662873240" sldId="258"/>
+            <ac:spMk id="45" creationId="{7261C633-D530-D80D-ECC7-465E5C3D53A1}"/>
+          </ac:spMkLst>
+        </pc:spChg>
+        <pc:spChg chg="add mod">
+          <ac:chgData name="Simon Bonner" userId="c968d0cc-44b1-4a19-b224-50fd2dc43281" providerId="ADAL" clId="{21C03C2C-B54E-0141-9F1A-D4B48D7F07BB}" dt="2023-03-01T20:28:57.416" v="195" actId="20577"/>
+          <ac:spMkLst>
+            <pc:docMk/>
+            <pc:sldMk cId="1662873240" sldId="258"/>
+            <ac:spMk id="49" creationId="{2D46CD74-6B53-3C95-224B-B47160265260}"/>
+          </ac:spMkLst>
+        </pc:spChg>
+        <pc:spChg chg="add mod">
+          <ac:chgData name="Simon Bonner" userId="c968d0cc-44b1-4a19-b224-50fd2dc43281" providerId="ADAL" clId="{21C03C2C-B54E-0141-9F1A-D4B48D7F07BB}" dt="2023-03-01T20:28:47.019" v="191" actId="1076"/>
+          <ac:spMkLst>
+            <pc:docMk/>
+            <pc:sldMk cId="1662873240" sldId="258"/>
+            <ac:spMk id="50" creationId="{928CFA48-2385-7922-ED05-3D83F901BC63}"/>
+          </ac:spMkLst>
+        </pc:spChg>
+        <pc:spChg chg="add mod">
+          <ac:chgData name="Simon Bonner" userId="c968d0cc-44b1-4a19-b224-50fd2dc43281" providerId="ADAL" clId="{21C03C2C-B54E-0141-9F1A-D4B48D7F07BB}" dt="2023-03-01T20:29:02.355" v="197" actId="20577"/>
+          <ac:spMkLst>
+            <pc:docMk/>
+            <pc:sldMk cId="1662873240" sldId="258"/>
+            <ac:spMk id="52" creationId="{579847FB-5936-1BEA-B374-337232D091A3}"/>
+          </ac:spMkLst>
+        </pc:spChg>
+        <pc:spChg chg="add mod">
+          <ac:chgData name="Simon Bonner" userId="c968d0cc-44b1-4a19-b224-50fd2dc43281" providerId="ADAL" clId="{21C03C2C-B54E-0141-9F1A-D4B48D7F07BB}" dt="2023-03-01T20:28:53.915" v="193" actId="1076"/>
+          <ac:spMkLst>
+            <pc:docMk/>
+            <pc:sldMk cId="1662873240" sldId="258"/>
+            <ac:spMk id="53" creationId="{30A6F96F-5911-7342-E518-EA0700B1986C}"/>
+          </ac:spMkLst>
+        </pc:spChg>
+        <pc:spChg chg="add mod">
+          <ac:chgData name="Simon Bonner" userId="c968d0cc-44b1-4a19-b224-50fd2dc43281" providerId="ADAL" clId="{21C03C2C-B54E-0141-9F1A-D4B48D7F07BB}" dt="2023-03-01T20:29:57.712" v="205" actId="20577"/>
+          <ac:spMkLst>
+            <pc:docMk/>
+            <pc:sldMk cId="1662873240" sldId="258"/>
+            <ac:spMk id="55" creationId="{7B6BD2DD-A129-7C0E-F285-1E2350CE4CED}"/>
+          </ac:spMkLst>
+        </pc:spChg>
+        <pc:spChg chg="add mod">
+          <ac:chgData name="Simon Bonner" userId="c968d0cc-44b1-4a19-b224-50fd2dc43281" providerId="ADAL" clId="{21C03C2C-B54E-0141-9F1A-D4B48D7F07BB}" dt="2023-03-01T20:29:49.288" v="202" actId="1076"/>
+          <ac:spMkLst>
+            <pc:docMk/>
+            <pc:sldMk cId="1662873240" sldId="258"/>
+            <ac:spMk id="56" creationId="{C8BF97B7-DA0E-3BAC-ADF9-0E22E4DC10F2}"/>
+          </ac:spMkLst>
+        </pc:spChg>
+        <pc:spChg chg="add del mod">
+          <ac:chgData name="Simon Bonner" userId="c968d0cc-44b1-4a19-b224-50fd2dc43281" providerId="ADAL" clId="{21C03C2C-B54E-0141-9F1A-D4B48D7F07BB}" dt="2023-03-01T20:29:54.129" v="203" actId="478"/>
+          <ac:spMkLst>
+            <pc:docMk/>
+            <pc:sldMk cId="1662873240" sldId="258"/>
+            <ac:spMk id="58" creationId="{F9AD67FF-681D-1A22-D08E-F91C45D4EDBA}"/>
+          </ac:spMkLst>
+        </pc:spChg>
+        <pc:spChg chg="add del mod">
+          <ac:chgData name="Simon Bonner" userId="c968d0cc-44b1-4a19-b224-50fd2dc43281" providerId="ADAL" clId="{21C03C2C-B54E-0141-9F1A-D4B48D7F07BB}" dt="2023-03-01T20:29:54.129" v="203" actId="478"/>
+          <ac:spMkLst>
+            <pc:docMk/>
+            <pc:sldMk cId="1662873240" sldId="258"/>
+            <ac:spMk id="59" creationId="{8B2D971D-58A0-1B73-6400-2C19EC15BC61}"/>
+          </ac:spMkLst>
+        </pc:spChg>
+        <pc:spChg chg="add del mod">
+          <ac:chgData name="Simon Bonner" userId="c968d0cc-44b1-4a19-b224-50fd2dc43281" providerId="ADAL" clId="{21C03C2C-B54E-0141-9F1A-D4B48D7F07BB}" dt="2023-03-01T20:29:54.129" v="203" actId="478"/>
+          <ac:spMkLst>
+            <pc:docMk/>
+            <pc:sldMk cId="1662873240" sldId="258"/>
+            <ac:spMk id="61" creationId="{3CA437F5-5B66-4E5D-4BE1-4932720AFCBD}"/>
+          </ac:spMkLst>
+        </pc:spChg>
+        <pc:spChg chg="add del mod">
+          <ac:chgData name="Simon Bonner" userId="c968d0cc-44b1-4a19-b224-50fd2dc43281" providerId="ADAL" clId="{21C03C2C-B54E-0141-9F1A-D4B48D7F07BB}" dt="2023-03-01T20:29:54.129" v="203" actId="478"/>
+          <ac:spMkLst>
+            <pc:docMk/>
+            <pc:sldMk cId="1662873240" sldId="258"/>
+            <ac:spMk id="62" creationId="{FB934141-B265-F339-828D-A04907B357CC}"/>
+          </ac:spMkLst>
+        </pc:spChg>
+        <pc:spChg chg="add mod">
+          <ac:chgData name="Simon Bonner" userId="c968d0cc-44b1-4a19-b224-50fd2dc43281" providerId="ADAL" clId="{21C03C2C-B54E-0141-9F1A-D4B48D7F07BB}" dt="2023-03-01T20:51:16.311" v="215" actId="20577"/>
+          <ac:spMkLst>
+            <pc:docMk/>
+            <pc:sldMk cId="1662873240" sldId="258"/>
+            <ac:spMk id="67" creationId="{6EBF0153-2220-0543-18AE-062EE54CE097}"/>
+          </ac:spMkLst>
+        </pc:spChg>
+        <pc:spChg chg="add mod">
+          <ac:chgData name="Simon Bonner" userId="c968d0cc-44b1-4a19-b224-50fd2dc43281" providerId="ADAL" clId="{21C03C2C-B54E-0141-9F1A-D4B48D7F07BB}" dt="2023-03-01T20:30:08.494" v="207" actId="1076"/>
+          <ac:spMkLst>
+            <pc:docMk/>
+            <pc:sldMk cId="1662873240" sldId="258"/>
+            <ac:spMk id="68" creationId="{350B80D3-12D5-3885-F7FC-C92A0AC9C39A}"/>
+          </ac:spMkLst>
+        </pc:spChg>
+        <pc:spChg chg="add mod">
+          <ac:chgData name="Simon Bonner" userId="c968d0cc-44b1-4a19-b224-50fd2dc43281" providerId="ADAL" clId="{21C03C2C-B54E-0141-9F1A-D4B48D7F07BB}" dt="2023-03-01T20:51:21.319" v="218" actId="20577"/>
+          <ac:spMkLst>
+            <pc:docMk/>
+            <pc:sldMk cId="1662873240" sldId="258"/>
+            <ac:spMk id="70" creationId="{EAE7D4FE-300E-D92E-C5BA-DA0CCA28045D}"/>
+          </ac:spMkLst>
+        </pc:spChg>
+        <pc:spChg chg="add mod">
+          <ac:chgData name="Simon Bonner" userId="c968d0cc-44b1-4a19-b224-50fd2dc43281" providerId="ADAL" clId="{21C03C2C-B54E-0141-9F1A-D4B48D7F07BB}" dt="2023-03-01T20:30:15.839" v="209" actId="1076"/>
+          <ac:spMkLst>
+            <pc:docMk/>
+            <pc:sldMk cId="1662873240" sldId="258"/>
+            <ac:spMk id="71" creationId="{B3A53B54-E451-EC79-2ECD-B85AB23ABF03}"/>
+          </ac:spMkLst>
+        </pc:spChg>
+        <pc:spChg chg="add mod">
+          <ac:chgData name="Simon Bonner" userId="c968d0cc-44b1-4a19-b224-50fd2dc43281" providerId="ADAL" clId="{21C03C2C-B54E-0141-9F1A-D4B48D7F07BB}" dt="2023-03-01T20:51:27.630" v="220" actId="20577"/>
+          <ac:spMkLst>
+            <pc:docMk/>
+            <pc:sldMk cId="1662873240" sldId="258"/>
+            <ac:spMk id="73" creationId="{3B305C2B-8326-FC60-28A8-9976D93F3324}"/>
+          </ac:spMkLst>
+        </pc:spChg>
+        <pc:spChg chg="add mod">
+          <ac:chgData name="Simon Bonner" userId="c968d0cc-44b1-4a19-b224-50fd2dc43281" providerId="ADAL" clId="{21C03C2C-B54E-0141-9F1A-D4B48D7F07BB}" dt="2023-03-01T20:30:24.469" v="211" actId="1076"/>
+          <ac:spMkLst>
+            <pc:docMk/>
+            <pc:sldMk cId="1662873240" sldId="258"/>
+            <ac:spMk id="74" creationId="{6D65F5CD-76E4-77FA-5291-28C92BB7DBDC}"/>
+          </ac:spMkLst>
+        </pc:spChg>
+        <pc:spChg chg="add mod">
+          <ac:chgData name="Simon Bonner" userId="c968d0cc-44b1-4a19-b224-50fd2dc43281" providerId="ADAL" clId="{21C03C2C-B54E-0141-9F1A-D4B48D7F07BB}" dt="2023-03-01T20:52:12.918" v="227" actId="1076"/>
+          <ac:spMkLst>
+            <pc:docMk/>
+            <pc:sldMk cId="1662873240" sldId="258"/>
+            <ac:spMk id="76" creationId="{2FD33B5E-4CC6-7574-F3D6-78E3636BCEAB}"/>
+          </ac:spMkLst>
+        </pc:spChg>
+        <pc:cxnChg chg="del mod">
+          <ac:chgData name="Simon Bonner" userId="c968d0cc-44b1-4a19-b224-50fd2dc43281" providerId="ADAL" clId="{21C03C2C-B54E-0141-9F1A-D4B48D7F07BB}" dt="2023-03-01T20:22:09.299" v="89" actId="478"/>
+          <ac:cxnSpMkLst>
+            <pc:docMk/>
+            <pc:sldMk cId="1662873240" sldId="258"/>
+            <ac:cxnSpMk id="16" creationId="{ADBEDA71-E44D-5775-EE9B-F7C90EC434CA}"/>
+          </ac:cxnSpMkLst>
+        </pc:cxnChg>
+        <pc:cxnChg chg="del mod">
+          <ac:chgData name="Simon Bonner" userId="c968d0cc-44b1-4a19-b224-50fd2dc43281" providerId="ADAL" clId="{21C03C2C-B54E-0141-9F1A-D4B48D7F07BB}" dt="2023-03-01T20:22:09.299" v="89" actId="478"/>
+          <ac:cxnSpMkLst>
+            <pc:docMk/>
+            <pc:sldMk cId="1662873240" sldId="258"/>
+            <ac:cxnSpMk id="17" creationId="{D58A0CDD-7120-AE0D-6488-D818C68CA3C9}"/>
+          </ac:cxnSpMkLst>
+        </pc:cxnChg>
+        <pc:cxnChg chg="del mod">
+          <ac:chgData name="Simon Bonner" userId="c968d0cc-44b1-4a19-b224-50fd2dc43281" providerId="ADAL" clId="{21C03C2C-B54E-0141-9F1A-D4B48D7F07BB}" dt="2023-03-01T20:22:09.299" v="89" actId="478"/>
+          <ac:cxnSpMkLst>
+            <pc:docMk/>
+            <pc:sldMk cId="1662873240" sldId="258"/>
+            <ac:cxnSpMk id="18" creationId="{EB7DAEEE-7B91-59AC-03D2-FE624A485EA7}"/>
+          </ac:cxnSpMkLst>
+        </pc:cxnChg>
+        <pc:cxnChg chg="add del mod">
+          <ac:chgData name="Simon Bonner" userId="c968d0cc-44b1-4a19-b224-50fd2dc43281" providerId="ADAL" clId="{21C03C2C-B54E-0141-9F1A-D4B48D7F07BB}" dt="2023-03-01T20:25:21.020" v="134" actId="11529"/>
+          <ac:cxnSpMkLst>
+            <pc:docMk/>
+            <pc:sldMk cId="1662873240" sldId="258"/>
+            <ac:cxnSpMk id="21" creationId="{D5203219-33D3-FCC6-9AF8-D474F22E2C88}"/>
+          </ac:cxnSpMkLst>
+        </pc:cxnChg>
+        <pc:cxnChg chg="add mod">
+          <ac:chgData name="Simon Bonner" userId="c968d0cc-44b1-4a19-b224-50fd2dc43281" providerId="ADAL" clId="{21C03C2C-B54E-0141-9F1A-D4B48D7F07BB}" dt="2023-03-01T20:25:45.451" v="138" actId="14100"/>
+          <ac:cxnSpMkLst>
+            <pc:docMk/>
+            <pc:sldMk cId="1662873240" sldId="258"/>
+            <ac:cxnSpMk id="22" creationId="{E47377A7-30E0-45C2-FF75-861FDE304B39}"/>
+          </ac:cxnSpMkLst>
+        </pc:cxnChg>
+        <pc:cxnChg chg="add mod">
+          <ac:chgData name="Simon Bonner" userId="c968d0cc-44b1-4a19-b224-50fd2dc43281" providerId="ADAL" clId="{21C03C2C-B54E-0141-9F1A-D4B48D7F07BB}" dt="2023-03-01T20:25:52.636" v="140" actId="1076"/>
+          <ac:cxnSpMkLst>
+            <pc:docMk/>
+            <pc:sldMk cId="1662873240" sldId="258"/>
+            <ac:cxnSpMk id="28" creationId="{2316FC0C-CA58-2470-85DA-4DAD43509D94}"/>
+          </ac:cxnSpMkLst>
+        </pc:cxnChg>
+        <pc:cxnChg chg="add mod">
+          <ac:chgData name="Simon Bonner" userId="c968d0cc-44b1-4a19-b224-50fd2dc43281" providerId="ADAL" clId="{21C03C2C-B54E-0141-9F1A-D4B48D7F07BB}" dt="2023-03-01T20:25:58.521" v="142" actId="1076"/>
+          <ac:cxnSpMkLst>
+            <pc:docMk/>
+            <pc:sldMk cId="1662873240" sldId="258"/>
+            <ac:cxnSpMk id="29" creationId="{74BD6F1D-964F-8DF8-0EFC-F9A1F65F05A5}"/>
+          </ac:cxnSpMkLst>
+        </pc:cxnChg>
+        <pc:cxnChg chg="add mod">
+          <ac:chgData name="Simon Bonner" userId="c968d0cc-44b1-4a19-b224-50fd2dc43281" providerId="ADAL" clId="{21C03C2C-B54E-0141-9F1A-D4B48D7F07BB}" dt="2023-03-01T20:26:04.821" v="144" actId="1076"/>
+          <ac:cxnSpMkLst>
+            <pc:docMk/>
+            <pc:sldMk cId="1662873240" sldId="258"/>
+            <ac:cxnSpMk id="30" creationId="{EF62B5E7-F40D-369C-9BCB-AC099224FDD2}"/>
+          </ac:cxnSpMkLst>
+        </pc:cxnChg>
+        <pc:cxnChg chg="del mod">
+          <ac:chgData name="Simon Bonner" userId="c968d0cc-44b1-4a19-b224-50fd2dc43281" providerId="ADAL" clId="{21C03C2C-B54E-0141-9F1A-D4B48D7F07BB}" dt="2023-03-01T20:22:09.299" v="89" actId="478"/>
+          <ac:cxnSpMkLst>
+            <pc:docMk/>
+            <pc:sldMk cId="1662873240" sldId="258"/>
+            <ac:cxnSpMk id="33" creationId="{9561C585-8886-7A28-61BA-C330B780C927}"/>
+          </ac:cxnSpMkLst>
+        </pc:cxnChg>
+        <pc:cxnChg chg="add mod">
+          <ac:chgData name="Simon Bonner" userId="c968d0cc-44b1-4a19-b224-50fd2dc43281" providerId="ADAL" clId="{21C03C2C-B54E-0141-9F1A-D4B48D7F07BB}" dt="2023-03-01T20:26:16.532" v="147" actId="14100"/>
+          <ac:cxnSpMkLst>
+            <pc:docMk/>
+            <pc:sldMk cId="1662873240" sldId="258"/>
+            <ac:cxnSpMk id="34" creationId="{25F0A184-63CC-D98F-5D50-D7A20BFC5A7B}"/>
+          </ac:cxnSpMkLst>
+        </pc:cxnChg>
+        <pc:cxnChg chg="del mod">
+          <ac:chgData name="Simon Bonner" userId="c968d0cc-44b1-4a19-b224-50fd2dc43281" providerId="ADAL" clId="{21C03C2C-B54E-0141-9F1A-D4B48D7F07BB}" dt="2023-03-01T20:22:09.299" v="89" actId="478"/>
+          <ac:cxnSpMkLst>
+            <pc:docMk/>
+            <pc:sldMk cId="1662873240" sldId="258"/>
+            <ac:cxnSpMk id="36" creationId="{DA288777-66A9-C4FD-EFDF-9974BF412930}"/>
+          </ac:cxnSpMkLst>
+        </pc:cxnChg>
+        <pc:cxnChg chg="add del mod">
+          <ac:chgData name="Simon Bonner" userId="c968d0cc-44b1-4a19-b224-50fd2dc43281" providerId="ADAL" clId="{21C03C2C-B54E-0141-9F1A-D4B48D7F07BB}" dt="2023-03-01T20:26:20.481" v="149"/>
+          <ac:cxnSpMkLst>
+            <pc:docMk/>
+            <pc:sldMk cId="1662873240" sldId="258"/>
+            <ac:cxnSpMk id="38" creationId="{098B1FA4-FD52-A6B6-47EA-7F81E2E63794}"/>
+          </ac:cxnSpMkLst>
+        </pc:cxnChg>
+        <pc:cxnChg chg="add mod">
+          <ac:chgData name="Simon Bonner" userId="c968d0cc-44b1-4a19-b224-50fd2dc43281" providerId="ADAL" clId="{21C03C2C-B54E-0141-9F1A-D4B48D7F07BB}" dt="2023-03-01T20:26:28.199" v="151" actId="1076"/>
+          <ac:cxnSpMkLst>
+            <pc:docMk/>
+            <pc:sldMk cId="1662873240" sldId="258"/>
+            <ac:cxnSpMk id="39" creationId="{E65069C9-9820-83BE-FE70-0A2072BB2833}"/>
+          </ac:cxnSpMkLst>
+        </pc:cxnChg>
+        <pc:cxnChg chg="add mod">
+          <ac:chgData name="Simon Bonner" userId="c968d0cc-44b1-4a19-b224-50fd2dc43281" providerId="ADAL" clId="{21C03C2C-B54E-0141-9F1A-D4B48D7F07BB}" dt="2023-03-01T20:26:33.453" v="153" actId="1076"/>
+          <ac:cxnSpMkLst>
+            <pc:docMk/>
+            <pc:sldMk cId="1662873240" sldId="258"/>
+            <ac:cxnSpMk id="40" creationId="{4D6A6421-56B9-1D55-E3CD-A4AB7199B070}"/>
+          </ac:cxnSpMkLst>
+        </pc:cxnChg>
+        <pc:cxnChg chg="add mod">
+          <ac:chgData name="Simon Bonner" userId="c968d0cc-44b1-4a19-b224-50fd2dc43281" providerId="ADAL" clId="{21C03C2C-B54E-0141-9F1A-D4B48D7F07BB}" dt="2023-03-01T20:27:38.159" v="174" actId="1076"/>
+          <ac:cxnSpMkLst>
+            <pc:docMk/>
+            <pc:sldMk cId="1662873240" sldId="258"/>
+            <ac:cxnSpMk id="41" creationId="{20F36021-5AA6-30EA-E805-0952E83BA2EB}"/>
+          </ac:cxnSpMkLst>
+        </pc:cxnChg>
+        <pc:cxnChg chg="add del mod">
+          <ac:chgData name="Simon Bonner" userId="c968d0cc-44b1-4a19-b224-50fd2dc43281" providerId="ADAL" clId="{21C03C2C-B54E-0141-9F1A-D4B48D7F07BB}" dt="2023-03-01T20:27:31.200" v="172"/>
+          <ac:cxnSpMkLst>
+            <pc:docMk/>
+            <pc:sldMk cId="1662873240" sldId="258"/>
+            <ac:cxnSpMk id="43" creationId="{C537ACA5-4603-470C-5B1C-A6541136891D}"/>
+          </ac:cxnSpMkLst>
+        </pc:cxnChg>
+        <pc:cxnChg chg="add mod">
+          <ac:chgData name="Simon Bonner" userId="c968d0cc-44b1-4a19-b224-50fd2dc43281" providerId="ADAL" clId="{21C03C2C-B54E-0141-9F1A-D4B48D7F07BB}" dt="2023-03-01T20:28:33.821" v="189" actId="14100"/>
+          <ac:cxnSpMkLst>
+            <pc:docMk/>
+            <pc:sldMk cId="1662873240" sldId="258"/>
+            <ac:cxnSpMk id="46" creationId="{ADF33194-0470-A87A-84FD-425C6E20C96F}"/>
+          </ac:cxnSpMkLst>
+        </pc:cxnChg>
+        <pc:cxnChg chg="add mod">
+          <ac:chgData name="Simon Bonner" userId="c968d0cc-44b1-4a19-b224-50fd2dc43281" providerId="ADAL" clId="{21C03C2C-B54E-0141-9F1A-D4B48D7F07BB}" dt="2023-03-01T20:28:47.019" v="191" actId="1076"/>
+          <ac:cxnSpMkLst>
+            <pc:docMk/>
+            <pc:sldMk cId="1662873240" sldId="258"/>
+            <ac:cxnSpMk id="51" creationId="{768C179F-4B7D-4537-9315-60D005C8A6FE}"/>
+          </ac:cxnSpMkLst>
+        </pc:cxnChg>
+        <pc:cxnChg chg="add mod">
+          <ac:chgData name="Simon Bonner" userId="c968d0cc-44b1-4a19-b224-50fd2dc43281" providerId="ADAL" clId="{21C03C2C-B54E-0141-9F1A-D4B48D7F07BB}" dt="2023-03-01T20:28:53.915" v="193" actId="1076"/>
+          <ac:cxnSpMkLst>
+            <pc:docMk/>
+            <pc:sldMk cId="1662873240" sldId="258"/>
+            <ac:cxnSpMk id="54" creationId="{AD43F07E-7152-FC60-2A63-FDE33806B14D}"/>
+          </ac:cxnSpMkLst>
+        </pc:cxnChg>
+        <pc:cxnChg chg="add mod">
+          <ac:chgData name="Simon Bonner" userId="c968d0cc-44b1-4a19-b224-50fd2dc43281" providerId="ADAL" clId="{21C03C2C-B54E-0141-9F1A-D4B48D7F07BB}" dt="2023-03-01T20:29:49.288" v="202" actId="1076"/>
+          <ac:cxnSpMkLst>
+            <pc:docMk/>
+            <pc:sldMk cId="1662873240" sldId="258"/>
+            <ac:cxnSpMk id="57" creationId="{108ECCFC-09FB-2775-4F4B-14085192D3F4}"/>
+          </ac:cxnSpMkLst>
+        </pc:cxnChg>
+        <pc:cxnChg chg="add del mod">
+          <ac:chgData name="Simon Bonner" userId="c968d0cc-44b1-4a19-b224-50fd2dc43281" providerId="ADAL" clId="{21C03C2C-B54E-0141-9F1A-D4B48D7F07BB}" dt="2023-03-01T20:29:54.129" v="203" actId="478"/>
+          <ac:cxnSpMkLst>
+            <pc:docMk/>
+            <pc:sldMk cId="1662873240" sldId="258"/>
+            <ac:cxnSpMk id="60" creationId="{21D91633-8F90-3AA0-747E-953F77749D6F}"/>
+          </ac:cxnSpMkLst>
+        </pc:cxnChg>
+        <pc:cxnChg chg="add del mod">
+          <ac:chgData name="Simon Bonner" userId="c968d0cc-44b1-4a19-b224-50fd2dc43281" providerId="ADAL" clId="{21C03C2C-B54E-0141-9F1A-D4B48D7F07BB}" dt="2023-03-01T20:29:54.129" v="203" actId="478"/>
+          <ac:cxnSpMkLst>
+            <pc:docMk/>
+            <pc:sldMk cId="1662873240" sldId="258"/>
+            <ac:cxnSpMk id="63" creationId="{0C15E936-4BFF-69FD-DA6D-668AECE43120}"/>
+          </ac:cxnSpMkLst>
+        </pc:cxnChg>
+        <pc:cxnChg chg="add mod">
+          <ac:chgData name="Simon Bonner" userId="c968d0cc-44b1-4a19-b224-50fd2dc43281" providerId="ADAL" clId="{21C03C2C-B54E-0141-9F1A-D4B48D7F07BB}" dt="2023-03-01T20:30:08.494" v="207" actId="1076"/>
+          <ac:cxnSpMkLst>
+            <pc:docMk/>
+            <pc:sldMk cId="1662873240" sldId="258"/>
+            <ac:cxnSpMk id="69" creationId="{659AADFC-3177-2A1B-E74E-648EC36B0D0D}"/>
+          </ac:cxnSpMkLst>
+        </pc:cxnChg>
+        <pc:cxnChg chg="add mod">
+          <ac:chgData name="Simon Bonner" userId="c968d0cc-44b1-4a19-b224-50fd2dc43281" providerId="ADAL" clId="{21C03C2C-B54E-0141-9F1A-D4B48D7F07BB}" dt="2023-03-01T20:30:15.839" v="209" actId="1076"/>
+          <ac:cxnSpMkLst>
+            <pc:docMk/>
+            <pc:sldMk cId="1662873240" sldId="258"/>
+            <ac:cxnSpMk id="72" creationId="{813C19E3-0F44-F9D5-0625-D95599E18F86}"/>
+          </ac:cxnSpMkLst>
+        </pc:cxnChg>
+        <pc:cxnChg chg="add mod">
+          <ac:chgData name="Simon Bonner" userId="c968d0cc-44b1-4a19-b224-50fd2dc43281" providerId="ADAL" clId="{21C03C2C-B54E-0141-9F1A-D4B48D7F07BB}" dt="2023-03-01T20:30:24.469" v="211" actId="1076"/>
+          <ac:cxnSpMkLst>
+            <pc:docMk/>
+            <pc:sldMk cId="1662873240" sldId="258"/>
+            <ac:cxnSpMk id="75" creationId="{9E043008-F0AC-CBFC-311C-CE97BD96FAA7}"/>
+          </ac:cxnSpMkLst>
+        </pc:cxnChg>
+      </pc:sldChg>
+      <pc:sldChg chg="add del">
+        <pc:chgData name="Simon Bonner" userId="c968d0cc-44b1-4a19-b224-50fd2dc43281" providerId="ADAL" clId="{21C03C2C-B54E-0141-9F1A-D4B48D7F07BB}" dt="2023-03-01T20:51:43.011" v="221" actId="2696"/>
+        <pc:sldMkLst>
+          <pc:docMk/>
+          <pc:sldMk cId="56873975" sldId="259"/>
+        </pc:sldMkLst>
+      </pc:sldChg>
+      <pc:sldChg chg="new del">
+        <pc:chgData name="Simon Bonner" userId="c968d0cc-44b1-4a19-b224-50fd2dc43281" providerId="ADAL" clId="{21C03C2C-B54E-0141-9F1A-D4B48D7F07BB}" dt="2023-03-02T02:47:54.073" v="229" actId="2696"/>
+        <pc:sldMkLst>
+          <pc:docMk/>
+          <pc:sldMk cId="2259684531" sldId="259"/>
+        </pc:sldMkLst>
+      </pc:sldChg>
+      <pc:sldChg chg="delSp modSp add mod">
+        <pc:chgData name="Simon Bonner" userId="c968d0cc-44b1-4a19-b224-50fd2dc43281" providerId="ADAL" clId="{21C03C2C-B54E-0141-9F1A-D4B48D7F07BB}" dt="2023-03-02T02:49:47.644" v="259" actId="1076"/>
+        <pc:sldMkLst>
+          <pc:docMk/>
+          <pc:sldMk cId="4292284047" sldId="259"/>
+        </pc:sldMkLst>
+        <pc:spChg chg="mod">
+          <ac:chgData name="Simon Bonner" userId="c968d0cc-44b1-4a19-b224-50fd2dc43281" providerId="ADAL" clId="{21C03C2C-B54E-0141-9F1A-D4B48D7F07BB}" dt="2023-03-02T02:49:47.644" v="259" actId="1076"/>
+          <ac:spMkLst>
+            <pc:docMk/>
+            <pc:sldMk cId="4292284047" sldId="259"/>
+            <ac:spMk id="4" creationId="{B7DC34CB-47DE-F49C-DF3B-CF0D0DE1CF12}"/>
+          </ac:spMkLst>
+        </pc:spChg>
+        <pc:spChg chg="mod">
+          <ac:chgData name="Simon Bonner" userId="c968d0cc-44b1-4a19-b224-50fd2dc43281" providerId="ADAL" clId="{21C03C2C-B54E-0141-9F1A-D4B48D7F07BB}" dt="2023-03-02T02:49:47.644" v="259" actId="1076"/>
+          <ac:spMkLst>
+            <pc:docMk/>
+            <pc:sldMk cId="4292284047" sldId="259"/>
+            <ac:spMk id="5" creationId="{EF38647B-2D14-4F29-A4C4-F04426FA4E51}"/>
+          </ac:spMkLst>
+        </pc:spChg>
+        <pc:spChg chg="del">
+          <ac:chgData name="Simon Bonner" userId="c968d0cc-44b1-4a19-b224-50fd2dc43281" providerId="ADAL" clId="{21C03C2C-B54E-0141-9F1A-D4B48D7F07BB}" dt="2023-03-02T02:48:25.388" v="233" actId="478"/>
+          <ac:spMkLst>
+            <pc:docMk/>
+            <pc:sldMk cId="4292284047" sldId="259"/>
+            <ac:spMk id="6" creationId="{666CB5AE-6497-7D11-B6A5-9DFEFEC9C4B4}"/>
+          </ac:spMkLst>
+        </pc:spChg>
+        <pc:spChg chg="mod">
+          <ac:chgData name="Simon Bonner" userId="c968d0cc-44b1-4a19-b224-50fd2dc43281" providerId="ADAL" clId="{21C03C2C-B54E-0141-9F1A-D4B48D7F07BB}" dt="2023-03-02T02:49:37.390" v="258" actId="1076"/>
+          <ac:spMkLst>
+            <pc:docMk/>
+            <pc:sldMk cId="4292284047" sldId="259"/>
+            <ac:spMk id="7" creationId="{9DA5E3A8-7CF9-B3D6-CE7D-C5092FC5A82D}"/>
+          </ac:spMkLst>
+        </pc:spChg>
+        <pc:spChg chg="del">
+          <ac:chgData name="Simon Bonner" userId="c968d0cc-44b1-4a19-b224-50fd2dc43281" providerId="ADAL" clId="{21C03C2C-B54E-0141-9F1A-D4B48D7F07BB}" dt="2023-03-02T02:48:23.552" v="232" actId="478"/>
+          <ac:spMkLst>
+            <pc:docMk/>
+            <pc:sldMk cId="4292284047" sldId="259"/>
+            <ac:spMk id="8" creationId="{6BD53912-FF0E-EC58-92F6-8A4A18485BC2}"/>
+          </ac:spMkLst>
+        </pc:spChg>
+        <pc:spChg chg="mod">
+          <ac:chgData name="Simon Bonner" userId="c968d0cc-44b1-4a19-b224-50fd2dc43281" providerId="ADAL" clId="{21C03C2C-B54E-0141-9F1A-D4B48D7F07BB}" dt="2023-03-02T02:49:09.864" v="251" actId="20577"/>
+          <ac:spMkLst>
+            <pc:docMk/>
+            <pc:sldMk cId="4292284047" sldId="259"/>
+            <ac:spMk id="10" creationId="{D0B009ED-32B6-ECFB-EFEF-EE08DEB5111B}"/>
+          </ac:spMkLst>
+        </pc:spChg>
+        <pc:spChg chg="mod">
+          <ac:chgData name="Simon Bonner" userId="c968d0cc-44b1-4a19-b224-50fd2dc43281" providerId="ADAL" clId="{21C03C2C-B54E-0141-9F1A-D4B48D7F07BB}" dt="2023-03-02T02:49:37.390" v="258" actId="1076"/>
+          <ac:spMkLst>
+            <pc:docMk/>
+            <pc:sldMk cId="4292284047" sldId="259"/>
+            <ac:spMk id="12" creationId="{C7E76004-2E3B-FC1A-EF5E-019620BEC9BF}"/>
+          </ac:spMkLst>
+        </pc:spChg>
+        <pc:spChg chg="del">
+          <ac:chgData name="Simon Bonner" userId="c968d0cc-44b1-4a19-b224-50fd2dc43281" providerId="ADAL" clId="{21C03C2C-B54E-0141-9F1A-D4B48D7F07BB}" dt="2023-03-02T02:49:28.841" v="255" actId="478"/>
+          <ac:spMkLst>
+            <pc:docMk/>
+            <pc:sldMk cId="4292284047" sldId="259"/>
+            <ac:spMk id="24" creationId="{0366CFE7-0B94-71CC-C53D-E1DAA8698E24}"/>
+          </ac:spMkLst>
+        </pc:spChg>
+        <pc:spChg chg="del">
+          <ac:chgData name="Simon Bonner" userId="c968d0cc-44b1-4a19-b224-50fd2dc43281" providerId="ADAL" clId="{21C03C2C-B54E-0141-9F1A-D4B48D7F07BB}" dt="2023-03-02T02:49:28.841" v="255" actId="478"/>
+          <ac:spMkLst>
+            <pc:docMk/>
+            <pc:sldMk cId="4292284047" sldId="259"/>
+            <ac:spMk id="25" creationId="{7DECB3BC-7DE9-3EDB-F779-0B2177FDBBDC}"/>
+          </ac:spMkLst>
+        </pc:spChg>
+        <pc:spChg chg="del">
+          <ac:chgData name="Simon Bonner" userId="c968d0cc-44b1-4a19-b224-50fd2dc43281" providerId="ADAL" clId="{21C03C2C-B54E-0141-9F1A-D4B48D7F07BB}" dt="2023-03-02T02:48:20.001" v="231" actId="478"/>
+          <ac:spMkLst>
+            <pc:docMk/>
+            <pc:sldMk cId="4292284047" sldId="259"/>
+            <ac:spMk id="26" creationId="{F5773DBF-A89C-20F7-96F4-F9EC52BF69B1}"/>
+          </ac:spMkLst>
+        </pc:spChg>
+        <pc:spChg chg="del">
+          <ac:chgData name="Simon Bonner" userId="c968d0cc-44b1-4a19-b224-50fd2dc43281" providerId="ADAL" clId="{21C03C2C-B54E-0141-9F1A-D4B48D7F07BB}" dt="2023-03-02T02:48:27.037" v="234" actId="478"/>
+          <ac:spMkLst>
+            <pc:docMk/>
+            <pc:sldMk cId="4292284047" sldId="259"/>
+            <ac:spMk id="27" creationId="{2C98168B-D35A-922E-D777-FFA7B4287DDB}"/>
+          </ac:spMkLst>
+        </pc:spChg>
+        <pc:spChg chg="del">
+          <ac:chgData name="Simon Bonner" userId="c968d0cc-44b1-4a19-b224-50fd2dc43281" providerId="ADAL" clId="{21C03C2C-B54E-0141-9F1A-D4B48D7F07BB}" dt="2023-03-02T02:49:28.841" v="255" actId="478"/>
+          <ac:spMkLst>
+            <pc:docMk/>
+            <pc:sldMk cId="4292284047" sldId="259"/>
+            <ac:spMk id="31" creationId="{0D1D3CC1-3ECD-9E99-924E-F8375F53B4F4}"/>
+          </ac:spMkLst>
+        </pc:spChg>
+        <pc:spChg chg="del">
+          <ac:chgData name="Simon Bonner" userId="c968d0cc-44b1-4a19-b224-50fd2dc43281" providerId="ADAL" clId="{21C03C2C-B54E-0141-9F1A-D4B48D7F07BB}" dt="2023-03-02T02:49:28.841" v="255" actId="478"/>
+          <ac:spMkLst>
+            <pc:docMk/>
+            <pc:sldMk cId="4292284047" sldId="259"/>
+            <ac:spMk id="32" creationId="{4CF229E6-3F8D-CE6C-F3AE-141C4A636B0F}"/>
+          </ac:spMkLst>
+        </pc:spChg>
+        <pc:cxnChg chg="mod">
+          <ac:chgData name="Simon Bonner" userId="c968d0cc-44b1-4a19-b224-50fd2dc43281" providerId="ADAL" clId="{21C03C2C-B54E-0141-9F1A-D4B48D7F07BB}" dt="2023-03-02T02:49:47.644" v="259" actId="1076"/>
+          <ac:cxnSpMkLst>
+            <pc:docMk/>
+            <pc:sldMk cId="4292284047" sldId="259"/>
+            <ac:cxnSpMk id="16" creationId="{ADBEDA71-E44D-5775-EE9B-F7C90EC434CA}"/>
+          </ac:cxnSpMkLst>
+        </pc:cxnChg>
+        <pc:cxnChg chg="mod">
+          <ac:chgData name="Simon Bonner" userId="c968d0cc-44b1-4a19-b224-50fd2dc43281" providerId="ADAL" clId="{21C03C2C-B54E-0141-9F1A-D4B48D7F07BB}" dt="2023-03-02T02:49:37.390" v="258" actId="1076"/>
+          <ac:cxnSpMkLst>
+            <pc:docMk/>
+            <pc:sldMk cId="4292284047" sldId="259"/>
+            <ac:cxnSpMk id="17" creationId="{D58A0CDD-7120-AE0D-6488-D818C68CA3C9}"/>
+          </ac:cxnSpMkLst>
+        </pc:cxnChg>
+        <pc:cxnChg chg="del mod">
+          <ac:chgData name="Simon Bonner" userId="c968d0cc-44b1-4a19-b224-50fd2dc43281" providerId="ADAL" clId="{21C03C2C-B54E-0141-9F1A-D4B48D7F07BB}" dt="2023-03-02T02:48:23.552" v="232" actId="478"/>
+          <ac:cxnSpMkLst>
+            <pc:docMk/>
+            <pc:sldMk cId="4292284047" sldId="259"/>
+            <ac:cxnSpMk id="18" creationId="{EB7DAEEE-7B91-59AC-03D2-FE624A485EA7}"/>
+          </ac:cxnSpMkLst>
+        </pc:cxnChg>
+        <pc:cxnChg chg="del mod">
+          <ac:chgData name="Simon Bonner" userId="c968d0cc-44b1-4a19-b224-50fd2dc43281" providerId="ADAL" clId="{21C03C2C-B54E-0141-9F1A-D4B48D7F07BB}" dt="2023-03-02T02:49:28.841" v="255" actId="478"/>
+          <ac:cxnSpMkLst>
+            <pc:docMk/>
+            <pc:sldMk cId="4292284047" sldId="259"/>
+            <ac:cxnSpMk id="33" creationId="{9561C585-8886-7A28-61BA-C330B780C927}"/>
+          </ac:cxnSpMkLst>
+        </pc:cxnChg>
+        <pc:cxnChg chg="del mod">
+          <ac:chgData name="Simon Bonner" userId="c968d0cc-44b1-4a19-b224-50fd2dc43281" providerId="ADAL" clId="{21C03C2C-B54E-0141-9F1A-D4B48D7F07BB}" dt="2023-03-02T02:49:28.841" v="255" actId="478"/>
+          <ac:cxnSpMkLst>
+            <pc:docMk/>
+            <pc:sldMk cId="4292284047" sldId="259"/>
+            <ac:cxnSpMk id="36" creationId="{DA288777-66A9-C4FD-EFDF-9974BF412930}"/>
+          </ac:cxnSpMkLst>
+        </pc:cxnChg>
+      </pc:sldChg>
+      <pc:sldChg chg="addSp delSp modSp add mod">
+        <pc:chgData name="Simon Bonner" userId="c968d0cc-44b1-4a19-b224-50fd2dc43281" providerId="ADAL" clId="{21C03C2C-B54E-0141-9F1A-D4B48D7F07BB}" dt="2023-03-02T03:06:05.519" v="313" actId="767"/>
+        <pc:sldMkLst>
+          <pc:docMk/>
+          <pc:sldMk cId="2999972348" sldId="260"/>
+        </pc:sldMkLst>
+        <pc:spChg chg="mod">
+          <ac:chgData name="Simon Bonner" userId="c968d0cc-44b1-4a19-b224-50fd2dc43281" providerId="ADAL" clId="{21C03C2C-B54E-0141-9F1A-D4B48D7F07BB}" dt="2023-03-02T02:58:17.479" v="271" actId="20577"/>
+          <ac:spMkLst>
+            <pc:docMk/>
+            <pc:sldMk cId="2999972348" sldId="260"/>
+            <ac:spMk id="5" creationId="{EF38647B-2D14-4F29-A4C4-F04426FA4E51}"/>
+          </ac:spMkLst>
+        </pc:spChg>
+        <pc:spChg chg="add mod">
+          <ac:chgData name="Simon Bonner" userId="c968d0cc-44b1-4a19-b224-50fd2dc43281" providerId="ADAL" clId="{21C03C2C-B54E-0141-9F1A-D4B48D7F07BB}" dt="2023-03-02T03:00:24.186" v="310" actId="20577"/>
+          <ac:spMkLst>
+            <pc:docMk/>
+            <pc:sldMk cId="2999972348" sldId="260"/>
+            <ac:spMk id="6" creationId="{23FA82B3-3B3F-495C-CD7B-B893A3AFBD4B}"/>
+          </ac:spMkLst>
+        </pc:spChg>
+        <pc:spChg chg="add mod">
+          <ac:chgData name="Simon Bonner" userId="c968d0cc-44b1-4a19-b224-50fd2dc43281" providerId="ADAL" clId="{21C03C2C-B54E-0141-9F1A-D4B48D7F07BB}" dt="2023-03-02T02:59:38.094" v="302" actId="20577"/>
+          <ac:spMkLst>
+            <pc:docMk/>
+            <pc:sldMk cId="2999972348" sldId="260"/>
+            <ac:spMk id="8" creationId="{7DCC8C82-8077-C558-E1B2-2D8E466A132E}"/>
+          </ac:spMkLst>
+        </pc:spChg>
+        <pc:spChg chg="add mod">
+          <ac:chgData name="Simon Bonner" userId="c968d0cc-44b1-4a19-b224-50fd2dc43281" providerId="ADAL" clId="{21C03C2C-B54E-0141-9F1A-D4B48D7F07BB}" dt="2023-03-02T02:59:20.724" v="291" actId="1076"/>
+          <ac:spMkLst>
+            <pc:docMk/>
+            <pc:sldMk cId="2999972348" sldId="260"/>
+            <ac:spMk id="9" creationId="{832AA04F-A766-BD8B-E64B-3C92883840B8}"/>
+          </ac:spMkLst>
+        </pc:spChg>
+        <pc:spChg chg="mod">
+          <ac:chgData name="Simon Bonner" userId="c968d0cc-44b1-4a19-b224-50fd2dc43281" providerId="ADAL" clId="{21C03C2C-B54E-0141-9F1A-D4B48D7F07BB}" dt="2023-03-02T02:58:34.659" v="285" actId="20577"/>
+          <ac:spMkLst>
+            <pc:docMk/>
+            <pc:sldMk cId="2999972348" sldId="260"/>
+            <ac:spMk id="10" creationId="{D0B009ED-32B6-ECFB-EFEF-EE08DEB5111B}"/>
+          </ac:spMkLst>
+        </pc:spChg>
+        <pc:spChg chg="add del mod">
+          <ac:chgData name="Simon Bonner" userId="c968d0cc-44b1-4a19-b224-50fd2dc43281" providerId="ADAL" clId="{21C03C2C-B54E-0141-9F1A-D4B48D7F07BB}" dt="2023-03-02T03:00:27.065" v="312"/>
+          <ac:spMkLst>
+            <pc:docMk/>
+            <pc:sldMk cId="2999972348" sldId="260"/>
+            <ac:spMk id="13" creationId="{DAB42ABC-2E92-05DC-1976-C7779D8BEDDD}"/>
+          </ac:spMkLst>
+        </pc:spChg>
+        <pc:spChg chg="add mod">
+          <ac:chgData name="Simon Bonner" userId="c968d0cc-44b1-4a19-b224-50fd2dc43281" providerId="ADAL" clId="{21C03C2C-B54E-0141-9F1A-D4B48D7F07BB}" dt="2023-03-02T03:06:05.519" v="313" actId="767"/>
+          <ac:spMkLst>
+            <pc:docMk/>
+            <pc:sldMk cId="2999972348" sldId="260"/>
+            <ac:spMk id="14" creationId="{937DF531-698B-25B6-BE14-CDE3CA7D7505}"/>
+          </ac:spMkLst>
+        </pc:spChg>
+        <pc:cxnChg chg="add del mod">
+          <ac:chgData name="Simon Bonner" userId="c968d0cc-44b1-4a19-b224-50fd2dc43281" providerId="ADAL" clId="{21C03C2C-B54E-0141-9F1A-D4B48D7F07BB}" dt="2023-03-02T02:58:47.773" v="287" actId="478"/>
+          <ac:cxnSpMkLst>
+            <pc:docMk/>
+            <pc:sldMk cId="2999972348" sldId="260"/>
+            <ac:cxnSpMk id="2" creationId="{4B2D7FAB-3281-261A-3C4D-8677A4B03EA7}"/>
+          </ac:cxnSpMkLst>
+        </pc:cxnChg>
+        <pc:cxnChg chg="add mod">
+          <ac:chgData name="Simon Bonner" userId="c968d0cc-44b1-4a19-b224-50fd2dc43281" providerId="ADAL" clId="{21C03C2C-B54E-0141-9F1A-D4B48D7F07BB}" dt="2023-03-02T02:58:54.729" v="289" actId="1076"/>
+          <ac:cxnSpMkLst>
+            <pc:docMk/>
+            <pc:sldMk cId="2999972348" sldId="260"/>
+            <ac:cxnSpMk id="3" creationId="{1DC8016D-4365-F59F-B509-3A140D846863}"/>
+          </ac:cxnSpMkLst>
+        </pc:cxnChg>
+        <pc:cxnChg chg="add mod">
+          <ac:chgData name="Simon Bonner" userId="c968d0cc-44b1-4a19-b224-50fd2dc43281" providerId="ADAL" clId="{21C03C2C-B54E-0141-9F1A-D4B48D7F07BB}" dt="2023-03-02T02:59:20.724" v="291" actId="1076"/>
+          <ac:cxnSpMkLst>
+            <pc:docMk/>
+            <pc:sldMk cId="2999972348" sldId="260"/>
+            <ac:cxnSpMk id="11" creationId="{F02ABABD-445D-DCA6-A9C8-B960B0B42630}"/>
           </ac:cxnSpMkLst>
         </pc:cxnChg>
       </pc:sldChg>
@@ -657,7 +1447,7 @@
           <a:p>
             <a:fld id="{68217EAF-5F0D-4A28-B856-1C00EE8A7931}" type="datetimeFigureOut">
               <a:rPr lang="en-US" smtClean="0"/>
-              <a:t>2/21/23</a:t>
+              <a:t>3/1/23</a:t>
             </a:fld>
             <a:endParaRPr lang="en-US"/>
           </a:p>
@@ -855,7 +1645,7 @@
           <a:p>
             <a:fld id="{68217EAF-5F0D-4A28-B856-1C00EE8A7931}" type="datetimeFigureOut">
               <a:rPr lang="en-US" smtClean="0"/>
-              <a:t>2/21/23</a:t>
+              <a:t>3/1/23</a:t>
             </a:fld>
             <a:endParaRPr lang="en-US"/>
           </a:p>
@@ -1063,7 +1853,7 @@
           <a:p>
             <a:fld id="{68217EAF-5F0D-4A28-B856-1C00EE8A7931}" type="datetimeFigureOut">
               <a:rPr lang="en-US" smtClean="0"/>
-              <a:t>2/21/23</a:t>
+              <a:t>3/1/23</a:t>
             </a:fld>
             <a:endParaRPr lang="en-US"/>
           </a:p>
@@ -1261,7 +2051,7 @@
           <a:p>
             <a:fld id="{68217EAF-5F0D-4A28-B856-1C00EE8A7931}" type="datetimeFigureOut">
               <a:rPr lang="en-US" smtClean="0"/>
-              <a:t>2/21/23</a:t>
+              <a:t>3/1/23</a:t>
             </a:fld>
             <a:endParaRPr lang="en-US"/>
           </a:p>
@@ -1536,7 +2326,7 @@
           <a:p>
             <a:fld id="{68217EAF-5F0D-4A28-B856-1C00EE8A7931}" type="datetimeFigureOut">
               <a:rPr lang="en-US" smtClean="0"/>
-              <a:t>2/21/23</a:t>
+              <a:t>3/1/23</a:t>
             </a:fld>
             <a:endParaRPr lang="en-US"/>
           </a:p>
@@ -1801,7 +2591,7 @@
           <a:p>
             <a:fld id="{68217EAF-5F0D-4A28-B856-1C00EE8A7931}" type="datetimeFigureOut">
               <a:rPr lang="en-US" smtClean="0"/>
-              <a:t>2/21/23</a:t>
+              <a:t>3/1/23</a:t>
             </a:fld>
             <a:endParaRPr lang="en-US"/>
           </a:p>
@@ -2213,7 +3003,7 @@
           <a:p>
             <a:fld id="{68217EAF-5F0D-4A28-B856-1C00EE8A7931}" type="datetimeFigureOut">
               <a:rPr lang="en-US" smtClean="0"/>
-              <a:t>2/21/23</a:t>
+              <a:t>3/1/23</a:t>
             </a:fld>
             <a:endParaRPr lang="en-US"/>
           </a:p>
@@ -2354,7 +3144,7 @@
           <a:p>
             <a:fld id="{68217EAF-5F0D-4A28-B856-1C00EE8A7931}" type="datetimeFigureOut">
               <a:rPr lang="en-US" smtClean="0"/>
-              <a:t>2/21/23</a:t>
+              <a:t>3/1/23</a:t>
             </a:fld>
             <a:endParaRPr lang="en-US"/>
           </a:p>
@@ -2467,7 +3257,7 @@
           <a:p>
             <a:fld id="{68217EAF-5F0D-4A28-B856-1C00EE8A7931}" type="datetimeFigureOut">
               <a:rPr lang="en-US" smtClean="0"/>
-              <a:t>2/21/23</a:t>
+              <a:t>3/1/23</a:t>
             </a:fld>
             <a:endParaRPr lang="en-US"/>
           </a:p>
@@ -2778,7 +3568,7 @@
           <a:p>
             <a:fld id="{68217EAF-5F0D-4A28-B856-1C00EE8A7931}" type="datetimeFigureOut">
               <a:rPr lang="en-US" smtClean="0"/>
-              <a:t>2/21/23</a:t>
+              <a:t>3/1/23</a:t>
             </a:fld>
             <a:endParaRPr lang="en-US"/>
           </a:p>
@@ -3066,7 +3856,7 @@
           <a:p>
             <a:fld id="{68217EAF-5F0D-4A28-B856-1C00EE8A7931}" type="datetimeFigureOut">
               <a:rPr lang="en-US" smtClean="0"/>
-              <a:t>2/21/23</a:t>
+              <a:t>3/1/23</a:t>
             </a:fld>
             <a:endParaRPr lang="en-US"/>
           </a:p>
@@ -3307,7 +4097,7 @@
           <a:p>
             <a:fld id="{68217EAF-5F0D-4A28-B856-1C00EE8A7931}" type="datetimeFigureOut">
               <a:rPr lang="en-US" smtClean="0"/>
-              <a:t>2/21/23</a:t>
+              <a:t>3/1/23</a:t>
             </a:fld>
             <a:endParaRPr lang="en-US"/>
           </a:p>
@@ -5141,8 +5931,8 @@
           </a:p>
         </p:txBody>
       </p:sp>
-      <mc:AlternateContent xmlns:mc="http://schemas.openxmlformats.org/markup-compatibility/2006">
-        <mc:Choice xmlns:a14="http://schemas.microsoft.com/office/drawing/2010/main" Requires="a14">
+      <mc:AlternateContent xmlns:mc="http://schemas.openxmlformats.org/markup-compatibility/2006" xmlns:a14="http://schemas.microsoft.com/office/drawing/2010/main">
+        <mc:Choice Requires="a14">
           <p:sp>
             <p:nvSpPr>
               <p:cNvPr id="5" name="TextBox 4">
@@ -5211,7 +6001,7 @@
             </p:txBody>
           </p:sp>
         </mc:Choice>
-        <mc:Fallback>
+        <mc:Fallback xmlns="">
           <p:sp>
             <p:nvSpPr>
               <p:cNvPr id="5" name="TextBox 4">
@@ -5256,8 +6046,8 @@
           </p:sp>
         </mc:Fallback>
       </mc:AlternateContent>
-      <mc:AlternateContent xmlns:mc="http://schemas.openxmlformats.org/markup-compatibility/2006">
-        <mc:Choice xmlns:a14="http://schemas.microsoft.com/office/drawing/2010/main" Requires="a14">
+      <mc:AlternateContent xmlns:mc="http://schemas.openxmlformats.org/markup-compatibility/2006" xmlns:a14="http://schemas.microsoft.com/office/drawing/2010/main">
+        <mc:Choice Requires="a14">
           <p:sp>
             <p:nvSpPr>
               <p:cNvPr id="7" name="TextBox 6">
@@ -5327,7 +6117,7 @@
             </p:txBody>
           </p:sp>
         </mc:Choice>
-        <mc:Fallback>
+        <mc:Fallback xmlns="">
           <p:sp>
             <p:nvSpPr>
               <p:cNvPr id="7" name="TextBox 6">
@@ -5372,8 +6162,8 @@
           </p:sp>
         </mc:Fallback>
       </mc:AlternateContent>
-      <mc:AlternateContent xmlns:mc="http://schemas.openxmlformats.org/markup-compatibility/2006">
-        <mc:Choice xmlns:a14="http://schemas.microsoft.com/office/drawing/2010/main" Requires="a14">
+      <mc:AlternateContent xmlns:mc="http://schemas.openxmlformats.org/markup-compatibility/2006" xmlns:a14="http://schemas.microsoft.com/office/drawing/2010/main">
+        <mc:Choice Requires="a14">
           <p:sp>
             <p:nvSpPr>
               <p:cNvPr id="10" name="Oval 9">
@@ -5474,7 +6264,7 @@
             </p:txBody>
           </p:sp>
         </mc:Choice>
-        <mc:Fallback>
+        <mc:Fallback xmlns="">
           <p:sp>
             <p:nvSpPr>
               <p:cNvPr id="10" name="Oval 9">
@@ -5719,8 +6509,8 @@
           </a:p>
         </p:txBody>
       </p:sp>
-      <mc:AlternateContent xmlns:mc="http://schemas.openxmlformats.org/markup-compatibility/2006">
-        <mc:Choice xmlns:a14="http://schemas.microsoft.com/office/drawing/2010/main" Requires="a14">
+      <mc:AlternateContent xmlns:mc="http://schemas.openxmlformats.org/markup-compatibility/2006" xmlns:a14="http://schemas.microsoft.com/office/drawing/2010/main">
+        <mc:Choice Requires="a14">
           <p:sp>
             <p:nvSpPr>
               <p:cNvPr id="27" name="TextBox 26">
@@ -5749,7 +6539,6 @@
               </a:bodyPr>
               <a:lstStyle/>
               <a:p>
-                <a:pPr/>
                 <a:r>
                   <a:rPr lang="en-CA" i="1" dirty="0"/>
                   <a:t>i</a:t>
@@ -5760,19 +6549,7 @@
                       <a:rPr lang="en-CA" b="0" i="1" smtClean="0">
                         <a:latin typeface="Cambria Math" panose="02040503050406030204" pitchFamily="18" charset="0"/>
                       </a:rPr>
-                      <m:t>=1,…,</m:t>
-                    </m:r>
-                    <m:r>
-                      <a:rPr lang="en-CA" b="0" i="1" smtClean="0">
-                        <a:latin typeface="Cambria Math" panose="02040503050406030204" pitchFamily="18" charset="0"/>
-                      </a:rPr>
-                      <m:t>5</m:t>
-                    </m:r>
-                    <m:r>
-                      <a:rPr lang="en-CA" b="0" i="1" smtClean="0">
-                        <a:latin typeface="Cambria Math" panose="02040503050406030204" pitchFamily="18" charset="0"/>
-                      </a:rPr>
-                      <m:t>0</m:t>
+                      <m:t>=1,…,50</m:t>
                     </m:r>
                   </m:oMath>
                 </a14:m>
@@ -5781,7 +6558,7 @@
             </p:txBody>
           </p:sp>
         </mc:Choice>
-        <mc:Fallback>
+        <mc:Fallback xmlns="">
           <p:sp>
             <p:nvSpPr>
               <p:cNvPr id="27" name="TextBox 26">
@@ -5878,8 +6655,8 @@
           </a:p>
         </p:txBody>
       </p:sp>
-      <mc:AlternateContent xmlns:mc="http://schemas.openxmlformats.org/markup-compatibility/2006">
-        <mc:Choice xmlns:a14="http://schemas.microsoft.com/office/drawing/2010/main" Requires="a14">
+      <mc:AlternateContent xmlns:mc="http://schemas.openxmlformats.org/markup-compatibility/2006" xmlns:a14="http://schemas.microsoft.com/office/drawing/2010/main">
+        <mc:Choice Requires="a14">
           <p:sp>
             <p:nvSpPr>
               <p:cNvPr id="8" name="TextBox 7">
@@ -5908,6 +6685,7 @@
               </a:bodyPr>
               <a:lstStyle/>
               <a:p>
+                <a:pPr/>
                 <a14:m>
                   <m:oMathPara xmlns:m="http://schemas.openxmlformats.org/officeDocument/2006/math">
                     <m:oMathParaPr>
@@ -5947,7 +6725,7 @@
             </p:txBody>
           </p:sp>
         </mc:Choice>
-        <mc:Fallback>
+        <mc:Fallback xmlns="">
           <p:sp>
             <p:nvSpPr>
               <p:cNvPr id="8" name="TextBox 7">
@@ -6038,8 +6816,8 @@
           </a:fontRef>
         </p:style>
       </p:cxnSp>
-      <mc:AlternateContent xmlns:mc="http://schemas.openxmlformats.org/markup-compatibility/2006">
-        <mc:Choice xmlns:a14="http://schemas.microsoft.com/office/drawing/2010/main" Requires="a14">
+      <mc:AlternateContent xmlns:mc="http://schemas.openxmlformats.org/markup-compatibility/2006" xmlns:a14="http://schemas.microsoft.com/office/drawing/2010/main">
+        <mc:Choice Requires="a14">
           <p:sp>
             <p:nvSpPr>
               <p:cNvPr id="24" name="TextBox 23">
@@ -6108,7 +6886,7 @@
             </p:txBody>
           </p:sp>
         </mc:Choice>
-        <mc:Fallback>
+        <mc:Fallback xmlns="">
           <p:sp>
             <p:nvSpPr>
               <p:cNvPr id="24" name="TextBox 23">
@@ -6205,8 +6983,8 @@
           </a:p>
         </p:txBody>
       </p:sp>
-      <mc:AlternateContent xmlns:mc="http://schemas.openxmlformats.org/markup-compatibility/2006">
-        <mc:Choice xmlns:a14="http://schemas.microsoft.com/office/drawing/2010/main" Requires="a14">
+      <mc:AlternateContent xmlns:mc="http://schemas.openxmlformats.org/markup-compatibility/2006" xmlns:a14="http://schemas.microsoft.com/office/drawing/2010/main">
+        <mc:Choice Requires="a14">
           <p:sp>
             <p:nvSpPr>
               <p:cNvPr id="31" name="TextBox 30">
@@ -6275,7 +7053,7 @@
             </p:txBody>
           </p:sp>
         </mc:Choice>
-        <mc:Fallback>
+        <mc:Fallback xmlns="">
           <p:sp>
             <p:nvSpPr>
               <p:cNvPr id="31" name="TextBox 30">
@@ -6466,6 +7244,4826 @@
     <p:extLst>
       <p:ext uri="{BB962C8B-B14F-4D97-AF65-F5344CB8AC3E}">
         <p14:creationId xmlns:p14="http://schemas.microsoft.com/office/powerpoint/2010/main" val="2718581900"/>
+      </p:ext>
+    </p:extLst>
+  </p:cSld>
+  <p:clrMapOvr>
+    <a:masterClrMapping/>
+  </p:clrMapOvr>
+</p:sld>
+</file>
+
+<file path=ppt/slides/slide3.xml><?xml version="1.0" encoding="utf-8"?>
+<p:sld xmlns:a="http://schemas.openxmlformats.org/drawingml/2006/main" xmlns:r="http://schemas.openxmlformats.org/officeDocument/2006/relationships" xmlns:p="http://schemas.openxmlformats.org/presentationml/2006/main">
+  <p:cSld>
+    <p:spTree>
+      <p:nvGrpSpPr>
+        <p:cNvPr id="1" name=""/>
+        <p:cNvGrpSpPr/>
+        <p:nvPr/>
+      </p:nvGrpSpPr>
+      <p:grpSpPr>
+        <a:xfrm>
+          <a:off x="0" y="0"/>
+          <a:ext cx="0" cy="0"/>
+          <a:chOff x="0" y="0"/>
+          <a:chExt cx="0" cy="0"/>
+        </a:xfrm>
+      </p:grpSpPr>
+      <p:sp>
+        <p:nvSpPr>
+          <p:cNvPr id="4" name="Rectangle 3">
+            <a:extLst>
+              <a:ext uri="{FF2B5EF4-FFF2-40B4-BE49-F238E27FC236}">
+                <a16:creationId xmlns:a16="http://schemas.microsoft.com/office/drawing/2014/main" id="{B7DC34CB-47DE-F49C-DF3B-CF0D0DE1CF12}"/>
+              </a:ext>
+            </a:extLst>
+          </p:cNvPr>
+          <p:cNvSpPr/>
+          <p:nvPr/>
+        </p:nvSpPr>
+        <p:spPr>
+          <a:xfrm>
+            <a:off x="4366861" y="2194462"/>
+            <a:ext cx="540000" cy="540000"/>
+          </a:xfrm>
+          <a:prstGeom prst="rect">
+            <a:avLst/>
+          </a:prstGeom>
+          <a:noFill/>
+          <a:ln>
+            <a:solidFill>
+              <a:schemeClr val="tx1"/>
+            </a:solidFill>
+          </a:ln>
+        </p:spPr>
+        <p:style>
+          <a:lnRef idx="2">
+            <a:schemeClr val="accent1">
+              <a:shade val="50000"/>
+            </a:schemeClr>
+          </a:lnRef>
+          <a:fillRef idx="1">
+            <a:schemeClr val="accent1"/>
+          </a:fillRef>
+          <a:effectRef idx="0">
+            <a:schemeClr val="accent1"/>
+          </a:effectRef>
+          <a:fontRef idx="minor">
+            <a:schemeClr val="lt1"/>
+          </a:fontRef>
+        </p:style>
+        <p:txBody>
+          <a:bodyPr rtlCol="0" anchor="ctr"/>
+          <a:lstStyle/>
+          <a:p>
+            <a:pPr algn="ctr"/>
+            <a:endParaRPr lang="en-US"/>
+          </a:p>
+        </p:txBody>
+      </p:sp>
+      <mc:AlternateContent xmlns:mc="http://schemas.openxmlformats.org/markup-compatibility/2006">
+        <mc:Choice xmlns:a14="http://schemas.microsoft.com/office/drawing/2010/main" Requires="a14">
+          <p:sp>
+            <p:nvSpPr>
+              <p:cNvPr id="5" name="TextBox 4">
+                <a:extLst>
+                  <a:ext uri="{FF2B5EF4-FFF2-40B4-BE49-F238E27FC236}">
+                    <a16:creationId xmlns:a16="http://schemas.microsoft.com/office/drawing/2014/main" id="{EF38647B-2D14-4F29-A4C4-F04426FA4E51}"/>
+                  </a:ext>
+                </a:extLst>
+              </p:cNvPr>
+              <p:cNvSpPr txBox="1"/>
+              <p:nvPr/>
+            </p:nvSpPr>
+            <p:spPr>
+              <a:xfrm>
+                <a:off x="4440019" y="2273543"/>
+                <a:ext cx="374590" cy="369332"/>
+              </a:xfrm>
+              <a:prstGeom prst="rect">
+                <a:avLst/>
+              </a:prstGeom>
+              <a:noFill/>
+            </p:spPr>
+            <p:txBody>
+              <a:bodyPr wrap="none" rtlCol="0">
+                <a:spAutoFit/>
+              </a:bodyPr>
+              <a:lstStyle/>
+              <a:p>
+                <a:pPr/>
+                <a14:m>
+                  <m:oMathPara xmlns:m="http://schemas.openxmlformats.org/officeDocument/2006/math">
+                    <m:oMathParaPr>
+                      <m:jc m:val="centerGroup"/>
+                    </m:oMathParaPr>
+                    <m:oMath xmlns:m="http://schemas.openxmlformats.org/officeDocument/2006/math">
+                      <m:r>
+                        <a:rPr lang="en-CA" b="0" i="1" smtClean="0">
+                          <a:latin typeface="Cambria Math" panose="02040503050406030204" pitchFamily="18" charset="0"/>
+                        </a:rPr>
+                        <m:t>𝑛</m:t>
+                      </m:r>
+                    </m:oMath>
+                  </m:oMathPara>
+                </a14:m>
+                <a:endParaRPr lang="en-US" dirty="0"/>
+              </a:p>
+            </p:txBody>
+          </p:sp>
+        </mc:Choice>
+        <mc:Fallback>
+          <p:sp>
+            <p:nvSpPr>
+              <p:cNvPr id="5" name="TextBox 4">
+                <a:extLst>
+                  <a:ext uri="{FF2B5EF4-FFF2-40B4-BE49-F238E27FC236}">
+                    <a16:creationId xmlns:a16="http://schemas.microsoft.com/office/drawing/2014/main" id="{EF38647B-2D14-4F29-A4C4-F04426FA4E51}"/>
+                  </a:ext>
+                </a:extLst>
+              </p:cNvPr>
+              <p:cNvSpPr txBox="1">
+                <a:spLocks noRot="1" noChangeAspect="1" noMove="1" noResize="1" noEditPoints="1" noAdjustHandles="1" noChangeArrowheads="1" noChangeShapeType="1" noTextEdit="1"/>
+              </p:cNvSpPr>
+              <p:nvPr/>
+            </p:nvSpPr>
+            <p:spPr>
+              <a:xfrm>
+                <a:off x="4440019" y="2273543"/>
+                <a:ext cx="374590" cy="369332"/>
+              </a:xfrm>
+              <a:prstGeom prst="rect">
+                <a:avLst/>
+              </a:prstGeom>
+              <a:blipFill>
+                <a:blip r:embed="rId2"/>
+                <a:stretch>
+                  <a:fillRect/>
+                </a:stretch>
+              </a:blipFill>
+            </p:spPr>
+            <p:txBody>
+              <a:bodyPr/>
+              <a:lstStyle/>
+              <a:p>
+                <a:r>
+                  <a:rPr lang="en-US">
+                    <a:noFill/>
+                  </a:rPr>
+                  <a:t> </a:t>
+                </a:r>
+              </a:p>
+            </p:txBody>
+          </p:sp>
+        </mc:Fallback>
+      </mc:AlternateContent>
+      <mc:AlternateContent xmlns:mc="http://schemas.openxmlformats.org/markup-compatibility/2006">
+        <mc:Choice xmlns:a14="http://schemas.microsoft.com/office/drawing/2010/main" Requires="a14">
+          <p:sp>
+            <p:nvSpPr>
+              <p:cNvPr id="7" name="TextBox 6">
+                <a:extLst>
+                  <a:ext uri="{FF2B5EF4-FFF2-40B4-BE49-F238E27FC236}">
+                    <a16:creationId xmlns:a16="http://schemas.microsoft.com/office/drawing/2014/main" id="{9DA5E3A8-7CF9-B3D6-CE7D-C5092FC5A82D}"/>
+                  </a:ext>
+                </a:extLst>
+              </p:cNvPr>
+              <p:cNvSpPr txBox="1"/>
+              <p:nvPr/>
+            </p:nvSpPr>
+            <p:spPr>
+              <a:xfrm>
+                <a:off x="5520644" y="2279796"/>
+                <a:ext cx="466217" cy="369332"/>
+              </a:xfrm>
+              <a:prstGeom prst="rect">
+                <a:avLst/>
+              </a:prstGeom>
+              <a:noFill/>
+            </p:spPr>
+            <p:txBody>
+              <a:bodyPr wrap="square" rtlCol="0">
+                <a:spAutoFit/>
+              </a:bodyPr>
+              <a:lstStyle/>
+              <a:p>
+                <a:pPr/>
+                <a14:m>
+                  <m:oMathPara xmlns:m="http://schemas.openxmlformats.org/officeDocument/2006/math">
+                    <m:oMathParaPr>
+                      <m:jc m:val="centerGroup"/>
+                    </m:oMathParaPr>
+                    <m:oMath xmlns:m="http://schemas.openxmlformats.org/officeDocument/2006/math">
+                      <m:r>
+                        <a:rPr lang="en-CA" b="0" i="1" smtClean="0">
+                          <a:latin typeface="Cambria Math" panose="02040503050406030204" pitchFamily="18" charset="0"/>
+                        </a:rPr>
+                        <m:t>𝑝</m:t>
+                      </m:r>
+                    </m:oMath>
+                  </m:oMathPara>
+                </a14:m>
+                <a:endParaRPr lang="en-US" dirty="0"/>
+              </a:p>
+            </p:txBody>
+          </p:sp>
+        </mc:Choice>
+        <mc:Fallback>
+          <p:sp>
+            <p:nvSpPr>
+              <p:cNvPr id="7" name="TextBox 6">
+                <a:extLst>
+                  <a:ext uri="{FF2B5EF4-FFF2-40B4-BE49-F238E27FC236}">
+                    <a16:creationId xmlns:a16="http://schemas.microsoft.com/office/drawing/2014/main" id="{9DA5E3A8-7CF9-B3D6-CE7D-C5092FC5A82D}"/>
+                  </a:ext>
+                </a:extLst>
+              </p:cNvPr>
+              <p:cNvSpPr txBox="1">
+                <a:spLocks noRot="1" noChangeAspect="1" noMove="1" noResize="1" noEditPoints="1" noAdjustHandles="1" noChangeArrowheads="1" noChangeShapeType="1" noTextEdit="1"/>
+              </p:cNvSpPr>
+              <p:nvPr/>
+            </p:nvSpPr>
+            <p:spPr>
+              <a:xfrm>
+                <a:off x="5520644" y="2279796"/>
+                <a:ext cx="466217" cy="369332"/>
+              </a:xfrm>
+              <a:prstGeom prst="rect">
+                <a:avLst/>
+              </a:prstGeom>
+              <a:blipFill>
+                <a:blip r:embed="rId3"/>
+                <a:stretch>
+                  <a:fillRect b="-6667"/>
+                </a:stretch>
+              </a:blipFill>
+            </p:spPr>
+            <p:txBody>
+              <a:bodyPr/>
+              <a:lstStyle/>
+              <a:p>
+                <a:r>
+                  <a:rPr lang="en-US">
+                    <a:noFill/>
+                  </a:rPr>
+                  <a:t> </a:t>
+                </a:r>
+              </a:p>
+            </p:txBody>
+          </p:sp>
+        </mc:Fallback>
+      </mc:AlternateContent>
+      <mc:AlternateContent xmlns:mc="http://schemas.openxmlformats.org/markup-compatibility/2006">
+        <mc:Choice xmlns:a14="http://schemas.microsoft.com/office/drawing/2010/main" Requires="a14">
+          <p:sp>
+            <p:nvSpPr>
+              <p:cNvPr id="10" name="Oval 9">
+                <a:extLst>
+                  <a:ext uri="{FF2B5EF4-FFF2-40B4-BE49-F238E27FC236}">
+                    <a16:creationId xmlns:a16="http://schemas.microsoft.com/office/drawing/2014/main" id="{D0B009ED-32B6-ECFB-EFEF-EE08DEB5111B}"/>
+                  </a:ext>
+                </a:extLst>
+              </p:cNvPr>
+              <p:cNvSpPr/>
+              <p:nvPr/>
+            </p:nvSpPr>
+            <p:spPr>
+              <a:xfrm>
+                <a:off x="4906861" y="3722011"/>
+                <a:ext cx="540000" cy="540000"/>
+              </a:xfrm>
+              <a:prstGeom prst="ellipse">
+                <a:avLst/>
+              </a:prstGeom>
+              <a:noFill/>
+              <a:ln>
+                <a:solidFill>
+                  <a:schemeClr val="tx1"/>
+                </a:solidFill>
+              </a:ln>
+            </p:spPr>
+            <p:style>
+              <a:lnRef idx="2">
+                <a:schemeClr val="accent1">
+                  <a:shade val="50000"/>
+                </a:schemeClr>
+              </a:lnRef>
+              <a:fillRef idx="1">
+                <a:schemeClr val="accent1"/>
+              </a:fillRef>
+              <a:effectRef idx="0">
+                <a:schemeClr val="accent1"/>
+              </a:effectRef>
+              <a:fontRef idx="minor">
+                <a:schemeClr val="lt1"/>
+              </a:fontRef>
+            </p:style>
+            <p:txBody>
+              <a:bodyPr rtlCol="0" anchor="ctr"/>
+              <a:lstStyle/>
+              <a:p>
+                <a:pPr algn="ctr"/>
+                <a14:m>
+                  <m:oMathPara xmlns:m="http://schemas.openxmlformats.org/officeDocument/2006/math">
+                    <m:oMathParaPr>
+                      <m:jc m:val="centerGroup"/>
+                    </m:oMathParaPr>
+                    <m:oMath xmlns:m="http://schemas.openxmlformats.org/officeDocument/2006/math">
+                      <m:r>
+                        <a:rPr lang="en-CA" b="0" i="1" smtClean="0">
+                          <a:solidFill>
+                            <a:schemeClr val="tx1"/>
+                          </a:solidFill>
+                          <a:latin typeface="Cambria Math" panose="02040503050406030204" pitchFamily="18" charset="0"/>
+                        </a:rPr>
+                        <m:t>𝑘</m:t>
+                      </m:r>
+                    </m:oMath>
+                  </m:oMathPara>
+                </a14:m>
+                <a:endParaRPr lang="en-CA" b="0" dirty="0">
+                  <a:solidFill>
+                    <a:schemeClr val="tx1"/>
+                  </a:solidFill>
+                </a:endParaRPr>
+              </a:p>
+            </p:txBody>
+          </p:sp>
+        </mc:Choice>
+        <mc:Fallback>
+          <p:sp>
+            <p:nvSpPr>
+              <p:cNvPr id="10" name="Oval 9">
+                <a:extLst>
+                  <a:ext uri="{FF2B5EF4-FFF2-40B4-BE49-F238E27FC236}">
+                    <a16:creationId xmlns:a16="http://schemas.microsoft.com/office/drawing/2014/main" id="{D0B009ED-32B6-ECFB-EFEF-EE08DEB5111B}"/>
+                  </a:ext>
+                </a:extLst>
+              </p:cNvPr>
+              <p:cNvSpPr>
+                <a:spLocks noRot="1" noChangeAspect="1" noMove="1" noResize="1" noEditPoints="1" noAdjustHandles="1" noChangeArrowheads="1" noChangeShapeType="1" noTextEdit="1"/>
+              </p:cNvSpPr>
+              <p:nvPr/>
+            </p:nvSpPr>
+            <p:spPr>
+              <a:xfrm>
+                <a:off x="4906861" y="3722011"/>
+                <a:ext cx="540000" cy="540000"/>
+              </a:xfrm>
+              <a:prstGeom prst="ellipse">
+                <a:avLst/>
+              </a:prstGeom>
+              <a:blipFill>
+                <a:blip r:embed="rId4"/>
+                <a:stretch>
+                  <a:fillRect/>
+                </a:stretch>
+              </a:blipFill>
+              <a:ln>
+                <a:solidFill>
+                  <a:schemeClr val="tx1"/>
+                </a:solidFill>
+              </a:ln>
+            </p:spPr>
+            <p:txBody>
+              <a:bodyPr/>
+              <a:lstStyle/>
+              <a:p>
+                <a:r>
+                  <a:rPr lang="en-US">
+                    <a:noFill/>
+                  </a:rPr>
+                  <a:t> </a:t>
+                </a:r>
+              </a:p>
+            </p:txBody>
+          </p:sp>
+        </mc:Fallback>
+      </mc:AlternateContent>
+      <p:sp>
+        <p:nvSpPr>
+          <p:cNvPr id="12" name="Rectangle 11">
+            <a:extLst>
+              <a:ext uri="{FF2B5EF4-FFF2-40B4-BE49-F238E27FC236}">
+                <a16:creationId xmlns:a16="http://schemas.microsoft.com/office/drawing/2014/main" id="{C7E76004-2E3B-FC1A-EF5E-019620BEC9BF}"/>
+              </a:ext>
+            </a:extLst>
+          </p:cNvPr>
+          <p:cNvSpPr/>
+          <p:nvPr/>
+        </p:nvSpPr>
+        <p:spPr>
+          <a:xfrm>
+            <a:off x="5446861" y="2194462"/>
+            <a:ext cx="540000" cy="540000"/>
+          </a:xfrm>
+          <a:prstGeom prst="rect">
+            <a:avLst/>
+          </a:prstGeom>
+          <a:noFill/>
+          <a:ln>
+            <a:solidFill>
+              <a:schemeClr val="tx1"/>
+            </a:solidFill>
+          </a:ln>
+        </p:spPr>
+        <p:style>
+          <a:lnRef idx="2">
+            <a:schemeClr val="accent1">
+              <a:shade val="50000"/>
+            </a:schemeClr>
+          </a:lnRef>
+          <a:fillRef idx="1">
+            <a:schemeClr val="accent1"/>
+          </a:fillRef>
+          <a:effectRef idx="0">
+            <a:schemeClr val="accent1"/>
+          </a:effectRef>
+          <a:fontRef idx="minor">
+            <a:schemeClr val="lt1"/>
+          </a:fontRef>
+        </p:style>
+        <p:txBody>
+          <a:bodyPr rtlCol="0" anchor="ctr"/>
+          <a:lstStyle/>
+          <a:p>
+            <a:pPr algn="ctr"/>
+            <a:endParaRPr lang="en-US"/>
+          </a:p>
+        </p:txBody>
+      </p:sp>
+      <p:cxnSp>
+        <p:nvCxnSpPr>
+          <p:cNvPr id="16" name="Straight Arrow Connector 15">
+            <a:extLst>
+              <a:ext uri="{FF2B5EF4-FFF2-40B4-BE49-F238E27FC236}">
+                <a16:creationId xmlns:a16="http://schemas.microsoft.com/office/drawing/2014/main" id="{ADBEDA71-E44D-5775-EE9B-F7C90EC434CA}"/>
+              </a:ext>
+            </a:extLst>
+          </p:cNvPr>
+          <p:cNvCxnSpPr>
+            <a:stCxn id="4" idx="2"/>
+            <a:endCxn id="10" idx="1"/>
+          </p:cNvCxnSpPr>
+          <p:nvPr/>
+        </p:nvCxnSpPr>
+        <p:spPr>
+          <a:xfrm>
+            <a:off x="4636861" y="2734462"/>
+            <a:ext cx="349081" cy="1066630"/>
+          </a:xfrm>
+          <a:prstGeom prst="straightConnector1">
+            <a:avLst/>
+          </a:prstGeom>
+          <a:ln>
+            <a:solidFill>
+              <a:schemeClr val="tx1"/>
+            </a:solidFill>
+            <a:tailEnd type="triangle" w="lg" len="lg"/>
+          </a:ln>
+        </p:spPr>
+        <p:style>
+          <a:lnRef idx="1">
+            <a:schemeClr val="accent1"/>
+          </a:lnRef>
+          <a:fillRef idx="0">
+            <a:schemeClr val="accent1"/>
+          </a:fillRef>
+          <a:effectRef idx="0">
+            <a:schemeClr val="accent1"/>
+          </a:effectRef>
+          <a:fontRef idx="minor">
+            <a:schemeClr val="tx1"/>
+          </a:fontRef>
+        </p:style>
+      </p:cxnSp>
+      <p:cxnSp>
+        <p:nvCxnSpPr>
+          <p:cNvPr id="17" name="Straight Arrow Connector 16">
+            <a:extLst>
+              <a:ext uri="{FF2B5EF4-FFF2-40B4-BE49-F238E27FC236}">
+                <a16:creationId xmlns:a16="http://schemas.microsoft.com/office/drawing/2014/main" id="{D58A0CDD-7120-AE0D-6488-D818C68CA3C9}"/>
+              </a:ext>
+            </a:extLst>
+          </p:cNvPr>
+          <p:cNvCxnSpPr>
+            <a:cxnSpLocks/>
+            <a:stCxn id="12" idx="2"/>
+            <a:endCxn id="10" idx="7"/>
+          </p:cNvCxnSpPr>
+          <p:nvPr/>
+        </p:nvCxnSpPr>
+        <p:spPr>
+          <a:xfrm flipH="1">
+            <a:off x="5367780" y="2734462"/>
+            <a:ext cx="349081" cy="1066630"/>
+          </a:xfrm>
+          <a:prstGeom prst="straightConnector1">
+            <a:avLst/>
+          </a:prstGeom>
+          <a:ln>
+            <a:solidFill>
+              <a:schemeClr val="tx1"/>
+            </a:solidFill>
+            <a:tailEnd type="triangle" w="lg" len="lg"/>
+          </a:ln>
+        </p:spPr>
+        <p:style>
+          <a:lnRef idx="1">
+            <a:schemeClr val="accent1"/>
+          </a:lnRef>
+          <a:fillRef idx="0">
+            <a:schemeClr val="accent1"/>
+          </a:fillRef>
+          <a:effectRef idx="0">
+            <a:schemeClr val="accent1"/>
+          </a:effectRef>
+          <a:fontRef idx="minor">
+            <a:schemeClr val="tx1"/>
+          </a:fontRef>
+        </p:style>
+      </p:cxnSp>
+    </p:spTree>
+    <p:extLst>
+      <p:ext uri="{BB962C8B-B14F-4D97-AF65-F5344CB8AC3E}">
+        <p14:creationId xmlns:p14="http://schemas.microsoft.com/office/powerpoint/2010/main" val="4292284047"/>
+      </p:ext>
+    </p:extLst>
+  </p:cSld>
+  <p:clrMapOvr>
+    <a:masterClrMapping/>
+  </p:clrMapOvr>
+</p:sld>
+</file>
+
+<file path=ppt/slides/slide4.xml><?xml version="1.0" encoding="utf-8"?>
+<p:sld xmlns:a="http://schemas.openxmlformats.org/drawingml/2006/main" xmlns:r="http://schemas.openxmlformats.org/officeDocument/2006/relationships" xmlns:p="http://schemas.openxmlformats.org/presentationml/2006/main">
+  <p:cSld>
+    <p:spTree>
+      <p:nvGrpSpPr>
+        <p:cNvPr id="1" name=""/>
+        <p:cNvGrpSpPr/>
+        <p:nvPr/>
+      </p:nvGrpSpPr>
+      <p:grpSpPr>
+        <a:xfrm>
+          <a:off x="0" y="0"/>
+          <a:ext cx="0" cy="0"/>
+          <a:chOff x="0" y="0"/>
+          <a:chExt cx="0" cy="0"/>
+        </a:xfrm>
+      </p:grpSpPr>
+      <p:sp>
+        <p:nvSpPr>
+          <p:cNvPr id="4" name="Rectangle 3">
+            <a:extLst>
+              <a:ext uri="{FF2B5EF4-FFF2-40B4-BE49-F238E27FC236}">
+                <a16:creationId xmlns:a16="http://schemas.microsoft.com/office/drawing/2014/main" id="{B7DC34CB-47DE-F49C-DF3B-CF0D0DE1CF12}"/>
+              </a:ext>
+            </a:extLst>
+          </p:cNvPr>
+          <p:cNvSpPr/>
+          <p:nvPr/>
+        </p:nvSpPr>
+        <p:spPr>
+          <a:xfrm>
+            <a:off x="4366861" y="2194462"/>
+            <a:ext cx="540000" cy="540000"/>
+          </a:xfrm>
+          <a:prstGeom prst="rect">
+            <a:avLst/>
+          </a:prstGeom>
+          <a:noFill/>
+          <a:ln>
+            <a:solidFill>
+              <a:schemeClr val="tx1"/>
+            </a:solidFill>
+          </a:ln>
+        </p:spPr>
+        <p:style>
+          <a:lnRef idx="2">
+            <a:schemeClr val="accent1">
+              <a:shade val="50000"/>
+            </a:schemeClr>
+          </a:lnRef>
+          <a:fillRef idx="1">
+            <a:schemeClr val="accent1"/>
+          </a:fillRef>
+          <a:effectRef idx="0">
+            <a:schemeClr val="accent1"/>
+          </a:effectRef>
+          <a:fontRef idx="minor">
+            <a:schemeClr val="lt1"/>
+          </a:fontRef>
+        </p:style>
+        <p:txBody>
+          <a:bodyPr rtlCol="0" anchor="ctr"/>
+          <a:lstStyle/>
+          <a:p>
+            <a:pPr algn="ctr"/>
+            <a:endParaRPr lang="en-US"/>
+          </a:p>
+        </p:txBody>
+      </p:sp>
+      <mc:AlternateContent xmlns:mc="http://schemas.openxmlformats.org/markup-compatibility/2006">
+        <mc:Choice xmlns:a14="http://schemas.microsoft.com/office/drawing/2010/main" Requires="a14">
+          <p:sp>
+            <p:nvSpPr>
+              <p:cNvPr id="5" name="TextBox 4">
+                <a:extLst>
+                  <a:ext uri="{FF2B5EF4-FFF2-40B4-BE49-F238E27FC236}">
+                    <a16:creationId xmlns:a16="http://schemas.microsoft.com/office/drawing/2014/main" id="{EF38647B-2D14-4F29-A4C4-F04426FA4E51}"/>
+                  </a:ext>
+                </a:extLst>
+              </p:cNvPr>
+              <p:cNvSpPr txBox="1"/>
+              <p:nvPr/>
+            </p:nvSpPr>
+            <p:spPr>
+              <a:xfrm>
+                <a:off x="4440019" y="2273543"/>
+                <a:ext cx="472630" cy="369332"/>
+              </a:xfrm>
+              <a:prstGeom prst="rect">
+                <a:avLst/>
+              </a:prstGeom>
+              <a:noFill/>
+            </p:spPr>
+            <p:txBody>
+              <a:bodyPr wrap="none" rtlCol="0">
+                <a:spAutoFit/>
+              </a:bodyPr>
+              <a:lstStyle/>
+              <a:p>
+                <a:pPr/>
+                <a14:m>
+                  <m:oMathPara xmlns:m="http://schemas.openxmlformats.org/officeDocument/2006/math">
+                    <m:oMathParaPr>
+                      <m:jc m:val="centerGroup"/>
+                    </m:oMathParaPr>
+                    <m:oMath xmlns:m="http://schemas.openxmlformats.org/officeDocument/2006/math">
+                      <m:sSub>
+                        <m:sSubPr>
+                          <m:ctrlPr>
+                            <a:rPr lang="en-CA" b="0" i="1" smtClean="0">
+                              <a:latin typeface="Cambria Math" panose="02040503050406030204" pitchFamily="18" charset="0"/>
+                            </a:rPr>
+                          </m:ctrlPr>
+                        </m:sSubPr>
+                        <m:e>
+                          <m:r>
+                            <a:rPr lang="en-CA" b="0" i="1" smtClean="0">
+                              <a:latin typeface="Cambria Math" panose="02040503050406030204" pitchFamily="18" charset="0"/>
+                            </a:rPr>
+                            <m:t>𝑛</m:t>
+                          </m:r>
+                        </m:e>
+                        <m:sub>
+                          <m:r>
+                            <a:rPr lang="en-CA" b="0" i="1" smtClean="0">
+                              <a:latin typeface="Cambria Math" panose="02040503050406030204" pitchFamily="18" charset="0"/>
+                            </a:rPr>
+                            <m:t>1</m:t>
+                          </m:r>
+                        </m:sub>
+                      </m:sSub>
+                    </m:oMath>
+                  </m:oMathPara>
+                </a14:m>
+                <a:endParaRPr lang="en-US" dirty="0"/>
+              </a:p>
+            </p:txBody>
+          </p:sp>
+        </mc:Choice>
+        <mc:Fallback>
+          <p:sp>
+            <p:nvSpPr>
+              <p:cNvPr id="5" name="TextBox 4">
+                <a:extLst>
+                  <a:ext uri="{FF2B5EF4-FFF2-40B4-BE49-F238E27FC236}">
+                    <a16:creationId xmlns:a16="http://schemas.microsoft.com/office/drawing/2014/main" id="{EF38647B-2D14-4F29-A4C4-F04426FA4E51}"/>
+                  </a:ext>
+                </a:extLst>
+              </p:cNvPr>
+              <p:cNvSpPr txBox="1">
+                <a:spLocks noRot="1" noChangeAspect="1" noMove="1" noResize="1" noEditPoints="1" noAdjustHandles="1" noChangeArrowheads="1" noChangeShapeType="1" noTextEdit="1"/>
+              </p:cNvSpPr>
+              <p:nvPr/>
+            </p:nvSpPr>
+            <p:spPr>
+              <a:xfrm>
+                <a:off x="4440019" y="2273543"/>
+                <a:ext cx="472630" cy="369332"/>
+              </a:xfrm>
+              <a:prstGeom prst="rect">
+                <a:avLst/>
+              </a:prstGeom>
+              <a:blipFill>
+                <a:blip r:embed="rId2"/>
+                <a:stretch>
+                  <a:fillRect/>
+                </a:stretch>
+              </a:blipFill>
+            </p:spPr>
+            <p:txBody>
+              <a:bodyPr/>
+              <a:lstStyle/>
+              <a:p>
+                <a:r>
+                  <a:rPr lang="en-US">
+                    <a:noFill/>
+                  </a:rPr>
+                  <a:t> </a:t>
+                </a:r>
+              </a:p>
+            </p:txBody>
+          </p:sp>
+        </mc:Fallback>
+      </mc:AlternateContent>
+      <mc:AlternateContent xmlns:mc="http://schemas.openxmlformats.org/markup-compatibility/2006">
+        <mc:Choice xmlns:a14="http://schemas.microsoft.com/office/drawing/2010/main" Requires="a14">
+          <p:sp>
+            <p:nvSpPr>
+              <p:cNvPr id="7" name="TextBox 6">
+                <a:extLst>
+                  <a:ext uri="{FF2B5EF4-FFF2-40B4-BE49-F238E27FC236}">
+                    <a16:creationId xmlns:a16="http://schemas.microsoft.com/office/drawing/2014/main" id="{9DA5E3A8-7CF9-B3D6-CE7D-C5092FC5A82D}"/>
+                  </a:ext>
+                </a:extLst>
+              </p:cNvPr>
+              <p:cNvSpPr txBox="1"/>
+              <p:nvPr/>
+            </p:nvSpPr>
+            <p:spPr>
+              <a:xfrm>
+                <a:off x="5520644" y="2279796"/>
+                <a:ext cx="466217" cy="369332"/>
+              </a:xfrm>
+              <a:prstGeom prst="rect">
+                <a:avLst/>
+              </a:prstGeom>
+              <a:noFill/>
+            </p:spPr>
+            <p:txBody>
+              <a:bodyPr wrap="square" rtlCol="0">
+                <a:spAutoFit/>
+              </a:bodyPr>
+              <a:lstStyle/>
+              <a:p>
+                <a:pPr/>
+                <a14:m>
+                  <m:oMathPara xmlns:m="http://schemas.openxmlformats.org/officeDocument/2006/math">
+                    <m:oMathParaPr>
+                      <m:jc m:val="centerGroup"/>
+                    </m:oMathParaPr>
+                    <m:oMath xmlns:m="http://schemas.openxmlformats.org/officeDocument/2006/math">
+                      <m:r>
+                        <a:rPr lang="en-CA" b="0" i="1" smtClean="0">
+                          <a:latin typeface="Cambria Math" panose="02040503050406030204" pitchFamily="18" charset="0"/>
+                        </a:rPr>
+                        <m:t>𝑝</m:t>
+                      </m:r>
+                    </m:oMath>
+                  </m:oMathPara>
+                </a14:m>
+                <a:endParaRPr lang="en-US" dirty="0"/>
+              </a:p>
+            </p:txBody>
+          </p:sp>
+        </mc:Choice>
+        <mc:Fallback>
+          <p:sp>
+            <p:nvSpPr>
+              <p:cNvPr id="7" name="TextBox 6">
+                <a:extLst>
+                  <a:ext uri="{FF2B5EF4-FFF2-40B4-BE49-F238E27FC236}">
+                    <a16:creationId xmlns:a16="http://schemas.microsoft.com/office/drawing/2014/main" id="{9DA5E3A8-7CF9-B3D6-CE7D-C5092FC5A82D}"/>
+                  </a:ext>
+                </a:extLst>
+              </p:cNvPr>
+              <p:cNvSpPr txBox="1">
+                <a:spLocks noRot="1" noChangeAspect="1" noMove="1" noResize="1" noEditPoints="1" noAdjustHandles="1" noChangeArrowheads="1" noChangeShapeType="1" noTextEdit="1"/>
+              </p:cNvSpPr>
+              <p:nvPr/>
+            </p:nvSpPr>
+            <p:spPr>
+              <a:xfrm>
+                <a:off x="5520644" y="2279796"/>
+                <a:ext cx="466217" cy="369332"/>
+              </a:xfrm>
+              <a:prstGeom prst="rect">
+                <a:avLst/>
+              </a:prstGeom>
+              <a:blipFill>
+                <a:blip r:embed="rId3"/>
+                <a:stretch>
+                  <a:fillRect b="-6667"/>
+                </a:stretch>
+              </a:blipFill>
+            </p:spPr>
+            <p:txBody>
+              <a:bodyPr/>
+              <a:lstStyle/>
+              <a:p>
+                <a:r>
+                  <a:rPr lang="en-US">
+                    <a:noFill/>
+                  </a:rPr>
+                  <a:t> </a:t>
+                </a:r>
+              </a:p>
+            </p:txBody>
+          </p:sp>
+        </mc:Fallback>
+      </mc:AlternateContent>
+      <mc:AlternateContent xmlns:mc="http://schemas.openxmlformats.org/markup-compatibility/2006">
+        <mc:Choice xmlns:a14="http://schemas.microsoft.com/office/drawing/2010/main" Requires="a14">
+          <p:sp>
+            <p:nvSpPr>
+              <p:cNvPr id="10" name="Oval 9">
+                <a:extLst>
+                  <a:ext uri="{FF2B5EF4-FFF2-40B4-BE49-F238E27FC236}">
+                    <a16:creationId xmlns:a16="http://schemas.microsoft.com/office/drawing/2014/main" id="{D0B009ED-32B6-ECFB-EFEF-EE08DEB5111B}"/>
+                  </a:ext>
+                </a:extLst>
+              </p:cNvPr>
+              <p:cNvSpPr/>
+              <p:nvPr/>
+            </p:nvSpPr>
+            <p:spPr>
+              <a:xfrm>
+                <a:off x="4906861" y="3722011"/>
+                <a:ext cx="540000" cy="540000"/>
+              </a:xfrm>
+              <a:prstGeom prst="ellipse">
+                <a:avLst/>
+              </a:prstGeom>
+              <a:noFill/>
+              <a:ln>
+                <a:solidFill>
+                  <a:schemeClr val="tx1"/>
+                </a:solidFill>
+              </a:ln>
+            </p:spPr>
+            <p:style>
+              <a:lnRef idx="2">
+                <a:schemeClr val="accent1">
+                  <a:shade val="50000"/>
+                </a:schemeClr>
+              </a:lnRef>
+              <a:fillRef idx="1">
+                <a:schemeClr val="accent1"/>
+              </a:fillRef>
+              <a:effectRef idx="0">
+                <a:schemeClr val="accent1"/>
+              </a:effectRef>
+              <a:fontRef idx="minor">
+                <a:schemeClr val="lt1"/>
+              </a:fontRef>
+            </p:style>
+            <p:txBody>
+              <a:bodyPr rtlCol="0" anchor="ctr"/>
+              <a:lstStyle/>
+              <a:p>
+                <a:pPr algn="ctr"/>
+                <a14:m>
+                  <m:oMathPara xmlns:m="http://schemas.openxmlformats.org/officeDocument/2006/math">
+                    <m:oMathParaPr>
+                      <m:jc m:val="centerGroup"/>
+                    </m:oMathParaPr>
+                    <m:oMath xmlns:m="http://schemas.openxmlformats.org/officeDocument/2006/math">
+                      <m:r>
+                        <a:rPr lang="en-CA" b="0" i="1" smtClean="0">
+                          <a:solidFill>
+                            <a:schemeClr val="tx1"/>
+                          </a:solidFill>
+                          <a:latin typeface="Cambria Math" panose="02040503050406030204" pitchFamily="18" charset="0"/>
+                        </a:rPr>
+                        <m:t>𝑚</m:t>
+                      </m:r>
+                    </m:oMath>
+                  </m:oMathPara>
+                </a14:m>
+                <a:endParaRPr lang="en-CA" b="0" dirty="0">
+                  <a:solidFill>
+                    <a:schemeClr val="tx1"/>
+                  </a:solidFill>
+                </a:endParaRPr>
+              </a:p>
+            </p:txBody>
+          </p:sp>
+        </mc:Choice>
+        <mc:Fallback>
+          <p:sp>
+            <p:nvSpPr>
+              <p:cNvPr id="10" name="Oval 9">
+                <a:extLst>
+                  <a:ext uri="{FF2B5EF4-FFF2-40B4-BE49-F238E27FC236}">
+                    <a16:creationId xmlns:a16="http://schemas.microsoft.com/office/drawing/2014/main" id="{D0B009ED-32B6-ECFB-EFEF-EE08DEB5111B}"/>
+                  </a:ext>
+                </a:extLst>
+              </p:cNvPr>
+              <p:cNvSpPr>
+                <a:spLocks noRot="1" noChangeAspect="1" noMove="1" noResize="1" noEditPoints="1" noAdjustHandles="1" noChangeArrowheads="1" noChangeShapeType="1" noTextEdit="1"/>
+              </p:cNvSpPr>
+              <p:nvPr/>
+            </p:nvSpPr>
+            <p:spPr>
+              <a:xfrm>
+                <a:off x="4906861" y="3722011"/>
+                <a:ext cx="540000" cy="540000"/>
+              </a:xfrm>
+              <a:prstGeom prst="ellipse">
+                <a:avLst/>
+              </a:prstGeom>
+              <a:blipFill>
+                <a:blip r:embed="rId4"/>
+                <a:stretch>
+                  <a:fillRect/>
+                </a:stretch>
+              </a:blipFill>
+              <a:ln>
+                <a:solidFill>
+                  <a:schemeClr val="tx1"/>
+                </a:solidFill>
+              </a:ln>
+            </p:spPr>
+            <p:txBody>
+              <a:bodyPr/>
+              <a:lstStyle/>
+              <a:p>
+                <a:r>
+                  <a:rPr lang="en-US">
+                    <a:noFill/>
+                  </a:rPr>
+                  <a:t> </a:t>
+                </a:r>
+              </a:p>
+            </p:txBody>
+          </p:sp>
+        </mc:Fallback>
+      </mc:AlternateContent>
+      <p:sp>
+        <p:nvSpPr>
+          <p:cNvPr id="12" name="Rectangle 11">
+            <a:extLst>
+              <a:ext uri="{FF2B5EF4-FFF2-40B4-BE49-F238E27FC236}">
+                <a16:creationId xmlns:a16="http://schemas.microsoft.com/office/drawing/2014/main" id="{C7E76004-2E3B-FC1A-EF5E-019620BEC9BF}"/>
+              </a:ext>
+            </a:extLst>
+          </p:cNvPr>
+          <p:cNvSpPr/>
+          <p:nvPr/>
+        </p:nvSpPr>
+        <p:spPr>
+          <a:xfrm>
+            <a:off x="5446861" y="2194462"/>
+            <a:ext cx="540000" cy="540000"/>
+          </a:xfrm>
+          <a:prstGeom prst="rect">
+            <a:avLst/>
+          </a:prstGeom>
+          <a:noFill/>
+          <a:ln>
+            <a:solidFill>
+              <a:schemeClr val="tx1"/>
+            </a:solidFill>
+          </a:ln>
+        </p:spPr>
+        <p:style>
+          <a:lnRef idx="2">
+            <a:schemeClr val="accent1">
+              <a:shade val="50000"/>
+            </a:schemeClr>
+          </a:lnRef>
+          <a:fillRef idx="1">
+            <a:schemeClr val="accent1"/>
+          </a:fillRef>
+          <a:effectRef idx="0">
+            <a:schemeClr val="accent1"/>
+          </a:effectRef>
+          <a:fontRef idx="minor">
+            <a:schemeClr val="lt1"/>
+          </a:fontRef>
+        </p:style>
+        <p:txBody>
+          <a:bodyPr rtlCol="0" anchor="ctr"/>
+          <a:lstStyle/>
+          <a:p>
+            <a:pPr algn="ctr"/>
+            <a:endParaRPr lang="en-US"/>
+          </a:p>
+        </p:txBody>
+      </p:sp>
+      <p:cxnSp>
+        <p:nvCxnSpPr>
+          <p:cNvPr id="16" name="Straight Arrow Connector 15">
+            <a:extLst>
+              <a:ext uri="{FF2B5EF4-FFF2-40B4-BE49-F238E27FC236}">
+                <a16:creationId xmlns:a16="http://schemas.microsoft.com/office/drawing/2014/main" id="{ADBEDA71-E44D-5775-EE9B-F7C90EC434CA}"/>
+              </a:ext>
+            </a:extLst>
+          </p:cNvPr>
+          <p:cNvCxnSpPr>
+            <a:stCxn id="4" idx="2"/>
+            <a:endCxn id="10" idx="1"/>
+          </p:cNvCxnSpPr>
+          <p:nvPr/>
+        </p:nvCxnSpPr>
+        <p:spPr>
+          <a:xfrm>
+            <a:off x="4636861" y="2734462"/>
+            <a:ext cx="349081" cy="1066630"/>
+          </a:xfrm>
+          <a:prstGeom prst="straightConnector1">
+            <a:avLst/>
+          </a:prstGeom>
+          <a:ln>
+            <a:solidFill>
+              <a:schemeClr val="tx1"/>
+            </a:solidFill>
+            <a:tailEnd type="triangle" w="lg" len="lg"/>
+          </a:ln>
+        </p:spPr>
+        <p:style>
+          <a:lnRef idx="1">
+            <a:schemeClr val="accent1"/>
+          </a:lnRef>
+          <a:fillRef idx="0">
+            <a:schemeClr val="accent1"/>
+          </a:fillRef>
+          <a:effectRef idx="0">
+            <a:schemeClr val="accent1"/>
+          </a:effectRef>
+          <a:fontRef idx="minor">
+            <a:schemeClr val="tx1"/>
+          </a:fontRef>
+        </p:style>
+      </p:cxnSp>
+      <p:cxnSp>
+        <p:nvCxnSpPr>
+          <p:cNvPr id="17" name="Straight Arrow Connector 16">
+            <a:extLst>
+              <a:ext uri="{FF2B5EF4-FFF2-40B4-BE49-F238E27FC236}">
+                <a16:creationId xmlns:a16="http://schemas.microsoft.com/office/drawing/2014/main" id="{D58A0CDD-7120-AE0D-6488-D818C68CA3C9}"/>
+              </a:ext>
+            </a:extLst>
+          </p:cNvPr>
+          <p:cNvCxnSpPr>
+            <a:cxnSpLocks/>
+            <a:stCxn id="12" idx="2"/>
+            <a:endCxn id="10" idx="7"/>
+          </p:cNvCxnSpPr>
+          <p:nvPr/>
+        </p:nvCxnSpPr>
+        <p:spPr>
+          <a:xfrm flipH="1">
+            <a:off x="5367780" y="2734462"/>
+            <a:ext cx="349081" cy="1066630"/>
+          </a:xfrm>
+          <a:prstGeom prst="straightConnector1">
+            <a:avLst/>
+          </a:prstGeom>
+          <a:ln>
+            <a:solidFill>
+              <a:schemeClr val="tx1"/>
+            </a:solidFill>
+            <a:tailEnd type="triangle" w="lg" len="lg"/>
+          </a:ln>
+        </p:spPr>
+        <p:style>
+          <a:lnRef idx="1">
+            <a:schemeClr val="accent1"/>
+          </a:lnRef>
+          <a:fillRef idx="0">
+            <a:schemeClr val="accent1"/>
+          </a:fillRef>
+          <a:effectRef idx="0">
+            <a:schemeClr val="accent1"/>
+          </a:effectRef>
+          <a:fontRef idx="minor">
+            <a:schemeClr val="tx1"/>
+          </a:fontRef>
+        </p:style>
+      </p:cxnSp>
+      <p:cxnSp>
+        <p:nvCxnSpPr>
+          <p:cNvPr id="3" name="Straight Arrow Connector 2">
+            <a:extLst>
+              <a:ext uri="{FF2B5EF4-FFF2-40B4-BE49-F238E27FC236}">
+                <a16:creationId xmlns:a16="http://schemas.microsoft.com/office/drawing/2014/main" id="{1DC8016D-4365-F59F-B509-3A140D846863}"/>
+              </a:ext>
+            </a:extLst>
+          </p:cNvPr>
+          <p:cNvCxnSpPr/>
+          <p:nvPr/>
+        </p:nvCxnSpPr>
+        <p:spPr>
+          <a:xfrm>
+            <a:off x="5716861" y="2748351"/>
+            <a:ext cx="349081" cy="1066630"/>
+          </a:xfrm>
+          <a:prstGeom prst="straightConnector1">
+            <a:avLst/>
+          </a:prstGeom>
+          <a:ln>
+            <a:solidFill>
+              <a:schemeClr val="tx1"/>
+            </a:solidFill>
+            <a:tailEnd type="triangle" w="lg" len="lg"/>
+          </a:ln>
+        </p:spPr>
+        <p:style>
+          <a:lnRef idx="1">
+            <a:schemeClr val="accent1"/>
+          </a:lnRef>
+          <a:fillRef idx="0">
+            <a:schemeClr val="accent1"/>
+          </a:fillRef>
+          <a:effectRef idx="0">
+            <a:schemeClr val="accent1"/>
+          </a:effectRef>
+          <a:fontRef idx="minor">
+            <a:schemeClr val="tx1"/>
+          </a:fontRef>
+        </p:style>
+      </p:cxnSp>
+      <mc:AlternateContent xmlns:mc="http://schemas.openxmlformats.org/markup-compatibility/2006">
+        <mc:Choice xmlns:a14="http://schemas.microsoft.com/office/drawing/2010/main" Requires="a14">
+          <p:sp>
+            <p:nvSpPr>
+              <p:cNvPr id="6" name="TextBox 5">
+                <a:extLst>
+                  <a:ext uri="{FF2B5EF4-FFF2-40B4-BE49-F238E27FC236}">
+                    <a16:creationId xmlns:a16="http://schemas.microsoft.com/office/drawing/2014/main" id="{23FA82B3-3B3F-495C-CD7B-B893A3AFBD4B}"/>
+                  </a:ext>
+                </a:extLst>
+              </p:cNvPr>
+              <p:cNvSpPr txBox="1"/>
+              <p:nvPr/>
+            </p:nvSpPr>
+            <p:spPr>
+              <a:xfrm>
+                <a:off x="6594856" y="2293685"/>
+                <a:ext cx="466217" cy="369332"/>
+              </a:xfrm>
+              <a:prstGeom prst="rect">
+                <a:avLst/>
+              </a:prstGeom>
+              <a:noFill/>
+            </p:spPr>
+            <p:txBody>
+              <a:bodyPr wrap="square" rtlCol="0">
+                <a:spAutoFit/>
+              </a:bodyPr>
+              <a:lstStyle/>
+              <a:p>
+                <a:pPr/>
+                <a14:m>
+                  <m:oMathPara xmlns:m="http://schemas.openxmlformats.org/officeDocument/2006/math">
+                    <m:oMathParaPr>
+                      <m:jc m:val="centerGroup"/>
+                    </m:oMathParaPr>
+                    <m:oMath xmlns:m="http://schemas.openxmlformats.org/officeDocument/2006/math">
+                      <m:sSub>
+                        <m:sSubPr>
+                          <m:ctrlPr>
+                            <a:rPr lang="en-CA" b="0" i="1" smtClean="0">
+                              <a:latin typeface="Cambria Math" panose="02040503050406030204" pitchFamily="18" charset="0"/>
+                            </a:rPr>
+                          </m:ctrlPr>
+                        </m:sSubPr>
+                        <m:e>
+                          <m:r>
+                            <a:rPr lang="en-CA" b="0" i="1" smtClean="0">
+                              <a:latin typeface="Cambria Math" panose="02040503050406030204" pitchFamily="18" charset="0"/>
+                            </a:rPr>
+                            <m:t>𝑁</m:t>
+                          </m:r>
+                        </m:e>
+                        <m:sub>
+                          <m:r>
+                            <a:rPr lang="en-CA" b="0" i="1" smtClean="0">
+                              <a:latin typeface="Cambria Math" panose="02040503050406030204" pitchFamily="18" charset="0"/>
+                            </a:rPr>
+                            <m:t>0</m:t>
+                          </m:r>
+                        </m:sub>
+                      </m:sSub>
+                    </m:oMath>
+                  </m:oMathPara>
+                </a14:m>
+                <a:endParaRPr lang="en-CA" b="0" dirty="0"/>
+              </a:p>
+            </p:txBody>
+          </p:sp>
+        </mc:Choice>
+        <mc:Fallback>
+          <p:sp>
+            <p:nvSpPr>
+              <p:cNvPr id="6" name="TextBox 5">
+                <a:extLst>
+                  <a:ext uri="{FF2B5EF4-FFF2-40B4-BE49-F238E27FC236}">
+                    <a16:creationId xmlns:a16="http://schemas.microsoft.com/office/drawing/2014/main" id="{23FA82B3-3B3F-495C-CD7B-B893A3AFBD4B}"/>
+                  </a:ext>
+                </a:extLst>
+              </p:cNvPr>
+              <p:cNvSpPr txBox="1">
+                <a:spLocks noRot="1" noChangeAspect="1" noMove="1" noResize="1" noEditPoints="1" noAdjustHandles="1" noChangeArrowheads="1" noChangeShapeType="1" noTextEdit="1"/>
+              </p:cNvSpPr>
+              <p:nvPr/>
+            </p:nvSpPr>
+            <p:spPr>
+              <a:xfrm>
+                <a:off x="6594856" y="2293685"/>
+                <a:ext cx="466217" cy="369332"/>
+              </a:xfrm>
+              <a:prstGeom prst="rect">
+                <a:avLst/>
+              </a:prstGeom>
+              <a:blipFill>
+                <a:blip r:embed="rId5"/>
+                <a:stretch>
+                  <a:fillRect/>
+                </a:stretch>
+              </a:blipFill>
+            </p:spPr>
+            <p:txBody>
+              <a:bodyPr/>
+              <a:lstStyle/>
+              <a:p>
+                <a:r>
+                  <a:rPr lang="en-US">
+                    <a:noFill/>
+                  </a:rPr>
+                  <a:t> </a:t>
+                </a:r>
+              </a:p>
+            </p:txBody>
+          </p:sp>
+        </mc:Fallback>
+      </mc:AlternateContent>
+      <mc:AlternateContent xmlns:mc="http://schemas.openxmlformats.org/markup-compatibility/2006">
+        <mc:Choice xmlns:a14="http://schemas.microsoft.com/office/drawing/2010/main" Requires="a14">
+          <p:sp>
+            <p:nvSpPr>
+              <p:cNvPr id="8" name="Oval 7">
+                <a:extLst>
+                  <a:ext uri="{FF2B5EF4-FFF2-40B4-BE49-F238E27FC236}">
+                    <a16:creationId xmlns:a16="http://schemas.microsoft.com/office/drawing/2014/main" id="{7DCC8C82-8077-C558-E1B2-2D8E466A132E}"/>
+                  </a:ext>
+                </a:extLst>
+              </p:cNvPr>
+              <p:cNvSpPr/>
+              <p:nvPr/>
+            </p:nvSpPr>
+            <p:spPr>
+              <a:xfrm>
+                <a:off x="5981073" y="3735900"/>
+                <a:ext cx="540000" cy="540000"/>
+              </a:xfrm>
+              <a:prstGeom prst="ellipse">
+                <a:avLst/>
+              </a:prstGeom>
+              <a:noFill/>
+              <a:ln>
+                <a:solidFill>
+                  <a:schemeClr val="tx1"/>
+                </a:solidFill>
+              </a:ln>
+            </p:spPr>
+            <p:style>
+              <a:lnRef idx="2">
+                <a:schemeClr val="accent1">
+                  <a:shade val="50000"/>
+                </a:schemeClr>
+              </a:lnRef>
+              <a:fillRef idx="1">
+                <a:schemeClr val="accent1"/>
+              </a:fillRef>
+              <a:effectRef idx="0">
+                <a:schemeClr val="accent1"/>
+              </a:effectRef>
+              <a:fontRef idx="minor">
+                <a:schemeClr val="lt1"/>
+              </a:fontRef>
+            </p:style>
+            <p:txBody>
+              <a:bodyPr rtlCol="0" anchor="ctr"/>
+              <a:lstStyle/>
+              <a:p>
+                <a:pPr algn="ctr"/>
+                <a14:m>
+                  <m:oMathPara xmlns:m="http://schemas.openxmlformats.org/officeDocument/2006/math">
+                    <m:oMathParaPr>
+                      <m:jc m:val="centerGroup"/>
+                    </m:oMathParaPr>
+                    <m:oMath xmlns:m="http://schemas.openxmlformats.org/officeDocument/2006/math">
+                      <m:sSub>
+                        <m:sSubPr>
+                          <m:ctrlPr>
+                            <a:rPr lang="en-CA" b="0" i="1" smtClean="0">
+                              <a:solidFill>
+                                <a:schemeClr val="tx1"/>
+                              </a:solidFill>
+                              <a:latin typeface="Cambria Math" panose="02040503050406030204" pitchFamily="18" charset="0"/>
+                            </a:rPr>
+                          </m:ctrlPr>
+                        </m:sSubPr>
+                        <m:e>
+                          <m:r>
+                            <a:rPr lang="en-CA" b="0" i="1" smtClean="0">
+                              <a:solidFill>
+                                <a:schemeClr val="tx1"/>
+                              </a:solidFill>
+                              <a:latin typeface="Cambria Math" panose="02040503050406030204" pitchFamily="18" charset="0"/>
+                            </a:rPr>
+                            <m:t>𝑛</m:t>
+                          </m:r>
+                        </m:e>
+                        <m:sub>
+                          <m:r>
+                            <a:rPr lang="en-CA" b="0" i="1" smtClean="0">
+                              <a:solidFill>
+                                <a:schemeClr val="tx1"/>
+                              </a:solidFill>
+                              <a:latin typeface="Cambria Math" panose="02040503050406030204" pitchFamily="18" charset="0"/>
+                            </a:rPr>
+                            <m:t>2</m:t>
+                          </m:r>
+                        </m:sub>
+                      </m:sSub>
+                    </m:oMath>
+                  </m:oMathPara>
+                </a14:m>
+                <a:endParaRPr lang="en-CA" b="0" dirty="0">
+                  <a:solidFill>
+                    <a:schemeClr val="tx1"/>
+                  </a:solidFill>
+                </a:endParaRPr>
+              </a:p>
+            </p:txBody>
+          </p:sp>
+        </mc:Choice>
+        <mc:Fallback>
+          <p:sp>
+            <p:nvSpPr>
+              <p:cNvPr id="8" name="Oval 7">
+                <a:extLst>
+                  <a:ext uri="{FF2B5EF4-FFF2-40B4-BE49-F238E27FC236}">
+                    <a16:creationId xmlns:a16="http://schemas.microsoft.com/office/drawing/2014/main" id="{7DCC8C82-8077-C558-E1B2-2D8E466A132E}"/>
+                  </a:ext>
+                </a:extLst>
+              </p:cNvPr>
+              <p:cNvSpPr>
+                <a:spLocks noRot="1" noChangeAspect="1" noMove="1" noResize="1" noEditPoints="1" noAdjustHandles="1" noChangeArrowheads="1" noChangeShapeType="1" noTextEdit="1"/>
+              </p:cNvSpPr>
+              <p:nvPr/>
+            </p:nvSpPr>
+            <p:spPr>
+              <a:xfrm>
+                <a:off x="5981073" y="3735900"/>
+                <a:ext cx="540000" cy="540000"/>
+              </a:xfrm>
+              <a:prstGeom prst="ellipse">
+                <a:avLst/>
+              </a:prstGeom>
+              <a:blipFill>
+                <a:blip r:embed="rId6"/>
+                <a:stretch>
+                  <a:fillRect/>
+                </a:stretch>
+              </a:blipFill>
+              <a:ln>
+                <a:solidFill>
+                  <a:schemeClr val="tx1"/>
+                </a:solidFill>
+              </a:ln>
+            </p:spPr>
+            <p:txBody>
+              <a:bodyPr/>
+              <a:lstStyle/>
+              <a:p>
+                <a:r>
+                  <a:rPr lang="en-US">
+                    <a:noFill/>
+                  </a:rPr>
+                  <a:t> </a:t>
+                </a:r>
+              </a:p>
+            </p:txBody>
+          </p:sp>
+        </mc:Fallback>
+      </mc:AlternateContent>
+      <p:sp>
+        <p:nvSpPr>
+          <p:cNvPr id="9" name="Rectangle 8">
+            <a:extLst>
+              <a:ext uri="{FF2B5EF4-FFF2-40B4-BE49-F238E27FC236}">
+                <a16:creationId xmlns:a16="http://schemas.microsoft.com/office/drawing/2014/main" id="{832AA04F-A766-BD8B-E64B-3C92883840B8}"/>
+              </a:ext>
+            </a:extLst>
+          </p:cNvPr>
+          <p:cNvSpPr/>
+          <p:nvPr/>
+        </p:nvSpPr>
+        <p:spPr>
+          <a:xfrm>
+            <a:off x="6521073" y="2208351"/>
+            <a:ext cx="540000" cy="540000"/>
+          </a:xfrm>
+          <a:prstGeom prst="rect">
+            <a:avLst/>
+          </a:prstGeom>
+          <a:noFill/>
+          <a:ln>
+            <a:solidFill>
+              <a:schemeClr val="tx1"/>
+            </a:solidFill>
+          </a:ln>
+        </p:spPr>
+        <p:style>
+          <a:lnRef idx="2">
+            <a:schemeClr val="accent1">
+              <a:shade val="50000"/>
+            </a:schemeClr>
+          </a:lnRef>
+          <a:fillRef idx="1">
+            <a:schemeClr val="accent1"/>
+          </a:fillRef>
+          <a:effectRef idx="0">
+            <a:schemeClr val="accent1"/>
+          </a:effectRef>
+          <a:fontRef idx="minor">
+            <a:schemeClr val="lt1"/>
+          </a:fontRef>
+        </p:style>
+        <p:txBody>
+          <a:bodyPr rtlCol="0" anchor="ctr"/>
+          <a:lstStyle/>
+          <a:p>
+            <a:pPr algn="ctr"/>
+            <a:endParaRPr lang="en-US"/>
+          </a:p>
+        </p:txBody>
+      </p:sp>
+      <p:cxnSp>
+        <p:nvCxnSpPr>
+          <p:cNvPr id="11" name="Straight Arrow Connector 10">
+            <a:extLst>
+              <a:ext uri="{FF2B5EF4-FFF2-40B4-BE49-F238E27FC236}">
+                <a16:creationId xmlns:a16="http://schemas.microsoft.com/office/drawing/2014/main" id="{F02ABABD-445D-DCA6-A9C8-B960B0B42630}"/>
+              </a:ext>
+            </a:extLst>
+          </p:cNvPr>
+          <p:cNvCxnSpPr>
+            <a:cxnSpLocks/>
+            <a:stCxn id="9" idx="2"/>
+            <a:endCxn id="8" idx="7"/>
+          </p:cNvCxnSpPr>
+          <p:nvPr/>
+        </p:nvCxnSpPr>
+        <p:spPr>
+          <a:xfrm flipH="1">
+            <a:off x="6441992" y="2748351"/>
+            <a:ext cx="349081" cy="1066630"/>
+          </a:xfrm>
+          <a:prstGeom prst="straightConnector1">
+            <a:avLst/>
+          </a:prstGeom>
+          <a:ln>
+            <a:solidFill>
+              <a:schemeClr val="tx1"/>
+            </a:solidFill>
+            <a:tailEnd type="triangle" w="lg" len="lg"/>
+          </a:ln>
+        </p:spPr>
+        <p:style>
+          <a:lnRef idx="1">
+            <a:schemeClr val="accent1"/>
+          </a:lnRef>
+          <a:fillRef idx="0">
+            <a:schemeClr val="accent1"/>
+          </a:fillRef>
+          <a:effectRef idx="0">
+            <a:schemeClr val="accent1"/>
+          </a:effectRef>
+          <a:fontRef idx="minor">
+            <a:schemeClr val="tx1"/>
+          </a:fontRef>
+        </p:style>
+      </p:cxnSp>
+      <p:sp>
+        <p:nvSpPr>
+          <p:cNvPr id="14" name="TextBox 13">
+            <a:extLst>
+              <a:ext uri="{FF2B5EF4-FFF2-40B4-BE49-F238E27FC236}">
+                <a16:creationId xmlns:a16="http://schemas.microsoft.com/office/drawing/2014/main" id="{937DF531-698B-25B6-BE14-CDE3CA7D7505}"/>
+              </a:ext>
+            </a:extLst>
+          </p:cNvPr>
+          <p:cNvSpPr txBox="1"/>
+          <p:nvPr/>
+        </p:nvSpPr>
+        <p:spPr>
+          <a:xfrm>
+            <a:off x="3362178" y="1364566"/>
+            <a:ext cx="184731" cy="369332"/>
+          </a:xfrm>
+          <a:prstGeom prst="rect">
+            <a:avLst/>
+          </a:prstGeom>
+          <a:noFill/>
+        </p:spPr>
+        <p:txBody>
+          <a:bodyPr wrap="none" rtlCol="0">
+            <a:spAutoFit/>
+          </a:bodyPr>
+          <a:lstStyle/>
+          <a:p>
+            <a:endParaRPr lang="en-US" dirty="0"/>
+          </a:p>
+        </p:txBody>
+      </p:sp>
+    </p:spTree>
+    <p:extLst>
+      <p:ext uri="{BB962C8B-B14F-4D97-AF65-F5344CB8AC3E}">
+        <p14:creationId xmlns:p14="http://schemas.microsoft.com/office/powerpoint/2010/main" val="2999972348"/>
+      </p:ext>
+    </p:extLst>
+  </p:cSld>
+  <p:clrMapOvr>
+    <a:masterClrMapping/>
+  </p:clrMapOvr>
+</p:sld>
+</file>
+
+<file path=ppt/slides/slide5.xml><?xml version="1.0" encoding="utf-8"?>
+<p:sld xmlns:a="http://schemas.openxmlformats.org/drawingml/2006/main" xmlns:r="http://schemas.openxmlformats.org/officeDocument/2006/relationships" xmlns:p="http://schemas.openxmlformats.org/presentationml/2006/main">
+  <p:cSld>
+    <p:spTree>
+      <p:nvGrpSpPr>
+        <p:cNvPr id="1" name=""/>
+        <p:cNvGrpSpPr/>
+        <p:nvPr/>
+      </p:nvGrpSpPr>
+      <p:grpSpPr>
+        <a:xfrm>
+          <a:off x="0" y="0"/>
+          <a:ext cx="0" cy="0"/>
+          <a:chOff x="0" y="0"/>
+          <a:chExt cx="0" cy="0"/>
+        </a:xfrm>
+      </p:grpSpPr>
+      <p:sp>
+        <p:nvSpPr>
+          <p:cNvPr id="26" name="Rectangle 25">
+            <a:extLst>
+              <a:ext uri="{FF2B5EF4-FFF2-40B4-BE49-F238E27FC236}">
+                <a16:creationId xmlns:a16="http://schemas.microsoft.com/office/drawing/2014/main" id="{F5773DBF-A89C-20F7-96F4-F9EC52BF69B1}"/>
+              </a:ext>
+            </a:extLst>
+          </p:cNvPr>
+          <p:cNvSpPr/>
+          <p:nvPr/>
+        </p:nvSpPr>
+        <p:spPr>
+          <a:xfrm>
+            <a:off x="3118933" y="2564913"/>
+            <a:ext cx="5642007" cy="2324059"/>
+          </a:xfrm>
+          <a:prstGeom prst="rect">
+            <a:avLst/>
+          </a:prstGeom>
+          <a:noFill/>
+          <a:ln>
+            <a:solidFill>
+              <a:schemeClr val="tx1"/>
+            </a:solidFill>
+          </a:ln>
+        </p:spPr>
+        <p:style>
+          <a:lnRef idx="2">
+            <a:schemeClr val="accent1">
+              <a:shade val="50000"/>
+            </a:schemeClr>
+          </a:lnRef>
+          <a:fillRef idx="1">
+            <a:schemeClr val="accent1"/>
+          </a:fillRef>
+          <a:effectRef idx="0">
+            <a:schemeClr val="accent1"/>
+          </a:effectRef>
+          <a:fontRef idx="minor">
+            <a:schemeClr val="lt1"/>
+          </a:fontRef>
+        </p:style>
+        <p:txBody>
+          <a:bodyPr rtlCol="0" anchor="ctr"/>
+          <a:lstStyle/>
+          <a:p>
+            <a:pPr algn="ctr"/>
+            <a:endParaRPr lang="en-US"/>
+          </a:p>
+        </p:txBody>
+      </p:sp>
+      <mc:AlternateContent xmlns:mc="http://schemas.openxmlformats.org/markup-compatibility/2006" xmlns:a14="http://schemas.microsoft.com/office/drawing/2010/main">
+        <mc:Choice Requires="a14">
+          <p:sp>
+            <p:nvSpPr>
+              <p:cNvPr id="27" name="TextBox 26">
+                <a:extLst>
+                  <a:ext uri="{FF2B5EF4-FFF2-40B4-BE49-F238E27FC236}">
+                    <a16:creationId xmlns:a16="http://schemas.microsoft.com/office/drawing/2014/main" id="{2C98168B-D35A-922E-D777-FFA7B4287DDB}"/>
+                  </a:ext>
+                </a:extLst>
+              </p:cNvPr>
+              <p:cNvSpPr txBox="1"/>
+              <p:nvPr/>
+            </p:nvSpPr>
+            <p:spPr>
+              <a:xfrm>
+                <a:off x="3248364" y="4405957"/>
+                <a:ext cx="1124795" cy="369332"/>
+              </a:xfrm>
+              <a:prstGeom prst="rect">
+                <a:avLst/>
+              </a:prstGeom>
+              <a:noFill/>
+            </p:spPr>
+            <p:txBody>
+              <a:bodyPr wrap="none" rtlCol="0">
+                <a:spAutoFit/>
+              </a:bodyPr>
+              <a:lstStyle/>
+              <a:p>
+                <a:r>
+                  <a:rPr lang="en-CA" i="1" dirty="0"/>
+                  <a:t>i</a:t>
+                </a:r>
+                <a14:m>
+                  <m:oMath xmlns:m="http://schemas.openxmlformats.org/officeDocument/2006/math">
+                    <m:r>
+                      <a:rPr lang="en-CA" b="0" i="1" smtClean="0">
+                        <a:latin typeface="Cambria Math" panose="02040503050406030204" pitchFamily="18" charset="0"/>
+                      </a:rPr>
+                      <m:t>=1,…,</m:t>
+                    </m:r>
+                    <m:r>
+                      <a:rPr lang="en-CA" b="0" i="1" smtClean="0">
+                        <a:latin typeface="Cambria Math" panose="02040503050406030204" pitchFamily="18" charset="0"/>
+                      </a:rPr>
+                      <m:t>𝑛</m:t>
+                    </m:r>
+                  </m:oMath>
+                </a14:m>
+                <a:endParaRPr lang="en-CA" b="0" dirty="0"/>
+              </a:p>
+            </p:txBody>
+          </p:sp>
+        </mc:Choice>
+        <mc:Fallback xmlns="">
+          <p:sp>
+            <p:nvSpPr>
+              <p:cNvPr id="27" name="TextBox 26">
+                <a:extLst>
+                  <a:ext uri="{FF2B5EF4-FFF2-40B4-BE49-F238E27FC236}">
+                    <a16:creationId xmlns:a16="http://schemas.microsoft.com/office/drawing/2014/main" id="{2C98168B-D35A-922E-D777-FFA7B4287DDB}"/>
+                  </a:ext>
+                </a:extLst>
+              </p:cNvPr>
+              <p:cNvSpPr txBox="1">
+                <a:spLocks noRot="1" noChangeAspect="1" noMove="1" noResize="1" noEditPoints="1" noAdjustHandles="1" noChangeArrowheads="1" noChangeShapeType="1" noTextEdit="1"/>
+              </p:cNvSpPr>
+              <p:nvPr/>
+            </p:nvSpPr>
+            <p:spPr>
+              <a:xfrm>
+                <a:off x="3248364" y="4405957"/>
+                <a:ext cx="1124795" cy="369332"/>
+              </a:xfrm>
+              <a:prstGeom prst="rect">
+                <a:avLst/>
+              </a:prstGeom>
+              <a:blipFill>
+                <a:blip r:embed="rId2"/>
+                <a:stretch>
+                  <a:fillRect l="-4444" t="-10345" b="-27586"/>
+                </a:stretch>
+              </a:blipFill>
+            </p:spPr>
+            <p:txBody>
+              <a:bodyPr/>
+              <a:lstStyle/>
+              <a:p>
+                <a:r>
+                  <a:rPr lang="en-US">
+                    <a:noFill/>
+                  </a:rPr>
+                  <a:t> </a:t>
+                </a:r>
+              </a:p>
+            </p:txBody>
+          </p:sp>
+        </mc:Fallback>
+      </mc:AlternateContent>
+      <mc:AlternateContent xmlns:mc="http://schemas.openxmlformats.org/markup-compatibility/2006" xmlns:a14="http://schemas.microsoft.com/office/drawing/2010/main">
+        <mc:Choice Requires="a14">
+          <p:sp>
+            <p:nvSpPr>
+              <p:cNvPr id="2" name="Oval 1">
+                <a:extLst>
+                  <a:ext uri="{FF2B5EF4-FFF2-40B4-BE49-F238E27FC236}">
+                    <a16:creationId xmlns:a16="http://schemas.microsoft.com/office/drawing/2014/main" id="{0396F487-06C0-E075-242C-8EB84B58E385}"/>
+                  </a:ext>
+                </a:extLst>
+              </p:cNvPr>
+              <p:cNvSpPr/>
+              <p:nvPr/>
+            </p:nvSpPr>
+            <p:spPr>
+              <a:xfrm>
+                <a:off x="4622656" y="4050623"/>
+                <a:ext cx="540000" cy="540000"/>
+              </a:xfrm>
+              <a:prstGeom prst="ellipse">
+                <a:avLst/>
+              </a:prstGeom>
+              <a:noFill/>
+              <a:ln>
+                <a:solidFill>
+                  <a:schemeClr val="tx1"/>
+                </a:solidFill>
+              </a:ln>
+            </p:spPr>
+            <p:style>
+              <a:lnRef idx="2">
+                <a:schemeClr val="accent1">
+                  <a:shade val="50000"/>
+                </a:schemeClr>
+              </a:lnRef>
+              <a:fillRef idx="1">
+                <a:schemeClr val="accent1"/>
+              </a:fillRef>
+              <a:effectRef idx="0">
+                <a:schemeClr val="accent1"/>
+              </a:effectRef>
+              <a:fontRef idx="minor">
+                <a:schemeClr val="lt1"/>
+              </a:fontRef>
+            </p:style>
+            <p:txBody>
+              <a:bodyPr rtlCol="0" anchor="ctr"/>
+              <a:lstStyle/>
+              <a:p>
+                <a:pPr algn="ctr"/>
+                <a14:m>
+                  <m:oMathPara xmlns:m="http://schemas.openxmlformats.org/officeDocument/2006/math">
+                    <m:oMathParaPr>
+                      <m:jc m:val="centerGroup"/>
+                    </m:oMathParaPr>
+                    <m:oMath xmlns:m="http://schemas.openxmlformats.org/officeDocument/2006/math">
+                      <m:sSub>
+                        <m:sSubPr>
+                          <m:ctrlPr>
+                            <a:rPr lang="en-CA" b="0" i="1" smtClean="0">
+                              <a:solidFill>
+                                <a:schemeClr val="tx1"/>
+                              </a:solidFill>
+                              <a:latin typeface="Cambria Math" panose="02040503050406030204" pitchFamily="18" charset="0"/>
+                            </a:rPr>
+                          </m:ctrlPr>
+                        </m:sSubPr>
+                        <m:e>
+                          <m:r>
+                            <a:rPr lang="en-CA" b="0" i="1" smtClean="0">
+                              <a:solidFill>
+                                <a:schemeClr val="tx1"/>
+                              </a:solidFill>
+                              <a:latin typeface="Cambria Math" panose="02040503050406030204" pitchFamily="18" charset="0"/>
+                            </a:rPr>
+                            <m:t>𝑌</m:t>
+                          </m:r>
+                        </m:e>
+                        <m:sub>
+                          <m:r>
+                            <a:rPr lang="en-CA" b="0" i="1" smtClean="0">
+                              <a:solidFill>
+                                <a:schemeClr val="tx1"/>
+                              </a:solidFill>
+                              <a:latin typeface="Cambria Math" panose="02040503050406030204" pitchFamily="18" charset="0"/>
+                            </a:rPr>
+                            <m:t>1</m:t>
+                          </m:r>
+                        </m:sub>
+                      </m:sSub>
+                    </m:oMath>
+                  </m:oMathPara>
+                </a14:m>
+                <a:endParaRPr lang="en-CA" b="0" dirty="0">
+                  <a:solidFill>
+                    <a:schemeClr val="tx1"/>
+                  </a:solidFill>
+                </a:endParaRPr>
+              </a:p>
+            </p:txBody>
+          </p:sp>
+        </mc:Choice>
+        <mc:Fallback xmlns="">
+          <p:sp>
+            <p:nvSpPr>
+              <p:cNvPr id="2" name="Oval 1">
+                <a:extLst>
+                  <a:ext uri="{FF2B5EF4-FFF2-40B4-BE49-F238E27FC236}">
+                    <a16:creationId xmlns:a16="http://schemas.microsoft.com/office/drawing/2014/main" id="{0396F487-06C0-E075-242C-8EB84B58E385}"/>
+                  </a:ext>
+                </a:extLst>
+              </p:cNvPr>
+              <p:cNvSpPr>
+                <a:spLocks noRot="1" noChangeAspect="1" noMove="1" noResize="1" noEditPoints="1" noAdjustHandles="1" noChangeArrowheads="1" noChangeShapeType="1" noTextEdit="1"/>
+              </p:cNvSpPr>
+              <p:nvPr/>
+            </p:nvSpPr>
+            <p:spPr>
+              <a:xfrm>
+                <a:off x="4622656" y="4050623"/>
+                <a:ext cx="540000" cy="540000"/>
+              </a:xfrm>
+              <a:prstGeom prst="ellipse">
+                <a:avLst/>
+              </a:prstGeom>
+              <a:blipFill>
+                <a:blip r:embed="rId3"/>
+                <a:stretch>
+                  <a:fillRect/>
+                </a:stretch>
+              </a:blipFill>
+              <a:ln>
+                <a:solidFill>
+                  <a:schemeClr val="tx1"/>
+                </a:solidFill>
+              </a:ln>
+            </p:spPr>
+            <p:txBody>
+              <a:bodyPr/>
+              <a:lstStyle/>
+              <a:p>
+                <a:r>
+                  <a:rPr lang="en-US">
+                    <a:noFill/>
+                  </a:rPr>
+                  <a:t> </a:t>
+                </a:r>
+              </a:p>
+            </p:txBody>
+          </p:sp>
+        </mc:Fallback>
+      </mc:AlternateContent>
+      <mc:AlternateContent xmlns:mc="http://schemas.openxmlformats.org/markup-compatibility/2006" xmlns:a14="http://schemas.microsoft.com/office/drawing/2010/main">
+        <mc:Choice Requires="a14">
+          <p:sp>
+            <p:nvSpPr>
+              <p:cNvPr id="3" name="Oval 2">
+                <a:extLst>
+                  <a:ext uri="{FF2B5EF4-FFF2-40B4-BE49-F238E27FC236}">
+                    <a16:creationId xmlns:a16="http://schemas.microsoft.com/office/drawing/2014/main" id="{111AB93F-96B0-4165-F887-0620E50FAF9E}"/>
+                  </a:ext>
+                </a:extLst>
+              </p:cNvPr>
+              <p:cNvSpPr/>
+              <p:nvPr/>
+            </p:nvSpPr>
+            <p:spPr>
+              <a:xfrm>
+                <a:off x="4622656" y="2889000"/>
+                <a:ext cx="540000" cy="540000"/>
+              </a:xfrm>
+              <a:prstGeom prst="ellipse">
+                <a:avLst/>
+              </a:prstGeom>
+              <a:noFill/>
+              <a:ln>
+                <a:solidFill>
+                  <a:schemeClr val="tx1"/>
+                </a:solidFill>
+              </a:ln>
+            </p:spPr>
+            <p:style>
+              <a:lnRef idx="2">
+                <a:schemeClr val="accent1">
+                  <a:shade val="50000"/>
+                </a:schemeClr>
+              </a:lnRef>
+              <a:fillRef idx="1">
+                <a:schemeClr val="accent1"/>
+              </a:fillRef>
+              <a:effectRef idx="0">
+                <a:schemeClr val="accent1"/>
+              </a:effectRef>
+              <a:fontRef idx="minor">
+                <a:schemeClr val="lt1"/>
+              </a:fontRef>
+            </p:style>
+            <p:txBody>
+              <a:bodyPr rtlCol="0" anchor="ctr"/>
+              <a:lstStyle/>
+              <a:p>
+                <a:pPr algn="ctr"/>
+                <a14:m>
+                  <m:oMathPara xmlns:m="http://schemas.openxmlformats.org/officeDocument/2006/math">
+                    <m:oMathParaPr>
+                      <m:jc m:val="centerGroup"/>
+                    </m:oMathParaPr>
+                    <m:oMath xmlns:m="http://schemas.openxmlformats.org/officeDocument/2006/math">
+                      <m:sSub>
+                        <m:sSubPr>
+                          <m:ctrlPr>
+                            <a:rPr lang="en-CA" b="0" i="1" smtClean="0">
+                              <a:solidFill>
+                                <a:schemeClr val="tx1"/>
+                              </a:solidFill>
+                              <a:latin typeface="Cambria Math" panose="02040503050406030204" pitchFamily="18" charset="0"/>
+                            </a:rPr>
+                          </m:ctrlPr>
+                        </m:sSubPr>
+                        <m:e>
+                          <m:r>
+                            <a:rPr lang="en-CA" b="0" i="1" smtClean="0">
+                              <a:solidFill>
+                                <a:schemeClr val="tx1"/>
+                              </a:solidFill>
+                              <a:latin typeface="Cambria Math" panose="02040503050406030204" pitchFamily="18" charset="0"/>
+                            </a:rPr>
+                            <m:t>𝑍</m:t>
+                          </m:r>
+                        </m:e>
+                        <m:sub>
+                          <m:r>
+                            <a:rPr lang="en-CA" b="0" i="1" smtClean="0">
+                              <a:solidFill>
+                                <a:schemeClr val="tx1"/>
+                              </a:solidFill>
+                              <a:latin typeface="Cambria Math" panose="02040503050406030204" pitchFamily="18" charset="0"/>
+                            </a:rPr>
+                            <m:t>1</m:t>
+                          </m:r>
+                        </m:sub>
+                      </m:sSub>
+                    </m:oMath>
+                  </m:oMathPara>
+                </a14:m>
+                <a:endParaRPr lang="en-CA" b="0" dirty="0">
+                  <a:solidFill>
+                    <a:schemeClr val="tx1"/>
+                  </a:solidFill>
+                </a:endParaRPr>
+              </a:p>
+            </p:txBody>
+          </p:sp>
+        </mc:Choice>
+        <mc:Fallback xmlns="">
+          <p:sp>
+            <p:nvSpPr>
+              <p:cNvPr id="3" name="Oval 2">
+                <a:extLst>
+                  <a:ext uri="{FF2B5EF4-FFF2-40B4-BE49-F238E27FC236}">
+                    <a16:creationId xmlns:a16="http://schemas.microsoft.com/office/drawing/2014/main" id="{111AB93F-96B0-4165-F887-0620E50FAF9E}"/>
+                  </a:ext>
+                </a:extLst>
+              </p:cNvPr>
+              <p:cNvSpPr>
+                <a:spLocks noRot="1" noChangeAspect="1" noMove="1" noResize="1" noEditPoints="1" noAdjustHandles="1" noChangeArrowheads="1" noChangeShapeType="1" noTextEdit="1"/>
+              </p:cNvSpPr>
+              <p:nvPr/>
+            </p:nvSpPr>
+            <p:spPr>
+              <a:xfrm>
+                <a:off x="4622656" y="2889000"/>
+                <a:ext cx="540000" cy="540000"/>
+              </a:xfrm>
+              <a:prstGeom prst="ellipse">
+                <a:avLst/>
+              </a:prstGeom>
+              <a:blipFill>
+                <a:blip r:embed="rId4"/>
+                <a:stretch>
+                  <a:fillRect/>
+                </a:stretch>
+              </a:blipFill>
+              <a:ln>
+                <a:solidFill>
+                  <a:schemeClr val="tx1"/>
+                </a:solidFill>
+              </a:ln>
+            </p:spPr>
+            <p:txBody>
+              <a:bodyPr/>
+              <a:lstStyle/>
+              <a:p>
+                <a:r>
+                  <a:rPr lang="en-US">
+                    <a:noFill/>
+                  </a:rPr>
+                  <a:t> </a:t>
+                </a:r>
+              </a:p>
+            </p:txBody>
+          </p:sp>
+        </mc:Fallback>
+      </mc:AlternateContent>
+      <mc:AlternateContent xmlns:mc="http://schemas.openxmlformats.org/markup-compatibility/2006" xmlns:a14="http://schemas.microsoft.com/office/drawing/2010/main">
+        <mc:Choice Requires="a14">
+          <p:sp>
+            <p:nvSpPr>
+              <p:cNvPr id="9" name="Oval 8">
+                <a:extLst>
+                  <a:ext uri="{FF2B5EF4-FFF2-40B4-BE49-F238E27FC236}">
+                    <a16:creationId xmlns:a16="http://schemas.microsoft.com/office/drawing/2014/main" id="{B3CB48A0-C39C-8CE8-F6E3-4105F1FB895E}"/>
+                  </a:ext>
+                </a:extLst>
+              </p:cNvPr>
+              <p:cNvSpPr/>
+              <p:nvPr/>
+            </p:nvSpPr>
+            <p:spPr>
+              <a:xfrm>
+                <a:off x="5556000" y="4050623"/>
+                <a:ext cx="540000" cy="540000"/>
+              </a:xfrm>
+              <a:prstGeom prst="ellipse">
+                <a:avLst/>
+              </a:prstGeom>
+              <a:noFill/>
+              <a:ln>
+                <a:solidFill>
+                  <a:schemeClr val="tx1"/>
+                </a:solidFill>
+              </a:ln>
+            </p:spPr>
+            <p:style>
+              <a:lnRef idx="2">
+                <a:schemeClr val="accent1">
+                  <a:shade val="50000"/>
+                </a:schemeClr>
+              </a:lnRef>
+              <a:fillRef idx="1">
+                <a:schemeClr val="accent1"/>
+              </a:fillRef>
+              <a:effectRef idx="0">
+                <a:schemeClr val="accent1"/>
+              </a:effectRef>
+              <a:fontRef idx="minor">
+                <a:schemeClr val="lt1"/>
+              </a:fontRef>
+            </p:style>
+            <p:txBody>
+              <a:bodyPr rtlCol="0" anchor="ctr"/>
+              <a:lstStyle/>
+              <a:p>
+                <a:pPr algn="ctr"/>
+                <a14:m>
+                  <m:oMathPara xmlns:m="http://schemas.openxmlformats.org/officeDocument/2006/math">
+                    <m:oMathParaPr>
+                      <m:jc m:val="centerGroup"/>
+                    </m:oMathParaPr>
+                    <m:oMath xmlns:m="http://schemas.openxmlformats.org/officeDocument/2006/math">
+                      <m:sSub>
+                        <m:sSubPr>
+                          <m:ctrlPr>
+                            <a:rPr lang="en-CA" b="0" i="1" smtClean="0">
+                              <a:solidFill>
+                                <a:schemeClr val="tx1"/>
+                              </a:solidFill>
+                              <a:latin typeface="Cambria Math" panose="02040503050406030204" pitchFamily="18" charset="0"/>
+                            </a:rPr>
+                          </m:ctrlPr>
+                        </m:sSubPr>
+                        <m:e>
+                          <m:r>
+                            <a:rPr lang="en-CA" b="0" i="1" smtClean="0">
+                              <a:solidFill>
+                                <a:schemeClr val="tx1"/>
+                              </a:solidFill>
+                              <a:latin typeface="Cambria Math" panose="02040503050406030204" pitchFamily="18" charset="0"/>
+                            </a:rPr>
+                            <m:t>𝑌</m:t>
+                          </m:r>
+                        </m:e>
+                        <m:sub>
+                          <m:r>
+                            <a:rPr lang="en-CA" b="0" i="1" smtClean="0">
+                              <a:solidFill>
+                                <a:schemeClr val="tx1"/>
+                              </a:solidFill>
+                              <a:latin typeface="Cambria Math" panose="02040503050406030204" pitchFamily="18" charset="0"/>
+                            </a:rPr>
+                            <m:t>2</m:t>
+                          </m:r>
+                        </m:sub>
+                      </m:sSub>
+                    </m:oMath>
+                  </m:oMathPara>
+                </a14:m>
+                <a:endParaRPr lang="en-CA" b="0" dirty="0">
+                  <a:solidFill>
+                    <a:schemeClr val="tx1"/>
+                  </a:solidFill>
+                </a:endParaRPr>
+              </a:p>
+            </p:txBody>
+          </p:sp>
+        </mc:Choice>
+        <mc:Fallback xmlns="">
+          <p:sp>
+            <p:nvSpPr>
+              <p:cNvPr id="9" name="Oval 8">
+                <a:extLst>
+                  <a:ext uri="{FF2B5EF4-FFF2-40B4-BE49-F238E27FC236}">
+                    <a16:creationId xmlns:a16="http://schemas.microsoft.com/office/drawing/2014/main" id="{B3CB48A0-C39C-8CE8-F6E3-4105F1FB895E}"/>
+                  </a:ext>
+                </a:extLst>
+              </p:cNvPr>
+              <p:cNvSpPr>
+                <a:spLocks noRot="1" noChangeAspect="1" noMove="1" noResize="1" noEditPoints="1" noAdjustHandles="1" noChangeArrowheads="1" noChangeShapeType="1" noTextEdit="1"/>
+              </p:cNvSpPr>
+              <p:nvPr/>
+            </p:nvSpPr>
+            <p:spPr>
+              <a:xfrm>
+                <a:off x="5556000" y="4050623"/>
+                <a:ext cx="540000" cy="540000"/>
+              </a:xfrm>
+              <a:prstGeom prst="ellipse">
+                <a:avLst/>
+              </a:prstGeom>
+              <a:blipFill>
+                <a:blip r:embed="rId5"/>
+                <a:stretch>
+                  <a:fillRect/>
+                </a:stretch>
+              </a:blipFill>
+              <a:ln>
+                <a:solidFill>
+                  <a:schemeClr val="tx1"/>
+                </a:solidFill>
+              </a:ln>
+            </p:spPr>
+            <p:txBody>
+              <a:bodyPr/>
+              <a:lstStyle/>
+              <a:p>
+                <a:r>
+                  <a:rPr lang="en-US">
+                    <a:noFill/>
+                  </a:rPr>
+                  <a:t> </a:t>
+                </a:r>
+              </a:p>
+            </p:txBody>
+          </p:sp>
+        </mc:Fallback>
+      </mc:AlternateContent>
+      <mc:AlternateContent xmlns:mc="http://schemas.openxmlformats.org/markup-compatibility/2006" xmlns:a14="http://schemas.microsoft.com/office/drawing/2010/main">
+        <mc:Choice Requires="a14">
+          <p:sp>
+            <p:nvSpPr>
+              <p:cNvPr id="11" name="Oval 10">
+                <a:extLst>
+                  <a:ext uri="{FF2B5EF4-FFF2-40B4-BE49-F238E27FC236}">
+                    <a16:creationId xmlns:a16="http://schemas.microsoft.com/office/drawing/2014/main" id="{806763BA-8689-43E3-4245-5419EACB35C7}"/>
+                  </a:ext>
+                </a:extLst>
+              </p:cNvPr>
+              <p:cNvSpPr/>
+              <p:nvPr/>
+            </p:nvSpPr>
+            <p:spPr>
+              <a:xfrm>
+                <a:off x="5556000" y="2889000"/>
+                <a:ext cx="540000" cy="540000"/>
+              </a:xfrm>
+              <a:prstGeom prst="ellipse">
+                <a:avLst/>
+              </a:prstGeom>
+              <a:noFill/>
+              <a:ln>
+                <a:solidFill>
+                  <a:schemeClr val="tx1"/>
+                </a:solidFill>
+              </a:ln>
+            </p:spPr>
+            <p:style>
+              <a:lnRef idx="2">
+                <a:schemeClr val="accent1">
+                  <a:shade val="50000"/>
+                </a:schemeClr>
+              </a:lnRef>
+              <a:fillRef idx="1">
+                <a:schemeClr val="accent1"/>
+              </a:fillRef>
+              <a:effectRef idx="0">
+                <a:schemeClr val="accent1"/>
+              </a:effectRef>
+              <a:fontRef idx="minor">
+                <a:schemeClr val="lt1"/>
+              </a:fontRef>
+            </p:style>
+            <p:txBody>
+              <a:bodyPr rtlCol="0" anchor="ctr"/>
+              <a:lstStyle/>
+              <a:p>
+                <a:pPr algn="ctr"/>
+                <a14:m>
+                  <m:oMathPara xmlns:m="http://schemas.openxmlformats.org/officeDocument/2006/math">
+                    <m:oMathParaPr>
+                      <m:jc m:val="centerGroup"/>
+                    </m:oMathParaPr>
+                    <m:oMath xmlns:m="http://schemas.openxmlformats.org/officeDocument/2006/math">
+                      <m:sSub>
+                        <m:sSubPr>
+                          <m:ctrlPr>
+                            <a:rPr lang="en-CA" b="0" i="1" smtClean="0">
+                              <a:solidFill>
+                                <a:schemeClr val="tx1"/>
+                              </a:solidFill>
+                              <a:latin typeface="Cambria Math" panose="02040503050406030204" pitchFamily="18" charset="0"/>
+                            </a:rPr>
+                          </m:ctrlPr>
+                        </m:sSubPr>
+                        <m:e>
+                          <m:r>
+                            <a:rPr lang="en-CA" b="0" i="1" smtClean="0">
+                              <a:solidFill>
+                                <a:schemeClr val="tx1"/>
+                              </a:solidFill>
+                              <a:latin typeface="Cambria Math" panose="02040503050406030204" pitchFamily="18" charset="0"/>
+                            </a:rPr>
+                            <m:t>𝑍</m:t>
+                          </m:r>
+                        </m:e>
+                        <m:sub>
+                          <m:r>
+                            <a:rPr lang="en-CA" b="0" i="1" smtClean="0">
+                              <a:solidFill>
+                                <a:schemeClr val="tx1"/>
+                              </a:solidFill>
+                              <a:latin typeface="Cambria Math" panose="02040503050406030204" pitchFamily="18" charset="0"/>
+                            </a:rPr>
+                            <m:t>2</m:t>
+                          </m:r>
+                        </m:sub>
+                      </m:sSub>
+                    </m:oMath>
+                  </m:oMathPara>
+                </a14:m>
+                <a:endParaRPr lang="en-CA" b="0" dirty="0">
+                  <a:solidFill>
+                    <a:schemeClr val="tx1"/>
+                  </a:solidFill>
+                </a:endParaRPr>
+              </a:p>
+            </p:txBody>
+          </p:sp>
+        </mc:Choice>
+        <mc:Fallback xmlns="">
+          <p:sp>
+            <p:nvSpPr>
+              <p:cNvPr id="11" name="Oval 10">
+                <a:extLst>
+                  <a:ext uri="{FF2B5EF4-FFF2-40B4-BE49-F238E27FC236}">
+                    <a16:creationId xmlns:a16="http://schemas.microsoft.com/office/drawing/2014/main" id="{806763BA-8689-43E3-4245-5419EACB35C7}"/>
+                  </a:ext>
+                </a:extLst>
+              </p:cNvPr>
+              <p:cNvSpPr>
+                <a:spLocks noRot="1" noChangeAspect="1" noMove="1" noResize="1" noEditPoints="1" noAdjustHandles="1" noChangeArrowheads="1" noChangeShapeType="1" noTextEdit="1"/>
+              </p:cNvSpPr>
+              <p:nvPr/>
+            </p:nvSpPr>
+            <p:spPr>
+              <a:xfrm>
+                <a:off x="5556000" y="2889000"/>
+                <a:ext cx="540000" cy="540000"/>
+              </a:xfrm>
+              <a:prstGeom prst="ellipse">
+                <a:avLst/>
+              </a:prstGeom>
+              <a:blipFill>
+                <a:blip r:embed="rId6"/>
+                <a:stretch>
+                  <a:fillRect/>
+                </a:stretch>
+              </a:blipFill>
+              <a:ln>
+                <a:solidFill>
+                  <a:schemeClr val="tx1"/>
+                </a:solidFill>
+              </a:ln>
+            </p:spPr>
+            <p:txBody>
+              <a:bodyPr/>
+              <a:lstStyle/>
+              <a:p>
+                <a:r>
+                  <a:rPr lang="en-US">
+                    <a:noFill/>
+                  </a:rPr>
+                  <a:t> </a:t>
+                </a:r>
+              </a:p>
+            </p:txBody>
+          </p:sp>
+        </mc:Fallback>
+      </mc:AlternateContent>
+      <mc:AlternateContent xmlns:mc="http://schemas.openxmlformats.org/markup-compatibility/2006" xmlns:a14="http://schemas.microsoft.com/office/drawing/2010/main">
+        <mc:Choice Requires="a14">
+          <p:sp>
+            <p:nvSpPr>
+              <p:cNvPr id="13" name="Oval 12">
+                <a:extLst>
+                  <a:ext uri="{FF2B5EF4-FFF2-40B4-BE49-F238E27FC236}">
+                    <a16:creationId xmlns:a16="http://schemas.microsoft.com/office/drawing/2014/main" id="{79CCD821-24B4-76A4-2760-C9C82E3C6ADB}"/>
+                  </a:ext>
+                </a:extLst>
+              </p:cNvPr>
+              <p:cNvSpPr/>
+              <p:nvPr/>
+            </p:nvSpPr>
+            <p:spPr>
+              <a:xfrm>
+                <a:off x="6489346" y="4050623"/>
+                <a:ext cx="540000" cy="540000"/>
+              </a:xfrm>
+              <a:prstGeom prst="ellipse">
+                <a:avLst/>
+              </a:prstGeom>
+              <a:noFill/>
+              <a:ln>
+                <a:solidFill>
+                  <a:schemeClr val="tx1"/>
+                </a:solidFill>
+              </a:ln>
+            </p:spPr>
+            <p:style>
+              <a:lnRef idx="2">
+                <a:schemeClr val="accent1">
+                  <a:shade val="50000"/>
+                </a:schemeClr>
+              </a:lnRef>
+              <a:fillRef idx="1">
+                <a:schemeClr val="accent1"/>
+              </a:fillRef>
+              <a:effectRef idx="0">
+                <a:schemeClr val="accent1"/>
+              </a:effectRef>
+              <a:fontRef idx="minor">
+                <a:schemeClr val="lt1"/>
+              </a:fontRef>
+            </p:style>
+            <p:txBody>
+              <a:bodyPr rtlCol="0" anchor="ctr"/>
+              <a:lstStyle/>
+              <a:p>
+                <a:pPr algn="ctr"/>
+                <a14:m>
+                  <m:oMathPara xmlns:m="http://schemas.openxmlformats.org/officeDocument/2006/math">
+                    <m:oMathParaPr>
+                      <m:jc m:val="centerGroup"/>
+                    </m:oMathParaPr>
+                    <m:oMath xmlns:m="http://schemas.openxmlformats.org/officeDocument/2006/math">
+                      <m:sSub>
+                        <m:sSubPr>
+                          <m:ctrlPr>
+                            <a:rPr lang="en-CA" b="0" i="1" smtClean="0">
+                              <a:solidFill>
+                                <a:schemeClr val="tx1"/>
+                              </a:solidFill>
+                              <a:latin typeface="Cambria Math" panose="02040503050406030204" pitchFamily="18" charset="0"/>
+                            </a:rPr>
+                          </m:ctrlPr>
+                        </m:sSubPr>
+                        <m:e>
+                          <m:r>
+                            <a:rPr lang="en-CA" b="0" i="1" smtClean="0">
+                              <a:solidFill>
+                                <a:schemeClr val="tx1"/>
+                              </a:solidFill>
+                              <a:latin typeface="Cambria Math" panose="02040503050406030204" pitchFamily="18" charset="0"/>
+                            </a:rPr>
+                            <m:t>𝑌</m:t>
+                          </m:r>
+                        </m:e>
+                        <m:sub>
+                          <m:r>
+                            <a:rPr lang="en-CA" b="0" i="1" smtClean="0">
+                              <a:solidFill>
+                                <a:schemeClr val="tx1"/>
+                              </a:solidFill>
+                              <a:latin typeface="Cambria Math" panose="02040503050406030204" pitchFamily="18" charset="0"/>
+                            </a:rPr>
+                            <m:t>3</m:t>
+                          </m:r>
+                        </m:sub>
+                      </m:sSub>
+                    </m:oMath>
+                  </m:oMathPara>
+                </a14:m>
+                <a:endParaRPr lang="en-CA" b="0" dirty="0">
+                  <a:solidFill>
+                    <a:schemeClr val="tx1"/>
+                  </a:solidFill>
+                </a:endParaRPr>
+              </a:p>
+            </p:txBody>
+          </p:sp>
+        </mc:Choice>
+        <mc:Fallback xmlns="">
+          <p:sp>
+            <p:nvSpPr>
+              <p:cNvPr id="13" name="Oval 12">
+                <a:extLst>
+                  <a:ext uri="{FF2B5EF4-FFF2-40B4-BE49-F238E27FC236}">
+                    <a16:creationId xmlns:a16="http://schemas.microsoft.com/office/drawing/2014/main" id="{79CCD821-24B4-76A4-2760-C9C82E3C6ADB}"/>
+                  </a:ext>
+                </a:extLst>
+              </p:cNvPr>
+              <p:cNvSpPr>
+                <a:spLocks noRot="1" noChangeAspect="1" noMove="1" noResize="1" noEditPoints="1" noAdjustHandles="1" noChangeArrowheads="1" noChangeShapeType="1" noTextEdit="1"/>
+              </p:cNvSpPr>
+              <p:nvPr/>
+            </p:nvSpPr>
+            <p:spPr>
+              <a:xfrm>
+                <a:off x="6489346" y="4050623"/>
+                <a:ext cx="540000" cy="540000"/>
+              </a:xfrm>
+              <a:prstGeom prst="ellipse">
+                <a:avLst/>
+              </a:prstGeom>
+              <a:blipFill>
+                <a:blip r:embed="rId7"/>
+                <a:stretch>
+                  <a:fillRect/>
+                </a:stretch>
+              </a:blipFill>
+              <a:ln>
+                <a:solidFill>
+                  <a:schemeClr val="tx1"/>
+                </a:solidFill>
+              </a:ln>
+            </p:spPr>
+            <p:txBody>
+              <a:bodyPr/>
+              <a:lstStyle/>
+              <a:p>
+                <a:r>
+                  <a:rPr lang="en-US">
+                    <a:noFill/>
+                  </a:rPr>
+                  <a:t> </a:t>
+                </a:r>
+              </a:p>
+            </p:txBody>
+          </p:sp>
+        </mc:Fallback>
+      </mc:AlternateContent>
+      <mc:AlternateContent xmlns:mc="http://schemas.openxmlformats.org/markup-compatibility/2006" xmlns:a14="http://schemas.microsoft.com/office/drawing/2010/main">
+        <mc:Choice Requires="a14">
+          <p:sp>
+            <p:nvSpPr>
+              <p:cNvPr id="14" name="Oval 13">
+                <a:extLst>
+                  <a:ext uri="{FF2B5EF4-FFF2-40B4-BE49-F238E27FC236}">
+                    <a16:creationId xmlns:a16="http://schemas.microsoft.com/office/drawing/2014/main" id="{A16106DE-FDDE-6C0B-4347-2DC245403F5D}"/>
+                  </a:ext>
+                </a:extLst>
+              </p:cNvPr>
+              <p:cNvSpPr/>
+              <p:nvPr/>
+            </p:nvSpPr>
+            <p:spPr>
+              <a:xfrm>
+                <a:off x="6489346" y="2889000"/>
+                <a:ext cx="540000" cy="540000"/>
+              </a:xfrm>
+              <a:prstGeom prst="ellipse">
+                <a:avLst/>
+              </a:prstGeom>
+              <a:noFill/>
+              <a:ln>
+                <a:solidFill>
+                  <a:schemeClr val="tx1"/>
+                </a:solidFill>
+              </a:ln>
+            </p:spPr>
+            <p:style>
+              <a:lnRef idx="2">
+                <a:schemeClr val="accent1">
+                  <a:shade val="50000"/>
+                </a:schemeClr>
+              </a:lnRef>
+              <a:fillRef idx="1">
+                <a:schemeClr val="accent1"/>
+              </a:fillRef>
+              <a:effectRef idx="0">
+                <a:schemeClr val="accent1"/>
+              </a:effectRef>
+              <a:fontRef idx="minor">
+                <a:schemeClr val="lt1"/>
+              </a:fontRef>
+            </p:style>
+            <p:txBody>
+              <a:bodyPr rtlCol="0" anchor="ctr"/>
+              <a:lstStyle/>
+              <a:p>
+                <a:pPr algn="ctr"/>
+                <a14:m>
+                  <m:oMathPara xmlns:m="http://schemas.openxmlformats.org/officeDocument/2006/math">
+                    <m:oMathParaPr>
+                      <m:jc m:val="centerGroup"/>
+                    </m:oMathParaPr>
+                    <m:oMath xmlns:m="http://schemas.openxmlformats.org/officeDocument/2006/math">
+                      <m:sSub>
+                        <m:sSubPr>
+                          <m:ctrlPr>
+                            <a:rPr lang="en-CA" b="0" i="1" smtClean="0">
+                              <a:solidFill>
+                                <a:schemeClr val="tx1"/>
+                              </a:solidFill>
+                              <a:latin typeface="Cambria Math" panose="02040503050406030204" pitchFamily="18" charset="0"/>
+                            </a:rPr>
+                          </m:ctrlPr>
+                        </m:sSubPr>
+                        <m:e>
+                          <m:r>
+                            <a:rPr lang="en-CA" b="0" i="1" smtClean="0">
+                              <a:solidFill>
+                                <a:schemeClr val="tx1"/>
+                              </a:solidFill>
+                              <a:latin typeface="Cambria Math" panose="02040503050406030204" pitchFamily="18" charset="0"/>
+                            </a:rPr>
+                            <m:t>𝑍</m:t>
+                          </m:r>
+                        </m:e>
+                        <m:sub>
+                          <m:r>
+                            <a:rPr lang="en-CA" b="0" i="1" smtClean="0">
+                              <a:solidFill>
+                                <a:schemeClr val="tx1"/>
+                              </a:solidFill>
+                              <a:latin typeface="Cambria Math" panose="02040503050406030204" pitchFamily="18" charset="0"/>
+                            </a:rPr>
+                            <m:t>3</m:t>
+                          </m:r>
+                        </m:sub>
+                      </m:sSub>
+                    </m:oMath>
+                  </m:oMathPara>
+                </a14:m>
+                <a:endParaRPr lang="en-CA" b="0" dirty="0">
+                  <a:solidFill>
+                    <a:schemeClr val="tx1"/>
+                  </a:solidFill>
+                </a:endParaRPr>
+              </a:p>
+            </p:txBody>
+          </p:sp>
+        </mc:Choice>
+        <mc:Fallback xmlns="">
+          <p:sp>
+            <p:nvSpPr>
+              <p:cNvPr id="14" name="Oval 13">
+                <a:extLst>
+                  <a:ext uri="{FF2B5EF4-FFF2-40B4-BE49-F238E27FC236}">
+                    <a16:creationId xmlns:a16="http://schemas.microsoft.com/office/drawing/2014/main" id="{A16106DE-FDDE-6C0B-4347-2DC245403F5D}"/>
+                  </a:ext>
+                </a:extLst>
+              </p:cNvPr>
+              <p:cNvSpPr>
+                <a:spLocks noRot="1" noChangeAspect="1" noMove="1" noResize="1" noEditPoints="1" noAdjustHandles="1" noChangeArrowheads="1" noChangeShapeType="1" noTextEdit="1"/>
+              </p:cNvSpPr>
+              <p:nvPr/>
+            </p:nvSpPr>
+            <p:spPr>
+              <a:xfrm>
+                <a:off x="6489346" y="2889000"/>
+                <a:ext cx="540000" cy="540000"/>
+              </a:xfrm>
+              <a:prstGeom prst="ellipse">
+                <a:avLst/>
+              </a:prstGeom>
+              <a:blipFill>
+                <a:blip r:embed="rId8"/>
+                <a:stretch>
+                  <a:fillRect/>
+                </a:stretch>
+              </a:blipFill>
+              <a:ln>
+                <a:solidFill>
+                  <a:schemeClr val="tx1"/>
+                </a:solidFill>
+              </a:ln>
+            </p:spPr>
+            <p:txBody>
+              <a:bodyPr/>
+              <a:lstStyle/>
+              <a:p>
+                <a:r>
+                  <a:rPr lang="en-US">
+                    <a:noFill/>
+                  </a:rPr>
+                  <a:t> </a:t>
+                </a:r>
+              </a:p>
+            </p:txBody>
+          </p:sp>
+        </mc:Fallback>
+      </mc:AlternateContent>
+      <mc:AlternateContent xmlns:mc="http://schemas.openxmlformats.org/markup-compatibility/2006" xmlns:a14="http://schemas.microsoft.com/office/drawing/2010/main">
+        <mc:Choice Requires="a14">
+          <p:sp>
+            <p:nvSpPr>
+              <p:cNvPr id="15" name="Oval 14">
+                <a:extLst>
+                  <a:ext uri="{FF2B5EF4-FFF2-40B4-BE49-F238E27FC236}">
+                    <a16:creationId xmlns:a16="http://schemas.microsoft.com/office/drawing/2014/main" id="{7A41C204-0E89-92C9-6AD3-7AD7F75A45C0}"/>
+                  </a:ext>
+                </a:extLst>
+              </p:cNvPr>
+              <p:cNvSpPr/>
+              <p:nvPr/>
+            </p:nvSpPr>
+            <p:spPr>
+              <a:xfrm>
+                <a:off x="8075689" y="4050623"/>
+                <a:ext cx="540000" cy="540000"/>
+              </a:xfrm>
+              <a:prstGeom prst="ellipse">
+                <a:avLst/>
+              </a:prstGeom>
+              <a:noFill/>
+              <a:ln>
+                <a:solidFill>
+                  <a:schemeClr val="tx1"/>
+                </a:solidFill>
+              </a:ln>
+            </p:spPr>
+            <p:style>
+              <a:lnRef idx="2">
+                <a:schemeClr val="accent1">
+                  <a:shade val="50000"/>
+                </a:schemeClr>
+              </a:lnRef>
+              <a:fillRef idx="1">
+                <a:schemeClr val="accent1"/>
+              </a:fillRef>
+              <a:effectRef idx="0">
+                <a:schemeClr val="accent1"/>
+              </a:effectRef>
+              <a:fontRef idx="minor">
+                <a:schemeClr val="lt1"/>
+              </a:fontRef>
+            </p:style>
+            <p:txBody>
+              <a:bodyPr rtlCol="0" anchor="ctr"/>
+              <a:lstStyle/>
+              <a:p>
+                <a:pPr algn="ctr"/>
+                <a14:m>
+                  <m:oMathPara xmlns:m="http://schemas.openxmlformats.org/officeDocument/2006/math">
+                    <m:oMathParaPr>
+                      <m:jc m:val="centerGroup"/>
+                    </m:oMathParaPr>
+                    <m:oMath xmlns:m="http://schemas.openxmlformats.org/officeDocument/2006/math">
+                      <m:sSub>
+                        <m:sSubPr>
+                          <m:ctrlPr>
+                            <a:rPr lang="en-CA" b="0" i="1" smtClean="0">
+                              <a:solidFill>
+                                <a:schemeClr val="tx1"/>
+                              </a:solidFill>
+                              <a:latin typeface="Cambria Math" panose="02040503050406030204" pitchFamily="18" charset="0"/>
+                            </a:rPr>
+                          </m:ctrlPr>
+                        </m:sSubPr>
+                        <m:e>
+                          <m:r>
+                            <a:rPr lang="en-CA" b="0" i="1" smtClean="0">
+                              <a:solidFill>
+                                <a:schemeClr val="tx1"/>
+                              </a:solidFill>
+                              <a:latin typeface="Cambria Math" panose="02040503050406030204" pitchFamily="18" charset="0"/>
+                            </a:rPr>
+                            <m:t>𝑌</m:t>
+                          </m:r>
+                        </m:e>
+                        <m:sub>
+                          <m:r>
+                            <a:rPr lang="en-CA" b="0" i="1" smtClean="0">
+                              <a:solidFill>
+                                <a:schemeClr val="tx1"/>
+                              </a:solidFill>
+                              <a:latin typeface="Cambria Math" panose="02040503050406030204" pitchFamily="18" charset="0"/>
+                            </a:rPr>
+                            <m:t>7</m:t>
+                          </m:r>
+                        </m:sub>
+                      </m:sSub>
+                    </m:oMath>
+                  </m:oMathPara>
+                </a14:m>
+                <a:endParaRPr lang="en-CA" b="0" dirty="0">
+                  <a:solidFill>
+                    <a:schemeClr val="tx1"/>
+                  </a:solidFill>
+                </a:endParaRPr>
+              </a:p>
+            </p:txBody>
+          </p:sp>
+        </mc:Choice>
+        <mc:Fallback xmlns="">
+          <p:sp>
+            <p:nvSpPr>
+              <p:cNvPr id="15" name="Oval 14">
+                <a:extLst>
+                  <a:ext uri="{FF2B5EF4-FFF2-40B4-BE49-F238E27FC236}">
+                    <a16:creationId xmlns:a16="http://schemas.microsoft.com/office/drawing/2014/main" id="{7A41C204-0E89-92C9-6AD3-7AD7F75A45C0}"/>
+                  </a:ext>
+                </a:extLst>
+              </p:cNvPr>
+              <p:cNvSpPr>
+                <a:spLocks noRot="1" noChangeAspect="1" noMove="1" noResize="1" noEditPoints="1" noAdjustHandles="1" noChangeArrowheads="1" noChangeShapeType="1" noTextEdit="1"/>
+              </p:cNvSpPr>
+              <p:nvPr/>
+            </p:nvSpPr>
+            <p:spPr>
+              <a:xfrm>
+                <a:off x="8075689" y="4050623"/>
+                <a:ext cx="540000" cy="540000"/>
+              </a:xfrm>
+              <a:prstGeom prst="ellipse">
+                <a:avLst/>
+              </a:prstGeom>
+              <a:blipFill>
+                <a:blip r:embed="rId9"/>
+                <a:stretch>
+                  <a:fillRect/>
+                </a:stretch>
+              </a:blipFill>
+              <a:ln>
+                <a:solidFill>
+                  <a:schemeClr val="tx1"/>
+                </a:solidFill>
+              </a:ln>
+            </p:spPr>
+            <p:txBody>
+              <a:bodyPr/>
+              <a:lstStyle/>
+              <a:p>
+                <a:r>
+                  <a:rPr lang="en-US">
+                    <a:noFill/>
+                  </a:rPr>
+                  <a:t> </a:t>
+                </a:r>
+              </a:p>
+            </p:txBody>
+          </p:sp>
+        </mc:Fallback>
+      </mc:AlternateContent>
+      <mc:AlternateContent xmlns:mc="http://schemas.openxmlformats.org/markup-compatibility/2006" xmlns:a14="http://schemas.microsoft.com/office/drawing/2010/main">
+        <mc:Choice Requires="a14">
+          <p:sp>
+            <p:nvSpPr>
+              <p:cNvPr id="19" name="Oval 18">
+                <a:extLst>
+                  <a:ext uri="{FF2B5EF4-FFF2-40B4-BE49-F238E27FC236}">
+                    <a16:creationId xmlns:a16="http://schemas.microsoft.com/office/drawing/2014/main" id="{29F379B3-47DE-50DB-9AA7-DAF007C34582}"/>
+                  </a:ext>
+                </a:extLst>
+              </p:cNvPr>
+              <p:cNvSpPr/>
+              <p:nvPr/>
+            </p:nvSpPr>
+            <p:spPr>
+              <a:xfrm>
+                <a:off x="8075689" y="2889000"/>
+                <a:ext cx="540000" cy="540000"/>
+              </a:xfrm>
+              <a:prstGeom prst="ellipse">
+                <a:avLst/>
+              </a:prstGeom>
+              <a:noFill/>
+              <a:ln>
+                <a:solidFill>
+                  <a:schemeClr val="tx1"/>
+                </a:solidFill>
+              </a:ln>
+            </p:spPr>
+            <p:style>
+              <a:lnRef idx="2">
+                <a:schemeClr val="accent1">
+                  <a:shade val="50000"/>
+                </a:schemeClr>
+              </a:lnRef>
+              <a:fillRef idx="1">
+                <a:schemeClr val="accent1"/>
+              </a:fillRef>
+              <a:effectRef idx="0">
+                <a:schemeClr val="accent1"/>
+              </a:effectRef>
+              <a:fontRef idx="minor">
+                <a:schemeClr val="lt1"/>
+              </a:fontRef>
+            </p:style>
+            <p:txBody>
+              <a:bodyPr rtlCol="0" anchor="ctr"/>
+              <a:lstStyle/>
+              <a:p>
+                <a:pPr algn="ctr"/>
+                <a14:m>
+                  <m:oMathPara xmlns:m="http://schemas.openxmlformats.org/officeDocument/2006/math">
+                    <m:oMathParaPr>
+                      <m:jc m:val="centerGroup"/>
+                    </m:oMathParaPr>
+                    <m:oMath xmlns:m="http://schemas.openxmlformats.org/officeDocument/2006/math">
+                      <m:sSub>
+                        <m:sSubPr>
+                          <m:ctrlPr>
+                            <a:rPr lang="en-CA" b="0" i="1" smtClean="0">
+                              <a:solidFill>
+                                <a:schemeClr val="tx1"/>
+                              </a:solidFill>
+                              <a:latin typeface="Cambria Math" panose="02040503050406030204" pitchFamily="18" charset="0"/>
+                            </a:rPr>
+                          </m:ctrlPr>
+                        </m:sSubPr>
+                        <m:e>
+                          <m:r>
+                            <a:rPr lang="en-CA" b="0" i="1" smtClean="0">
+                              <a:solidFill>
+                                <a:schemeClr val="tx1"/>
+                              </a:solidFill>
+                              <a:latin typeface="Cambria Math" panose="02040503050406030204" pitchFamily="18" charset="0"/>
+                            </a:rPr>
+                            <m:t>𝑍</m:t>
+                          </m:r>
+                        </m:e>
+                        <m:sub>
+                          <m:r>
+                            <a:rPr lang="en-CA" b="0" i="1" smtClean="0">
+                              <a:solidFill>
+                                <a:schemeClr val="tx1"/>
+                              </a:solidFill>
+                              <a:latin typeface="Cambria Math" panose="02040503050406030204" pitchFamily="18" charset="0"/>
+                            </a:rPr>
+                            <m:t>7</m:t>
+                          </m:r>
+                        </m:sub>
+                      </m:sSub>
+                    </m:oMath>
+                  </m:oMathPara>
+                </a14:m>
+                <a:endParaRPr lang="en-CA" b="0" dirty="0">
+                  <a:solidFill>
+                    <a:schemeClr val="tx1"/>
+                  </a:solidFill>
+                </a:endParaRPr>
+              </a:p>
+            </p:txBody>
+          </p:sp>
+        </mc:Choice>
+        <mc:Fallback xmlns="">
+          <p:sp>
+            <p:nvSpPr>
+              <p:cNvPr id="19" name="Oval 18">
+                <a:extLst>
+                  <a:ext uri="{FF2B5EF4-FFF2-40B4-BE49-F238E27FC236}">
+                    <a16:creationId xmlns:a16="http://schemas.microsoft.com/office/drawing/2014/main" id="{29F379B3-47DE-50DB-9AA7-DAF007C34582}"/>
+                  </a:ext>
+                </a:extLst>
+              </p:cNvPr>
+              <p:cNvSpPr>
+                <a:spLocks noRot="1" noChangeAspect="1" noMove="1" noResize="1" noEditPoints="1" noAdjustHandles="1" noChangeArrowheads="1" noChangeShapeType="1" noTextEdit="1"/>
+              </p:cNvSpPr>
+              <p:nvPr/>
+            </p:nvSpPr>
+            <p:spPr>
+              <a:xfrm>
+                <a:off x="8075689" y="2889000"/>
+                <a:ext cx="540000" cy="540000"/>
+              </a:xfrm>
+              <a:prstGeom prst="ellipse">
+                <a:avLst/>
+              </a:prstGeom>
+              <a:blipFill>
+                <a:blip r:embed="rId10"/>
+                <a:stretch>
+                  <a:fillRect/>
+                </a:stretch>
+              </a:blipFill>
+              <a:ln>
+                <a:solidFill>
+                  <a:schemeClr val="tx1"/>
+                </a:solidFill>
+              </a:ln>
+            </p:spPr>
+            <p:txBody>
+              <a:bodyPr/>
+              <a:lstStyle/>
+              <a:p>
+                <a:r>
+                  <a:rPr lang="en-US">
+                    <a:noFill/>
+                  </a:rPr>
+                  <a:t> </a:t>
+                </a:r>
+              </a:p>
+            </p:txBody>
+          </p:sp>
+        </mc:Fallback>
+      </mc:AlternateContent>
+      <p:cxnSp>
+        <p:nvCxnSpPr>
+          <p:cNvPr id="22" name="Straight Arrow Connector 21">
+            <a:extLst>
+              <a:ext uri="{FF2B5EF4-FFF2-40B4-BE49-F238E27FC236}">
+                <a16:creationId xmlns:a16="http://schemas.microsoft.com/office/drawing/2014/main" id="{E47377A7-30E0-45C2-FF75-861FDE304B39}"/>
+              </a:ext>
+            </a:extLst>
+          </p:cNvPr>
+          <p:cNvCxnSpPr>
+            <a:cxnSpLocks/>
+            <a:endCxn id="11" idx="2"/>
+          </p:cNvCxnSpPr>
+          <p:nvPr/>
+        </p:nvCxnSpPr>
+        <p:spPr>
+          <a:xfrm flipV="1">
+            <a:off x="5162654" y="3159000"/>
+            <a:ext cx="393346" cy="1620"/>
+          </a:xfrm>
+          <a:prstGeom prst="straightConnector1">
+            <a:avLst/>
+          </a:prstGeom>
+          <a:ln>
+            <a:solidFill>
+              <a:schemeClr val="tx1"/>
+            </a:solidFill>
+            <a:tailEnd type="triangle" w="lg" len="lg"/>
+          </a:ln>
+        </p:spPr>
+        <p:style>
+          <a:lnRef idx="1">
+            <a:schemeClr val="accent1"/>
+          </a:lnRef>
+          <a:fillRef idx="0">
+            <a:schemeClr val="accent1"/>
+          </a:fillRef>
+          <a:effectRef idx="0">
+            <a:schemeClr val="accent1"/>
+          </a:effectRef>
+          <a:fontRef idx="minor">
+            <a:schemeClr val="tx1"/>
+          </a:fontRef>
+        </p:style>
+      </p:cxnSp>
+      <p:cxnSp>
+        <p:nvCxnSpPr>
+          <p:cNvPr id="28" name="Straight Arrow Connector 27">
+            <a:extLst>
+              <a:ext uri="{FF2B5EF4-FFF2-40B4-BE49-F238E27FC236}">
+                <a16:creationId xmlns:a16="http://schemas.microsoft.com/office/drawing/2014/main" id="{2316FC0C-CA58-2470-85DA-4DAD43509D94}"/>
+              </a:ext>
+            </a:extLst>
+          </p:cNvPr>
+          <p:cNvCxnSpPr>
+            <a:cxnSpLocks/>
+          </p:cNvCxnSpPr>
+          <p:nvPr/>
+        </p:nvCxnSpPr>
+        <p:spPr>
+          <a:xfrm flipV="1">
+            <a:off x="6095998" y="3159000"/>
+            <a:ext cx="393346" cy="1620"/>
+          </a:xfrm>
+          <a:prstGeom prst="straightConnector1">
+            <a:avLst/>
+          </a:prstGeom>
+          <a:ln>
+            <a:solidFill>
+              <a:schemeClr val="tx1"/>
+            </a:solidFill>
+            <a:tailEnd type="triangle" w="lg" len="lg"/>
+          </a:ln>
+        </p:spPr>
+        <p:style>
+          <a:lnRef idx="1">
+            <a:schemeClr val="accent1"/>
+          </a:lnRef>
+          <a:fillRef idx="0">
+            <a:schemeClr val="accent1"/>
+          </a:fillRef>
+          <a:effectRef idx="0">
+            <a:schemeClr val="accent1"/>
+          </a:effectRef>
+          <a:fontRef idx="minor">
+            <a:schemeClr val="tx1"/>
+          </a:fontRef>
+        </p:style>
+      </p:cxnSp>
+      <p:cxnSp>
+        <p:nvCxnSpPr>
+          <p:cNvPr id="29" name="Straight Arrow Connector 28">
+            <a:extLst>
+              <a:ext uri="{FF2B5EF4-FFF2-40B4-BE49-F238E27FC236}">
+                <a16:creationId xmlns:a16="http://schemas.microsoft.com/office/drawing/2014/main" id="{74BD6F1D-964F-8DF8-0EFC-F9A1F65F05A5}"/>
+              </a:ext>
+            </a:extLst>
+          </p:cNvPr>
+          <p:cNvCxnSpPr>
+            <a:cxnSpLocks/>
+          </p:cNvCxnSpPr>
+          <p:nvPr/>
+        </p:nvCxnSpPr>
+        <p:spPr>
+          <a:xfrm flipV="1">
+            <a:off x="7032100" y="3159000"/>
+            <a:ext cx="393346" cy="1620"/>
+          </a:xfrm>
+          <a:prstGeom prst="straightConnector1">
+            <a:avLst/>
+          </a:prstGeom>
+          <a:ln>
+            <a:solidFill>
+              <a:schemeClr val="tx1"/>
+            </a:solidFill>
+            <a:tailEnd type="triangle" w="lg" len="lg"/>
+          </a:ln>
+        </p:spPr>
+        <p:style>
+          <a:lnRef idx="1">
+            <a:schemeClr val="accent1"/>
+          </a:lnRef>
+          <a:fillRef idx="0">
+            <a:schemeClr val="accent1"/>
+          </a:fillRef>
+          <a:effectRef idx="0">
+            <a:schemeClr val="accent1"/>
+          </a:effectRef>
+          <a:fontRef idx="minor">
+            <a:schemeClr val="tx1"/>
+          </a:fontRef>
+        </p:style>
+      </p:cxnSp>
+      <p:cxnSp>
+        <p:nvCxnSpPr>
+          <p:cNvPr id="30" name="Straight Arrow Connector 29">
+            <a:extLst>
+              <a:ext uri="{FF2B5EF4-FFF2-40B4-BE49-F238E27FC236}">
+                <a16:creationId xmlns:a16="http://schemas.microsoft.com/office/drawing/2014/main" id="{EF62B5E7-F40D-369C-9BCB-AC099224FDD2}"/>
+              </a:ext>
+            </a:extLst>
+          </p:cNvPr>
+          <p:cNvCxnSpPr>
+            <a:cxnSpLocks/>
+          </p:cNvCxnSpPr>
+          <p:nvPr/>
+        </p:nvCxnSpPr>
+        <p:spPr>
+          <a:xfrm flipV="1">
+            <a:off x="7695401" y="3149423"/>
+            <a:ext cx="393346" cy="1620"/>
+          </a:xfrm>
+          <a:prstGeom prst="straightConnector1">
+            <a:avLst/>
+          </a:prstGeom>
+          <a:ln>
+            <a:solidFill>
+              <a:schemeClr val="tx1"/>
+            </a:solidFill>
+            <a:tailEnd type="triangle" w="lg" len="lg"/>
+          </a:ln>
+        </p:spPr>
+        <p:style>
+          <a:lnRef idx="1">
+            <a:schemeClr val="accent1"/>
+          </a:lnRef>
+          <a:fillRef idx="0">
+            <a:schemeClr val="accent1"/>
+          </a:fillRef>
+          <a:effectRef idx="0">
+            <a:schemeClr val="accent1"/>
+          </a:effectRef>
+          <a:fontRef idx="minor">
+            <a:schemeClr val="tx1"/>
+          </a:fontRef>
+        </p:style>
+      </p:cxnSp>
+      <p:cxnSp>
+        <p:nvCxnSpPr>
+          <p:cNvPr id="34" name="Straight Arrow Connector 33">
+            <a:extLst>
+              <a:ext uri="{FF2B5EF4-FFF2-40B4-BE49-F238E27FC236}">
+                <a16:creationId xmlns:a16="http://schemas.microsoft.com/office/drawing/2014/main" id="{25F0A184-63CC-D98F-5D50-D7A20BFC5A7B}"/>
+              </a:ext>
+            </a:extLst>
+          </p:cNvPr>
+          <p:cNvCxnSpPr>
+            <a:cxnSpLocks/>
+            <a:stCxn id="3" idx="4"/>
+            <a:endCxn id="2" idx="0"/>
+          </p:cNvCxnSpPr>
+          <p:nvPr/>
+        </p:nvCxnSpPr>
+        <p:spPr>
+          <a:xfrm>
+            <a:off x="4892656" y="3429000"/>
+            <a:ext cx="0" cy="621623"/>
+          </a:xfrm>
+          <a:prstGeom prst="straightConnector1">
+            <a:avLst/>
+          </a:prstGeom>
+          <a:ln>
+            <a:solidFill>
+              <a:schemeClr val="tx1"/>
+            </a:solidFill>
+            <a:tailEnd type="triangle" w="lg" len="lg"/>
+          </a:ln>
+        </p:spPr>
+        <p:style>
+          <a:lnRef idx="1">
+            <a:schemeClr val="accent1"/>
+          </a:lnRef>
+          <a:fillRef idx="0">
+            <a:schemeClr val="accent1"/>
+          </a:fillRef>
+          <a:effectRef idx="0">
+            <a:schemeClr val="accent1"/>
+          </a:effectRef>
+          <a:fontRef idx="minor">
+            <a:schemeClr val="tx1"/>
+          </a:fontRef>
+        </p:style>
+      </p:cxnSp>
+      <p:cxnSp>
+        <p:nvCxnSpPr>
+          <p:cNvPr id="39" name="Straight Arrow Connector 38">
+            <a:extLst>
+              <a:ext uri="{FF2B5EF4-FFF2-40B4-BE49-F238E27FC236}">
+                <a16:creationId xmlns:a16="http://schemas.microsoft.com/office/drawing/2014/main" id="{E65069C9-9820-83BE-FE70-0A2072BB2833}"/>
+              </a:ext>
+            </a:extLst>
+          </p:cNvPr>
+          <p:cNvCxnSpPr>
+            <a:cxnSpLocks/>
+          </p:cNvCxnSpPr>
+          <p:nvPr/>
+        </p:nvCxnSpPr>
+        <p:spPr>
+          <a:xfrm>
+            <a:off x="5826000" y="3429000"/>
+            <a:ext cx="0" cy="621623"/>
+          </a:xfrm>
+          <a:prstGeom prst="straightConnector1">
+            <a:avLst/>
+          </a:prstGeom>
+          <a:ln>
+            <a:solidFill>
+              <a:schemeClr val="tx1"/>
+            </a:solidFill>
+            <a:tailEnd type="triangle" w="lg" len="lg"/>
+          </a:ln>
+        </p:spPr>
+        <p:style>
+          <a:lnRef idx="1">
+            <a:schemeClr val="accent1"/>
+          </a:lnRef>
+          <a:fillRef idx="0">
+            <a:schemeClr val="accent1"/>
+          </a:fillRef>
+          <a:effectRef idx="0">
+            <a:schemeClr val="accent1"/>
+          </a:effectRef>
+          <a:fontRef idx="minor">
+            <a:schemeClr val="tx1"/>
+          </a:fontRef>
+        </p:style>
+      </p:cxnSp>
+      <p:cxnSp>
+        <p:nvCxnSpPr>
+          <p:cNvPr id="40" name="Straight Arrow Connector 39">
+            <a:extLst>
+              <a:ext uri="{FF2B5EF4-FFF2-40B4-BE49-F238E27FC236}">
+                <a16:creationId xmlns:a16="http://schemas.microsoft.com/office/drawing/2014/main" id="{4D6A6421-56B9-1D55-E3CD-A4AB7199B070}"/>
+              </a:ext>
+            </a:extLst>
+          </p:cNvPr>
+          <p:cNvCxnSpPr>
+            <a:cxnSpLocks/>
+          </p:cNvCxnSpPr>
+          <p:nvPr/>
+        </p:nvCxnSpPr>
+        <p:spPr>
+          <a:xfrm>
+            <a:off x="6759346" y="3430529"/>
+            <a:ext cx="0" cy="621623"/>
+          </a:xfrm>
+          <a:prstGeom prst="straightConnector1">
+            <a:avLst/>
+          </a:prstGeom>
+          <a:ln>
+            <a:solidFill>
+              <a:schemeClr val="tx1"/>
+            </a:solidFill>
+            <a:tailEnd type="triangle" w="lg" len="lg"/>
+          </a:ln>
+        </p:spPr>
+        <p:style>
+          <a:lnRef idx="1">
+            <a:schemeClr val="accent1"/>
+          </a:lnRef>
+          <a:fillRef idx="0">
+            <a:schemeClr val="accent1"/>
+          </a:fillRef>
+          <a:effectRef idx="0">
+            <a:schemeClr val="accent1"/>
+          </a:effectRef>
+          <a:fontRef idx="minor">
+            <a:schemeClr val="tx1"/>
+          </a:fontRef>
+        </p:style>
+      </p:cxnSp>
+      <p:cxnSp>
+        <p:nvCxnSpPr>
+          <p:cNvPr id="41" name="Straight Arrow Connector 40">
+            <a:extLst>
+              <a:ext uri="{FF2B5EF4-FFF2-40B4-BE49-F238E27FC236}">
+                <a16:creationId xmlns:a16="http://schemas.microsoft.com/office/drawing/2014/main" id="{20F36021-5AA6-30EA-E805-0952E83BA2EB}"/>
+              </a:ext>
+            </a:extLst>
+          </p:cNvPr>
+          <p:cNvCxnSpPr>
+            <a:cxnSpLocks/>
+          </p:cNvCxnSpPr>
+          <p:nvPr/>
+        </p:nvCxnSpPr>
+        <p:spPr>
+          <a:xfrm>
+            <a:off x="8345689" y="3429000"/>
+            <a:ext cx="0" cy="621623"/>
+          </a:xfrm>
+          <a:prstGeom prst="straightConnector1">
+            <a:avLst/>
+          </a:prstGeom>
+          <a:ln>
+            <a:solidFill>
+              <a:schemeClr val="tx1"/>
+            </a:solidFill>
+            <a:tailEnd type="triangle" w="lg" len="lg"/>
+          </a:ln>
+        </p:spPr>
+        <p:style>
+          <a:lnRef idx="1">
+            <a:schemeClr val="accent1"/>
+          </a:lnRef>
+          <a:fillRef idx="0">
+            <a:schemeClr val="accent1"/>
+          </a:fillRef>
+          <a:effectRef idx="0">
+            <a:schemeClr val="accent1"/>
+          </a:effectRef>
+          <a:fontRef idx="minor">
+            <a:schemeClr val="tx1"/>
+          </a:fontRef>
+        </p:style>
+      </p:cxnSp>
+      <mc:AlternateContent xmlns:mc="http://schemas.openxmlformats.org/markup-compatibility/2006" xmlns:a14="http://schemas.microsoft.com/office/drawing/2010/main">
+        <mc:Choice Requires="a14">
+          <p:sp>
+            <p:nvSpPr>
+              <p:cNvPr id="44" name="TextBox 43">
+                <a:extLst>
+                  <a:ext uri="{FF2B5EF4-FFF2-40B4-BE49-F238E27FC236}">
+                    <a16:creationId xmlns:a16="http://schemas.microsoft.com/office/drawing/2014/main" id="{A1683360-63C2-4049-7B02-BACDF8541712}"/>
+                  </a:ext>
+                </a:extLst>
+              </p:cNvPr>
+              <p:cNvSpPr txBox="1"/>
+              <p:nvPr/>
+            </p:nvSpPr>
+            <p:spPr>
+              <a:xfrm>
+                <a:off x="4966437" y="1806180"/>
+                <a:ext cx="466217" cy="369332"/>
+              </a:xfrm>
+              <a:prstGeom prst="rect">
+                <a:avLst/>
+              </a:prstGeom>
+              <a:noFill/>
+            </p:spPr>
+            <p:txBody>
+              <a:bodyPr wrap="square" rtlCol="0">
+                <a:spAutoFit/>
+              </a:bodyPr>
+              <a:lstStyle/>
+              <a:p>
+                <a:pPr/>
+                <a14:m>
+                  <m:oMathPara xmlns:m="http://schemas.openxmlformats.org/officeDocument/2006/math">
+                    <m:oMathParaPr>
+                      <m:jc m:val="centerGroup"/>
+                    </m:oMathParaPr>
+                    <m:oMath xmlns:m="http://schemas.openxmlformats.org/officeDocument/2006/math">
+                      <m:sSub>
+                        <m:sSubPr>
+                          <m:ctrlPr>
+                            <a:rPr lang="en-CA" b="0" i="1" smtClean="0">
+                              <a:latin typeface="Cambria Math" panose="02040503050406030204" pitchFamily="18" charset="0"/>
+                            </a:rPr>
+                          </m:ctrlPr>
+                        </m:sSubPr>
+                        <m:e>
+                          <m:r>
+                            <a:rPr lang="en-CA" b="0" i="1" smtClean="0">
+                              <a:latin typeface="Cambria Math" panose="02040503050406030204" pitchFamily="18" charset="0"/>
+                            </a:rPr>
+                            <m:t>𝜙</m:t>
+                          </m:r>
+                        </m:e>
+                        <m:sub>
+                          <m:r>
+                            <a:rPr lang="en-CA" b="0" i="1" smtClean="0">
+                              <a:latin typeface="Cambria Math" panose="02040503050406030204" pitchFamily="18" charset="0"/>
+                            </a:rPr>
+                            <m:t>1</m:t>
+                          </m:r>
+                        </m:sub>
+                      </m:sSub>
+                    </m:oMath>
+                  </m:oMathPara>
+                </a14:m>
+                <a:endParaRPr lang="en-US" dirty="0"/>
+              </a:p>
+            </p:txBody>
+          </p:sp>
+        </mc:Choice>
+        <mc:Fallback xmlns="">
+          <p:sp>
+            <p:nvSpPr>
+              <p:cNvPr id="44" name="TextBox 43">
+                <a:extLst>
+                  <a:ext uri="{FF2B5EF4-FFF2-40B4-BE49-F238E27FC236}">
+                    <a16:creationId xmlns:a16="http://schemas.microsoft.com/office/drawing/2014/main" id="{A1683360-63C2-4049-7B02-BACDF8541712}"/>
+                  </a:ext>
+                </a:extLst>
+              </p:cNvPr>
+              <p:cNvSpPr txBox="1">
+                <a:spLocks noRot="1" noChangeAspect="1" noMove="1" noResize="1" noEditPoints="1" noAdjustHandles="1" noChangeArrowheads="1" noChangeShapeType="1" noTextEdit="1"/>
+              </p:cNvSpPr>
+              <p:nvPr/>
+            </p:nvSpPr>
+            <p:spPr>
+              <a:xfrm>
+                <a:off x="4966437" y="1806180"/>
+                <a:ext cx="466217" cy="369332"/>
+              </a:xfrm>
+              <a:prstGeom prst="rect">
+                <a:avLst/>
+              </a:prstGeom>
+              <a:blipFill>
+                <a:blip r:embed="rId11"/>
+                <a:stretch>
+                  <a:fillRect b="-13333"/>
+                </a:stretch>
+              </a:blipFill>
+            </p:spPr>
+            <p:txBody>
+              <a:bodyPr/>
+              <a:lstStyle/>
+              <a:p>
+                <a:r>
+                  <a:rPr lang="en-US">
+                    <a:noFill/>
+                  </a:rPr>
+                  <a:t> </a:t>
+                </a:r>
+              </a:p>
+            </p:txBody>
+          </p:sp>
+        </mc:Fallback>
+      </mc:AlternateContent>
+      <p:sp>
+        <p:nvSpPr>
+          <p:cNvPr id="45" name="Rectangle 44">
+            <a:extLst>
+              <a:ext uri="{FF2B5EF4-FFF2-40B4-BE49-F238E27FC236}">
+                <a16:creationId xmlns:a16="http://schemas.microsoft.com/office/drawing/2014/main" id="{7261C633-D530-D80D-ECC7-465E5C3D53A1}"/>
+              </a:ext>
+            </a:extLst>
+          </p:cNvPr>
+          <p:cNvSpPr/>
+          <p:nvPr/>
+        </p:nvSpPr>
+        <p:spPr>
+          <a:xfrm>
+            <a:off x="4892654" y="1720846"/>
+            <a:ext cx="540000" cy="540000"/>
+          </a:xfrm>
+          <a:prstGeom prst="rect">
+            <a:avLst/>
+          </a:prstGeom>
+          <a:noFill/>
+          <a:ln>
+            <a:solidFill>
+              <a:schemeClr val="tx1"/>
+            </a:solidFill>
+          </a:ln>
+        </p:spPr>
+        <p:style>
+          <a:lnRef idx="2">
+            <a:schemeClr val="accent1">
+              <a:shade val="50000"/>
+            </a:schemeClr>
+          </a:lnRef>
+          <a:fillRef idx="1">
+            <a:schemeClr val="accent1"/>
+          </a:fillRef>
+          <a:effectRef idx="0">
+            <a:schemeClr val="accent1"/>
+          </a:effectRef>
+          <a:fontRef idx="minor">
+            <a:schemeClr val="lt1"/>
+          </a:fontRef>
+        </p:style>
+        <p:txBody>
+          <a:bodyPr rtlCol="0" anchor="ctr"/>
+          <a:lstStyle/>
+          <a:p>
+            <a:pPr algn="ctr"/>
+            <a:endParaRPr lang="en-US"/>
+          </a:p>
+        </p:txBody>
+      </p:sp>
+      <p:cxnSp>
+        <p:nvCxnSpPr>
+          <p:cNvPr id="46" name="Straight Arrow Connector 45">
+            <a:extLst>
+              <a:ext uri="{FF2B5EF4-FFF2-40B4-BE49-F238E27FC236}">
+                <a16:creationId xmlns:a16="http://schemas.microsoft.com/office/drawing/2014/main" id="{ADF33194-0470-A87A-84FD-425C6E20C96F}"/>
+              </a:ext>
+            </a:extLst>
+          </p:cNvPr>
+          <p:cNvCxnSpPr>
+            <a:cxnSpLocks/>
+            <a:stCxn id="45" idx="2"/>
+            <a:endCxn id="11" idx="1"/>
+          </p:cNvCxnSpPr>
+          <p:nvPr/>
+        </p:nvCxnSpPr>
+        <p:spPr>
+          <a:xfrm>
+            <a:off x="5162654" y="2260846"/>
+            <a:ext cx="472427" cy="707235"/>
+          </a:xfrm>
+          <a:prstGeom prst="straightConnector1">
+            <a:avLst/>
+          </a:prstGeom>
+          <a:ln>
+            <a:solidFill>
+              <a:schemeClr val="tx1"/>
+            </a:solidFill>
+            <a:tailEnd type="triangle" w="lg" len="lg"/>
+          </a:ln>
+        </p:spPr>
+        <p:style>
+          <a:lnRef idx="1">
+            <a:schemeClr val="accent1"/>
+          </a:lnRef>
+          <a:fillRef idx="0">
+            <a:schemeClr val="accent1"/>
+          </a:fillRef>
+          <a:effectRef idx="0">
+            <a:schemeClr val="accent1"/>
+          </a:effectRef>
+          <a:fontRef idx="minor">
+            <a:schemeClr val="tx1"/>
+          </a:fontRef>
+        </p:style>
+      </p:cxnSp>
+      <mc:AlternateContent xmlns:mc="http://schemas.openxmlformats.org/markup-compatibility/2006" xmlns:a14="http://schemas.microsoft.com/office/drawing/2010/main">
+        <mc:Choice Requires="a14">
+          <p:sp>
+            <p:nvSpPr>
+              <p:cNvPr id="49" name="TextBox 48">
+                <a:extLst>
+                  <a:ext uri="{FF2B5EF4-FFF2-40B4-BE49-F238E27FC236}">
+                    <a16:creationId xmlns:a16="http://schemas.microsoft.com/office/drawing/2014/main" id="{2D46CD74-6B53-3C95-224B-B47160265260}"/>
+                  </a:ext>
+                </a:extLst>
+              </p:cNvPr>
+              <p:cNvSpPr txBox="1"/>
+              <p:nvPr/>
+            </p:nvSpPr>
+            <p:spPr>
+              <a:xfrm>
+                <a:off x="5921915" y="1806180"/>
+                <a:ext cx="466217" cy="369332"/>
+              </a:xfrm>
+              <a:prstGeom prst="rect">
+                <a:avLst/>
+              </a:prstGeom>
+              <a:noFill/>
+            </p:spPr>
+            <p:txBody>
+              <a:bodyPr wrap="square" rtlCol="0">
+                <a:spAutoFit/>
+              </a:bodyPr>
+              <a:lstStyle/>
+              <a:p>
+                <a:pPr/>
+                <a14:m>
+                  <m:oMathPara xmlns:m="http://schemas.openxmlformats.org/officeDocument/2006/math">
+                    <m:oMathParaPr>
+                      <m:jc m:val="centerGroup"/>
+                    </m:oMathParaPr>
+                    <m:oMath xmlns:m="http://schemas.openxmlformats.org/officeDocument/2006/math">
+                      <m:sSub>
+                        <m:sSubPr>
+                          <m:ctrlPr>
+                            <a:rPr lang="en-CA" b="0" i="1" smtClean="0">
+                              <a:latin typeface="Cambria Math" panose="02040503050406030204" pitchFamily="18" charset="0"/>
+                            </a:rPr>
+                          </m:ctrlPr>
+                        </m:sSubPr>
+                        <m:e>
+                          <m:r>
+                            <a:rPr lang="en-CA" b="0" i="1" smtClean="0">
+                              <a:latin typeface="Cambria Math" panose="02040503050406030204" pitchFamily="18" charset="0"/>
+                            </a:rPr>
+                            <m:t>𝜙</m:t>
+                          </m:r>
+                        </m:e>
+                        <m:sub>
+                          <m:r>
+                            <a:rPr lang="en-CA" b="0" i="1" smtClean="0">
+                              <a:latin typeface="Cambria Math" panose="02040503050406030204" pitchFamily="18" charset="0"/>
+                            </a:rPr>
+                            <m:t>2</m:t>
+                          </m:r>
+                        </m:sub>
+                      </m:sSub>
+                    </m:oMath>
+                  </m:oMathPara>
+                </a14:m>
+                <a:endParaRPr lang="en-US" dirty="0"/>
+              </a:p>
+            </p:txBody>
+          </p:sp>
+        </mc:Choice>
+        <mc:Fallback xmlns="">
+          <p:sp>
+            <p:nvSpPr>
+              <p:cNvPr id="49" name="TextBox 48">
+                <a:extLst>
+                  <a:ext uri="{FF2B5EF4-FFF2-40B4-BE49-F238E27FC236}">
+                    <a16:creationId xmlns:a16="http://schemas.microsoft.com/office/drawing/2014/main" id="{2D46CD74-6B53-3C95-224B-B47160265260}"/>
+                  </a:ext>
+                </a:extLst>
+              </p:cNvPr>
+              <p:cNvSpPr txBox="1">
+                <a:spLocks noRot="1" noChangeAspect="1" noMove="1" noResize="1" noEditPoints="1" noAdjustHandles="1" noChangeArrowheads="1" noChangeShapeType="1" noTextEdit="1"/>
+              </p:cNvSpPr>
+              <p:nvPr/>
+            </p:nvSpPr>
+            <p:spPr>
+              <a:xfrm>
+                <a:off x="5921915" y="1806180"/>
+                <a:ext cx="466217" cy="369332"/>
+              </a:xfrm>
+              <a:prstGeom prst="rect">
+                <a:avLst/>
+              </a:prstGeom>
+              <a:blipFill>
+                <a:blip r:embed="rId12"/>
+                <a:stretch>
+                  <a:fillRect b="-13333"/>
+                </a:stretch>
+              </a:blipFill>
+            </p:spPr>
+            <p:txBody>
+              <a:bodyPr/>
+              <a:lstStyle/>
+              <a:p>
+                <a:r>
+                  <a:rPr lang="en-US">
+                    <a:noFill/>
+                  </a:rPr>
+                  <a:t> </a:t>
+                </a:r>
+              </a:p>
+            </p:txBody>
+          </p:sp>
+        </mc:Fallback>
+      </mc:AlternateContent>
+      <p:sp>
+        <p:nvSpPr>
+          <p:cNvPr id="50" name="Rectangle 49">
+            <a:extLst>
+              <a:ext uri="{FF2B5EF4-FFF2-40B4-BE49-F238E27FC236}">
+                <a16:creationId xmlns:a16="http://schemas.microsoft.com/office/drawing/2014/main" id="{928CFA48-2385-7922-ED05-3D83F901BC63}"/>
+              </a:ext>
+            </a:extLst>
+          </p:cNvPr>
+          <p:cNvSpPr/>
+          <p:nvPr/>
+        </p:nvSpPr>
+        <p:spPr>
+          <a:xfrm>
+            <a:off x="5848132" y="1720846"/>
+            <a:ext cx="540000" cy="540000"/>
+          </a:xfrm>
+          <a:prstGeom prst="rect">
+            <a:avLst/>
+          </a:prstGeom>
+          <a:noFill/>
+          <a:ln>
+            <a:solidFill>
+              <a:schemeClr val="tx1"/>
+            </a:solidFill>
+          </a:ln>
+        </p:spPr>
+        <p:style>
+          <a:lnRef idx="2">
+            <a:schemeClr val="accent1">
+              <a:shade val="50000"/>
+            </a:schemeClr>
+          </a:lnRef>
+          <a:fillRef idx="1">
+            <a:schemeClr val="accent1"/>
+          </a:fillRef>
+          <a:effectRef idx="0">
+            <a:schemeClr val="accent1"/>
+          </a:effectRef>
+          <a:fontRef idx="minor">
+            <a:schemeClr val="lt1"/>
+          </a:fontRef>
+        </p:style>
+        <p:txBody>
+          <a:bodyPr rtlCol="0" anchor="ctr"/>
+          <a:lstStyle/>
+          <a:p>
+            <a:pPr algn="ctr"/>
+            <a:endParaRPr lang="en-US"/>
+          </a:p>
+        </p:txBody>
+      </p:sp>
+      <p:cxnSp>
+        <p:nvCxnSpPr>
+          <p:cNvPr id="51" name="Straight Arrow Connector 50">
+            <a:extLst>
+              <a:ext uri="{FF2B5EF4-FFF2-40B4-BE49-F238E27FC236}">
+                <a16:creationId xmlns:a16="http://schemas.microsoft.com/office/drawing/2014/main" id="{768C179F-4B7D-4537-9315-60D005C8A6FE}"/>
+              </a:ext>
+            </a:extLst>
+          </p:cNvPr>
+          <p:cNvCxnSpPr>
+            <a:cxnSpLocks/>
+            <a:stCxn id="50" idx="2"/>
+          </p:cNvCxnSpPr>
+          <p:nvPr/>
+        </p:nvCxnSpPr>
+        <p:spPr>
+          <a:xfrm>
+            <a:off x="6118132" y="2260846"/>
+            <a:ext cx="472427" cy="707235"/>
+          </a:xfrm>
+          <a:prstGeom prst="straightConnector1">
+            <a:avLst/>
+          </a:prstGeom>
+          <a:ln>
+            <a:solidFill>
+              <a:schemeClr val="tx1"/>
+            </a:solidFill>
+            <a:tailEnd type="triangle" w="lg" len="lg"/>
+          </a:ln>
+        </p:spPr>
+        <p:style>
+          <a:lnRef idx="1">
+            <a:schemeClr val="accent1"/>
+          </a:lnRef>
+          <a:fillRef idx="0">
+            <a:schemeClr val="accent1"/>
+          </a:fillRef>
+          <a:effectRef idx="0">
+            <a:schemeClr val="accent1"/>
+          </a:effectRef>
+          <a:fontRef idx="minor">
+            <a:schemeClr val="tx1"/>
+          </a:fontRef>
+        </p:style>
+      </p:cxnSp>
+      <mc:AlternateContent xmlns:mc="http://schemas.openxmlformats.org/markup-compatibility/2006" xmlns:a14="http://schemas.microsoft.com/office/drawing/2010/main">
+        <mc:Choice Requires="a14">
+          <p:sp>
+            <p:nvSpPr>
+              <p:cNvPr id="52" name="TextBox 51">
+                <a:extLst>
+                  <a:ext uri="{FF2B5EF4-FFF2-40B4-BE49-F238E27FC236}">
+                    <a16:creationId xmlns:a16="http://schemas.microsoft.com/office/drawing/2014/main" id="{579847FB-5936-1BEA-B374-337232D091A3}"/>
+                  </a:ext>
+                </a:extLst>
+              </p:cNvPr>
+              <p:cNvSpPr txBox="1"/>
+              <p:nvPr/>
+            </p:nvSpPr>
+            <p:spPr>
+              <a:xfrm>
+                <a:off x="7483417" y="1810106"/>
+                <a:ext cx="466217" cy="369332"/>
+              </a:xfrm>
+              <a:prstGeom prst="rect">
+                <a:avLst/>
+              </a:prstGeom>
+              <a:noFill/>
+            </p:spPr>
+            <p:txBody>
+              <a:bodyPr wrap="square" rtlCol="0">
+                <a:spAutoFit/>
+              </a:bodyPr>
+              <a:lstStyle/>
+              <a:p>
+                <a:pPr/>
+                <a14:m>
+                  <m:oMathPara xmlns:m="http://schemas.openxmlformats.org/officeDocument/2006/math">
+                    <m:oMathParaPr>
+                      <m:jc m:val="centerGroup"/>
+                    </m:oMathParaPr>
+                    <m:oMath xmlns:m="http://schemas.openxmlformats.org/officeDocument/2006/math">
+                      <m:sSub>
+                        <m:sSubPr>
+                          <m:ctrlPr>
+                            <a:rPr lang="en-CA" b="0" i="1" smtClean="0">
+                              <a:latin typeface="Cambria Math" panose="02040503050406030204" pitchFamily="18" charset="0"/>
+                            </a:rPr>
+                          </m:ctrlPr>
+                        </m:sSubPr>
+                        <m:e>
+                          <m:r>
+                            <a:rPr lang="en-CA" b="0" i="1" smtClean="0">
+                              <a:latin typeface="Cambria Math" panose="02040503050406030204" pitchFamily="18" charset="0"/>
+                            </a:rPr>
+                            <m:t>𝜙</m:t>
+                          </m:r>
+                        </m:e>
+                        <m:sub>
+                          <m:r>
+                            <a:rPr lang="en-CA" b="0" i="1" smtClean="0">
+                              <a:latin typeface="Cambria Math" panose="02040503050406030204" pitchFamily="18" charset="0"/>
+                            </a:rPr>
+                            <m:t>7</m:t>
+                          </m:r>
+                        </m:sub>
+                      </m:sSub>
+                    </m:oMath>
+                  </m:oMathPara>
+                </a14:m>
+                <a:endParaRPr lang="en-US" dirty="0"/>
+              </a:p>
+            </p:txBody>
+          </p:sp>
+        </mc:Choice>
+        <mc:Fallback xmlns="">
+          <p:sp>
+            <p:nvSpPr>
+              <p:cNvPr id="52" name="TextBox 51">
+                <a:extLst>
+                  <a:ext uri="{FF2B5EF4-FFF2-40B4-BE49-F238E27FC236}">
+                    <a16:creationId xmlns:a16="http://schemas.microsoft.com/office/drawing/2014/main" id="{579847FB-5936-1BEA-B374-337232D091A3}"/>
+                  </a:ext>
+                </a:extLst>
+              </p:cNvPr>
+              <p:cNvSpPr txBox="1">
+                <a:spLocks noRot="1" noChangeAspect="1" noMove="1" noResize="1" noEditPoints="1" noAdjustHandles="1" noChangeArrowheads="1" noChangeShapeType="1" noTextEdit="1"/>
+              </p:cNvSpPr>
+              <p:nvPr/>
+            </p:nvSpPr>
+            <p:spPr>
+              <a:xfrm>
+                <a:off x="7483417" y="1810106"/>
+                <a:ext cx="466217" cy="369332"/>
+              </a:xfrm>
+              <a:prstGeom prst="rect">
+                <a:avLst/>
+              </a:prstGeom>
+              <a:blipFill>
+                <a:blip r:embed="rId13"/>
+                <a:stretch>
+                  <a:fillRect l="-2703" b="-13333"/>
+                </a:stretch>
+              </a:blipFill>
+            </p:spPr>
+            <p:txBody>
+              <a:bodyPr/>
+              <a:lstStyle/>
+              <a:p>
+                <a:r>
+                  <a:rPr lang="en-US">
+                    <a:noFill/>
+                  </a:rPr>
+                  <a:t> </a:t>
+                </a:r>
+              </a:p>
+            </p:txBody>
+          </p:sp>
+        </mc:Fallback>
+      </mc:AlternateContent>
+      <p:sp>
+        <p:nvSpPr>
+          <p:cNvPr id="53" name="Rectangle 52">
+            <a:extLst>
+              <a:ext uri="{FF2B5EF4-FFF2-40B4-BE49-F238E27FC236}">
+                <a16:creationId xmlns:a16="http://schemas.microsoft.com/office/drawing/2014/main" id="{30A6F96F-5911-7342-E518-EA0700B1986C}"/>
+              </a:ext>
+            </a:extLst>
+          </p:cNvPr>
+          <p:cNvSpPr/>
+          <p:nvPr/>
+        </p:nvSpPr>
+        <p:spPr>
+          <a:xfrm>
+            <a:off x="7409634" y="1724772"/>
+            <a:ext cx="540000" cy="540000"/>
+          </a:xfrm>
+          <a:prstGeom prst="rect">
+            <a:avLst/>
+          </a:prstGeom>
+          <a:noFill/>
+          <a:ln>
+            <a:solidFill>
+              <a:schemeClr val="tx1"/>
+            </a:solidFill>
+          </a:ln>
+        </p:spPr>
+        <p:style>
+          <a:lnRef idx="2">
+            <a:schemeClr val="accent1">
+              <a:shade val="50000"/>
+            </a:schemeClr>
+          </a:lnRef>
+          <a:fillRef idx="1">
+            <a:schemeClr val="accent1"/>
+          </a:fillRef>
+          <a:effectRef idx="0">
+            <a:schemeClr val="accent1"/>
+          </a:effectRef>
+          <a:fontRef idx="minor">
+            <a:schemeClr val="lt1"/>
+          </a:fontRef>
+        </p:style>
+        <p:txBody>
+          <a:bodyPr rtlCol="0" anchor="ctr"/>
+          <a:lstStyle/>
+          <a:p>
+            <a:pPr algn="ctr"/>
+            <a:endParaRPr lang="en-US"/>
+          </a:p>
+        </p:txBody>
+      </p:sp>
+      <p:cxnSp>
+        <p:nvCxnSpPr>
+          <p:cNvPr id="54" name="Straight Arrow Connector 53">
+            <a:extLst>
+              <a:ext uri="{FF2B5EF4-FFF2-40B4-BE49-F238E27FC236}">
+                <a16:creationId xmlns:a16="http://schemas.microsoft.com/office/drawing/2014/main" id="{AD43F07E-7152-FC60-2A63-FDE33806B14D}"/>
+              </a:ext>
+            </a:extLst>
+          </p:cNvPr>
+          <p:cNvCxnSpPr>
+            <a:cxnSpLocks/>
+            <a:stCxn id="53" idx="2"/>
+          </p:cNvCxnSpPr>
+          <p:nvPr/>
+        </p:nvCxnSpPr>
+        <p:spPr>
+          <a:xfrm>
+            <a:off x="7679634" y="2264772"/>
+            <a:ext cx="472427" cy="707235"/>
+          </a:xfrm>
+          <a:prstGeom prst="straightConnector1">
+            <a:avLst/>
+          </a:prstGeom>
+          <a:ln>
+            <a:solidFill>
+              <a:schemeClr val="tx1"/>
+            </a:solidFill>
+            <a:tailEnd type="triangle" w="lg" len="lg"/>
+          </a:ln>
+        </p:spPr>
+        <p:style>
+          <a:lnRef idx="1">
+            <a:schemeClr val="accent1"/>
+          </a:lnRef>
+          <a:fillRef idx="0">
+            <a:schemeClr val="accent1"/>
+          </a:fillRef>
+          <a:effectRef idx="0">
+            <a:schemeClr val="accent1"/>
+          </a:effectRef>
+          <a:fontRef idx="minor">
+            <a:schemeClr val="tx1"/>
+          </a:fontRef>
+        </p:style>
+      </p:cxnSp>
+      <mc:AlternateContent xmlns:mc="http://schemas.openxmlformats.org/markup-compatibility/2006" xmlns:a14="http://schemas.microsoft.com/office/drawing/2010/main">
+        <mc:Choice Requires="a14">
+          <p:sp>
+            <p:nvSpPr>
+              <p:cNvPr id="55" name="TextBox 54">
+                <a:extLst>
+                  <a:ext uri="{FF2B5EF4-FFF2-40B4-BE49-F238E27FC236}">
+                    <a16:creationId xmlns:a16="http://schemas.microsoft.com/office/drawing/2014/main" id="{7B6BD2DD-A129-7C0E-F285-1E2350CE4CED}"/>
+                  </a:ext>
+                </a:extLst>
+              </p:cNvPr>
+              <p:cNvSpPr txBox="1"/>
+              <p:nvPr/>
+            </p:nvSpPr>
+            <p:spPr>
+              <a:xfrm>
+                <a:off x="4693572" y="5274447"/>
+                <a:ext cx="466217" cy="369332"/>
+              </a:xfrm>
+              <a:prstGeom prst="rect">
+                <a:avLst/>
+              </a:prstGeom>
+              <a:noFill/>
+            </p:spPr>
+            <p:txBody>
+              <a:bodyPr wrap="square" rtlCol="0">
+                <a:spAutoFit/>
+              </a:bodyPr>
+              <a:lstStyle/>
+              <a:p>
+                <a:pPr/>
+                <a14:m>
+                  <m:oMathPara xmlns:m="http://schemas.openxmlformats.org/officeDocument/2006/math">
+                    <m:oMathParaPr>
+                      <m:jc m:val="centerGroup"/>
+                    </m:oMathParaPr>
+                    <m:oMath xmlns:m="http://schemas.openxmlformats.org/officeDocument/2006/math">
+                      <m:sSub>
+                        <m:sSubPr>
+                          <m:ctrlPr>
+                            <a:rPr lang="en-CA" b="0" i="1" smtClean="0">
+                              <a:latin typeface="Cambria Math" panose="02040503050406030204" pitchFamily="18" charset="0"/>
+                            </a:rPr>
+                          </m:ctrlPr>
+                        </m:sSubPr>
+                        <m:e>
+                          <m:r>
+                            <a:rPr lang="en-CA" b="0" i="1" smtClean="0">
+                              <a:latin typeface="Cambria Math" panose="02040503050406030204" pitchFamily="18" charset="0"/>
+                            </a:rPr>
+                            <m:t>𝑝</m:t>
+                          </m:r>
+                        </m:e>
+                        <m:sub>
+                          <m:r>
+                            <a:rPr lang="en-CA" b="0" i="1" smtClean="0">
+                              <a:latin typeface="Cambria Math" panose="02040503050406030204" pitchFamily="18" charset="0"/>
+                            </a:rPr>
+                            <m:t>1</m:t>
+                          </m:r>
+                        </m:sub>
+                      </m:sSub>
+                    </m:oMath>
+                  </m:oMathPara>
+                </a14:m>
+                <a:endParaRPr lang="en-US" dirty="0"/>
+              </a:p>
+            </p:txBody>
+          </p:sp>
+        </mc:Choice>
+        <mc:Fallback xmlns="">
+          <p:sp>
+            <p:nvSpPr>
+              <p:cNvPr id="55" name="TextBox 54">
+                <a:extLst>
+                  <a:ext uri="{FF2B5EF4-FFF2-40B4-BE49-F238E27FC236}">
+                    <a16:creationId xmlns:a16="http://schemas.microsoft.com/office/drawing/2014/main" id="{7B6BD2DD-A129-7C0E-F285-1E2350CE4CED}"/>
+                  </a:ext>
+                </a:extLst>
+              </p:cNvPr>
+              <p:cNvSpPr txBox="1">
+                <a:spLocks noRot="1" noChangeAspect="1" noMove="1" noResize="1" noEditPoints="1" noAdjustHandles="1" noChangeArrowheads="1" noChangeShapeType="1" noTextEdit="1"/>
+              </p:cNvSpPr>
+              <p:nvPr/>
+            </p:nvSpPr>
+            <p:spPr>
+              <a:xfrm>
+                <a:off x="4693572" y="5274447"/>
+                <a:ext cx="466217" cy="369332"/>
+              </a:xfrm>
+              <a:prstGeom prst="rect">
+                <a:avLst/>
+              </a:prstGeom>
+              <a:blipFill>
+                <a:blip r:embed="rId14"/>
+                <a:stretch>
+                  <a:fillRect b="-6667"/>
+                </a:stretch>
+              </a:blipFill>
+            </p:spPr>
+            <p:txBody>
+              <a:bodyPr/>
+              <a:lstStyle/>
+              <a:p>
+                <a:r>
+                  <a:rPr lang="en-US">
+                    <a:noFill/>
+                  </a:rPr>
+                  <a:t> </a:t>
+                </a:r>
+              </a:p>
+            </p:txBody>
+          </p:sp>
+        </mc:Fallback>
+      </mc:AlternateContent>
+      <p:sp>
+        <p:nvSpPr>
+          <p:cNvPr id="56" name="Rectangle 55">
+            <a:extLst>
+              <a:ext uri="{FF2B5EF4-FFF2-40B4-BE49-F238E27FC236}">
+                <a16:creationId xmlns:a16="http://schemas.microsoft.com/office/drawing/2014/main" id="{C8BF97B7-DA0E-3BAC-ADF9-0E22E4DC10F2}"/>
+              </a:ext>
+            </a:extLst>
+          </p:cNvPr>
+          <p:cNvSpPr/>
+          <p:nvPr/>
+        </p:nvSpPr>
+        <p:spPr>
+          <a:xfrm>
+            <a:off x="4619789" y="5189113"/>
+            <a:ext cx="540000" cy="540000"/>
+          </a:xfrm>
+          <a:prstGeom prst="rect">
+            <a:avLst/>
+          </a:prstGeom>
+          <a:noFill/>
+          <a:ln>
+            <a:solidFill>
+              <a:schemeClr val="tx1"/>
+            </a:solidFill>
+          </a:ln>
+        </p:spPr>
+        <p:style>
+          <a:lnRef idx="2">
+            <a:schemeClr val="accent1">
+              <a:shade val="50000"/>
+            </a:schemeClr>
+          </a:lnRef>
+          <a:fillRef idx="1">
+            <a:schemeClr val="accent1"/>
+          </a:fillRef>
+          <a:effectRef idx="0">
+            <a:schemeClr val="accent1"/>
+          </a:effectRef>
+          <a:fontRef idx="minor">
+            <a:schemeClr val="lt1"/>
+          </a:fontRef>
+        </p:style>
+        <p:txBody>
+          <a:bodyPr rtlCol="0" anchor="ctr"/>
+          <a:lstStyle/>
+          <a:p>
+            <a:pPr algn="ctr"/>
+            <a:endParaRPr lang="en-US"/>
+          </a:p>
+        </p:txBody>
+      </p:sp>
+      <p:cxnSp>
+        <p:nvCxnSpPr>
+          <p:cNvPr id="57" name="Straight Arrow Connector 56">
+            <a:extLst>
+              <a:ext uri="{FF2B5EF4-FFF2-40B4-BE49-F238E27FC236}">
+                <a16:creationId xmlns:a16="http://schemas.microsoft.com/office/drawing/2014/main" id="{108ECCFC-09FB-2775-4F4B-14085192D3F4}"/>
+              </a:ext>
+            </a:extLst>
+          </p:cNvPr>
+          <p:cNvCxnSpPr>
+            <a:cxnSpLocks/>
+            <a:stCxn id="56" idx="0"/>
+            <a:endCxn id="2" idx="4"/>
+          </p:cNvCxnSpPr>
+          <p:nvPr/>
+        </p:nvCxnSpPr>
+        <p:spPr>
+          <a:xfrm flipV="1">
+            <a:off x="4889789" y="4590623"/>
+            <a:ext cx="2867" cy="598490"/>
+          </a:xfrm>
+          <a:prstGeom prst="straightConnector1">
+            <a:avLst/>
+          </a:prstGeom>
+          <a:ln>
+            <a:solidFill>
+              <a:schemeClr val="tx1"/>
+            </a:solidFill>
+            <a:tailEnd type="triangle" w="lg" len="lg"/>
+          </a:ln>
+        </p:spPr>
+        <p:style>
+          <a:lnRef idx="1">
+            <a:schemeClr val="accent1"/>
+          </a:lnRef>
+          <a:fillRef idx="0">
+            <a:schemeClr val="accent1"/>
+          </a:fillRef>
+          <a:effectRef idx="0">
+            <a:schemeClr val="accent1"/>
+          </a:effectRef>
+          <a:fontRef idx="minor">
+            <a:schemeClr val="tx1"/>
+          </a:fontRef>
+        </p:style>
+      </p:cxnSp>
+      <mc:AlternateContent xmlns:mc="http://schemas.openxmlformats.org/markup-compatibility/2006" xmlns:a14="http://schemas.microsoft.com/office/drawing/2010/main">
+        <mc:Choice Requires="a14">
+          <p:sp>
+            <p:nvSpPr>
+              <p:cNvPr id="67" name="TextBox 66">
+                <a:extLst>
+                  <a:ext uri="{FF2B5EF4-FFF2-40B4-BE49-F238E27FC236}">
+                    <a16:creationId xmlns:a16="http://schemas.microsoft.com/office/drawing/2014/main" id="{6EBF0153-2220-0543-18AE-062EE54CE097}"/>
+                  </a:ext>
+                </a:extLst>
+              </p:cNvPr>
+              <p:cNvSpPr txBox="1"/>
+              <p:nvPr/>
+            </p:nvSpPr>
+            <p:spPr>
+              <a:xfrm>
+                <a:off x="5631786" y="5269237"/>
+                <a:ext cx="466217" cy="369332"/>
+              </a:xfrm>
+              <a:prstGeom prst="rect">
+                <a:avLst/>
+              </a:prstGeom>
+              <a:noFill/>
+            </p:spPr>
+            <p:txBody>
+              <a:bodyPr wrap="square" rtlCol="0">
+                <a:spAutoFit/>
+              </a:bodyPr>
+              <a:lstStyle/>
+              <a:p>
+                <a:pPr/>
+                <a14:m>
+                  <m:oMathPara xmlns:m="http://schemas.openxmlformats.org/officeDocument/2006/math">
+                    <m:oMathParaPr>
+                      <m:jc m:val="centerGroup"/>
+                    </m:oMathParaPr>
+                    <m:oMath xmlns:m="http://schemas.openxmlformats.org/officeDocument/2006/math">
+                      <m:sSub>
+                        <m:sSubPr>
+                          <m:ctrlPr>
+                            <a:rPr lang="en-CA" b="0" i="1" smtClean="0">
+                              <a:latin typeface="Cambria Math" panose="02040503050406030204" pitchFamily="18" charset="0"/>
+                            </a:rPr>
+                          </m:ctrlPr>
+                        </m:sSubPr>
+                        <m:e>
+                          <m:r>
+                            <a:rPr lang="en-CA" b="0" i="1" smtClean="0">
+                              <a:latin typeface="Cambria Math" panose="02040503050406030204" pitchFamily="18" charset="0"/>
+                            </a:rPr>
+                            <m:t>𝑝</m:t>
+                          </m:r>
+                        </m:e>
+                        <m:sub>
+                          <m:r>
+                            <a:rPr lang="en-CA" b="0" i="1" smtClean="0">
+                              <a:latin typeface="Cambria Math" panose="02040503050406030204" pitchFamily="18" charset="0"/>
+                            </a:rPr>
+                            <m:t>2</m:t>
+                          </m:r>
+                        </m:sub>
+                      </m:sSub>
+                    </m:oMath>
+                  </m:oMathPara>
+                </a14:m>
+                <a:endParaRPr lang="en-US" dirty="0"/>
+              </a:p>
+            </p:txBody>
+          </p:sp>
+        </mc:Choice>
+        <mc:Fallback xmlns="">
+          <p:sp>
+            <p:nvSpPr>
+              <p:cNvPr id="67" name="TextBox 66">
+                <a:extLst>
+                  <a:ext uri="{FF2B5EF4-FFF2-40B4-BE49-F238E27FC236}">
+                    <a16:creationId xmlns:a16="http://schemas.microsoft.com/office/drawing/2014/main" id="{6EBF0153-2220-0543-18AE-062EE54CE097}"/>
+                  </a:ext>
+                </a:extLst>
+              </p:cNvPr>
+              <p:cNvSpPr txBox="1">
+                <a:spLocks noRot="1" noChangeAspect="1" noMove="1" noResize="1" noEditPoints="1" noAdjustHandles="1" noChangeArrowheads="1" noChangeShapeType="1" noTextEdit="1"/>
+              </p:cNvSpPr>
+              <p:nvPr/>
+            </p:nvSpPr>
+            <p:spPr>
+              <a:xfrm>
+                <a:off x="5631786" y="5269237"/>
+                <a:ext cx="466217" cy="369332"/>
+              </a:xfrm>
+              <a:prstGeom prst="rect">
+                <a:avLst/>
+              </a:prstGeom>
+              <a:blipFill>
+                <a:blip r:embed="rId15"/>
+                <a:stretch>
+                  <a:fillRect b="-6452"/>
+                </a:stretch>
+              </a:blipFill>
+            </p:spPr>
+            <p:txBody>
+              <a:bodyPr/>
+              <a:lstStyle/>
+              <a:p>
+                <a:r>
+                  <a:rPr lang="en-US">
+                    <a:noFill/>
+                  </a:rPr>
+                  <a:t> </a:t>
+                </a:r>
+              </a:p>
+            </p:txBody>
+          </p:sp>
+        </mc:Fallback>
+      </mc:AlternateContent>
+      <p:sp>
+        <p:nvSpPr>
+          <p:cNvPr id="68" name="Rectangle 67">
+            <a:extLst>
+              <a:ext uri="{FF2B5EF4-FFF2-40B4-BE49-F238E27FC236}">
+                <a16:creationId xmlns:a16="http://schemas.microsoft.com/office/drawing/2014/main" id="{350B80D3-12D5-3885-F7FC-C92A0AC9C39A}"/>
+              </a:ext>
+            </a:extLst>
+          </p:cNvPr>
+          <p:cNvSpPr/>
+          <p:nvPr/>
+        </p:nvSpPr>
+        <p:spPr>
+          <a:xfrm>
+            <a:off x="5558003" y="5183903"/>
+            <a:ext cx="540000" cy="540000"/>
+          </a:xfrm>
+          <a:prstGeom prst="rect">
+            <a:avLst/>
+          </a:prstGeom>
+          <a:noFill/>
+          <a:ln>
+            <a:solidFill>
+              <a:schemeClr val="tx1"/>
+            </a:solidFill>
+          </a:ln>
+        </p:spPr>
+        <p:style>
+          <a:lnRef idx="2">
+            <a:schemeClr val="accent1">
+              <a:shade val="50000"/>
+            </a:schemeClr>
+          </a:lnRef>
+          <a:fillRef idx="1">
+            <a:schemeClr val="accent1"/>
+          </a:fillRef>
+          <a:effectRef idx="0">
+            <a:schemeClr val="accent1"/>
+          </a:effectRef>
+          <a:fontRef idx="minor">
+            <a:schemeClr val="lt1"/>
+          </a:fontRef>
+        </p:style>
+        <p:txBody>
+          <a:bodyPr rtlCol="0" anchor="ctr"/>
+          <a:lstStyle/>
+          <a:p>
+            <a:pPr algn="ctr"/>
+            <a:endParaRPr lang="en-US"/>
+          </a:p>
+        </p:txBody>
+      </p:sp>
+      <p:cxnSp>
+        <p:nvCxnSpPr>
+          <p:cNvPr id="69" name="Straight Arrow Connector 68">
+            <a:extLst>
+              <a:ext uri="{FF2B5EF4-FFF2-40B4-BE49-F238E27FC236}">
+                <a16:creationId xmlns:a16="http://schemas.microsoft.com/office/drawing/2014/main" id="{659AADFC-3177-2A1B-E74E-648EC36B0D0D}"/>
+              </a:ext>
+            </a:extLst>
+          </p:cNvPr>
+          <p:cNvCxnSpPr>
+            <a:cxnSpLocks/>
+            <a:stCxn id="68" idx="0"/>
+          </p:cNvCxnSpPr>
+          <p:nvPr/>
+        </p:nvCxnSpPr>
+        <p:spPr>
+          <a:xfrm flipV="1">
+            <a:off x="5828003" y="4585413"/>
+            <a:ext cx="2867" cy="598490"/>
+          </a:xfrm>
+          <a:prstGeom prst="straightConnector1">
+            <a:avLst/>
+          </a:prstGeom>
+          <a:ln>
+            <a:solidFill>
+              <a:schemeClr val="tx1"/>
+            </a:solidFill>
+            <a:tailEnd type="triangle" w="lg" len="lg"/>
+          </a:ln>
+        </p:spPr>
+        <p:style>
+          <a:lnRef idx="1">
+            <a:schemeClr val="accent1"/>
+          </a:lnRef>
+          <a:fillRef idx="0">
+            <a:schemeClr val="accent1"/>
+          </a:fillRef>
+          <a:effectRef idx="0">
+            <a:schemeClr val="accent1"/>
+          </a:effectRef>
+          <a:fontRef idx="minor">
+            <a:schemeClr val="tx1"/>
+          </a:fontRef>
+        </p:style>
+      </p:cxnSp>
+      <mc:AlternateContent xmlns:mc="http://schemas.openxmlformats.org/markup-compatibility/2006" xmlns:a14="http://schemas.microsoft.com/office/drawing/2010/main">
+        <mc:Choice Requires="a14">
+          <p:sp>
+            <p:nvSpPr>
+              <p:cNvPr id="70" name="TextBox 69">
+                <a:extLst>
+                  <a:ext uri="{FF2B5EF4-FFF2-40B4-BE49-F238E27FC236}">
+                    <a16:creationId xmlns:a16="http://schemas.microsoft.com/office/drawing/2014/main" id="{EAE7D4FE-300E-D92E-C5BA-DA0CCA28045D}"/>
+                  </a:ext>
+                </a:extLst>
+              </p:cNvPr>
+              <p:cNvSpPr txBox="1"/>
+              <p:nvPr/>
+            </p:nvSpPr>
+            <p:spPr>
+              <a:xfrm>
+                <a:off x="6570000" y="5278373"/>
+                <a:ext cx="466217" cy="369332"/>
+              </a:xfrm>
+              <a:prstGeom prst="rect">
+                <a:avLst/>
+              </a:prstGeom>
+              <a:noFill/>
+            </p:spPr>
+            <p:txBody>
+              <a:bodyPr wrap="square" rtlCol="0">
+                <a:spAutoFit/>
+              </a:bodyPr>
+              <a:lstStyle/>
+              <a:p>
+                <a:pPr/>
+                <a14:m>
+                  <m:oMathPara xmlns:m="http://schemas.openxmlformats.org/officeDocument/2006/math">
+                    <m:oMathParaPr>
+                      <m:jc m:val="centerGroup"/>
+                    </m:oMathParaPr>
+                    <m:oMath xmlns:m="http://schemas.openxmlformats.org/officeDocument/2006/math">
+                      <m:sSub>
+                        <m:sSubPr>
+                          <m:ctrlPr>
+                            <a:rPr lang="en-CA" b="0" i="1" smtClean="0">
+                              <a:latin typeface="Cambria Math" panose="02040503050406030204" pitchFamily="18" charset="0"/>
+                            </a:rPr>
+                          </m:ctrlPr>
+                        </m:sSubPr>
+                        <m:e>
+                          <m:r>
+                            <a:rPr lang="en-CA" b="0" i="1" smtClean="0">
+                              <a:latin typeface="Cambria Math" panose="02040503050406030204" pitchFamily="18" charset="0"/>
+                            </a:rPr>
+                            <m:t>𝑝</m:t>
+                          </m:r>
+                        </m:e>
+                        <m:sub>
+                          <m:r>
+                            <a:rPr lang="en-CA" b="0" i="1" smtClean="0">
+                              <a:latin typeface="Cambria Math" panose="02040503050406030204" pitchFamily="18" charset="0"/>
+                            </a:rPr>
+                            <m:t>3</m:t>
+                          </m:r>
+                        </m:sub>
+                      </m:sSub>
+                    </m:oMath>
+                  </m:oMathPara>
+                </a14:m>
+                <a:endParaRPr lang="en-US" dirty="0"/>
+              </a:p>
+            </p:txBody>
+          </p:sp>
+        </mc:Choice>
+        <mc:Fallback xmlns="">
+          <p:sp>
+            <p:nvSpPr>
+              <p:cNvPr id="70" name="TextBox 69">
+                <a:extLst>
+                  <a:ext uri="{FF2B5EF4-FFF2-40B4-BE49-F238E27FC236}">
+                    <a16:creationId xmlns:a16="http://schemas.microsoft.com/office/drawing/2014/main" id="{EAE7D4FE-300E-D92E-C5BA-DA0CCA28045D}"/>
+                  </a:ext>
+                </a:extLst>
+              </p:cNvPr>
+              <p:cNvSpPr txBox="1">
+                <a:spLocks noRot="1" noChangeAspect="1" noMove="1" noResize="1" noEditPoints="1" noAdjustHandles="1" noChangeArrowheads="1" noChangeShapeType="1" noTextEdit="1"/>
+              </p:cNvSpPr>
+              <p:nvPr/>
+            </p:nvSpPr>
+            <p:spPr>
+              <a:xfrm>
+                <a:off x="6570000" y="5278373"/>
+                <a:ext cx="466217" cy="369332"/>
+              </a:xfrm>
+              <a:prstGeom prst="rect">
+                <a:avLst/>
+              </a:prstGeom>
+              <a:blipFill>
+                <a:blip r:embed="rId16"/>
+                <a:stretch>
+                  <a:fillRect b="-6667"/>
+                </a:stretch>
+              </a:blipFill>
+            </p:spPr>
+            <p:txBody>
+              <a:bodyPr/>
+              <a:lstStyle/>
+              <a:p>
+                <a:r>
+                  <a:rPr lang="en-US">
+                    <a:noFill/>
+                  </a:rPr>
+                  <a:t> </a:t>
+                </a:r>
+              </a:p>
+            </p:txBody>
+          </p:sp>
+        </mc:Fallback>
+      </mc:AlternateContent>
+      <p:sp>
+        <p:nvSpPr>
+          <p:cNvPr id="71" name="Rectangle 70">
+            <a:extLst>
+              <a:ext uri="{FF2B5EF4-FFF2-40B4-BE49-F238E27FC236}">
+                <a16:creationId xmlns:a16="http://schemas.microsoft.com/office/drawing/2014/main" id="{B3A53B54-E451-EC79-2ECD-B85AB23ABF03}"/>
+              </a:ext>
+            </a:extLst>
+          </p:cNvPr>
+          <p:cNvSpPr/>
+          <p:nvPr/>
+        </p:nvSpPr>
+        <p:spPr>
+          <a:xfrm>
+            <a:off x="6496217" y="5193039"/>
+            <a:ext cx="540000" cy="540000"/>
+          </a:xfrm>
+          <a:prstGeom prst="rect">
+            <a:avLst/>
+          </a:prstGeom>
+          <a:noFill/>
+          <a:ln>
+            <a:solidFill>
+              <a:schemeClr val="tx1"/>
+            </a:solidFill>
+          </a:ln>
+        </p:spPr>
+        <p:style>
+          <a:lnRef idx="2">
+            <a:schemeClr val="accent1">
+              <a:shade val="50000"/>
+            </a:schemeClr>
+          </a:lnRef>
+          <a:fillRef idx="1">
+            <a:schemeClr val="accent1"/>
+          </a:fillRef>
+          <a:effectRef idx="0">
+            <a:schemeClr val="accent1"/>
+          </a:effectRef>
+          <a:fontRef idx="minor">
+            <a:schemeClr val="lt1"/>
+          </a:fontRef>
+        </p:style>
+        <p:txBody>
+          <a:bodyPr rtlCol="0" anchor="ctr"/>
+          <a:lstStyle/>
+          <a:p>
+            <a:pPr algn="ctr"/>
+            <a:endParaRPr lang="en-US"/>
+          </a:p>
+        </p:txBody>
+      </p:sp>
+      <p:cxnSp>
+        <p:nvCxnSpPr>
+          <p:cNvPr id="72" name="Straight Arrow Connector 71">
+            <a:extLst>
+              <a:ext uri="{FF2B5EF4-FFF2-40B4-BE49-F238E27FC236}">
+                <a16:creationId xmlns:a16="http://schemas.microsoft.com/office/drawing/2014/main" id="{813C19E3-0F44-F9D5-0625-D95599E18F86}"/>
+              </a:ext>
+            </a:extLst>
+          </p:cNvPr>
+          <p:cNvCxnSpPr>
+            <a:cxnSpLocks/>
+            <a:stCxn id="71" idx="0"/>
+          </p:cNvCxnSpPr>
+          <p:nvPr/>
+        </p:nvCxnSpPr>
+        <p:spPr>
+          <a:xfrm flipV="1">
+            <a:off x="6766217" y="4594549"/>
+            <a:ext cx="2867" cy="598490"/>
+          </a:xfrm>
+          <a:prstGeom prst="straightConnector1">
+            <a:avLst/>
+          </a:prstGeom>
+          <a:ln>
+            <a:solidFill>
+              <a:schemeClr val="tx1"/>
+            </a:solidFill>
+            <a:tailEnd type="triangle" w="lg" len="lg"/>
+          </a:ln>
+        </p:spPr>
+        <p:style>
+          <a:lnRef idx="1">
+            <a:schemeClr val="accent1"/>
+          </a:lnRef>
+          <a:fillRef idx="0">
+            <a:schemeClr val="accent1"/>
+          </a:fillRef>
+          <a:effectRef idx="0">
+            <a:schemeClr val="accent1"/>
+          </a:effectRef>
+          <a:fontRef idx="minor">
+            <a:schemeClr val="tx1"/>
+          </a:fontRef>
+        </p:style>
+      </p:cxnSp>
+      <mc:AlternateContent xmlns:mc="http://schemas.openxmlformats.org/markup-compatibility/2006" xmlns:a14="http://schemas.microsoft.com/office/drawing/2010/main">
+        <mc:Choice Requires="a14">
+          <p:sp>
+            <p:nvSpPr>
+              <p:cNvPr id="73" name="TextBox 72">
+                <a:extLst>
+                  <a:ext uri="{FF2B5EF4-FFF2-40B4-BE49-F238E27FC236}">
+                    <a16:creationId xmlns:a16="http://schemas.microsoft.com/office/drawing/2014/main" id="{3B305C2B-8326-FC60-28A8-9976D93F3324}"/>
+                  </a:ext>
+                </a:extLst>
+              </p:cNvPr>
+              <p:cNvSpPr txBox="1"/>
+              <p:nvPr/>
+            </p:nvSpPr>
+            <p:spPr>
+              <a:xfrm>
+                <a:off x="8145685" y="5286915"/>
+                <a:ext cx="466217" cy="369332"/>
+              </a:xfrm>
+              <a:prstGeom prst="rect">
+                <a:avLst/>
+              </a:prstGeom>
+              <a:noFill/>
+            </p:spPr>
+            <p:txBody>
+              <a:bodyPr wrap="square" rtlCol="0">
+                <a:spAutoFit/>
+              </a:bodyPr>
+              <a:lstStyle/>
+              <a:p>
+                <a:pPr/>
+                <a14:m>
+                  <m:oMathPara xmlns:m="http://schemas.openxmlformats.org/officeDocument/2006/math">
+                    <m:oMathParaPr>
+                      <m:jc m:val="centerGroup"/>
+                    </m:oMathParaPr>
+                    <m:oMath xmlns:m="http://schemas.openxmlformats.org/officeDocument/2006/math">
+                      <m:sSub>
+                        <m:sSubPr>
+                          <m:ctrlPr>
+                            <a:rPr lang="en-CA" b="0" i="1" smtClean="0">
+                              <a:latin typeface="Cambria Math" panose="02040503050406030204" pitchFamily="18" charset="0"/>
+                            </a:rPr>
+                          </m:ctrlPr>
+                        </m:sSubPr>
+                        <m:e>
+                          <m:r>
+                            <a:rPr lang="en-CA" b="0" i="1" smtClean="0">
+                              <a:latin typeface="Cambria Math" panose="02040503050406030204" pitchFamily="18" charset="0"/>
+                            </a:rPr>
+                            <m:t>𝑝</m:t>
+                          </m:r>
+                        </m:e>
+                        <m:sub>
+                          <m:r>
+                            <a:rPr lang="en-CA" b="0" i="1" smtClean="0">
+                              <a:latin typeface="Cambria Math" panose="02040503050406030204" pitchFamily="18" charset="0"/>
+                            </a:rPr>
+                            <m:t>7</m:t>
+                          </m:r>
+                        </m:sub>
+                      </m:sSub>
+                    </m:oMath>
+                  </m:oMathPara>
+                </a14:m>
+                <a:endParaRPr lang="en-US" dirty="0"/>
+              </a:p>
+            </p:txBody>
+          </p:sp>
+        </mc:Choice>
+        <mc:Fallback xmlns="">
+          <p:sp>
+            <p:nvSpPr>
+              <p:cNvPr id="73" name="TextBox 72">
+                <a:extLst>
+                  <a:ext uri="{FF2B5EF4-FFF2-40B4-BE49-F238E27FC236}">
+                    <a16:creationId xmlns:a16="http://schemas.microsoft.com/office/drawing/2014/main" id="{3B305C2B-8326-FC60-28A8-9976D93F3324}"/>
+                  </a:ext>
+                </a:extLst>
+              </p:cNvPr>
+              <p:cNvSpPr txBox="1">
+                <a:spLocks noRot="1" noChangeAspect="1" noMove="1" noResize="1" noEditPoints="1" noAdjustHandles="1" noChangeArrowheads="1" noChangeShapeType="1" noTextEdit="1"/>
+              </p:cNvSpPr>
+              <p:nvPr/>
+            </p:nvSpPr>
+            <p:spPr>
+              <a:xfrm>
+                <a:off x="8145685" y="5286915"/>
+                <a:ext cx="466217" cy="369332"/>
+              </a:xfrm>
+              <a:prstGeom prst="rect">
+                <a:avLst/>
+              </a:prstGeom>
+              <a:blipFill>
+                <a:blip r:embed="rId17"/>
+                <a:stretch>
+                  <a:fillRect b="-6667"/>
+                </a:stretch>
+              </a:blipFill>
+            </p:spPr>
+            <p:txBody>
+              <a:bodyPr/>
+              <a:lstStyle/>
+              <a:p>
+                <a:r>
+                  <a:rPr lang="en-US">
+                    <a:noFill/>
+                  </a:rPr>
+                  <a:t> </a:t>
+                </a:r>
+              </a:p>
+            </p:txBody>
+          </p:sp>
+        </mc:Fallback>
+      </mc:AlternateContent>
+      <p:sp>
+        <p:nvSpPr>
+          <p:cNvPr id="74" name="Rectangle 73">
+            <a:extLst>
+              <a:ext uri="{FF2B5EF4-FFF2-40B4-BE49-F238E27FC236}">
+                <a16:creationId xmlns:a16="http://schemas.microsoft.com/office/drawing/2014/main" id="{6D65F5CD-76E4-77FA-5291-28C92BB7DBDC}"/>
+              </a:ext>
+            </a:extLst>
+          </p:cNvPr>
+          <p:cNvSpPr/>
+          <p:nvPr/>
+        </p:nvSpPr>
+        <p:spPr>
+          <a:xfrm>
+            <a:off x="8071902" y="5201581"/>
+            <a:ext cx="540000" cy="540000"/>
+          </a:xfrm>
+          <a:prstGeom prst="rect">
+            <a:avLst/>
+          </a:prstGeom>
+          <a:noFill/>
+          <a:ln>
+            <a:solidFill>
+              <a:schemeClr val="tx1"/>
+            </a:solidFill>
+          </a:ln>
+        </p:spPr>
+        <p:style>
+          <a:lnRef idx="2">
+            <a:schemeClr val="accent1">
+              <a:shade val="50000"/>
+            </a:schemeClr>
+          </a:lnRef>
+          <a:fillRef idx="1">
+            <a:schemeClr val="accent1"/>
+          </a:fillRef>
+          <a:effectRef idx="0">
+            <a:schemeClr val="accent1"/>
+          </a:effectRef>
+          <a:fontRef idx="minor">
+            <a:schemeClr val="lt1"/>
+          </a:fontRef>
+        </p:style>
+        <p:txBody>
+          <a:bodyPr rtlCol="0" anchor="ctr"/>
+          <a:lstStyle/>
+          <a:p>
+            <a:pPr algn="ctr"/>
+            <a:endParaRPr lang="en-US"/>
+          </a:p>
+        </p:txBody>
+      </p:sp>
+      <p:cxnSp>
+        <p:nvCxnSpPr>
+          <p:cNvPr id="75" name="Straight Arrow Connector 74">
+            <a:extLst>
+              <a:ext uri="{FF2B5EF4-FFF2-40B4-BE49-F238E27FC236}">
+                <a16:creationId xmlns:a16="http://schemas.microsoft.com/office/drawing/2014/main" id="{9E043008-F0AC-CBFC-311C-CE97BD96FAA7}"/>
+              </a:ext>
+            </a:extLst>
+          </p:cNvPr>
+          <p:cNvCxnSpPr>
+            <a:cxnSpLocks/>
+            <a:stCxn id="74" idx="0"/>
+          </p:cNvCxnSpPr>
+          <p:nvPr/>
+        </p:nvCxnSpPr>
+        <p:spPr>
+          <a:xfrm flipV="1">
+            <a:off x="8341902" y="4603091"/>
+            <a:ext cx="2867" cy="598490"/>
+          </a:xfrm>
+          <a:prstGeom prst="straightConnector1">
+            <a:avLst/>
+          </a:prstGeom>
+          <a:ln>
+            <a:solidFill>
+              <a:schemeClr val="tx1"/>
+            </a:solidFill>
+            <a:tailEnd type="triangle" w="lg" len="lg"/>
+          </a:ln>
+        </p:spPr>
+        <p:style>
+          <a:lnRef idx="1">
+            <a:schemeClr val="accent1"/>
+          </a:lnRef>
+          <a:fillRef idx="0">
+            <a:schemeClr val="accent1"/>
+          </a:fillRef>
+          <a:effectRef idx="0">
+            <a:schemeClr val="accent1"/>
+          </a:effectRef>
+          <a:fontRef idx="minor">
+            <a:schemeClr val="tx1"/>
+          </a:fontRef>
+        </p:style>
+      </p:cxnSp>
+      <p:sp>
+        <p:nvSpPr>
+          <p:cNvPr id="76" name="TextBox 75">
+            <a:extLst>
+              <a:ext uri="{FF2B5EF4-FFF2-40B4-BE49-F238E27FC236}">
+                <a16:creationId xmlns:a16="http://schemas.microsoft.com/office/drawing/2014/main" id="{2FD33B5E-4CC6-7574-F3D6-78E3636BCEAB}"/>
+              </a:ext>
+            </a:extLst>
+          </p:cNvPr>
+          <p:cNvSpPr txBox="1"/>
+          <p:nvPr/>
+        </p:nvSpPr>
+        <p:spPr>
+          <a:xfrm>
+            <a:off x="7400560" y="2902816"/>
+            <a:ext cx="343364" cy="369332"/>
+          </a:xfrm>
+          <a:prstGeom prst="rect">
+            <a:avLst/>
+          </a:prstGeom>
+          <a:noFill/>
+        </p:spPr>
+        <p:txBody>
+          <a:bodyPr wrap="none" rtlCol="0">
+            <a:spAutoFit/>
+          </a:bodyPr>
+          <a:lstStyle/>
+          <a:p>
+            <a:r>
+              <a:rPr lang="en-US" dirty="0"/>
+              <a:t>…</a:t>
+            </a:r>
+          </a:p>
+        </p:txBody>
+      </p:sp>
+    </p:spTree>
+    <p:extLst>
+      <p:ext uri="{BB962C8B-B14F-4D97-AF65-F5344CB8AC3E}">
+        <p14:creationId xmlns:p14="http://schemas.microsoft.com/office/powerpoint/2010/main" val="1662873240"/>
       </p:ext>
     </p:extLst>
   </p:cSld>

--- a/Figures/jags_for_ecologists_figures.pptx
+++ b/Figures/jags_for_ecologists_figures.pptx
@@ -10,6 +10,7 @@
     <p:sldId id="259" r:id="rId4"/>
     <p:sldId id="260" r:id="rId5"/>
     <p:sldId id="258" r:id="rId6"/>
+    <p:sldId id="261" r:id="rId7"/>
   </p:sldIdLst>
   <p:sldSz cx="12192000" cy="6858000"/>
   <p:notesSz cx="6858000" cy="9144000"/>
@@ -119,7 +120,7 @@
 <file path=ppt/revisionInfo.xml><?xml version="1.0" encoding="utf-8"?>
 <p1510:revInfo xmlns:a="http://schemas.openxmlformats.org/drawingml/2006/main" xmlns:r="http://schemas.openxmlformats.org/officeDocument/2006/relationships" xmlns:p1510="http://schemas.microsoft.com/office/powerpoint/2015/10/main">
   <p1510:revLst>
-    <p1510:client id="{21C03C2C-B54E-0141-9F1A-D4B48D7F07BB}" v="190" dt="2023-03-02T03:06:05.519"/>
+    <p1510:client id="{21C03C2C-B54E-0141-9F1A-D4B48D7F07BB}" v="225" dt="2023-03-04T13:59:06.736"/>
   </p1510:revLst>
 </p1510:revInfo>
 </file>
@@ -281,7 +282,7 @@
   <pc:docChgLst>
     <pc:chgData name="Simon Bonner" userId="c968d0cc-44b1-4a19-b224-50fd2dc43281" providerId="ADAL" clId="{21C03C2C-B54E-0141-9F1A-D4B48D7F07BB}"/>
     <pc:docChg chg="undo redo custSel addSld delSld modSld">
-      <pc:chgData name="Simon Bonner" userId="c968d0cc-44b1-4a19-b224-50fd2dc43281" providerId="ADAL" clId="{21C03C2C-B54E-0141-9F1A-D4B48D7F07BB}" dt="2023-03-02T03:06:05.519" v="313" actId="767"/>
+      <pc:chgData name="Simon Bonner" userId="c968d0cc-44b1-4a19-b224-50fd2dc43281" providerId="ADAL" clId="{21C03C2C-B54E-0141-9F1A-D4B48D7F07BB}" dt="2023-03-04T13:59:13.160" v="378" actId="14100"/>
       <pc:docMkLst>
         <pc:docMk/>
       </pc:docMkLst>
@@ -1292,6 +1293,469 @@
             <pc:docMk/>
             <pc:sldMk cId="2999972348" sldId="260"/>
             <ac:cxnSpMk id="11" creationId="{F02ABABD-445D-DCA6-A9C8-B960B0B42630}"/>
+          </ac:cxnSpMkLst>
+        </pc:cxnChg>
+      </pc:sldChg>
+      <pc:sldChg chg="addSp delSp modSp add mod">
+        <pc:chgData name="Simon Bonner" userId="c968d0cc-44b1-4a19-b224-50fd2dc43281" providerId="ADAL" clId="{21C03C2C-B54E-0141-9F1A-D4B48D7F07BB}" dt="2023-03-04T13:59:13.160" v="378" actId="14100"/>
+        <pc:sldMkLst>
+          <pc:docMk/>
+          <pc:sldMk cId="1635706690" sldId="261"/>
+        </pc:sldMkLst>
+        <pc:spChg chg="add mod">
+          <ac:chgData name="Simon Bonner" userId="c968d0cc-44b1-4a19-b224-50fd2dc43281" providerId="ADAL" clId="{21C03C2C-B54E-0141-9F1A-D4B48D7F07BB}" dt="2023-03-04T13:56:24.048" v="339" actId="20577"/>
+          <ac:spMkLst>
+            <pc:docMk/>
+            <pc:sldMk cId="1635706690" sldId="261"/>
+            <ac:spMk id="4" creationId="{A2D11E6B-24EF-FAFD-1590-7893A5E0E2D6}"/>
+          </ac:spMkLst>
+        </pc:spChg>
+        <pc:spChg chg="add mod">
+          <ac:chgData name="Simon Bonner" userId="c968d0cc-44b1-4a19-b224-50fd2dc43281" providerId="ADAL" clId="{21C03C2C-B54E-0141-9F1A-D4B48D7F07BB}" dt="2023-03-04T13:56:19.006" v="337" actId="20577"/>
+          <ac:spMkLst>
+            <pc:docMk/>
+            <pc:sldMk cId="1635706690" sldId="261"/>
+            <ac:spMk id="5" creationId="{8E6F36A2-2BD3-2142-BD33-DD3EA0DE10F5}"/>
+          </ac:spMkLst>
+        </pc:spChg>
+        <pc:spChg chg="add mod">
+          <ac:chgData name="Simon Bonner" userId="c968d0cc-44b1-4a19-b224-50fd2dc43281" providerId="ADAL" clId="{21C03C2C-B54E-0141-9F1A-D4B48D7F07BB}" dt="2023-03-04T13:56:26.778" v="341" actId="20577"/>
+          <ac:spMkLst>
+            <pc:docMk/>
+            <pc:sldMk cId="1635706690" sldId="261"/>
+            <ac:spMk id="8" creationId="{D7917962-B821-AAB6-BCF4-9F0415AEAC3D}"/>
+          </ac:spMkLst>
+        </pc:spChg>
+        <pc:spChg chg="add mod">
+          <ac:chgData name="Simon Bonner" userId="c968d0cc-44b1-4a19-b224-50fd2dc43281" providerId="ADAL" clId="{21C03C2C-B54E-0141-9F1A-D4B48D7F07BB}" dt="2023-03-04T13:55:31.357" v="321" actId="1076"/>
+          <ac:spMkLst>
+            <pc:docMk/>
+            <pc:sldMk cId="1635706690" sldId="261"/>
+            <ac:spMk id="10" creationId="{28045B6C-0F5E-4EFE-13B9-D957D729032B}"/>
+          </ac:spMkLst>
+        </pc:spChg>
+        <pc:spChg chg="del">
+          <ac:chgData name="Simon Bonner" userId="c968d0cc-44b1-4a19-b224-50fd2dc43281" providerId="ADAL" clId="{21C03C2C-B54E-0141-9F1A-D4B48D7F07BB}" dt="2023-03-04T13:55:11.056" v="318" actId="478"/>
+          <ac:spMkLst>
+            <pc:docMk/>
+            <pc:sldMk cId="1635706690" sldId="261"/>
+            <ac:spMk id="15" creationId="{7A41C204-0E89-92C9-6AD3-7AD7F75A45C0}"/>
+          </ac:spMkLst>
+        </pc:spChg>
+        <pc:spChg chg="add del mod">
+          <ac:chgData name="Simon Bonner" userId="c968d0cc-44b1-4a19-b224-50fd2dc43281" providerId="ADAL" clId="{21C03C2C-B54E-0141-9F1A-D4B48D7F07BB}" dt="2023-03-04T13:55:39.463" v="327"/>
+          <ac:spMkLst>
+            <pc:docMk/>
+            <pc:sldMk cId="1635706690" sldId="261"/>
+            <ac:spMk id="16" creationId="{8245A108-1FE4-13ED-F593-2548778D37F5}"/>
+          </ac:spMkLst>
+        </pc:spChg>
+        <pc:spChg chg="add del mod">
+          <ac:chgData name="Simon Bonner" userId="c968d0cc-44b1-4a19-b224-50fd2dc43281" providerId="ADAL" clId="{21C03C2C-B54E-0141-9F1A-D4B48D7F07BB}" dt="2023-03-04T13:55:39.463" v="327"/>
+          <ac:spMkLst>
+            <pc:docMk/>
+            <pc:sldMk cId="1635706690" sldId="261"/>
+            <ac:spMk id="17" creationId="{F863C24F-A46F-557D-B951-2AFDE07BA7AC}"/>
+          </ac:spMkLst>
+        </pc:spChg>
+        <pc:spChg chg="del">
+          <ac:chgData name="Simon Bonner" userId="c968d0cc-44b1-4a19-b224-50fd2dc43281" providerId="ADAL" clId="{21C03C2C-B54E-0141-9F1A-D4B48D7F07BB}" dt="2023-03-04T13:55:11.056" v="318" actId="478"/>
+          <ac:spMkLst>
+            <pc:docMk/>
+            <pc:sldMk cId="1635706690" sldId="261"/>
+            <ac:spMk id="19" creationId="{29F379B3-47DE-50DB-9AA7-DAF007C34582}"/>
+          </ac:spMkLst>
+        </pc:spChg>
+        <pc:spChg chg="add del mod">
+          <ac:chgData name="Simon Bonner" userId="c968d0cc-44b1-4a19-b224-50fd2dc43281" providerId="ADAL" clId="{21C03C2C-B54E-0141-9F1A-D4B48D7F07BB}" dt="2023-03-04T13:55:39.463" v="327"/>
+          <ac:spMkLst>
+            <pc:docMk/>
+            <pc:sldMk cId="1635706690" sldId="261"/>
+            <ac:spMk id="21" creationId="{B2453CEA-022E-28A2-A461-B8717A2D129E}"/>
+          </ac:spMkLst>
+        </pc:spChg>
+        <pc:spChg chg="add del mod">
+          <ac:chgData name="Simon Bonner" userId="c968d0cc-44b1-4a19-b224-50fd2dc43281" providerId="ADAL" clId="{21C03C2C-B54E-0141-9F1A-D4B48D7F07BB}" dt="2023-03-04T13:55:39.463" v="327"/>
+          <ac:spMkLst>
+            <pc:docMk/>
+            <pc:sldMk cId="1635706690" sldId="261"/>
+            <ac:spMk id="23" creationId="{275FAF8A-F3EC-7EAB-5E84-75323A16B1F8}"/>
+          </ac:spMkLst>
+        </pc:spChg>
+        <pc:spChg chg="mod">
+          <ac:chgData name="Simon Bonner" userId="c968d0cc-44b1-4a19-b224-50fd2dc43281" providerId="ADAL" clId="{21C03C2C-B54E-0141-9F1A-D4B48D7F07BB}" dt="2023-03-04T13:57:04.286" v="361" actId="14100"/>
+          <ac:spMkLst>
+            <pc:docMk/>
+            <pc:sldMk cId="1635706690" sldId="261"/>
+            <ac:spMk id="26" creationId="{F5773DBF-A89C-20F7-96F4-F9EC52BF69B1}"/>
+          </ac:spMkLst>
+        </pc:spChg>
+        <pc:spChg chg="add mod">
+          <ac:chgData name="Simon Bonner" userId="c968d0cc-44b1-4a19-b224-50fd2dc43281" providerId="ADAL" clId="{21C03C2C-B54E-0141-9F1A-D4B48D7F07BB}" dt="2023-03-04T13:56:31.824" v="345" actId="20577"/>
+          <ac:spMkLst>
+            <pc:docMk/>
+            <pc:sldMk cId="1635706690" sldId="261"/>
+            <ac:spMk id="31" creationId="{B04D071A-187B-8A3B-E335-C7657504777B}"/>
+          </ac:spMkLst>
+        </pc:spChg>
+        <pc:spChg chg="add mod">
+          <ac:chgData name="Simon Bonner" userId="c968d0cc-44b1-4a19-b224-50fd2dc43281" providerId="ADAL" clId="{21C03C2C-B54E-0141-9F1A-D4B48D7F07BB}" dt="2023-03-04T13:56:29.644" v="343" actId="20577"/>
+          <ac:spMkLst>
+            <pc:docMk/>
+            <pc:sldMk cId="1635706690" sldId="261"/>
+            <ac:spMk id="32" creationId="{0CF0B6BB-30DE-08EC-9E69-5CABDAFF5BB6}"/>
+          </ac:spMkLst>
+        </pc:spChg>
+        <pc:spChg chg="add mod">
+          <ac:chgData name="Simon Bonner" userId="c968d0cc-44b1-4a19-b224-50fd2dc43281" providerId="ADAL" clId="{21C03C2C-B54E-0141-9F1A-D4B48D7F07BB}" dt="2023-03-04T13:56:33.680" v="347" actId="20577"/>
+          <ac:spMkLst>
+            <pc:docMk/>
+            <pc:sldMk cId="1635706690" sldId="261"/>
+            <ac:spMk id="36" creationId="{4675A178-CA91-0A7E-690F-9235C3BD5453}"/>
+          </ac:spMkLst>
+        </pc:spChg>
+        <pc:spChg chg="add mod">
+          <ac:chgData name="Simon Bonner" userId="c968d0cc-44b1-4a19-b224-50fd2dc43281" providerId="ADAL" clId="{21C03C2C-B54E-0141-9F1A-D4B48D7F07BB}" dt="2023-03-04T13:55:52.010" v="331" actId="1076"/>
+          <ac:spMkLst>
+            <pc:docMk/>
+            <pc:sldMk cId="1635706690" sldId="261"/>
+            <ac:spMk id="37" creationId="{28E1A21C-24BE-A87B-300E-C11EA37D7901}"/>
+          </ac:spMkLst>
+        </pc:spChg>
+        <pc:spChg chg="add mod">
+          <ac:chgData name="Simon Bonner" userId="c968d0cc-44b1-4a19-b224-50fd2dc43281" providerId="ADAL" clId="{21C03C2C-B54E-0141-9F1A-D4B48D7F07BB}" dt="2023-03-04T13:56:43.810" v="351" actId="20577"/>
+          <ac:spMkLst>
+            <pc:docMk/>
+            <pc:sldMk cId="1635706690" sldId="261"/>
+            <ac:spMk id="42" creationId="{A3370E7C-54DC-65B8-FB1D-8B78B7670C78}"/>
+          </ac:spMkLst>
+        </pc:spChg>
+        <pc:spChg chg="add mod">
+          <ac:chgData name="Simon Bonner" userId="c968d0cc-44b1-4a19-b224-50fd2dc43281" providerId="ADAL" clId="{21C03C2C-B54E-0141-9F1A-D4B48D7F07BB}" dt="2023-03-04T13:56:37.987" v="349" actId="20577"/>
+          <ac:spMkLst>
+            <pc:docMk/>
+            <pc:sldMk cId="1635706690" sldId="261"/>
+            <ac:spMk id="43" creationId="{D6E276B6-0746-D55E-F797-7D8A2C292C6C}"/>
+          </ac:spMkLst>
+        </pc:spChg>
+        <pc:spChg chg="mod">
+          <ac:chgData name="Simon Bonner" userId="c968d0cc-44b1-4a19-b224-50fd2dc43281" providerId="ADAL" clId="{21C03C2C-B54E-0141-9F1A-D4B48D7F07BB}" dt="2023-03-04T13:57:33.582" v="365" actId="1076"/>
+          <ac:spMkLst>
+            <pc:docMk/>
+            <pc:sldMk cId="1635706690" sldId="261"/>
+            <ac:spMk id="44" creationId="{A1683360-63C2-4049-7B02-BACDF8541712}"/>
+          </ac:spMkLst>
+        </pc:spChg>
+        <pc:spChg chg="mod">
+          <ac:chgData name="Simon Bonner" userId="c968d0cc-44b1-4a19-b224-50fd2dc43281" providerId="ADAL" clId="{21C03C2C-B54E-0141-9F1A-D4B48D7F07BB}" dt="2023-03-04T13:57:33.582" v="365" actId="1076"/>
+          <ac:spMkLst>
+            <pc:docMk/>
+            <pc:sldMk cId="1635706690" sldId="261"/>
+            <ac:spMk id="45" creationId="{7261C633-D530-D80D-ECC7-465E5C3D53A1}"/>
+          </ac:spMkLst>
+        </pc:spChg>
+        <pc:spChg chg="del">
+          <ac:chgData name="Simon Bonner" userId="c968d0cc-44b1-4a19-b224-50fd2dc43281" providerId="ADAL" clId="{21C03C2C-B54E-0141-9F1A-D4B48D7F07BB}" dt="2023-03-04T13:54:41.621" v="316" actId="478"/>
+          <ac:spMkLst>
+            <pc:docMk/>
+            <pc:sldMk cId="1635706690" sldId="261"/>
+            <ac:spMk id="52" creationId="{579847FB-5936-1BEA-B374-337232D091A3}"/>
+          </ac:spMkLst>
+        </pc:spChg>
+        <pc:spChg chg="del">
+          <ac:chgData name="Simon Bonner" userId="c968d0cc-44b1-4a19-b224-50fd2dc43281" providerId="ADAL" clId="{21C03C2C-B54E-0141-9F1A-D4B48D7F07BB}" dt="2023-03-04T13:54:36.677" v="315" actId="478"/>
+          <ac:spMkLst>
+            <pc:docMk/>
+            <pc:sldMk cId="1635706690" sldId="261"/>
+            <ac:spMk id="53" creationId="{30A6F96F-5911-7342-E518-EA0700B1986C}"/>
+          </ac:spMkLst>
+        </pc:spChg>
+        <pc:spChg chg="add mod">
+          <ac:chgData name="Simon Bonner" userId="c968d0cc-44b1-4a19-b224-50fd2dc43281" providerId="ADAL" clId="{21C03C2C-B54E-0141-9F1A-D4B48D7F07BB}" dt="2023-03-04T13:56:46.364" v="353" actId="20577"/>
+          <ac:spMkLst>
+            <pc:docMk/>
+            <pc:sldMk cId="1635706690" sldId="261"/>
+            <ac:spMk id="58" creationId="{B6229679-8E75-7498-C496-44C482DF4CAC}"/>
+          </ac:spMkLst>
+        </pc:spChg>
+        <pc:spChg chg="add mod">
+          <ac:chgData name="Simon Bonner" userId="c968d0cc-44b1-4a19-b224-50fd2dc43281" providerId="ADAL" clId="{21C03C2C-B54E-0141-9F1A-D4B48D7F07BB}" dt="2023-03-04T13:56:06.349" v="333" actId="1076"/>
+          <ac:spMkLst>
+            <pc:docMk/>
+            <pc:sldMk cId="1635706690" sldId="261"/>
+            <ac:spMk id="59" creationId="{25016FEF-A5EE-1F27-3987-D8DFD6F492F8}"/>
+          </ac:spMkLst>
+        </pc:spChg>
+        <pc:spChg chg="add mod">
+          <ac:chgData name="Simon Bonner" userId="c968d0cc-44b1-4a19-b224-50fd2dc43281" providerId="ADAL" clId="{21C03C2C-B54E-0141-9F1A-D4B48D7F07BB}" dt="2023-03-04T13:56:53.369" v="357" actId="20577"/>
+          <ac:spMkLst>
+            <pc:docMk/>
+            <pc:sldMk cId="1635706690" sldId="261"/>
+            <ac:spMk id="61" creationId="{94CFB9FA-B646-F846-BBBD-4AA6E2A80245}"/>
+          </ac:spMkLst>
+        </pc:spChg>
+        <pc:spChg chg="add mod">
+          <ac:chgData name="Simon Bonner" userId="c968d0cc-44b1-4a19-b224-50fd2dc43281" providerId="ADAL" clId="{21C03C2C-B54E-0141-9F1A-D4B48D7F07BB}" dt="2023-03-04T13:56:50.348" v="355" actId="20577"/>
+          <ac:spMkLst>
+            <pc:docMk/>
+            <pc:sldMk cId="1635706690" sldId="261"/>
+            <ac:spMk id="62" creationId="{D8D87F42-9276-EA64-B1B0-56584AA67362}"/>
+          </ac:spMkLst>
+        </pc:spChg>
+        <pc:spChg chg="add mod">
+          <ac:chgData name="Simon Bonner" userId="c968d0cc-44b1-4a19-b224-50fd2dc43281" providerId="ADAL" clId="{21C03C2C-B54E-0141-9F1A-D4B48D7F07BB}" dt="2023-03-04T13:56:57.659" v="359" actId="20577"/>
+          <ac:spMkLst>
+            <pc:docMk/>
+            <pc:sldMk cId="1635706690" sldId="261"/>
+            <ac:spMk id="65" creationId="{003BCF67-0BFF-9DFF-F19C-52CB0DC231C9}"/>
+          </ac:spMkLst>
+        </pc:spChg>
+        <pc:spChg chg="add mod">
+          <ac:chgData name="Simon Bonner" userId="c968d0cc-44b1-4a19-b224-50fd2dc43281" providerId="ADAL" clId="{21C03C2C-B54E-0141-9F1A-D4B48D7F07BB}" dt="2023-03-04T13:56:14.222" v="335" actId="1076"/>
+          <ac:spMkLst>
+            <pc:docMk/>
+            <pc:sldMk cId="1635706690" sldId="261"/>
+            <ac:spMk id="66" creationId="{6EBB0C2C-3E5A-21CB-B8EB-F0DE91B75D5E}"/>
+          </ac:spMkLst>
+        </pc:spChg>
+        <pc:spChg chg="del">
+          <ac:chgData name="Simon Bonner" userId="c968d0cc-44b1-4a19-b224-50fd2dc43281" providerId="ADAL" clId="{21C03C2C-B54E-0141-9F1A-D4B48D7F07BB}" dt="2023-03-04T13:55:11.056" v="318" actId="478"/>
+          <ac:spMkLst>
+            <pc:docMk/>
+            <pc:sldMk cId="1635706690" sldId="261"/>
+            <ac:spMk id="73" creationId="{3B305C2B-8326-FC60-28A8-9976D93F3324}"/>
+          </ac:spMkLst>
+        </pc:spChg>
+        <pc:spChg chg="del">
+          <ac:chgData name="Simon Bonner" userId="c968d0cc-44b1-4a19-b224-50fd2dc43281" providerId="ADAL" clId="{21C03C2C-B54E-0141-9F1A-D4B48D7F07BB}" dt="2023-03-04T13:55:11.056" v="318" actId="478"/>
+          <ac:spMkLst>
+            <pc:docMk/>
+            <pc:sldMk cId="1635706690" sldId="261"/>
+            <ac:spMk id="74" creationId="{6D65F5CD-76E4-77FA-5291-28C92BB7DBDC}"/>
+          </ac:spMkLst>
+        </pc:spChg>
+        <pc:spChg chg="del">
+          <ac:chgData name="Simon Bonner" userId="c968d0cc-44b1-4a19-b224-50fd2dc43281" providerId="ADAL" clId="{21C03C2C-B54E-0141-9F1A-D4B48D7F07BB}" dt="2023-03-04T13:55:18.630" v="319" actId="478"/>
+          <ac:spMkLst>
+            <pc:docMk/>
+            <pc:sldMk cId="1635706690" sldId="261"/>
+            <ac:spMk id="76" creationId="{2FD33B5E-4CC6-7574-F3D6-78E3636BCEAB}"/>
+          </ac:spMkLst>
+        </pc:spChg>
+        <pc:spChg chg="add del">
+          <ac:chgData name="Simon Bonner" userId="c968d0cc-44b1-4a19-b224-50fd2dc43281" providerId="ADAL" clId="{21C03C2C-B54E-0141-9F1A-D4B48D7F07BB}" dt="2023-03-04T13:58:02.248" v="367" actId="11529"/>
+          <ac:spMkLst>
+            <pc:docMk/>
+            <pc:sldMk cId="1635706690" sldId="261"/>
+            <ac:spMk id="82" creationId="{46421505-BC8C-09C4-7A69-78EAAB3D4AD2}"/>
+          </ac:spMkLst>
+        </pc:spChg>
+        <pc:cxnChg chg="add mod">
+          <ac:chgData name="Simon Bonner" userId="c968d0cc-44b1-4a19-b224-50fd2dc43281" providerId="ADAL" clId="{21C03C2C-B54E-0141-9F1A-D4B48D7F07BB}" dt="2023-03-04T13:55:31.357" v="321" actId="1076"/>
+          <ac:cxnSpMkLst>
+            <pc:docMk/>
+            <pc:sldMk cId="1635706690" sldId="261"/>
+            <ac:cxnSpMk id="6" creationId="{BFF64CD4-BBFB-394F-6D71-FC31FBA5408C}"/>
+          </ac:cxnSpMkLst>
+        </pc:cxnChg>
+        <pc:cxnChg chg="add mod">
+          <ac:chgData name="Simon Bonner" userId="c968d0cc-44b1-4a19-b224-50fd2dc43281" providerId="ADAL" clId="{21C03C2C-B54E-0141-9F1A-D4B48D7F07BB}" dt="2023-03-04T13:55:31.357" v="321" actId="1076"/>
+          <ac:cxnSpMkLst>
+            <pc:docMk/>
+            <pc:sldMk cId="1635706690" sldId="261"/>
+            <ac:cxnSpMk id="7" creationId="{EC71689A-00DE-1C00-361C-7D5F81E93419}"/>
+          </ac:cxnSpMkLst>
+        </pc:cxnChg>
+        <pc:cxnChg chg="add mod">
+          <ac:chgData name="Simon Bonner" userId="c968d0cc-44b1-4a19-b224-50fd2dc43281" providerId="ADAL" clId="{21C03C2C-B54E-0141-9F1A-D4B48D7F07BB}" dt="2023-03-04T13:55:31.357" v="321" actId="1076"/>
+          <ac:cxnSpMkLst>
+            <pc:docMk/>
+            <pc:sldMk cId="1635706690" sldId="261"/>
+            <ac:cxnSpMk id="12" creationId="{66E6FD09-8F6F-06A2-4213-9BEDC39C6C73}"/>
+          </ac:cxnSpMkLst>
+        </pc:cxnChg>
+        <pc:cxnChg chg="add del mod">
+          <ac:chgData name="Simon Bonner" userId="c968d0cc-44b1-4a19-b224-50fd2dc43281" providerId="ADAL" clId="{21C03C2C-B54E-0141-9F1A-D4B48D7F07BB}" dt="2023-03-04T13:55:39.463" v="327"/>
+          <ac:cxnSpMkLst>
+            <pc:docMk/>
+            <pc:sldMk cId="1635706690" sldId="261"/>
+            <ac:cxnSpMk id="18" creationId="{D60C3F15-5BDA-7C98-7A9A-A3506D5B37AD}"/>
+          </ac:cxnSpMkLst>
+        </pc:cxnChg>
+        <pc:cxnChg chg="add del mod">
+          <ac:chgData name="Simon Bonner" userId="c968d0cc-44b1-4a19-b224-50fd2dc43281" providerId="ADAL" clId="{21C03C2C-B54E-0141-9F1A-D4B48D7F07BB}" dt="2023-03-04T13:55:39.463" v="327"/>
+          <ac:cxnSpMkLst>
+            <pc:docMk/>
+            <pc:sldMk cId="1635706690" sldId="261"/>
+            <ac:cxnSpMk id="20" creationId="{5170E349-E68C-82C0-4EE2-426796A067F7}"/>
+          </ac:cxnSpMkLst>
+        </pc:cxnChg>
+        <pc:cxnChg chg="add del mod">
+          <ac:chgData name="Simon Bonner" userId="c968d0cc-44b1-4a19-b224-50fd2dc43281" providerId="ADAL" clId="{21C03C2C-B54E-0141-9F1A-D4B48D7F07BB}" dt="2023-03-04T13:55:39.463" v="327"/>
+          <ac:cxnSpMkLst>
+            <pc:docMk/>
+            <pc:sldMk cId="1635706690" sldId="261"/>
+            <ac:cxnSpMk id="24" creationId="{2A5AFCF2-D5AC-563D-4148-DE0BF99EE2EB}"/>
+          </ac:cxnSpMkLst>
+        </pc:cxnChg>
+        <pc:cxnChg chg="add del mod">
+          <ac:chgData name="Simon Bonner" userId="c968d0cc-44b1-4a19-b224-50fd2dc43281" providerId="ADAL" clId="{21C03C2C-B54E-0141-9F1A-D4B48D7F07BB}" dt="2023-03-04T13:55:42.802" v="329"/>
+          <ac:cxnSpMkLst>
+            <pc:docMk/>
+            <pc:sldMk cId="1635706690" sldId="261"/>
+            <ac:cxnSpMk id="25" creationId="{B727B556-C96F-32E5-FFB2-44065C83E7E9}"/>
+          </ac:cxnSpMkLst>
+        </pc:cxnChg>
+        <pc:cxnChg chg="add del mod">
+          <ac:chgData name="Simon Bonner" userId="c968d0cc-44b1-4a19-b224-50fd2dc43281" providerId="ADAL" clId="{21C03C2C-B54E-0141-9F1A-D4B48D7F07BB}" dt="2023-03-04T13:55:38.796" v="326" actId="1076"/>
+          <ac:cxnSpMkLst>
+            <pc:docMk/>
+            <pc:sldMk cId="1635706690" sldId="261"/>
+            <ac:cxnSpMk id="29" creationId="{74BD6F1D-964F-8DF8-0EFC-F9A1F65F05A5}"/>
+          </ac:cxnSpMkLst>
+        </pc:cxnChg>
+        <pc:cxnChg chg="del">
+          <ac:chgData name="Simon Bonner" userId="c968d0cc-44b1-4a19-b224-50fd2dc43281" providerId="ADAL" clId="{21C03C2C-B54E-0141-9F1A-D4B48D7F07BB}" dt="2023-03-04T13:55:11.056" v="318" actId="478"/>
+          <ac:cxnSpMkLst>
+            <pc:docMk/>
+            <pc:sldMk cId="1635706690" sldId="261"/>
+            <ac:cxnSpMk id="30" creationId="{EF62B5E7-F40D-369C-9BCB-AC099224FDD2}"/>
+          </ac:cxnSpMkLst>
+        </pc:cxnChg>
+        <pc:cxnChg chg="add mod">
+          <ac:chgData name="Simon Bonner" userId="c968d0cc-44b1-4a19-b224-50fd2dc43281" providerId="ADAL" clId="{21C03C2C-B54E-0141-9F1A-D4B48D7F07BB}" dt="2023-03-04T13:55:52.010" v="331" actId="1076"/>
+          <ac:cxnSpMkLst>
+            <pc:docMk/>
+            <pc:sldMk cId="1635706690" sldId="261"/>
+            <ac:cxnSpMk id="33" creationId="{8062572E-53D4-06D3-BA60-5B45F58B39DB}"/>
+          </ac:cxnSpMkLst>
+        </pc:cxnChg>
+        <pc:cxnChg chg="add mod">
+          <ac:chgData name="Simon Bonner" userId="c968d0cc-44b1-4a19-b224-50fd2dc43281" providerId="ADAL" clId="{21C03C2C-B54E-0141-9F1A-D4B48D7F07BB}" dt="2023-03-04T13:55:52.010" v="331" actId="1076"/>
+          <ac:cxnSpMkLst>
+            <pc:docMk/>
+            <pc:sldMk cId="1635706690" sldId="261"/>
+            <ac:cxnSpMk id="35" creationId="{2A1CBBD8-9C8F-92A8-5C26-01B55E7F250F}"/>
+          </ac:cxnSpMkLst>
+        </pc:cxnChg>
+        <pc:cxnChg chg="add mod">
+          <ac:chgData name="Simon Bonner" userId="c968d0cc-44b1-4a19-b224-50fd2dc43281" providerId="ADAL" clId="{21C03C2C-B54E-0141-9F1A-D4B48D7F07BB}" dt="2023-03-04T13:55:52.010" v="331" actId="1076"/>
+          <ac:cxnSpMkLst>
+            <pc:docMk/>
+            <pc:sldMk cId="1635706690" sldId="261"/>
+            <ac:cxnSpMk id="38" creationId="{8D5F7E53-3944-1DF5-EB32-F17EBE275113}"/>
+          </ac:cxnSpMkLst>
+        </pc:cxnChg>
+        <pc:cxnChg chg="del">
+          <ac:chgData name="Simon Bonner" userId="c968d0cc-44b1-4a19-b224-50fd2dc43281" providerId="ADAL" clId="{21C03C2C-B54E-0141-9F1A-D4B48D7F07BB}" dt="2023-03-04T13:55:11.056" v="318" actId="478"/>
+          <ac:cxnSpMkLst>
+            <pc:docMk/>
+            <pc:sldMk cId="1635706690" sldId="261"/>
+            <ac:cxnSpMk id="41" creationId="{20F36021-5AA6-30EA-E805-0952E83BA2EB}"/>
+          </ac:cxnSpMkLst>
+        </pc:cxnChg>
+        <pc:cxnChg chg="mod">
+          <ac:chgData name="Simon Bonner" userId="c968d0cc-44b1-4a19-b224-50fd2dc43281" providerId="ADAL" clId="{21C03C2C-B54E-0141-9F1A-D4B48D7F07BB}" dt="2023-03-04T13:57:33.582" v="365" actId="1076"/>
+          <ac:cxnSpMkLst>
+            <pc:docMk/>
+            <pc:sldMk cId="1635706690" sldId="261"/>
+            <ac:cxnSpMk id="46" creationId="{ADF33194-0470-A87A-84FD-425C6E20C96F}"/>
+          </ac:cxnSpMkLst>
+        </pc:cxnChg>
+        <pc:cxnChg chg="add mod">
+          <ac:chgData name="Simon Bonner" userId="c968d0cc-44b1-4a19-b224-50fd2dc43281" providerId="ADAL" clId="{21C03C2C-B54E-0141-9F1A-D4B48D7F07BB}" dt="2023-03-04T13:56:06.349" v="333" actId="1076"/>
+          <ac:cxnSpMkLst>
+            <pc:docMk/>
+            <pc:sldMk cId="1635706690" sldId="261"/>
+            <ac:cxnSpMk id="47" creationId="{61F39941-7487-D6EF-AB98-9523A3E96853}"/>
+          </ac:cxnSpMkLst>
+        </pc:cxnChg>
+        <pc:cxnChg chg="add mod">
+          <ac:chgData name="Simon Bonner" userId="c968d0cc-44b1-4a19-b224-50fd2dc43281" providerId="ADAL" clId="{21C03C2C-B54E-0141-9F1A-D4B48D7F07BB}" dt="2023-03-04T13:56:06.349" v="333" actId="1076"/>
+          <ac:cxnSpMkLst>
+            <pc:docMk/>
+            <pc:sldMk cId="1635706690" sldId="261"/>
+            <ac:cxnSpMk id="48" creationId="{E88A19F7-C46C-188D-506E-8FDFBF72CD8D}"/>
+          </ac:cxnSpMkLst>
+        </pc:cxnChg>
+        <pc:cxnChg chg="del mod">
+          <ac:chgData name="Simon Bonner" userId="c968d0cc-44b1-4a19-b224-50fd2dc43281" providerId="ADAL" clId="{21C03C2C-B54E-0141-9F1A-D4B48D7F07BB}" dt="2023-03-04T13:54:41.621" v="316" actId="478"/>
+          <ac:cxnSpMkLst>
+            <pc:docMk/>
+            <pc:sldMk cId="1635706690" sldId="261"/>
+            <ac:cxnSpMk id="54" creationId="{AD43F07E-7152-FC60-2A63-FDE33806B14D}"/>
+          </ac:cxnSpMkLst>
+        </pc:cxnChg>
+        <pc:cxnChg chg="add mod">
+          <ac:chgData name="Simon Bonner" userId="c968d0cc-44b1-4a19-b224-50fd2dc43281" providerId="ADAL" clId="{21C03C2C-B54E-0141-9F1A-D4B48D7F07BB}" dt="2023-03-04T13:56:06.349" v="333" actId="1076"/>
+          <ac:cxnSpMkLst>
+            <pc:docMk/>
+            <pc:sldMk cId="1635706690" sldId="261"/>
+            <ac:cxnSpMk id="60" creationId="{E2B2668E-02C5-42B9-FB65-1E25DAD7E07D}"/>
+          </ac:cxnSpMkLst>
+        </pc:cxnChg>
+        <pc:cxnChg chg="add del mod">
+          <ac:chgData name="Simon Bonner" userId="c968d0cc-44b1-4a19-b224-50fd2dc43281" providerId="ADAL" clId="{21C03C2C-B54E-0141-9F1A-D4B48D7F07BB}" dt="2023-03-04T13:57:00.208" v="360" actId="478"/>
+          <ac:cxnSpMkLst>
+            <pc:docMk/>
+            <pc:sldMk cId="1635706690" sldId="261"/>
+            <ac:cxnSpMk id="63" creationId="{A102D1ED-7943-AC67-0E8C-ED12ACA0EA62}"/>
+          </ac:cxnSpMkLst>
+        </pc:cxnChg>
+        <pc:cxnChg chg="add mod">
+          <ac:chgData name="Simon Bonner" userId="c968d0cc-44b1-4a19-b224-50fd2dc43281" providerId="ADAL" clId="{21C03C2C-B54E-0141-9F1A-D4B48D7F07BB}" dt="2023-03-04T13:56:14.222" v="335" actId="1076"/>
+          <ac:cxnSpMkLst>
+            <pc:docMk/>
+            <pc:sldMk cId="1635706690" sldId="261"/>
+            <ac:cxnSpMk id="64" creationId="{9272F7D8-6247-4575-065E-D5297ADF040C}"/>
+          </ac:cxnSpMkLst>
+        </pc:cxnChg>
+        <pc:cxnChg chg="del mod">
+          <ac:chgData name="Simon Bonner" userId="c968d0cc-44b1-4a19-b224-50fd2dc43281" providerId="ADAL" clId="{21C03C2C-B54E-0141-9F1A-D4B48D7F07BB}" dt="2023-03-04T13:55:11.056" v="318" actId="478"/>
+          <ac:cxnSpMkLst>
+            <pc:docMk/>
+            <pc:sldMk cId="1635706690" sldId="261"/>
+            <ac:cxnSpMk id="75" creationId="{9E043008-F0AC-CBFC-311C-CE97BD96FAA7}"/>
+          </ac:cxnSpMkLst>
+        </pc:cxnChg>
+        <pc:cxnChg chg="add mod">
+          <ac:chgData name="Simon Bonner" userId="c968d0cc-44b1-4a19-b224-50fd2dc43281" providerId="ADAL" clId="{21C03C2C-B54E-0141-9F1A-D4B48D7F07BB}" dt="2023-03-04T13:56:14.222" v="335" actId="1076"/>
+          <ac:cxnSpMkLst>
+            <pc:docMk/>
+            <pc:sldMk cId="1635706690" sldId="261"/>
+            <ac:cxnSpMk id="77" creationId="{62544A16-CC9D-3EA4-9E44-B713DD36BA1A}"/>
+          </ac:cxnSpMkLst>
+        </pc:cxnChg>
+        <pc:cxnChg chg="add mod">
+          <ac:chgData name="Simon Bonner" userId="c968d0cc-44b1-4a19-b224-50fd2dc43281" providerId="ADAL" clId="{21C03C2C-B54E-0141-9F1A-D4B48D7F07BB}" dt="2023-03-04T13:57:21.495" v="364" actId="14100"/>
+          <ac:cxnSpMkLst>
+            <pc:docMk/>
+            <pc:sldMk cId="1635706690" sldId="261"/>
+            <ac:cxnSpMk id="78" creationId="{806075F5-EEDB-36D6-0B55-27AF184AD864}"/>
+          </ac:cxnSpMkLst>
+        </pc:cxnChg>
+        <pc:cxnChg chg="add mod">
+          <ac:chgData name="Simon Bonner" userId="c968d0cc-44b1-4a19-b224-50fd2dc43281" providerId="ADAL" clId="{21C03C2C-B54E-0141-9F1A-D4B48D7F07BB}" dt="2023-03-04T13:58:54.389" v="372" actId="692"/>
+          <ac:cxnSpMkLst>
+            <pc:docMk/>
+            <pc:sldMk cId="1635706690" sldId="261"/>
+            <ac:cxnSpMk id="84" creationId="{AA4E84EC-5A3B-DFB0-2C90-F90A9A6C3FBC}"/>
+          </ac:cxnSpMkLst>
+        </pc:cxnChg>
+        <pc:cxnChg chg="add mod">
+          <ac:chgData name="Simon Bonner" userId="c968d0cc-44b1-4a19-b224-50fd2dc43281" providerId="ADAL" clId="{21C03C2C-B54E-0141-9F1A-D4B48D7F07BB}" dt="2023-03-04T13:59:04.826" v="375" actId="14100"/>
+          <ac:cxnSpMkLst>
+            <pc:docMk/>
+            <pc:sldMk cId="1635706690" sldId="261"/>
+            <ac:cxnSpMk id="87" creationId="{88E80E86-D40E-92E1-A426-BDDD612A0D32}"/>
+          </ac:cxnSpMkLst>
+        </pc:cxnChg>
+        <pc:cxnChg chg="add mod">
+          <ac:chgData name="Simon Bonner" userId="c968d0cc-44b1-4a19-b224-50fd2dc43281" providerId="ADAL" clId="{21C03C2C-B54E-0141-9F1A-D4B48D7F07BB}" dt="2023-03-04T13:59:13.160" v="378" actId="14100"/>
+          <ac:cxnSpMkLst>
+            <pc:docMk/>
+            <pc:sldMk cId="1635706690" sldId="261"/>
+            <ac:cxnSpMk id="90" creationId="{344E4992-9653-BAB6-49A8-CBE3F0202143}"/>
           </ac:cxnSpMkLst>
         </pc:cxnChg>
       </pc:sldChg>
@@ -1447,7 +1911,7 @@
           <a:p>
             <a:fld id="{68217EAF-5F0D-4A28-B856-1C00EE8A7931}" type="datetimeFigureOut">
               <a:rPr lang="en-US" smtClean="0"/>
-              <a:t>3/1/23</a:t>
+              <a:t>3/4/23</a:t>
             </a:fld>
             <a:endParaRPr lang="en-US"/>
           </a:p>
@@ -1645,7 +2109,7 @@
           <a:p>
             <a:fld id="{68217EAF-5F0D-4A28-B856-1C00EE8A7931}" type="datetimeFigureOut">
               <a:rPr lang="en-US" smtClean="0"/>
-              <a:t>3/1/23</a:t>
+              <a:t>3/4/23</a:t>
             </a:fld>
             <a:endParaRPr lang="en-US"/>
           </a:p>
@@ -1853,7 +2317,7 @@
           <a:p>
             <a:fld id="{68217EAF-5F0D-4A28-B856-1C00EE8A7931}" type="datetimeFigureOut">
               <a:rPr lang="en-US" smtClean="0"/>
-              <a:t>3/1/23</a:t>
+              <a:t>3/4/23</a:t>
             </a:fld>
             <a:endParaRPr lang="en-US"/>
           </a:p>
@@ -2051,7 +2515,7 @@
           <a:p>
             <a:fld id="{68217EAF-5F0D-4A28-B856-1C00EE8A7931}" type="datetimeFigureOut">
               <a:rPr lang="en-US" smtClean="0"/>
-              <a:t>3/1/23</a:t>
+              <a:t>3/4/23</a:t>
             </a:fld>
             <a:endParaRPr lang="en-US"/>
           </a:p>
@@ -2326,7 +2790,7 @@
           <a:p>
             <a:fld id="{68217EAF-5F0D-4A28-B856-1C00EE8A7931}" type="datetimeFigureOut">
               <a:rPr lang="en-US" smtClean="0"/>
-              <a:t>3/1/23</a:t>
+              <a:t>3/4/23</a:t>
             </a:fld>
             <a:endParaRPr lang="en-US"/>
           </a:p>
@@ -2591,7 +3055,7 @@
           <a:p>
             <a:fld id="{68217EAF-5F0D-4A28-B856-1C00EE8A7931}" type="datetimeFigureOut">
               <a:rPr lang="en-US" smtClean="0"/>
-              <a:t>3/1/23</a:t>
+              <a:t>3/4/23</a:t>
             </a:fld>
             <a:endParaRPr lang="en-US"/>
           </a:p>
@@ -3003,7 +3467,7 @@
           <a:p>
             <a:fld id="{68217EAF-5F0D-4A28-B856-1C00EE8A7931}" type="datetimeFigureOut">
               <a:rPr lang="en-US" smtClean="0"/>
-              <a:t>3/1/23</a:t>
+              <a:t>3/4/23</a:t>
             </a:fld>
             <a:endParaRPr lang="en-US"/>
           </a:p>
@@ -3144,7 +3608,7 @@
           <a:p>
             <a:fld id="{68217EAF-5F0D-4A28-B856-1C00EE8A7931}" type="datetimeFigureOut">
               <a:rPr lang="en-US" smtClean="0"/>
-              <a:t>3/1/23</a:t>
+              <a:t>3/4/23</a:t>
             </a:fld>
             <a:endParaRPr lang="en-US"/>
           </a:p>
@@ -3257,7 +3721,7 @@
           <a:p>
             <a:fld id="{68217EAF-5F0D-4A28-B856-1C00EE8A7931}" type="datetimeFigureOut">
               <a:rPr lang="en-US" smtClean="0"/>
-              <a:t>3/1/23</a:t>
+              <a:t>3/4/23</a:t>
             </a:fld>
             <a:endParaRPr lang="en-US"/>
           </a:p>
@@ -3568,7 +4032,7 @@
           <a:p>
             <a:fld id="{68217EAF-5F0D-4A28-B856-1C00EE8A7931}" type="datetimeFigureOut">
               <a:rPr lang="en-US" smtClean="0"/>
-              <a:t>3/1/23</a:t>
+              <a:t>3/4/23</a:t>
             </a:fld>
             <a:endParaRPr lang="en-US"/>
           </a:p>
@@ -3856,7 +4320,7 @@
           <a:p>
             <a:fld id="{68217EAF-5F0D-4A28-B856-1C00EE8A7931}" type="datetimeFigureOut">
               <a:rPr lang="en-US" smtClean="0"/>
-              <a:t>3/1/23</a:t>
+              <a:t>3/4/23</a:t>
             </a:fld>
             <a:endParaRPr lang="en-US"/>
           </a:p>
@@ -4097,7 +4561,7 @@
           <a:p>
             <a:fld id="{68217EAF-5F0D-4A28-B856-1C00EE8A7931}" type="datetimeFigureOut">
               <a:rPr lang="en-US" smtClean="0"/>
-              <a:t>3/1/23</a:t>
+              <a:t>3/4/23</a:t>
             </a:fld>
             <a:endParaRPr lang="en-US"/>
           </a:p>
@@ -7322,8 +7786,8 @@
           </a:p>
         </p:txBody>
       </p:sp>
-      <mc:AlternateContent xmlns:mc="http://schemas.openxmlformats.org/markup-compatibility/2006">
-        <mc:Choice xmlns:a14="http://schemas.microsoft.com/office/drawing/2010/main" Requires="a14">
+      <mc:AlternateContent xmlns:mc="http://schemas.openxmlformats.org/markup-compatibility/2006" xmlns:a14="http://schemas.microsoft.com/office/drawing/2010/main">
+        <mc:Choice Requires="a14">
           <p:sp>
             <p:nvSpPr>
               <p:cNvPr id="5" name="TextBox 4">
@@ -7373,7 +7837,7 @@
             </p:txBody>
           </p:sp>
         </mc:Choice>
-        <mc:Fallback>
+        <mc:Fallback xmlns="">
           <p:sp>
             <p:nvSpPr>
               <p:cNvPr id="5" name="TextBox 4">
@@ -7418,8 +7882,8 @@
           </p:sp>
         </mc:Fallback>
       </mc:AlternateContent>
-      <mc:AlternateContent xmlns:mc="http://schemas.openxmlformats.org/markup-compatibility/2006">
-        <mc:Choice xmlns:a14="http://schemas.microsoft.com/office/drawing/2010/main" Requires="a14">
+      <mc:AlternateContent xmlns:mc="http://schemas.openxmlformats.org/markup-compatibility/2006" xmlns:a14="http://schemas.microsoft.com/office/drawing/2010/main">
+        <mc:Choice Requires="a14">
           <p:sp>
             <p:nvSpPr>
               <p:cNvPr id="7" name="TextBox 6">
@@ -7469,7 +7933,7 @@
             </p:txBody>
           </p:sp>
         </mc:Choice>
-        <mc:Fallback>
+        <mc:Fallback xmlns="">
           <p:sp>
             <p:nvSpPr>
               <p:cNvPr id="7" name="TextBox 6">
@@ -7514,8 +7978,8 @@
           </p:sp>
         </mc:Fallback>
       </mc:AlternateContent>
-      <mc:AlternateContent xmlns:mc="http://schemas.openxmlformats.org/markup-compatibility/2006">
-        <mc:Choice xmlns:a14="http://schemas.microsoft.com/office/drawing/2010/main" Requires="a14">
+      <mc:AlternateContent xmlns:mc="http://schemas.openxmlformats.org/markup-compatibility/2006" xmlns:a14="http://schemas.microsoft.com/office/drawing/2010/main">
+        <mc:Choice Requires="a14">
           <p:sp>
             <p:nvSpPr>
               <p:cNvPr id="10" name="Oval 9">
@@ -7591,7 +8055,7 @@
             </p:txBody>
           </p:sp>
         </mc:Choice>
-        <mc:Fallback>
+        <mc:Fallback xmlns="">
           <p:sp>
             <p:nvSpPr>
               <p:cNvPr id="10" name="Oval 9">
@@ -7866,8 +8330,8 @@
           </a:p>
         </p:txBody>
       </p:sp>
-      <mc:AlternateContent xmlns:mc="http://schemas.openxmlformats.org/markup-compatibility/2006">
-        <mc:Choice xmlns:a14="http://schemas.microsoft.com/office/drawing/2010/main" Requires="a14">
+      <mc:AlternateContent xmlns:mc="http://schemas.openxmlformats.org/markup-compatibility/2006" xmlns:a14="http://schemas.microsoft.com/office/drawing/2010/main">
+        <mc:Choice Requires="a14">
           <p:sp>
             <p:nvSpPr>
               <p:cNvPr id="5" name="TextBox 4">
@@ -7936,7 +8400,7 @@
             </p:txBody>
           </p:sp>
         </mc:Choice>
-        <mc:Fallback>
+        <mc:Fallback xmlns="">
           <p:sp>
             <p:nvSpPr>
               <p:cNvPr id="5" name="TextBox 4">
@@ -7981,8 +8445,8 @@
           </p:sp>
         </mc:Fallback>
       </mc:AlternateContent>
-      <mc:AlternateContent xmlns:mc="http://schemas.openxmlformats.org/markup-compatibility/2006">
-        <mc:Choice xmlns:a14="http://schemas.microsoft.com/office/drawing/2010/main" Requires="a14">
+      <mc:AlternateContent xmlns:mc="http://schemas.openxmlformats.org/markup-compatibility/2006" xmlns:a14="http://schemas.microsoft.com/office/drawing/2010/main">
+        <mc:Choice Requires="a14">
           <p:sp>
             <p:nvSpPr>
               <p:cNvPr id="7" name="TextBox 6">
@@ -8032,7 +8496,7 @@
             </p:txBody>
           </p:sp>
         </mc:Choice>
-        <mc:Fallback>
+        <mc:Fallback xmlns="">
           <p:sp>
             <p:nvSpPr>
               <p:cNvPr id="7" name="TextBox 6">
@@ -8077,8 +8541,8 @@
           </p:sp>
         </mc:Fallback>
       </mc:AlternateContent>
-      <mc:AlternateContent xmlns:mc="http://schemas.openxmlformats.org/markup-compatibility/2006">
-        <mc:Choice xmlns:a14="http://schemas.microsoft.com/office/drawing/2010/main" Requires="a14">
+      <mc:AlternateContent xmlns:mc="http://schemas.openxmlformats.org/markup-compatibility/2006" xmlns:a14="http://schemas.microsoft.com/office/drawing/2010/main">
+        <mc:Choice Requires="a14">
           <p:sp>
             <p:nvSpPr>
               <p:cNvPr id="10" name="Oval 9">
@@ -8154,7 +8618,7 @@
             </p:txBody>
           </p:sp>
         </mc:Choice>
-        <mc:Fallback>
+        <mc:Fallback xmlns="">
           <p:sp>
             <p:nvSpPr>
               <p:cNvPr id="10" name="Oval 9">
@@ -8389,8 +8853,8 @@
           </a:fontRef>
         </p:style>
       </p:cxnSp>
-      <mc:AlternateContent xmlns:mc="http://schemas.openxmlformats.org/markup-compatibility/2006">
-        <mc:Choice xmlns:a14="http://schemas.microsoft.com/office/drawing/2010/main" Requires="a14">
+      <mc:AlternateContent xmlns:mc="http://schemas.openxmlformats.org/markup-compatibility/2006" xmlns:a14="http://schemas.microsoft.com/office/drawing/2010/main">
+        <mc:Choice Requires="a14">
           <p:sp>
             <p:nvSpPr>
               <p:cNvPr id="6" name="TextBox 5">
@@ -8459,7 +8923,7 @@
             </p:txBody>
           </p:sp>
         </mc:Choice>
-        <mc:Fallback>
+        <mc:Fallback xmlns="">
           <p:sp>
             <p:nvSpPr>
               <p:cNvPr id="6" name="TextBox 5">
@@ -8504,8 +8968,8 @@
           </p:sp>
         </mc:Fallback>
       </mc:AlternateContent>
-      <mc:AlternateContent xmlns:mc="http://schemas.openxmlformats.org/markup-compatibility/2006">
-        <mc:Choice xmlns:a14="http://schemas.microsoft.com/office/drawing/2010/main" Requires="a14">
+      <mc:AlternateContent xmlns:mc="http://schemas.openxmlformats.org/markup-compatibility/2006" xmlns:a14="http://schemas.microsoft.com/office/drawing/2010/main">
+        <mc:Choice Requires="a14">
           <p:sp>
             <p:nvSpPr>
               <p:cNvPr id="8" name="Oval 7">
@@ -8606,7 +9070,7 @@
             </p:txBody>
           </p:sp>
         </mc:Choice>
-        <mc:Fallback>
+        <mc:Fallback xmlns="">
           <p:sp>
             <p:nvSpPr>
               <p:cNvPr id="8" name="Oval 7">
@@ -12073,6 +12537,4985 @@
 </p:sld>
 </file>
 
+<file path=ppt/slides/slide6.xml><?xml version="1.0" encoding="utf-8"?>
+<p:sld xmlns:a="http://schemas.openxmlformats.org/drawingml/2006/main" xmlns:r="http://schemas.openxmlformats.org/officeDocument/2006/relationships" xmlns:p="http://schemas.openxmlformats.org/presentationml/2006/main">
+  <p:cSld>
+    <p:spTree>
+      <p:nvGrpSpPr>
+        <p:cNvPr id="1" name=""/>
+        <p:cNvGrpSpPr/>
+        <p:nvPr/>
+      </p:nvGrpSpPr>
+      <p:grpSpPr>
+        <a:xfrm>
+          <a:off x="0" y="0"/>
+          <a:ext cx="0" cy="0"/>
+          <a:chOff x="0" y="0"/>
+          <a:chExt cx="0" cy="0"/>
+        </a:xfrm>
+      </p:grpSpPr>
+      <p:sp>
+        <p:nvSpPr>
+          <p:cNvPr id="26" name="Rectangle 25">
+            <a:extLst>
+              <a:ext uri="{FF2B5EF4-FFF2-40B4-BE49-F238E27FC236}">
+                <a16:creationId xmlns:a16="http://schemas.microsoft.com/office/drawing/2014/main" id="{F5773DBF-A89C-20F7-96F4-F9EC52BF69B1}"/>
+              </a:ext>
+            </a:extLst>
+          </p:cNvPr>
+          <p:cNvSpPr/>
+          <p:nvPr/>
+        </p:nvSpPr>
+        <p:spPr>
+          <a:xfrm>
+            <a:off x="3118933" y="2564913"/>
+            <a:ext cx="8144812" cy="2324059"/>
+          </a:xfrm>
+          <a:prstGeom prst="rect">
+            <a:avLst/>
+          </a:prstGeom>
+          <a:noFill/>
+          <a:ln>
+            <a:solidFill>
+              <a:schemeClr val="tx1"/>
+            </a:solidFill>
+          </a:ln>
+        </p:spPr>
+        <p:style>
+          <a:lnRef idx="2">
+            <a:schemeClr val="accent1">
+              <a:shade val="50000"/>
+            </a:schemeClr>
+          </a:lnRef>
+          <a:fillRef idx="1">
+            <a:schemeClr val="accent1"/>
+          </a:fillRef>
+          <a:effectRef idx="0">
+            <a:schemeClr val="accent1"/>
+          </a:effectRef>
+          <a:fontRef idx="minor">
+            <a:schemeClr val="lt1"/>
+          </a:fontRef>
+        </p:style>
+        <p:txBody>
+          <a:bodyPr rtlCol="0" anchor="ctr"/>
+          <a:lstStyle/>
+          <a:p>
+            <a:pPr algn="ctr"/>
+            <a:endParaRPr lang="en-US"/>
+          </a:p>
+        </p:txBody>
+      </p:sp>
+      <mc:AlternateContent xmlns:mc="http://schemas.openxmlformats.org/markup-compatibility/2006">
+        <mc:Choice xmlns:a14="http://schemas.microsoft.com/office/drawing/2010/main" Requires="a14">
+          <p:sp>
+            <p:nvSpPr>
+              <p:cNvPr id="27" name="TextBox 26">
+                <a:extLst>
+                  <a:ext uri="{FF2B5EF4-FFF2-40B4-BE49-F238E27FC236}">
+                    <a16:creationId xmlns:a16="http://schemas.microsoft.com/office/drawing/2014/main" id="{2C98168B-D35A-922E-D777-FFA7B4287DDB}"/>
+                  </a:ext>
+                </a:extLst>
+              </p:cNvPr>
+              <p:cNvSpPr txBox="1"/>
+              <p:nvPr/>
+            </p:nvSpPr>
+            <p:spPr>
+              <a:xfrm>
+                <a:off x="3248364" y="4405957"/>
+                <a:ext cx="1124795" cy="369332"/>
+              </a:xfrm>
+              <a:prstGeom prst="rect">
+                <a:avLst/>
+              </a:prstGeom>
+              <a:noFill/>
+            </p:spPr>
+            <p:txBody>
+              <a:bodyPr wrap="none" rtlCol="0">
+                <a:spAutoFit/>
+              </a:bodyPr>
+              <a:lstStyle/>
+              <a:p>
+                <a:r>
+                  <a:rPr lang="en-CA" i="1" dirty="0"/>
+                  <a:t>i</a:t>
+                </a:r>
+                <a14:m>
+                  <m:oMath xmlns:m="http://schemas.openxmlformats.org/officeDocument/2006/math">
+                    <m:r>
+                      <a:rPr lang="en-CA" b="0" i="1" smtClean="0">
+                        <a:latin typeface="Cambria Math" panose="02040503050406030204" pitchFamily="18" charset="0"/>
+                      </a:rPr>
+                      <m:t>=1,…,</m:t>
+                    </m:r>
+                    <m:r>
+                      <a:rPr lang="en-CA" b="0" i="1" smtClean="0">
+                        <a:latin typeface="Cambria Math" panose="02040503050406030204" pitchFamily="18" charset="0"/>
+                      </a:rPr>
+                      <m:t>𝑛</m:t>
+                    </m:r>
+                  </m:oMath>
+                </a14:m>
+                <a:endParaRPr lang="en-CA" b="0" dirty="0"/>
+              </a:p>
+            </p:txBody>
+          </p:sp>
+        </mc:Choice>
+        <mc:Fallback>
+          <p:sp>
+            <p:nvSpPr>
+              <p:cNvPr id="27" name="TextBox 26">
+                <a:extLst>
+                  <a:ext uri="{FF2B5EF4-FFF2-40B4-BE49-F238E27FC236}">
+                    <a16:creationId xmlns:a16="http://schemas.microsoft.com/office/drawing/2014/main" id="{2C98168B-D35A-922E-D777-FFA7B4287DDB}"/>
+                  </a:ext>
+                </a:extLst>
+              </p:cNvPr>
+              <p:cNvSpPr txBox="1">
+                <a:spLocks noRot="1" noChangeAspect="1" noMove="1" noResize="1" noEditPoints="1" noAdjustHandles="1" noChangeArrowheads="1" noChangeShapeType="1" noTextEdit="1"/>
+              </p:cNvSpPr>
+              <p:nvPr/>
+            </p:nvSpPr>
+            <p:spPr>
+              <a:xfrm>
+                <a:off x="3248364" y="4405957"/>
+                <a:ext cx="1124795" cy="369332"/>
+              </a:xfrm>
+              <a:prstGeom prst="rect">
+                <a:avLst/>
+              </a:prstGeom>
+              <a:blipFill>
+                <a:blip r:embed="rId2"/>
+                <a:stretch>
+                  <a:fillRect l="-4444" t="-10345" b="-27586"/>
+                </a:stretch>
+              </a:blipFill>
+            </p:spPr>
+            <p:txBody>
+              <a:bodyPr/>
+              <a:lstStyle/>
+              <a:p>
+                <a:r>
+                  <a:rPr lang="en-US">
+                    <a:noFill/>
+                  </a:rPr>
+                  <a:t> </a:t>
+                </a:r>
+              </a:p>
+            </p:txBody>
+          </p:sp>
+        </mc:Fallback>
+      </mc:AlternateContent>
+      <mc:AlternateContent xmlns:mc="http://schemas.openxmlformats.org/markup-compatibility/2006">
+        <mc:Choice xmlns:a14="http://schemas.microsoft.com/office/drawing/2010/main" Requires="a14">
+          <p:sp>
+            <p:nvSpPr>
+              <p:cNvPr id="2" name="Oval 1">
+                <a:extLst>
+                  <a:ext uri="{FF2B5EF4-FFF2-40B4-BE49-F238E27FC236}">
+                    <a16:creationId xmlns:a16="http://schemas.microsoft.com/office/drawing/2014/main" id="{0396F487-06C0-E075-242C-8EB84B58E385}"/>
+                  </a:ext>
+                </a:extLst>
+              </p:cNvPr>
+              <p:cNvSpPr/>
+              <p:nvPr/>
+            </p:nvSpPr>
+            <p:spPr>
+              <a:xfrm>
+                <a:off x="4622656" y="4050623"/>
+                <a:ext cx="540000" cy="540000"/>
+              </a:xfrm>
+              <a:prstGeom prst="ellipse">
+                <a:avLst/>
+              </a:prstGeom>
+              <a:noFill/>
+              <a:ln>
+                <a:solidFill>
+                  <a:schemeClr val="tx1"/>
+                </a:solidFill>
+              </a:ln>
+            </p:spPr>
+            <p:style>
+              <a:lnRef idx="2">
+                <a:schemeClr val="accent1">
+                  <a:shade val="50000"/>
+                </a:schemeClr>
+              </a:lnRef>
+              <a:fillRef idx="1">
+                <a:schemeClr val="accent1"/>
+              </a:fillRef>
+              <a:effectRef idx="0">
+                <a:schemeClr val="accent1"/>
+              </a:effectRef>
+              <a:fontRef idx="minor">
+                <a:schemeClr val="lt1"/>
+              </a:fontRef>
+            </p:style>
+            <p:txBody>
+              <a:bodyPr rtlCol="0" anchor="ctr"/>
+              <a:lstStyle/>
+              <a:p>
+                <a:pPr algn="ctr"/>
+                <a14:m>
+                  <m:oMathPara xmlns:m="http://schemas.openxmlformats.org/officeDocument/2006/math">
+                    <m:oMathParaPr>
+                      <m:jc m:val="centerGroup"/>
+                    </m:oMathParaPr>
+                    <m:oMath xmlns:m="http://schemas.openxmlformats.org/officeDocument/2006/math">
+                      <m:sSub>
+                        <m:sSubPr>
+                          <m:ctrlPr>
+                            <a:rPr lang="en-CA" b="0" i="1" smtClean="0">
+                              <a:solidFill>
+                                <a:schemeClr val="tx1"/>
+                              </a:solidFill>
+                              <a:latin typeface="Cambria Math" panose="02040503050406030204" pitchFamily="18" charset="0"/>
+                            </a:rPr>
+                          </m:ctrlPr>
+                        </m:sSubPr>
+                        <m:e>
+                          <m:r>
+                            <a:rPr lang="en-CA" b="0" i="1" smtClean="0">
+                              <a:solidFill>
+                                <a:schemeClr val="tx1"/>
+                              </a:solidFill>
+                              <a:latin typeface="Cambria Math" panose="02040503050406030204" pitchFamily="18" charset="0"/>
+                            </a:rPr>
+                            <m:t>𝑌</m:t>
+                          </m:r>
+                        </m:e>
+                        <m:sub>
+                          <m:r>
+                            <a:rPr lang="en-CA" b="0" i="1" smtClean="0">
+                              <a:solidFill>
+                                <a:schemeClr val="tx1"/>
+                              </a:solidFill>
+                              <a:latin typeface="Cambria Math" panose="02040503050406030204" pitchFamily="18" charset="0"/>
+                            </a:rPr>
+                            <m:t>1</m:t>
+                          </m:r>
+                        </m:sub>
+                      </m:sSub>
+                    </m:oMath>
+                  </m:oMathPara>
+                </a14:m>
+                <a:endParaRPr lang="en-CA" b="0" dirty="0">
+                  <a:solidFill>
+                    <a:schemeClr val="tx1"/>
+                  </a:solidFill>
+                </a:endParaRPr>
+              </a:p>
+            </p:txBody>
+          </p:sp>
+        </mc:Choice>
+        <mc:Fallback>
+          <p:sp>
+            <p:nvSpPr>
+              <p:cNvPr id="2" name="Oval 1">
+                <a:extLst>
+                  <a:ext uri="{FF2B5EF4-FFF2-40B4-BE49-F238E27FC236}">
+                    <a16:creationId xmlns:a16="http://schemas.microsoft.com/office/drawing/2014/main" id="{0396F487-06C0-E075-242C-8EB84B58E385}"/>
+                  </a:ext>
+                </a:extLst>
+              </p:cNvPr>
+              <p:cNvSpPr>
+                <a:spLocks noRot="1" noChangeAspect="1" noMove="1" noResize="1" noEditPoints="1" noAdjustHandles="1" noChangeArrowheads="1" noChangeShapeType="1" noTextEdit="1"/>
+              </p:cNvSpPr>
+              <p:nvPr/>
+            </p:nvSpPr>
+            <p:spPr>
+              <a:xfrm>
+                <a:off x="4622656" y="4050623"/>
+                <a:ext cx="540000" cy="540000"/>
+              </a:xfrm>
+              <a:prstGeom prst="ellipse">
+                <a:avLst/>
+              </a:prstGeom>
+              <a:blipFill>
+                <a:blip r:embed="rId3"/>
+                <a:stretch>
+                  <a:fillRect/>
+                </a:stretch>
+              </a:blipFill>
+              <a:ln>
+                <a:solidFill>
+                  <a:schemeClr val="tx1"/>
+                </a:solidFill>
+              </a:ln>
+            </p:spPr>
+            <p:txBody>
+              <a:bodyPr/>
+              <a:lstStyle/>
+              <a:p>
+                <a:r>
+                  <a:rPr lang="en-US">
+                    <a:noFill/>
+                  </a:rPr>
+                  <a:t> </a:t>
+                </a:r>
+              </a:p>
+            </p:txBody>
+          </p:sp>
+        </mc:Fallback>
+      </mc:AlternateContent>
+      <mc:AlternateContent xmlns:mc="http://schemas.openxmlformats.org/markup-compatibility/2006">
+        <mc:Choice xmlns:a14="http://schemas.microsoft.com/office/drawing/2010/main" Requires="a14">
+          <p:sp>
+            <p:nvSpPr>
+              <p:cNvPr id="3" name="Oval 2">
+                <a:extLst>
+                  <a:ext uri="{FF2B5EF4-FFF2-40B4-BE49-F238E27FC236}">
+                    <a16:creationId xmlns:a16="http://schemas.microsoft.com/office/drawing/2014/main" id="{111AB93F-96B0-4165-F887-0620E50FAF9E}"/>
+                  </a:ext>
+                </a:extLst>
+              </p:cNvPr>
+              <p:cNvSpPr/>
+              <p:nvPr/>
+            </p:nvSpPr>
+            <p:spPr>
+              <a:xfrm>
+                <a:off x="4622656" y="2889000"/>
+                <a:ext cx="540000" cy="540000"/>
+              </a:xfrm>
+              <a:prstGeom prst="ellipse">
+                <a:avLst/>
+              </a:prstGeom>
+              <a:noFill/>
+              <a:ln>
+                <a:solidFill>
+                  <a:schemeClr val="tx1"/>
+                </a:solidFill>
+              </a:ln>
+            </p:spPr>
+            <p:style>
+              <a:lnRef idx="2">
+                <a:schemeClr val="accent1">
+                  <a:shade val="50000"/>
+                </a:schemeClr>
+              </a:lnRef>
+              <a:fillRef idx="1">
+                <a:schemeClr val="accent1"/>
+              </a:fillRef>
+              <a:effectRef idx="0">
+                <a:schemeClr val="accent1"/>
+              </a:effectRef>
+              <a:fontRef idx="minor">
+                <a:schemeClr val="lt1"/>
+              </a:fontRef>
+            </p:style>
+            <p:txBody>
+              <a:bodyPr rtlCol="0" anchor="ctr"/>
+              <a:lstStyle/>
+              <a:p>
+                <a:pPr algn="ctr"/>
+                <a14:m>
+                  <m:oMathPara xmlns:m="http://schemas.openxmlformats.org/officeDocument/2006/math">
+                    <m:oMathParaPr>
+                      <m:jc m:val="centerGroup"/>
+                    </m:oMathParaPr>
+                    <m:oMath xmlns:m="http://schemas.openxmlformats.org/officeDocument/2006/math">
+                      <m:sSub>
+                        <m:sSubPr>
+                          <m:ctrlPr>
+                            <a:rPr lang="en-CA" b="0" i="1" smtClean="0">
+                              <a:solidFill>
+                                <a:schemeClr val="tx1"/>
+                              </a:solidFill>
+                              <a:latin typeface="Cambria Math" panose="02040503050406030204" pitchFamily="18" charset="0"/>
+                            </a:rPr>
+                          </m:ctrlPr>
+                        </m:sSubPr>
+                        <m:e>
+                          <m:r>
+                            <a:rPr lang="en-CA" b="0" i="1" smtClean="0">
+                              <a:solidFill>
+                                <a:schemeClr val="tx1"/>
+                              </a:solidFill>
+                              <a:latin typeface="Cambria Math" panose="02040503050406030204" pitchFamily="18" charset="0"/>
+                            </a:rPr>
+                            <m:t>𝑍</m:t>
+                          </m:r>
+                        </m:e>
+                        <m:sub>
+                          <m:r>
+                            <a:rPr lang="en-CA" b="0" i="1" smtClean="0">
+                              <a:solidFill>
+                                <a:schemeClr val="tx1"/>
+                              </a:solidFill>
+                              <a:latin typeface="Cambria Math" panose="02040503050406030204" pitchFamily="18" charset="0"/>
+                            </a:rPr>
+                            <m:t>1</m:t>
+                          </m:r>
+                        </m:sub>
+                      </m:sSub>
+                    </m:oMath>
+                  </m:oMathPara>
+                </a14:m>
+                <a:endParaRPr lang="en-CA" b="0" dirty="0">
+                  <a:solidFill>
+                    <a:schemeClr val="tx1"/>
+                  </a:solidFill>
+                </a:endParaRPr>
+              </a:p>
+            </p:txBody>
+          </p:sp>
+        </mc:Choice>
+        <mc:Fallback>
+          <p:sp>
+            <p:nvSpPr>
+              <p:cNvPr id="3" name="Oval 2">
+                <a:extLst>
+                  <a:ext uri="{FF2B5EF4-FFF2-40B4-BE49-F238E27FC236}">
+                    <a16:creationId xmlns:a16="http://schemas.microsoft.com/office/drawing/2014/main" id="{111AB93F-96B0-4165-F887-0620E50FAF9E}"/>
+                  </a:ext>
+                </a:extLst>
+              </p:cNvPr>
+              <p:cNvSpPr>
+                <a:spLocks noRot="1" noChangeAspect="1" noMove="1" noResize="1" noEditPoints="1" noAdjustHandles="1" noChangeArrowheads="1" noChangeShapeType="1" noTextEdit="1"/>
+              </p:cNvSpPr>
+              <p:nvPr/>
+            </p:nvSpPr>
+            <p:spPr>
+              <a:xfrm>
+                <a:off x="4622656" y="2889000"/>
+                <a:ext cx="540000" cy="540000"/>
+              </a:xfrm>
+              <a:prstGeom prst="ellipse">
+                <a:avLst/>
+              </a:prstGeom>
+              <a:blipFill>
+                <a:blip r:embed="rId4"/>
+                <a:stretch>
+                  <a:fillRect/>
+                </a:stretch>
+              </a:blipFill>
+              <a:ln>
+                <a:solidFill>
+                  <a:schemeClr val="tx1"/>
+                </a:solidFill>
+              </a:ln>
+            </p:spPr>
+            <p:txBody>
+              <a:bodyPr/>
+              <a:lstStyle/>
+              <a:p>
+                <a:r>
+                  <a:rPr lang="en-US">
+                    <a:noFill/>
+                  </a:rPr>
+                  <a:t> </a:t>
+                </a:r>
+              </a:p>
+            </p:txBody>
+          </p:sp>
+        </mc:Fallback>
+      </mc:AlternateContent>
+      <mc:AlternateContent xmlns:mc="http://schemas.openxmlformats.org/markup-compatibility/2006">
+        <mc:Choice xmlns:a14="http://schemas.microsoft.com/office/drawing/2010/main" Requires="a14">
+          <p:sp>
+            <p:nvSpPr>
+              <p:cNvPr id="9" name="Oval 8">
+                <a:extLst>
+                  <a:ext uri="{FF2B5EF4-FFF2-40B4-BE49-F238E27FC236}">
+                    <a16:creationId xmlns:a16="http://schemas.microsoft.com/office/drawing/2014/main" id="{B3CB48A0-C39C-8CE8-F6E3-4105F1FB895E}"/>
+                  </a:ext>
+                </a:extLst>
+              </p:cNvPr>
+              <p:cNvSpPr/>
+              <p:nvPr/>
+            </p:nvSpPr>
+            <p:spPr>
+              <a:xfrm>
+                <a:off x="5556000" y="4050623"/>
+                <a:ext cx="540000" cy="540000"/>
+              </a:xfrm>
+              <a:prstGeom prst="ellipse">
+                <a:avLst/>
+              </a:prstGeom>
+              <a:noFill/>
+              <a:ln>
+                <a:solidFill>
+                  <a:schemeClr val="tx1"/>
+                </a:solidFill>
+              </a:ln>
+            </p:spPr>
+            <p:style>
+              <a:lnRef idx="2">
+                <a:schemeClr val="accent1">
+                  <a:shade val="50000"/>
+                </a:schemeClr>
+              </a:lnRef>
+              <a:fillRef idx="1">
+                <a:schemeClr val="accent1"/>
+              </a:fillRef>
+              <a:effectRef idx="0">
+                <a:schemeClr val="accent1"/>
+              </a:effectRef>
+              <a:fontRef idx="minor">
+                <a:schemeClr val="lt1"/>
+              </a:fontRef>
+            </p:style>
+            <p:txBody>
+              <a:bodyPr rtlCol="0" anchor="ctr"/>
+              <a:lstStyle/>
+              <a:p>
+                <a:pPr algn="ctr"/>
+                <a14:m>
+                  <m:oMathPara xmlns:m="http://schemas.openxmlformats.org/officeDocument/2006/math">
+                    <m:oMathParaPr>
+                      <m:jc m:val="centerGroup"/>
+                    </m:oMathParaPr>
+                    <m:oMath xmlns:m="http://schemas.openxmlformats.org/officeDocument/2006/math">
+                      <m:sSub>
+                        <m:sSubPr>
+                          <m:ctrlPr>
+                            <a:rPr lang="en-CA" b="0" i="1" smtClean="0">
+                              <a:solidFill>
+                                <a:schemeClr val="tx1"/>
+                              </a:solidFill>
+                              <a:latin typeface="Cambria Math" panose="02040503050406030204" pitchFamily="18" charset="0"/>
+                            </a:rPr>
+                          </m:ctrlPr>
+                        </m:sSubPr>
+                        <m:e>
+                          <m:r>
+                            <a:rPr lang="en-CA" b="0" i="1" smtClean="0">
+                              <a:solidFill>
+                                <a:schemeClr val="tx1"/>
+                              </a:solidFill>
+                              <a:latin typeface="Cambria Math" panose="02040503050406030204" pitchFamily="18" charset="0"/>
+                            </a:rPr>
+                            <m:t>𝑌</m:t>
+                          </m:r>
+                        </m:e>
+                        <m:sub>
+                          <m:r>
+                            <a:rPr lang="en-CA" b="0" i="1" smtClean="0">
+                              <a:solidFill>
+                                <a:schemeClr val="tx1"/>
+                              </a:solidFill>
+                              <a:latin typeface="Cambria Math" panose="02040503050406030204" pitchFamily="18" charset="0"/>
+                            </a:rPr>
+                            <m:t>2</m:t>
+                          </m:r>
+                        </m:sub>
+                      </m:sSub>
+                    </m:oMath>
+                  </m:oMathPara>
+                </a14:m>
+                <a:endParaRPr lang="en-CA" b="0" dirty="0">
+                  <a:solidFill>
+                    <a:schemeClr val="tx1"/>
+                  </a:solidFill>
+                </a:endParaRPr>
+              </a:p>
+            </p:txBody>
+          </p:sp>
+        </mc:Choice>
+        <mc:Fallback>
+          <p:sp>
+            <p:nvSpPr>
+              <p:cNvPr id="9" name="Oval 8">
+                <a:extLst>
+                  <a:ext uri="{FF2B5EF4-FFF2-40B4-BE49-F238E27FC236}">
+                    <a16:creationId xmlns:a16="http://schemas.microsoft.com/office/drawing/2014/main" id="{B3CB48A0-C39C-8CE8-F6E3-4105F1FB895E}"/>
+                  </a:ext>
+                </a:extLst>
+              </p:cNvPr>
+              <p:cNvSpPr>
+                <a:spLocks noRot="1" noChangeAspect="1" noMove="1" noResize="1" noEditPoints="1" noAdjustHandles="1" noChangeArrowheads="1" noChangeShapeType="1" noTextEdit="1"/>
+              </p:cNvSpPr>
+              <p:nvPr/>
+            </p:nvSpPr>
+            <p:spPr>
+              <a:xfrm>
+                <a:off x="5556000" y="4050623"/>
+                <a:ext cx="540000" cy="540000"/>
+              </a:xfrm>
+              <a:prstGeom prst="ellipse">
+                <a:avLst/>
+              </a:prstGeom>
+              <a:blipFill>
+                <a:blip r:embed="rId5"/>
+                <a:stretch>
+                  <a:fillRect/>
+                </a:stretch>
+              </a:blipFill>
+              <a:ln>
+                <a:solidFill>
+                  <a:schemeClr val="tx1"/>
+                </a:solidFill>
+              </a:ln>
+            </p:spPr>
+            <p:txBody>
+              <a:bodyPr/>
+              <a:lstStyle/>
+              <a:p>
+                <a:r>
+                  <a:rPr lang="en-US">
+                    <a:noFill/>
+                  </a:rPr>
+                  <a:t> </a:t>
+                </a:r>
+              </a:p>
+            </p:txBody>
+          </p:sp>
+        </mc:Fallback>
+      </mc:AlternateContent>
+      <mc:AlternateContent xmlns:mc="http://schemas.openxmlformats.org/markup-compatibility/2006">
+        <mc:Choice xmlns:a14="http://schemas.microsoft.com/office/drawing/2010/main" Requires="a14">
+          <p:sp>
+            <p:nvSpPr>
+              <p:cNvPr id="11" name="Oval 10">
+                <a:extLst>
+                  <a:ext uri="{FF2B5EF4-FFF2-40B4-BE49-F238E27FC236}">
+                    <a16:creationId xmlns:a16="http://schemas.microsoft.com/office/drawing/2014/main" id="{806763BA-8689-43E3-4245-5419EACB35C7}"/>
+                  </a:ext>
+                </a:extLst>
+              </p:cNvPr>
+              <p:cNvSpPr/>
+              <p:nvPr/>
+            </p:nvSpPr>
+            <p:spPr>
+              <a:xfrm>
+                <a:off x="5556000" y="2889000"/>
+                <a:ext cx="540000" cy="540000"/>
+              </a:xfrm>
+              <a:prstGeom prst="ellipse">
+                <a:avLst/>
+              </a:prstGeom>
+              <a:noFill/>
+              <a:ln>
+                <a:solidFill>
+                  <a:schemeClr val="tx1"/>
+                </a:solidFill>
+              </a:ln>
+            </p:spPr>
+            <p:style>
+              <a:lnRef idx="2">
+                <a:schemeClr val="accent1">
+                  <a:shade val="50000"/>
+                </a:schemeClr>
+              </a:lnRef>
+              <a:fillRef idx="1">
+                <a:schemeClr val="accent1"/>
+              </a:fillRef>
+              <a:effectRef idx="0">
+                <a:schemeClr val="accent1"/>
+              </a:effectRef>
+              <a:fontRef idx="minor">
+                <a:schemeClr val="lt1"/>
+              </a:fontRef>
+            </p:style>
+            <p:txBody>
+              <a:bodyPr rtlCol="0" anchor="ctr"/>
+              <a:lstStyle/>
+              <a:p>
+                <a:pPr algn="ctr"/>
+                <a14:m>
+                  <m:oMathPara xmlns:m="http://schemas.openxmlformats.org/officeDocument/2006/math">
+                    <m:oMathParaPr>
+                      <m:jc m:val="centerGroup"/>
+                    </m:oMathParaPr>
+                    <m:oMath xmlns:m="http://schemas.openxmlformats.org/officeDocument/2006/math">
+                      <m:sSub>
+                        <m:sSubPr>
+                          <m:ctrlPr>
+                            <a:rPr lang="en-CA" b="0" i="1" smtClean="0">
+                              <a:solidFill>
+                                <a:schemeClr val="tx1"/>
+                              </a:solidFill>
+                              <a:latin typeface="Cambria Math" panose="02040503050406030204" pitchFamily="18" charset="0"/>
+                            </a:rPr>
+                          </m:ctrlPr>
+                        </m:sSubPr>
+                        <m:e>
+                          <m:r>
+                            <a:rPr lang="en-CA" b="0" i="1" smtClean="0">
+                              <a:solidFill>
+                                <a:schemeClr val="tx1"/>
+                              </a:solidFill>
+                              <a:latin typeface="Cambria Math" panose="02040503050406030204" pitchFamily="18" charset="0"/>
+                            </a:rPr>
+                            <m:t>𝑍</m:t>
+                          </m:r>
+                        </m:e>
+                        <m:sub>
+                          <m:r>
+                            <a:rPr lang="en-CA" b="0" i="1" smtClean="0">
+                              <a:solidFill>
+                                <a:schemeClr val="tx1"/>
+                              </a:solidFill>
+                              <a:latin typeface="Cambria Math" panose="02040503050406030204" pitchFamily="18" charset="0"/>
+                            </a:rPr>
+                            <m:t>2</m:t>
+                          </m:r>
+                        </m:sub>
+                      </m:sSub>
+                    </m:oMath>
+                  </m:oMathPara>
+                </a14:m>
+                <a:endParaRPr lang="en-CA" b="0" dirty="0">
+                  <a:solidFill>
+                    <a:schemeClr val="tx1"/>
+                  </a:solidFill>
+                </a:endParaRPr>
+              </a:p>
+            </p:txBody>
+          </p:sp>
+        </mc:Choice>
+        <mc:Fallback>
+          <p:sp>
+            <p:nvSpPr>
+              <p:cNvPr id="11" name="Oval 10">
+                <a:extLst>
+                  <a:ext uri="{FF2B5EF4-FFF2-40B4-BE49-F238E27FC236}">
+                    <a16:creationId xmlns:a16="http://schemas.microsoft.com/office/drawing/2014/main" id="{806763BA-8689-43E3-4245-5419EACB35C7}"/>
+                  </a:ext>
+                </a:extLst>
+              </p:cNvPr>
+              <p:cNvSpPr>
+                <a:spLocks noRot="1" noChangeAspect="1" noMove="1" noResize="1" noEditPoints="1" noAdjustHandles="1" noChangeArrowheads="1" noChangeShapeType="1" noTextEdit="1"/>
+              </p:cNvSpPr>
+              <p:nvPr/>
+            </p:nvSpPr>
+            <p:spPr>
+              <a:xfrm>
+                <a:off x="5556000" y="2889000"/>
+                <a:ext cx="540000" cy="540000"/>
+              </a:xfrm>
+              <a:prstGeom prst="ellipse">
+                <a:avLst/>
+              </a:prstGeom>
+              <a:blipFill>
+                <a:blip r:embed="rId6"/>
+                <a:stretch>
+                  <a:fillRect/>
+                </a:stretch>
+              </a:blipFill>
+              <a:ln>
+                <a:solidFill>
+                  <a:schemeClr val="tx1"/>
+                </a:solidFill>
+              </a:ln>
+            </p:spPr>
+            <p:txBody>
+              <a:bodyPr/>
+              <a:lstStyle/>
+              <a:p>
+                <a:r>
+                  <a:rPr lang="en-US">
+                    <a:noFill/>
+                  </a:rPr>
+                  <a:t> </a:t>
+                </a:r>
+              </a:p>
+            </p:txBody>
+          </p:sp>
+        </mc:Fallback>
+      </mc:AlternateContent>
+      <mc:AlternateContent xmlns:mc="http://schemas.openxmlformats.org/markup-compatibility/2006">
+        <mc:Choice xmlns:a14="http://schemas.microsoft.com/office/drawing/2010/main" Requires="a14">
+          <p:sp>
+            <p:nvSpPr>
+              <p:cNvPr id="13" name="Oval 12">
+                <a:extLst>
+                  <a:ext uri="{FF2B5EF4-FFF2-40B4-BE49-F238E27FC236}">
+                    <a16:creationId xmlns:a16="http://schemas.microsoft.com/office/drawing/2014/main" id="{79CCD821-24B4-76A4-2760-C9C82E3C6ADB}"/>
+                  </a:ext>
+                </a:extLst>
+              </p:cNvPr>
+              <p:cNvSpPr/>
+              <p:nvPr/>
+            </p:nvSpPr>
+            <p:spPr>
+              <a:xfrm>
+                <a:off x="6489346" y="4050623"/>
+                <a:ext cx="540000" cy="540000"/>
+              </a:xfrm>
+              <a:prstGeom prst="ellipse">
+                <a:avLst/>
+              </a:prstGeom>
+              <a:noFill/>
+              <a:ln>
+                <a:solidFill>
+                  <a:schemeClr val="tx1"/>
+                </a:solidFill>
+              </a:ln>
+            </p:spPr>
+            <p:style>
+              <a:lnRef idx="2">
+                <a:schemeClr val="accent1">
+                  <a:shade val="50000"/>
+                </a:schemeClr>
+              </a:lnRef>
+              <a:fillRef idx="1">
+                <a:schemeClr val="accent1"/>
+              </a:fillRef>
+              <a:effectRef idx="0">
+                <a:schemeClr val="accent1"/>
+              </a:effectRef>
+              <a:fontRef idx="minor">
+                <a:schemeClr val="lt1"/>
+              </a:fontRef>
+            </p:style>
+            <p:txBody>
+              <a:bodyPr rtlCol="0" anchor="ctr"/>
+              <a:lstStyle/>
+              <a:p>
+                <a:pPr algn="ctr"/>
+                <a14:m>
+                  <m:oMathPara xmlns:m="http://schemas.openxmlformats.org/officeDocument/2006/math">
+                    <m:oMathParaPr>
+                      <m:jc m:val="centerGroup"/>
+                    </m:oMathParaPr>
+                    <m:oMath xmlns:m="http://schemas.openxmlformats.org/officeDocument/2006/math">
+                      <m:sSub>
+                        <m:sSubPr>
+                          <m:ctrlPr>
+                            <a:rPr lang="en-CA" b="0" i="1" smtClean="0">
+                              <a:solidFill>
+                                <a:schemeClr val="tx1"/>
+                              </a:solidFill>
+                              <a:latin typeface="Cambria Math" panose="02040503050406030204" pitchFamily="18" charset="0"/>
+                            </a:rPr>
+                          </m:ctrlPr>
+                        </m:sSubPr>
+                        <m:e>
+                          <m:r>
+                            <a:rPr lang="en-CA" b="0" i="1" smtClean="0">
+                              <a:solidFill>
+                                <a:schemeClr val="tx1"/>
+                              </a:solidFill>
+                              <a:latin typeface="Cambria Math" panose="02040503050406030204" pitchFamily="18" charset="0"/>
+                            </a:rPr>
+                            <m:t>𝑌</m:t>
+                          </m:r>
+                        </m:e>
+                        <m:sub>
+                          <m:r>
+                            <a:rPr lang="en-CA" b="0" i="1" smtClean="0">
+                              <a:solidFill>
+                                <a:schemeClr val="tx1"/>
+                              </a:solidFill>
+                              <a:latin typeface="Cambria Math" panose="02040503050406030204" pitchFamily="18" charset="0"/>
+                            </a:rPr>
+                            <m:t>3</m:t>
+                          </m:r>
+                        </m:sub>
+                      </m:sSub>
+                    </m:oMath>
+                  </m:oMathPara>
+                </a14:m>
+                <a:endParaRPr lang="en-CA" b="0" dirty="0">
+                  <a:solidFill>
+                    <a:schemeClr val="tx1"/>
+                  </a:solidFill>
+                </a:endParaRPr>
+              </a:p>
+            </p:txBody>
+          </p:sp>
+        </mc:Choice>
+        <mc:Fallback>
+          <p:sp>
+            <p:nvSpPr>
+              <p:cNvPr id="13" name="Oval 12">
+                <a:extLst>
+                  <a:ext uri="{FF2B5EF4-FFF2-40B4-BE49-F238E27FC236}">
+                    <a16:creationId xmlns:a16="http://schemas.microsoft.com/office/drawing/2014/main" id="{79CCD821-24B4-76A4-2760-C9C82E3C6ADB}"/>
+                  </a:ext>
+                </a:extLst>
+              </p:cNvPr>
+              <p:cNvSpPr>
+                <a:spLocks noRot="1" noChangeAspect="1" noMove="1" noResize="1" noEditPoints="1" noAdjustHandles="1" noChangeArrowheads="1" noChangeShapeType="1" noTextEdit="1"/>
+              </p:cNvSpPr>
+              <p:nvPr/>
+            </p:nvSpPr>
+            <p:spPr>
+              <a:xfrm>
+                <a:off x="6489346" y="4050623"/>
+                <a:ext cx="540000" cy="540000"/>
+              </a:xfrm>
+              <a:prstGeom prst="ellipse">
+                <a:avLst/>
+              </a:prstGeom>
+              <a:blipFill>
+                <a:blip r:embed="rId7"/>
+                <a:stretch>
+                  <a:fillRect/>
+                </a:stretch>
+              </a:blipFill>
+              <a:ln>
+                <a:solidFill>
+                  <a:schemeClr val="tx1"/>
+                </a:solidFill>
+              </a:ln>
+            </p:spPr>
+            <p:txBody>
+              <a:bodyPr/>
+              <a:lstStyle/>
+              <a:p>
+                <a:r>
+                  <a:rPr lang="en-US">
+                    <a:noFill/>
+                  </a:rPr>
+                  <a:t> </a:t>
+                </a:r>
+              </a:p>
+            </p:txBody>
+          </p:sp>
+        </mc:Fallback>
+      </mc:AlternateContent>
+      <mc:AlternateContent xmlns:mc="http://schemas.openxmlformats.org/markup-compatibility/2006">
+        <mc:Choice xmlns:a14="http://schemas.microsoft.com/office/drawing/2010/main" Requires="a14">
+          <p:sp>
+            <p:nvSpPr>
+              <p:cNvPr id="14" name="Oval 13">
+                <a:extLst>
+                  <a:ext uri="{FF2B5EF4-FFF2-40B4-BE49-F238E27FC236}">
+                    <a16:creationId xmlns:a16="http://schemas.microsoft.com/office/drawing/2014/main" id="{A16106DE-FDDE-6C0B-4347-2DC245403F5D}"/>
+                  </a:ext>
+                </a:extLst>
+              </p:cNvPr>
+              <p:cNvSpPr/>
+              <p:nvPr/>
+            </p:nvSpPr>
+            <p:spPr>
+              <a:xfrm>
+                <a:off x="6489346" y="2889000"/>
+                <a:ext cx="540000" cy="540000"/>
+              </a:xfrm>
+              <a:prstGeom prst="ellipse">
+                <a:avLst/>
+              </a:prstGeom>
+              <a:noFill/>
+              <a:ln>
+                <a:solidFill>
+                  <a:schemeClr val="tx1"/>
+                </a:solidFill>
+              </a:ln>
+            </p:spPr>
+            <p:style>
+              <a:lnRef idx="2">
+                <a:schemeClr val="accent1">
+                  <a:shade val="50000"/>
+                </a:schemeClr>
+              </a:lnRef>
+              <a:fillRef idx="1">
+                <a:schemeClr val="accent1"/>
+              </a:fillRef>
+              <a:effectRef idx="0">
+                <a:schemeClr val="accent1"/>
+              </a:effectRef>
+              <a:fontRef idx="minor">
+                <a:schemeClr val="lt1"/>
+              </a:fontRef>
+            </p:style>
+            <p:txBody>
+              <a:bodyPr rtlCol="0" anchor="ctr"/>
+              <a:lstStyle/>
+              <a:p>
+                <a:pPr algn="ctr"/>
+                <a14:m>
+                  <m:oMathPara xmlns:m="http://schemas.openxmlformats.org/officeDocument/2006/math">
+                    <m:oMathParaPr>
+                      <m:jc m:val="centerGroup"/>
+                    </m:oMathParaPr>
+                    <m:oMath xmlns:m="http://schemas.openxmlformats.org/officeDocument/2006/math">
+                      <m:sSub>
+                        <m:sSubPr>
+                          <m:ctrlPr>
+                            <a:rPr lang="en-CA" b="0" i="1" smtClean="0">
+                              <a:solidFill>
+                                <a:schemeClr val="tx1"/>
+                              </a:solidFill>
+                              <a:latin typeface="Cambria Math" panose="02040503050406030204" pitchFamily="18" charset="0"/>
+                            </a:rPr>
+                          </m:ctrlPr>
+                        </m:sSubPr>
+                        <m:e>
+                          <m:r>
+                            <a:rPr lang="en-CA" b="0" i="1" smtClean="0">
+                              <a:solidFill>
+                                <a:schemeClr val="tx1"/>
+                              </a:solidFill>
+                              <a:latin typeface="Cambria Math" panose="02040503050406030204" pitchFamily="18" charset="0"/>
+                            </a:rPr>
+                            <m:t>𝑍</m:t>
+                          </m:r>
+                        </m:e>
+                        <m:sub>
+                          <m:r>
+                            <a:rPr lang="en-CA" b="0" i="1" smtClean="0">
+                              <a:solidFill>
+                                <a:schemeClr val="tx1"/>
+                              </a:solidFill>
+                              <a:latin typeface="Cambria Math" panose="02040503050406030204" pitchFamily="18" charset="0"/>
+                            </a:rPr>
+                            <m:t>3</m:t>
+                          </m:r>
+                        </m:sub>
+                      </m:sSub>
+                    </m:oMath>
+                  </m:oMathPara>
+                </a14:m>
+                <a:endParaRPr lang="en-CA" b="0" dirty="0">
+                  <a:solidFill>
+                    <a:schemeClr val="tx1"/>
+                  </a:solidFill>
+                </a:endParaRPr>
+              </a:p>
+            </p:txBody>
+          </p:sp>
+        </mc:Choice>
+        <mc:Fallback>
+          <p:sp>
+            <p:nvSpPr>
+              <p:cNvPr id="14" name="Oval 13">
+                <a:extLst>
+                  <a:ext uri="{FF2B5EF4-FFF2-40B4-BE49-F238E27FC236}">
+                    <a16:creationId xmlns:a16="http://schemas.microsoft.com/office/drawing/2014/main" id="{A16106DE-FDDE-6C0B-4347-2DC245403F5D}"/>
+                  </a:ext>
+                </a:extLst>
+              </p:cNvPr>
+              <p:cNvSpPr>
+                <a:spLocks noRot="1" noChangeAspect="1" noMove="1" noResize="1" noEditPoints="1" noAdjustHandles="1" noChangeArrowheads="1" noChangeShapeType="1" noTextEdit="1"/>
+              </p:cNvSpPr>
+              <p:nvPr/>
+            </p:nvSpPr>
+            <p:spPr>
+              <a:xfrm>
+                <a:off x="6489346" y="2889000"/>
+                <a:ext cx="540000" cy="540000"/>
+              </a:xfrm>
+              <a:prstGeom prst="ellipse">
+                <a:avLst/>
+              </a:prstGeom>
+              <a:blipFill>
+                <a:blip r:embed="rId8"/>
+                <a:stretch>
+                  <a:fillRect/>
+                </a:stretch>
+              </a:blipFill>
+              <a:ln>
+                <a:solidFill>
+                  <a:schemeClr val="tx1"/>
+                </a:solidFill>
+              </a:ln>
+            </p:spPr>
+            <p:txBody>
+              <a:bodyPr/>
+              <a:lstStyle/>
+              <a:p>
+                <a:r>
+                  <a:rPr lang="en-US">
+                    <a:noFill/>
+                  </a:rPr>
+                  <a:t> </a:t>
+                </a:r>
+              </a:p>
+            </p:txBody>
+          </p:sp>
+        </mc:Fallback>
+      </mc:AlternateContent>
+      <p:cxnSp>
+        <p:nvCxnSpPr>
+          <p:cNvPr id="22" name="Straight Arrow Connector 21">
+            <a:extLst>
+              <a:ext uri="{FF2B5EF4-FFF2-40B4-BE49-F238E27FC236}">
+                <a16:creationId xmlns:a16="http://schemas.microsoft.com/office/drawing/2014/main" id="{E47377A7-30E0-45C2-FF75-861FDE304B39}"/>
+              </a:ext>
+            </a:extLst>
+          </p:cNvPr>
+          <p:cNvCxnSpPr>
+            <a:cxnSpLocks/>
+            <a:endCxn id="11" idx="2"/>
+          </p:cNvCxnSpPr>
+          <p:nvPr/>
+        </p:nvCxnSpPr>
+        <p:spPr>
+          <a:xfrm flipV="1">
+            <a:off x="5162654" y="3159000"/>
+            <a:ext cx="393346" cy="1620"/>
+          </a:xfrm>
+          <a:prstGeom prst="straightConnector1">
+            <a:avLst/>
+          </a:prstGeom>
+          <a:ln>
+            <a:solidFill>
+              <a:schemeClr val="tx1"/>
+            </a:solidFill>
+            <a:tailEnd type="triangle" w="lg" len="lg"/>
+          </a:ln>
+        </p:spPr>
+        <p:style>
+          <a:lnRef idx="1">
+            <a:schemeClr val="accent1"/>
+          </a:lnRef>
+          <a:fillRef idx="0">
+            <a:schemeClr val="accent1"/>
+          </a:fillRef>
+          <a:effectRef idx="0">
+            <a:schemeClr val="accent1"/>
+          </a:effectRef>
+          <a:fontRef idx="minor">
+            <a:schemeClr val="tx1"/>
+          </a:fontRef>
+        </p:style>
+      </p:cxnSp>
+      <p:cxnSp>
+        <p:nvCxnSpPr>
+          <p:cNvPr id="28" name="Straight Arrow Connector 27">
+            <a:extLst>
+              <a:ext uri="{FF2B5EF4-FFF2-40B4-BE49-F238E27FC236}">
+                <a16:creationId xmlns:a16="http://schemas.microsoft.com/office/drawing/2014/main" id="{2316FC0C-CA58-2470-85DA-4DAD43509D94}"/>
+              </a:ext>
+            </a:extLst>
+          </p:cNvPr>
+          <p:cNvCxnSpPr>
+            <a:cxnSpLocks/>
+          </p:cNvCxnSpPr>
+          <p:nvPr/>
+        </p:nvCxnSpPr>
+        <p:spPr>
+          <a:xfrm flipV="1">
+            <a:off x="6095998" y="3159000"/>
+            <a:ext cx="393346" cy="1620"/>
+          </a:xfrm>
+          <a:prstGeom prst="straightConnector1">
+            <a:avLst/>
+          </a:prstGeom>
+          <a:ln>
+            <a:solidFill>
+              <a:schemeClr val="tx1"/>
+            </a:solidFill>
+            <a:tailEnd type="triangle" w="lg" len="lg"/>
+          </a:ln>
+        </p:spPr>
+        <p:style>
+          <a:lnRef idx="1">
+            <a:schemeClr val="accent1"/>
+          </a:lnRef>
+          <a:fillRef idx="0">
+            <a:schemeClr val="accent1"/>
+          </a:fillRef>
+          <a:effectRef idx="0">
+            <a:schemeClr val="accent1"/>
+          </a:effectRef>
+          <a:fontRef idx="minor">
+            <a:schemeClr val="tx1"/>
+          </a:fontRef>
+        </p:style>
+      </p:cxnSp>
+      <p:cxnSp>
+        <p:nvCxnSpPr>
+          <p:cNvPr id="29" name="Straight Arrow Connector 28">
+            <a:extLst>
+              <a:ext uri="{FF2B5EF4-FFF2-40B4-BE49-F238E27FC236}">
+                <a16:creationId xmlns:a16="http://schemas.microsoft.com/office/drawing/2014/main" id="{74BD6F1D-964F-8DF8-0EFC-F9A1F65F05A5}"/>
+              </a:ext>
+            </a:extLst>
+          </p:cNvPr>
+          <p:cNvCxnSpPr>
+            <a:cxnSpLocks/>
+          </p:cNvCxnSpPr>
+          <p:nvPr/>
+        </p:nvCxnSpPr>
+        <p:spPr>
+          <a:xfrm flipV="1">
+            <a:off x="7032100" y="3159000"/>
+            <a:ext cx="393346" cy="1620"/>
+          </a:xfrm>
+          <a:prstGeom prst="straightConnector1">
+            <a:avLst/>
+          </a:prstGeom>
+          <a:ln>
+            <a:solidFill>
+              <a:schemeClr val="tx1"/>
+            </a:solidFill>
+            <a:tailEnd type="triangle" w="lg" len="lg"/>
+          </a:ln>
+        </p:spPr>
+        <p:style>
+          <a:lnRef idx="1">
+            <a:schemeClr val="accent1"/>
+          </a:lnRef>
+          <a:fillRef idx="0">
+            <a:schemeClr val="accent1"/>
+          </a:fillRef>
+          <a:effectRef idx="0">
+            <a:schemeClr val="accent1"/>
+          </a:effectRef>
+          <a:fontRef idx="minor">
+            <a:schemeClr val="tx1"/>
+          </a:fontRef>
+        </p:style>
+      </p:cxnSp>
+      <p:cxnSp>
+        <p:nvCxnSpPr>
+          <p:cNvPr id="34" name="Straight Arrow Connector 33">
+            <a:extLst>
+              <a:ext uri="{FF2B5EF4-FFF2-40B4-BE49-F238E27FC236}">
+                <a16:creationId xmlns:a16="http://schemas.microsoft.com/office/drawing/2014/main" id="{25F0A184-63CC-D98F-5D50-D7A20BFC5A7B}"/>
+              </a:ext>
+            </a:extLst>
+          </p:cNvPr>
+          <p:cNvCxnSpPr>
+            <a:cxnSpLocks/>
+            <a:stCxn id="3" idx="4"/>
+            <a:endCxn id="2" idx="0"/>
+          </p:cNvCxnSpPr>
+          <p:nvPr/>
+        </p:nvCxnSpPr>
+        <p:spPr>
+          <a:xfrm>
+            <a:off x="4892656" y="3429000"/>
+            <a:ext cx="0" cy="621623"/>
+          </a:xfrm>
+          <a:prstGeom prst="straightConnector1">
+            <a:avLst/>
+          </a:prstGeom>
+          <a:ln>
+            <a:solidFill>
+              <a:schemeClr val="tx1"/>
+            </a:solidFill>
+            <a:tailEnd type="triangle" w="lg" len="lg"/>
+          </a:ln>
+        </p:spPr>
+        <p:style>
+          <a:lnRef idx="1">
+            <a:schemeClr val="accent1"/>
+          </a:lnRef>
+          <a:fillRef idx="0">
+            <a:schemeClr val="accent1"/>
+          </a:fillRef>
+          <a:effectRef idx="0">
+            <a:schemeClr val="accent1"/>
+          </a:effectRef>
+          <a:fontRef idx="minor">
+            <a:schemeClr val="tx1"/>
+          </a:fontRef>
+        </p:style>
+      </p:cxnSp>
+      <p:cxnSp>
+        <p:nvCxnSpPr>
+          <p:cNvPr id="39" name="Straight Arrow Connector 38">
+            <a:extLst>
+              <a:ext uri="{FF2B5EF4-FFF2-40B4-BE49-F238E27FC236}">
+                <a16:creationId xmlns:a16="http://schemas.microsoft.com/office/drawing/2014/main" id="{E65069C9-9820-83BE-FE70-0A2072BB2833}"/>
+              </a:ext>
+            </a:extLst>
+          </p:cNvPr>
+          <p:cNvCxnSpPr>
+            <a:cxnSpLocks/>
+          </p:cNvCxnSpPr>
+          <p:nvPr/>
+        </p:nvCxnSpPr>
+        <p:spPr>
+          <a:xfrm>
+            <a:off x="5826000" y="3429000"/>
+            <a:ext cx="0" cy="621623"/>
+          </a:xfrm>
+          <a:prstGeom prst="straightConnector1">
+            <a:avLst/>
+          </a:prstGeom>
+          <a:ln>
+            <a:solidFill>
+              <a:schemeClr val="tx1"/>
+            </a:solidFill>
+            <a:tailEnd type="triangle" w="lg" len="lg"/>
+          </a:ln>
+        </p:spPr>
+        <p:style>
+          <a:lnRef idx="1">
+            <a:schemeClr val="accent1"/>
+          </a:lnRef>
+          <a:fillRef idx="0">
+            <a:schemeClr val="accent1"/>
+          </a:fillRef>
+          <a:effectRef idx="0">
+            <a:schemeClr val="accent1"/>
+          </a:effectRef>
+          <a:fontRef idx="minor">
+            <a:schemeClr val="tx1"/>
+          </a:fontRef>
+        </p:style>
+      </p:cxnSp>
+      <p:cxnSp>
+        <p:nvCxnSpPr>
+          <p:cNvPr id="40" name="Straight Arrow Connector 39">
+            <a:extLst>
+              <a:ext uri="{FF2B5EF4-FFF2-40B4-BE49-F238E27FC236}">
+                <a16:creationId xmlns:a16="http://schemas.microsoft.com/office/drawing/2014/main" id="{4D6A6421-56B9-1D55-E3CD-A4AB7199B070}"/>
+              </a:ext>
+            </a:extLst>
+          </p:cNvPr>
+          <p:cNvCxnSpPr>
+            <a:cxnSpLocks/>
+          </p:cNvCxnSpPr>
+          <p:nvPr/>
+        </p:nvCxnSpPr>
+        <p:spPr>
+          <a:xfrm>
+            <a:off x="6759346" y="3430529"/>
+            <a:ext cx="0" cy="621623"/>
+          </a:xfrm>
+          <a:prstGeom prst="straightConnector1">
+            <a:avLst/>
+          </a:prstGeom>
+          <a:ln>
+            <a:solidFill>
+              <a:schemeClr val="tx1"/>
+            </a:solidFill>
+            <a:tailEnd type="triangle" w="lg" len="lg"/>
+          </a:ln>
+        </p:spPr>
+        <p:style>
+          <a:lnRef idx="1">
+            <a:schemeClr val="accent1"/>
+          </a:lnRef>
+          <a:fillRef idx="0">
+            <a:schemeClr val="accent1"/>
+          </a:fillRef>
+          <a:effectRef idx="0">
+            <a:schemeClr val="accent1"/>
+          </a:effectRef>
+          <a:fontRef idx="minor">
+            <a:schemeClr val="tx1"/>
+          </a:fontRef>
+        </p:style>
+      </p:cxnSp>
+      <mc:AlternateContent xmlns:mc="http://schemas.openxmlformats.org/markup-compatibility/2006">
+        <mc:Choice xmlns:a14="http://schemas.microsoft.com/office/drawing/2010/main" Requires="a14">
+          <p:sp>
+            <p:nvSpPr>
+              <p:cNvPr id="44" name="TextBox 43">
+                <a:extLst>
+                  <a:ext uri="{FF2B5EF4-FFF2-40B4-BE49-F238E27FC236}">
+                    <a16:creationId xmlns:a16="http://schemas.microsoft.com/office/drawing/2014/main" id="{A1683360-63C2-4049-7B02-BACDF8541712}"/>
+                  </a:ext>
+                </a:extLst>
+              </p:cNvPr>
+              <p:cNvSpPr txBox="1"/>
+              <p:nvPr/>
+            </p:nvSpPr>
+            <p:spPr>
+              <a:xfrm>
+                <a:off x="4926680" y="1233165"/>
+                <a:ext cx="466217" cy="369332"/>
+              </a:xfrm>
+              <a:prstGeom prst="rect">
+                <a:avLst/>
+              </a:prstGeom>
+              <a:noFill/>
+            </p:spPr>
+            <p:txBody>
+              <a:bodyPr wrap="square" rtlCol="0">
+                <a:spAutoFit/>
+              </a:bodyPr>
+              <a:lstStyle/>
+              <a:p>
+                <a:pPr/>
+                <a14:m>
+                  <m:oMathPara xmlns:m="http://schemas.openxmlformats.org/officeDocument/2006/math">
+                    <m:oMathParaPr>
+                      <m:jc m:val="centerGroup"/>
+                    </m:oMathParaPr>
+                    <m:oMath xmlns:m="http://schemas.openxmlformats.org/officeDocument/2006/math">
+                      <m:sSub>
+                        <m:sSubPr>
+                          <m:ctrlPr>
+                            <a:rPr lang="en-CA" b="0" i="1" smtClean="0">
+                              <a:latin typeface="Cambria Math" panose="02040503050406030204" pitchFamily="18" charset="0"/>
+                            </a:rPr>
+                          </m:ctrlPr>
+                        </m:sSubPr>
+                        <m:e>
+                          <m:r>
+                            <a:rPr lang="en-CA" b="0" i="1" smtClean="0">
+                              <a:latin typeface="Cambria Math" panose="02040503050406030204" pitchFamily="18" charset="0"/>
+                            </a:rPr>
+                            <m:t>𝜙</m:t>
+                          </m:r>
+                        </m:e>
+                        <m:sub>
+                          <m:r>
+                            <a:rPr lang="en-CA" b="0" i="1" smtClean="0">
+                              <a:latin typeface="Cambria Math" panose="02040503050406030204" pitchFamily="18" charset="0"/>
+                            </a:rPr>
+                            <m:t>1</m:t>
+                          </m:r>
+                        </m:sub>
+                      </m:sSub>
+                    </m:oMath>
+                  </m:oMathPara>
+                </a14:m>
+                <a:endParaRPr lang="en-US" dirty="0"/>
+              </a:p>
+            </p:txBody>
+          </p:sp>
+        </mc:Choice>
+        <mc:Fallback>
+          <p:sp>
+            <p:nvSpPr>
+              <p:cNvPr id="44" name="TextBox 43">
+                <a:extLst>
+                  <a:ext uri="{FF2B5EF4-FFF2-40B4-BE49-F238E27FC236}">
+                    <a16:creationId xmlns:a16="http://schemas.microsoft.com/office/drawing/2014/main" id="{A1683360-63C2-4049-7B02-BACDF8541712}"/>
+                  </a:ext>
+                </a:extLst>
+              </p:cNvPr>
+              <p:cNvSpPr txBox="1">
+                <a:spLocks noRot="1" noChangeAspect="1" noMove="1" noResize="1" noEditPoints="1" noAdjustHandles="1" noChangeArrowheads="1" noChangeShapeType="1" noTextEdit="1"/>
+              </p:cNvSpPr>
+              <p:nvPr/>
+            </p:nvSpPr>
+            <p:spPr>
+              <a:xfrm>
+                <a:off x="4926680" y="1233165"/>
+                <a:ext cx="466217" cy="369332"/>
+              </a:xfrm>
+              <a:prstGeom prst="rect">
+                <a:avLst/>
+              </a:prstGeom>
+              <a:blipFill>
+                <a:blip r:embed="rId9"/>
+                <a:stretch>
+                  <a:fillRect b="-12903"/>
+                </a:stretch>
+              </a:blipFill>
+            </p:spPr>
+            <p:txBody>
+              <a:bodyPr/>
+              <a:lstStyle/>
+              <a:p>
+                <a:r>
+                  <a:rPr lang="en-US">
+                    <a:noFill/>
+                  </a:rPr>
+                  <a:t> </a:t>
+                </a:r>
+              </a:p>
+            </p:txBody>
+          </p:sp>
+        </mc:Fallback>
+      </mc:AlternateContent>
+      <p:sp>
+        <p:nvSpPr>
+          <p:cNvPr id="45" name="Rectangle 44">
+            <a:extLst>
+              <a:ext uri="{FF2B5EF4-FFF2-40B4-BE49-F238E27FC236}">
+                <a16:creationId xmlns:a16="http://schemas.microsoft.com/office/drawing/2014/main" id="{7261C633-D530-D80D-ECC7-465E5C3D53A1}"/>
+              </a:ext>
+            </a:extLst>
+          </p:cNvPr>
+          <p:cNvSpPr/>
+          <p:nvPr/>
+        </p:nvSpPr>
+        <p:spPr>
+          <a:xfrm>
+            <a:off x="4852897" y="1147831"/>
+            <a:ext cx="540000" cy="540000"/>
+          </a:xfrm>
+          <a:prstGeom prst="rect">
+            <a:avLst/>
+          </a:prstGeom>
+          <a:noFill/>
+          <a:ln>
+            <a:solidFill>
+              <a:schemeClr val="tx1"/>
+            </a:solidFill>
+          </a:ln>
+        </p:spPr>
+        <p:style>
+          <a:lnRef idx="2">
+            <a:schemeClr val="accent1">
+              <a:shade val="50000"/>
+            </a:schemeClr>
+          </a:lnRef>
+          <a:fillRef idx="1">
+            <a:schemeClr val="accent1"/>
+          </a:fillRef>
+          <a:effectRef idx="0">
+            <a:schemeClr val="accent1"/>
+          </a:effectRef>
+          <a:fontRef idx="minor">
+            <a:schemeClr val="lt1"/>
+          </a:fontRef>
+        </p:style>
+        <p:txBody>
+          <a:bodyPr rtlCol="0" anchor="ctr"/>
+          <a:lstStyle/>
+          <a:p>
+            <a:pPr algn="ctr"/>
+            <a:endParaRPr lang="en-US"/>
+          </a:p>
+        </p:txBody>
+      </p:sp>
+      <p:cxnSp>
+        <p:nvCxnSpPr>
+          <p:cNvPr id="46" name="Straight Arrow Connector 45">
+            <a:extLst>
+              <a:ext uri="{FF2B5EF4-FFF2-40B4-BE49-F238E27FC236}">
+                <a16:creationId xmlns:a16="http://schemas.microsoft.com/office/drawing/2014/main" id="{ADF33194-0470-A87A-84FD-425C6E20C96F}"/>
+              </a:ext>
+            </a:extLst>
+          </p:cNvPr>
+          <p:cNvCxnSpPr>
+            <a:cxnSpLocks/>
+            <a:stCxn id="45" idx="2"/>
+            <a:endCxn id="11" idx="1"/>
+          </p:cNvCxnSpPr>
+          <p:nvPr/>
+        </p:nvCxnSpPr>
+        <p:spPr>
+          <a:xfrm>
+            <a:off x="5122897" y="1687831"/>
+            <a:ext cx="512184" cy="1280250"/>
+          </a:xfrm>
+          <a:prstGeom prst="straightConnector1">
+            <a:avLst/>
+          </a:prstGeom>
+          <a:ln>
+            <a:solidFill>
+              <a:schemeClr val="tx1"/>
+            </a:solidFill>
+            <a:tailEnd type="triangle" w="lg" len="lg"/>
+          </a:ln>
+        </p:spPr>
+        <p:style>
+          <a:lnRef idx="1">
+            <a:schemeClr val="accent1"/>
+          </a:lnRef>
+          <a:fillRef idx="0">
+            <a:schemeClr val="accent1"/>
+          </a:fillRef>
+          <a:effectRef idx="0">
+            <a:schemeClr val="accent1"/>
+          </a:effectRef>
+          <a:fontRef idx="minor">
+            <a:schemeClr val="tx1"/>
+          </a:fontRef>
+        </p:style>
+      </p:cxnSp>
+      <mc:AlternateContent xmlns:mc="http://schemas.openxmlformats.org/markup-compatibility/2006">
+        <mc:Choice xmlns:a14="http://schemas.microsoft.com/office/drawing/2010/main" Requires="a14">
+          <p:sp>
+            <p:nvSpPr>
+              <p:cNvPr id="49" name="TextBox 48">
+                <a:extLst>
+                  <a:ext uri="{FF2B5EF4-FFF2-40B4-BE49-F238E27FC236}">
+                    <a16:creationId xmlns:a16="http://schemas.microsoft.com/office/drawing/2014/main" id="{2D46CD74-6B53-3C95-224B-B47160265260}"/>
+                  </a:ext>
+                </a:extLst>
+              </p:cNvPr>
+              <p:cNvSpPr txBox="1"/>
+              <p:nvPr/>
+            </p:nvSpPr>
+            <p:spPr>
+              <a:xfrm>
+                <a:off x="5921915" y="1806180"/>
+                <a:ext cx="466217" cy="369332"/>
+              </a:xfrm>
+              <a:prstGeom prst="rect">
+                <a:avLst/>
+              </a:prstGeom>
+              <a:noFill/>
+            </p:spPr>
+            <p:txBody>
+              <a:bodyPr wrap="square" rtlCol="0">
+                <a:spAutoFit/>
+              </a:bodyPr>
+              <a:lstStyle/>
+              <a:p>
+                <a:pPr/>
+                <a14:m>
+                  <m:oMathPara xmlns:m="http://schemas.openxmlformats.org/officeDocument/2006/math">
+                    <m:oMathParaPr>
+                      <m:jc m:val="centerGroup"/>
+                    </m:oMathParaPr>
+                    <m:oMath xmlns:m="http://schemas.openxmlformats.org/officeDocument/2006/math">
+                      <m:sSub>
+                        <m:sSubPr>
+                          <m:ctrlPr>
+                            <a:rPr lang="en-CA" b="0" i="1" smtClean="0">
+                              <a:latin typeface="Cambria Math" panose="02040503050406030204" pitchFamily="18" charset="0"/>
+                            </a:rPr>
+                          </m:ctrlPr>
+                        </m:sSubPr>
+                        <m:e>
+                          <m:r>
+                            <a:rPr lang="en-CA" b="0" i="1" smtClean="0">
+                              <a:latin typeface="Cambria Math" panose="02040503050406030204" pitchFamily="18" charset="0"/>
+                            </a:rPr>
+                            <m:t>𝜙</m:t>
+                          </m:r>
+                        </m:e>
+                        <m:sub>
+                          <m:r>
+                            <a:rPr lang="en-CA" b="0" i="1" smtClean="0">
+                              <a:latin typeface="Cambria Math" panose="02040503050406030204" pitchFamily="18" charset="0"/>
+                            </a:rPr>
+                            <m:t>2</m:t>
+                          </m:r>
+                        </m:sub>
+                      </m:sSub>
+                    </m:oMath>
+                  </m:oMathPara>
+                </a14:m>
+                <a:endParaRPr lang="en-US" dirty="0"/>
+              </a:p>
+            </p:txBody>
+          </p:sp>
+        </mc:Choice>
+        <mc:Fallback>
+          <p:sp>
+            <p:nvSpPr>
+              <p:cNvPr id="49" name="TextBox 48">
+                <a:extLst>
+                  <a:ext uri="{FF2B5EF4-FFF2-40B4-BE49-F238E27FC236}">
+                    <a16:creationId xmlns:a16="http://schemas.microsoft.com/office/drawing/2014/main" id="{2D46CD74-6B53-3C95-224B-B47160265260}"/>
+                  </a:ext>
+                </a:extLst>
+              </p:cNvPr>
+              <p:cNvSpPr txBox="1">
+                <a:spLocks noRot="1" noChangeAspect="1" noMove="1" noResize="1" noEditPoints="1" noAdjustHandles="1" noChangeArrowheads="1" noChangeShapeType="1" noTextEdit="1"/>
+              </p:cNvSpPr>
+              <p:nvPr/>
+            </p:nvSpPr>
+            <p:spPr>
+              <a:xfrm>
+                <a:off x="5921915" y="1806180"/>
+                <a:ext cx="466217" cy="369332"/>
+              </a:xfrm>
+              <a:prstGeom prst="rect">
+                <a:avLst/>
+              </a:prstGeom>
+              <a:blipFill>
+                <a:blip r:embed="rId10"/>
+                <a:stretch>
+                  <a:fillRect b="-13333"/>
+                </a:stretch>
+              </a:blipFill>
+            </p:spPr>
+            <p:txBody>
+              <a:bodyPr/>
+              <a:lstStyle/>
+              <a:p>
+                <a:r>
+                  <a:rPr lang="en-US">
+                    <a:noFill/>
+                  </a:rPr>
+                  <a:t> </a:t>
+                </a:r>
+              </a:p>
+            </p:txBody>
+          </p:sp>
+        </mc:Fallback>
+      </mc:AlternateContent>
+      <p:sp>
+        <p:nvSpPr>
+          <p:cNvPr id="50" name="Rectangle 49">
+            <a:extLst>
+              <a:ext uri="{FF2B5EF4-FFF2-40B4-BE49-F238E27FC236}">
+                <a16:creationId xmlns:a16="http://schemas.microsoft.com/office/drawing/2014/main" id="{928CFA48-2385-7922-ED05-3D83F901BC63}"/>
+              </a:ext>
+            </a:extLst>
+          </p:cNvPr>
+          <p:cNvSpPr/>
+          <p:nvPr/>
+        </p:nvSpPr>
+        <p:spPr>
+          <a:xfrm>
+            <a:off x="5848132" y="1720846"/>
+            <a:ext cx="540000" cy="540000"/>
+          </a:xfrm>
+          <a:prstGeom prst="rect">
+            <a:avLst/>
+          </a:prstGeom>
+          <a:noFill/>
+          <a:ln>
+            <a:solidFill>
+              <a:schemeClr val="tx1"/>
+            </a:solidFill>
+          </a:ln>
+        </p:spPr>
+        <p:style>
+          <a:lnRef idx="2">
+            <a:schemeClr val="accent1">
+              <a:shade val="50000"/>
+            </a:schemeClr>
+          </a:lnRef>
+          <a:fillRef idx="1">
+            <a:schemeClr val="accent1"/>
+          </a:fillRef>
+          <a:effectRef idx="0">
+            <a:schemeClr val="accent1"/>
+          </a:effectRef>
+          <a:fontRef idx="minor">
+            <a:schemeClr val="lt1"/>
+          </a:fontRef>
+        </p:style>
+        <p:txBody>
+          <a:bodyPr rtlCol="0" anchor="ctr"/>
+          <a:lstStyle/>
+          <a:p>
+            <a:pPr algn="ctr"/>
+            <a:endParaRPr lang="en-US"/>
+          </a:p>
+        </p:txBody>
+      </p:sp>
+      <p:cxnSp>
+        <p:nvCxnSpPr>
+          <p:cNvPr id="51" name="Straight Arrow Connector 50">
+            <a:extLst>
+              <a:ext uri="{FF2B5EF4-FFF2-40B4-BE49-F238E27FC236}">
+                <a16:creationId xmlns:a16="http://schemas.microsoft.com/office/drawing/2014/main" id="{768C179F-4B7D-4537-9315-60D005C8A6FE}"/>
+              </a:ext>
+            </a:extLst>
+          </p:cNvPr>
+          <p:cNvCxnSpPr>
+            <a:cxnSpLocks/>
+            <a:stCxn id="50" idx="2"/>
+          </p:cNvCxnSpPr>
+          <p:nvPr/>
+        </p:nvCxnSpPr>
+        <p:spPr>
+          <a:xfrm>
+            <a:off x="6118132" y="2260846"/>
+            <a:ext cx="472427" cy="707235"/>
+          </a:xfrm>
+          <a:prstGeom prst="straightConnector1">
+            <a:avLst/>
+          </a:prstGeom>
+          <a:ln>
+            <a:solidFill>
+              <a:schemeClr val="tx1"/>
+            </a:solidFill>
+            <a:tailEnd type="triangle" w="lg" len="lg"/>
+          </a:ln>
+        </p:spPr>
+        <p:style>
+          <a:lnRef idx="1">
+            <a:schemeClr val="accent1"/>
+          </a:lnRef>
+          <a:fillRef idx="0">
+            <a:schemeClr val="accent1"/>
+          </a:fillRef>
+          <a:effectRef idx="0">
+            <a:schemeClr val="accent1"/>
+          </a:effectRef>
+          <a:fontRef idx="minor">
+            <a:schemeClr val="tx1"/>
+          </a:fontRef>
+        </p:style>
+      </p:cxnSp>
+      <mc:AlternateContent xmlns:mc="http://schemas.openxmlformats.org/markup-compatibility/2006">
+        <mc:Choice xmlns:a14="http://schemas.microsoft.com/office/drawing/2010/main" Requires="a14">
+          <p:sp>
+            <p:nvSpPr>
+              <p:cNvPr id="55" name="TextBox 54">
+                <a:extLst>
+                  <a:ext uri="{FF2B5EF4-FFF2-40B4-BE49-F238E27FC236}">
+                    <a16:creationId xmlns:a16="http://schemas.microsoft.com/office/drawing/2014/main" id="{7B6BD2DD-A129-7C0E-F285-1E2350CE4CED}"/>
+                  </a:ext>
+                </a:extLst>
+              </p:cNvPr>
+              <p:cNvSpPr txBox="1"/>
+              <p:nvPr/>
+            </p:nvSpPr>
+            <p:spPr>
+              <a:xfrm>
+                <a:off x="4693572" y="5274447"/>
+                <a:ext cx="466217" cy="369332"/>
+              </a:xfrm>
+              <a:prstGeom prst="rect">
+                <a:avLst/>
+              </a:prstGeom>
+              <a:noFill/>
+            </p:spPr>
+            <p:txBody>
+              <a:bodyPr wrap="square" rtlCol="0">
+                <a:spAutoFit/>
+              </a:bodyPr>
+              <a:lstStyle/>
+              <a:p>
+                <a:pPr/>
+                <a14:m>
+                  <m:oMathPara xmlns:m="http://schemas.openxmlformats.org/officeDocument/2006/math">
+                    <m:oMathParaPr>
+                      <m:jc m:val="centerGroup"/>
+                    </m:oMathParaPr>
+                    <m:oMath xmlns:m="http://schemas.openxmlformats.org/officeDocument/2006/math">
+                      <m:sSub>
+                        <m:sSubPr>
+                          <m:ctrlPr>
+                            <a:rPr lang="en-CA" b="0" i="1" smtClean="0">
+                              <a:latin typeface="Cambria Math" panose="02040503050406030204" pitchFamily="18" charset="0"/>
+                            </a:rPr>
+                          </m:ctrlPr>
+                        </m:sSubPr>
+                        <m:e>
+                          <m:r>
+                            <a:rPr lang="en-CA" b="0" i="1" smtClean="0">
+                              <a:latin typeface="Cambria Math" panose="02040503050406030204" pitchFamily="18" charset="0"/>
+                            </a:rPr>
+                            <m:t>𝑝</m:t>
+                          </m:r>
+                        </m:e>
+                        <m:sub>
+                          <m:r>
+                            <a:rPr lang="en-CA" b="0" i="1" smtClean="0">
+                              <a:latin typeface="Cambria Math" panose="02040503050406030204" pitchFamily="18" charset="0"/>
+                            </a:rPr>
+                            <m:t>1</m:t>
+                          </m:r>
+                        </m:sub>
+                      </m:sSub>
+                    </m:oMath>
+                  </m:oMathPara>
+                </a14:m>
+                <a:endParaRPr lang="en-US" dirty="0"/>
+              </a:p>
+            </p:txBody>
+          </p:sp>
+        </mc:Choice>
+        <mc:Fallback>
+          <p:sp>
+            <p:nvSpPr>
+              <p:cNvPr id="55" name="TextBox 54">
+                <a:extLst>
+                  <a:ext uri="{FF2B5EF4-FFF2-40B4-BE49-F238E27FC236}">
+                    <a16:creationId xmlns:a16="http://schemas.microsoft.com/office/drawing/2014/main" id="{7B6BD2DD-A129-7C0E-F285-1E2350CE4CED}"/>
+                  </a:ext>
+                </a:extLst>
+              </p:cNvPr>
+              <p:cNvSpPr txBox="1">
+                <a:spLocks noRot="1" noChangeAspect="1" noMove="1" noResize="1" noEditPoints="1" noAdjustHandles="1" noChangeArrowheads="1" noChangeShapeType="1" noTextEdit="1"/>
+              </p:cNvSpPr>
+              <p:nvPr/>
+            </p:nvSpPr>
+            <p:spPr>
+              <a:xfrm>
+                <a:off x="4693572" y="5274447"/>
+                <a:ext cx="466217" cy="369332"/>
+              </a:xfrm>
+              <a:prstGeom prst="rect">
+                <a:avLst/>
+              </a:prstGeom>
+              <a:blipFill>
+                <a:blip r:embed="rId11"/>
+                <a:stretch>
+                  <a:fillRect b="-6667"/>
+                </a:stretch>
+              </a:blipFill>
+            </p:spPr>
+            <p:txBody>
+              <a:bodyPr/>
+              <a:lstStyle/>
+              <a:p>
+                <a:r>
+                  <a:rPr lang="en-US">
+                    <a:noFill/>
+                  </a:rPr>
+                  <a:t> </a:t>
+                </a:r>
+              </a:p>
+            </p:txBody>
+          </p:sp>
+        </mc:Fallback>
+      </mc:AlternateContent>
+      <p:sp>
+        <p:nvSpPr>
+          <p:cNvPr id="56" name="Rectangle 55">
+            <a:extLst>
+              <a:ext uri="{FF2B5EF4-FFF2-40B4-BE49-F238E27FC236}">
+                <a16:creationId xmlns:a16="http://schemas.microsoft.com/office/drawing/2014/main" id="{C8BF97B7-DA0E-3BAC-ADF9-0E22E4DC10F2}"/>
+              </a:ext>
+            </a:extLst>
+          </p:cNvPr>
+          <p:cNvSpPr/>
+          <p:nvPr/>
+        </p:nvSpPr>
+        <p:spPr>
+          <a:xfrm>
+            <a:off x="4619789" y="5189113"/>
+            <a:ext cx="540000" cy="540000"/>
+          </a:xfrm>
+          <a:prstGeom prst="rect">
+            <a:avLst/>
+          </a:prstGeom>
+          <a:noFill/>
+          <a:ln>
+            <a:solidFill>
+              <a:schemeClr val="tx1"/>
+            </a:solidFill>
+          </a:ln>
+        </p:spPr>
+        <p:style>
+          <a:lnRef idx="2">
+            <a:schemeClr val="accent1">
+              <a:shade val="50000"/>
+            </a:schemeClr>
+          </a:lnRef>
+          <a:fillRef idx="1">
+            <a:schemeClr val="accent1"/>
+          </a:fillRef>
+          <a:effectRef idx="0">
+            <a:schemeClr val="accent1"/>
+          </a:effectRef>
+          <a:fontRef idx="minor">
+            <a:schemeClr val="lt1"/>
+          </a:fontRef>
+        </p:style>
+        <p:txBody>
+          <a:bodyPr rtlCol="0" anchor="ctr"/>
+          <a:lstStyle/>
+          <a:p>
+            <a:pPr algn="ctr"/>
+            <a:endParaRPr lang="en-US"/>
+          </a:p>
+        </p:txBody>
+      </p:sp>
+      <p:cxnSp>
+        <p:nvCxnSpPr>
+          <p:cNvPr id="57" name="Straight Arrow Connector 56">
+            <a:extLst>
+              <a:ext uri="{FF2B5EF4-FFF2-40B4-BE49-F238E27FC236}">
+                <a16:creationId xmlns:a16="http://schemas.microsoft.com/office/drawing/2014/main" id="{108ECCFC-09FB-2775-4F4B-14085192D3F4}"/>
+              </a:ext>
+            </a:extLst>
+          </p:cNvPr>
+          <p:cNvCxnSpPr>
+            <a:cxnSpLocks/>
+            <a:stCxn id="56" idx="0"/>
+            <a:endCxn id="2" idx="4"/>
+          </p:cNvCxnSpPr>
+          <p:nvPr/>
+        </p:nvCxnSpPr>
+        <p:spPr>
+          <a:xfrm flipV="1">
+            <a:off x="4889789" y="4590623"/>
+            <a:ext cx="2867" cy="598490"/>
+          </a:xfrm>
+          <a:prstGeom prst="straightConnector1">
+            <a:avLst/>
+          </a:prstGeom>
+          <a:ln>
+            <a:solidFill>
+              <a:schemeClr val="tx1"/>
+            </a:solidFill>
+            <a:tailEnd type="triangle" w="lg" len="lg"/>
+          </a:ln>
+        </p:spPr>
+        <p:style>
+          <a:lnRef idx="1">
+            <a:schemeClr val="accent1"/>
+          </a:lnRef>
+          <a:fillRef idx="0">
+            <a:schemeClr val="accent1"/>
+          </a:fillRef>
+          <a:effectRef idx="0">
+            <a:schemeClr val="accent1"/>
+          </a:effectRef>
+          <a:fontRef idx="minor">
+            <a:schemeClr val="tx1"/>
+          </a:fontRef>
+        </p:style>
+      </p:cxnSp>
+      <mc:AlternateContent xmlns:mc="http://schemas.openxmlformats.org/markup-compatibility/2006">
+        <mc:Choice xmlns:a14="http://schemas.microsoft.com/office/drawing/2010/main" Requires="a14">
+          <p:sp>
+            <p:nvSpPr>
+              <p:cNvPr id="67" name="TextBox 66">
+                <a:extLst>
+                  <a:ext uri="{FF2B5EF4-FFF2-40B4-BE49-F238E27FC236}">
+                    <a16:creationId xmlns:a16="http://schemas.microsoft.com/office/drawing/2014/main" id="{6EBF0153-2220-0543-18AE-062EE54CE097}"/>
+                  </a:ext>
+                </a:extLst>
+              </p:cNvPr>
+              <p:cNvSpPr txBox="1"/>
+              <p:nvPr/>
+            </p:nvSpPr>
+            <p:spPr>
+              <a:xfrm>
+                <a:off x="5631786" y="5269237"/>
+                <a:ext cx="466217" cy="369332"/>
+              </a:xfrm>
+              <a:prstGeom prst="rect">
+                <a:avLst/>
+              </a:prstGeom>
+              <a:noFill/>
+            </p:spPr>
+            <p:txBody>
+              <a:bodyPr wrap="square" rtlCol="0">
+                <a:spAutoFit/>
+              </a:bodyPr>
+              <a:lstStyle/>
+              <a:p>
+                <a:pPr/>
+                <a14:m>
+                  <m:oMathPara xmlns:m="http://schemas.openxmlformats.org/officeDocument/2006/math">
+                    <m:oMathParaPr>
+                      <m:jc m:val="centerGroup"/>
+                    </m:oMathParaPr>
+                    <m:oMath xmlns:m="http://schemas.openxmlformats.org/officeDocument/2006/math">
+                      <m:sSub>
+                        <m:sSubPr>
+                          <m:ctrlPr>
+                            <a:rPr lang="en-CA" b="0" i="1" smtClean="0">
+                              <a:latin typeface="Cambria Math" panose="02040503050406030204" pitchFamily="18" charset="0"/>
+                            </a:rPr>
+                          </m:ctrlPr>
+                        </m:sSubPr>
+                        <m:e>
+                          <m:r>
+                            <a:rPr lang="en-CA" b="0" i="1" smtClean="0">
+                              <a:latin typeface="Cambria Math" panose="02040503050406030204" pitchFamily="18" charset="0"/>
+                            </a:rPr>
+                            <m:t>𝑝</m:t>
+                          </m:r>
+                        </m:e>
+                        <m:sub>
+                          <m:r>
+                            <a:rPr lang="en-CA" b="0" i="1" smtClean="0">
+                              <a:latin typeface="Cambria Math" panose="02040503050406030204" pitchFamily="18" charset="0"/>
+                            </a:rPr>
+                            <m:t>2</m:t>
+                          </m:r>
+                        </m:sub>
+                      </m:sSub>
+                    </m:oMath>
+                  </m:oMathPara>
+                </a14:m>
+                <a:endParaRPr lang="en-US" dirty="0"/>
+              </a:p>
+            </p:txBody>
+          </p:sp>
+        </mc:Choice>
+        <mc:Fallback>
+          <p:sp>
+            <p:nvSpPr>
+              <p:cNvPr id="67" name="TextBox 66">
+                <a:extLst>
+                  <a:ext uri="{FF2B5EF4-FFF2-40B4-BE49-F238E27FC236}">
+                    <a16:creationId xmlns:a16="http://schemas.microsoft.com/office/drawing/2014/main" id="{6EBF0153-2220-0543-18AE-062EE54CE097}"/>
+                  </a:ext>
+                </a:extLst>
+              </p:cNvPr>
+              <p:cNvSpPr txBox="1">
+                <a:spLocks noRot="1" noChangeAspect="1" noMove="1" noResize="1" noEditPoints="1" noAdjustHandles="1" noChangeArrowheads="1" noChangeShapeType="1" noTextEdit="1"/>
+              </p:cNvSpPr>
+              <p:nvPr/>
+            </p:nvSpPr>
+            <p:spPr>
+              <a:xfrm>
+                <a:off x="5631786" y="5269237"/>
+                <a:ext cx="466217" cy="369332"/>
+              </a:xfrm>
+              <a:prstGeom prst="rect">
+                <a:avLst/>
+              </a:prstGeom>
+              <a:blipFill>
+                <a:blip r:embed="rId12"/>
+                <a:stretch>
+                  <a:fillRect b="-6452"/>
+                </a:stretch>
+              </a:blipFill>
+            </p:spPr>
+            <p:txBody>
+              <a:bodyPr/>
+              <a:lstStyle/>
+              <a:p>
+                <a:r>
+                  <a:rPr lang="en-US">
+                    <a:noFill/>
+                  </a:rPr>
+                  <a:t> </a:t>
+                </a:r>
+              </a:p>
+            </p:txBody>
+          </p:sp>
+        </mc:Fallback>
+      </mc:AlternateContent>
+      <p:sp>
+        <p:nvSpPr>
+          <p:cNvPr id="68" name="Rectangle 67">
+            <a:extLst>
+              <a:ext uri="{FF2B5EF4-FFF2-40B4-BE49-F238E27FC236}">
+                <a16:creationId xmlns:a16="http://schemas.microsoft.com/office/drawing/2014/main" id="{350B80D3-12D5-3885-F7FC-C92A0AC9C39A}"/>
+              </a:ext>
+            </a:extLst>
+          </p:cNvPr>
+          <p:cNvSpPr/>
+          <p:nvPr/>
+        </p:nvSpPr>
+        <p:spPr>
+          <a:xfrm>
+            <a:off x="5558003" y="5183903"/>
+            <a:ext cx="540000" cy="540000"/>
+          </a:xfrm>
+          <a:prstGeom prst="rect">
+            <a:avLst/>
+          </a:prstGeom>
+          <a:noFill/>
+          <a:ln>
+            <a:solidFill>
+              <a:schemeClr val="tx1"/>
+            </a:solidFill>
+          </a:ln>
+        </p:spPr>
+        <p:style>
+          <a:lnRef idx="2">
+            <a:schemeClr val="accent1">
+              <a:shade val="50000"/>
+            </a:schemeClr>
+          </a:lnRef>
+          <a:fillRef idx="1">
+            <a:schemeClr val="accent1"/>
+          </a:fillRef>
+          <a:effectRef idx="0">
+            <a:schemeClr val="accent1"/>
+          </a:effectRef>
+          <a:fontRef idx="minor">
+            <a:schemeClr val="lt1"/>
+          </a:fontRef>
+        </p:style>
+        <p:txBody>
+          <a:bodyPr rtlCol="0" anchor="ctr"/>
+          <a:lstStyle/>
+          <a:p>
+            <a:pPr algn="ctr"/>
+            <a:endParaRPr lang="en-US"/>
+          </a:p>
+        </p:txBody>
+      </p:sp>
+      <p:cxnSp>
+        <p:nvCxnSpPr>
+          <p:cNvPr id="69" name="Straight Arrow Connector 68">
+            <a:extLst>
+              <a:ext uri="{FF2B5EF4-FFF2-40B4-BE49-F238E27FC236}">
+                <a16:creationId xmlns:a16="http://schemas.microsoft.com/office/drawing/2014/main" id="{659AADFC-3177-2A1B-E74E-648EC36B0D0D}"/>
+              </a:ext>
+            </a:extLst>
+          </p:cNvPr>
+          <p:cNvCxnSpPr>
+            <a:cxnSpLocks/>
+            <a:stCxn id="68" idx="0"/>
+          </p:cNvCxnSpPr>
+          <p:nvPr/>
+        </p:nvCxnSpPr>
+        <p:spPr>
+          <a:xfrm flipV="1">
+            <a:off x="5828003" y="4585413"/>
+            <a:ext cx="2867" cy="598490"/>
+          </a:xfrm>
+          <a:prstGeom prst="straightConnector1">
+            <a:avLst/>
+          </a:prstGeom>
+          <a:ln>
+            <a:solidFill>
+              <a:schemeClr val="tx1"/>
+            </a:solidFill>
+            <a:tailEnd type="triangle" w="lg" len="lg"/>
+          </a:ln>
+        </p:spPr>
+        <p:style>
+          <a:lnRef idx="1">
+            <a:schemeClr val="accent1"/>
+          </a:lnRef>
+          <a:fillRef idx="0">
+            <a:schemeClr val="accent1"/>
+          </a:fillRef>
+          <a:effectRef idx="0">
+            <a:schemeClr val="accent1"/>
+          </a:effectRef>
+          <a:fontRef idx="minor">
+            <a:schemeClr val="tx1"/>
+          </a:fontRef>
+        </p:style>
+      </p:cxnSp>
+      <mc:AlternateContent xmlns:mc="http://schemas.openxmlformats.org/markup-compatibility/2006">
+        <mc:Choice xmlns:a14="http://schemas.microsoft.com/office/drawing/2010/main" Requires="a14">
+          <p:sp>
+            <p:nvSpPr>
+              <p:cNvPr id="70" name="TextBox 69">
+                <a:extLst>
+                  <a:ext uri="{FF2B5EF4-FFF2-40B4-BE49-F238E27FC236}">
+                    <a16:creationId xmlns:a16="http://schemas.microsoft.com/office/drawing/2014/main" id="{EAE7D4FE-300E-D92E-C5BA-DA0CCA28045D}"/>
+                  </a:ext>
+                </a:extLst>
+              </p:cNvPr>
+              <p:cNvSpPr txBox="1"/>
+              <p:nvPr/>
+            </p:nvSpPr>
+            <p:spPr>
+              <a:xfrm>
+                <a:off x="6570000" y="5278373"/>
+                <a:ext cx="466217" cy="369332"/>
+              </a:xfrm>
+              <a:prstGeom prst="rect">
+                <a:avLst/>
+              </a:prstGeom>
+              <a:noFill/>
+            </p:spPr>
+            <p:txBody>
+              <a:bodyPr wrap="square" rtlCol="0">
+                <a:spAutoFit/>
+              </a:bodyPr>
+              <a:lstStyle/>
+              <a:p>
+                <a:pPr/>
+                <a14:m>
+                  <m:oMathPara xmlns:m="http://schemas.openxmlformats.org/officeDocument/2006/math">
+                    <m:oMathParaPr>
+                      <m:jc m:val="centerGroup"/>
+                    </m:oMathParaPr>
+                    <m:oMath xmlns:m="http://schemas.openxmlformats.org/officeDocument/2006/math">
+                      <m:sSub>
+                        <m:sSubPr>
+                          <m:ctrlPr>
+                            <a:rPr lang="en-CA" b="0" i="1" smtClean="0">
+                              <a:latin typeface="Cambria Math" panose="02040503050406030204" pitchFamily="18" charset="0"/>
+                            </a:rPr>
+                          </m:ctrlPr>
+                        </m:sSubPr>
+                        <m:e>
+                          <m:r>
+                            <a:rPr lang="en-CA" b="0" i="1" smtClean="0">
+                              <a:latin typeface="Cambria Math" panose="02040503050406030204" pitchFamily="18" charset="0"/>
+                            </a:rPr>
+                            <m:t>𝑝</m:t>
+                          </m:r>
+                        </m:e>
+                        <m:sub>
+                          <m:r>
+                            <a:rPr lang="en-CA" b="0" i="1" smtClean="0">
+                              <a:latin typeface="Cambria Math" panose="02040503050406030204" pitchFamily="18" charset="0"/>
+                            </a:rPr>
+                            <m:t>3</m:t>
+                          </m:r>
+                        </m:sub>
+                      </m:sSub>
+                    </m:oMath>
+                  </m:oMathPara>
+                </a14:m>
+                <a:endParaRPr lang="en-US" dirty="0"/>
+              </a:p>
+            </p:txBody>
+          </p:sp>
+        </mc:Choice>
+        <mc:Fallback>
+          <p:sp>
+            <p:nvSpPr>
+              <p:cNvPr id="70" name="TextBox 69">
+                <a:extLst>
+                  <a:ext uri="{FF2B5EF4-FFF2-40B4-BE49-F238E27FC236}">
+                    <a16:creationId xmlns:a16="http://schemas.microsoft.com/office/drawing/2014/main" id="{EAE7D4FE-300E-D92E-C5BA-DA0CCA28045D}"/>
+                  </a:ext>
+                </a:extLst>
+              </p:cNvPr>
+              <p:cNvSpPr txBox="1">
+                <a:spLocks noRot="1" noChangeAspect="1" noMove="1" noResize="1" noEditPoints="1" noAdjustHandles="1" noChangeArrowheads="1" noChangeShapeType="1" noTextEdit="1"/>
+              </p:cNvSpPr>
+              <p:nvPr/>
+            </p:nvSpPr>
+            <p:spPr>
+              <a:xfrm>
+                <a:off x="6570000" y="5278373"/>
+                <a:ext cx="466217" cy="369332"/>
+              </a:xfrm>
+              <a:prstGeom prst="rect">
+                <a:avLst/>
+              </a:prstGeom>
+              <a:blipFill>
+                <a:blip r:embed="rId13"/>
+                <a:stretch>
+                  <a:fillRect b="-6667"/>
+                </a:stretch>
+              </a:blipFill>
+            </p:spPr>
+            <p:txBody>
+              <a:bodyPr/>
+              <a:lstStyle/>
+              <a:p>
+                <a:r>
+                  <a:rPr lang="en-US">
+                    <a:noFill/>
+                  </a:rPr>
+                  <a:t> </a:t>
+                </a:r>
+              </a:p>
+            </p:txBody>
+          </p:sp>
+        </mc:Fallback>
+      </mc:AlternateContent>
+      <p:sp>
+        <p:nvSpPr>
+          <p:cNvPr id="71" name="Rectangle 70">
+            <a:extLst>
+              <a:ext uri="{FF2B5EF4-FFF2-40B4-BE49-F238E27FC236}">
+                <a16:creationId xmlns:a16="http://schemas.microsoft.com/office/drawing/2014/main" id="{B3A53B54-E451-EC79-2ECD-B85AB23ABF03}"/>
+              </a:ext>
+            </a:extLst>
+          </p:cNvPr>
+          <p:cNvSpPr/>
+          <p:nvPr/>
+        </p:nvSpPr>
+        <p:spPr>
+          <a:xfrm>
+            <a:off x="6496217" y="5193039"/>
+            <a:ext cx="540000" cy="540000"/>
+          </a:xfrm>
+          <a:prstGeom prst="rect">
+            <a:avLst/>
+          </a:prstGeom>
+          <a:noFill/>
+          <a:ln>
+            <a:solidFill>
+              <a:schemeClr val="tx1"/>
+            </a:solidFill>
+          </a:ln>
+        </p:spPr>
+        <p:style>
+          <a:lnRef idx="2">
+            <a:schemeClr val="accent1">
+              <a:shade val="50000"/>
+            </a:schemeClr>
+          </a:lnRef>
+          <a:fillRef idx="1">
+            <a:schemeClr val="accent1"/>
+          </a:fillRef>
+          <a:effectRef idx="0">
+            <a:schemeClr val="accent1"/>
+          </a:effectRef>
+          <a:fontRef idx="minor">
+            <a:schemeClr val="lt1"/>
+          </a:fontRef>
+        </p:style>
+        <p:txBody>
+          <a:bodyPr rtlCol="0" anchor="ctr"/>
+          <a:lstStyle/>
+          <a:p>
+            <a:pPr algn="ctr"/>
+            <a:endParaRPr lang="en-US"/>
+          </a:p>
+        </p:txBody>
+      </p:sp>
+      <p:cxnSp>
+        <p:nvCxnSpPr>
+          <p:cNvPr id="72" name="Straight Arrow Connector 71">
+            <a:extLst>
+              <a:ext uri="{FF2B5EF4-FFF2-40B4-BE49-F238E27FC236}">
+                <a16:creationId xmlns:a16="http://schemas.microsoft.com/office/drawing/2014/main" id="{813C19E3-0F44-F9D5-0625-D95599E18F86}"/>
+              </a:ext>
+            </a:extLst>
+          </p:cNvPr>
+          <p:cNvCxnSpPr>
+            <a:cxnSpLocks/>
+            <a:stCxn id="71" idx="0"/>
+          </p:cNvCxnSpPr>
+          <p:nvPr/>
+        </p:nvCxnSpPr>
+        <p:spPr>
+          <a:xfrm flipV="1">
+            <a:off x="6766217" y="4594549"/>
+            <a:ext cx="2867" cy="598490"/>
+          </a:xfrm>
+          <a:prstGeom prst="straightConnector1">
+            <a:avLst/>
+          </a:prstGeom>
+          <a:ln>
+            <a:solidFill>
+              <a:schemeClr val="tx1"/>
+            </a:solidFill>
+            <a:tailEnd type="triangle" w="lg" len="lg"/>
+          </a:ln>
+        </p:spPr>
+        <p:style>
+          <a:lnRef idx="1">
+            <a:schemeClr val="accent1"/>
+          </a:lnRef>
+          <a:fillRef idx="0">
+            <a:schemeClr val="accent1"/>
+          </a:fillRef>
+          <a:effectRef idx="0">
+            <a:schemeClr val="accent1"/>
+          </a:effectRef>
+          <a:fontRef idx="minor">
+            <a:schemeClr val="tx1"/>
+          </a:fontRef>
+        </p:style>
+      </p:cxnSp>
+      <mc:AlternateContent xmlns:mc="http://schemas.openxmlformats.org/markup-compatibility/2006">
+        <mc:Choice xmlns:a14="http://schemas.microsoft.com/office/drawing/2010/main" Requires="a14">
+          <p:sp>
+            <p:nvSpPr>
+              <p:cNvPr id="4" name="Oval 3">
+                <a:extLst>
+                  <a:ext uri="{FF2B5EF4-FFF2-40B4-BE49-F238E27FC236}">
+                    <a16:creationId xmlns:a16="http://schemas.microsoft.com/office/drawing/2014/main" id="{A2D11E6B-24EF-FAFD-1590-7893A5E0E2D6}"/>
+                  </a:ext>
+                </a:extLst>
+              </p:cNvPr>
+              <p:cNvSpPr/>
+              <p:nvPr/>
+            </p:nvSpPr>
+            <p:spPr>
+              <a:xfrm>
+                <a:off x="7422689" y="4036932"/>
+                <a:ext cx="540000" cy="540000"/>
+              </a:xfrm>
+              <a:prstGeom prst="ellipse">
+                <a:avLst/>
+              </a:prstGeom>
+              <a:noFill/>
+              <a:ln>
+                <a:solidFill>
+                  <a:schemeClr val="tx1"/>
+                </a:solidFill>
+              </a:ln>
+            </p:spPr>
+            <p:style>
+              <a:lnRef idx="2">
+                <a:schemeClr val="accent1">
+                  <a:shade val="50000"/>
+                </a:schemeClr>
+              </a:lnRef>
+              <a:fillRef idx="1">
+                <a:schemeClr val="accent1"/>
+              </a:fillRef>
+              <a:effectRef idx="0">
+                <a:schemeClr val="accent1"/>
+              </a:effectRef>
+              <a:fontRef idx="minor">
+                <a:schemeClr val="lt1"/>
+              </a:fontRef>
+            </p:style>
+            <p:txBody>
+              <a:bodyPr rtlCol="0" anchor="ctr"/>
+              <a:lstStyle/>
+              <a:p>
+                <a:pPr algn="ctr"/>
+                <a14:m>
+                  <m:oMathPara xmlns:m="http://schemas.openxmlformats.org/officeDocument/2006/math">
+                    <m:oMathParaPr>
+                      <m:jc m:val="centerGroup"/>
+                    </m:oMathParaPr>
+                    <m:oMath xmlns:m="http://schemas.openxmlformats.org/officeDocument/2006/math">
+                      <m:sSub>
+                        <m:sSubPr>
+                          <m:ctrlPr>
+                            <a:rPr lang="en-CA" b="0" i="1" smtClean="0">
+                              <a:solidFill>
+                                <a:schemeClr val="tx1"/>
+                              </a:solidFill>
+                              <a:latin typeface="Cambria Math" panose="02040503050406030204" pitchFamily="18" charset="0"/>
+                            </a:rPr>
+                          </m:ctrlPr>
+                        </m:sSubPr>
+                        <m:e>
+                          <m:r>
+                            <a:rPr lang="en-CA" b="0" i="1" smtClean="0">
+                              <a:solidFill>
+                                <a:schemeClr val="tx1"/>
+                              </a:solidFill>
+                              <a:latin typeface="Cambria Math" panose="02040503050406030204" pitchFamily="18" charset="0"/>
+                            </a:rPr>
+                            <m:t>𝑌</m:t>
+                          </m:r>
+                        </m:e>
+                        <m:sub>
+                          <m:r>
+                            <a:rPr lang="en-CA" b="0" i="1" smtClean="0">
+                              <a:solidFill>
+                                <a:schemeClr val="tx1"/>
+                              </a:solidFill>
+                              <a:latin typeface="Cambria Math" panose="02040503050406030204" pitchFamily="18" charset="0"/>
+                            </a:rPr>
+                            <m:t>4</m:t>
+                          </m:r>
+                        </m:sub>
+                      </m:sSub>
+                    </m:oMath>
+                  </m:oMathPara>
+                </a14:m>
+                <a:endParaRPr lang="en-CA" b="0" dirty="0">
+                  <a:solidFill>
+                    <a:schemeClr val="tx1"/>
+                  </a:solidFill>
+                </a:endParaRPr>
+              </a:p>
+            </p:txBody>
+          </p:sp>
+        </mc:Choice>
+        <mc:Fallback>
+          <p:sp>
+            <p:nvSpPr>
+              <p:cNvPr id="4" name="Oval 3">
+                <a:extLst>
+                  <a:ext uri="{FF2B5EF4-FFF2-40B4-BE49-F238E27FC236}">
+                    <a16:creationId xmlns:a16="http://schemas.microsoft.com/office/drawing/2014/main" id="{A2D11E6B-24EF-FAFD-1590-7893A5E0E2D6}"/>
+                  </a:ext>
+                </a:extLst>
+              </p:cNvPr>
+              <p:cNvSpPr>
+                <a:spLocks noRot="1" noChangeAspect="1" noMove="1" noResize="1" noEditPoints="1" noAdjustHandles="1" noChangeArrowheads="1" noChangeShapeType="1" noTextEdit="1"/>
+              </p:cNvSpPr>
+              <p:nvPr/>
+            </p:nvSpPr>
+            <p:spPr>
+              <a:xfrm>
+                <a:off x="7422689" y="4036932"/>
+                <a:ext cx="540000" cy="540000"/>
+              </a:xfrm>
+              <a:prstGeom prst="ellipse">
+                <a:avLst/>
+              </a:prstGeom>
+              <a:blipFill>
+                <a:blip r:embed="rId14"/>
+                <a:stretch>
+                  <a:fillRect/>
+                </a:stretch>
+              </a:blipFill>
+              <a:ln>
+                <a:solidFill>
+                  <a:schemeClr val="tx1"/>
+                </a:solidFill>
+              </a:ln>
+            </p:spPr>
+            <p:txBody>
+              <a:bodyPr/>
+              <a:lstStyle/>
+              <a:p>
+                <a:r>
+                  <a:rPr lang="en-US">
+                    <a:noFill/>
+                  </a:rPr>
+                  <a:t> </a:t>
+                </a:r>
+              </a:p>
+            </p:txBody>
+          </p:sp>
+        </mc:Fallback>
+      </mc:AlternateContent>
+      <mc:AlternateContent xmlns:mc="http://schemas.openxmlformats.org/markup-compatibility/2006">
+        <mc:Choice xmlns:a14="http://schemas.microsoft.com/office/drawing/2010/main" Requires="a14">
+          <p:sp>
+            <p:nvSpPr>
+              <p:cNvPr id="5" name="Oval 4">
+                <a:extLst>
+                  <a:ext uri="{FF2B5EF4-FFF2-40B4-BE49-F238E27FC236}">
+                    <a16:creationId xmlns:a16="http://schemas.microsoft.com/office/drawing/2014/main" id="{8E6F36A2-2BD3-2142-BD33-DD3EA0DE10F5}"/>
+                  </a:ext>
+                </a:extLst>
+              </p:cNvPr>
+              <p:cNvSpPr/>
+              <p:nvPr/>
+            </p:nvSpPr>
+            <p:spPr>
+              <a:xfrm>
+                <a:off x="7422689" y="2875309"/>
+                <a:ext cx="540000" cy="540000"/>
+              </a:xfrm>
+              <a:prstGeom prst="ellipse">
+                <a:avLst/>
+              </a:prstGeom>
+              <a:noFill/>
+              <a:ln>
+                <a:solidFill>
+                  <a:schemeClr val="tx1"/>
+                </a:solidFill>
+              </a:ln>
+            </p:spPr>
+            <p:style>
+              <a:lnRef idx="2">
+                <a:schemeClr val="accent1">
+                  <a:shade val="50000"/>
+                </a:schemeClr>
+              </a:lnRef>
+              <a:fillRef idx="1">
+                <a:schemeClr val="accent1"/>
+              </a:fillRef>
+              <a:effectRef idx="0">
+                <a:schemeClr val="accent1"/>
+              </a:effectRef>
+              <a:fontRef idx="minor">
+                <a:schemeClr val="lt1"/>
+              </a:fontRef>
+            </p:style>
+            <p:txBody>
+              <a:bodyPr rtlCol="0" anchor="ctr"/>
+              <a:lstStyle/>
+              <a:p>
+                <a:pPr algn="ctr"/>
+                <a14:m>
+                  <m:oMathPara xmlns:m="http://schemas.openxmlformats.org/officeDocument/2006/math">
+                    <m:oMathParaPr>
+                      <m:jc m:val="centerGroup"/>
+                    </m:oMathParaPr>
+                    <m:oMath xmlns:m="http://schemas.openxmlformats.org/officeDocument/2006/math">
+                      <m:sSub>
+                        <m:sSubPr>
+                          <m:ctrlPr>
+                            <a:rPr lang="en-CA" b="0" i="1" smtClean="0">
+                              <a:solidFill>
+                                <a:schemeClr val="tx1"/>
+                              </a:solidFill>
+                              <a:latin typeface="Cambria Math" panose="02040503050406030204" pitchFamily="18" charset="0"/>
+                            </a:rPr>
+                          </m:ctrlPr>
+                        </m:sSubPr>
+                        <m:e>
+                          <m:r>
+                            <a:rPr lang="en-CA" b="0" i="1" smtClean="0">
+                              <a:solidFill>
+                                <a:schemeClr val="tx1"/>
+                              </a:solidFill>
+                              <a:latin typeface="Cambria Math" panose="02040503050406030204" pitchFamily="18" charset="0"/>
+                            </a:rPr>
+                            <m:t>𝑍</m:t>
+                          </m:r>
+                        </m:e>
+                        <m:sub>
+                          <m:r>
+                            <a:rPr lang="en-CA" b="0" i="1" smtClean="0">
+                              <a:solidFill>
+                                <a:schemeClr val="tx1"/>
+                              </a:solidFill>
+                              <a:latin typeface="Cambria Math" panose="02040503050406030204" pitchFamily="18" charset="0"/>
+                            </a:rPr>
+                            <m:t>4</m:t>
+                          </m:r>
+                        </m:sub>
+                      </m:sSub>
+                    </m:oMath>
+                  </m:oMathPara>
+                </a14:m>
+                <a:endParaRPr lang="en-CA" b="0" dirty="0">
+                  <a:solidFill>
+                    <a:schemeClr val="tx1"/>
+                  </a:solidFill>
+                </a:endParaRPr>
+              </a:p>
+            </p:txBody>
+          </p:sp>
+        </mc:Choice>
+        <mc:Fallback>
+          <p:sp>
+            <p:nvSpPr>
+              <p:cNvPr id="5" name="Oval 4">
+                <a:extLst>
+                  <a:ext uri="{FF2B5EF4-FFF2-40B4-BE49-F238E27FC236}">
+                    <a16:creationId xmlns:a16="http://schemas.microsoft.com/office/drawing/2014/main" id="{8E6F36A2-2BD3-2142-BD33-DD3EA0DE10F5}"/>
+                  </a:ext>
+                </a:extLst>
+              </p:cNvPr>
+              <p:cNvSpPr>
+                <a:spLocks noRot="1" noChangeAspect="1" noMove="1" noResize="1" noEditPoints="1" noAdjustHandles="1" noChangeArrowheads="1" noChangeShapeType="1" noTextEdit="1"/>
+              </p:cNvSpPr>
+              <p:nvPr/>
+            </p:nvSpPr>
+            <p:spPr>
+              <a:xfrm>
+                <a:off x="7422689" y="2875309"/>
+                <a:ext cx="540000" cy="540000"/>
+              </a:xfrm>
+              <a:prstGeom prst="ellipse">
+                <a:avLst/>
+              </a:prstGeom>
+              <a:blipFill>
+                <a:blip r:embed="rId15"/>
+                <a:stretch>
+                  <a:fillRect/>
+                </a:stretch>
+              </a:blipFill>
+              <a:ln>
+                <a:solidFill>
+                  <a:schemeClr val="tx1"/>
+                </a:solidFill>
+              </a:ln>
+            </p:spPr>
+            <p:txBody>
+              <a:bodyPr/>
+              <a:lstStyle/>
+              <a:p>
+                <a:r>
+                  <a:rPr lang="en-US">
+                    <a:noFill/>
+                  </a:rPr>
+                  <a:t> </a:t>
+                </a:r>
+              </a:p>
+            </p:txBody>
+          </p:sp>
+        </mc:Fallback>
+      </mc:AlternateContent>
+      <p:cxnSp>
+        <p:nvCxnSpPr>
+          <p:cNvPr id="6" name="Straight Arrow Connector 5">
+            <a:extLst>
+              <a:ext uri="{FF2B5EF4-FFF2-40B4-BE49-F238E27FC236}">
+                <a16:creationId xmlns:a16="http://schemas.microsoft.com/office/drawing/2014/main" id="{BFF64CD4-BBFB-394F-6D71-FC31FBA5408C}"/>
+              </a:ext>
+            </a:extLst>
+          </p:cNvPr>
+          <p:cNvCxnSpPr>
+            <a:cxnSpLocks/>
+          </p:cNvCxnSpPr>
+          <p:nvPr/>
+        </p:nvCxnSpPr>
+        <p:spPr>
+          <a:xfrm flipV="1">
+            <a:off x="7965443" y="3145309"/>
+            <a:ext cx="393346" cy="1620"/>
+          </a:xfrm>
+          <a:prstGeom prst="straightConnector1">
+            <a:avLst/>
+          </a:prstGeom>
+          <a:ln>
+            <a:solidFill>
+              <a:schemeClr val="tx1"/>
+            </a:solidFill>
+            <a:tailEnd type="triangle" w="lg" len="lg"/>
+          </a:ln>
+        </p:spPr>
+        <p:style>
+          <a:lnRef idx="1">
+            <a:schemeClr val="accent1"/>
+          </a:lnRef>
+          <a:fillRef idx="0">
+            <a:schemeClr val="accent1"/>
+          </a:fillRef>
+          <a:effectRef idx="0">
+            <a:schemeClr val="accent1"/>
+          </a:effectRef>
+          <a:fontRef idx="minor">
+            <a:schemeClr val="tx1"/>
+          </a:fontRef>
+        </p:style>
+      </p:cxnSp>
+      <p:cxnSp>
+        <p:nvCxnSpPr>
+          <p:cNvPr id="7" name="Straight Arrow Connector 6">
+            <a:extLst>
+              <a:ext uri="{FF2B5EF4-FFF2-40B4-BE49-F238E27FC236}">
+                <a16:creationId xmlns:a16="http://schemas.microsoft.com/office/drawing/2014/main" id="{EC71689A-00DE-1C00-361C-7D5F81E93419}"/>
+              </a:ext>
+            </a:extLst>
+          </p:cNvPr>
+          <p:cNvCxnSpPr>
+            <a:cxnSpLocks/>
+          </p:cNvCxnSpPr>
+          <p:nvPr/>
+        </p:nvCxnSpPr>
+        <p:spPr>
+          <a:xfrm>
+            <a:off x="7692689" y="3416838"/>
+            <a:ext cx="0" cy="621623"/>
+          </a:xfrm>
+          <a:prstGeom prst="straightConnector1">
+            <a:avLst/>
+          </a:prstGeom>
+          <a:ln>
+            <a:solidFill>
+              <a:schemeClr val="tx1"/>
+            </a:solidFill>
+            <a:tailEnd type="triangle" w="lg" len="lg"/>
+          </a:ln>
+        </p:spPr>
+        <p:style>
+          <a:lnRef idx="1">
+            <a:schemeClr val="accent1"/>
+          </a:lnRef>
+          <a:fillRef idx="0">
+            <a:schemeClr val="accent1"/>
+          </a:fillRef>
+          <a:effectRef idx="0">
+            <a:schemeClr val="accent1"/>
+          </a:effectRef>
+          <a:fontRef idx="minor">
+            <a:schemeClr val="tx1"/>
+          </a:fontRef>
+        </p:style>
+      </p:cxnSp>
+      <mc:AlternateContent xmlns:mc="http://schemas.openxmlformats.org/markup-compatibility/2006">
+        <mc:Choice xmlns:a14="http://schemas.microsoft.com/office/drawing/2010/main" Requires="a14">
+          <p:sp>
+            <p:nvSpPr>
+              <p:cNvPr id="8" name="TextBox 7">
+                <a:extLst>
+                  <a:ext uri="{FF2B5EF4-FFF2-40B4-BE49-F238E27FC236}">
+                    <a16:creationId xmlns:a16="http://schemas.microsoft.com/office/drawing/2014/main" id="{D7917962-B821-AAB6-BCF4-9F0415AEAC3D}"/>
+                  </a:ext>
+                </a:extLst>
+              </p:cNvPr>
+              <p:cNvSpPr txBox="1"/>
+              <p:nvPr/>
+            </p:nvSpPr>
+            <p:spPr>
+              <a:xfrm>
+                <a:off x="7503343" y="5264682"/>
+                <a:ext cx="466217" cy="369332"/>
+              </a:xfrm>
+              <a:prstGeom prst="rect">
+                <a:avLst/>
+              </a:prstGeom>
+              <a:noFill/>
+            </p:spPr>
+            <p:txBody>
+              <a:bodyPr wrap="square" rtlCol="0">
+                <a:spAutoFit/>
+              </a:bodyPr>
+              <a:lstStyle/>
+              <a:p>
+                <a:pPr/>
+                <a14:m>
+                  <m:oMathPara xmlns:m="http://schemas.openxmlformats.org/officeDocument/2006/math">
+                    <m:oMathParaPr>
+                      <m:jc m:val="centerGroup"/>
+                    </m:oMathParaPr>
+                    <m:oMath xmlns:m="http://schemas.openxmlformats.org/officeDocument/2006/math">
+                      <m:sSub>
+                        <m:sSubPr>
+                          <m:ctrlPr>
+                            <a:rPr lang="en-CA" b="0" i="1" smtClean="0">
+                              <a:latin typeface="Cambria Math" panose="02040503050406030204" pitchFamily="18" charset="0"/>
+                            </a:rPr>
+                          </m:ctrlPr>
+                        </m:sSubPr>
+                        <m:e>
+                          <m:r>
+                            <a:rPr lang="en-CA" b="0" i="1" smtClean="0">
+                              <a:latin typeface="Cambria Math" panose="02040503050406030204" pitchFamily="18" charset="0"/>
+                            </a:rPr>
+                            <m:t>𝑝</m:t>
+                          </m:r>
+                        </m:e>
+                        <m:sub>
+                          <m:r>
+                            <a:rPr lang="en-CA" b="0" i="1" smtClean="0">
+                              <a:latin typeface="Cambria Math" panose="02040503050406030204" pitchFamily="18" charset="0"/>
+                            </a:rPr>
+                            <m:t>4</m:t>
+                          </m:r>
+                        </m:sub>
+                      </m:sSub>
+                    </m:oMath>
+                  </m:oMathPara>
+                </a14:m>
+                <a:endParaRPr lang="en-US" dirty="0"/>
+              </a:p>
+            </p:txBody>
+          </p:sp>
+        </mc:Choice>
+        <mc:Fallback>
+          <p:sp>
+            <p:nvSpPr>
+              <p:cNvPr id="8" name="TextBox 7">
+                <a:extLst>
+                  <a:ext uri="{FF2B5EF4-FFF2-40B4-BE49-F238E27FC236}">
+                    <a16:creationId xmlns:a16="http://schemas.microsoft.com/office/drawing/2014/main" id="{D7917962-B821-AAB6-BCF4-9F0415AEAC3D}"/>
+                  </a:ext>
+                </a:extLst>
+              </p:cNvPr>
+              <p:cNvSpPr txBox="1">
+                <a:spLocks noRot="1" noChangeAspect="1" noMove="1" noResize="1" noEditPoints="1" noAdjustHandles="1" noChangeArrowheads="1" noChangeShapeType="1" noTextEdit="1"/>
+              </p:cNvSpPr>
+              <p:nvPr/>
+            </p:nvSpPr>
+            <p:spPr>
+              <a:xfrm>
+                <a:off x="7503343" y="5264682"/>
+                <a:ext cx="466217" cy="369332"/>
+              </a:xfrm>
+              <a:prstGeom prst="rect">
+                <a:avLst/>
+              </a:prstGeom>
+              <a:blipFill>
+                <a:blip r:embed="rId16"/>
+                <a:stretch>
+                  <a:fillRect b="-6667"/>
+                </a:stretch>
+              </a:blipFill>
+            </p:spPr>
+            <p:txBody>
+              <a:bodyPr/>
+              <a:lstStyle/>
+              <a:p>
+                <a:r>
+                  <a:rPr lang="en-US">
+                    <a:noFill/>
+                  </a:rPr>
+                  <a:t> </a:t>
+                </a:r>
+              </a:p>
+            </p:txBody>
+          </p:sp>
+        </mc:Fallback>
+      </mc:AlternateContent>
+      <p:sp>
+        <p:nvSpPr>
+          <p:cNvPr id="10" name="Rectangle 9">
+            <a:extLst>
+              <a:ext uri="{FF2B5EF4-FFF2-40B4-BE49-F238E27FC236}">
+                <a16:creationId xmlns:a16="http://schemas.microsoft.com/office/drawing/2014/main" id="{28045B6C-0F5E-4EFE-13B9-D957D729032B}"/>
+              </a:ext>
+            </a:extLst>
+          </p:cNvPr>
+          <p:cNvSpPr/>
+          <p:nvPr/>
+        </p:nvSpPr>
+        <p:spPr>
+          <a:xfrm>
+            <a:off x="7429560" y="5179348"/>
+            <a:ext cx="540000" cy="540000"/>
+          </a:xfrm>
+          <a:prstGeom prst="rect">
+            <a:avLst/>
+          </a:prstGeom>
+          <a:noFill/>
+          <a:ln>
+            <a:solidFill>
+              <a:schemeClr val="tx1"/>
+            </a:solidFill>
+          </a:ln>
+        </p:spPr>
+        <p:style>
+          <a:lnRef idx="2">
+            <a:schemeClr val="accent1">
+              <a:shade val="50000"/>
+            </a:schemeClr>
+          </a:lnRef>
+          <a:fillRef idx="1">
+            <a:schemeClr val="accent1"/>
+          </a:fillRef>
+          <a:effectRef idx="0">
+            <a:schemeClr val="accent1"/>
+          </a:effectRef>
+          <a:fontRef idx="minor">
+            <a:schemeClr val="lt1"/>
+          </a:fontRef>
+        </p:style>
+        <p:txBody>
+          <a:bodyPr rtlCol="0" anchor="ctr"/>
+          <a:lstStyle/>
+          <a:p>
+            <a:pPr algn="ctr"/>
+            <a:endParaRPr lang="en-US"/>
+          </a:p>
+        </p:txBody>
+      </p:sp>
+      <p:cxnSp>
+        <p:nvCxnSpPr>
+          <p:cNvPr id="12" name="Straight Arrow Connector 11">
+            <a:extLst>
+              <a:ext uri="{FF2B5EF4-FFF2-40B4-BE49-F238E27FC236}">
+                <a16:creationId xmlns:a16="http://schemas.microsoft.com/office/drawing/2014/main" id="{66E6FD09-8F6F-06A2-4213-9BEDC39C6C73}"/>
+              </a:ext>
+            </a:extLst>
+          </p:cNvPr>
+          <p:cNvCxnSpPr>
+            <a:cxnSpLocks/>
+            <a:stCxn id="10" idx="0"/>
+          </p:cNvCxnSpPr>
+          <p:nvPr/>
+        </p:nvCxnSpPr>
+        <p:spPr>
+          <a:xfrm flipV="1">
+            <a:off x="7699560" y="4580858"/>
+            <a:ext cx="2867" cy="598490"/>
+          </a:xfrm>
+          <a:prstGeom prst="straightConnector1">
+            <a:avLst/>
+          </a:prstGeom>
+          <a:ln>
+            <a:solidFill>
+              <a:schemeClr val="tx1"/>
+            </a:solidFill>
+            <a:tailEnd type="triangle" w="lg" len="lg"/>
+          </a:ln>
+        </p:spPr>
+        <p:style>
+          <a:lnRef idx="1">
+            <a:schemeClr val="accent1"/>
+          </a:lnRef>
+          <a:fillRef idx="0">
+            <a:schemeClr val="accent1"/>
+          </a:fillRef>
+          <a:effectRef idx="0">
+            <a:schemeClr val="accent1"/>
+          </a:effectRef>
+          <a:fontRef idx="minor">
+            <a:schemeClr val="tx1"/>
+          </a:fontRef>
+        </p:style>
+      </p:cxnSp>
+      <mc:AlternateContent xmlns:mc="http://schemas.openxmlformats.org/markup-compatibility/2006">
+        <mc:Choice xmlns:a14="http://schemas.microsoft.com/office/drawing/2010/main" Requires="a14">
+          <p:sp>
+            <p:nvSpPr>
+              <p:cNvPr id="31" name="Oval 30">
+                <a:extLst>
+                  <a:ext uri="{FF2B5EF4-FFF2-40B4-BE49-F238E27FC236}">
+                    <a16:creationId xmlns:a16="http://schemas.microsoft.com/office/drawing/2014/main" id="{B04D071A-187B-8A3B-E335-C7657504777B}"/>
+                  </a:ext>
+                </a:extLst>
+              </p:cNvPr>
+              <p:cNvSpPr/>
+              <p:nvPr/>
+            </p:nvSpPr>
+            <p:spPr>
+              <a:xfrm>
+                <a:off x="8363739" y="4036932"/>
+                <a:ext cx="540000" cy="540000"/>
+              </a:xfrm>
+              <a:prstGeom prst="ellipse">
+                <a:avLst/>
+              </a:prstGeom>
+              <a:noFill/>
+              <a:ln>
+                <a:solidFill>
+                  <a:schemeClr val="tx1"/>
+                </a:solidFill>
+              </a:ln>
+            </p:spPr>
+            <p:style>
+              <a:lnRef idx="2">
+                <a:schemeClr val="accent1">
+                  <a:shade val="50000"/>
+                </a:schemeClr>
+              </a:lnRef>
+              <a:fillRef idx="1">
+                <a:schemeClr val="accent1"/>
+              </a:fillRef>
+              <a:effectRef idx="0">
+                <a:schemeClr val="accent1"/>
+              </a:effectRef>
+              <a:fontRef idx="minor">
+                <a:schemeClr val="lt1"/>
+              </a:fontRef>
+            </p:style>
+            <p:txBody>
+              <a:bodyPr rtlCol="0" anchor="ctr"/>
+              <a:lstStyle/>
+              <a:p>
+                <a:pPr algn="ctr"/>
+                <a14:m>
+                  <m:oMathPara xmlns:m="http://schemas.openxmlformats.org/officeDocument/2006/math">
+                    <m:oMathParaPr>
+                      <m:jc m:val="centerGroup"/>
+                    </m:oMathParaPr>
+                    <m:oMath xmlns:m="http://schemas.openxmlformats.org/officeDocument/2006/math">
+                      <m:sSub>
+                        <m:sSubPr>
+                          <m:ctrlPr>
+                            <a:rPr lang="en-CA" b="0" i="1" smtClean="0">
+                              <a:solidFill>
+                                <a:schemeClr val="tx1"/>
+                              </a:solidFill>
+                              <a:latin typeface="Cambria Math" panose="02040503050406030204" pitchFamily="18" charset="0"/>
+                            </a:rPr>
+                          </m:ctrlPr>
+                        </m:sSubPr>
+                        <m:e>
+                          <m:r>
+                            <a:rPr lang="en-CA" b="0" i="1" smtClean="0">
+                              <a:solidFill>
+                                <a:schemeClr val="tx1"/>
+                              </a:solidFill>
+                              <a:latin typeface="Cambria Math" panose="02040503050406030204" pitchFamily="18" charset="0"/>
+                            </a:rPr>
+                            <m:t>𝑌</m:t>
+                          </m:r>
+                        </m:e>
+                        <m:sub>
+                          <m:r>
+                            <a:rPr lang="en-CA" b="0" i="1" smtClean="0">
+                              <a:solidFill>
+                                <a:schemeClr val="tx1"/>
+                              </a:solidFill>
+                              <a:latin typeface="Cambria Math" panose="02040503050406030204" pitchFamily="18" charset="0"/>
+                            </a:rPr>
+                            <m:t>5</m:t>
+                          </m:r>
+                        </m:sub>
+                      </m:sSub>
+                    </m:oMath>
+                  </m:oMathPara>
+                </a14:m>
+                <a:endParaRPr lang="en-CA" b="0" dirty="0">
+                  <a:solidFill>
+                    <a:schemeClr val="tx1"/>
+                  </a:solidFill>
+                </a:endParaRPr>
+              </a:p>
+            </p:txBody>
+          </p:sp>
+        </mc:Choice>
+        <mc:Fallback>
+          <p:sp>
+            <p:nvSpPr>
+              <p:cNvPr id="31" name="Oval 30">
+                <a:extLst>
+                  <a:ext uri="{FF2B5EF4-FFF2-40B4-BE49-F238E27FC236}">
+                    <a16:creationId xmlns:a16="http://schemas.microsoft.com/office/drawing/2014/main" id="{B04D071A-187B-8A3B-E335-C7657504777B}"/>
+                  </a:ext>
+                </a:extLst>
+              </p:cNvPr>
+              <p:cNvSpPr>
+                <a:spLocks noRot="1" noChangeAspect="1" noMove="1" noResize="1" noEditPoints="1" noAdjustHandles="1" noChangeArrowheads="1" noChangeShapeType="1" noTextEdit="1"/>
+              </p:cNvSpPr>
+              <p:nvPr/>
+            </p:nvSpPr>
+            <p:spPr>
+              <a:xfrm>
+                <a:off x="8363739" y="4036932"/>
+                <a:ext cx="540000" cy="540000"/>
+              </a:xfrm>
+              <a:prstGeom prst="ellipse">
+                <a:avLst/>
+              </a:prstGeom>
+              <a:blipFill>
+                <a:blip r:embed="rId17"/>
+                <a:stretch>
+                  <a:fillRect/>
+                </a:stretch>
+              </a:blipFill>
+              <a:ln>
+                <a:solidFill>
+                  <a:schemeClr val="tx1"/>
+                </a:solidFill>
+              </a:ln>
+            </p:spPr>
+            <p:txBody>
+              <a:bodyPr/>
+              <a:lstStyle/>
+              <a:p>
+                <a:r>
+                  <a:rPr lang="en-US">
+                    <a:noFill/>
+                  </a:rPr>
+                  <a:t> </a:t>
+                </a:r>
+              </a:p>
+            </p:txBody>
+          </p:sp>
+        </mc:Fallback>
+      </mc:AlternateContent>
+      <mc:AlternateContent xmlns:mc="http://schemas.openxmlformats.org/markup-compatibility/2006">
+        <mc:Choice xmlns:a14="http://schemas.microsoft.com/office/drawing/2010/main" Requires="a14">
+          <p:sp>
+            <p:nvSpPr>
+              <p:cNvPr id="32" name="Oval 31">
+                <a:extLst>
+                  <a:ext uri="{FF2B5EF4-FFF2-40B4-BE49-F238E27FC236}">
+                    <a16:creationId xmlns:a16="http://schemas.microsoft.com/office/drawing/2014/main" id="{0CF0B6BB-30DE-08EC-9E69-5CABDAFF5BB6}"/>
+                  </a:ext>
+                </a:extLst>
+              </p:cNvPr>
+              <p:cNvSpPr/>
+              <p:nvPr/>
+            </p:nvSpPr>
+            <p:spPr>
+              <a:xfrm>
+                <a:off x="8363739" y="2875309"/>
+                <a:ext cx="540000" cy="540000"/>
+              </a:xfrm>
+              <a:prstGeom prst="ellipse">
+                <a:avLst/>
+              </a:prstGeom>
+              <a:noFill/>
+              <a:ln>
+                <a:solidFill>
+                  <a:schemeClr val="tx1"/>
+                </a:solidFill>
+              </a:ln>
+            </p:spPr>
+            <p:style>
+              <a:lnRef idx="2">
+                <a:schemeClr val="accent1">
+                  <a:shade val="50000"/>
+                </a:schemeClr>
+              </a:lnRef>
+              <a:fillRef idx="1">
+                <a:schemeClr val="accent1"/>
+              </a:fillRef>
+              <a:effectRef idx="0">
+                <a:schemeClr val="accent1"/>
+              </a:effectRef>
+              <a:fontRef idx="minor">
+                <a:schemeClr val="lt1"/>
+              </a:fontRef>
+            </p:style>
+            <p:txBody>
+              <a:bodyPr rtlCol="0" anchor="ctr"/>
+              <a:lstStyle/>
+              <a:p>
+                <a:pPr algn="ctr"/>
+                <a14:m>
+                  <m:oMathPara xmlns:m="http://schemas.openxmlformats.org/officeDocument/2006/math">
+                    <m:oMathParaPr>
+                      <m:jc m:val="centerGroup"/>
+                    </m:oMathParaPr>
+                    <m:oMath xmlns:m="http://schemas.openxmlformats.org/officeDocument/2006/math">
+                      <m:sSub>
+                        <m:sSubPr>
+                          <m:ctrlPr>
+                            <a:rPr lang="en-CA" b="0" i="1" smtClean="0">
+                              <a:solidFill>
+                                <a:schemeClr val="tx1"/>
+                              </a:solidFill>
+                              <a:latin typeface="Cambria Math" panose="02040503050406030204" pitchFamily="18" charset="0"/>
+                            </a:rPr>
+                          </m:ctrlPr>
+                        </m:sSubPr>
+                        <m:e>
+                          <m:r>
+                            <a:rPr lang="en-CA" b="0" i="1" smtClean="0">
+                              <a:solidFill>
+                                <a:schemeClr val="tx1"/>
+                              </a:solidFill>
+                              <a:latin typeface="Cambria Math" panose="02040503050406030204" pitchFamily="18" charset="0"/>
+                            </a:rPr>
+                            <m:t>𝑍</m:t>
+                          </m:r>
+                        </m:e>
+                        <m:sub>
+                          <m:r>
+                            <a:rPr lang="en-CA" b="0" i="1" smtClean="0">
+                              <a:solidFill>
+                                <a:schemeClr val="tx1"/>
+                              </a:solidFill>
+                              <a:latin typeface="Cambria Math" panose="02040503050406030204" pitchFamily="18" charset="0"/>
+                            </a:rPr>
+                            <m:t>5</m:t>
+                          </m:r>
+                        </m:sub>
+                      </m:sSub>
+                    </m:oMath>
+                  </m:oMathPara>
+                </a14:m>
+                <a:endParaRPr lang="en-CA" b="0" dirty="0">
+                  <a:solidFill>
+                    <a:schemeClr val="tx1"/>
+                  </a:solidFill>
+                </a:endParaRPr>
+              </a:p>
+            </p:txBody>
+          </p:sp>
+        </mc:Choice>
+        <mc:Fallback>
+          <p:sp>
+            <p:nvSpPr>
+              <p:cNvPr id="32" name="Oval 31">
+                <a:extLst>
+                  <a:ext uri="{FF2B5EF4-FFF2-40B4-BE49-F238E27FC236}">
+                    <a16:creationId xmlns:a16="http://schemas.microsoft.com/office/drawing/2014/main" id="{0CF0B6BB-30DE-08EC-9E69-5CABDAFF5BB6}"/>
+                  </a:ext>
+                </a:extLst>
+              </p:cNvPr>
+              <p:cNvSpPr>
+                <a:spLocks noRot="1" noChangeAspect="1" noMove="1" noResize="1" noEditPoints="1" noAdjustHandles="1" noChangeArrowheads="1" noChangeShapeType="1" noTextEdit="1"/>
+              </p:cNvSpPr>
+              <p:nvPr/>
+            </p:nvSpPr>
+            <p:spPr>
+              <a:xfrm>
+                <a:off x="8363739" y="2875309"/>
+                <a:ext cx="540000" cy="540000"/>
+              </a:xfrm>
+              <a:prstGeom prst="ellipse">
+                <a:avLst/>
+              </a:prstGeom>
+              <a:blipFill>
+                <a:blip r:embed="rId18"/>
+                <a:stretch>
+                  <a:fillRect/>
+                </a:stretch>
+              </a:blipFill>
+              <a:ln>
+                <a:solidFill>
+                  <a:schemeClr val="tx1"/>
+                </a:solidFill>
+              </a:ln>
+            </p:spPr>
+            <p:txBody>
+              <a:bodyPr/>
+              <a:lstStyle/>
+              <a:p>
+                <a:r>
+                  <a:rPr lang="en-US">
+                    <a:noFill/>
+                  </a:rPr>
+                  <a:t> </a:t>
+                </a:r>
+              </a:p>
+            </p:txBody>
+          </p:sp>
+        </mc:Fallback>
+      </mc:AlternateContent>
+      <p:cxnSp>
+        <p:nvCxnSpPr>
+          <p:cNvPr id="33" name="Straight Arrow Connector 32">
+            <a:extLst>
+              <a:ext uri="{FF2B5EF4-FFF2-40B4-BE49-F238E27FC236}">
+                <a16:creationId xmlns:a16="http://schemas.microsoft.com/office/drawing/2014/main" id="{8062572E-53D4-06D3-BA60-5B45F58B39DB}"/>
+              </a:ext>
+            </a:extLst>
+          </p:cNvPr>
+          <p:cNvCxnSpPr>
+            <a:cxnSpLocks/>
+          </p:cNvCxnSpPr>
+          <p:nvPr/>
+        </p:nvCxnSpPr>
+        <p:spPr>
+          <a:xfrm flipV="1">
+            <a:off x="8906493" y="3145309"/>
+            <a:ext cx="393346" cy="1620"/>
+          </a:xfrm>
+          <a:prstGeom prst="straightConnector1">
+            <a:avLst/>
+          </a:prstGeom>
+          <a:ln>
+            <a:solidFill>
+              <a:schemeClr val="tx1"/>
+            </a:solidFill>
+            <a:tailEnd type="triangle" w="lg" len="lg"/>
+          </a:ln>
+        </p:spPr>
+        <p:style>
+          <a:lnRef idx="1">
+            <a:schemeClr val="accent1"/>
+          </a:lnRef>
+          <a:fillRef idx="0">
+            <a:schemeClr val="accent1"/>
+          </a:fillRef>
+          <a:effectRef idx="0">
+            <a:schemeClr val="accent1"/>
+          </a:effectRef>
+          <a:fontRef idx="minor">
+            <a:schemeClr val="tx1"/>
+          </a:fontRef>
+        </p:style>
+      </p:cxnSp>
+      <p:cxnSp>
+        <p:nvCxnSpPr>
+          <p:cNvPr id="35" name="Straight Arrow Connector 34">
+            <a:extLst>
+              <a:ext uri="{FF2B5EF4-FFF2-40B4-BE49-F238E27FC236}">
+                <a16:creationId xmlns:a16="http://schemas.microsoft.com/office/drawing/2014/main" id="{2A1CBBD8-9C8F-92A8-5C26-01B55E7F250F}"/>
+              </a:ext>
+            </a:extLst>
+          </p:cNvPr>
+          <p:cNvCxnSpPr>
+            <a:cxnSpLocks/>
+          </p:cNvCxnSpPr>
+          <p:nvPr/>
+        </p:nvCxnSpPr>
+        <p:spPr>
+          <a:xfrm>
+            <a:off x="8633739" y="3416838"/>
+            <a:ext cx="0" cy="621623"/>
+          </a:xfrm>
+          <a:prstGeom prst="straightConnector1">
+            <a:avLst/>
+          </a:prstGeom>
+          <a:ln>
+            <a:solidFill>
+              <a:schemeClr val="tx1"/>
+            </a:solidFill>
+            <a:tailEnd type="triangle" w="lg" len="lg"/>
+          </a:ln>
+        </p:spPr>
+        <p:style>
+          <a:lnRef idx="1">
+            <a:schemeClr val="accent1"/>
+          </a:lnRef>
+          <a:fillRef idx="0">
+            <a:schemeClr val="accent1"/>
+          </a:fillRef>
+          <a:effectRef idx="0">
+            <a:schemeClr val="accent1"/>
+          </a:effectRef>
+          <a:fontRef idx="minor">
+            <a:schemeClr val="tx1"/>
+          </a:fontRef>
+        </p:style>
+      </p:cxnSp>
+      <mc:AlternateContent xmlns:mc="http://schemas.openxmlformats.org/markup-compatibility/2006">
+        <mc:Choice xmlns:a14="http://schemas.microsoft.com/office/drawing/2010/main" Requires="a14">
+          <p:sp>
+            <p:nvSpPr>
+              <p:cNvPr id="36" name="TextBox 35">
+                <a:extLst>
+                  <a:ext uri="{FF2B5EF4-FFF2-40B4-BE49-F238E27FC236}">
+                    <a16:creationId xmlns:a16="http://schemas.microsoft.com/office/drawing/2014/main" id="{4675A178-CA91-0A7E-690F-9235C3BD5453}"/>
+                  </a:ext>
+                </a:extLst>
+              </p:cNvPr>
+              <p:cNvSpPr txBox="1"/>
+              <p:nvPr/>
+            </p:nvSpPr>
+            <p:spPr>
+              <a:xfrm>
+                <a:off x="8444393" y="5264682"/>
+                <a:ext cx="466217" cy="369332"/>
+              </a:xfrm>
+              <a:prstGeom prst="rect">
+                <a:avLst/>
+              </a:prstGeom>
+              <a:noFill/>
+            </p:spPr>
+            <p:txBody>
+              <a:bodyPr wrap="square" rtlCol="0">
+                <a:spAutoFit/>
+              </a:bodyPr>
+              <a:lstStyle/>
+              <a:p>
+                <a:pPr/>
+                <a14:m>
+                  <m:oMathPara xmlns:m="http://schemas.openxmlformats.org/officeDocument/2006/math">
+                    <m:oMathParaPr>
+                      <m:jc m:val="centerGroup"/>
+                    </m:oMathParaPr>
+                    <m:oMath xmlns:m="http://schemas.openxmlformats.org/officeDocument/2006/math">
+                      <m:sSub>
+                        <m:sSubPr>
+                          <m:ctrlPr>
+                            <a:rPr lang="en-CA" b="0" i="1" smtClean="0">
+                              <a:latin typeface="Cambria Math" panose="02040503050406030204" pitchFamily="18" charset="0"/>
+                            </a:rPr>
+                          </m:ctrlPr>
+                        </m:sSubPr>
+                        <m:e>
+                          <m:r>
+                            <a:rPr lang="en-CA" b="0" i="1" smtClean="0">
+                              <a:latin typeface="Cambria Math" panose="02040503050406030204" pitchFamily="18" charset="0"/>
+                            </a:rPr>
+                            <m:t>𝑝</m:t>
+                          </m:r>
+                        </m:e>
+                        <m:sub>
+                          <m:r>
+                            <a:rPr lang="en-CA" b="0" i="1" smtClean="0">
+                              <a:latin typeface="Cambria Math" panose="02040503050406030204" pitchFamily="18" charset="0"/>
+                            </a:rPr>
+                            <m:t>5</m:t>
+                          </m:r>
+                        </m:sub>
+                      </m:sSub>
+                    </m:oMath>
+                  </m:oMathPara>
+                </a14:m>
+                <a:endParaRPr lang="en-US" dirty="0"/>
+              </a:p>
+            </p:txBody>
+          </p:sp>
+        </mc:Choice>
+        <mc:Fallback>
+          <p:sp>
+            <p:nvSpPr>
+              <p:cNvPr id="36" name="TextBox 35">
+                <a:extLst>
+                  <a:ext uri="{FF2B5EF4-FFF2-40B4-BE49-F238E27FC236}">
+                    <a16:creationId xmlns:a16="http://schemas.microsoft.com/office/drawing/2014/main" id="{4675A178-CA91-0A7E-690F-9235C3BD5453}"/>
+                  </a:ext>
+                </a:extLst>
+              </p:cNvPr>
+              <p:cNvSpPr txBox="1">
+                <a:spLocks noRot="1" noChangeAspect="1" noMove="1" noResize="1" noEditPoints="1" noAdjustHandles="1" noChangeArrowheads="1" noChangeShapeType="1" noTextEdit="1"/>
+              </p:cNvSpPr>
+              <p:nvPr/>
+            </p:nvSpPr>
+            <p:spPr>
+              <a:xfrm>
+                <a:off x="8444393" y="5264682"/>
+                <a:ext cx="466217" cy="369332"/>
+              </a:xfrm>
+              <a:prstGeom prst="rect">
+                <a:avLst/>
+              </a:prstGeom>
+              <a:blipFill>
+                <a:blip r:embed="rId19"/>
+                <a:stretch>
+                  <a:fillRect b="-6667"/>
+                </a:stretch>
+              </a:blipFill>
+            </p:spPr>
+            <p:txBody>
+              <a:bodyPr/>
+              <a:lstStyle/>
+              <a:p>
+                <a:r>
+                  <a:rPr lang="en-US">
+                    <a:noFill/>
+                  </a:rPr>
+                  <a:t> </a:t>
+                </a:r>
+              </a:p>
+            </p:txBody>
+          </p:sp>
+        </mc:Fallback>
+      </mc:AlternateContent>
+      <p:sp>
+        <p:nvSpPr>
+          <p:cNvPr id="37" name="Rectangle 36">
+            <a:extLst>
+              <a:ext uri="{FF2B5EF4-FFF2-40B4-BE49-F238E27FC236}">
+                <a16:creationId xmlns:a16="http://schemas.microsoft.com/office/drawing/2014/main" id="{28E1A21C-24BE-A87B-300E-C11EA37D7901}"/>
+              </a:ext>
+            </a:extLst>
+          </p:cNvPr>
+          <p:cNvSpPr/>
+          <p:nvPr/>
+        </p:nvSpPr>
+        <p:spPr>
+          <a:xfrm>
+            <a:off x="8370610" y="5179348"/>
+            <a:ext cx="540000" cy="540000"/>
+          </a:xfrm>
+          <a:prstGeom prst="rect">
+            <a:avLst/>
+          </a:prstGeom>
+          <a:noFill/>
+          <a:ln>
+            <a:solidFill>
+              <a:schemeClr val="tx1"/>
+            </a:solidFill>
+          </a:ln>
+        </p:spPr>
+        <p:style>
+          <a:lnRef idx="2">
+            <a:schemeClr val="accent1">
+              <a:shade val="50000"/>
+            </a:schemeClr>
+          </a:lnRef>
+          <a:fillRef idx="1">
+            <a:schemeClr val="accent1"/>
+          </a:fillRef>
+          <a:effectRef idx="0">
+            <a:schemeClr val="accent1"/>
+          </a:effectRef>
+          <a:fontRef idx="minor">
+            <a:schemeClr val="lt1"/>
+          </a:fontRef>
+        </p:style>
+        <p:txBody>
+          <a:bodyPr rtlCol="0" anchor="ctr"/>
+          <a:lstStyle/>
+          <a:p>
+            <a:pPr algn="ctr"/>
+            <a:endParaRPr lang="en-US"/>
+          </a:p>
+        </p:txBody>
+      </p:sp>
+      <p:cxnSp>
+        <p:nvCxnSpPr>
+          <p:cNvPr id="38" name="Straight Arrow Connector 37">
+            <a:extLst>
+              <a:ext uri="{FF2B5EF4-FFF2-40B4-BE49-F238E27FC236}">
+                <a16:creationId xmlns:a16="http://schemas.microsoft.com/office/drawing/2014/main" id="{8D5F7E53-3944-1DF5-EB32-F17EBE275113}"/>
+              </a:ext>
+            </a:extLst>
+          </p:cNvPr>
+          <p:cNvCxnSpPr>
+            <a:cxnSpLocks/>
+            <a:stCxn id="37" idx="0"/>
+          </p:cNvCxnSpPr>
+          <p:nvPr/>
+        </p:nvCxnSpPr>
+        <p:spPr>
+          <a:xfrm flipV="1">
+            <a:off x="8640610" y="4580858"/>
+            <a:ext cx="2867" cy="598490"/>
+          </a:xfrm>
+          <a:prstGeom prst="straightConnector1">
+            <a:avLst/>
+          </a:prstGeom>
+          <a:ln>
+            <a:solidFill>
+              <a:schemeClr val="tx1"/>
+            </a:solidFill>
+            <a:tailEnd type="triangle" w="lg" len="lg"/>
+          </a:ln>
+        </p:spPr>
+        <p:style>
+          <a:lnRef idx="1">
+            <a:schemeClr val="accent1"/>
+          </a:lnRef>
+          <a:fillRef idx="0">
+            <a:schemeClr val="accent1"/>
+          </a:fillRef>
+          <a:effectRef idx="0">
+            <a:schemeClr val="accent1"/>
+          </a:effectRef>
+          <a:fontRef idx="minor">
+            <a:schemeClr val="tx1"/>
+          </a:fontRef>
+        </p:style>
+      </p:cxnSp>
+      <mc:AlternateContent xmlns:mc="http://schemas.openxmlformats.org/markup-compatibility/2006">
+        <mc:Choice xmlns:a14="http://schemas.microsoft.com/office/drawing/2010/main" Requires="a14">
+          <p:sp>
+            <p:nvSpPr>
+              <p:cNvPr id="42" name="Oval 41">
+                <a:extLst>
+                  <a:ext uri="{FF2B5EF4-FFF2-40B4-BE49-F238E27FC236}">
+                    <a16:creationId xmlns:a16="http://schemas.microsoft.com/office/drawing/2014/main" id="{A3370E7C-54DC-65B8-FB1D-8B78B7670C78}"/>
+                  </a:ext>
+                </a:extLst>
+              </p:cNvPr>
+              <p:cNvSpPr/>
+              <p:nvPr/>
+            </p:nvSpPr>
+            <p:spPr>
+              <a:xfrm>
+                <a:off x="9294739" y="4036932"/>
+                <a:ext cx="540000" cy="540000"/>
+              </a:xfrm>
+              <a:prstGeom prst="ellipse">
+                <a:avLst/>
+              </a:prstGeom>
+              <a:noFill/>
+              <a:ln>
+                <a:solidFill>
+                  <a:schemeClr val="tx1"/>
+                </a:solidFill>
+              </a:ln>
+            </p:spPr>
+            <p:style>
+              <a:lnRef idx="2">
+                <a:schemeClr val="accent1">
+                  <a:shade val="50000"/>
+                </a:schemeClr>
+              </a:lnRef>
+              <a:fillRef idx="1">
+                <a:schemeClr val="accent1"/>
+              </a:fillRef>
+              <a:effectRef idx="0">
+                <a:schemeClr val="accent1"/>
+              </a:effectRef>
+              <a:fontRef idx="minor">
+                <a:schemeClr val="lt1"/>
+              </a:fontRef>
+            </p:style>
+            <p:txBody>
+              <a:bodyPr rtlCol="0" anchor="ctr"/>
+              <a:lstStyle/>
+              <a:p>
+                <a:pPr algn="ctr"/>
+                <a14:m>
+                  <m:oMathPara xmlns:m="http://schemas.openxmlformats.org/officeDocument/2006/math">
+                    <m:oMathParaPr>
+                      <m:jc m:val="centerGroup"/>
+                    </m:oMathParaPr>
+                    <m:oMath xmlns:m="http://schemas.openxmlformats.org/officeDocument/2006/math">
+                      <m:sSub>
+                        <m:sSubPr>
+                          <m:ctrlPr>
+                            <a:rPr lang="en-CA" b="0" i="1" smtClean="0">
+                              <a:solidFill>
+                                <a:schemeClr val="tx1"/>
+                              </a:solidFill>
+                              <a:latin typeface="Cambria Math" panose="02040503050406030204" pitchFamily="18" charset="0"/>
+                            </a:rPr>
+                          </m:ctrlPr>
+                        </m:sSubPr>
+                        <m:e>
+                          <m:r>
+                            <a:rPr lang="en-CA" b="0" i="1" smtClean="0">
+                              <a:solidFill>
+                                <a:schemeClr val="tx1"/>
+                              </a:solidFill>
+                              <a:latin typeface="Cambria Math" panose="02040503050406030204" pitchFamily="18" charset="0"/>
+                            </a:rPr>
+                            <m:t>𝑌</m:t>
+                          </m:r>
+                        </m:e>
+                        <m:sub>
+                          <m:r>
+                            <a:rPr lang="en-CA" b="0" i="1" smtClean="0">
+                              <a:solidFill>
+                                <a:schemeClr val="tx1"/>
+                              </a:solidFill>
+                              <a:latin typeface="Cambria Math" panose="02040503050406030204" pitchFamily="18" charset="0"/>
+                            </a:rPr>
+                            <m:t>6</m:t>
+                          </m:r>
+                        </m:sub>
+                      </m:sSub>
+                    </m:oMath>
+                  </m:oMathPara>
+                </a14:m>
+                <a:endParaRPr lang="en-CA" b="0" dirty="0">
+                  <a:solidFill>
+                    <a:schemeClr val="tx1"/>
+                  </a:solidFill>
+                </a:endParaRPr>
+              </a:p>
+            </p:txBody>
+          </p:sp>
+        </mc:Choice>
+        <mc:Fallback>
+          <p:sp>
+            <p:nvSpPr>
+              <p:cNvPr id="42" name="Oval 41">
+                <a:extLst>
+                  <a:ext uri="{FF2B5EF4-FFF2-40B4-BE49-F238E27FC236}">
+                    <a16:creationId xmlns:a16="http://schemas.microsoft.com/office/drawing/2014/main" id="{A3370E7C-54DC-65B8-FB1D-8B78B7670C78}"/>
+                  </a:ext>
+                </a:extLst>
+              </p:cNvPr>
+              <p:cNvSpPr>
+                <a:spLocks noRot="1" noChangeAspect="1" noMove="1" noResize="1" noEditPoints="1" noAdjustHandles="1" noChangeArrowheads="1" noChangeShapeType="1" noTextEdit="1"/>
+              </p:cNvSpPr>
+              <p:nvPr/>
+            </p:nvSpPr>
+            <p:spPr>
+              <a:xfrm>
+                <a:off x="9294739" y="4036932"/>
+                <a:ext cx="540000" cy="540000"/>
+              </a:xfrm>
+              <a:prstGeom prst="ellipse">
+                <a:avLst/>
+              </a:prstGeom>
+              <a:blipFill>
+                <a:blip r:embed="rId20"/>
+                <a:stretch>
+                  <a:fillRect/>
+                </a:stretch>
+              </a:blipFill>
+              <a:ln>
+                <a:solidFill>
+                  <a:schemeClr val="tx1"/>
+                </a:solidFill>
+              </a:ln>
+            </p:spPr>
+            <p:txBody>
+              <a:bodyPr/>
+              <a:lstStyle/>
+              <a:p>
+                <a:r>
+                  <a:rPr lang="en-US">
+                    <a:noFill/>
+                  </a:rPr>
+                  <a:t> </a:t>
+                </a:r>
+              </a:p>
+            </p:txBody>
+          </p:sp>
+        </mc:Fallback>
+      </mc:AlternateContent>
+      <mc:AlternateContent xmlns:mc="http://schemas.openxmlformats.org/markup-compatibility/2006">
+        <mc:Choice xmlns:a14="http://schemas.microsoft.com/office/drawing/2010/main" Requires="a14">
+          <p:sp>
+            <p:nvSpPr>
+              <p:cNvPr id="43" name="Oval 42">
+                <a:extLst>
+                  <a:ext uri="{FF2B5EF4-FFF2-40B4-BE49-F238E27FC236}">
+                    <a16:creationId xmlns:a16="http://schemas.microsoft.com/office/drawing/2014/main" id="{D6E276B6-0746-D55E-F797-7D8A2C292C6C}"/>
+                  </a:ext>
+                </a:extLst>
+              </p:cNvPr>
+              <p:cNvSpPr/>
+              <p:nvPr/>
+            </p:nvSpPr>
+            <p:spPr>
+              <a:xfrm>
+                <a:off x="9294739" y="2875309"/>
+                <a:ext cx="540000" cy="540000"/>
+              </a:xfrm>
+              <a:prstGeom prst="ellipse">
+                <a:avLst/>
+              </a:prstGeom>
+              <a:noFill/>
+              <a:ln>
+                <a:solidFill>
+                  <a:schemeClr val="tx1"/>
+                </a:solidFill>
+              </a:ln>
+            </p:spPr>
+            <p:style>
+              <a:lnRef idx="2">
+                <a:schemeClr val="accent1">
+                  <a:shade val="50000"/>
+                </a:schemeClr>
+              </a:lnRef>
+              <a:fillRef idx="1">
+                <a:schemeClr val="accent1"/>
+              </a:fillRef>
+              <a:effectRef idx="0">
+                <a:schemeClr val="accent1"/>
+              </a:effectRef>
+              <a:fontRef idx="minor">
+                <a:schemeClr val="lt1"/>
+              </a:fontRef>
+            </p:style>
+            <p:txBody>
+              <a:bodyPr rtlCol="0" anchor="ctr"/>
+              <a:lstStyle/>
+              <a:p>
+                <a:pPr algn="ctr"/>
+                <a14:m>
+                  <m:oMathPara xmlns:m="http://schemas.openxmlformats.org/officeDocument/2006/math">
+                    <m:oMathParaPr>
+                      <m:jc m:val="centerGroup"/>
+                    </m:oMathParaPr>
+                    <m:oMath xmlns:m="http://schemas.openxmlformats.org/officeDocument/2006/math">
+                      <m:sSub>
+                        <m:sSubPr>
+                          <m:ctrlPr>
+                            <a:rPr lang="en-CA" b="0" i="1" smtClean="0">
+                              <a:solidFill>
+                                <a:schemeClr val="tx1"/>
+                              </a:solidFill>
+                              <a:latin typeface="Cambria Math" panose="02040503050406030204" pitchFamily="18" charset="0"/>
+                            </a:rPr>
+                          </m:ctrlPr>
+                        </m:sSubPr>
+                        <m:e>
+                          <m:r>
+                            <a:rPr lang="en-CA" b="0" i="1" smtClean="0">
+                              <a:solidFill>
+                                <a:schemeClr val="tx1"/>
+                              </a:solidFill>
+                              <a:latin typeface="Cambria Math" panose="02040503050406030204" pitchFamily="18" charset="0"/>
+                            </a:rPr>
+                            <m:t>𝑍</m:t>
+                          </m:r>
+                        </m:e>
+                        <m:sub>
+                          <m:r>
+                            <a:rPr lang="en-CA" b="0" i="1" smtClean="0">
+                              <a:solidFill>
+                                <a:schemeClr val="tx1"/>
+                              </a:solidFill>
+                              <a:latin typeface="Cambria Math" panose="02040503050406030204" pitchFamily="18" charset="0"/>
+                            </a:rPr>
+                            <m:t>6</m:t>
+                          </m:r>
+                        </m:sub>
+                      </m:sSub>
+                    </m:oMath>
+                  </m:oMathPara>
+                </a14:m>
+                <a:endParaRPr lang="en-CA" b="0" dirty="0">
+                  <a:solidFill>
+                    <a:schemeClr val="tx1"/>
+                  </a:solidFill>
+                </a:endParaRPr>
+              </a:p>
+            </p:txBody>
+          </p:sp>
+        </mc:Choice>
+        <mc:Fallback>
+          <p:sp>
+            <p:nvSpPr>
+              <p:cNvPr id="43" name="Oval 42">
+                <a:extLst>
+                  <a:ext uri="{FF2B5EF4-FFF2-40B4-BE49-F238E27FC236}">
+                    <a16:creationId xmlns:a16="http://schemas.microsoft.com/office/drawing/2014/main" id="{D6E276B6-0746-D55E-F797-7D8A2C292C6C}"/>
+                  </a:ext>
+                </a:extLst>
+              </p:cNvPr>
+              <p:cNvSpPr>
+                <a:spLocks noRot="1" noChangeAspect="1" noMove="1" noResize="1" noEditPoints="1" noAdjustHandles="1" noChangeArrowheads="1" noChangeShapeType="1" noTextEdit="1"/>
+              </p:cNvSpPr>
+              <p:nvPr/>
+            </p:nvSpPr>
+            <p:spPr>
+              <a:xfrm>
+                <a:off x="9294739" y="2875309"/>
+                <a:ext cx="540000" cy="540000"/>
+              </a:xfrm>
+              <a:prstGeom prst="ellipse">
+                <a:avLst/>
+              </a:prstGeom>
+              <a:blipFill>
+                <a:blip r:embed="rId21"/>
+                <a:stretch>
+                  <a:fillRect/>
+                </a:stretch>
+              </a:blipFill>
+              <a:ln>
+                <a:solidFill>
+                  <a:schemeClr val="tx1"/>
+                </a:solidFill>
+              </a:ln>
+            </p:spPr>
+            <p:txBody>
+              <a:bodyPr/>
+              <a:lstStyle/>
+              <a:p>
+                <a:r>
+                  <a:rPr lang="en-US">
+                    <a:noFill/>
+                  </a:rPr>
+                  <a:t> </a:t>
+                </a:r>
+              </a:p>
+            </p:txBody>
+          </p:sp>
+        </mc:Fallback>
+      </mc:AlternateContent>
+      <p:cxnSp>
+        <p:nvCxnSpPr>
+          <p:cNvPr id="47" name="Straight Arrow Connector 46">
+            <a:extLst>
+              <a:ext uri="{FF2B5EF4-FFF2-40B4-BE49-F238E27FC236}">
+                <a16:creationId xmlns:a16="http://schemas.microsoft.com/office/drawing/2014/main" id="{61F39941-7487-D6EF-AB98-9523A3E96853}"/>
+              </a:ext>
+            </a:extLst>
+          </p:cNvPr>
+          <p:cNvCxnSpPr>
+            <a:cxnSpLocks/>
+          </p:cNvCxnSpPr>
+          <p:nvPr/>
+        </p:nvCxnSpPr>
+        <p:spPr>
+          <a:xfrm flipV="1">
+            <a:off x="9837493" y="3145309"/>
+            <a:ext cx="393346" cy="1620"/>
+          </a:xfrm>
+          <a:prstGeom prst="straightConnector1">
+            <a:avLst/>
+          </a:prstGeom>
+          <a:ln>
+            <a:solidFill>
+              <a:schemeClr val="tx1"/>
+            </a:solidFill>
+            <a:tailEnd type="triangle" w="lg" len="lg"/>
+          </a:ln>
+        </p:spPr>
+        <p:style>
+          <a:lnRef idx="1">
+            <a:schemeClr val="accent1"/>
+          </a:lnRef>
+          <a:fillRef idx="0">
+            <a:schemeClr val="accent1"/>
+          </a:fillRef>
+          <a:effectRef idx="0">
+            <a:schemeClr val="accent1"/>
+          </a:effectRef>
+          <a:fontRef idx="minor">
+            <a:schemeClr val="tx1"/>
+          </a:fontRef>
+        </p:style>
+      </p:cxnSp>
+      <p:cxnSp>
+        <p:nvCxnSpPr>
+          <p:cNvPr id="48" name="Straight Arrow Connector 47">
+            <a:extLst>
+              <a:ext uri="{FF2B5EF4-FFF2-40B4-BE49-F238E27FC236}">
+                <a16:creationId xmlns:a16="http://schemas.microsoft.com/office/drawing/2014/main" id="{E88A19F7-C46C-188D-506E-8FDFBF72CD8D}"/>
+              </a:ext>
+            </a:extLst>
+          </p:cNvPr>
+          <p:cNvCxnSpPr>
+            <a:cxnSpLocks/>
+          </p:cNvCxnSpPr>
+          <p:nvPr/>
+        </p:nvCxnSpPr>
+        <p:spPr>
+          <a:xfrm>
+            <a:off x="9564739" y="3416838"/>
+            <a:ext cx="0" cy="621623"/>
+          </a:xfrm>
+          <a:prstGeom prst="straightConnector1">
+            <a:avLst/>
+          </a:prstGeom>
+          <a:ln>
+            <a:solidFill>
+              <a:schemeClr val="tx1"/>
+            </a:solidFill>
+            <a:tailEnd type="triangle" w="lg" len="lg"/>
+          </a:ln>
+        </p:spPr>
+        <p:style>
+          <a:lnRef idx="1">
+            <a:schemeClr val="accent1"/>
+          </a:lnRef>
+          <a:fillRef idx="0">
+            <a:schemeClr val="accent1"/>
+          </a:fillRef>
+          <a:effectRef idx="0">
+            <a:schemeClr val="accent1"/>
+          </a:effectRef>
+          <a:fontRef idx="minor">
+            <a:schemeClr val="tx1"/>
+          </a:fontRef>
+        </p:style>
+      </p:cxnSp>
+      <mc:AlternateContent xmlns:mc="http://schemas.openxmlformats.org/markup-compatibility/2006">
+        <mc:Choice xmlns:a14="http://schemas.microsoft.com/office/drawing/2010/main" Requires="a14">
+          <p:sp>
+            <p:nvSpPr>
+              <p:cNvPr id="58" name="TextBox 57">
+                <a:extLst>
+                  <a:ext uri="{FF2B5EF4-FFF2-40B4-BE49-F238E27FC236}">
+                    <a16:creationId xmlns:a16="http://schemas.microsoft.com/office/drawing/2014/main" id="{B6229679-8E75-7498-C496-44C482DF4CAC}"/>
+                  </a:ext>
+                </a:extLst>
+              </p:cNvPr>
+              <p:cNvSpPr txBox="1"/>
+              <p:nvPr/>
+            </p:nvSpPr>
+            <p:spPr>
+              <a:xfrm>
+                <a:off x="9375393" y="5264682"/>
+                <a:ext cx="466217" cy="369332"/>
+              </a:xfrm>
+              <a:prstGeom prst="rect">
+                <a:avLst/>
+              </a:prstGeom>
+              <a:noFill/>
+            </p:spPr>
+            <p:txBody>
+              <a:bodyPr wrap="square" rtlCol="0">
+                <a:spAutoFit/>
+              </a:bodyPr>
+              <a:lstStyle/>
+              <a:p>
+                <a:pPr/>
+                <a14:m>
+                  <m:oMathPara xmlns:m="http://schemas.openxmlformats.org/officeDocument/2006/math">
+                    <m:oMathParaPr>
+                      <m:jc m:val="centerGroup"/>
+                    </m:oMathParaPr>
+                    <m:oMath xmlns:m="http://schemas.openxmlformats.org/officeDocument/2006/math">
+                      <m:sSub>
+                        <m:sSubPr>
+                          <m:ctrlPr>
+                            <a:rPr lang="en-CA" b="0" i="1" smtClean="0">
+                              <a:latin typeface="Cambria Math" panose="02040503050406030204" pitchFamily="18" charset="0"/>
+                            </a:rPr>
+                          </m:ctrlPr>
+                        </m:sSubPr>
+                        <m:e>
+                          <m:r>
+                            <a:rPr lang="en-CA" b="0" i="1" smtClean="0">
+                              <a:latin typeface="Cambria Math" panose="02040503050406030204" pitchFamily="18" charset="0"/>
+                            </a:rPr>
+                            <m:t>𝑝</m:t>
+                          </m:r>
+                        </m:e>
+                        <m:sub>
+                          <m:r>
+                            <a:rPr lang="en-CA" b="0" i="1" smtClean="0">
+                              <a:latin typeface="Cambria Math" panose="02040503050406030204" pitchFamily="18" charset="0"/>
+                            </a:rPr>
+                            <m:t>6</m:t>
+                          </m:r>
+                        </m:sub>
+                      </m:sSub>
+                    </m:oMath>
+                  </m:oMathPara>
+                </a14:m>
+                <a:endParaRPr lang="en-US" dirty="0"/>
+              </a:p>
+            </p:txBody>
+          </p:sp>
+        </mc:Choice>
+        <mc:Fallback>
+          <p:sp>
+            <p:nvSpPr>
+              <p:cNvPr id="58" name="TextBox 57">
+                <a:extLst>
+                  <a:ext uri="{FF2B5EF4-FFF2-40B4-BE49-F238E27FC236}">
+                    <a16:creationId xmlns:a16="http://schemas.microsoft.com/office/drawing/2014/main" id="{B6229679-8E75-7498-C496-44C482DF4CAC}"/>
+                  </a:ext>
+                </a:extLst>
+              </p:cNvPr>
+              <p:cNvSpPr txBox="1">
+                <a:spLocks noRot="1" noChangeAspect="1" noMove="1" noResize="1" noEditPoints="1" noAdjustHandles="1" noChangeArrowheads="1" noChangeShapeType="1" noTextEdit="1"/>
+              </p:cNvSpPr>
+              <p:nvPr/>
+            </p:nvSpPr>
+            <p:spPr>
+              <a:xfrm>
+                <a:off x="9375393" y="5264682"/>
+                <a:ext cx="466217" cy="369332"/>
+              </a:xfrm>
+              <a:prstGeom prst="rect">
+                <a:avLst/>
+              </a:prstGeom>
+              <a:blipFill>
+                <a:blip r:embed="rId22"/>
+                <a:stretch>
+                  <a:fillRect b="-6667"/>
+                </a:stretch>
+              </a:blipFill>
+            </p:spPr>
+            <p:txBody>
+              <a:bodyPr/>
+              <a:lstStyle/>
+              <a:p>
+                <a:r>
+                  <a:rPr lang="en-US">
+                    <a:noFill/>
+                  </a:rPr>
+                  <a:t> </a:t>
+                </a:r>
+              </a:p>
+            </p:txBody>
+          </p:sp>
+        </mc:Fallback>
+      </mc:AlternateContent>
+      <p:sp>
+        <p:nvSpPr>
+          <p:cNvPr id="59" name="Rectangle 58">
+            <a:extLst>
+              <a:ext uri="{FF2B5EF4-FFF2-40B4-BE49-F238E27FC236}">
+                <a16:creationId xmlns:a16="http://schemas.microsoft.com/office/drawing/2014/main" id="{25016FEF-A5EE-1F27-3987-D8DFD6F492F8}"/>
+              </a:ext>
+            </a:extLst>
+          </p:cNvPr>
+          <p:cNvSpPr/>
+          <p:nvPr/>
+        </p:nvSpPr>
+        <p:spPr>
+          <a:xfrm>
+            <a:off x="9301610" y="5179348"/>
+            <a:ext cx="540000" cy="540000"/>
+          </a:xfrm>
+          <a:prstGeom prst="rect">
+            <a:avLst/>
+          </a:prstGeom>
+          <a:noFill/>
+          <a:ln>
+            <a:solidFill>
+              <a:schemeClr val="tx1"/>
+            </a:solidFill>
+          </a:ln>
+        </p:spPr>
+        <p:style>
+          <a:lnRef idx="2">
+            <a:schemeClr val="accent1">
+              <a:shade val="50000"/>
+            </a:schemeClr>
+          </a:lnRef>
+          <a:fillRef idx="1">
+            <a:schemeClr val="accent1"/>
+          </a:fillRef>
+          <a:effectRef idx="0">
+            <a:schemeClr val="accent1"/>
+          </a:effectRef>
+          <a:fontRef idx="minor">
+            <a:schemeClr val="lt1"/>
+          </a:fontRef>
+        </p:style>
+        <p:txBody>
+          <a:bodyPr rtlCol="0" anchor="ctr"/>
+          <a:lstStyle/>
+          <a:p>
+            <a:pPr algn="ctr"/>
+            <a:endParaRPr lang="en-US"/>
+          </a:p>
+        </p:txBody>
+      </p:sp>
+      <p:cxnSp>
+        <p:nvCxnSpPr>
+          <p:cNvPr id="60" name="Straight Arrow Connector 59">
+            <a:extLst>
+              <a:ext uri="{FF2B5EF4-FFF2-40B4-BE49-F238E27FC236}">
+                <a16:creationId xmlns:a16="http://schemas.microsoft.com/office/drawing/2014/main" id="{E2B2668E-02C5-42B9-FB65-1E25DAD7E07D}"/>
+              </a:ext>
+            </a:extLst>
+          </p:cNvPr>
+          <p:cNvCxnSpPr>
+            <a:cxnSpLocks/>
+            <a:stCxn id="59" idx="0"/>
+          </p:cNvCxnSpPr>
+          <p:nvPr/>
+        </p:nvCxnSpPr>
+        <p:spPr>
+          <a:xfrm flipV="1">
+            <a:off x="9571610" y="4580858"/>
+            <a:ext cx="2867" cy="598490"/>
+          </a:xfrm>
+          <a:prstGeom prst="straightConnector1">
+            <a:avLst/>
+          </a:prstGeom>
+          <a:ln>
+            <a:solidFill>
+              <a:schemeClr val="tx1"/>
+            </a:solidFill>
+            <a:tailEnd type="triangle" w="lg" len="lg"/>
+          </a:ln>
+        </p:spPr>
+        <p:style>
+          <a:lnRef idx="1">
+            <a:schemeClr val="accent1"/>
+          </a:lnRef>
+          <a:fillRef idx="0">
+            <a:schemeClr val="accent1"/>
+          </a:fillRef>
+          <a:effectRef idx="0">
+            <a:schemeClr val="accent1"/>
+          </a:effectRef>
+          <a:fontRef idx="minor">
+            <a:schemeClr val="tx1"/>
+          </a:fontRef>
+        </p:style>
+      </p:cxnSp>
+      <mc:AlternateContent xmlns:mc="http://schemas.openxmlformats.org/markup-compatibility/2006">
+        <mc:Choice xmlns:a14="http://schemas.microsoft.com/office/drawing/2010/main" Requires="a14">
+          <p:sp>
+            <p:nvSpPr>
+              <p:cNvPr id="61" name="Oval 60">
+                <a:extLst>
+                  <a:ext uri="{FF2B5EF4-FFF2-40B4-BE49-F238E27FC236}">
+                    <a16:creationId xmlns:a16="http://schemas.microsoft.com/office/drawing/2014/main" id="{94CFB9FA-B646-F846-BBBD-4AA6E2A80245}"/>
+                  </a:ext>
+                </a:extLst>
+              </p:cNvPr>
+              <p:cNvSpPr/>
+              <p:nvPr/>
+            </p:nvSpPr>
+            <p:spPr>
+              <a:xfrm>
+                <a:off x="10232610" y="4050623"/>
+                <a:ext cx="540000" cy="540000"/>
+              </a:xfrm>
+              <a:prstGeom prst="ellipse">
+                <a:avLst/>
+              </a:prstGeom>
+              <a:noFill/>
+              <a:ln>
+                <a:solidFill>
+                  <a:schemeClr val="tx1"/>
+                </a:solidFill>
+              </a:ln>
+            </p:spPr>
+            <p:style>
+              <a:lnRef idx="2">
+                <a:schemeClr val="accent1">
+                  <a:shade val="50000"/>
+                </a:schemeClr>
+              </a:lnRef>
+              <a:fillRef idx="1">
+                <a:schemeClr val="accent1"/>
+              </a:fillRef>
+              <a:effectRef idx="0">
+                <a:schemeClr val="accent1"/>
+              </a:effectRef>
+              <a:fontRef idx="minor">
+                <a:schemeClr val="lt1"/>
+              </a:fontRef>
+            </p:style>
+            <p:txBody>
+              <a:bodyPr rtlCol="0" anchor="ctr"/>
+              <a:lstStyle/>
+              <a:p>
+                <a:pPr algn="ctr"/>
+                <a14:m>
+                  <m:oMathPara xmlns:m="http://schemas.openxmlformats.org/officeDocument/2006/math">
+                    <m:oMathParaPr>
+                      <m:jc m:val="centerGroup"/>
+                    </m:oMathParaPr>
+                    <m:oMath xmlns:m="http://schemas.openxmlformats.org/officeDocument/2006/math">
+                      <m:sSub>
+                        <m:sSubPr>
+                          <m:ctrlPr>
+                            <a:rPr lang="en-CA" b="0" i="1" smtClean="0">
+                              <a:solidFill>
+                                <a:schemeClr val="tx1"/>
+                              </a:solidFill>
+                              <a:latin typeface="Cambria Math" panose="02040503050406030204" pitchFamily="18" charset="0"/>
+                            </a:rPr>
+                          </m:ctrlPr>
+                        </m:sSubPr>
+                        <m:e>
+                          <m:r>
+                            <a:rPr lang="en-CA" b="0" i="1" smtClean="0">
+                              <a:solidFill>
+                                <a:schemeClr val="tx1"/>
+                              </a:solidFill>
+                              <a:latin typeface="Cambria Math" panose="02040503050406030204" pitchFamily="18" charset="0"/>
+                            </a:rPr>
+                            <m:t>𝑌</m:t>
+                          </m:r>
+                        </m:e>
+                        <m:sub>
+                          <m:r>
+                            <a:rPr lang="en-CA" b="0" i="1" smtClean="0">
+                              <a:solidFill>
+                                <a:schemeClr val="tx1"/>
+                              </a:solidFill>
+                              <a:latin typeface="Cambria Math" panose="02040503050406030204" pitchFamily="18" charset="0"/>
+                            </a:rPr>
+                            <m:t>7</m:t>
+                          </m:r>
+                        </m:sub>
+                      </m:sSub>
+                    </m:oMath>
+                  </m:oMathPara>
+                </a14:m>
+                <a:endParaRPr lang="en-CA" b="0" dirty="0">
+                  <a:solidFill>
+                    <a:schemeClr val="tx1"/>
+                  </a:solidFill>
+                </a:endParaRPr>
+              </a:p>
+            </p:txBody>
+          </p:sp>
+        </mc:Choice>
+        <mc:Fallback>
+          <p:sp>
+            <p:nvSpPr>
+              <p:cNvPr id="61" name="Oval 60">
+                <a:extLst>
+                  <a:ext uri="{FF2B5EF4-FFF2-40B4-BE49-F238E27FC236}">
+                    <a16:creationId xmlns:a16="http://schemas.microsoft.com/office/drawing/2014/main" id="{94CFB9FA-B646-F846-BBBD-4AA6E2A80245}"/>
+                  </a:ext>
+                </a:extLst>
+              </p:cNvPr>
+              <p:cNvSpPr>
+                <a:spLocks noRot="1" noChangeAspect="1" noMove="1" noResize="1" noEditPoints="1" noAdjustHandles="1" noChangeArrowheads="1" noChangeShapeType="1" noTextEdit="1"/>
+              </p:cNvSpPr>
+              <p:nvPr/>
+            </p:nvSpPr>
+            <p:spPr>
+              <a:xfrm>
+                <a:off x="10232610" y="4050623"/>
+                <a:ext cx="540000" cy="540000"/>
+              </a:xfrm>
+              <a:prstGeom prst="ellipse">
+                <a:avLst/>
+              </a:prstGeom>
+              <a:blipFill>
+                <a:blip r:embed="rId23"/>
+                <a:stretch>
+                  <a:fillRect/>
+                </a:stretch>
+              </a:blipFill>
+              <a:ln>
+                <a:solidFill>
+                  <a:schemeClr val="tx1"/>
+                </a:solidFill>
+              </a:ln>
+            </p:spPr>
+            <p:txBody>
+              <a:bodyPr/>
+              <a:lstStyle/>
+              <a:p>
+                <a:r>
+                  <a:rPr lang="en-US">
+                    <a:noFill/>
+                  </a:rPr>
+                  <a:t> </a:t>
+                </a:r>
+              </a:p>
+            </p:txBody>
+          </p:sp>
+        </mc:Fallback>
+      </mc:AlternateContent>
+      <mc:AlternateContent xmlns:mc="http://schemas.openxmlformats.org/markup-compatibility/2006">
+        <mc:Choice xmlns:a14="http://schemas.microsoft.com/office/drawing/2010/main" Requires="a14">
+          <p:sp>
+            <p:nvSpPr>
+              <p:cNvPr id="62" name="Oval 61">
+                <a:extLst>
+                  <a:ext uri="{FF2B5EF4-FFF2-40B4-BE49-F238E27FC236}">
+                    <a16:creationId xmlns:a16="http://schemas.microsoft.com/office/drawing/2014/main" id="{D8D87F42-9276-EA64-B1B0-56584AA67362}"/>
+                  </a:ext>
+                </a:extLst>
+              </p:cNvPr>
+              <p:cNvSpPr/>
+              <p:nvPr/>
+            </p:nvSpPr>
+            <p:spPr>
+              <a:xfrm>
+                <a:off x="10232610" y="2889000"/>
+                <a:ext cx="540000" cy="540000"/>
+              </a:xfrm>
+              <a:prstGeom prst="ellipse">
+                <a:avLst/>
+              </a:prstGeom>
+              <a:noFill/>
+              <a:ln>
+                <a:solidFill>
+                  <a:schemeClr val="tx1"/>
+                </a:solidFill>
+              </a:ln>
+            </p:spPr>
+            <p:style>
+              <a:lnRef idx="2">
+                <a:schemeClr val="accent1">
+                  <a:shade val="50000"/>
+                </a:schemeClr>
+              </a:lnRef>
+              <a:fillRef idx="1">
+                <a:schemeClr val="accent1"/>
+              </a:fillRef>
+              <a:effectRef idx="0">
+                <a:schemeClr val="accent1"/>
+              </a:effectRef>
+              <a:fontRef idx="minor">
+                <a:schemeClr val="lt1"/>
+              </a:fontRef>
+            </p:style>
+            <p:txBody>
+              <a:bodyPr rtlCol="0" anchor="ctr"/>
+              <a:lstStyle/>
+              <a:p>
+                <a:pPr algn="ctr"/>
+                <a14:m>
+                  <m:oMathPara xmlns:m="http://schemas.openxmlformats.org/officeDocument/2006/math">
+                    <m:oMathParaPr>
+                      <m:jc m:val="centerGroup"/>
+                    </m:oMathParaPr>
+                    <m:oMath xmlns:m="http://schemas.openxmlformats.org/officeDocument/2006/math">
+                      <m:sSub>
+                        <m:sSubPr>
+                          <m:ctrlPr>
+                            <a:rPr lang="en-CA" b="0" i="1" smtClean="0">
+                              <a:solidFill>
+                                <a:schemeClr val="tx1"/>
+                              </a:solidFill>
+                              <a:latin typeface="Cambria Math" panose="02040503050406030204" pitchFamily="18" charset="0"/>
+                            </a:rPr>
+                          </m:ctrlPr>
+                        </m:sSubPr>
+                        <m:e>
+                          <m:r>
+                            <a:rPr lang="en-CA" b="0" i="1" smtClean="0">
+                              <a:solidFill>
+                                <a:schemeClr val="tx1"/>
+                              </a:solidFill>
+                              <a:latin typeface="Cambria Math" panose="02040503050406030204" pitchFamily="18" charset="0"/>
+                            </a:rPr>
+                            <m:t>𝑍</m:t>
+                          </m:r>
+                        </m:e>
+                        <m:sub>
+                          <m:r>
+                            <a:rPr lang="en-CA" b="0" i="1" smtClean="0">
+                              <a:solidFill>
+                                <a:schemeClr val="tx1"/>
+                              </a:solidFill>
+                              <a:latin typeface="Cambria Math" panose="02040503050406030204" pitchFamily="18" charset="0"/>
+                            </a:rPr>
+                            <m:t>7</m:t>
+                          </m:r>
+                        </m:sub>
+                      </m:sSub>
+                    </m:oMath>
+                  </m:oMathPara>
+                </a14:m>
+                <a:endParaRPr lang="en-CA" b="0" dirty="0">
+                  <a:solidFill>
+                    <a:schemeClr val="tx1"/>
+                  </a:solidFill>
+                </a:endParaRPr>
+              </a:p>
+            </p:txBody>
+          </p:sp>
+        </mc:Choice>
+        <mc:Fallback>
+          <p:sp>
+            <p:nvSpPr>
+              <p:cNvPr id="62" name="Oval 61">
+                <a:extLst>
+                  <a:ext uri="{FF2B5EF4-FFF2-40B4-BE49-F238E27FC236}">
+                    <a16:creationId xmlns:a16="http://schemas.microsoft.com/office/drawing/2014/main" id="{D8D87F42-9276-EA64-B1B0-56584AA67362}"/>
+                  </a:ext>
+                </a:extLst>
+              </p:cNvPr>
+              <p:cNvSpPr>
+                <a:spLocks noRot="1" noChangeAspect="1" noMove="1" noResize="1" noEditPoints="1" noAdjustHandles="1" noChangeArrowheads="1" noChangeShapeType="1" noTextEdit="1"/>
+              </p:cNvSpPr>
+              <p:nvPr/>
+            </p:nvSpPr>
+            <p:spPr>
+              <a:xfrm>
+                <a:off x="10232610" y="2889000"/>
+                <a:ext cx="540000" cy="540000"/>
+              </a:xfrm>
+              <a:prstGeom prst="ellipse">
+                <a:avLst/>
+              </a:prstGeom>
+              <a:blipFill>
+                <a:blip r:embed="rId24"/>
+                <a:stretch>
+                  <a:fillRect/>
+                </a:stretch>
+              </a:blipFill>
+              <a:ln>
+                <a:solidFill>
+                  <a:schemeClr val="tx1"/>
+                </a:solidFill>
+              </a:ln>
+            </p:spPr>
+            <p:txBody>
+              <a:bodyPr/>
+              <a:lstStyle/>
+              <a:p>
+                <a:r>
+                  <a:rPr lang="en-US">
+                    <a:noFill/>
+                  </a:rPr>
+                  <a:t> </a:t>
+                </a:r>
+              </a:p>
+            </p:txBody>
+          </p:sp>
+        </mc:Fallback>
+      </mc:AlternateContent>
+      <p:cxnSp>
+        <p:nvCxnSpPr>
+          <p:cNvPr id="64" name="Straight Arrow Connector 63">
+            <a:extLst>
+              <a:ext uri="{FF2B5EF4-FFF2-40B4-BE49-F238E27FC236}">
+                <a16:creationId xmlns:a16="http://schemas.microsoft.com/office/drawing/2014/main" id="{9272F7D8-6247-4575-065E-D5297ADF040C}"/>
+              </a:ext>
+            </a:extLst>
+          </p:cNvPr>
+          <p:cNvCxnSpPr>
+            <a:cxnSpLocks/>
+          </p:cNvCxnSpPr>
+          <p:nvPr/>
+        </p:nvCxnSpPr>
+        <p:spPr>
+          <a:xfrm>
+            <a:off x="10502610" y="3430529"/>
+            <a:ext cx="0" cy="621623"/>
+          </a:xfrm>
+          <a:prstGeom prst="straightConnector1">
+            <a:avLst/>
+          </a:prstGeom>
+          <a:ln>
+            <a:solidFill>
+              <a:schemeClr val="tx1"/>
+            </a:solidFill>
+            <a:tailEnd type="triangle" w="lg" len="lg"/>
+          </a:ln>
+        </p:spPr>
+        <p:style>
+          <a:lnRef idx="1">
+            <a:schemeClr val="accent1"/>
+          </a:lnRef>
+          <a:fillRef idx="0">
+            <a:schemeClr val="accent1"/>
+          </a:fillRef>
+          <a:effectRef idx="0">
+            <a:schemeClr val="accent1"/>
+          </a:effectRef>
+          <a:fontRef idx="minor">
+            <a:schemeClr val="tx1"/>
+          </a:fontRef>
+        </p:style>
+      </p:cxnSp>
+      <mc:AlternateContent xmlns:mc="http://schemas.openxmlformats.org/markup-compatibility/2006">
+        <mc:Choice xmlns:a14="http://schemas.microsoft.com/office/drawing/2010/main" Requires="a14">
+          <p:sp>
+            <p:nvSpPr>
+              <p:cNvPr id="65" name="TextBox 64">
+                <a:extLst>
+                  <a:ext uri="{FF2B5EF4-FFF2-40B4-BE49-F238E27FC236}">
+                    <a16:creationId xmlns:a16="http://schemas.microsoft.com/office/drawing/2014/main" id="{003BCF67-0BFF-9DFF-F19C-52CB0DC231C9}"/>
+                  </a:ext>
+                </a:extLst>
+              </p:cNvPr>
+              <p:cNvSpPr txBox="1"/>
+              <p:nvPr/>
+            </p:nvSpPr>
+            <p:spPr>
+              <a:xfrm>
+                <a:off x="10313264" y="5278373"/>
+                <a:ext cx="466217" cy="369332"/>
+              </a:xfrm>
+              <a:prstGeom prst="rect">
+                <a:avLst/>
+              </a:prstGeom>
+              <a:noFill/>
+            </p:spPr>
+            <p:txBody>
+              <a:bodyPr wrap="square" rtlCol="0">
+                <a:spAutoFit/>
+              </a:bodyPr>
+              <a:lstStyle/>
+              <a:p>
+                <a:pPr/>
+                <a14:m>
+                  <m:oMathPara xmlns:m="http://schemas.openxmlformats.org/officeDocument/2006/math">
+                    <m:oMathParaPr>
+                      <m:jc m:val="centerGroup"/>
+                    </m:oMathParaPr>
+                    <m:oMath xmlns:m="http://schemas.openxmlformats.org/officeDocument/2006/math">
+                      <m:sSub>
+                        <m:sSubPr>
+                          <m:ctrlPr>
+                            <a:rPr lang="en-CA" b="0" i="1" smtClean="0">
+                              <a:latin typeface="Cambria Math" panose="02040503050406030204" pitchFamily="18" charset="0"/>
+                            </a:rPr>
+                          </m:ctrlPr>
+                        </m:sSubPr>
+                        <m:e>
+                          <m:r>
+                            <a:rPr lang="en-CA" b="0" i="1" smtClean="0">
+                              <a:latin typeface="Cambria Math" panose="02040503050406030204" pitchFamily="18" charset="0"/>
+                            </a:rPr>
+                            <m:t>𝑝</m:t>
+                          </m:r>
+                        </m:e>
+                        <m:sub>
+                          <m:r>
+                            <a:rPr lang="en-CA" b="0" i="1" smtClean="0">
+                              <a:latin typeface="Cambria Math" panose="02040503050406030204" pitchFamily="18" charset="0"/>
+                            </a:rPr>
+                            <m:t>7</m:t>
+                          </m:r>
+                        </m:sub>
+                      </m:sSub>
+                    </m:oMath>
+                  </m:oMathPara>
+                </a14:m>
+                <a:endParaRPr lang="en-US" dirty="0"/>
+              </a:p>
+            </p:txBody>
+          </p:sp>
+        </mc:Choice>
+        <mc:Fallback>
+          <p:sp>
+            <p:nvSpPr>
+              <p:cNvPr id="65" name="TextBox 64">
+                <a:extLst>
+                  <a:ext uri="{FF2B5EF4-FFF2-40B4-BE49-F238E27FC236}">
+                    <a16:creationId xmlns:a16="http://schemas.microsoft.com/office/drawing/2014/main" id="{003BCF67-0BFF-9DFF-F19C-52CB0DC231C9}"/>
+                  </a:ext>
+                </a:extLst>
+              </p:cNvPr>
+              <p:cNvSpPr txBox="1">
+                <a:spLocks noRot="1" noChangeAspect="1" noMove="1" noResize="1" noEditPoints="1" noAdjustHandles="1" noChangeArrowheads="1" noChangeShapeType="1" noTextEdit="1"/>
+              </p:cNvSpPr>
+              <p:nvPr/>
+            </p:nvSpPr>
+            <p:spPr>
+              <a:xfrm>
+                <a:off x="10313264" y="5278373"/>
+                <a:ext cx="466217" cy="369332"/>
+              </a:xfrm>
+              <a:prstGeom prst="rect">
+                <a:avLst/>
+              </a:prstGeom>
+              <a:blipFill>
+                <a:blip r:embed="rId25"/>
+                <a:stretch>
+                  <a:fillRect b="-6667"/>
+                </a:stretch>
+              </a:blipFill>
+            </p:spPr>
+            <p:txBody>
+              <a:bodyPr/>
+              <a:lstStyle/>
+              <a:p>
+                <a:r>
+                  <a:rPr lang="en-US">
+                    <a:noFill/>
+                  </a:rPr>
+                  <a:t> </a:t>
+                </a:r>
+              </a:p>
+            </p:txBody>
+          </p:sp>
+        </mc:Fallback>
+      </mc:AlternateContent>
+      <p:sp>
+        <p:nvSpPr>
+          <p:cNvPr id="66" name="Rectangle 65">
+            <a:extLst>
+              <a:ext uri="{FF2B5EF4-FFF2-40B4-BE49-F238E27FC236}">
+                <a16:creationId xmlns:a16="http://schemas.microsoft.com/office/drawing/2014/main" id="{6EBB0C2C-3E5A-21CB-B8EB-F0DE91B75D5E}"/>
+              </a:ext>
+            </a:extLst>
+          </p:cNvPr>
+          <p:cNvSpPr/>
+          <p:nvPr/>
+        </p:nvSpPr>
+        <p:spPr>
+          <a:xfrm>
+            <a:off x="10239481" y="5193039"/>
+            <a:ext cx="540000" cy="540000"/>
+          </a:xfrm>
+          <a:prstGeom prst="rect">
+            <a:avLst/>
+          </a:prstGeom>
+          <a:noFill/>
+          <a:ln>
+            <a:solidFill>
+              <a:schemeClr val="tx1"/>
+            </a:solidFill>
+          </a:ln>
+        </p:spPr>
+        <p:style>
+          <a:lnRef idx="2">
+            <a:schemeClr val="accent1">
+              <a:shade val="50000"/>
+            </a:schemeClr>
+          </a:lnRef>
+          <a:fillRef idx="1">
+            <a:schemeClr val="accent1"/>
+          </a:fillRef>
+          <a:effectRef idx="0">
+            <a:schemeClr val="accent1"/>
+          </a:effectRef>
+          <a:fontRef idx="minor">
+            <a:schemeClr val="lt1"/>
+          </a:fontRef>
+        </p:style>
+        <p:txBody>
+          <a:bodyPr rtlCol="0" anchor="ctr"/>
+          <a:lstStyle/>
+          <a:p>
+            <a:pPr algn="ctr"/>
+            <a:endParaRPr lang="en-US"/>
+          </a:p>
+        </p:txBody>
+      </p:sp>
+      <p:cxnSp>
+        <p:nvCxnSpPr>
+          <p:cNvPr id="77" name="Straight Arrow Connector 76">
+            <a:extLst>
+              <a:ext uri="{FF2B5EF4-FFF2-40B4-BE49-F238E27FC236}">
+                <a16:creationId xmlns:a16="http://schemas.microsoft.com/office/drawing/2014/main" id="{62544A16-CC9D-3EA4-9E44-B713DD36BA1A}"/>
+              </a:ext>
+            </a:extLst>
+          </p:cNvPr>
+          <p:cNvCxnSpPr>
+            <a:cxnSpLocks/>
+            <a:stCxn id="66" idx="0"/>
+          </p:cNvCxnSpPr>
+          <p:nvPr/>
+        </p:nvCxnSpPr>
+        <p:spPr>
+          <a:xfrm flipV="1">
+            <a:off x="10509481" y="4594549"/>
+            <a:ext cx="2867" cy="598490"/>
+          </a:xfrm>
+          <a:prstGeom prst="straightConnector1">
+            <a:avLst/>
+          </a:prstGeom>
+          <a:ln>
+            <a:solidFill>
+              <a:schemeClr val="tx1"/>
+            </a:solidFill>
+            <a:tailEnd type="triangle" w="lg" len="lg"/>
+          </a:ln>
+        </p:spPr>
+        <p:style>
+          <a:lnRef idx="1">
+            <a:schemeClr val="accent1"/>
+          </a:lnRef>
+          <a:fillRef idx="0">
+            <a:schemeClr val="accent1"/>
+          </a:fillRef>
+          <a:effectRef idx="0">
+            <a:schemeClr val="accent1"/>
+          </a:effectRef>
+          <a:fontRef idx="minor">
+            <a:schemeClr val="tx1"/>
+          </a:fontRef>
+        </p:style>
+      </p:cxnSp>
+      <p:cxnSp>
+        <p:nvCxnSpPr>
+          <p:cNvPr id="78" name="Straight Arrow Connector 77">
+            <a:extLst>
+              <a:ext uri="{FF2B5EF4-FFF2-40B4-BE49-F238E27FC236}">
+                <a16:creationId xmlns:a16="http://schemas.microsoft.com/office/drawing/2014/main" id="{806075F5-EEDB-36D6-0B55-27AF184AD864}"/>
+              </a:ext>
+            </a:extLst>
+          </p:cNvPr>
+          <p:cNvCxnSpPr>
+            <a:cxnSpLocks/>
+            <a:stCxn id="50" idx="2"/>
+            <a:endCxn id="5" idx="1"/>
+          </p:cNvCxnSpPr>
+          <p:nvPr/>
+        </p:nvCxnSpPr>
+        <p:spPr>
+          <a:xfrm>
+            <a:off x="6118132" y="2260846"/>
+            <a:ext cx="1383638" cy="693544"/>
+          </a:xfrm>
+          <a:prstGeom prst="straightConnector1">
+            <a:avLst/>
+          </a:prstGeom>
+          <a:ln>
+            <a:solidFill>
+              <a:schemeClr val="tx1"/>
+            </a:solidFill>
+            <a:tailEnd type="triangle" w="lg" len="lg"/>
+          </a:ln>
+        </p:spPr>
+        <p:style>
+          <a:lnRef idx="1">
+            <a:schemeClr val="accent1"/>
+          </a:lnRef>
+          <a:fillRef idx="0">
+            <a:schemeClr val="accent1"/>
+          </a:fillRef>
+          <a:effectRef idx="0">
+            <a:schemeClr val="accent1"/>
+          </a:effectRef>
+          <a:fontRef idx="minor">
+            <a:schemeClr val="tx1"/>
+          </a:fontRef>
+        </p:style>
+      </p:cxnSp>
+      <p:cxnSp>
+        <p:nvCxnSpPr>
+          <p:cNvPr id="84" name="Curved Connector 83">
+            <a:extLst>
+              <a:ext uri="{FF2B5EF4-FFF2-40B4-BE49-F238E27FC236}">
+                <a16:creationId xmlns:a16="http://schemas.microsoft.com/office/drawing/2014/main" id="{AA4E84EC-5A3B-DFB0-2C90-F90A9A6C3FBC}"/>
+              </a:ext>
+            </a:extLst>
+          </p:cNvPr>
+          <p:cNvCxnSpPr>
+            <a:cxnSpLocks/>
+            <a:stCxn id="45" idx="3"/>
+            <a:endCxn id="32" idx="0"/>
+          </p:cNvCxnSpPr>
+          <p:nvPr/>
+        </p:nvCxnSpPr>
+        <p:spPr>
+          <a:xfrm>
+            <a:off x="5392897" y="1417831"/>
+            <a:ext cx="3240842" cy="1457478"/>
+          </a:xfrm>
+          <a:prstGeom prst="curvedConnector2">
+            <a:avLst/>
+          </a:prstGeom>
+          <a:ln>
+            <a:solidFill>
+              <a:schemeClr val="tx1"/>
+            </a:solidFill>
+            <a:tailEnd type="triangle" w="lg" len="lg"/>
+          </a:ln>
+        </p:spPr>
+        <p:style>
+          <a:lnRef idx="1">
+            <a:schemeClr val="accent1"/>
+          </a:lnRef>
+          <a:fillRef idx="0">
+            <a:schemeClr val="accent1"/>
+          </a:fillRef>
+          <a:effectRef idx="0">
+            <a:schemeClr val="accent1"/>
+          </a:effectRef>
+          <a:fontRef idx="minor">
+            <a:schemeClr val="tx1"/>
+          </a:fontRef>
+        </p:style>
+      </p:cxnSp>
+      <p:cxnSp>
+        <p:nvCxnSpPr>
+          <p:cNvPr id="87" name="Curved Connector 86">
+            <a:extLst>
+              <a:ext uri="{FF2B5EF4-FFF2-40B4-BE49-F238E27FC236}">
+                <a16:creationId xmlns:a16="http://schemas.microsoft.com/office/drawing/2014/main" id="{88E80E86-D40E-92E1-A426-BDDD612A0D32}"/>
+              </a:ext>
+            </a:extLst>
+          </p:cNvPr>
+          <p:cNvCxnSpPr>
+            <a:cxnSpLocks/>
+            <a:stCxn id="45" idx="3"/>
+            <a:endCxn id="43" idx="0"/>
+          </p:cNvCxnSpPr>
+          <p:nvPr/>
+        </p:nvCxnSpPr>
+        <p:spPr>
+          <a:xfrm>
+            <a:off x="5392897" y="1417831"/>
+            <a:ext cx="4171842" cy="1457478"/>
+          </a:xfrm>
+          <a:prstGeom prst="curvedConnector2">
+            <a:avLst/>
+          </a:prstGeom>
+          <a:ln>
+            <a:solidFill>
+              <a:schemeClr val="tx1"/>
+            </a:solidFill>
+            <a:tailEnd type="triangle" w="lg" len="lg"/>
+          </a:ln>
+        </p:spPr>
+        <p:style>
+          <a:lnRef idx="1">
+            <a:schemeClr val="accent1"/>
+          </a:lnRef>
+          <a:fillRef idx="0">
+            <a:schemeClr val="accent1"/>
+          </a:fillRef>
+          <a:effectRef idx="0">
+            <a:schemeClr val="accent1"/>
+          </a:effectRef>
+          <a:fontRef idx="minor">
+            <a:schemeClr val="tx1"/>
+          </a:fontRef>
+        </p:style>
+      </p:cxnSp>
+      <p:cxnSp>
+        <p:nvCxnSpPr>
+          <p:cNvPr id="90" name="Curved Connector 89">
+            <a:extLst>
+              <a:ext uri="{FF2B5EF4-FFF2-40B4-BE49-F238E27FC236}">
+                <a16:creationId xmlns:a16="http://schemas.microsoft.com/office/drawing/2014/main" id="{344E4992-9653-BAB6-49A8-CBE3F0202143}"/>
+              </a:ext>
+            </a:extLst>
+          </p:cNvPr>
+          <p:cNvCxnSpPr>
+            <a:cxnSpLocks/>
+            <a:stCxn id="45" idx="3"/>
+            <a:endCxn id="62" idx="0"/>
+          </p:cNvCxnSpPr>
+          <p:nvPr/>
+        </p:nvCxnSpPr>
+        <p:spPr>
+          <a:xfrm>
+            <a:off x="5392897" y="1417831"/>
+            <a:ext cx="5109713" cy="1471169"/>
+          </a:xfrm>
+          <a:prstGeom prst="curvedConnector2">
+            <a:avLst/>
+          </a:prstGeom>
+          <a:ln>
+            <a:solidFill>
+              <a:schemeClr val="tx1"/>
+            </a:solidFill>
+            <a:tailEnd type="triangle" w="lg" len="lg"/>
+          </a:ln>
+        </p:spPr>
+        <p:style>
+          <a:lnRef idx="1">
+            <a:schemeClr val="accent1"/>
+          </a:lnRef>
+          <a:fillRef idx="0">
+            <a:schemeClr val="accent1"/>
+          </a:fillRef>
+          <a:effectRef idx="0">
+            <a:schemeClr val="accent1"/>
+          </a:effectRef>
+          <a:fontRef idx="minor">
+            <a:schemeClr val="tx1"/>
+          </a:fontRef>
+        </p:style>
+      </p:cxnSp>
+    </p:spTree>
+    <p:extLst>
+      <p:ext uri="{BB962C8B-B14F-4D97-AF65-F5344CB8AC3E}">
+        <p14:creationId xmlns:p14="http://schemas.microsoft.com/office/powerpoint/2010/main" val="1635706690"/>
+      </p:ext>
+    </p:extLst>
+  </p:cSld>
+  <p:clrMapOvr>
+    <a:masterClrMapping/>
+  </p:clrMapOvr>
+</p:sld>
+</file>
+
 <file path=ppt/theme/theme1.xml><?xml version="1.0" encoding="utf-8"?>
 <a:theme xmlns:a="http://schemas.openxmlformats.org/drawingml/2006/main" name="Office Theme">
   <a:themeElements>

--- a/Figures/jags_for_ecologists_figures.pptx
+++ b/Figures/jags_for_ecologists_figures.pptx
@@ -120,7 +120,7 @@
 <file path=ppt/revisionInfo.xml><?xml version="1.0" encoding="utf-8"?>
 <p1510:revInfo xmlns:a="http://schemas.openxmlformats.org/drawingml/2006/main" xmlns:r="http://schemas.openxmlformats.org/officeDocument/2006/relationships" xmlns:p1510="http://schemas.microsoft.com/office/powerpoint/2015/10/main">
   <p1510:revLst>
-    <p1510:client id="{21C03C2C-B54E-0141-9F1A-D4B48D7F07BB}" v="225" dt="2023-03-04T13:59:06.736"/>
+    <p1510:client id="{21C03C2C-B54E-0141-9F1A-D4B48D7F07BB}" v="266" dt="2023-03-09T16:45:10.874"/>
   </p1510:revLst>
 </p1510:revInfo>
 </file>
@@ -282,7 +282,7 @@
   <pc:docChgLst>
     <pc:chgData name="Simon Bonner" userId="c968d0cc-44b1-4a19-b224-50fd2dc43281" providerId="ADAL" clId="{21C03C2C-B54E-0141-9F1A-D4B48D7F07BB}"/>
     <pc:docChg chg="undo redo custSel addSld delSld modSld">
-      <pc:chgData name="Simon Bonner" userId="c968d0cc-44b1-4a19-b224-50fd2dc43281" providerId="ADAL" clId="{21C03C2C-B54E-0141-9F1A-D4B48D7F07BB}" dt="2023-03-04T13:59:13.160" v="378" actId="14100"/>
+      <pc:chgData name="Simon Bonner" userId="c968d0cc-44b1-4a19-b224-50fd2dc43281" providerId="ADAL" clId="{21C03C2C-B54E-0141-9F1A-D4B48D7F07BB}" dt="2023-03-09T16:45:10.874" v="428" actId="20577"/>
       <pc:docMkLst>
         <pc:docMk/>
       </pc:docMkLst>
@@ -510,25 +510,33 @@
         </pc:cxnChg>
       </pc:sldChg>
       <pc:sldChg chg="addSp delSp modSp add mod setBg">
-        <pc:chgData name="Simon Bonner" userId="c968d0cc-44b1-4a19-b224-50fd2dc43281" providerId="ADAL" clId="{21C03C2C-B54E-0141-9F1A-D4B48D7F07BB}" dt="2023-03-01T20:52:12.918" v="227" actId="1076"/>
+        <pc:chgData name="Simon Bonner" userId="c968d0cc-44b1-4a19-b224-50fd2dc43281" providerId="ADAL" clId="{21C03C2C-B54E-0141-9F1A-D4B48D7F07BB}" dt="2023-03-09T16:45:10.874" v="428" actId="20577"/>
         <pc:sldMkLst>
           <pc:docMk/>
           <pc:sldMk cId="1662873240" sldId="258"/>
         </pc:sldMkLst>
-        <pc:spChg chg="add mod">
-          <ac:chgData name="Simon Bonner" userId="c968d0cc-44b1-4a19-b224-50fd2dc43281" providerId="ADAL" clId="{21C03C2C-B54E-0141-9F1A-D4B48D7F07BB}" dt="2023-03-01T20:23:05.396" v="103" actId="20577"/>
+        <pc:spChg chg="add del mod">
+          <ac:chgData name="Simon Bonner" userId="c968d0cc-44b1-4a19-b224-50fd2dc43281" providerId="ADAL" clId="{21C03C2C-B54E-0141-9F1A-D4B48D7F07BB}" dt="2023-03-09T16:43:29.640" v="405" actId="478"/>
           <ac:spMkLst>
             <pc:docMk/>
             <pc:sldMk cId="1662873240" sldId="258"/>
             <ac:spMk id="2" creationId="{0396F487-06C0-E075-242C-8EB84B58E385}"/>
           </ac:spMkLst>
         </pc:spChg>
-        <pc:spChg chg="add mod">
-          <ac:chgData name="Simon Bonner" userId="c968d0cc-44b1-4a19-b224-50fd2dc43281" providerId="ADAL" clId="{21C03C2C-B54E-0141-9F1A-D4B48D7F07BB}" dt="2023-03-01T20:23:00.554" v="101" actId="20577"/>
+        <pc:spChg chg="add del mod">
+          <ac:chgData name="Simon Bonner" userId="c968d0cc-44b1-4a19-b224-50fd2dc43281" providerId="ADAL" clId="{21C03C2C-B54E-0141-9F1A-D4B48D7F07BB}" dt="2023-03-09T16:43:29.640" v="405" actId="478"/>
           <ac:spMkLst>
             <pc:docMk/>
             <pc:sldMk cId="1662873240" sldId="258"/>
             <ac:spMk id="3" creationId="{111AB93F-96B0-4165-F887-0620E50FAF9E}"/>
+          </ac:spMkLst>
+        </pc:spChg>
+        <pc:spChg chg="add mod">
+          <ac:chgData name="Simon Bonner" userId="c968d0cc-44b1-4a19-b224-50fd2dc43281" providerId="ADAL" clId="{21C03C2C-B54E-0141-9F1A-D4B48D7F07BB}" dt="2023-03-09T16:43:31.002" v="406"/>
+          <ac:spMkLst>
+            <pc:docMk/>
+            <pc:sldMk cId="1662873240" sldId="258"/>
+            <ac:spMk id="4" creationId="{5E3C846B-A2F3-1561-8371-98C504396C2C}"/>
           </ac:spMkLst>
         </pc:spChg>
         <pc:spChg chg="del">
@@ -537,6 +545,14 @@
             <pc:docMk/>
             <pc:sldMk cId="1662873240" sldId="258"/>
             <ac:spMk id="4" creationId="{B7DC34CB-47DE-F49C-DF3B-CF0D0DE1CF12}"/>
+          </ac:spMkLst>
+        </pc:spChg>
+        <pc:spChg chg="add mod">
+          <ac:chgData name="Simon Bonner" userId="c968d0cc-44b1-4a19-b224-50fd2dc43281" providerId="ADAL" clId="{21C03C2C-B54E-0141-9F1A-D4B48D7F07BB}" dt="2023-03-09T16:43:31.002" v="406"/>
+          <ac:spMkLst>
+            <pc:docMk/>
+            <pc:sldMk cId="1662873240" sldId="258"/>
+            <ac:spMk id="5" creationId="{2FA0B12A-9E71-D884-632F-A2C5C3C7978D}"/>
           </ac:spMkLst>
         </pc:spChg>
         <pc:spChg chg="del">
@@ -555,12 +571,12 @@
             <ac:spMk id="6" creationId="{666CB5AE-6497-7D11-B6A5-9DFEFEC9C4B4}"/>
           </ac:spMkLst>
         </pc:spChg>
-        <pc:spChg chg="del">
-          <ac:chgData name="Simon Bonner" userId="c968d0cc-44b1-4a19-b224-50fd2dc43281" providerId="ADAL" clId="{21C03C2C-B54E-0141-9F1A-D4B48D7F07BB}" dt="2023-03-01T20:22:09.299" v="89" actId="478"/>
+        <pc:spChg chg="add mod">
+          <ac:chgData name="Simon Bonner" userId="c968d0cc-44b1-4a19-b224-50fd2dc43281" providerId="ADAL" clId="{21C03C2C-B54E-0141-9F1A-D4B48D7F07BB}" dt="2023-03-09T16:43:31.002" v="406"/>
           <ac:spMkLst>
             <pc:docMk/>
             <pc:sldMk cId="1662873240" sldId="258"/>
-            <ac:spMk id="7" creationId="{9DA5E3A8-7CF9-B3D6-CE7D-C5092FC5A82D}"/>
+            <ac:spMk id="6" creationId="{C279C9F7-C902-918E-F371-21A597F10FAE}"/>
           </ac:spMkLst>
         </pc:spChg>
         <pc:spChg chg="del">
@@ -568,15 +584,23 @@
           <ac:spMkLst>
             <pc:docMk/>
             <pc:sldMk cId="1662873240" sldId="258"/>
-            <ac:spMk id="8" creationId="{6BD53912-FF0E-EC58-92F6-8A4A18485BC2}"/>
+            <ac:spMk id="7" creationId="{9DA5E3A8-7CF9-B3D6-CE7D-C5092FC5A82D}"/>
           </ac:spMkLst>
         </pc:spChg>
         <pc:spChg chg="add mod">
-          <ac:chgData name="Simon Bonner" userId="c968d0cc-44b1-4a19-b224-50fd2dc43281" providerId="ADAL" clId="{21C03C2C-B54E-0141-9F1A-D4B48D7F07BB}" dt="2023-03-01T20:23:40.565" v="115" actId="20577"/>
+          <ac:chgData name="Simon Bonner" userId="c968d0cc-44b1-4a19-b224-50fd2dc43281" providerId="ADAL" clId="{21C03C2C-B54E-0141-9F1A-D4B48D7F07BB}" dt="2023-03-09T16:43:31.002" v="406"/>
           <ac:spMkLst>
             <pc:docMk/>
             <pc:sldMk cId="1662873240" sldId="258"/>
-            <ac:spMk id="9" creationId="{B3CB48A0-C39C-8CE8-F6E3-4105F1FB895E}"/>
+            <ac:spMk id="7" creationId="{F5B8B3FE-B3B7-D6D3-CE22-650EA0F6613A}"/>
+          </ac:spMkLst>
+        </pc:spChg>
+        <pc:spChg chg="add mod">
+          <ac:chgData name="Simon Bonner" userId="c968d0cc-44b1-4a19-b224-50fd2dc43281" providerId="ADAL" clId="{21C03C2C-B54E-0141-9F1A-D4B48D7F07BB}" dt="2023-03-09T16:43:31.002" v="406"/>
+          <ac:spMkLst>
+            <pc:docMk/>
+            <pc:sldMk cId="1662873240" sldId="258"/>
+            <ac:spMk id="8" creationId="{3CE17E0D-73CF-3D71-30D8-CE940D9D7734}"/>
           </ac:spMkLst>
         </pc:spChg>
         <pc:spChg chg="del">
@@ -584,15 +608,23 @@
           <ac:spMkLst>
             <pc:docMk/>
             <pc:sldMk cId="1662873240" sldId="258"/>
-            <ac:spMk id="10" creationId="{D0B009ED-32B6-ECFB-EFEF-EE08DEB5111B}"/>
+            <ac:spMk id="8" creationId="{6BD53912-FF0E-EC58-92F6-8A4A18485BC2}"/>
+          </ac:spMkLst>
+        </pc:spChg>
+        <pc:spChg chg="add del mod">
+          <ac:chgData name="Simon Bonner" userId="c968d0cc-44b1-4a19-b224-50fd2dc43281" providerId="ADAL" clId="{21C03C2C-B54E-0141-9F1A-D4B48D7F07BB}" dt="2023-03-09T16:43:29.640" v="405" actId="478"/>
+          <ac:spMkLst>
+            <pc:docMk/>
+            <pc:sldMk cId="1662873240" sldId="258"/>
+            <ac:spMk id="9" creationId="{B3CB48A0-C39C-8CE8-F6E3-4105F1FB895E}"/>
           </ac:spMkLst>
         </pc:spChg>
         <pc:spChg chg="add mod">
-          <ac:chgData name="Simon Bonner" userId="c968d0cc-44b1-4a19-b224-50fd2dc43281" providerId="ADAL" clId="{21C03C2C-B54E-0141-9F1A-D4B48D7F07BB}" dt="2023-03-01T20:23:31.440" v="111" actId="20577"/>
+          <ac:chgData name="Simon Bonner" userId="c968d0cc-44b1-4a19-b224-50fd2dc43281" providerId="ADAL" clId="{21C03C2C-B54E-0141-9F1A-D4B48D7F07BB}" dt="2023-03-09T16:43:31.002" v="406"/>
           <ac:spMkLst>
             <pc:docMk/>
             <pc:sldMk cId="1662873240" sldId="258"/>
-            <ac:spMk id="11" creationId="{806763BA-8689-43E3-4245-5419EACB35C7}"/>
+            <ac:spMk id="10" creationId="{83DF4CD3-8F63-86A7-F28D-D80F4364BB6F}"/>
           </ac:spMkLst>
         </pc:spChg>
         <pc:spChg chg="del">
@@ -600,27 +632,51 @@
           <ac:spMkLst>
             <pc:docMk/>
             <pc:sldMk cId="1662873240" sldId="258"/>
+            <ac:spMk id="10" creationId="{D0B009ED-32B6-ECFB-EFEF-EE08DEB5111B}"/>
+          </ac:spMkLst>
+        </pc:spChg>
+        <pc:spChg chg="add del mod">
+          <ac:chgData name="Simon Bonner" userId="c968d0cc-44b1-4a19-b224-50fd2dc43281" providerId="ADAL" clId="{21C03C2C-B54E-0141-9F1A-D4B48D7F07BB}" dt="2023-03-09T16:43:29.640" v="405" actId="478"/>
+          <ac:spMkLst>
+            <pc:docMk/>
+            <pc:sldMk cId="1662873240" sldId="258"/>
+            <ac:spMk id="11" creationId="{806763BA-8689-43E3-4245-5419EACB35C7}"/>
+          </ac:spMkLst>
+        </pc:spChg>
+        <pc:spChg chg="add mod">
+          <ac:chgData name="Simon Bonner" userId="c968d0cc-44b1-4a19-b224-50fd2dc43281" providerId="ADAL" clId="{21C03C2C-B54E-0141-9F1A-D4B48D7F07BB}" dt="2023-03-09T16:43:31.002" v="406"/>
+          <ac:spMkLst>
+            <pc:docMk/>
+            <pc:sldMk cId="1662873240" sldId="258"/>
+            <ac:spMk id="12" creationId="{16963E51-D396-F0B1-7BE4-059ECC923E14}"/>
+          </ac:spMkLst>
+        </pc:spChg>
+        <pc:spChg chg="del">
+          <ac:chgData name="Simon Bonner" userId="c968d0cc-44b1-4a19-b224-50fd2dc43281" providerId="ADAL" clId="{21C03C2C-B54E-0141-9F1A-D4B48D7F07BB}" dt="2023-03-01T20:22:09.299" v="89" actId="478"/>
+          <ac:spMkLst>
+            <pc:docMk/>
+            <pc:sldMk cId="1662873240" sldId="258"/>
             <ac:spMk id="12" creationId="{C7E76004-2E3B-FC1A-EF5E-019620BEC9BF}"/>
           </ac:spMkLst>
         </pc:spChg>
-        <pc:spChg chg="add mod">
-          <ac:chgData name="Simon Bonner" userId="c968d0cc-44b1-4a19-b224-50fd2dc43281" providerId="ADAL" clId="{21C03C2C-B54E-0141-9F1A-D4B48D7F07BB}" dt="2023-03-01T20:23:48.823" v="120" actId="20577"/>
+        <pc:spChg chg="add del mod">
+          <ac:chgData name="Simon Bonner" userId="c968d0cc-44b1-4a19-b224-50fd2dc43281" providerId="ADAL" clId="{21C03C2C-B54E-0141-9F1A-D4B48D7F07BB}" dt="2023-03-09T16:43:29.640" v="405" actId="478"/>
           <ac:spMkLst>
             <pc:docMk/>
             <pc:sldMk cId="1662873240" sldId="258"/>
             <ac:spMk id="13" creationId="{79CCD821-24B4-76A4-2760-C9C82E3C6ADB}"/>
           </ac:spMkLst>
         </pc:spChg>
-        <pc:spChg chg="add mod">
-          <ac:chgData name="Simon Bonner" userId="c968d0cc-44b1-4a19-b224-50fd2dc43281" providerId="ADAL" clId="{21C03C2C-B54E-0141-9F1A-D4B48D7F07BB}" dt="2023-03-01T20:23:43.813" v="117" actId="20577"/>
+        <pc:spChg chg="add del mod">
+          <ac:chgData name="Simon Bonner" userId="c968d0cc-44b1-4a19-b224-50fd2dc43281" providerId="ADAL" clId="{21C03C2C-B54E-0141-9F1A-D4B48D7F07BB}" dt="2023-03-09T16:43:29.640" v="405" actId="478"/>
           <ac:spMkLst>
             <pc:docMk/>
             <pc:sldMk cId="1662873240" sldId="258"/>
             <ac:spMk id="14" creationId="{A16106DE-FDDE-6C0B-4347-2DC245403F5D}"/>
           </ac:spMkLst>
         </pc:spChg>
-        <pc:spChg chg="add mod">
-          <ac:chgData name="Simon Bonner" userId="c968d0cc-44b1-4a19-b224-50fd2dc43281" providerId="ADAL" clId="{21C03C2C-B54E-0141-9F1A-D4B48D7F07BB}" dt="2023-03-01T20:23:58.437" v="124" actId="20577"/>
+        <pc:spChg chg="add del mod">
+          <ac:chgData name="Simon Bonner" userId="c968d0cc-44b1-4a19-b224-50fd2dc43281" providerId="ADAL" clId="{21C03C2C-B54E-0141-9F1A-D4B48D7F07BB}" dt="2023-03-09T16:43:29.640" v="405" actId="478"/>
           <ac:spMkLst>
             <pc:docMk/>
             <pc:sldMk cId="1662873240" sldId="258"/>
@@ -628,7 +684,15 @@
           </ac:spMkLst>
         </pc:spChg>
         <pc:spChg chg="add mod">
-          <ac:chgData name="Simon Bonner" userId="c968d0cc-44b1-4a19-b224-50fd2dc43281" providerId="ADAL" clId="{21C03C2C-B54E-0141-9F1A-D4B48D7F07BB}" dt="2023-03-01T20:24:03.648" v="126" actId="20577"/>
+          <ac:chgData name="Simon Bonner" userId="c968d0cc-44b1-4a19-b224-50fd2dc43281" providerId="ADAL" clId="{21C03C2C-B54E-0141-9F1A-D4B48D7F07BB}" dt="2023-03-09T16:43:31.002" v="406"/>
+          <ac:spMkLst>
+            <pc:docMk/>
+            <pc:sldMk cId="1662873240" sldId="258"/>
+            <ac:spMk id="16" creationId="{8DE7D8EB-376E-96A5-B740-CB4B34761554}"/>
+          </ac:spMkLst>
+        </pc:spChg>
+        <pc:spChg chg="add del mod">
+          <ac:chgData name="Simon Bonner" userId="c968d0cc-44b1-4a19-b224-50fd2dc43281" providerId="ADAL" clId="{21C03C2C-B54E-0141-9F1A-D4B48D7F07BB}" dt="2023-03-09T16:43:29.640" v="405" actId="478"/>
           <ac:spMkLst>
             <pc:docMk/>
             <pc:sldMk cId="1662873240" sldId="258"/>
@@ -651,16 +715,24 @@
             <ac:spMk id="25" creationId="{7DECB3BC-7DE9-3EDB-F779-0B2177FDBBDC}"/>
           </ac:spMkLst>
         </pc:spChg>
-        <pc:spChg chg="mod">
-          <ac:chgData name="Simon Bonner" userId="c968d0cc-44b1-4a19-b224-50fd2dc43281" providerId="ADAL" clId="{21C03C2C-B54E-0141-9F1A-D4B48D7F07BB}" dt="2023-03-01T20:22:17.446" v="90" actId="14100"/>
+        <pc:spChg chg="add mod">
+          <ac:chgData name="Simon Bonner" userId="c968d0cc-44b1-4a19-b224-50fd2dc43281" providerId="ADAL" clId="{21C03C2C-B54E-0141-9F1A-D4B48D7F07BB}" dt="2023-03-09T16:43:31.002" v="406"/>
+          <ac:spMkLst>
+            <pc:docMk/>
+            <pc:sldMk cId="1662873240" sldId="258"/>
+            <ac:spMk id="25" creationId="{95CE3373-D701-D086-942D-FAEDBB084236}"/>
+          </ac:spMkLst>
+        </pc:spChg>
+        <pc:spChg chg="del mod">
+          <ac:chgData name="Simon Bonner" userId="c968d0cc-44b1-4a19-b224-50fd2dc43281" providerId="ADAL" clId="{21C03C2C-B54E-0141-9F1A-D4B48D7F07BB}" dt="2023-03-09T16:43:29.640" v="405" actId="478"/>
           <ac:spMkLst>
             <pc:docMk/>
             <pc:sldMk cId="1662873240" sldId="258"/>
             <ac:spMk id="26" creationId="{F5773DBF-A89C-20F7-96F4-F9EC52BF69B1}"/>
           </ac:spMkLst>
         </pc:spChg>
-        <pc:spChg chg="mod">
-          <ac:chgData name="Simon Bonner" userId="c968d0cc-44b1-4a19-b224-50fd2dc43281" providerId="ADAL" clId="{21C03C2C-B54E-0141-9F1A-D4B48D7F07BB}" dt="2023-03-01T20:22:22.159" v="93" actId="20577"/>
+        <pc:spChg chg="del mod">
+          <ac:chgData name="Simon Bonner" userId="c968d0cc-44b1-4a19-b224-50fd2dc43281" providerId="ADAL" clId="{21C03C2C-B54E-0141-9F1A-D4B48D7F07BB}" dt="2023-03-09T16:43:29.640" v="405" actId="478"/>
           <ac:spMkLst>
             <pc:docMk/>
             <pc:sldMk cId="1662873240" sldId="258"/>
@@ -675,12 +747,52 @@
             <ac:spMk id="31" creationId="{0D1D3CC1-3ECD-9E99-924E-F8375F53B4F4}"/>
           </ac:spMkLst>
         </pc:spChg>
+        <pc:spChg chg="add mod">
+          <ac:chgData name="Simon Bonner" userId="c968d0cc-44b1-4a19-b224-50fd2dc43281" providerId="ADAL" clId="{21C03C2C-B54E-0141-9F1A-D4B48D7F07BB}" dt="2023-03-09T16:43:31.002" v="406"/>
+          <ac:spMkLst>
+            <pc:docMk/>
+            <pc:sldMk cId="1662873240" sldId="258"/>
+            <ac:spMk id="31" creationId="{DB3FF68B-6548-91B3-EACC-FD139F214188}"/>
+          </ac:spMkLst>
+        </pc:spChg>
         <pc:spChg chg="del">
           <ac:chgData name="Simon Bonner" userId="c968d0cc-44b1-4a19-b224-50fd2dc43281" providerId="ADAL" clId="{21C03C2C-B54E-0141-9F1A-D4B48D7F07BB}" dt="2023-03-01T20:22:09.299" v="89" actId="478"/>
           <ac:spMkLst>
             <pc:docMk/>
             <pc:sldMk cId="1662873240" sldId="258"/>
             <ac:spMk id="32" creationId="{4CF229E6-3F8D-CE6C-F3AE-141C4A636B0F}"/>
+          </ac:spMkLst>
+        </pc:spChg>
+        <pc:spChg chg="add mod">
+          <ac:chgData name="Simon Bonner" userId="c968d0cc-44b1-4a19-b224-50fd2dc43281" providerId="ADAL" clId="{21C03C2C-B54E-0141-9F1A-D4B48D7F07BB}" dt="2023-03-09T16:43:31.002" v="406"/>
+          <ac:spMkLst>
+            <pc:docMk/>
+            <pc:sldMk cId="1662873240" sldId="258"/>
+            <ac:spMk id="33" creationId="{DA3691A1-EB56-8355-38FA-9F1A0CD4A3C2}"/>
+          </ac:spMkLst>
+        </pc:spChg>
+        <pc:spChg chg="add mod">
+          <ac:chgData name="Simon Bonner" userId="c968d0cc-44b1-4a19-b224-50fd2dc43281" providerId="ADAL" clId="{21C03C2C-B54E-0141-9F1A-D4B48D7F07BB}" dt="2023-03-09T16:43:31.002" v="406"/>
+          <ac:spMkLst>
+            <pc:docMk/>
+            <pc:sldMk cId="1662873240" sldId="258"/>
+            <ac:spMk id="35" creationId="{A9713DFB-D582-2E8D-BF65-5951962F0C16}"/>
+          </ac:spMkLst>
+        </pc:spChg>
+        <pc:spChg chg="add mod">
+          <ac:chgData name="Simon Bonner" userId="c968d0cc-44b1-4a19-b224-50fd2dc43281" providerId="ADAL" clId="{21C03C2C-B54E-0141-9F1A-D4B48D7F07BB}" dt="2023-03-09T16:43:31.002" v="406"/>
+          <ac:spMkLst>
+            <pc:docMk/>
+            <pc:sldMk cId="1662873240" sldId="258"/>
+            <ac:spMk id="37" creationId="{1B02E14C-F541-73A3-0522-593AE2930BF8}"/>
+          </ac:spMkLst>
+        </pc:spChg>
+        <pc:spChg chg="add mod">
+          <ac:chgData name="Simon Bonner" userId="c968d0cc-44b1-4a19-b224-50fd2dc43281" providerId="ADAL" clId="{21C03C2C-B54E-0141-9F1A-D4B48D7F07BB}" dt="2023-03-09T16:43:31.002" v="406"/>
+          <ac:spMkLst>
+            <pc:docMk/>
+            <pc:sldMk cId="1662873240" sldId="258"/>
+            <ac:spMk id="38" creationId="{AF50CE44-8AC8-7F51-8452-E6F35173C2E1}"/>
           </ac:spMkLst>
         </pc:spChg>
         <pc:spChg chg="add del mod">
@@ -689,6 +801,14 @@
             <pc:docMk/>
             <pc:sldMk cId="1662873240" sldId="258"/>
             <ac:spMk id="42" creationId="{6B8049AC-993E-B3E0-7183-AFF1C450B61B}"/>
+          </ac:spMkLst>
+        </pc:spChg>
+        <pc:spChg chg="add mod">
+          <ac:chgData name="Simon Bonner" userId="c968d0cc-44b1-4a19-b224-50fd2dc43281" providerId="ADAL" clId="{21C03C2C-B54E-0141-9F1A-D4B48D7F07BB}" dt="2023-03-09T16:43:31.002" v="406"/>
+          <ac:spMkLst>
+            <pc:docMk/>
+            <pc:sldMk cId="1662873240" sldId="258"/>
+            <ac:spMk id="43" creationId="{AD4B6A89-0FB2-4C28-B011-CE9C7EFFD39E}"/>
           </ac:spMkLst>
         </pc:spChg>
         <pc:spChg chg="add mod">
@@ -708,7 +828,15 @@
           </ac:spMkLst>
         </pc:spChg>
         <pc:spChg chg="add mod">
-          <ac:chgData name="Simon Bonner" userId="c968d0cc-44b1-4a19-b224-50fd2dc43281" providerId="ADAL" clId="{21C03C2C-B54E-0141-9F1A-D4B48D7F07BB}" dt="2023-03-01T20:28:57.416" v="195" actId="20577"/>
+          <ac:chgData name="Simon Bonner" userId="c968d0cc-44b1-4a19-b224-50fd2dc43281" providerId="ADAL" clId="{21C03C2C-B54E-0141-9F1A-D4B48D7F07BB}" dt="2023-03-09T16:43:31.002" v="406"/>
+          <ac:spMkLst>
+            <pc:docMk/>
+            <pc:sldMk cId="1662873240" sldId="258"/>
+            <ac:spMk id="47" creationId="{611C3BF6-3AE8-D782-9AEB-B8D31F02C665}"/>
+          </ac:spMkLst>
+        </pc:spChg>
+        <pc:spChg chg="add mod">
+          <ac:chgData name="Simon Bonner" userId="c968d0cc-44b1-4a19-b224-50fd2dc43281" providerId="ADAL" clId="{21C03C2C-B54E-0141-9F1A-D4B48D7F07BB}" dt="2023-03-09T16:44:48.448" v="420" actId="20577"/>
           <ac:spMkLst>
             <pc:docMk/>
             <pc:sldMk cId="1662873240" sldId="258"/>
@@ -723,32 +851,32 @@
             <ac:spMk id="50" creationId="{928CFA48-2385-7922-ED05-3D83F901BC63}"/>
           </ac:spMkLst>
         </pc:spChg>
-        <pc:spChg chg="add mod">
-          <ac:chgData name="Simon Bonner" userId="c968d0cc-44b1-4a19-b224-50fd2dc43281" providerId="ADAL" clId="{21C03C2C-B54E-0141-9F1A-D4B48D7F07BB}" dt="2023-03-01T20:29:02.355" v="197" actId="20577"/>
+        <pc:spChg chg="add del mod">
+          <ac:chgData name="Simon Bonner" userId="c968d0cc-44b1-4a19-b224-50fd2dc43281" providerId="ADAL" clId="{21C03C2C-B54E-0141-9F1A-D4B48D7F07BB}" dt="2023-03-09T16:43:37.909" v="407" actId="478"/>
           <ac:spMkLst>
             <pc:docMk/>
             <pc:sldMk cId="1662873240" sldId="258"/>
             <ac:spMk id="52" creationId="{579847FB-5936-1BEA-B374-337232D091A3}"/>
           </ac:spMkLst>
         </pc:spChg>
-        <pc:spChg chg="add mod">
-          <ac:chgData name="Simon Bonner" userId="c968d0cc-44b1-4a19-b224-50fd2dc43281" providerId="ADAL" clId="{21C03C2C-B54E-0141-9F1A-D4B48D7F07BB}" dt="2023-03-01T20:28:53.915" v="193" actId="1076"/>
+        <pc:spChg chg="add del mod">
+          <ac:chgData name="Simon Bonner" userId="c968d0cc-44b1-4a19-b224-50fd2dc43281" providerId="ADAL" clId="{21C03C2C-B54E-0141-9F1A-D4B48D7F07BB}" dt="2023-03-09T16:43:41.343" v="408" actId="478"/>
           <ac:spMkLst>
             <pc:docMk/>
             <pc:sldMk cId="1662873240" sldId="258"/>
             <ac:spMk id="53" creationId="{30A6F96F-5911-7342-E518-EA0700B1986C}"/>
           </ac:spMkLst>
         </pc:spChg>
-        <pc:spChg chg="add mod">
-          <ac:chgData name="Simon Bonner" userId="c968d0cc-44b1-4a19-b224-50fd2dc43281" providerId="ADAL" clId="{21C03C2C-B54E-0141-9F1A-D4B48D7F07BB}" dt="2023-03-01T20:29:57.712" v="205" actId="20577"/>
+        <pc:spChg chg="add del mod">
+          <ac:chgData name="Simon Bonner" userId="c968d0cc-44b1-4a19-b224-50fd2dc43281" providerId="ADAL" clId="{21C03C2C-B54E-0141-9F1A-D4B48D7F07BB}" dt="2023-03-09T16:43:29.640" v="405" actId="478"/>
           <ac:spMkLst>
             <pc:docMk/>
             <pc:sldMk cId="1662873240" sldId="258"/>
             <ac:spMk id="55" creationId="{7B6BD2DD-A129-7C0E-F285-1E2350CE4CED}"/>
           </ac:spMkLst>
         </pc:spChg>
-        <pc:spChg chg="add mod">
-          <ac:chgData name="Simon Bonner" userId="c968d0cc-44b1-4a19-b224-50fd2dc43281" providerId="ADAL" clId="{21C03C2C-B54E-0141-9F1A-D4B48D7F07BB}" dt="2023-03-01T20:29:49.288" v="202" actId="1076"/>
+        <pc:spChg chg="add del mod">
+          <ac:chgData name="Simon Bonner" userId="c968d0cc-44b1-4a19-b224-50fd2dc43281" providerId="ADAL" clId="{21C03C2C-B54E-0141-9F1A-D4B48D7F07BB}" dt="2023-03-09T16:43:29.640" v="405" actId="478"/>
           <ac:spMkLst>
             <pc:docMk/>
             <pc:sldMk cId="1662873240" sldId="258"/>
@@ -763,12 +891,12 @@
             <ac:spMk id="58" creationId="{F9AD67FF-681D-1A22-D08E-F91C45D4EDBA}"/>
           </ac:spMkLst>
         </pc:spChg>
-        <pc:spChg chg="add del mod">
-          <ac:chgData name="Simon Bonner" userId="c968d0cc-44b1-4a19-b224-50fd2dc43281" providerId="ADAL" clId="{21C03C2C-B54E-0141-9F1A-D4B48D7F07BB}" dt="2023-03-01T20:29:54.129" v="203" actId="478"/>
+        <pc:spChg chg="add mod">
+          <ac:chgData name="Simon Bonner" userId="c968d0cc-44b1-4a19-b224-50fd2dc43281" providerId="ADAL" clId="{21C03C2C-B54E-0141-9F1A-D4B48D7F07BB}" dt="2023-03-09T16:43:31.002" v="406"/>
           <ac:spMkLst>
             <pc:docMk/>
             <pc:sldMk cId="1662873240" sldId="258"/>
-            <ac:spMk id="59" creationId="{8B2D971D-58A0-1B73-6400-2C19EC15BC61}"/>
+            <ac:spMk id="59" creationId="{0EC3425C-1012-0A2C-973A-2FD6E91C416C}"/>
           </ac:spMkLst>
         </pc:spChg>
         <pc:spChg chg="add del mod">
@@ -776,7 +904,15 @@
           <ac:spMkLst>
             <pc:docMk/>
             <pc:sldMk cId="1662873240" sldId="258"/>
-            <ac:spMk id="61" creationId="{3CA437F5-5B66-4E5D-4BE1-4932720AFCBD}"/>
+            <ac:spMk id="59" creationId="{8B2D971D-58A0-1B73-6400-2C19EC15BC61}"/>
+          </ac:spMkLst>
+        </pc:spChg>
+        <pc:spChg chg="add mod">
+          <ac:chgData name="Simon Bonner" userId="c968d0cc-44b1-4a19-b224-50fd2dc43281" providerId="ADAL" clId="{21C03C2C-B54E-0141-9F1A-D4B48D7F07BB}" dt="2023-03-09T16:43:31.002" v="406"/>
+          <ac:spMkLst>
+            <pc:docMk/>
+            <pc:sldMk cId="1662873240" sldId="258"/>
+            <ac:spMk id="60" creationId="{4FFD342E-EC13-EA92-E7F7-2BC403457AF6}"/>
           </ac:spMkLst>
         </pc:spChg>
         <pc:spChg chg="add del mod">
@@ -784,63 +920,239 @@
           <ac:spMkLst>
             <pc:docMk/>
             <pc:sldMk cId="1662873240" sldId="258"/>
+            <ac:spMk id="61" creationId="{3CA437F5-5B66-4E5D-4BE1-4932720AFCBD}"/>
+          </ac:spMkLst>
+        </pc:spChg>
+        <pc:spChg chg="add mod">
+          <ac:chgData name="Simon Bonner" userId="c968d0cc-44b1-4a19-b224-50fd2dc43281" providerId="ADAL" clId="{21C03C2C-B54E-0141-9F1A-D4B48D7F07BB}" dt="2023-03-09T16:43:31.002" v="406"/>
+          <ac:spMkLst>
+            <pc:docMk/>
+            <pc:sldMk cId="1662873240" sldId="258"/>
+            <ac:spMk id="62" creationId="{7A050908-5F49-B81B-66F8-94A2D4CEC011}"/>
+          </ac:spMkLst>
+        </pc:spChg>
+        <pc:spChg chg="add del mod">
+          <ac:chgData name="Simon Bonner" userId="c968d0cc-44b1-4a19-b224-50fd2dc43281" providerId="ADAL" clId="{21C03C2C-B54E-0141-9F1A-D4B48D7F07BB}" dt="2023-03-01T20:29:54.129" v="203" actId="478"/>
+          <ac:spMkLst>
+            <pc:docMk/>
+            <pc:sldMk cId="1662873240" sldId="258"/>
             <ac:spMk id="62" creationId="{FB934141-B265-F339-828D-A04907B357CC}"/>
           </ac:spMkLst>
         </pc:spChg>
         <pc:spChg chg="add mod">
-          <ac:chgData name="Simon Bonner" userId="c968d0cc-44b1-4a19-b224-50fd2dc43281" providerId="ADAL" clId="{21C03C2C-B54E-0141-9F1A-D4B48D7F07BB}" dt="2023-03-01T20:51:16.311" v="215" actId="20577"/>
+          <ac:chgData name="Simon Bonner" userId="c968d0cc-44b1-4a19-b224-50fd2dc43281" providerId="ADAL" clId="{21C03C2C-B54E-0141-9F1A-D4B48D7F07BB}" dt="2023-03-09T16:43:31.002" v="406"/>
+          <ac:spMkLst>
+            <pc:docMk/>
+            <pc:sldMk cId="1662873240" sldId="258"/>
+            <ac:spMk id="63" creationId="{4A354B0B-115A-413D-A009-92E201AAFE5F}"/>
+          </ac:spMkLst>
+        </pc:spChg>
+        <pc:spChg chg="add mod">
+          <ac:chgData name="Simon Bonner" userId="c968d0cc-44b1-4a19-b224-50fd2dc43281" providerId="ADAL" clId="{21C03C2C-B54E-0141-9F1A-D4B48D7F07BB}" dt="2023-03-09T16:43:31.002" v="406"/>
+          <ac:spMkLst>
+            <pc:docMk/>
+            <pc:sldMk cId="1662873240" sldId="258"/>
+            <ac:spMk id="66" creationId="{3C5DC824-31A2-70C5-D726-A1D240F3F098}"/>
+          </ac:spMkLst>
+        </pc:spChg>
+        <pc:spChg chg="add del mod">
+          <ac:chgData name="Simon Bonner" userId="c968d0cc-44b1-4a19-b224-50fd2dc43281" providerId="ADAL" clId="{21C03C2C-B54E-0141-9F1A-D4B48D7F07BB}" dt="2023-03-09T16:43:29.640" v="405" actId="478"/>
           <ac:spMkLst>
             <pc:docMk/>
             <pc:sldMk cId="1662873240" sldId="258"/>
             <ac:spMk id="67" creationId="{6EBF0153-2220-0543-18AE-062EE54CE097}"/>
           </ac:spMkLst>
         </pc:spChg>
-        <pc:spChg chg="add mod">
-          <ac:chgData name="Simon Bonner" userId="c968d0cc-44b1-4a19-b224-50fd2dc43281" providerId="ADAL" clId="{21C03C2C-B54E-0141-9F1A-D4B48D7F07BB}" dt="2023-03-01T20:30:08.494" v="207" actId="1076"/>
+        <pc:spChg chg="add del mod">
+          <ac:chgData name="Simon Bonner" userId="c968d0cc-44b1-4a19-b224-50fd2dc43281" providerId="ADAL" clId="{21C03C2C-B54E-0141-9F1A-D4B48D7F07BB}" dt="2023-03-09T16:43:29.640" v="405" actId="478"/>
           <ac:spMkLst>
             <pc:docMk/>
             <pc:sldMk cId="1662873240" sldId="258"/>
             <ac:spMk id="68" creationId="{350B80D3-12D5-3885-F7FC-C92A0AC9C39A}"/>
           </ac:spMkLst>
         </pc:spChg>
-        <pc:spChg chg="add mod">
-          <ac:chgData name="Simon Bonner" userId="c968d0cc-44b1-4a19-b224-50fd2dc43281" providerId="ADAL" clId="{21C03C2C-B54E-0141-9F1A-D4B48D7F07BB}" dt="2023-03-01T20:51:21.319" v="218" actId="20577"/>
+        <pc:spChg chg="add del mod">
+          <ac:chgData name="Simon Bonner" userId="c968d0cc-44b1-4a19-b224-50fd2dc43281" providerId="ADAL" clId="{21C03C2C-B54E-0141-9F1A-D4B48D7F07BB}" dt="2023-03-09T16:43:29.640" v="405" actId="478"/>
           <ac:spMkLst>
             <pc:docMk/>
             <pc:sldMk cId="1662873240" sldId="258"/>
             <ac:spMk id="70" creationId="{EAE7D4FE-300E-D92E-C5BA-DA0CCA28045D}"/>
           </ac:spMkLst>
         </pc:spChg>
-        <pc:spChg chg="add mod">
-          <ac:chgData name="Simon Bonner" userId="c968d0cc-44b1-4a19-b224-50fd2dc43281" providerId="ADAL" clId="{21C03C2C-B54E-0141-9F1A-D4B48D7F07BB}" dt="2023-03-01T20:30:15.839" v="209" actId="1076"/>
+        <pc:spChg chg="add del mod">
+          <ac:chgData name="Simon Bonner" userId="c968d0cc-44b1-4a19-b224-50fd2dc43281" providerId="ADAL" clId="{21C03C2C-B54E-0141-9F1A-D4B48D7F07BB}" dt="2023-03-09T16:43:29.640" v="405" actId="478"/>
           <ac:spMkLst>
             <pc:docMk/>
             <pc:sldMk cId="1662873240" sldId="258"/>
             <ac:spMk id="71" creationId="{B3A53B54-E451-EC79-2ECD-B85AB23ABF03}"/>
           </ac:spMkLst>
         </pc:spChg>
-        <pc:spChg chg="add mod">
-          <ac:chgData name="Simon Bonner" userId="c968d0cc-44b1-4a19-b224-50fd2dc43281" providerId="ADAL" clId="{21C03C2C-B54E-0141-9F1A-D4B48D7F07BB}" dt="2023-03-01T20:51:27.630" v="220" actId="20577"/>
+        <pc:spChg chg="add del mod">
+          <ac:chgData name="Simon Bonner" userId="c968d0cc-44b1-4a19-b224-50fd2dc43281" providerId="ADAL" clId="{21C03C2C-B54E-0141-9F1A-D4B48D7F07BB}" dt="2023-03-09T16:43:29.640" v="405" actId="478"/>
           <ac:spMkLst>
             <pc:docMk/>
             <pc:sldMk cId="1662873240" sldId="258"/>
             <ac:spMk id="73" creationId="{3B305C2B-8326-FC60-28A8-9976D93F3324}"/>
           </ac:spMkLst>
         </pc:spChg>
-        <pc:spChg chg="add mod">
-          <ac:chgData name="Simon Bonner" userId="c968d0cc-44b1-4a19-b224-50fd2dc43281" providerId="ADAL" clId="{21C03C2C-B54E-0141-9F1A-D4B48D7F07BB}" dt="2023-03-01T20:30:24.469" v="211" actId="1076"/>
+        <pc:spChg chg="add del mod">
+          <ac:chgData name="Simon Bonner" userId="c968d0cc-44b1-4a19-b224-50fd2dc43281" providerId="ADAL" clId="{21C03C2C-B54E-0141-9F1A-D4B48D7F07BB}" dt="2023-03-09T16:43:29.640" v="405" actId="478"/>
           <ac:spMkLst>
             <pc:docMk/>
             <pc:sldMk cId="1662873240" sldId="258"/>
             <ac:spMk id="74" creationId="{6D65F5CD-76E4-77FA-5291-28C92BB7DBDC}"/>
           </ac:spMkLst>
         </pc:spChg>
-        <pc:spChg chg="add mod">
-          <ac:chgData name="Simon Bonner" userId="c968d0cc-44b1-4a19-b224-50fd2dc43281" providerId="ADAL" clId="{21C03C2C-B54E-0141-9F1A-D4B48D7F07BB}" dt="2023-03-01T20:52:12.918" v="227" actId="1076"/>
+        <pc:spChg chg="add del mod">
+          <ac:chgData name="Simon Bonner" userId="c968d0cc-44b1-4a19-b224-50fd2dc43281" providerId="ADAL" clId="{21C03C2C-B54E-0141-9F1A-D4B48D7F07BB}" dt="2023-03-09T16:43:29.640" v="405" actId="478"/>
           <ac:spMkLst>
             <pc:docMk/>
             <pc:sldMk cId="1662873240" sldId="258"/>
             <ac:spMk id="76" creationId="{2FD33B5E-4CC6-7574-F3D6-78E3636BCEAB}"/>
+          </ac:spMkLst>
+        </pc:spChg>
+        <pc:spChg chg="add mod">
+          <ac:chgData name="Simon Bonner" userId="c968d0cc-44b1-4a19-b224-50fd2dc43281" providerId="ADAL" clId="{21C03C2C-B54E-0141-9F1A-D4B48D7F07BB}" dt="2023-03-09T16:43:31.002" v="406"/>
+          <ac:spMkLst>
+            <pc:docMk/>
+            <pc:sldMk cId="1662873240" sldId="258"/>
+            <ac:spMk id="77" creationId="{19631926-B303-D07C-9552-9B0816ED98FE}"/>
+          </ac:spMkLst>
+        </pc:spChg>
+        <pc:spChg chg="add mod">
+          <ac:chgData name="Simon Bonner" userId="c968d0cc-44b1-4a19-b224-50fd2dc43281" providerId="ADAL" clId="{21C03C2C-B54E-0141-9F1A-D4B48D7F07BB}" dt="2023-03-09T16:43:31.002" v="406"/>
+          <ac:spMkLst>
+            <pc:docMk/>
+            <pc:sldMk cId="1662873240" sldId="258"/>
+            <ac:spMk id="79" creationId="{F4FF1CC8-FA05-5742-1FAF-9B4822CA2527}"/>
+          </ac:spMkLst>
+        </pc:spChg>
+        <pc:spChg chg="add mod">
+          <ac:chgData name="Simon Bonner" userId="c968d0cc-44b1-4a19-b224-50fd2dc43281" providerId="ADAL" clId="{21C03C2C-B54E-0141-9F1A-D4B48D7F07BB}" dt="2023-03-09T16:43:31.002" v="406"/>
+          <ac:spMkLst>
+            <pc:docMk/>
+            <pc:sldMk cId="1662873240" sldId="258"/>
+            <ac:spMk id="80" creationId="{AEC82548-1F36-7E61-A4D5-CA318D848715}"/>
+          </ac:spMkLst>
+        </pc:spChg>
+        <pc:spChg chg="add mod">
+          <ac:chgData name="Simon Bonner" userId="c968d0cc-44b1-4a19-b224-50fd2dc43281" providerId="ADAL" clId="{21C03C2C-B54E-0141-9F1A-D4B48D7F07BB}" dt="2023-03-09T16:43:31.002" v="406"/>
+          <ac:spMkLst>
+            <pc:docMk/>
+            <pc:sldMk cId="1662873240" sldId="258"/>
+            <ac:spMk id="83" creationId="{11CD05E1-D52F-6AD1-0096-971CADF05B94}"/>
+          </ac:spMkLst>
+        </pc:spChg>
+        <pc:spChg chg="add mod">
+          <ac:chgData name="Simon Bonner" userId="c968d0cc-44b1-4a19-b224-50fd2dc43281" providerId="ADAL" clId="{21C03C2C-B54E-0141-9F1A-D4B48D7F07BB}" dt="2023-03-09T16:43:31.002" v="406"/>
+          <ac:spMkLst>
+            <pc:docMk/>
+            <pc:sldMk cId="1662873240" sldId="258"/>
+            <ac:spMk id="84" creationId="{279ECACE-8533-D8DC-E8FA-4B71A2225D8F}"/>
+          </ac:spMkLst>
+        </pc:spChg>
+        <pc:spChg chg="add mod">
+          <ac:chgData name="Simon Bonner" userId="c968d0cc-44b1-4a19-b224-50fd2dc43281" providerId="ADAL" clId="{21C03C2C-B54E-0141-9F1A-D4B48D7F07BB}" dt="2023-03-09T16:43:31.002" v="406"/>
+          <ac:spMkLst>
+            <pc:docMk/>
+            <pc:sldMk cId="1662873240" sldId="258"/>
+            <ac:spMk id="86" creationId="{AB872FA8-C666-6726-02B4-05F34BDA8ED6}"/>
+          </ac:spMkLst>
+        </pc:spChg>
+        <pc:spChg chg="add mod">
+          <ac:chgData name="Simon Bonner" userId="c968d0cc-44b1-4a19-b224-50fd2dc43281" providerId="ADAL" clId="{21C03C2C-B54E-0141-9F1A-D4B48D7F07BB}" dt="2023-03-09T16:43:31.002" v="406"/>
+          <ac:spMkLst>
+            <pc:docMk/>
+            <pc:sldMk cId="1662873240" sldId="258"/>
+            <ac:spMk id="87" creationId="{6D028BCC-D715-0BEC-807A-0DB59678F247}"/>
+          </ac:spMkLst>
+        </pc:spChg>
+        <pc:spChg chg="add mod">
+          <ac:chgData name="Simon Bonner" userId="c968d0cc-44b1-4a19-b224-50fd2dc43281" providerId="ADAL" clId="{21C03C2C-B54E-0141-9F1A-D4B48D7F07BB}" dt="2023-03-09T16:43:31.002" v="406"/>
+          <ac:spMkLst>
+            <pc:docMk/>
+            <pc:sldMk cId="1662873240" sldId="258"/>
+            <ac:spMk id="89" creationId="{F05BCCD7-3F8D-E057-A9B6-F3AE862E308E}"/>
+          </ac:spMkLst>
+        </pc:spChg>
+        <pc:spChg chg="add mod">
+          <ac:chgData name="Simon Bonner" userId="c968d0cc-44b1-4a19-b224-50fd2dc43281" providerId="ADAL" clId="{21C03C2C-B54E-0141-9F1A-D4B48D7F07BB}" dt="2023-03-09T16:43:31.002" v="406"/>
+          <ac:spMkLst>
+            <pc:docMk/>
+            <pc:sldMk cId="1662873240" sldId="258"/>
+            <ac:spMk id="90" creationId="{E4FB9D4F-FB63-32FC-FF6B-611A5E55B208}"/>
+          </ac:spMkLst>
+        </pc:spChg>
+        <pc:spChg chg="add del mod">
+          <ac:chgData name="Simon Bonner" userId="c968d0cc-44b1-4a19-b224-50fd2dc43281" providerId="ADAL" clId="{21C03C2C-B54E-0141-9F1A-D4B48D7F07BB}" dt="2023-03-09T16:43:48.326" v="411"/>
+          <ac:spMkLst>
+            <pc:docMk/>
+            <pc:sldMk cId="1662873240" sldId="258"/>
+            <ac:spMk id="92" creationId="{A089653A-13A8-3390-133E-687D94512408}"/>
+          </ac:spMkLst>
+        </pc:spChg>
+        <pc:spChg chg="add mod">
+          <ac:chgData name="Simon Bonner" userId="c968d0cc-44b1-4a19-b224-50fd2dc43281" providerId="ADAL" clId="{21C03C2C-B54E-0141-9F1A-D4B48D7F07BB}" dt="2023-03-09T16:44:57.762" v="422" actId="20577"/>
+          <ac:spMkLst>
+            <pc:docMk/>
+            <pc:sldMk cId="1662873240" sldId="258"/>
+            <ac:spMk id="93" creationId="{A9619732-452D-8BD0-6F96-1B2052B3C246}"/>
+          </ac:spMkLst>
+        </pc:spChg>
+        <pc:spChg chg="add mod">
+          <ac:chgData name="Simon Bonner" userId="c968d0cc-44b1-4a19-b224-50fd2dc43281" providerId="ADAL" clId="{21C03C2C-B54E-0141-9F1A-D4B48D7F07BB}" dt="2023-03-09T16:44:05.004" v="413" actId="1076"/>
+          <ac:spMkLst>
+            <pc:docMk/>
+            <pc:sldMk cId="1662873240" sldId="258"/>
+            <ac:spMk id="94" creationId="{D80F2499-CC3B-88D6-775F-1E5EE8B1B604}"/>
+          </ac:spMkLst>
+        </pc:spChg>
+        <pc:spChg chg="add mod">
+          <ac:chgData name="Simon Bonner" userId="c968d0cc-44b1-4a19-b224-50fd2dc43281" providerId="ADAL" clId="{21C03C2C-B54E-0141-9F1A-D4B48D7F07BB}" dt="2023-03-09T16:45:01.961" v="424" actId="20577"/>
+          <ac:spMkLst>
+            <pc:docMk/>
+            <pc:sldMk cId="1662873240" sldId="258"/>
+            <ac:spMk id="96" creationId="{CEE53E6A-EED7-C38D-47B5-226DE505B13F}"/>
+          </ac:spMkLst>
+        </pc:spChg>
+        <pc:spChg chg="add mod">
+          <ac:chgData name="Simon Bonner" userId="c968d0cc-44b1-4a19-b224-50fd2dc43281" providerId="ADAL" clId="{21C03C2C-B54E-0141-9F1A-D4B48D7F07BB}" dt="2023-03-09T16:44:19.540" v="415" actId="1076"/>
+          <ac:spMkLst>
+            <pc:docMk/>
+            <pc:sldMk cId="1662873240" sldId="258"/>
+            <ac:spMk id="97" creationId="{99BC4020-DE9C-CADA-37C7-A682A5166093}"/>
+          </ac:spMkLst>
+        </pc:spChg>
+        <pc:spChg chg="add mod">
+          <ac:chgData name="Simon Bonner" userId="c968d0cc-44b1-4a19-b224-50fd2dc43281" providerId="ADAL" clId="{21C03C2C-B54E-0141-9F1A-D4B48D7F07BB}" dt="2023-03-09T16:45:06.370" v="426" actId="20577"/>
+          <ac:spMkLst>
+            <pc:docMk/>
+            <pc:sldMk cId="1662873240" sldId="258"/>
+            <ac:spMk id="99" creationId="{D3D70C8E-DE3C-0602-CD16-4AF44E05A67E}"/>
+          </ac:spMkLst>
+        </pc:spChg>
+        <pc:spChg chg="add mod">
+          <ac:chgData name="Simon Bonner" userId="c968d0cc-44b1-4a19-b224-50fd2dc43281" providerId="ADAL" clId="{21C03C2C-B54E-0141-9F1A-D4B48D7F07BB}" dt="2023-03-09T16:44:29.571" v="417" actId="1076"/>
+          <ac:spMkLst>
+            <pc:docMk/>
+            <pc:sldMk cId="1662873240" sldId="258"/>
+            <ac:spMk id="100" creationId="{4E30375D-4581-E0EB-A8ED-66C132959880}"/>
+          </ac:spMkLst>
+        </pc:spChg>
+        <pc:spChg chg="add mod">
+          <ac:chgData name="Simon Bonner" userId="c968d0cc-44b1-4a19-b224-50fd2dc43281" providerId="ADAL" clId="{21C03C2C-B54E-0141-9F1A-D4B48D7F07BB}" dt="2023-03-09T16:45:10.874" v="428" actId="20577"/>
+          <ac:spMkLst>
+            <pc:docMk/>
+            <pc:sldMk cId="1662873240" sldId="258"/>
+            <ac:spMk id="102" creationId="{424E37BB-BF0B-15F6-F0E2-0B01F585526F}"/>
+          </ac:spMkLst>
+        </pc:spChg>
+        <pc:spChg chg="add mod">
+          <ac:chgData name="Simon Bonner" userId="c968d0cc-44b1-4a19-b224-50fd2dc43281" providerId="ADAL" clId="{21C03C2C-B54E-0141-9F1A-D4B48D7F07BB}" dt="2023-03-09T16:44:43.868" v="419" actId="1076"/>
+          <ac:spMkLst>
+            <pc:docMk/>
+            <pc:sldMk cId="1662873240" sldId="258"/>
+            <ac:spMk id="103" creationId="{6787E5BE-1D6E-EEC7-773D-D4BD6703AE32}"/>
           </ac:spMkLst>
         </pc:spChg>
         <pc:cxnChg chg="del mod">
@@ -851,12 +1163,12 @@
             <ac:cxnSpMk id="16" creationId="{ADBEDA71-E44D-5775-EE9B-F7C90EC434CA}"/>
           </ac:cxnSpMkLst>
         </pc:cxnChg>
-        <pc:cxnChg chg="del mod">
-          <ac:chgData name="Simon Bonner" userId="c968d0cc-44b1-4a19-b224-50fd2dc43281" providerId="ADAL" clId="{21C03C2C-B54E-0141-9F1A-D4B48D7F07BB}" dt="2023-03-01T20:22:09.299" v="89" actId="478"/>
+        <pc:cxnChg chg="add mod">
+          <ac:chgData name="Simon Bonner" userId="c968d0cc-44b1-4a19-b224-50fd2dc43281" providerId="ADAL" clId="{21C03C2C-B54E-0141-9F1A-D4B48D7F07BB}" dt="2023-03-09T16:43:31.002" v="406"/>
           <ac:cxnSpMkLst>
             <pc:docMk/>
             <pc:sldMk cId="1662873240" sldId="258"/>
-            <ac:cxnSpMk id="17" creationId="{D58A0CDD-7120-AE0D-6488-D818C68CA3C9}"/>
+            <ac:cxnSpMk id="17" creationId="{AD72718A-F8B4-84CF-0CD4-7537585731F8}"/>
           </ac:cxnSpMkLst>
         </pc:cxnChg>
         <pc:cxnChg chg="del mod">
@@ -864,7 +1176,39 @@
           <ac:cxnSpMkLst>
             <pc:docMk/>
             <pc:sldMk cId="1662873240" sldId="258"/>
+            <ac:cxnSpMk id="17" creationId="{D58A0CDD-7120-AE0D-6488-D818C68CA3C9}"/>
+          </ac:cxnSpMkLst>
+        </pc:cxnChg>
+        <pc:cxnChg chg="add mod">
+          <ac:chgData name="Simon Bonner" userId="c968d0cc-44b1-4a19-b224-50fd2dc43281" providerId="ADAL" clId="{21C03C2C-B54E-0141-9F1A-D4B48D7F07BB}" dt="2023-03-09T16:43:31.002" v="406"/>
+          <ac:cxnSpMkLst>
+            <pc:docMk/>
+            <pc:sldMk cId="1662873240" sldId="258"/>
+            <ac:cxnSpMk id="18" creationId="{2C8B5226-A6A0-B474-E940-DED28CA92524}"/>
+          </ac:cxnSpMkLst>
+        </pc:cxnChg>
+        <pc:cxnChg chg="del mod">
+          <ac:chgData name="Simon Bonner" userId="c968d0cc-44b1-4a19-b224-50fd2dc43281" providerId="ADAL" clId="{21C03C2C-B54E-0141-9F1A-D4B48D7F07BB}" dt="2023-03-01T20:22:09.299" v="89" actId="478"/>
+          <ac:cxnSpMkLst>
+            <pc:docMk/>
+            <pc:sldMk cId="1662873240" sldId="258"/>
             <ac:cxnSpMk id="18" creationId="{EB7DAEEE-7B91-59AC-03D2-FE624A485EA7}"/>
+          </ac:cxnSpMkLst>
+        </pc:cxnChg>
+        <pc:cxnChg chg="add mod">
+          <ac:chgData name="Simon Bonner" userId="c968d0cc-44b1-4a19-b224-50fd2dc43281" providerId="ADAL" clId="{21C03C2C-B54E-0141-9F1A-D4B48D7F07BB}" dt="2023-03-09T16:43:31.002" v="406"/>
+          <ac:cxnSpMkLst>
+            <pc:docMk/>
+            <pc:sldMk cId="1662873240" sldId="258"/>
+            <ac:cxnSpMk id="20" creationId="{C51D0DAD-679E-4A2A-2326-FAB7AB9CA515}"/>
+          </ac:cxnSpMkLst>
+        </pc:cxnChg>
+        <pc:cxnChg chg="add mod">
+          <ac:chgData name="Simon Bonner" userId="c968d0cc-44b1-4a19-b224-50fd2dc43281" providerId="ADAL" clId="{21C03C2C-B54E-0141-9F1A-D4B48D7F07BB}" dt="2023-03-09T16:43:31.002" v="406"/>
+          <ac:cxnSpMkLst>
+            <pc:docMk/>
+            <pc:sldMk cId="1662873240" sldId="258"/>
+            <ac:cxnSpMk id="21" creationId="{6688E28C-5E93-C310-3739-69F9E2DC47A1}"/>
           </ac:cxnSpMkLst>
         </pc:cxnChg>
         <pc:cxnChg chg="add del mod">
@@ -875,8 +1219,8 @@
             <ac:cxnSpMk id="21" creationId="{D5203219-33D3-FCC6-9AF8-D474F22E2C88}"/>
           </ac:cxnSpMkLst>
         </pc:cxnChg>
-        <pc:cxnChg chg="add mod">
-          <ac:chgData name="Simon Bonner" userId="c968d0cc-44b1-4a19-b224-50fd2dc43281" providerId="ADAL" clId="{21C03C2C-B54E-0141-9F1A-D4B48D7F07BB}" dt="2023-03-01T20:25:45.451" v="138" actId="14100"/>
+        <pc:cxnChg chg="add del mod">
+          <ac:chgData name="Simon Bonner" userId="c968d0cc-44b1-4a19-b224-50fd2dc43281" providerId="ADAL" clId="{21C03C2C-B54E-0141-9F1A-D4B48D7F07BB}" dt="2023-03-09T16:43:29.640" v="405" actId="478"/>
           <ac:cxnSpMkLst>
             <pc:docMk/>
             <pc:sldMk cId="1662873240" sldId="258"/>
@@ -884,27 +1228,51 @@
           </ac:cxnSpMkLst>
         </pc:cxnChg>
         <pc:cxnChg chg="add mod">
-          <ac:chgData name="Simon Bonner" userId="c968d0cc-44b1-4a19-b224-50fd2dc43281" providerId="ADAL" clId="{21C03C2C-B54E-0141-9F1A-D4B48D7F07BB}" dt="2023-03-01T20:25:52.636" v="140" actId="1076"/>
+          <ac:chgData name="Simon Bonner" userId="c968d0cc-44b1-4a19-b224-50fd2dc43281" providerId="ADAL" clId="{21C03C2C-B54E-0141-9F1A-D4B48D7F07BB}" dt="2023-03-09T16:43:31.002" v="406"/>
+          <ac:cxnSpMkLst>
+            <pc:docMk/>
+            <pc:sldMk cId="1662873240" sldId="258"/>
+            <ac:cxnSpMk id="23" creationId="{B93D2928-799B-8E0B-CCB4-FB0536D53778}"/>
+          </ac:cxnSpMkLst>
+        </pc:cxnChg>
+        <pc:cxnChg chg="add mod">
+          <ac:chgData name="Simon Bonner" userId="c968d0cc-44b1-4a19-b224-50fd2dc43281" providerId="ADAL" clId="{21C03C2C-B54E-0141-9F1A-D4B48D7F07BB}" dt="2023-03-09T16:43:31.002" v="406"/>
+          <ac:cxnSpMkLst>
+            <pc:docMk/>
+            <pc:sldMk cId="1662873240" sldId="258"/>
+            <ac:cxnSpMk id="24" creationId="{40022CBF-B8A8-D395-DC83-DE00AF791232}"/>
+          </ac:cxnSpMkLst>
+        </pc:cxnChg>
+        <pc:cxnChg chg="add del mod">
+          <ac:chgData name="Simon Bonner" userId="c968d0cc-44b1-4a19-b224-50fd2dc43281" providerId="ADAL" clId="{21C03C2C-B54E-0141-9F1A-D4B48D7F07BB}" dt="2023-03-09T16:43:29.640" v="405" actId="478"/>
           <ac:cxnSpMkLst>
             <pc:docMk/>
             <pc:sldMk cId="1662873240" sldId="258"/>
             <ac:cxnSpMk id="28" creationId="{2316FC0C-CA58-2470-85DA-4DAD43509D94}"/>
           </ac:cxnSpMkLst>
         </pc:cxnChg>
-        <pc:cxnChg chg="add mod">
-          <ac:chgData name="Simon Bonner" userId="c968d0cc-44b1-4a19-b224-50fd2dc43281" providerId="ADAL" clId="{21C03C2C-B54E-0141-9F1A-D4B48D7F07BB}" dt="2023-03-01T20:25:58.521" v="142" actId="1076"/>
+        <pc:cxnChg chg="add del mod">
+          <ac:chgData name="Simon Bonner" userId="c968d0cc-44b1-4a19-b224-50fd2dc43281" providerId="ADAL" clId="{21C03C2C-B54E-0141-9F1A-D4B48D7F07BB}" dt="2023-03-09T16:43:29.640" v="405" actId="478"/>
           <ac:cxnSpMkLst>
             <pc:docMk/>
             <pc:sldMk cId="1662873240" sldId="258"/>
             <ac:cxnSpMk id="29" creationId="{74BD6F1D-964F-8DF8-0EFC-F9A1F65F05A5}"/>
           </ac:cxnSpMkLst>
         </pc:cxnChg>
-        <pc:cxnChg chg="add mod">
-          <ac:chgData name="Simon Bonner" userId="c968d0cc-44b1-4a19-b224-50fd2dc43281" providerId="ADAL" clId="{21C03C2C-B54E-0141-9F1A-D4B48D7F07BB}" dt="2023-03-01T20:26:04.821" v="144" actId="1076"/>
+        <pc:cxnChg chg="add del mod">
+          <ac:chgData name="Simon Bonner" userId="c968d0cc-44b1-4a19-b224-50fd2dc43281" providerId="ADAL" clId="{21C03C2C-B54E-0141-9F1A-D4B48D7F07BB}" dt="2023-03-09T16:43:29.640" v="405" actId="478"/>
           <ac:cxnSpMkLst>
             <pc:docMk/>
             <pc:sldMk cId="1662873240" sldId="258"/>
             <ac:cxnSpMk id="30" creationId="{EF62B5E7-F40D-369C-9BCB-AC099224FDD2}"/>
+          </ac:cxnSpMkLst>
+        </pc:cxnChg>
+        <pc:cxnChg chg="add mod">
+          <ac:chgData name="Simon Bonner" userId="c968d0cc-44b1-4a19-b224-50fd2dc43281" providerId="ADAL" clId="{21C03C2C-B54E-0141-9F1A-D4B48D7F07BB}" dt="2023-03-09T16:43:31.002" v="406"/>
+          <ac:cxnSpMkLst>
+            <pc:docMk/>
+            <pc:sldMk cId="1662873240" sldId="258"/>
+            <ac:cxnSpMk id="32" creationId="{62D98B2C-2B44-57FB-85F5-F7D2F5076C54}"/>
           </ac:cxnSpMkLst>
         </pc:cxnChg>
         <pc:cxnChg chg="del mod">
@@ -915,8 +1283,8 @@
             <ac:cxnSpMk id="33" creationId="{9561C585-8886-7A28-61BA-C330B780C927}"/>
           </ac:cxnSpMkLst>
         </pc:cxnChg>
-        <pc:cxnChg chg="add mod">
-          <ac:chgData name="Simon Bonner" userId="c968d0cc-44b1-4a19-b224-50fd2dc43281" providerId="ADAL" clId="{21C03C2C-B54E-0141-9F1A-D4B48D7F07BB}" dt="2023-03-01T20:26:16.532" v="147" actId="14100"/>
+        <pc:cxnChg chg="add del mod">
+          <ac:chgData name="Simon Bonner" userId="c968d0cc-44b1-4a19-b224-50fd2dc43281" providerId="ADAL" clId="{21C03C2C-B54E-0141-9F1A-D4B48D7F07BB}" dt="2023-03-09T16:43:29.640" v="405" actId="478"/>
           <ac:cxnSpMkLst>
             <pc:docMk/>
             <pc:sldMk cId="1662873240" sldId="258"/>
@@ -931,6 +1299,14 @@
             <ac:cxnSpMk id="36" creationId="{DA288777-66A9-C4FD-EFDF-9974BF412930}"/>
           </ac:cxnSpMkLst>
         </pc:cxnChg>
+        <pc:cxnChg chg="add mod">
+          <ac:chgData name="Simon Bonner" userId="c968d0cc-44b1-4a19-b224-50fd2dc43281" providerId="ADAL" clId="{21C03C2C-B54E-0141-9F1A-D4B48D7F07BB}" dt="2023-03-09T16:43:31.002" v="406"/>
+          <ac:cxnSpMkLst>
+            <pc:docMk/>
+            <pc:sldMk cId="1662873240" sldId="258"/>
+            <ac:cxnSpMk id="36" creationId="{F36256ED-5446-210E-FBB5-1E88474E794F}"/>
+          </ac:cxnSpMkLst>
+        </pc:cxnChg>
         <pc:cxnChg chg="add del mod">
           <ac:chgData name="Simon Bonner" userId="c968d0cc-44b1-4a19-b224-50fd2dc43281" providerId="ADAL" clId="{21C03C2C-B54E-0141-9F1A-D4B48D7F07BB}" dt="2023-03-01T20:26:20.481" v="149"/>
           <ac:cxnSpMkLst>
@@ -939,28 +1315,36 @@
             <ac:cxnSpMk id="38" creationId="{098B1FA4-FD52-A6B6-47EA-7F81E2E63794}"/>
           </ac:cxnSpMkLst>
         </pc:cxnChg>
-        <pc:cxnChg chg="add mod">
-          <ac:chgData name="Simon Bonner" userId="c968d0cc-44b1-4a19-b224-50fd2dc43281" providerId="ADAL" clId="{21C03C2C-B54E-0141-9F1A-D4B48D7F07BB}" dt="2023-03-01T20:26:28.199" v="151" actId="1076"/>
+        <pc:cxnChg chg="add del mod">
+          <ac:chgData name="Simon Bonner" userId="c968d0cc-44b1-4a19-b224-50fd2dc43281" providerId="ADAL" clId="{21C03C2C-B54E-0141-9F1A-D4B48D7F07BB}" dt="2023-03-09T16:43:29.640" v="405" actId="478"/>
           <ac:cxnSpMkLst>
             <pc:docMk/>
             <pc:sldMk cId="1662873240" sldId="258"/>
             <ac:cxnSpMk id="39" creationId="{E65069C9-9820-83BE-FE70-0A2072BB2833}"/>
           </ac:cxnSpMkLst>
         </pc:cxnChg>
-        <pc:cxnChg chg="add mod">
-          <ac:chgData name="Simon Bonner" userId="c968d0cc-44b1-4a19-b224-50fd2dc43281" providerId="ADAL" clId="{21C03C2C-B54E-0141-9F1A-D4B48D7F07BB}" dt="2023-03-01T20:26:33.453" v="153" actId="1076"/>
+        <pc:cxnChg chg="add del mod">
+          <ac:chgData name="Simon Bonner" userId="c968d0cc-44b1-4a19-b224-50fd2dc43281" providerId="ADAL" clId="{21C03C2C-B54E-0141-9F1A-D4B48D7F07BB}" dt="2023-03-09T16:43:29.640" v="405" actId="478"/>
           <ac:cxnSpMkLst>
             <pc:docMk/>
             <pc:sldMk cId="1662873240" sldId="258"/>
             <ac:cxnSpMk id="40" creationId="{4D6A6421-56B9-1D55-E3CD-A4AB7199B070}"/>
           </ac:cxnSpMkLst>
         </pc:cxnChg>
-        <pc:cxnChg chg="add mod">
-          <ac:chgData name="Simon Bonner" userId="c968d0cc-44b1-4a19-b224-50fd2dc43281" providerId="ADAL" clId="{21C03C2C-B54E-0141-9F1A-D4B48D7F07BB}" dt="2023-03-01T20:27:38.159" v="174" actId="1076"/>
+        <pc:cxnChg chg="add del mod">
+          <ac:chgData name="Simon Bonner" userId="c968d0cc-44b1-4a19-b224-50fd2dc43281" providerId="ADAL" clId="{21C03C2C-B54E-0141-9F1A-D4B48D7F07BB}" dt="2023-03-09T16:43:29.640" v="405" actId="478"/>
           <ac:cxnSpMkLst>
             <pc:docMk/>
             <pc:sldMk cId="1662873240" sldId="258"/>
             <ac:cxnSpMk id="41" creationId="{20F36021-5AA6-30EA-E805-0952E83BA2EB}"/>
+          </ac:cxnSpMkLst>
+        </pc:cxnChg>
+        <pc:cxnChg chg="add mod">
+          <ac:chgData name="Simon Bonner" userId="c968d0cc-44b1-4a19-b224-50fd2dc43281" providerId="ADAL" clId="{21C03C2C-B54E-0141-9F1A-D4B48D7F07BB}" dt="2023-03-09T16:43:31.002" v="406"/>
+          <ac:cxnSpMkLst>
+            <pc:docMk/>
+            <pc:sldMk cId="1662873240" sldId="258"/>
+            <ac:cxnSpMk id="42" creationId="{9B58550A-1D03-537E-CBDE-89B137C14CF1}"/>
           </ac:cxnSpMkLst>
         </pc:cxnChg>
         <pc:cxnChg chg="add del mod">
@@ -972,7 +1356,7 @@
           </ac:cxnSpMkLst>
         </pc:cxnChg>
         <pc:cxnChg chg="add mod">
-          <ac:chgData name="Simon Bonner" userId="c968d0cc-44b1-4a19-b224-50fd2dc43281" providerId="ADAL" clId="{21C03C2C-B54E-0141-9F1A-D4B48D7F07BB}" dt="2023-03-01T20:28:33.821" v="189" actId="14100"/>
+          <ac:chgData name="Simon Bonner" userId="c968d0cc-44b1-4a19-b224-50fd2dc43281" providerId="ADAL" clId="{21C03C2C-B54E-0141-9F1A-D4B48D7F07BB}" dt="2023-03-09T16:43:29.640" v="405" actId="478"/>
           <ac:cxnSpMkLst>
             <pc:docMk/>
             <pc:sldMk cId="1662873240" sldId="258"/>
@@ -980,6 +1364,14 @@
           </ac:cxnSpMkLst>
         </pc:cxnChg>
         <pc:cxnChg chg="add mod">
+          <ac:chgData name="Simon Bonner" userId="c968d0cc-44b1-4a19-b224-50fd2dc43281" providerId="ADAL" clId="{21C03C2C-B54E-0141-9F1A-D4B48D7F07BB}" dt="2023-03-09T16:43:31.002" v="406"/>
+          <ac:cxnSpMkLst>
+            <pc:docMk/>
+            <pc:sldMk cId="1662873240" sldId="258"/>
+            <ac:cxnSpMk id="48" creationId="{69E2FC36-4E62-3E2B-F513-FC97BE63BBB1}"/>
+          </ac:cxnSpMkLst>
+        </pc:cxnChg>
+        <pc:cxnChg chg="add mod">
           <ac:chgData name="Simon Bonner" userId="c968d0cc-44b1-4a19-b224-50fd2dc43281" providerId="ADAL" clId="{21C03C2C-B54E-0141-9F1A-D4B48D7F07BB}" dt="2023-03-01T20:28:47.019" v="191" actId="1076"/>
           <ac:cxnSpMkLst>
             <pc:docMk/>
@@ -987,20 +1379,28 @@
             <ac:cxnSpMk id="51" creationId="{768C179F-4B7D-4537-9315-60D005C8A6FE}"/>
           </ac:cxnSpMkLst>
         </pc:cxnChg>
-        <pc:cxnChg chg="add mod">
-          <ac:chgData name="Simon Bonner" userId="c968d0cc-44b1-4a19-b224-50fd2dc43281" providerId="ADAL" clId="{21C03C2C-B54E-0141-9F1A-D4B48D7F07BB}" dt="2023-03-01T20:28:53.915" v="193" actId="1076"/>
+        <pc:cxnChg chg="add del mod">
+          <ac:chgData name="Simon Bonner" userId="c968d0cc-44b1-4a19-b224-50fd2dc43281" providerId="ADAL" clId="{21C03C2C-B54E-0141-9F1A-D4B48D7F07BB}" dt="2023-03-09T16:43:37.909" v="407" actId="478"/>
           <ac:cxnSpMkLst>
             <pc:docMk/>
             <pc:sldMk cId="1662873240" sldId="258"/>
             <ac:cxnSpMk id="54" creationId="{AD43F07E-7152-FC60-2A63-FDE33806B14D}"/>
           </ac:cxnSpMkLst>
         </pc:cxnChg>
-        <pc:cxnChg chg="add mod">
-          <ac:chgData name="Simon Bonner" userId="c968d0cc-44b1-4a19-b224-50fd2dc43281" providerId="ADAL" clId="{21C03C2C-B54E-0141-9F1A-D4B48D7F07BB}" dt="2023-03-01T20:29:49.288" v="202" actId="1076"/>
+        <pc:cxnChg chg="add del mod">
+          <ac:chgData name="Simon Bonner" userId="c968d0cc-44b1-4a19-b224-50fd2dc43281" providerId="ADAL" clId="{21C03C2C-B54E-0141-9F1A-D4B48D7F07BB}" dt="2023-03-09T16:43:29.640" v="405" actId="478"/>
           <ac:cxnSpMkLst>
             <pc:docMk/>
             <pc:sldMk cId="1662873240" sldId="258"/>
             <ac:cxnSpMk id="57" creationId="{108ECCFC-09FB-2775-4F4B-14085192D3F4}"/>
+          </ac:cxnSpMkLst>
+        </pc:cxnChg>
+        <pc:cxnChg chg="add mod">
+          <ac:chgData name="Simon Bonner" userId="c968d0cc-44b1-4a19-b224-50fd2dc43281" providerId="ADAL" clId="{21C03C2C-B54E-0141-9F1A-D4B48D7F07BB}" dt="2023-03-09T16:43:31.002" v="406"/>
+          <ac:cxnSpMkLst>
+            <pc:docMk/>
+            <pc:sldMk cId="1662873240" sldId="258"/>
+            <ac:cxnSpMk id="58" creationId="{E2F9F9AC-83BB-DBE7-DDB5-5887ECC330DC}"/>
           </ac:cxnSpMkLst>
         </pc:cxnChg>
         <pc:cxnChg chg="add del mod">
@@ -1011,6 +1411,14 @@
             <ac:cxnSpMk id="60" creationId="{21D91633-8F90-3AA0-747E-953F77749D6F}"/>
           </ac:cxnSpMkLst>
         </pc:cxnChg>
+        <pc:cxnChg chg="add mod">
+          <ac:chgData name="Simon Bonner" userId="c968d0cc-44b1-4a19-b224-50fd2dc43281" providerId="ADAL" clId="{21C03C2C-B54E-0141-9F1A-D4B48D7F07BB}" dt="2023-03-09T16:43:31.002" v="406"/>
+          <ac:cxnSpMkLst>
+            <pc:docMk/>
+            <pc:sldMk cId="1662873240" sldId="258"/>
+            <ac:cxnSpMk id="61" creationId="{F80F0AA3-3E0D-DF94-CF2F-CBDB3FEB43C5}"/>
+          </ac:cxnSpMkLst>
+        </pc:cxnChg>
         <pc:cxnChg chg="add del mod">
           <ac:chgData name="Simon Bonner" userId="c968d0cc-44b1-4a19-b224-50fd2dc43281" providerId="ADAL" clId="{21C03C2C-B54E-0141-9F1A-D4B48D7F07BB}" dt="2023-03-01T20:29:54.129" v="203" actId="478"/>
           <ac:cxnSpMkLst>
@@ -1020,27 +1428,123 @@
           </ac:cxnSpMkLst>
         </pc:cxnChg>
         <pc:cxnChg chg="add mod">
-          <ac:chgData name="Simon Bonner" userId="c968d0cc-44b1-4a19-b224-50fd2dc43281" providerId="ADAL" clId="{21C03C2C-B54E-0141-9F1A-D4B48D7F07BB}" dt="2023-03-01T20:30:08.494" v="207" actId="1076"/>
+          <ac:chgData name="Simon Bonner" userId="c968d0cc-44b1-4a19-b224-50fd2dc43281" providerId="ADAL" clId="{21C03C2C-B54E-0141-9F1A-D4B48D7F07BB}" dt="2023-03-09T16:43:31.002" v="406"/>
+          <ac:cxnSpMkLst>
+            <pc:docMk/>
+            <pc:sldMk cId="1662873240" sldId="258"/>
+            <ac:cxnSpMk id="64" creationId="{DB5B2788-90D6-6B3E-AACD-B5899560EA6E}"/>
+          </ac:cxnSpMkLst>
+        </pc:cxnChg>
+        <pc:cxnChg chg="add mod">
+          <ac:chgData name="Simon Bonner" userId="c968d0cc-44b1-4a19-b224-50fd2dc43281" providerId="ADAL" clId="{21C03C2C-B54E-0141-9F1A-D4B48D7F07BB}" dt="2023-03-09T16:43:31.002" v="406"/>
+          <ac:cxnSpMkLst>
+            <pc:docMk/>
+            <pc:sldMk cId="1662873240" sldId="258"/>
+            <ac:cxnSpMk id="65" creationId="{DE1574B3-367D-3D9E-501D-44E4CF50D893}"/>
+          </ac:cxnSpMkLst>
+        </pc:cxnChg>
+        <pc:cxnChg chg="add del mod">
+          <ac:chgData name="Simon Bonner" userId="c968d0cc-44b1-4a19-b224-50fd2dc43281" providerId="ADAL" clId="{21C03C2C-B54E-0141-9F1A-D4B48D7F07BB}" dt="2023-03-09T16:43:29.640" v="405" actId="478"/>
           <ac:cxnSpMkLst>
             <pc:docMk/>
             <pc:sldMk cId="1662873240" sldId="258"/>
             <ac:cxnSpMk id="69" creationId="{659AADFC-3177-2A1B-E74E-648EC36B0D0D}"/>
           </ac:cxnSpMkLst>
         </pc:cxnChg>
-        <pc:cxnChg chg="add mod">
-          <ac:chgData name="Simon Bonner" userId="c968d0cc-44b1-4a19-b224-50fd2dc43281" providerId="ADAL" clId="{21C03C2C-B54E-0141-9F1A-D4B48D7F07BB}" dt="2023-03-01T20:30:15.839" v="209" actId="1076"/>
+        <pc:cxnChg chg="add del mod">
+          <ac:chgData name="Simon Bonner" userId="c968d0cc-44b1-4a19-b224-50fd2dc43281" providerId="ADAL" clId="{21C03C2C-B54E-0141-9F1A-D4B48D7F07BB}" dt="2023-03-09T16:43:29.640" v="405" actId="478"/>
           <ac:cxnSpMkLst>
             <pc:docMk/>
             <pc:sldMk cId="1662873240" sldId="258"/>
             <ac:cxnSpMk id="72" creationId="{813C19E3-0F44-F9D5-0625-D95599E18F86}"/>
           </ac:cxnSpMkLst>
         </pc:cxnChg>
-        <pc:cxnChg chg="add mod">
-          <ac:chgData name="Simon Bonner" userId="c968d0cc-44b1-4a19-b224-50fd2dc43281" providerId="ADAL" clId="{21C03C2C-B54E-0141-9F1A-D4B48D7F07BB}" dt="2023-03-01T20:30:24.469" v="211" actId="1076"/>
+        <pc:cxnChg chg="add del mod">
+          <ac:chgData name="Simon Bonner" userId="c968d0cc-44b1-4a19-b224-50fd2dc43281" providerId="ADAL" clId="{21C03C2C-B54E-0141-9F1A-D4B48D7F07BB}" dt="2023-03-09T16:43:29.640" v="405" actId="478"/>
           <ac:cxnSpMkLst>
             <pc:docMk/>
             <pc:sldMk cId="1662873240" sldId="258"/>
             <ac:cxnSpMk id="75" creationId="{9E043008-F0AC-CBFC-311C-CE97BD96FAA7}"/>
+          </ac:cxnSpMkLst>
+        </pc:cxnChg>
+        <pc:cxnChg chg="add mod">
+          <ac:chgData name="Simon Bonner" userId="c968d0cc-44b1-4a19-b224-50fd2dc43281" providerId="ADAL" clId="{21C03C2C-B54E-0141-9F1A-D4B48D7F07BB}" dt="2023-03-09T16:43:31.002" v="406"/>
+          <ac:cxnSpMkLst>
+            <pc:docMk/>
+            <pc:sldMk cId="1662873240" sldId="258"/>
+            <ac:cxnSpMk id="78" creationId="{015A8E2C-79F4-99EB-06B5-0A946E534766}"/>
+          </ac:cxnSpMkLst>
+        </pc:cxnChg>
+        <pc:cxnChg chg="add mod">
+          <ac:chgData name="Simon Bonner" userId="c968d0cc-44b1-4a19-b224-50fd2dc43281" providerId="ADAL" clId="{21C03C2C-B54E-0141-9F1A-D4B48D7F07BB}" dt="2023-03-09T16:43:31.002" v="406"/>
+          <ac:cxnSpMkLst>
+            <pc:docMk/>
+            <pc:sldMk cId="1662873240" sldId="258"/>
+            <ac:cxnSpMk id="81" creationId="{FDECAE0E-49F6-BDC5-8ABB-9F96C226A0F3}"/>
+          </ac:cxnSpMkLst>
+        </pc:cxnChg>
+        <pc:cxnChg chg="add mod">
+          <ac:chgData name="Simon Bonner" userId="c968d0cc-44b1-4a19-b224-50fd2dc43281" providerId="ADAL" clId="{21C03C2C-B54E-0141-9F1A-D4B48D7F07BB}" dt="2023-03-09T16:43:31.002" v="406"/>
+          <ac:cxnSpMkLst>
+            <pc:docMk/>
+            <pc:sldMk cId="1662873240" sldId="258"/>
+            <ac:cxnSpMk id="82" creationId="{1322AE4A-AFFF-1137-3E36-1AE24EF0FB2A}"/>
+          </ac:cxnSpMkLst>
+        </pc:cxnChg>
+        <pc:cxnChg chg="add mod">
+          <ac:chgData name="Simon Bonner" userId="c968d0cc-44b1-4a19-b224-50fd2dc43281" providerId="ADAL" clId="{21C03C2C-B54E-0141-9F1A-D4B48D7F07BB}" dt="2023-03-09T16:43:31.002" v="406"/>
+          <ac:cxnSpMkLst>
+            <pc:docMk/>
+            <pc:sldMk cId="1662873240" sldId="258"/>
+            <ac:cxnSpMk id="85" creationId="{36BFF7B0-4D11-579B-9AD9-FA7D0E46F9CF}"/>
+          </ac:cxnSpMkLst>
+        </pc:cxnChg>
+        <pc:cxnChg chg="add mod">
+          <ac:chgData name="Simon Bonner" userId="c968d0cc-44b1-4a19-b224-50fd2dc43281" providerId="ADAL" clId="{21C03C2C-B54E-0141-9F1A-D4B48D7F07BB}" dt="2023-03-09T16:43:31.002" v="406"/>
+          <ac:cxnSpMkLst>
+            <pc:docMk/>
+            <pc:sldMk cId="1662873240" sldId="258"/>
+            <ac:cxnSpMk id="88" creationId="{6F3F0D74-D898-DFA2-5849-9303E3873F51}"/>
+          </ac:cxnSpMkLst>
+        </pc:cxnChg>
+        <pc:cxnChg chg="add mod">
+          <ac:chgData name="Simon Bonner" userId="c968d0cc-44b1-4a19-b224-50fd2dc43281" providerId="ADAL" clId="{21C03C2C-B54E-0141-9F1A-D4B48D7F07BB}" dt="2023-03-09T16:43:31.002" v="406"/>
+          <ac:cxnSpMkLst>
+            <pc:docMk/>
+            <pc:sldMk cId="1662873240" sldId="258"/>
+            <ac:cxnSpMk id="91" creationId="{B650C21A-05BF-2FB3-AB91-2D687670F924}"/>
+          </ac:cxnSpMkLst>
+        </pc:cxnChg>
+        <pc:cxnChg chg="add mod">
+          <ac:chgData name="Simon Bonner" userId="c968d0cc-44b1-4a19-b224-50fd2dc43281" providerId="ADAL" clId="{21C03C2C-B54E-0141-9F1A-D4B48D7F07BB}" dt="2023-03-09T16:44:05.004" v="413" actId="1076"/>
+          <ac:cxnSpMkLst>
+            <pc:docMk/>
+            <pc:sldMk cId="1662873240" sldId="258"/>
+            <ac:cxnSpMk id="95" creationId="{CE27BFB2-88C0-4834-3454-2602022D5CDD}"/>
+          </ac:cxnSpMkLst>
+        </pc:cxnChg>
+        <pc:cxnChg chg="add mod">
+          <ac:chgData name="Simon Bonner" userId="c968d0cc-44b1-4a19-b224-50fd2dc43281" providerId="ADAL" clId="{21C03C2C-B54E-0141-9F1A-D4B48D7F07BB}" dt="2023-03-09T16:44:19.540" v="415" actId="1076"/>
+          <ac:cxnSpMkLst>
+            <pc:docMk/>
+            <pc:sldMk cId="1662873240" sldId="258"/>
+            <ac:cxnSpMk id="98" creationId="{98B4452D-81A6-4A0E-D567-28E2D1AC83E7}"/>
+          </ac:cxnSpMkLst>
+        </pc:cxnChg>
+        <pc:cxnChg chg="add mod">
+          <ac:chgData name="Simon Bonner" userId="c968d0cc-44b1-4a19-b224-50fd2dc43281" providerId="ADAL" clId="{21C03C2C-B54E-0141-9F1A-D4B48D7F07BB}" dt="2023-03-09T16:44:29.571" v="417" actId="1076"/>
+          <ac:cxnSpMkLst>
+            <pc:docMk/>
+            <pc:sldMk cId="1662873240" sldId="258"/>
+            <ac:cxnSpMk id="101" creationId="{81191252-9C1A-320F-FF62-93DE6D7E738B}"/>
+          </ac:cxnSpMkLst>
+        </pc:cxnChg>
+        <pc:cxnChg chg="add mod">
+          <ac:chgData name="Simon Bonner" userId="c968d0cc-44b1-4a19-b224-50fd2dc43281" providerId="ADAL" clId="{21C03C2C-B54E-0141-9F1A-D4B48D7F07BB}" dt="2023-03-09T16:44:43.868" v="419" actId="1076"/>
+          <ac:cxnSpMkLst>
+            <pc:docMk/>
+            <pc:sldMk cId="1662873240" sldId="258"/>
+            <ac:cxnSpMk id="104" creationId="{2F99811A-56AF-0DAD-91A8-1982BC0375F5}"/>
           </ac:cxnSpMkLst>
         </pc:cxnChg>
       </pc:sldChg>
@@ -1297,13 +1801,29 @@
         </pc:cxnChg>
       </pc:sldChg>
       <pc:sldChg chg="addSp delSp modSp add mod">
-        <pc:chgData name="Simon Bonner" userId="c968d0cc-44b1-4a19-b224-50fd2dc43281" providerId="ADAL" clId="{21C03C2C-B54E-0141-9F1A-D4B48D7F07BB}" dt="2023-03-04T13:59:13.160" v="378" actId="14100"/>
+        <pc:chgData name="Simon Bonner" userId="c968d0cc-44b1-4a19-b224-50fd2dc43281" providerId="ADAL" clId="{21C03C2C-B54E-0141-9F1A-D4B48D7F07BB}" dt="2023-03-09T16:42:20.113" v="404" actId="20577"/>
         <pc:sldMkLst>
           <pc:docMk/>
           <pc:sldMk cId="1635706690" sldId="261"/>
         </pc:sldMkLst>
+        <pc:spChg chg="mod">
+          <ac:chgData name="Simon Bonner" userId="c968d0cc-44b1-4a19-b224-50fd2dc43281" providerId="ADAL" clId="{21C03C2C-B54E-0141-9F1A-D4B48D7F07BB}" dt="2023-03-09T16:41:41.130" v="390" actId="20577"/>
+          <ac:spMkLst>
+            <pc:docMk/>
+            <pc:sldMk cId="1635706690" sldId="261"/>
+            <ac:spMk id="2" creationId="{0396F487-06C0-E075-242C-8EB84B58E385}"/>
+          </ac:spMkLst>
+        </pc:spChg>
+        <pc:spChg chg="mod">
+          <ac:chgData name="Simon Bonner" userId="c968d0cc-44b1-4a19-b224-50fd2dc43281" providerId="ADAL" clId="{21C03C2C-B54E-0141-9F1A-D4B48D7F07BB}" dt="2023-03-09T16:41:37.805" v="389" actId="20577"/>
+          <ac:spMkLst>
+            <pc:docMk/>
+            <pc:sldMk cId="1635706690" sldId="261"/>
+            <ac:spMk id="3" creationId="{111AB93F-96B0-4165-F887-0620E50FAF9E}"/>
+          </ac:spMkLst>
+        </pc:spChg>
         <pc:spChg chg="add mod">
-          <ac:chgData name="Simon Bonner" userId="c968d0cc-44b1-4a19-b224-50fd2dc43281" providerId="ADAL" clId="{21C03C2C-B54E-0141-9F1A-D4B48D7F07BB}" dt="2023-03-04T13:56:24.048" v="339" actId="20577"/>
+          <ac:chgData name="Simon Bonner" userId="c968d0cc-44b1-4a19-b224-50fd2dc43281" providerId="ADAL" clId="{21C03C2C-B54E-0141-9F1A-D4B48D7F07BB}" dt="2023-03-09T16:42:04.881" v="398" actId="20577"/>
           <ac:spMkLst>
             <pc:docMk/>
             <pc:sldMk cId="1635706690" sldId="261"/>
@@ -1311,7 +1831,7 @@
           </ac:spMkLst>
         </pc:spChg>
         <pc:spChg chg="add mod">
-          <ac:chgData name="Simon Bonner" userId="c968d0cc-44b1-4a19-b224-50fd2dc43281" providerId="ADAL" clId="{21C03C2C-B54E-0141-9F1A-D4B48D7F07BB}" dt="2023-03-04T13:56:19.006" v="337" actId="20577"/>
+          <ac:chgData name="Simon Bonner" userId="c968d0cc-44b1-4a19-b224-50fd2dc43281" providerId="ADAL" clId="{21C03C2C-B54E-0141-9F1A-D4B48D7F07BB}" dt="2023-03-09T16:41:59.718" v="395" actId="20577"/>
           <ac:spMkLst>
             <pc:docMk/>
             <pc:sldMk cId="1635706690" sldId="261"/>
@@ -1326,12 +1846,44 @@
             <ac:spMk id="8" creationId="{D7917962-B821-AAB6-BCF4-9F0415AEAC3D}"/>
           </ac:spMkLst>
         </pc:spChg>
+        <pc:spChg chg="mod">
+          <ac:chgData name="Simon Bonner" userId="c968d0cc-44b1-4a19-b224-50fd2dc43281" providerId="ADAL" clId="{21C03C2C-B54E-0141-9F1A-D4B48D7F07BB}" dt="2023-03-09T16:41:50.074" v="392" actId="20577"/>
+          <ac:spMkLst>
+            <pc:docMk/>
+            <pc:sldMk cId="1635706690" sldId="261"/>
+            <ac:spMk id="9" creationId="{B3CB48A0-C39C-8CE8-F6E3-4105F1FB895E}"/>
+          </ac:spMkLst>
+        </pc:spChg>
         <pc:spChg chg="add mod">
           <ac:chgData name="Simon Bonner" userId="c968d0cc-44b1-4a19-b224-50fd2dc43281" providerId="ADAL" clId="{21C03C2C-B54E-0141-9F1A-D4B48D7F07BB}" dt="2023-03-04T13:55:31.357" v="321" actId="1076"/>
           <ac:spMkLst>
             <pc:docMk/>
             <pc:sldMk cId="1635706690" sldId="261"/>
             <ac:spMk id="10" creationId="{28045B6C-0F5E-4EFE-13B9-D957D729032B}"/>
+          </ac:spMkLst>
+        </pc:spChg>
+        <pc:spChg chg="mod">
+          <ac:chgData name="Simon Bonner" userId="c968d0cc-44b1-4a19-b224-50fd2dc43281" providerId="ADAL" clId="{21C03C2C-B54E-0141-9F1A-D4B48D7F07BB}" dt="2023-03-09T16:41:44.331" v="391" actId="20577"/>
+          <ac:spMkLst>
+            <pc:docMk/>
+            <pc:sldMk cId="1635706690" sldId="261"/>
+            <ac:spMk id="11" creationId="{806763BA-8689-43E3-4245-5419EACB35C7}"/>
+          </ac:spMkLst>
+        </pc:spChg>
+        <pc:spChg chg="mod">
+          <ac:chgData name="Simon Bonner" userId="c968d0cc-44b1-4a19-b224-50fd2dc43281" providerId="ADAL" clId="{21C03C2C-B54E-0141-9F1A-D4B48D7F07BB}" dt="2023-03-09T16:41:56.840" v="394" actId="20577"/>
+          <ac:spMkLst>
+            <pc:docMk/>
+            <pc:sldMk cId="1635706690" sldId="261"/>
+            <ac:spMk id="13" creationId="{79CCD821-24B4-76A4-2760-C9C82E3C6ADB}"/>
+          </ac:spMkLst>
+        </pc:spChg>
+        <pc:spChg chg="mod">
+          <ac:chgData name="Simon Bonner" userId="c968d0cc-44b1-4a19-b224-50fd2dc43281" providerId="ADAL" clId="{21C03C2C-B54E-0141-9F1A-D4B48D7F07BB}" dt="2023-03-09T16:41:53.773" v="393" actId="20577"/>
+          <ac:spMkLst>
+            <pc:docMk/>
+            <pc:sldMk cId="1635706690" sldId="261"/>
+            <ac:spMk id="14" creationId="{A16106DE-FDDE-6C0B-4347-2DC245403F5D}"/>
           </ac:spMkLst>
         </pc:spChg>
         <pc:spChg chg="del">
@@ -1391,7 +1943,7 @@
           </ac:spMkLst>
         </pc:spChg>
         <pc:spChg chg="add mod">
-          <ac:chgData name="Simon Bonner" userId="c968d0cc-44b1-4a19-b224-50fd2dc43281" providerId="ADAL" clId="{21C03C2C-B54E-0141-9F1A-D4B48D7F07BB}" dt="2023-03-04T13:56:31.824" v="345" actId="20577"/>
+          <ac:chgData name="Simon Bonner" userId="c968d0cc-44b1-4a19-b224-50fd2dc43281" providerId="ADAL" clId="{21C03C2C-B54E-0141-9F1A-D4B48D7F07BB}" dt="2023-03-09T16:42:10.680" v="400" actId="20577"/>
           <ac:spMkLst>
             <pc:docMk/>
             <pc:sldMk cId="1635706690" sldId="261"/>
@@ -1399,7 +1951,7 @@
           </ac:spMkLst>
         </pc:spChg>
         <pc:spChg chg="add mod">
-          <ac:chgData name="Simon Bonner" userId="c968d0cc-44b1-4a19-b224-50fd2dc43281" providerId="ADAL" clId="{21C03C2C-B54E-0141-9F1A-D4B48D7F07BB}" dt="2023-03-04T13:56:29.644" v="343" actId="20577"/>
+          <ac:chgData name="Simon Bonner" userId="c968d0cc-44b1-4a19-b224-50fd2dc43281" providerId="ADAL" clId="{21C03C2C-B54E-0141-9F1A-D4B48D7F07BB}" dt="2023-03-09T16:42:07.430" v="399" actId="20577"/>
           <ac:spMkLst>
             <pc:docMk/>
             <pc:sldMk cId="1635706690" sldId="261"/>
@@ -1423,7 +1975,7 @@
           </ac:spMkLst>
         </pc:spChg>
         <pc:spChg chg="add mod">
-          <ac:chgData name="Simon Bonner" userId="c968d0cc-44b1-4a19-b224-50fd2dc43281" providerId="ADAL" clId="{21C03C2C-B54E-0141-9F1A-D4B48D7F07BB}" dt="2023-03-04T13:56:43.810" v="351" actId="20577"/>
+          <ac:chgData name="Simon Bonner" userId="c968d0cc-44b1-4a19-b224-50fd2dc43281" providerId="ADAL" clId="{21C03C2C-B54E-0141-9F1A-D4B48D7F07BB}" dt="2023-03-09T16:42:16.027" v="402" actId="20577"/>
           <ac:spMkLst>
             <pc:docMk/>
             <pc:sldMk cId="1635706690" sldId="261"/>
@@ -1431,7 +1983,7 @@
           </ac:spMkLst>
         </pc:spChg>
         <pc:spChg chg="add mod">
-          <ac:chgData name="Simon Bonner" userId="c968d0cc-44b1-4a19-b224-50fd2dc43281" providerId="ADAL" clId="{21C03C2C-B54E-0141-9F1A-D4B48D7F07BB}" dt="2023-03-04T13:56:37.987" v="349" actId="20577"/>
+          <ac:chgData name="Simon Bonner" userId="c968d0cc-44b1-4a19-b224-50fd2dc43281" providerId="ADAL" clId="{21C03C2C-B54E-0141-9F1A-D4B48D7F07BB}" dt="2023-03-09T16:42:13.361" v="401" actId="20577"/>
           <ac:spMkLst>
             <pc:docMk/>
             <pc:sldMk cId="1635706690" sldId="261"/>
@@ -1487,7 +2039,7 @@
           </ac:spMkLst>
         </pc:spChg>
         <pc:spChg chg="add mod">
-          <ac:chgData name="Simon Bonner" userId="c968d0cc-44b1-4a19-b224-50fd2dc43281" providerId="ADAL" clId="{21C03C2C-B54E-0141-9F1A-D4B48D7F07BB}" dt="2023-03-04T13:56:53.369" v="357" actId="20577"/>
+          <ac:chgData name="Simon Bonner" userId="c968d0cc-44b1-4a19-b224-50fd2dc43281" providerId="ADAL" clId="{21C03C2C-B54E-0141-9F1A-D4B48D7F07BB}" dt="2023-03-09T16:42:20.113" v="404" actId="20577"/>
           <ac:spMkLst>
             <pc:docMk/>
             <pc:sldMk cId="1635706690" sldId="261"/>
@@ -1495,7 +2047,7 @@
           </ac:spMkLst>
         </pc:spChg>
         <pc:spChg chg="add mod">
-          <ac:chgData name="Simon Bonner" userId="c968d0cc-44b1-4a19-b224-50fd2dc43281" providerId="ADAL" clId="{21C03C2C-B54E-0141-9F1A-D4B48D7F07BB}" dt="2023-03-04T13:56:50.348" v="355" actId="20577"/>
+          <ac:chgData name="Simon Bonner" userId="c968d0cc-44b1-4a19-b224-50fd2dc43281" providerId="ADAL" clId="{21C03C2C-B54E-0141-9F1A-D4B48D7F07BB}" dt="2023-03-09T16:42:17.986" v="403" actId="20577"/>
           <ac:spMkLst>
             <pc:docMk/>
             <pc:sldMk cId="1635706690" sldId="261"/>
@@ -1911,7 +2463,7 @@
           <a:p>
             <a:fld id="{68217EAF-5F0D-4A28-B856-1C00EE8A7931}" type="datetimeFigureOut">
               <a:rPr lang="en-US" smtClean="0"/>
-              <a:t>3/4/23</a:t>
+              <a:t>3/9/23</a:t>
             </a:fld>
             <a:endParaRPr lang="en-US"/>
           </a:p>
@@ -2109,7 +2661,7 @@
           <a:p>
             <a:fld id="{68217EAF-5F0D-4A28-B856-1C00EE8A7931}" type="datetimeFigureOut">
               <a:rPr lang="en-US" smtClean="0"/>
-              <a:t>3/4/23</a:t>
+              <a:t>3/9/23</a:t>
             </a:fld>
             <a:endParaRPr lang="en-US"/>
           </a:p>
@@ -2317,7 +2869,7 @@
           <a:p>
             <a:fld id="{68217EAF-5F0D-4A28-B856-1C00EE8A7931}" type="datetimeFigureOut">
               <a:rPr lang="en-US" smtClean="0"/>
-              <a:t>3/4/23</a:t>
+              <a:t>3/9/23</a:t>
             </a:fld>
             <a:endParaRPr lang="en-US"/>
           </a:p>
@@ -2515,7 +3067,7 @@
           <a:p>
             <a:fld id="{68217EAF-5F0D-4A28-B856-1C00EE8A7931}" type="datetimeFigureOut">
               <a:rPr lang="en-US" smtClean="0"/>
-              <a:t>3/4/23</a:t>
+              <a:t>3/9/23</a:t>
             </a:fld>
             <a:endParaRPr lang="en-US"/>
           </a:p>
@@ -2790,7 +3342,7 @@
           <a:p>
             <a:fld id="{68217EAF-5F0D-4A28-B856-1C00EE8A7931}" type="datetimeFigureOut">
               <a:rPr lang="en-US" smtClean="0"/>
-              <a:t>3/4/23</a:t>
+              <a:t>3/9/23</a:t>
             </a:fld>
             <a:endParaRPr lang="en-US"/>
           </a:p>
@@ -3055,7 +3607,7 @@
           <a:p>
             <a:fld id="{68217EAF-5F0D-4A28-B856-1C00EE8A7931}" type="datetimeFigureOut">
               <a:rPr lang="en-US" smtClean="0"/>
-              <a:t>3/4/23</a:t>
+              <a:t>3/9/23</a:t>
             </a:fld>
             <a:endParaRPr lang="en-US"/>
           </a:p>
@@ -3467,7 +4019,7 @@
           <a:p>
             <a:fld id="{68217EAF-5F0D-4A28-B856-1C00EE8A7931}" type="datetimeFigureOut">
               <a:rPr lang="en-US" smtClean="0"/>
-              <a:t>3/4/23</a:t>
+              <a:t>3/9/23</a:t>
             </a:fld>
             <a:endParaRPr lang="en-US"/>
           </a:p>
@@ -3608,7 +4160,7 @@
           <a:p>
             <a:fld id="{68217EAF-5F0D-4A28-B856-1C00EE8A7931}" type="datetimeFigureOut">
               <a:rPr lang="en-US" smtClean="0"/>
-              <a:t>3/4/23</a:t>
+              <a:t>3/9/23</a:t>
             </a:fld>
             <a:endParaRPr lang="en-US"/>
           </a:p>
@@ -3721,7 +4273,7 @@
           <a:p>
             <a:fld id="{68217EAF-5F0D-4A28-B856-1C00EE8A7931}" type="datetimeFigureOut">
               <a:rPr lang="en-US" smtClean="0"/>
-              <a:t>3/4/23</a:t>
+              <a:t>3/9/23</a:t>
             </a:fld>
             <a:endParaRPr lang="en-US"/>
           </a:p>
@@ -4032,7 +4584,7 @@
           <a:p>
             <a:fld id="{68217EAF-5F0D-4A28-B856-1C00EE8A7931}" type="datetimeFigureOut">
               <a:rPr lang="en-US" smtClean="0"/>
-              <a:t>3/4/23</a:t>
+              <a:t>3/9/23</a:t>
             </a:fld>
             <a:endParaRPr lang="en-US"/>
           </a:p>
@@ -4320,7 +4872,7 @@
           <a:p>
             <a:fld id="{68217EAF-5F0D-4A28-B856-1C00EE8A7931}" type="datetimeFigureOut">
               <a:rPr lang="en-US" smtClean="0"/>
-              <a:t>3/4/23</a:t>
+              <a:t>3/9/23</a:t>
             </a:fld>
             <a:endParaRPr lang="en-US"/>
           </a:p>
@@ -4561,7 +5113,7 @@
           <a:p>
             <a:fld id="{68217EAF-5F0D-4A28-B856-1C00EE8A7931}" type="datetimeFigureOut">
               <a:rPr lang="en-US" smtClean="0"/>
-              <a:t>3/4/23</a:t>
+              <a:t>3/9/23</a:t>
             </a:fld>
             <a:endParaRPr lang="en-US"/>
           </a:p>
@@ -9280,1729 +9832,6 @@
           <a:chExt cx="0" cy="0"/>
         </a:xfrm>
       </p:grpSpPr>
-      <p:sp>
-        <p:nvSpPr>
-          <p:cNvPr id="26" name="Rectangle 25">
-            <a:extLst>
-              <a:ext uri="{FF2B5EF4-FFF2-40B4-BE49-F238E27FC236}">
-                <a16:creationId xmlns:a16="http://schemas.microsoft.com/office/drawing/2014/main" id="{F5773DBF-A89C-20F7-96F4-F9EC52BF69B1}"/>
-              </a:ext>
-            </a:extLst>
-          </p:cNvPr>
-          <p:cNvSpPr/>
-          <p:nvPr/>
-        </p:nvSpPr>
-        <p:spPr>
-          <a:xfrm>
-            <a:off x="3118933" y="2564913"/>
-            <a:ext cx="5642007" cy="2324059"/>
-          </a:xfrm>
-          <a:prstGeom prst="rect">
-            <a:avLst/>
-          </a:prstGeom>
-          <a:noFill/>
-          <a:ln>
-            <a:solidFill>
-              <a:schemeClr val="tx1"/>
-            </a:solidFill>
-          </a:ln>
-        </p:spPr>
-        <p:style>
-          <a:lnRef idx="2">
-            <a:schemeClr val="accent1">
-              <a:shade val="50000"/>
-            </a:schemeClr>
-          </a:lnRef>
-          <a:fillRef idx="1">
-            <a:schemeClr val="accent1"/>
-          </a:fillRef>
-          <a:effectRef idx="0">
-            <a:schemeClr val="accent1"/>
-          </a:effectRef>
-          <a:fontRef idx="minor">
-            <a:schemeClr val="lt1"/>
-          </a:fontRef>
-        </p:style>
-        <p:txBody>
-          <a:bodyPr rtlCol="0" anchor="ctr"/>
-          <a:lstStyle/>
-          <a:p>
-            <a:pPr algn="ctr"/>
-            <a:endParaRPr lang="en-US"/>
-          </a:p>
-        </p:txBody>
-      </p:sp>
-      <mc:AlternateContent xmlns:mc="http://schemas.openxmlformats.org/markup-compatibility/2006" xmlns:a14="http://schemas.microsoft.com/office/drawing/2010/main">
-        <mc:Choice Requires="a14">
-          <p:sp>
-            <p:nvSpPr>
-              <p:cNvPr id="27" name="TextBox 26">
-                <a:extLst>
-                  <a:ext uri="{FF2B5EF4-FFF2-40B4-BE49-F238E27FC236}">
-                    <a16:creationId xmlns:a16="http://schemas.microsoft.com/office/drawing/2014/main" id="{2C98168B-D35A-922E-D777-FFA7B4287DDB}"/>
-                  </a:ext>
-                </a:extLst>
-              </p:cNvPr>
-              <p:cNvSpPr txBox="1"/>
-              <p:nvPr/>
-            </p:nvSpPr>
-            <p:spPr>
-              <a:xfrm>
-                <a:off x="3248364" y="4405957"/>
-                <a:ext cx="1124795" cy="369332"/>
-              </a:xfrm>
-              <a:prstGeom prst="rect">
-                <a:avLst/>
-              </a:prstGeom>
-              <a:noFill/>
-            </p:spPr>
-            <p:txBody>
-              <a:bodyPr wrap="none" rtlCol="0">
-                <a:spAutoFit/>
-              </a:bodyPr>
-              <a:lstStyle/>
-              <a:p>
-                <a:r>
-                  <a:rPr lang="en-CA" i="1" dirty="0"/>
-                  <a:t>i</a:t>
-                </a:r>
-                <a14:m>
-                  <m:oMath xmlns:m="http://schemas.openxmlformats.org/officeDocument/2006/math">
-                    <m:r>
-                      <a:rPr lang="en-CA" b="0" i="1" smtClean="0">
-                        <a:latin typeface="Cambria Math" panose="02040503050406030204" pitchFamily="18" charset="0"/>
-                      </a:rPr>
-                      <m:t>=1,…,</m:t>
-                    </m:r>
-                    <m:r>
-                      <a:rPr lang="en-CA" b="0" i="1" smtClean="0">
-                        <a:latin typeface="Cambria Math" panose="02040503050406030204" pitchFamily="18" charset="0"/>
-                      </a:rPr>
-                      <m:t>𝑛</m:t>
-                    </m:r>
-                  </m:oMath>
-                </a14:m>
-                <a:endParaRPr lang="en-CA" b="0" dirty="0"/>
-              </a:p>
-            </p:txBody>
-          </p:sp>
-        </mc:Choice>
-        <mc:Fallback xmlns="">
-          <p:sp>
-            <p:nvSpPr>
-              <p:cNvPr id="27" name="TextBox 26">
-                <a:extLst>
-                  <a:ext uri="{FF2B5EF4-FFF2-40B4-BE49-F238E27FC236}">
-                    <a16:creationId xmlns:a16="http://schemas.microsoft.com/office/drawing/2014/main" id="{2C98168B-D35A-922E-D777-FFA7B4287DDB}"/>
-                  </a:ext>
-                </a:extLst>
-              </p:cNvPr>
-              <p:cNvSpPr txBox="1">
-                <a:spLocks noRot="1" noChangeAspect="1" noMove="1" noResize="1" noEditPoints="1" noAdjustHandles="1" noChangeArrowheads="1" noChangeShapeType="1" noTextEdit="1"/>
-              </p:cNvSpPr>
-              <p:nvPr/>
-            </p:nvSpPr>
-            <p:spPr>
-              <a:xfrm>
-                <a:off x="3248364" y="4405957"/>
-                <a:ext cx="1124795" cy="369332"/>
-              </a:xfrm>
-              <a:prstGeom prst="rect">
-                <a:avLst/>
-              </a:prstGeom>
-              <a:blipFill>
-                <a:blip r:embed="rId2"/>
-                <a:stretch>
-                  <a:fillRect l="-4444" t="-10345" b="-27586"/>
-                </a:stretch>
-              </a:blipFill>
-            </p:spPr>
-            <p:txBody>
-              <a:bodyPr/>
-              <a:lstStyle/>
-              <a:p>
-                <a:r>
-                  <a:rPr lang="en-US">
-                    <a:noFill/>
-                  </a:rPr>
-                  <a:t> </a:t>
-                </a:r>
-              </a:p>
-            </p:txBody>
-          </p:sp>
-        </mc:Fallback>
-      </mc:AlternateContent>
-      <mc:AlternateContent xmlns:mc="http://schemas.openxmlformats.org/markup-compatibility/2006" xmlns:a14="http://schemas.microsoft.com/office/drawing/2010/main">
-        <mc:Choice Requires="a14">
-          <p:sp>
-            <p:nvSpPr>
-              <p:cNvPr id="2" name="Oval 1">
-                <a:extLst>
-                  <a:ext uri="{FF2B5EF4-FFF2-40B4-BE49-F238E27FC236}">
-                    <a16:creationId xmlns:a16="http://schemas.microsoft.com/office/drawing/2014/main" id="{0396F487-06C0-E075-242C-8EB84B58E385}"/>
-                  </a:ext>
-                </a:extLst>
-              </p:cNvPr>
-              <p:cNvSpPr/>
-              <p:nvPr/>
-            </p:nvSpPr>
-            <p:spPr>
-              <a:xfrm>
-                <a:off x="4622656" y="4050623"/>
-                <a:ext cx="540000" cy="540000"/>
-              </a:xfrm>
-              <a:prstGeom prst="ellipse">
-                <a:avLst/>
-              </a:prstGeom>
-              <a:noFill/>
-              <a:ln>
-                <a:solidFill>
-                  <a:schemeClr val="tx1"/>
-                </a:solidFill>
-              </a:ln>
-            </p:spPr>
-            <p:style>
-              <a:lnRef idx="2">
-                <a:schemeClr val="accent1">
-                  <a:shade val="50000"/>
-                </a:schemeClr>
-              </a:lnRef>
-              <a:fillRef idx="1">
-                <a:schemeClr val="accent1"/>
-              </a:fillRef>
-              <a:effectRef idx="0">
-                <a:schemeClr val="accent1"/>
-              </a:effectRef>
-              <a:fontRef idx="minor">
-                <a:schemeClr val="lt1"/>
-              </a:fontRef>
-            </p:style>
-            <p:txBody>
-              <a:bodyPr rtlCol="0" anchor="ctr"/>
-              <a:lstStyle/>
-              <a:p>
-                <a:pPr algn="ctr"/>
-                <a14:m>
-                  <m:oMathPara xmlns:m="http://schemas.openxmlformats.org/officeDocument/2006/math">
-                    <m:oMathParaPr>
-                      <m:jc m:val="centerGroup"/>
-                    </m:oMathParaPr>
-                    <m:oMath xmlns:m="http://schemas.openxmlformats.org/officeDocument/2006/math">
-                      <m:sSub>
-                        <m:sSubPr>
-                          <m:ctrlPr>
-                            <a:rPr lang="en-CA" b="0" i="1" smtClean="0">
-                              <a:solidFill>
-                                <a:schemeClr val="tx1"/>
-                              </a:solidFill>
-                              <a:latin typeface="Cambria Math" panose="02040503050406030204" pitchFamily="18" charset="0"/>
-                            </a:rPr>
-                          </m:ctrlPr>
-                        </m:sSubPr>
-                        <m:e>
-                          <m:r>
-                            <a:rPr lang="en-CA" b="0" i="1" smtClean="0">
-                              <a:solidFill>
-                                <a:schemeClr val="tx1"/>
-                              </a:solidFill>
-                              <a:latin typeface="Cambria Math" panose="02040503050406030204" pitchFamily="18" charset="0"/>
-                            </a:rPr>
-                            <m:t>𝑌</m:t>
-                          </m:r>
-                        </m:e>
-                        <m:sub>
-                          <m:r>
-                            <a:rPr lang="en-CA" b="0" i="1" smtClean="0">
-                              <a:solidFill>
-                                <a:schemeClr val="tx1"/>
-                              </a:solidFill>
-                              <a:latin typeface="Cambria Math" panose="02040503050406030204" pitchFamily="18" charset="0"/>
-                            </a:rPr>
-                            <m:t>1</m:t>
-                          </m:r>
-                        </m:sub>
-                      </m:sSub>
-                    </m:oMath>
-                  </m:oMathPara>
-                </a14:m>
-                <a:endParaRPr lang="en-CA" b="0" dirty="0">
-                  <a:solidFill>
-                    <a:schemeClr val="tx1"/>
-                  </a:solidFill>
-                </a:endParaRPr>
-              </a:p>
-            </p:txBody>
-          </p:sp>
-        </mc:Choice>
-        <mc:Fallback xmlns="">
-          <p:sp>
-            <p:nvSpPr>
-              <p:cNvPr id="2" name="Oval 1">
-                <a:extLst>
-                  <a:ext uri="{FF2B5EF4-FFF2-40B4-BE49-F238E27FC236}">
-                    <a16:creationId xmlns:a16="http://schemas.microsoft.com/office/drawing/2014/main" id="{0396F487-06C0-E075-242C-8EB84B58E385}"/>
-                  </a:ext>
-                </a:extLst>
-              </p:cNvPr>
-              <p:cNvSpPr>
-                <a:spLocks noRot="1" noChangeAspect="1" noMove="1" noResize="1" noEditPoints="1" noAdjustHandles="1" noChangeArrowheads="1" noChangeShapeType="1" noTextEdit="1"/>
-              </p:cNvSpPr>
-              <p:nvPr/>
-            </p:nvSpPr>
-            <p:spPr>
-              <a:xfrm>
-                <a:off x="4622656" y="4050623"/>
-                <a:ext cx="540000" cy="540000"/>
-              </a:xfrm>
-              <a:prstGeom prst="ellipse">
-                <a:avLst/>
-              </a:prstGeom>
-              <a:blipFill>
-                <a:blip r:embed="rId3"/>
-                <a:stretch>
-                  <a:fillRect/>
-                </a:stretch>
-              </a:blipFill>
-              <a:ln>
-                <a:solidFill>
-                  <a:schemeClr val="tx1"/>
-                </a:solidFill>
-              </a:ln>
-            </p:spPr>
-            <p:txBody>
-              <a:bodyPr/>
-              <a:lstStyle/>
-              <a:p>
-                <a:r>
-                  <a:rPr lang="en-US">
-                    <a:noFill/>
-                  </a:rPr>
-                  <a:t> </a:t>
-                </a:r>
-              </a:p>
-            </p:txBody>
-          </p:sp>
-        </mc:Fallback>
-      </mc:AlternateContent>
-      <mc:AlternateContent xmlns:mc="http://schemas.openxmlformats.org/markup-compatibility/2006" xmlns:a14="http://schemas.microsoft.com/office/drawing/2010/main">
-        <mc:Choice Requires="a14">
-          <p:sp>
-            <p:nvSpPr>
-              <p:cNvPr id="3" name="Oval 2">
-                <a:extLst>
-                  <a:ext uri="{FF2B5EF4-FFF2-40B4-BE49-F238E27FC236}">
-                    <a16:creationId xmlns:a16="http://schemas.microsoft.com/office/drawing/2014/main" id="{111AB93F-96B0-4165-F887-0620E50FAF9E}"/>
-                  </a:ext>
-                </a:extLst>
-              </p:cNvPr>
-              <p:cNvSpPr/>
-              <p:nvPr/>
-            </p:nvSpPr>
-            <p:spPr>
-              <a:xfrm>
-                <a:off x="4622656" y="2889000"/>
-                <a:ext cx="540000" cy="540000"/>
-              </a:xfrm>
-              <a:prstGeom prst="ellipse">
-                <a:avLst/>
-              </a:prstGeom>
-              <a:noFill/>
-              <a:ln>
-                <a:solidFill>
-                  <a:schemeClr val="tx1"/>
-                </a:solidFill>
-              </a:ln>
-            </p:spPr>
-            <p:style>
-              <a:lnRef idx="2">
-                <a:schemeClr val="accent1">
-                  <a:shade val="50000"/>
-                </a:schemeClr>
-              </a:lnRef>
-              <a:fillRef idx="1">
-                <a:schemeClr val="accent1"/>
-              </a:fillRef>
-              <a:effectRef idx="0">
-                <a:schemeClr val="accent1"/>
-              </a:effectRef>
-              <a:fontRef idx="minor">
-                <a:schemeClr val="lt1"/>
-              </a:fontRef>
-            </p:style>
-            <p:txBody>
-              <a:bodyPr rtlCol="0" anchor="ctr"/>
-              <a:lstStyle/>
-              <a:p>
-                <a:pPr algn="ctr"/>
-                <a14:m>
-                  <m:oMathPara xmlns:m="http://schemas.openxmlformats.org/officeDocument/2006/math">
-                    <m:oMathParaPr>
-                      <m:jc m:val="centerGroup"/>
-                    </m:oMathParaPr>
-                    <m:oMath xmlns:m="http://schemas.openxmlformats.org/officeDocument/2006/math">
-                      <m:sSub>
-                        <m:sSubPr>
-                          <m:ctrlPr>
-                            <a:rPr lang="en-CA" b="0" i="1" smtClean="0">
-                              <a:solidFill>
-                                <a:schemeClr val="tx1"/>
-                              </a:solidFill>
-                              <a:latin typeface="Cambria Math" panose="02040503050406030204" pitchFamily="18" charset="0"/>
-                            </a:rPr>
-                          </m:ctrlPr>
-                        </m:sSubPr>
-                        <m:e>
-                          <m:r>
-                            <a:rPr lang="en-CA" b="0" i="1" smtClean="0">
-                              <a:solidFill>
-                                <a:schemeClr val="tx1"/>
-                              </a:solidFill>
-                              <a:latin typeface="Cambria Math" panose="02040503050406030204" pitchFamily="18" charset="0"/>
-                            </a:rPr>
-                            <m:t>𝑍</m:t>
-                          </m:r>
-                        </m:e>
-                        <m:sub>
-                          <m:r>
-                            <a:rPr lang="en-CA" b="0" i="1" smtClean="0">
-                              <a:solidFill>
-                                <a:schemeClr val="tx1"/>
-                              </a:solidFill>
-                              <a:latin typeface="Cambria Math" panose="02040503050406030204" pitchFamily="18" charset="0"/>
-                            </a:rPr>
-                            <m:t>1</m:t>
-                          </m:r>
-                        </m:sub>
-                      </m:sSub>
-                    </m:oMath>
-                  </m:oMathPara>
-                </a14:m>
-                <a:endParaRPr lang="en-CA" b="0" dirty="0">
-                  <a:solidFill>
-                    <a:schemeClr val="tx1"/>
-                  </a:solidFill>
-                </a:endParaRPr>
-              </a:p>
-            </p:txBody>
-          </p:sp>
-        </mc:Choice>
-        <mc:Fallback xmlns="">
-          <p:sp>
-            <p:nvSpPr>
-              <p:cNvPr id="3" name="Oval 2">
-                <a:extLst>
-                  <a:ext uri="{FF2B5EF4-FFF2-40B4-BE49-F238E27FC236}">
-                    <a16:creationId xmlns:a16="http://schemas.microsoft.com/office/drawing/2014/main" id="{111AB93F-96B0-4165-F887-0620E50FAF9E}"/>
-                  </a:ext>
-                </a:extLst>
-              </p:cNvPr>
-              <p:cNvSpPr>
-                <a:spLocks noRot="1" noChangeAspect="1" noMove="1" noResize="1" noEditPoints="1" noAdjustHandles="1" noChangeArrowheads="1" noChangeShapeType="1" noTextEdit="1"/>
-              </p:cNvSpPr>
-              <p:nvPr/>
-            </p:nvSpPr>
-            <p:spPr>
-              <a:xfrm>
-                <a:off x="4622656" y="2889000"/>
-                <a:ext cx="540000" cy="540000"/>
-              </a:xfrm>
-              <a:prstGeom prst="ellipse">
-                <a:avLst/>
-              </a:prstGeom>
-              <a:blipFill>
-                <a:blip r:embed="rId4"/>
-                <a:stretch>
-                  <a:fillRect/>
-                </a:stretch>
-              </a:blipFill>
-              <a:ln>
-                <a:solidFill>
-                  <a:schemeClr val="tx1"/>
-                </a:solidFill>
-              </a:ln>
-            </p:spPr>
-            <p:txBody>
-              <a:bodyPr/>
-              <a:lstStyle/>
-              <a:p>
-                <a:r>
-                  <a:rPr lang="en-US">
-                    <a:noFill/>
-                  </a:rPr>
-                  <a:t> </a:t>
-                </a:r>
-              </a:p>
-            </p:txBody>
-          </p:sp>
-        </mc:Fallback>
-      </mc:AlternateContent>
-      <mc:AlternateContent xmlns:mc="http://schemas.openxmlformats.org/markup-compatibility/2006" xmlns:a14="http://schemas.microsoft.com/office/drawing/2010/main">
-        <mc:Choice Requires="a14">
-          <p:sp>
-            <p:nvSpPr>
-              <p:cNvPr id="9" name="Oval 8">
-                <a:extLst>
-                  <a:ext uri="{FF2B5EF4-FFF2-40B4-BE49-F238E27FC236}">
-                    <a16:creationId xmlns:a16="http://schemas.microsoft.com/office/drawing/2014/main" id="{B3CB48A0-C39C-8CE8-F6E3-4105F1FB895E}"/>
-                  </a:ext>
-                </a:extLst>
-              </p:cNvPr>
-              <p:cNvSpPr/>
-              <p:nvPr/>
-            </p:nvSpPr>
-            <p:spPr>
-              <a:xfrm>
-                <a:off x="5556000" y="4050623"/>
-                <a:ext cx="540000" cy="540000"/>
-              </a:xfrm>
-              <a:prstGeom prst="ellipse">
-                <a:avLst/>
-              </a:prstGeom>
-              <a:noFill/>
-              <a:ln>
-                <a:solidFill>
-                  <a:schemeClr val="tx1"/>
-                </a:solidFill>
-              </a:ln>
-            </p:spPr>
-            <p:style>
-              <a:lnRef idx="2">
-                <a:schemeClr val="accent1">
-                  <a:shade val="50000"/>
-                </a:schemeClr>
-              </a:lnRef>
-              <a:fillRef idx="1">
-                <a:schemeClr val="accent1"/>
-              </a:fillRef>
-              <a:effectRef idx="0">
-                <a:schemeClr val="accent1"/>
-              </a:effectRef>
-              <a:fontRef idx="minor">
-                <a:schemeClr val="lt1"/>
-              </a:fontRef>
-            </p:style>
-            <p:txBody>
-              <a:bodyPr rtlCol="0" anchor="ctr"/>
-              <a:lstStyle/>
-              <a:p>
-                <a:pPr algn="ctr"/>
-                <a14:m>
-                  <m:oMathPara xmlns:m="http://schemas.openxmlformats.org/officeDocument/2006/math">
-                    <m:oMathParaPr>
-                      <m:jc m:val="centerGroup"/>
-                    </m:oMathParaPr>
-                    <m:oMath xmlns:m="http://schemas.openxmlformats.org/officeDocument/2006/math">
-                      <m:sSub>
-                        <m:sSubPr>
-                          <m:ctrlPr>
-                            <a:rPr lang="en-CA" b="0" i="1" smtClean="0">
-                              <a:solidFill>
-                                <a:schemeClr val="tx1"/>
-                              </a:solidFill>
-                              <a:latin typeface="Cambria Math" panose="02040503050406030204" pitchFamily="18" charset="0"/>
-                            </a:rPr>
-                          </m:ctrlPr>
-                        </m:sSubPr>
-                        <m:e>
-                          <m:r>
-                            <a:rPr lang="en-CA" b="0" i="1" smtClean="0">
-                              <a:solidFill>
-                                <a:schemeClr val="tx1"/>
-                              </a:solidFill>
-                              <a:latin typeface="Cambria Math" panose="02040503050406030204" pitchFamily="18" charset="0"/>
-                            </a:rPr>
-                            <m:t>𝑌</m:t>
-                          </m:r>
-                        </m:e>
-                        <m:sub>
-                          <m:r>
-                            <a:rPr lang="en-CA" b="0" i="1" smtClean="0">
-                              <a:solidFill>
-                                <a:schemeClr val="tx1"/>
-                              </a:solidFill>
-                              <a:latin typeface="Cambria Math" panose="02040503050406030204" pitchFamily="18" charset="0"/>
-                            </a:rPr>
-                            <m:t>2</m:t>
-                          </m:r>
-                        </m:sub>
-                      </m:sSub>
-                    </m:oMath>
-                  </m:oMathPara>
-                </a14:m>
-                <a:endParaRPr lang="en-CA" b="0" dirty="0">
-                  <a:solidFill>
-                    <a:schemeClr val="tx1"/>
-                  </a:solidFill>
-                </a:endParaRPr>
-              </a:p>
-            </p:txBody>
-          </p:sp>
-        </mc:Choice>
-        <mc:Fallback xmlns="">
-          <p:sp>
-            <p:nvSpPr>
-              <p:cNvPr id="9" name="Oval 8">
-                <a:extLst>
-                  <a:ext uri="{FF2B5EF4-FFF2-40B4-BE49-F238E27FC236}">
-                    <a16:creationId xmlns:a16="http://schemas.microsoft.com/office/drawing/2014/main" id="{B3CB48A0-C39C-8CE8-F6E3-4105F1FB895E}"/>
-                  </a:ext>
-                </a:extLst>
-              </p:cNvPr>
-              <p:cNvSpPr>
-                <a:spLocks noRot="1" noChangeAspect="1" noMove="1" noResize="1" noEditPoints="1" noAdjustHandles="1" noChangeArrowheads="1" noChangeShapeType="1" noTextEdit="1"/>
-              </p:cNvSpPr>
-              <p:nvPr/>
-            </p:nvSpPr>
-            <p:spPr>
-              <a:xfrm>
-                <a:off x="5556000" y="4050623"/>
-                <a:ext cx="540000" cy="540000"/>
-              </a:xfrm>
-              <a:prstGeom prst="ellipse">
-                <a:avLst/>
-              </a:prstGeom>
-              <a:blipFill>
-                <a:blip r:embed="rId5"/>
-                <a:stretch>
-                  <a:fillRect/>
-                </a:stretch>
-              </a:blipFill>
-              <a:ln>
-                <a:solidFill>
-                  <a:schemeClr val="tx1"/>
-                </a:solidFill>
-              </a:ln>
-            </p:spPr>
-            <p:txBody>
-              <a:bodyPr/>
-              <a:lstStyle/>
-              <a:p>
-                <a:r>
-                  <a:rPr lang="en-US">
-                    <a:noFill/>
-                  </a:rPr>
-                  <a:t> </a:t>
-                </a:r>
-              </a:p>
-            </p:txBody>
-          </p:sp>
-        </mc:Fallback>
-      </mc:AlternateContent>
-      <mc:AlternateContent xmlns:mc="http://schemas.openxmlformats.org/markup-compatibility/2006" xmlns:a14="http://schemas.microsoft.com/office/drawing/2010/main">
-        <mc:Choice Requires="a14">
-          <p:sp>
-            <p:nvSpPr>
-              <p:cNvPr id="11" name="Oval 10">
-                <a:extLst>
-                  <a:ext uri="{FF2B5EF4-FFF2-40B4-BE49-F238E27FC236}">
-                    <a16:creationId xmlns:a16="http://schemas.microsoft.com/office/drawing/2014/main" id="{806763BA-8689-43E3-4245-5419EACB35C7}"/>
-                  </a:ext>
-                </a:extLst>
-              </p:cNvPr>
-              <p:cNvSpPr/>
-              <p:nvPr/>
-            </p:nvSpPr>
-            <p:spPr>
-              <a:xfrm>
-                <a:off x="5556000" y="2889000"/>
-                <a:ext cx="540000" cy="540000"/>
-              </a:xfrm>
-              <a:prstGeom prst="ellipse">
-                <a:avLst/>
-              </a:prstGeom>
-              <a:noFill/>
-              <a:ln>
-                <a:solidFill>
-                  <a:schemeClr val="tx1"/>
-                </a:solidFill>
-              </a:ln>
-            </p:spPr>
-            <p:style>
-              <a:lnRef idx="2">
-                <a:schemeClr val="accent1">
-                  <a:shade val="50000"/>
-                </a:schemeClr>
-              </a:lnRef>
-              <a:fillRef idx="1">
-                <a:schemeClr val="accent1"/>
-              </a:fillRef>
-              <a:effectRef idx="0">
-                <a:schemeClr val="accent1"/>
-              </a:effectRef>
-              <a:fontRef idx="minor">
-                <a:schemeClr val="lt1"/>
-              </a:fontRef>
-            </p:style>
-            <p:txBody>
-              <a:bodyPr rtlCol="0" anchor="ctr"/>
-              <a:lstStyle/>
-              <a:p>
-                <a:pPr algn="ctr"/>
-                <a14:m>
-                  <m:oMathPara xmlns:m="http://schemas.openxmlformats.org/officeDocument/2006/math">
-                    <m:oMathParaPr>
-                      <m:jc m:val="centerGroup"/>
-                    </m:oMathParaPr>
-                    <m:oMath xmlns:m="http://schemas.openxmlformats.org/officeDocument/2006/math">
-                      <m:sSub>
-                        <m:sSubPr>
-                          <m:ctrlPr>
-                            <a:rPr lang="en-CA" b="0" i="1" smtClean="0">
-                              <a:solidFill>
-                                <a:schemeClr val="tx1"/>
-                              </a:solidFill>
-                              <a:latin typeface="Cambria Math" panose="02040503050406030204" pitchFamily="18" charset="0"/>
-                            </a:rPr>
-                          </m:ctrlPr>
-                        </m:sSubPr>
-                        <m:e>
-                          <m:r>
-                            <a:rPr lang="en-CA" b="0" i="1" smtClean="0">
-                              <a:solidFill>
-                                <a:schemeClr val="tx1"/>
-                              </a:solidFill>
-                              <a:latin typeface="Cambria Math" panose="02040503050406030204" pitchFamily="18" charset="0"/>
-                            </a:rPr>
-                            <m:t>𝑍</m:t>
-                          </m:r>
-                        </m:e>
-                        <m:sub>
-                          <m:r>
-                            <a:rPr lang="en-CA" b="0" i="1" smtClean="0">
-                              <a:solidFill>
-                                <a:schemeClr val="tx1"/>
-                              </a:solidFill>
-                              <a:latin typeface="Cambria Math" panose="02040503050406030204" pitchFamily="18" charset="0"/>
-                            </a:rPr>
-                            <m:t>2</m:t>
-                          </m:r>
-                        </m:sub>
-                      </m:sSub>
-                    </m:oMath>
-                  </m:oMathPara>
-                </a14:m>
-                <a:endParaRPr lang="en-CA" b="0" dirty="0">
-                  <a:solidFill>
-                    <a:schemeClr val="tx1"/>
-                  </a:solidFill>
-                </a:endParaRPr>
-              </a:p>
-            </p:txBody>
-          </p:sp>
-        </mc:Choice>
-        <mc:Fallback xmlns="">
-          <p:sp>
-            <p:nvSpPr>
-              <p:cNvPr id="11" name="Oval 10">
-                <a:extLst>
-                  <a:ext uri="{FF2B5EF4-FFF2-40B4-BE49-F238E27FC236}">
-                    <a16:creationId xmlns:a16="http://schemas.microsoft.com/office/drawing/2014/main" id="{806763BA-8689-43E3-4245-5419EACB35C7}"/>
-                  </a:ext>
-                </a:extLst>
-              </p:cNvPr>
-              <p:cNvSpPr>
-                <a:spLocks noRot="1" noChangeAspect="1" noMove="1" noResize="1" noEditPoints="1" noAdjustHandles="1" noChangeArrowheads="1" noChangeShapeType="1" noTextEdit="1"/>
-              </p:cNvSpPr>
-              <p:nvPr/>
-            </p:nvSpPr>
-            <p:spPr>
-              <a:xfrm>
-                <a:off x="5556000" y="2889000"/>
-                <a:ext cx="540000" cy="540000"/>
-              </a:xfrm>
-              <a:prstGeom prst="ellipse">
-                <a:avLst/>
-              </a:prstGeom>
-              <a:blipFill>
-                <a:blip r:embed="rId6"/>
-                <a:stretch>
-                  <a:fillRect/>
-                </a:stretch>
-              </a:blipFill>
-              <a:ln>
-                <a:solidFill>
-                  <a:schemeClr val="tx1"/>
-                </a:solidFill>
-              </a:ln>
-            </p:spPr>
-            <p:txBody>
-              <a:bodyPr/>
-              <a:lstStyle/>
-              <a:p>
-                <a:r>
-                  <a:rPr lang="en-US">
-                    <a:noFill/>
-                  </a:rPr>
-                  <a:t> </a:t>
-                </a:r>
-              </a:p>
-            </p:txBody>
-          </p:sp>
-        </mc:Fallback>
-      </mc:AlternateContent>
-      <mc:AlternateContent xmlns:mc="http://schemas.openxmlformats.org/markup-compatibility/2006" xmlns:a14="http://schemas.microsoft.com/office/drawing/2010/main">
-        <mc:Choice Requires="a14">
-          <p:sp>
-            <p:nvSpPr>
-              <p:cNvPr id="13" name="Oval 12">
-                <a:extLst>
-                  <a:ext uri="{FF2B5EF4-FFF2-40B4-BE49-F238E27FC236}">
-                    <a16:creationId xmlns:a16="http://schemas.microsoft.com/office/drawing/2014/main" id="{79CCD821-24B4-76A4-2760-C9C82E3C6ADB}"/>
-                  </a:ext>
-                </a:extLst>
-              </p:cNvPr>
-              <p:cNvSpPr/>
-              <p:nvPr/>
-            </p:nvSpPr>
-            <p:spPr>
-              <a:xfrm>
-                <a:off x="6489346" y="4050623"/>
-                <a:ext cx="540000" cy="540000"/>
-              </a:xfrm>
-              <a:prstGeom prst="ellipse">
-                <a:avLst/>
-              </a:prstGeom>
-              <a:noFill/>
-              <a:ln>
-                <a:solidFill>
-                  <a:schemeClr val="tx1"/>
-                </a:solidFill>
-              </a:ln>
-            </p:spPr>
-            <p:style>
-              <a:lnRef idx="2">
-                <a:schemeClr val="accent1">
-                  <a:shade val="50000"/>
-                </a:schemeClr>
-              </a:lnRef>
-              <a:fillRef idx="1">
-                <a:schemeClr val="accent1"/>
-              </a:fillRef>
-              <a:effectRef idx="0">
-                <a:schemeClr val="accent1"/>
-              </a:effectRef>
-              <a:fontRef idx="minor">
-                <a:schemeClr val="lt1"/>
-              </a:fontRef>
-            </p:style>
-            <p:txBody>
-              <a:bodyPr rtlCol="0" anchor="ctr"/>
-              <a:lstStyle/>
-              <a:p>
-                <a:pPr algn="ctr"/>
-                <a14:m>
-                  <m:oMathPara xmlns:m="http://schemas.openxmlformats.org/officeDocument/2006/math">
-                    <m:oMathParaPr>
-                      <m:jc m:val="centerGroup"/>
-                    </m:oMathParaPr>
-                    <m:oMath xmlns:m="http://schemas.openxmlformats.org/officeDocument/2006/math">
-                      <m:sSub>
-                        <m:sSubPr>
-                          <m:ctrlPr>
-                            <a:rPr lang="en-CA" b="0" i="1" smtClean="0">
-                              <a:solidFill>
-                                <a:schemeClr val="tx1"/>
-                              </a:solidFill>
-                              <a:latin typeface="Cambria Math" panose="02040503050406030204" pitchFamily="18" charset="0"/>
-                            </a:rPr>
-                          </m:ctrlPr>
-                        </m:sSubPr>
-                        <m:e>
-                          <m:r>
-                            <a:rPr lang="en-CA" b="0" i="1" smtClean="0">
-                              <a:solidFill>
-                                <a:schemeClr val="tx1"/>
-                              </a:solidFill>
-                              <a:latin typeface="Cambria Math" panose="02040503050406030204" pitchFamily="18" charset="0"/>
-                            </a:rPr>
-                            <m:t>𝑌</m:t>
-                          </m:r>
-                        </m:e>
-                        <m:sub>
-                          <m:r>
-                            <a:rPr lang="en-CA" b="0" i="1" smtClean="0">
-                              <a:solidFill>
-                                <a:schemeClr val="tx1"/>
-                              </a:solidFill>
-                              <a:latin typeface="Cambria Math" panose="02040503050406030204" pitchFamily="18" charset="0"/>
-                            </a:rPr>
-                            <m:t>3</m:t>
-                          </m:r>
-                        </m:sub>
-                      </m:sSub>
-                    </m:oMath>
-                  </m:oMathPara>
-                </a14:m>
-                <a:endParaRPr lang="en-CA" b="0" dirty="0">
-                  <a:solidFill>
-                    <a:schemeClr val="tx1"/>
-                  </a:solidFill>
-                </a:endParaRPr>
-              </a:p>
-            </p:txBody>
-          </p:sp>
-        </mc:Choice>
-        <mc:Fallback xmlns="">
-          <p:sp>
-            <p:nvSpPr>
-              <p:cNvPr id="13" name="Oval 12">
-                <a:extLst>
-                  <a:ext uri="{FF2B5EF4-FFF2-40B4-BE49-F238E27FC236}">
-                    <a16:creationId xmlns:a16="http://schemas.microsoft.com/office/drawing/2014/main" id="{79CCD821-24B4-76A4-2760-C9C82E3C6ADB}"/>
-                  </a:ext>
-                </a:extLst>
-              </p:cNvPr>
-              <p:cNvSpPr>
-                <a:spLocks noRot="1" noChangeAspect="1" noMove="1" noResize="1" noEditPoints="1" noAdjustHandles="1" noChangeArrowheads="1" noChangeShapeType="1" noTextEdit="1"/>
-              </p:cNvSpPr>
-              <p:nvPr/>
-            </p:nvSpPr>
-            <p:spPr>
-              <a:xfrm>
-                <a:off x="6489346" y="4050623"/>
-                <a:ext cx="540000" cy="540000"/>
-              </a:xfrm>
-              <a:prstGeom prst="ellipse">
-                <a:avLst/>
-              </a:prstGeom>
-              <a:blipFill>
-                <a:blip r:embed="rId7"/>
-                <a:stretch>
-                  <a:fillRect/>
-                </a:stretch>
-              </a:blipFill>
-              <a:ln>
-                <a:solidFill>
-                  <a:schemeClr val="tx1"/>
-                </a:solidFill>
-              </a:ln>
-            </p:spPr>
-            <p:txBody>
-              <a:bodyPr/>
-              <a:lstStyle/>
-              <a:p>
-                <a:r>
-                  <a:rPr lang="en-US">
-                    <a:noFill/>
-                  </a:rPr>
-                  <a:t> </a:t>
-                </a:r>
-              </a:p>
-            </p:txBody>
-          </p:sp>
-        </mc:Fallback>
-      </mc:AlternateContent>
-      <mc:AlternateContent xmlns:mc="http://schemas.openxmlformats.org/markup-compatibility/2006" xmlns:a14="http://schemas.microsoft.com/office/drawing/2010/main">
-        <mc:Choice Requires="a14">
-          <p:sp>
-            <p:nvSpPr>
-              <p:cNvPr id="14" name="Oval 13">
-                <a:extLst>
-                  <a:ext uri="{FF2B5EF4-FFF2-40B4-BE49-F238E27FC236}">
-                    <a16:creationId xmlns:a16="http://schemas.microsoft.com/office/drawing/2014/main" id="{A16106DE-FDDE-6C0B-4347-2DC245403F5D}"/>
-                  </a:ext>
-                </a:extLst>
-              </p:cNvPr>
-              <p:cNvSpPr/>
-              <p:nvPr/>
-            </p:nvSpPr>
-            <p:spPr>
-              <a:xfrm>
-                <a:off x="6489346" y="2889000"/>
-                <a:ext cx="540000" cy="540000"/>
-              </a:xfrm>
-              <a:prstGeom prst="ellipse">
-                <a:avLst/>
-              </a:prstGeom>
-              <a:noFill/>
-              <a:ln>
-                <a:solidFill>
-                  <a:schemeClr val="tx1"/>
-                </a:solidFill>
-              </a:ln>
-            </p:spPr>
-            <p:style>
-              <a:lnRef idx="2">
-                <a:schemeClr val="accent1">
-                  <a:shade val="50000"/>
-                </a:schemeClr>
-              </a:lnRef>
-              <a:fillRef idx="1">
-                <a:schemeClr val="accent1"/>
-              </a:fillRef>
-              <a:effectRef idx="0">
-                <a:schemeClr val="accent1"/>
-              </a:effectRef>
-              <a:fontRef idx="minor">
-                <a:schemeClr val="lt1"/>
-              </a:fontRef>
-            </p:style>
-            <p:txBody>
-              <a:bodyPr rtlCol="0" anchor="ctr"/>
-              <a:lstStyle/>
-              <a:p>
-                <a:pPr algn="ctr"/>
-                <a14:m>
-                  <m:oMathPara xmlns:m="http://schemas.openxmlformats.org/officeDocument/2006/math">
-                    <m:oMathParaPr>
-                      <m:jc m:val="centerGroup"/>
-                    </m:oMathParaPr>
-                    <m:oMath xmlns:m="http://schemas.openxmlformats.org/officeDocument/2006/math">
-                      <m:sSub>
-                        <m:sSubPr>
-                          <m:ctrlPr>
-                            <a:rPr lang="en-CA" b="0" i="1" smtClean="0">
-                              <a:solidFill>
-                                <a:schemeClr val="tx1"/>
-                              </a:solidFill>
-                              <a:latin typeface="Cambria Math" panose="02040503050406030204" pitchFamily="18" charset="0"/>
-                            </a:rPr>
-                          </m:ctrlPr>
-                        </m:sSubPr>
-                        <m:e>
-                          <m:r>
-                            <a:rPr lang="en-CA" b="0" i="1" smtClean="0">
-                              <a:solidFill>
-                                <a:schemeClr val="tx1"/>
-                              </a:solidFill>
-                              <a:latin typeface="Cambria Math" panose="02040503050406030204" pitchFamily="18" charset="0"/>
-                            </a:rPr>
-                            <m:t>𝑍</m:t>
-                          </m:r>
-                        </m:e>
-                        <m:sub>
-                          <m:r>
-                            <a:rPr lang="en-CA" b="0" i="1" smtClean="0">
-                              <a:solidFill>
-                                <a:schemeClr val="tx1"/>
-                              </a:solidFill>
-                              <a:latin typeface="Cambria Math" panose="02040503050406030204" pitchFamily="18" charset="0"/>
-                            </a:rPr>
-                            <m:t>3</m:t>
-                          </m:r>
-                        </m:sub>
-                      </m:sSub>
-                    </m:oMath>
-                  </m:oMathPara>
-                </a14:m>
-                <a:endParaRPr lang="en-CA" b="0" dirty="0">
-                  <a:solidFill>
-                    <a:schemeClr val="tx1"/>
-                  </a:solidFill>
-                </a:endParaRPr>
-              </a:p>
-            </p:txBody>
-          </p:sp>
-        </mc:Choice>
-        <mc:Fallback xmlns="">
-          <p:sp>
-            <p:nvSpPr>
-              <p:cNvPr id="14" name="Oval 13">
-                <a:extLst>
-                  <a:ext uri="{FF2B5EF4-FFF2-40B4-BE49-F238E27FC236}">
-                    <a16:creationId xmlns:a16="http://schemas.microsoft.com/office/drawing/2014/main" id="{A16106DE-FDDE-6C0B-4347-2DC245403F5D}"/>
-                  </a:ext>
-                </a:extLst>
-              </p:cNvPr>
-              <p:cNvSpPr>
-                <a:spLocks noRot="1" noChangeAspect="1" noMove="1" noResize="1" noEditPoints="1" noAdjustHandles="1" noChangeArrowheads="1" noChangeShapeType="1" noTextEdit="1"/>
-              </p:cNvSpPr>
-              <p:nvPr/>
-            </p:nvSpPr>
-            <p:spPr>
-              <a:xfrm>
-                <a:off x="6489346" y="2889000"/>
-                <a:ext cx="540000" cy="540000"/>
-              </a:xfrm>
-              <a:prstGeom prst="ellipse">
-                <a:avLst/>
-              </a:prstGeom>
-              <a:blipFill>
-                <a:blip r:embed="rId8"/>
-                <a:stretch>
-                  <a:fillRect/>
-                </a:stretch>
-              </a:blipFill>
-              <a:ln>
-                <a:solidFill>
-                  <a:schemeClr val="tx1"/>
-                </a:solidFill>
-              </a:ln>
-            </p:spPr>
-            <p:txBody>
-              <a:bodyPr/>
-              <a:lstStyle/>
-              <a:p>
-                <a:r>
-                  <a:rPr lang="en-US">
-                    <a:noFill/>
-                  </a:rPr>
-                  <a:t> </a:t>
-                </a:r>
-              </a:p>
-            </p:txBody>
-          </p:sp>
-        </mc:Fallback>
-      </mc:AlternateContent>
-      <mc:AlternateContent xmlns:mc="http://schemas.openxmlformats.org/markup-compatibility/2006" xmlns:a14="http://schemas.microsoft.com/office/drawing/2010/main">
-        <mc:Choice Requires="a14">
-          <p:sp>
-            <p:nvSpPr>
-              <p:cNvPr id="15" name="Oval 14">
-                <a:extLst>
-                  <a:ext uri="{FF2B5EF4-FFF2-40B4-BE49-F238E27FC236}">
-                    <a16:creationId xmlns:a16="http://schemas.microsoft.com/office/drawing/2014/main" id="{7A41C204-0E89-92C9-6AD3-7AD7F75A45C0}"/>
-                  </a:ext>
-                </a:extLst>
-              </p:cNvPr>
-              <p:cNvSpPr/>
-              <p:nvPr/>
-            </p:nvSpPr>
-            <p:spPr>
-              <a:xfrm>
-                <a:off x="8075689" y="4050623"/>
-                <a:ext cx="540000" cy="540000"/>
-              </a:xfrm>
-              <a:prstGeom prst="ellipse">
-                <a:avLst/>
-              </a:prstGeom>
-              <a:noFill/>
-              <a:ln>
-                <a:solidFill>
-                  <a:schemeClr val="tx1"/>
-                </a:solidFill>
-              </a:ln>
-            </p:spPr>
-            <p:style>
-              <a:lnRef idx="2">
-                <a:schemeClr val="accent1">
-                  <a:shade val="50000"/>
-                </a:schemeClr>
-              </a:lnRef>
-              <a:fillRef idx="1">
-                <a:schemeClr val="accent1"/>
-              </a:fillRef>
-              <a:effectRef idx="0">
-                <a:schemeClr val="accent1"/>
-              </a:effectRef>
-              <a:fontRef idx="minor">
-                <a:schemeClr val="lt1"/>
-              </a:fontRef>
-            </p:style>
-            <p:txBody>
-              <a:bodyPr rtlCol="0" anchor="ctr"/>
-              <a:lstStyle/>
-              <a:p>
-                <a:pPr algn="ctr"/>
-                <a14:m>
-                  <m:oMathPara xmlns:m="http://schemas.openxmlformats.org/officeDocument/2006/math">
-                    <m:oMathParaPr>
-                      <m:jc m:val="centerGroup"/>
-                    </m:oMathParaPr>
-                    <m:oMath xmlns:m="http://schemas.openxmlformats.org/officeDocument/2006/math">
-                      <m:sSub>
-                        <m:sSubPr>
-                          <m:ctrlPr>
-                            <a:rPr lang="en-CA" b="0" i="1" smtClean="0">
-                              <a:solidFill>
-                                <a:schemeClr val="tx1"/>
-                              </a:solidFill>
-                              <a:latin typeface="Cambria Math" panose="02040503050406030204" pitchFamily="18" charset="0"/>
-                            </a:rPr>
-                          </m:ctrlPr>
-                        </m:sSubPr>
-                        <m:e>
-                          <m:r>
-                            <a:rPr lang="en-CA" b="0" i="1" smtClean="0">
-                              <a:solidFill>
-                                <a:schemeClr val="tx1"/>
-                              </a:solidFill>
-                              <a:latin typeface="Cambria Math" panose="02040503050406030204" pitchFamily="18" charset="0"/>
-                            </a:rPr>
-                            <m:t>𝑌</m:t>
-                          </m:r>
-                        </m:e>
-                        <m:sub>
-                          <m:r>
-                            <a:rPr lang="en-CA" b="0" i="1" smtClean="0">
-                              <a:solidFill>
-                                <a:schemeClr val="tx1"/>
-                              </a:solidFill>
-                              <a:latin typeface="Cambria Math" panose="02040503050406030204" pitchFamily="18" charset="0"/>
-                            </a:rPr>
-                            <m:t>7</m:t>
-                          </m:r>
-                        </m:sub>
-                      </m:sSub>
-                    </m:oMath>
-                  </m:oMathPara>
-                </a14:m>
-                <a:endParaRPr lang="en-CA" b="0" dirty="0">
-                  <a:solidFill>
-                    <a:schemeClr val="tx1"/>
-                  </a:solidFill>
-                </a:endParaRPr>
-              </a:p>
-            </p:txBody>
-          </p:sp>
-        </mc:Choice>
-        <mc:Fallback xmlns="">
-          <p:sp>
-            <p:nvSpPr>
-              <p:cNvPr id="15" name="Oval 14">
-                <a:extLst>
-                  <a:ext uri="{FF2B5EF4-FFF2-40B4-BE49-F238E27FC236}">
-                    <a16:creationId xmlns:a16="http://schemas.microsoft.com/office/drawing/2014/main" id="{7A41C204-0E89-92C9-6AD3-7AD7F75A45C0}"/>
-                  </a:ext>
-                </a:extLst>
-              </p:cNvPr>
-              <p:cNvSpPr>
-                <a:spLocks noRot="1" noChangeAspect="1" noMove="1" noResize="1" noEditPoints="1" noAdjustHandles="1" noChangeArrowheads="1" noChangeShapeType="1" noTextEdit="1"/>
-              </p:cNvSpPr>
-              <p:nvPr/>
-            </p:nvSpPr>
-            <p:spPr>
-              <a:xfrm>
-                <a:off x="8075689" y="4050623"/>
-                <a:ext cx="540000" cy="540000"/>
-              </a:xfrm>
-              <a:prstGeom prst="ellipse">
-                <a:avLst/>
-              </a:prstGeom>
-              <a:blipFill>
-                <a:blip r:embed="rId9"/>
-                <a:stretch>
-                  <a:fillRect/>
-                </a:stretch>
-              </a:blipFill>
-              <a:ln>
-                <a:solidFill>
-                  <a:schemeClr val="tx1"/>
-                </a:solidFill>
-              </a:ln>
-            </p:spPr>
-            <p:txBody>
-              <a:bodyPr/>
-              <a:lstStyle/>
-              <a:p>
-                <a:r>
-                  <a:rPr lang="en-US">
-                    <a:noFill/>
-                  </a:rPr>
-                  <a:t> </a:t>
-                </a:r>
-              </a:p>
-            </p:txBody>
-          </p:sp>
-        </mc:Fallback>
-      </mc:AlternateContent>
-      <mc:AlternateContent xmlns:mc="http://schemas.openxmlformats.org/markup-compatibility/2006" xmlns:a14="http://schemas.microsoft.com/office/drawing/2010/main">
-        <mc:Choice Requires="a14">
-          <p:sp>
-            <p:nvSpPr>
-              <p:cNvPr id="19" name="Oval 18">
-                <a:extLst>
-                  <a:ext uri="{FF2B5EF4-FFF2-40B4-BE49-F238E27FC236}">
-                    <a16:creationId xmlns:a16="http://schemas.microsoft.com/office/drawing/2014/main" id="{29F379B3-47DE-50DB-9AA7-DAF007C34582}"/>
-                  </a:ext>
-                </a:extLst>
-              </p:cNvPr>
-              <p:cNvSpPr/>
-              <p:nvPr/>
-            </p:nvSpPr>
-            <p:spPr>
-              <a:xfrm>
-                <a:off x="8075689" y="2889000"/>
-                <a:ext cx="540000" cy="540000"/>
-              </a:xfrm>
-              <a:prstGeom prst="ellipse">
-                <a:avLst/>
-              </a:prstGeom>
-              <a:noFill/>
-              <a:ln>
-                <a:solidFill>
-                  <a:schemeClr val="tx1"/>
-                </a:solidFill>
-              </a:ln>
-            </p:spPr>
-            <p:style>
-              <a:lnRef idx="2">
-                <a:schemeClr val="accent1">
-                  <a:shade val="50000"/>
-                </a:schemeClr>
-              </a:lnRef>
-              <a:fillRef idx="1">
-                <a:schemeClr val="accent1"/>
-              </a:fillRef>
-              <a:effectRef idx="0">
-                <a:schemeClr val="accent1"/>
-              </a:effectRef>
-              <a:fontRef idx="minor">
-                <a:schemeClr val="lt1"/>
-              </a:fontRef>
-            </p:style>
-            <p:txBody>
-              <a:bodyPr rtlCol="0" anchor="ctr"/>
-              <a:lstStyle/>
-              <a:p>
-                <a:pPr algn="ctr"/>
-                <a14:m>
-                  <m:oMathPara xmlns:m="http://schemas.openxmlformats.org/officeDocument/2006/math">
-                    <m:oMathParaPr>
-                      <m:jc m:val="centerGroup"/>
-                    </m:oMathParaPr>
-                    <m:oMath xmlns:m="http://schemas.openxmlformats.org/officeDocument/2006/math">
-                      <m:sSub>
-                        <m:sSubPr>
-                          <m:ctrlPr>
-                            <a:rPr lang="en-CA" b="0" i="1" smtClean="0">
-                              <a:solidFill>
-                                <a:schemeClr val="tx1"/>
-                              </a:solidFill>
-                              <a:latin typeface="Cambria Math" panose="02040503050406030204" pitchFamily="18" charset="0"/>
-                            </a:rPr>
-                          </m:ctrlPr>
-                        </m:sSubPr>
-                        <m:e>
-                          <m:r>
-                            <a:rPr lang="en-CA" b="0" i="1" smtClean="0">
-                              <a:solidFill>
-                                <a:schemeClr val="tx1"/>
-                              </a:solidFill>
-                              <a:latin typeface="Cambria Math" panose="02040503050406030204" pitchFamily="18" charset="0"/>
-                            </a:rPr>
-                            <m:t>𝑍</m:t>
-                          </m:r>
-                        </m:e>
-                        <m:sub>
-                          <m:r>
-                            <a:rPr lang="en-CA" b="0" i="1" smtClean="0">
-                              <a:solidFill>
-                                <a:schemeClr val="tx1"/>
-                              </a:solidFill>
-                              <a:latin typeface="Cambria Math" panose="02040503050406030204" pitchFamily="18" charset="0"/>
-                            </a:rPr>
-                            <m:t>7</m:t>
-                          </m:r>
-                        </m:sub>
-                      </m:sSub>
-                    </m:oMath>
-                  </m:oMathPara>
-                </a14:m>
-                <a:endParaRPr lang="en-CA" b="0" dirty="0">
-                  <a:solidFill>
-                    <a:schemeClr val="tx1"/>
-                  </a:solidFill>
-                </a:endParaRPr>
-              </a:p>
-            </p:txBody>
-          </p:sp>
-        </mc:Choice>
-        <mc:Fallback xmlns="">
-          <p:sp>
-            <p:nvSpPr>
-              <p:cNvPr id="19" name="Oval 18">
-                <a:extLst>
-                  <a:ext uri="{FF2B5EF4-FFF2-40B4-BE49-F238E27FC236}">
-                    <a16:creationId xmlns:a16="http://schemas.microsoft.com/office/drawing/2014/main" id="{29F379B3-47DE-50DB-9AA7-DAF007C34582}"/>
-                  </a:ext>
-                </a:extLst>
-              </p:cNvPr>
-              <p:cNvSpPr>
-                <a:spLocks noRot="1" noChangeAspect="1" noMove="1" noResize="1" noEditPoints="1" noAdjustHandles="1" noChangeArrowheads="1" noChangeShapeType="1" noTextEdit="1"/>
-              </p:cNvSpPr>
-              <p:nvPr/>
-            </p:nvSpPr>
-            <p:spPr>
-              <a:xfrm>
-                <a:off x="8075689" y="2889000"/>
-                <a:ext cx="540000" cy="540000"/>
-              </a:xfrm>
-              <a:prstGeom prst="ellipse">
-                <a:avLst/>
-              </a:prstGeom>
-              <a:blipFill>
-                <a:blip r:embed="rId10"/>
-                <a:stretch>
-                  <a:fillRect/>
-                </a:stretch>
-              </a:blipFill>
-              <a:ln>
-                <a:solidFill>
-                  <a:schemeClr val="tx1"/>
-                </a:solidFill>
-              </a:ln>
-            </p:spPr>
-            <p:txBody>
-              <a:bodyPr/>
-              <a:lstStyle/>
-              <a:p>
-                <a:r>
-                  <a:rPr lang="en-US">
-                    <a:noFill/>
-                  </a:rPr>
-                  <a:t> </a:t>
-                </a:r>
-              </a:p>
-            </p:txBody>
-          </p:sp>
-        </mc:Fallback>
-      </mc:AlternateContent>
-      <p:cxnSp>
-        <p:nvCxnSpPr>
-          <p:cNvPr id="22" name="Straight Arrow Connector 21">
-            <a:extLst>
-              <a:ext uri="{FF2B5EF4-FFF2-40B4-BE49-F238E27FC236}">
-                <a16:creationId xmlns:a16="http://schemas.microsoft.com/office/drawing/2014/main" id="{E47377A7-30E0-45C2-FF75-861FDE304B39}"/>
-              </a:ext>
-            </a:extLst>
-          </p:cNvPr>
-          <p:cNvCxnSpPr>
-            <a:cxnSpLocks/>
-            <a:endCxn id="11" idx="2"/>
-          </p:cNvCxnSpPr>
-          <p:nvPr/>
-        </p:nvCxnSpPr>
-        <p:spPr>
-          <a:xfrm flipV="1">
-            <a:off x="5162654" y="3159000"/>
-            <a:ext cx="393346" cy="1620"/>
-          </a:xfrm>
-          <a:prstGeom prst="straightConnector1">
-            <a:avLst/>
-          </a:prstGeom>
-          <a:ln>
-            <a:solidFill>
-              <a:schemeClr val="tx1"/>
-            </a:solidFill>
-            <a:tailEnd type="triangle" w="lg" len="lg"/>
-          </a:ln>
-        </p:spPr>
-        <p:style>
-          <a:lnRef idx="1">
-            <a:schemeClr val="accent1"/>
-          </a:lnRef>
-          <a:fillRef idx="0">
-            <a:schemeClr val="accent1"/>
-          </a:fillRef>
-          <a:effectRef idx="0">
-            <a:schemeClr val="accent1"/>
-          </a:effectRef>
-          <a:fontRef idx="minor">
-            <a:schemeClr val="tx1"/>
-          </a:fontRef>
-        </p:style>
-      </p:cxnSp>
-      <p:cxnSp>
-        <p:nvCxnSpPr>
-          <p:cNvPr id="28" name="Straight Arrow Connector 27">
-            <a:extLst>
-              <a:ext uri="{FF2B5EF4-FFF2-40B4-BE49-F238E27FC236}">
-                <a16:creationId xmlns:a16="http://schemas.microsoft.com/office/drawing/2014/main" id="{2316FC0C-CA58-2470-85DA-4DAD43509D94}"/>
-              </a:ext>
-            </a:extLst>
-          </p:cNvPr>
-          <p:cNvCxnSpPr>
-            <a:cxnSpLocks/>
-          </p:cNvCxnSpPr>
-          <p:nvPr/>
-        </p:nvCxnSpPr>
-        <p:spPr>
-          <a:xfrm flipV="1">
-            <a:off x="6095998" y="3159000"/>
-            <a:ext cx="393346" cy="1620"/>
-          </a:xfrm>
-          <a:prstGeom prst="straightConnector1">
-            <a:avLst/>
-          </a:prstGeom>
-          <a:ln>
-            <a:solidFill>
-              <a:schemeClr val="tx1"/>
-            </a:solidFill>
-            <a:tailEnd type="triangle" w="lg" len="lg"/>
-          </a:ln>
-        </p:spPr>
-        <p:style>
-          <a:lnRef idx="1">
-            <a:schemeClr val="accent1"/>
-          </a:lnRef>
-          <a:fillRef idx="0">
-            <a:schemeClr val="accent1"/>
-          </a:fillRef>
-          <a:effectRef idx="0">
-            <a:schemeClr val="accent1"/>
-          </a:effectRef>
-          <a:fontRef idx="minor">
-            <a:schemeClr val="tx1"/>
-          </a:fontRef>
-        </p:style>
-      </p:cxnSp>
-      <p:cxnSp>
-        <p:nvCxnSpPr>
-          <p:cNvPr id="29" name="Straight Arrow Connector 28">
-            <a:extLst>
-              <a:ext uri="{FF2B5EF4-FFF2-40B4-BE49-F238E27FC236}">
-                <a16:creationId xmlns:a16="http://schemas.microsoft.com/office/drawing/2014/main" id="{74BD6F1D-964F-8DF8-0EFC-F9A1F65F05A5}"/>
-              </a:ext>
-            </a:extLst>
-          </p:cNvPr>
-          <p:cNvCxnSpPr>
-            <a:cxnSpLocks/>
-          </p:cNvCxnSpPr>
-          <p:nvPr/>
-        </p:nvCxnSpPr>
-        <p:spPr>
-          <a:xfrm flipV="1">
-            <a:off x="7032100" y="3159000"/>
-            <a:ext cx="393346" cy="1620"/>
-          </a:xfrm>
-          <a:prstGeom prst="straightConnector1">
-            <a:avLst/>
-          </a:prstGeom>
-          <a:ln>
-            <a:solidFill>
-              <a:schemeClr val="tx1"/>
-            </a:solidFill>
-            <a:tailEnd type="triangle" w="lg" len="lg"/>
-          </a:ln>
-        </p:spPr>
-        <p:style>
-          <a:lnRef idx="1">
-            <a:schemeClr val="accent1"/>
-          </a:lnRef>
-          <a:fillRef idx="0">
-            <a:schemeClr val="accent1"/>
-          </a:fillRef>
-          <a:effectRef idx="0">
-            <a:schemeClr val="accent1"/>
-          </a:effectRef>
-          <a:fontRef idx="minor">
-            <a:schemeClr val="tx1"/>
-          </a:fontRef>
-        </p:style>
-      </p:cxnSp>
-      <p:cxnSp>
-        <p:nvCxnSpPr>
-          <p:cNvPr id="30" name="Straight Arrow Connector 29">
-            <a:extLst>
-              <a:ext uri="{FF2B5EF4-FFF2-40B4-BE49-F238E27FC236}">
-                <a16:creationId xmlns:a16="http://schemas.microsoft.com/office/drawing/2014/main" id="{EF62B5E7-F40D-369C-9BCB-AC099224FDD2}"/>
-              </a:ext>
-            </a:extLst>
-          </p:cNvPr>
-          <p:cNvCxnSpPr>
-            <a:cxnSpLocks/>
-          </p:cNvCxnSpPr>
-          <p:nvPr/>
-        </p:nvCxnSpPr>
-        <p:spPr>
-          <a:xfrm flipV="1">
-            <a:off x="7695401" y="3149423"/>
-            <a:ext cx="393346" cy="1620"/>
-          </a:xfrm>
-          <a:prstGeom prst="straightConnector1">
-            <a:avLst/>
-          </a:prstGeom>
-          <a:ln>
-            <a:solidFill>
-              <a:schemeClr val="tx1"/>
-            </a:solidFill>
-            <a:tailEnd type="triangle" w="lg" len="lg"/>
-          </a:ln>
-        </p:spPr>
-        <p:style>
-          <a:lnRef idx="1">
-            <a:schemeClr val="accent1"/>
-          </a:lnRef>
-          <a:fillRef idx="0">
-            <a:schemeClr val="accent1"/>
-          </a:fillRef>
-          <a:effectRef idx="0">
-            <a:schemeClr val="accent1"/>
-          </a:effectRef>
-          <a:fontRef idx="minor">
-            <a:schemeClr val="tx1"/>
-          </a:fontRef>
-        </p:style>
-      </p:cxnSp>
-      <p:cxnSp>
-        <p:nvCxnSpPr>
-          <p:cNvPr id="34" name="Straight Arrow Connector 33">
-            <a:extLst>
-              <a:ext uri="{FF2B5EF4-FFF2-40B4-BE49-F238E27FC236}">
-                <a16:creationId xmlns:a16="http://schemas.microsoft.com/office/drawing/2014/main" id="{25F0A184-63CC-D98F-5D50-D7A20BFC5A7B}"/>
-              </a:ext>
-            </a:extLst>
-          </p:cNvPr>
-          <p:cNvCxnSpPr>
-            <a:cxnSpLocks/>
-            <a:stCxn id="3" idx="4"/>
-            <a:endCxn id="2" idx="0"/>
-          </p:cNvCxnSpPr>
-          <p:nvPr/>
-        </p:nvCxnSpPr>
-        <p:spPr>
-          <a:xfrm>
-            <a:off x="4892656" y="3429000"/>
-            <a:ext cx="0" cy="621623"/>
-          </a:xfrm>
-          <a:prstGeom prst="straightConnector1">
-            <a:avLst/>
-          </a:prstGeom>
-          <a:ln>
-            <a:solidFill>
-              <a:schemeClr val="tx1"/>
-            </a:solidFill>
-            <a:tailEnd type="triangle" w="lg" len="lg"/>
-          </a:ln>
-        </p:spPr>
-        <p:style>
-          <a:lnRef idx="1">
-            <a:schemeClr val="accent1"/>
-          </a:lnRef>
-          <a:fillRef idx="0">
-            <a:schemeClr val="accent1"/>
-          </a:fillRef>
-          <a:effectRef idx="0">
-            <a:schemeClr val="accent1"/>
-          </a:effectRef>
-          <a:fontRef idx="minor">
-            <a:schemeClr val="tx1"/>
-          </a:fontRef>
-        </p:style>
-      </p:cxnSp>
-      <p:cxnSp>
-        <p:nvCxnSpPr>
-          <p:cNvPr id="39" name="Straight Arrow Connector 38">
-            <a:extLst>
-              <a:ext uri="{FF2B5EF4-FFF2-40B4-BE49-F238E27FC236}">
-                <a16:creationId xmlns:a16="http://schemas.microsoft.com/office/drawing/2014/main" id="{E65069C9-9820-83BE-FE70-0A2072BB2833}"/>
-              </a:ext>
-            </a:extLst>
-          </p:cNvPr>
-          <p:cNvCxnSpPr>
-            <a:cxnSpLocks/>
-          </p:cNvCxnSpPr>
-          <p:nvPr/>
-        </p:nvCxnSpPr>
-        <p:spPr>
-          <a:xfrm>
-            <a:off x="5826000" y="3429000"/>
-            <a:ext cx="0" cy="621623"/>
-          </a:xfrm>
-          <a:prstGeom prst="straightConnector1">
-            <a:avLst/>
-          </a:prstGeom>
-          <a:ln>
-            <a:solidFill>
-              <a:schemeClr val="tx1"/>
-            </a:solidFill>
-            <a:tailEnd type="triangle" w="lg" len="lg"/>
-          </a:ln>
-        </p:spPr>
-        <p:style>
-          <a:lnRef idx="1">
-            <a:schemeClr val="accent1"/>
-          </a:lnRef>
-          <a:fillRef idx="0">
-            <a:schemeClr val="accent1"/>
-          </a:fillRef>
-          <a:effectRef idx="0">
-            <a:schemeClr val="accent1"/>
-          </a:effectRef>
-          <a:fontRef idx="minor">
-            <a:schemeClr val="tx1"/>
-          </a:fontRef>
-        </p:style>
-      </p:cxnSp>
-      <p:cxnSp>
-        <p:nvCxnSpPr>
-          <p:cNvPr id="40" name="Straight Arrow Connector 39">
-            <a:extLst>
-              <a:ext uri="{FF2B5EF4-FFF2-40B4-BE49-F238E27FC236}">
-                <a16:creationId xmlns:a16="http://schemas.microsoft.com/office/drawing/2014/main" id="{4D6A6421-56B9-1D55-E3CD-A4AB7199B070}"/>
-              </a:ext>
-            </a:extLst>
-          </p:cNvPr>
-          <p:cNvCxnSpPr>
-            <a:cxnSpLocks/>
-          </p:cNvCxnSpPr>
-          <p:nvPr/>
-        </p:nvCxnSpPr>
-        <p:spPr>
-          <a:xfrm>
-            <a:off x="6759346" y="3430529"/>
-            <a:ext cx="0" cy="621623"/>
-          </a:xfrm>
-          <a:prstGeom prst="straightConnector1">
-            <a:avLst/>
-          </a:prstGeom>
-          <a:ln>
-            <a:solidFill>
-              <a:schemeClr val="tx1"/>
-            </a:solidFill>
-            <a:tailEnd type="triangle" w="lg" len="lg"/>
-          </a:ln>
-        </p:spPr>
-        <p:style>
-          <a:lnRef idx="1">
-            <a:schemeClr val="accent1"/>
-          </a:lnRef>
-          <a:fillRef idx="0">
-            <a:schemeClr val="accent1"/>
-          </a:fillRef>
-          <a:effectRef idx="0">
-            <a:schemeClr val="accent1"/>
-          </a:effectRef>
-          <a:fontRef idx="minor">
-            <a:schemeClr val="tx1"/>
-          </a:fontRef>
-        </p:style>
-      </p:cxnSp>
-      <p:cxnSp>
-        <p:nvCxnSpPr>
-          <p:cNvPr id="41" name="Straight Arrow Connector 40">
-            <a:extLst>
-              <a:ext uri="{FF2B5EF4-FFF2-40B4-BE49-F238E27FC236}">
-                <a16:creationId xmlns:a16="http://schemas.microsoft.com/office/drawing/2014/main" id="{20F36021-5AA6-30EA-E805-0952E83BA2EB}"/>
-              </a:ext>
-            </a:extLst>
-          </p:cNvPr>
-          <p:cNvCxnSpPr>
-            <a:cxnSpLocks/>
-          </p:cNvCxnSpPr>
-          <p:nvPr/>
-        </p:nvCxnSpPr>
-        <p:spPr>
-          <a:xfrm>
-            <a:off x="8345689" y="3429000"/>
-            <a:ext cx="0" cy="621623"/>
-          </a:xfrm>
-          <a:prstGeom prst="straightConnector1">
-            <a:avLst/>
-          </a:prstGeom>
-          <a:ln>
-            <a:solidFill>
-              <a:schemeClr val="tx1"/>
-            </a:solidFill>
-            <a:tailEnd type="triangle" w="lg" len="lg"/>
-          </a:ln>
-        </p:spPr>
-        <p:style>
-          <a:lnRef idx="1">
-            <a:schemeClr val="accent1"/>
-          </a:lnRef>
-          <a:fillRef idx="0">
-            <a:schemeClr val="accent1"/>
-          </a:fillRef>
-          <a:effectRef idx="0">
-            <a:schemeClr val="accent1"/>
-          </a:effectRef>
-          <a:fontRef idx="minor">
-            <a:schemeClr val="tx1"/>
-          </a:fontRef>
-        </p:style>
-      </p:cxnSp>
       <mc:AlternateContent xmlns:mc="http://schemas.openxmlformats.org/markup-compatibility/2006" xmlns:a14="http://schemas.microsoft.com/office/drawing/2010/main">
         <mc:Choice Requires="a14">
           <p:sp>
@@ -11182,7 +10011,6 @@
           <p:cNvCxnSpPr>
             <a:cxnSpLocks/>
             <a:stCxn id="45" idx="2"/>
-            <a:endCxn id="11" idx="1"/>
           </p:cNvCxnSpPr>
           <p:nvPr/>
         </p:nvCxnSpPr>
@@ -11216,8 +10044,8 @@
           </a:fontRef>
         </p:style>
       </p:cxnSp>
-      <mc:AlternateContent xmlns:mc="http://schemas.openxmlformats.org/markup-compatibility/2006" xmlns:a14="http://schemas.microsoft.com/office/drawing/2010/main">
-        <mc:Choice Requires="a14">
+      <mc:AlternateContent xmlns:mc="http://schemas.openxmlformats.org/markup-compatibility/2006">
+        <mc:Choice xmlns:a14="http://schemas.microsoft.com/office/drawing/2010/main" Requires="a14">
           <p:sp>
             <p:nvSpPr>
               <p:cNvPr id="49" name="TextBox 48">
@@ -11286,7 +10114,7 @@
             </p:txBody>
           </p:sp>
         </mc:Choice>
-        <mc:Fallback xmlns="">
+        <mc:Fallback>
           <p:sp>
             <p:nvSpPr>
               <p:cNvPr id="49" name="TextBox 48">
@@ -11428,14 +10256,66 @@
           </a:fontRef>
         </p:style>
       </p:cxnSp>
-      <mc:AlternateContent xmlns:mc="http://schemas.openxmlformats.org/markup-compatibility/2006" xmlns:a14="http://schemas.microsoft.com/office/drawing/2010/main">
-        <mc:Choice Requires="a14">
+      <p:sp>
+        <p:nvSpPr>
+          <p:cNvPr id="4" name="Rectangle 3">
+            <a:extLst>
+              <a:ext uri="{FF2B5EF4-FFF2-40B4-BE49-F238E27FC236}">
+                <a16:creationId xmlns:a16="http://schemas.microsoft.com/office/drawing/2014/main" id="{5E3C846B-A2F3-1561-8371-98C504396C2C}"/>
+              </a:ext>
+            </a:extLst>
+          </p:cNvPr>
+          <p:cNvSpPr/>
+          <p:nvPr/>
+        </p:nvSpPr>
+        <p:spPr>
+          <a:xfrm>
+            <a:off x="3118933" y="2564913"/>
+            <a:ext cx="8144812" cy="2324059"/>
+          </a:xfrm>
+          <a:prstGeom prst="rect">
+            <a:avLst/>
+          </a:prstGeom>
+          <a:noFill/>
+          <a:ln>
+            <a:solidFill>
+              <a:schemeClr val="tx1"/>
+            </a:solidFill>
+          </a:ln>
+        </p:spPr>
+        <p:style>
+          <a:lnRef idx="2">
+            <a:schemeClr val="accent1">
+              <a:shade val="50000"/>
+            </a:schemeClr>
+          </a:lnRef>
+          <a:fillRef idx="1">
+            <a:schemeClr val="accent1"/>
+          </a:fillRef>
+          <a:effectRef idx="0">
+            <a:schemeClr val="accent1"/>
+          </a:effectRef>
+          <a:fontRef idx="minor">
+            <a:schemeClr val="lt1"/>
+          </a:fontRef>
+        </p:style>
+        <p:txBody>
+          <a:bodyPr rtlCol="0" anchor="ctr"/>
+          <a:lstStyle/>
+          <a:p>
+            <a:pPr algn="ctr"/>
+            <a:endParaRPr lang="en-US"/>
+          </a:p>
+        </p:txBody>
+      </p:sp>
+      <mc:AlternateContent xmlns:mc="http://schemas.openxmlformats.org/markup-compatibility/2006">
+        <mc:Choice xmlns:a14="http://schemas.microsoft.com/office/drawing/2010/main" Requires="a14">
           <p:sp>
             <p:nvSpPr>
-              <p:cNvPr id="52" name="TextBox 51">
+              <p:cNvPr id="5" name="TextBox 4">
                 <a:extLst>
                   <a:ext uri="{FF2B5EF4-FFF2-40B4-BE49-F238E27FC236}">
-                    <a16:creationId xmlns:a16="http://schemas.microsoft.com/office/drawing/2014/main" id="{579847FB-5936-1BEA-B374-337232D091A3}"/>
+                    <a16:creationId xmlns:a16="http://schemas.microsoft.com/office/drawing/2014/main" id="{2FA0B12A-9E71-D884-632F-A2C5C3C7978D}"/>
                   </a:ext>
                 </a:extLst>
               </p:cNvPr>
@@ -11444,8 +10324,8 @@
             </p:nvSpPr>
             <p:spPr>
               <a:xfrm>
-                <a:off x="7483417" y="1810106"/>
-                <a:ext cx="466217" cy="369332"/>
+                <a:off x="3248364" y="4405957"/>
+                <a:ext cx="1124795" cy="369332"/>
               </a:xfrm>
               <a:prstGeom prst="rect">
                 <a:avLst/>
@@ -11453,58 +10333,43 @@
               <a:noFill/>
             </p:spPr>
             <p:txBody>
-              <a:bodyPr wrap="square" rtlCol="0">
+              <a:bodyPr wrap="none" rtlCol="0">
                 <a:spAutoFit/>
               </a:bodyPr>
               <a:lstStyle/>
               <a:p>
-                <a:pPr/>
+                <a:r>
+                  <a:rPr lang="en-CA" i="1" dirty="0"/>
+                  <a:t>i</a:t>
+                </a:r>
                 <a14:m>
-                  <m:oMathPara xmlns:m="http://schemas.openxmlformats.org/officeDocument/2006/math">
-                    <m:oMathParaPr>
-                      <m:jc m:val="centerGroup"/>
-                    </m:oMathParaPr>
-                    <m:oMath xmlns:m="http://schemas.openxmlformats.org/officeDocument/2006/math">
-                      <m:sSub>
-                        <m:sSubPr>
-                          <m:ctrlPr>
-                            <a:rPr lang="en-CA" b="0" i="1" smtClean="0">
-                              <a:latin typeface="Cambria Math" panose="02040503050406030204" pitchFamily="18" charset="0"/>
-                            </a:rPr>
-                          </m:ctrlPr>
-                        </m:sSubPr>
-                        <m:e>
-                          <m:r>
-                            <a:rPr lang="en-CA" b="0" i="1" smtClean="0">
-                              <a:latin typeface="Cambria Math" panose="02040503050406030204" pitchFamily="18" charset="0"/>
-                            </a:rPr>
-                            <m:t>𝜙</m:t>
-                          </m:r>
-                        </m:e>
-                        <m:sub>
-                          <m:r>
-                            <a:rPr lang="en-CA" b="0" i="1" smtClean="0">
-                              <a:latin typeface="Cambria Math" panose="02040503050406030204" pitchFamily="18" charset="0"/>
-                            </a:rPr>
-                            <m:t>7</m:t>
-                          </m:r>
-                        </m:sub>
-                      </m:sSub>
-                    </m:oMath>
-                  </m:oMathPara>
+                  <m:oMath xmlns:m="http://schemas.openxmlformats.org/officeDocument/2006/math">
+                    <m:r>
+                      <a:rPr lang="en-CA" b="0" i="1" smtClean="0">
+                        <a:latin typeface="Cambria Math" panose="02040503050406030204" pitchFamily="18" charset="0"/>
+                      </a:rPr>
+                      <m:t>=1,…,</m:t>
+                    </m:r>
+                    <m:r>
+                      <a:rPr lang="en-CA" b="0" i="1" smtClean="0">
+                        <a:latin typeface="Cambria Math" panose="02040503050406030204" pitchFamily="18" charset="0"/>
+                      </a:rPr>
+                      <m:t>𝑛</m:t>
+                    </m:r>
+                  </m:oMath>
                 </a14:m>
-                <a:endParaRPr lang="en-US" dirty="0"/>
+                <a:endParaRPr lang="en-CA" b="0" dirty="0"/>
               </a:p>
             </p:txBody>
           </p:sp>
         </mc:Choice>
-        <mc:Fallback xmlns="">
+        <mc:Fallback>
           <p:sp>
             <p:nvSpPr>
-              <p:cNvPr id="52" name="TextBox 51">
+              <p:cNvPr id="5" name="TextBox 4">
                 <a:extLst>
                   <a:ext uri="{FF2B5EF4-FFF2-40B4-BE49-F238E27FC236}">
-                    <a16:creationId xmlns:a16="http://schemas.microsoft.com/office/drawing/2014/main" id="{579847FB-5936-1BEA-B374-337232D091A3}"/>
+                    <a16:creationId xmlns:a16="http://schemas.microsoft.com/office/drawing/2014/main" id="{2FA0B12A-9E71-D884-632F-A2C5C3C7978D}"/>
                   </a:ext>
                 </a:extLst>
               </p:cNvPr>
@@ -11515,8 +10380,8 @@
             </p:nvSpPr>
             <p:spPr>
               <a:xfrm>
-                <a:off x="7483417" y="1810106"/>
-                <a:ext cx="466217" cy="369332"/>
+                <a:off x="3248364" y="4405957"/>
+                <a:ext cx="1124795" cy="369332"/>
               </a:xfrm>
               <a:prstGeom prst="rect">
                 <a:avLst/>
@@ -11524,7 +10389,7 @@
               <a:blipFill>
                 <a:blip r:embed="rId13"/>
                 <a:stretch>
-                  <a:fillRect l="-2703" b="-13333"/>
+                  <a:fillRect l="-4444" t="-10345" b="-27586"/>
                 </a:stretch>
               </a:blipFill>
             </p:spPr>
@@ -11543,77 +10408,991 @@
           </p:sp>
         </mc:Fallback>
       </mc:AlternateContent>
-      <p:sp>
-        <p:nvSpPr>
-          <p:cNvPr id="53" name="Rectangle 52">
+      <mc:AlternateContent xmlns:mc="http://schemas.openxmlformats.org/markup-compatibility/2006">
+        <mc:Choice xmlns:a14="http://schemas.microsoft.com/office/drawing/2010/main" Requires="a14">
+          <p:sp>
+            <p:nvSpPr>
+              <p:cNvPr id="6" name="Oval 5">
+                <a:extLst>
+                  <a:ext uri="{FF2B5EF4-FFF2-40B4-BE49-F238E27FC236}">
+                    <a16:creationId xmlns:a16="http://schemas.microsoft.com/office/drawing/2014/main" id="{C279C9F7-C902-918E-F371-21A597F10FAE}"/>
+                  </a:ext>
+                </a:extLst>
+              </p:cNvPr>
+              <p:cNvSpPr/>
+              <p:nvPr/>
+            </p:nvSpPr>
+            <p:spPr>
+              <a:xfrm>
+                <a:off x="4622656" y="4050623"/>
+                <a:ext cx="540000" cy="540000"/>
+              </a:xfrm>
+              <a:prstGeom prst="ellipse">
+                <a:avLst/>
+              </a:prstGeom>
+              <a:noFill/>
+              <a:ln>
+                <a:solidFill>
+                  <a:schemeClr val="tx1"/>
+                </a:solidFill>
+              </a:ln>
+            </p:spPr>
+            <p:style>
+              <a:lnRef idx="2">
+                <a:schemeClr val="accent1">
+                  <a:shade val="50000"/>
+                </a:schemeClr>
+              </a:lnRef>
+              <a:fillRef idx="1">
+                <a:schemeClr val="accent1"/>
+              </a:fillRef>
+              <a:effectRef idx="0">
+                <a:schemeClr val="accent1"/>
+              </a:effectRef>
+              <a:fontRef idx="minor">
+                <a:schemeClr val="lt1"/>
+              </a:fontRef>
+            </p:style>
+            <p:txBody>
+              <a:bodyPr rtlCol="0" anchor="ctr"/>
+              <a:lstStyle/>
+              <a:p>
+                <a:pPr algn="ctr"/>
+                <a14:m>
+                  <m:oMathPara xmlns:m="http://schemas.openxmlformats.org/officeDocument/2006/math">
+                    <m:oMathParaPr>
+                      <m:jc m:val="centerGroup"/>
+                    </m:oMathParaPr>
+                    <m:oMath xmlns:m="http://schemas.openxmlformats.org/officeDocument/2006/math">
+                      <m:sSub>
+                        <m:sSubPr>
+                          <m:ctrlPr>
+                            <a:rPr lang="en-CA" b="0" i="1" smtClean="0">
+                              <a:solidFill>
+                                <a:schemeClr val="tx1"/>
+                              </a:solidFill>
+                              <a:latin typeface="Cambria Math" panose="02040503050406030204" pitchFamily="18" charset="0"/>
+                            </a:rPr>
+                          </m:ctrlPr>
+                        </m:sSubPr>
+                        <m:e>
+                          <m:r>
+                            <a:rPr lang="en-CA" b="0" i="1" smtClean="0">
+                              <a:solidFill>
+                                <a:schemeClr val="tx1"/>
+                              </a:solidFill>
+                              <a:latin typeface="Cambria Math" panose="02040503050406030204" pitchFamily="18" charset="0"/>
+                            </a:rPr>
+                            <m:t>𝑌</m:t>
+                          </m:r>
+                        </m:e>
+                        <m:sub>
+                          <m:r>
+                            <a:rPr lang="en-CA" b="0" i="1" smtClean="0">
+                              <a:solidFill>
+                                <a:schemeClr val="tx1"/>
+                              </a:solidFill>
+                              <a:latin typeface="Cambria Math" panose="02040503050406030204" pitchFamily="18" charset="0"/>
+                            </a:rPr>
+                            <m:t>𝑖</m:t>
+                          </m:r>
+                          <m:r>
+                            <a:rPr lang="en-CA" b="0" i="1" smtClean="0">
+                              <a:solidFill>
+                                <a:schemeClr val="tx1"/>
+                              </a:solidFill>
+                              <a:latin typeface="Cambria Math" panose="02040503050406030204" pitchFamily="18" charset="0"/>
+                            </a:rPr>
+                            <m:t>1</m:t>
+                          </m:r>
+                        </m:sub>
+                      </m:sSub>
+                    </m:oMath>
+                  </m:oMathPara>
+                </a14:m>
+                <a:endParaRPr lang="en-CA" b="0" dirty="0">
+                  <a:solidFill>
+                    <a:schemeClr val="tx1"/>
+                  </a:solidFill>
+                </a:endParaRPr>
+              </a:p>
+            </p:txBody>
+          </p:sp>
+        </mc:Choice>
+        <mc:Fallback>
+          <p:sp>
+            <p:nvSpPr>
+              <p:cNvPr id="6" name="Oval 5">
+                <a:extLst>
+                  <a:ext uri="{FF2B5EF4-FFF2-40B4-BE49-F238E27FC236}">
+                    <a16:creationId xmlns:a16="http://schemas.microsoft.com/office/drawing/2014/main" id="{C279C9F7-C902-918E-F371-21A597F10FAE}"/>
+                  </a:ext>
+                </a:extLst>
+              </p:cNvPr>
+              <p:cNvSpPr>
+                <a:spLocks noRot="1" noChangeAspect="1" noMove="1" noResize="1" noEditPoints="1" noAdjustHandles="1" noChangeArrowheads="1" noChangeShapeType="1" noTextEdit="1"/>
+              </p:cNvSpPr>
+              <p:nvPr/>
+            </p:nvSpPr>
+            <p:spPr>
+              <a:xfrm>
+                <a:off x="4622656" y="4050623"/>
+                <a:ext cx="540000" cy="540000"/>
+              </a:xfrm>
+              <a:prstGeom prst="ellipse">
+                <a:avLst/>
+              </a:prstGeom>
+              <a:blipFill>
+                <a:blip r:embed="rId14"/>
+                <a:stretch>
+                  <a:fillRect/>
+                </a:stretch>
+              </a:blipFill>
+              <a:ln>
+                <a:solidFill>
+                  <a:schemeClr val="tx1"/>
+                </a:solidFill>
+              </a:ln>
+            </p:spPr>
+            <p:txBody>
+              <a:bodyPr/>
+              <a:lstStyle/>
+              <a:p>
+                <a:r>
+                  <a:rPr lang="en-US">
+                    <a:noFill/>
+                  </a:rPr>
+                  <a:t> </a:t>
+                </a:r>
+              </a:p>
+            </p:txBody>
+          </p:sp>
+        </mc:Fallback>
+      </mc:AlternateContent>
+      <mc:AlternateContent xmlns:mc="http://schemas.openxmlformats.org/markup-compatibility/2006">
+        <mc:Choice xmlns:a14="http://schemas.microsoft.com/office/drawing/2010/main" Requires="a14">
+          <p:sp>
+            <p:nvSpPr>
+              <p:cNvPr id="7" name="Oval 6">
+                <a:extLst>
+                  <a:ext uri="{FF2B5EF4-FFF2-40B4-BE49-F238E27FC236}">
+                    <a16:creationId xmlns:a16="http://schemas.microsoft.com/office/drawing/2014/main" id="{F5B8B3FE-B3B7-D6D3-CE22-650EA0F6613A}"/>
+                  </a:ext>
+                </a:extLst>
+              </p:cNvPr>
+              <p:cNvSpPr/>
+              <p:nvPr/>
+            </p:nvSpPr>
+            <p:spPr>
+              <a:xfrm>
+                <a:off x="4622656" y="2889000"/>
+                <a:ext cx="540000" cy="540000"/>
+              </a:xfrm>
+              <a:prstGeom prst="ellipse">
+                <a:avLst/>
+              </a:prstGeom>
+              <a:noFill/>
+              <a:ln>
+                <a:solidFill>
+                  <a:schemeClr val="tx1"/>
+                </a:solidFill>
+              </a:ln>
+            </p:spPr>
+            <p:style>
+              <a:lnRef idx="2">
+                <a:schemeClr val="accent1">
+                  <a:shade val="50000"/>
+                </a:schemeClr>
+              </a:lnRef>
+              <a:fillRef idx="1">
+                <a:schemeClr val="accent1"/>
+              </a:fillRef>
+              <a:effectRef idx="0">
+                <a:schemeClr val="accent1"/>
+              </a:effectRef>
+              <a:fontRef idx="minor">
+                <a:schemeClr val="lt1"/>
+              </a:fontRef>
+            </p:style>
+            <p:txBody>
+              <a:bodyPr rtlCol="0" anchor="ctr"/>
+              <a:lstStyle/>
+              <a:p>
+                <a:pPr algn="ctr"/>
+                <a14:m>
+                  <m:oMathPara xmlns:m="http://schemas.openxmlformats.org/officeDocument/2006/math">
+                    <m:oMathParaPr>
+                      <m:jc m:val="centerGroup"/>
+                    </m:oMathParaPr>
+                    <m:oMath xmlns:m="http://schemas.openxmlformats.org/officeDocument/2006/math">
+                      <m:sSub>
+                        <m:sSubPr>
+                          <m:ctrlPr>
+                            <a:rPr lang="en-CA" b="0" i="1" smtClean="0">
+                              <a:solidFill>
+                                <a:schemeClr val="tx1"/>
+                              </a:solidFill>
+                              <a:latin typeface="Cambria Math" panose="02040503050406030204" pitchFamily="18" charset="0"/>
+                            </a:rPr>
+                          </m:ctrlPr>
+                        </m:sSubPr>
+                        <m:e>
+                          <m:r>
+                            <a:rPr lang="en-CA" b="0" i="1" smtClean="0">
+                              <a:solidFill>
+                                <a:schemeClr val="tx1"/>
+                              </a:solidFill>
+                              <a:latin typeface="Cambria Math" panose="02040503050406030204" pitchFamily="18" charset="0"/>
+                            </a:rPr>
+                            <m:t>𝑍</m:t>
+                          </m:r>
+                        </m:e>
+                        <m:sub>
+                          <m:r>
+                            <a:rPr lang="en-CA" b="0" i="1" smtClean="0">
+                              <a:solidFill>
+                                <a:schemeClr val="tx1"/>
+                              </a:solidFill>
+                              <a:latin typeface="Cambria Math" panose="02040503050406030204" pitchFamily="18" charset="0"/>
+                            </a:rPr>
+                            <m:t>𝑖</m:t>
+                          </m:r>
+                          <m:r>
+                            <a:rPr lang="en-CA" b="0" i="1" smtClean="0">
+                              <a:solidFill>
+                                <a:schemeClr val="tx1"/>
+                              </a:solidFill>
+                              <a:latin typeface="Cambria Math" panose="02040503050406030204" pitchFamily="18" charset="0"/>
+                            </a:rPr>
+                            <m:t>1</m:t>
+                          </m:r>
+                        </m:sub>
+                      </m:sSub>
+                    </m:oMath>
+                  </m:oMathPara>
+                </a14:m>
+                <a:endParaRPr lang="en-CA" b="0" dirty="0">
+                  <a:solidFill>
+                    <a:schemeClr val="tx1"/>
+                  </a:solidFill>
+                </a:endParaRPr>
+              </a:p>
+            </p:txBody>
+          </p:sp>
+        </mc:Choice>
+        <mc:Fallback>
+          <p:sp>
+            <p:nvSpPr>
+              <p:cNvPr id="7" name="Oval 6">
+                <a:extLst>
+                  <a:ext uri="{FF2B5EF4-FFF2-40B4-BE49-F238E27FC236}">
+                    <a16:creationId xmlns:a16="http://schemas.microsoft.com/office/drawing/2014/main" id="{F5B8B3FE-B3B7-D6D3-CE22-650EA0F6613A}"/>
+                  </a:ext>
+                </a:extLst>
+              </p:cNvPr>
+              <p:cNvSpPr>
+                <a:spLocks noRot="1" noChangeAspect="1" noMove="1" noResize="1" noEditPoints="1" noAdjustHandles="1" noChangeArrowheads="1" noChangeShapeType="1" noTextEdit="1"/>
+              </p:cNvSpPr>
+              <p:nvPr/>
+            </p:nvSpPr>
+            <p:spPr>
+              <a:xfrm>
+                <a:off x="4622656" y="2889000"/>
+                <a:ext cx="540000" cy="540000"/>
+              </a:xfrm>
+              <a:prstGeom prst="ellipse">
+                <a:avLst/>
+              </a:prstGeom>
+              <a:blipFill>
+                <a:blip r:embed="rId15"/>
+                <a:stretch>
+                  <a:fillRect/>
+                </a:stretch>
+              </a:blipFill>
+              <a:ln>
+                <a:solidFill>
+                  <a:schemeClr val="tx1"/>
+                </a:solidFill>
+              </a:ln>
+            </p:spPr>
+            <p:txBody>
+              <a:bodyPr/>
+              <a:lstStyle/>
+              <a:p>
+                <a:r>
+                  <a:rPr lang="en-US">
+                    <a:noFill/>
+                  </a:rPr>
+                  <a:t> </a:t>
+                </a:r>
+              </a:p>
+            </p:txBody>
+          </p:sp>
+        </mc:Fallback>
+      </mc:AlternateContent>
+      <mc:AlternateContent xmlns:mc="http://schemas.openxmlformats.org/markup-compatibility/2006">
+        <mc:Choice xmlns:a14="http://schemas.microsoft.com/office/drawing/2010/main" Requires="a14">
+          <p:sp>
+            <p:nvSpPr>
+              <p:cNvPr id="8" name="Oval 7">
+                <a:extLst>
+                  <a:ext uri="{FF2B5EF4-FFF2-40B4-BE49-F238E27FC236}">
+                    <a16:creationId xmlns:a16="http://schemas.microsoft.com/office/drawing/2014/main" id="{3CE17E0D-73CF-3D71-30D8-CE940D9D7734}"/>
+                  </a:ext>
+                </a:extLst>
+              </p:cNvPr>
+              <p:cNvSpPr/>
+              <p:nvPr/>
+            </p:nvSpPr>
+            <p:spPr>
+              <a:xfrm>
+                <a:off x="5556000" y="4050623"/>
+                <a:ext cx="540000" cy="540000"/>
+              </a:xfrm>
+              <a:prstGeom prst="ellipse">
+                <a:avLst/>
+              </a:prstGeom>
+              <a:noFill/>
+              <a:ln>
+                <a:solidFill>
+                  <a:schemeClr val="tx1"/>
+                </a:solidFill>
+              </a:ln>
+            </p:spPr>
+            <p:style>
+              <a:lnRef idx="2">
+                <a:schemeClr val="accent1">
+                  <a:shade val="50000"/>
+                </a:schemeClr>
+              </a:lnRef>
+              <a:fillRef idx="1">
+                <a:schemeClr val="accent1"/>
+              </a:fillRef>
+              <a:effectRef idx="0">
+                <a:schemeClr val="accent1"/>
+              </a:effectRef>
+              <a:fontRef idx="minor">
+                <a:schemeClr val="lt1"/>
+              </a:fontRef>
+            </p:style>
+            <p:txBody>
+              <a:bodyPr rtlCol="0" anchor="ctr"/>
+              <a:lstStyle/>
+              <a:p>
+                <a:pPr algn="ctr"/>
+                <a14:m>
+                  <m:oMathPara xmlns:m="http://schemas.openxmlformats.org/officeDocument/2006/math">
+                    <m:oMathParaPr>
+                      <m:jc m:val="centerGroup"/>
+                    </m:oMathParaPr>
+                    <m:oMath xmlns:m="http://schemas.openxmlformats.org/officeDocument/2006/math">
+                      <m:sSub>
+                        <m:sSubPr>
+                          <m:ctrlPr>
+                            <a:rPr lang="en-CA" b="0" i="1" smtClean="0">
+                              <a:solidFill>
+                                <a:schemeClr val="tx1"/>
+                              </a:solidFill>
+                              <a:latin typeface="Cambria Math" panose="02040503050406030204" pitchFamily="18" charset="0"/>
+                            </a:rPr>
+                          </m:ctrlPr>
+                        </m:sSubPr>
+                        <m:e>
+                          <m:r>
+                            <a:rPr lang="en-CA" b="0" i="1" smtClean="0">
+                              <a:solidFill>
+                                <a:schemeClr val="tx1"/>
+                              </a:solidFill>
+                              <a:latin typeface="Cambria Math" panose="02040503050406030204" pitchFamily="18" charset="0"/>
+                            </a:rPr>
+                            <m:t>𝑌</m:t>
+                          </m:r>
+                        </m:e>
+                        <m:sub>
+                          <m:r>
+                            <a:rPr lang="en-CA" b="0" i="1" smtClean="0">
+                              <a:solidFill>
+                                <a:schemeClr val="tx1"/>
+                              </a:solidFill>
+                              <a:latin typeface="Cambria Math" panose="02040503050406030204" pitchFamily="18" charset="0"/>
+                            </a:rPr>
+                            <m:t>𝑖</m:t>
+                          </m:r>
+                          <m:r>
+                            <a:rPr lang="en-CA" b="0" i="1" smtClean="0">
+                              <a:solidFill>
+                                <a:schemeClr val="tx1"/>
+                              </a:solidFill>
+                              <a:latin typeface="Cambria Math" panose="02040503050406030204" pitchFamily="18" charset="0"/>
+                            </a:rPr>
+                            <m:t>2</m:t>
+                          </m:r>
+                        </m:sub>
+                      </m:sSub>
+                    </m:oMath>
+                  </m:oMathPara>
+                </a14:m>
+                <a:endParaRPr lang="en-CA" b="0" dirty="0">
+                  <a:solidFill>
+                    <a:schemeClr val="tx1"/>
+                  </a:solidFill>
+                </a:endParaRPr>
+              </a:p>
+            </p:txBody>
+          </p:sp>
+        </mc:Choice>
+        <mc:Fallback>
+          <p:sp>
+            <p:nvSpPr>
+              <p:cNvPr id="8" name="Oval 7">
+                <a:extLst>
+                  <a:ext uri="{FF2B5EF4-FFF2-40B4-BE49-F238E27FC236}">
+                    <a16:creationId xmlns:a16="http://schemas.microsoft.com/office/drawing/2014/main" id="{3CE17E0D-73CF-3D71-30D8-CE940D9D7734}"/>
+                  </a:ext>
+                </a:extLst>
+              </p:cNvPr>
+              <p:cNvSpPr>
+                <a:spLocks noRot="1" noChangeAspect="1" noMove="1" noResize="1" noEditPoints="1" noAdjustHandles="1" noChangeArrowheads="1" noChangeShapeType="1" noTextEdit="1"/>
+              </p:cNvSpPr>
+              <p:nvPr/>
+            </p:nvSpPr>
+            <p:spPr>
+              <a:xfrm>
+                <a:off x="5556000" y="4050623"/>
+                <a:ext cx="540000" cy="540000"/>
+              </a:xfrm>
+              <a:prstGeom prst="ellipse">
+                <a:avLst/>
+              </a:prstGeom>
+              <a:blipFill>
+                <a:blip r:embed="rId16"/>
+                <a:stretch>
+                  <a:fillRect/>
+                </a:stretch>
+              </a:blipFill>
+              <a:ln>
+                <a:solidFill>
+                  <a:schemeClr val="tx1"/>
+                </a:solidFill>
+              </a:ln>
+            </p:spPr>
+            <p:txBody>
+              <a:bodyPr/>
+              <a:lstStyle/>
+              <a:p>
+                <a:r>
+                  <a:rPr lang="en-US">
+                    <a:noFill/>
+                  </a:rPr>
+                  <a:t> </a:t>
+                </a:r>
+              </a:p>
+            </p:txBody>
+          </p:sp>
+        </mc:Fallback>
+      </mc:AlternateContent>
+      <mc:AlternateContent xmlns:mc="http://schemas.openxmlformats.org/markup-compatibility/2006">
+        <mc:Choice xmlns:a14="http://schemas.microsoft.com/office/drawing/2010/main" Requires="a14">
+          <p:sp>
+            <p:nvSpPr>
+              <p:cNvPr id="10" name="Oval 9">
+                <a:extLst>
+                  <a:ext uri="{FF2B5EF4-FFF2-40B4-BE49-F238E27FC236}">
+                    <a16:creationId xmlns:a16="http://schemas.microsoft.com/office/drawing/2014/main" id="{83DF4CD3-8F63-86A7-F28D-D80F4364BB6F}"/>
+                  </a:ext>
+                </a:extLst>
+              </p:cNvPr>
+              <p:cNvSpPr/>
+              <p:nvPr/>
+            </p:nvSpPr>
+            <p:spPr>
+              <a:xfrm>
+                <a:off x="5556000" y="2889000"/>
+                <a:ext cx="540000" cy="540000"/>
+              </a:xfrm>
+              <a:prstGeom prst="ellipse">
+                <a:avLst/>
+              </a:prstGeom>
+              <a:noFill/>
+              <a:ln>
+                <a:solidFill>
+                  <a:schemeClr val="tx1"/>
+                </a:solidFill>
+              </a:ln>
+            </p:spPr>
+            <p:style>
+              <a:lnRef idx="2">
+                <a:schemeClr val="accent1">
+                  <a:shade val="50000"/>
+                </a:schemeClr>
+              </a:lnRef>
+              <a:fillRef idx="1">
+                <a:schemeClr val="accent1"/>
+              </a:fillRef>
+              <a:effectRef idx="0">
+                <a:schemeClr val="accent1"/>
+              </a:effectRef>
+              <a:fontRef idx="minor">
+                <a:schemeClr val="lt1"/>
+              </a:fontRef>
+            </p:style>
+            <p:txBody>
+              <a:bodyPr rtlCol="0" anchor="ctr"/>
+              <a:lstStyle/>
+              <a:p>
+                <a:pPr algn="ctr"/>
+                <a14:m>
+                  <m:oMathPara xmlns:m="http://schemas.openxmlformats.org/officeDocument/2006/math">
+                    <m:oMathParaPr>
+                      <m:jc m:val="centerGroup"/>
+                    </m:oMathParaPr>
+                    <m:oMath xmlns:m="http://schemas.openxmlformats.org/officeDocument/2006/math">
+                      <m:sSub>
+                        <m:sSubPr>
+                          <m:ctrlPr>
+                            <a:rPr lang="en-CA" b="0" i="1" smtClean="0">
+                              <a:solidFill>
+                                <a:schemeClr val="tx1"/>
+                              </a:solidFill>
+                              <a:latin typeface="Cambria Math" panose="02040503050406030204" pitchFamily="18" charset="0"/>
+                            </a:rPr>
+                          </m:ctrlPr>
+                        </m:sSubPr>
+                        <m:e>
+                          <m:r>
+                            <a:rPr lang="en-CA" b="0" i="1" smtClean="0">
+                              <a:solidFill>
+                                <a:schemeClr val="tx1"/>
+                              </a:solidFill>
+                              <a:latin typeface="Cambria Math" panose="02040503050406030204" pitchFamily="18" charset="0"/>
+                            </a:rPr>
+                            <m:t>𝑍</m:t>
+                          </m:r>
+                        </m:e>
+                        <m:sub>
+                          <m:r>
+                            <a:rPr lang="en-CA" b="0" i="1" smtClean="0">
+                              <a:solidFill>
+                                <a:schemeClr val="tx1"/>
+                              </a:solidFill>
+                              <a:latin typeface="Cambria Math" panose="02040503050406030204" pitchFamily="18" charset="0"/>
+                            </a:rPr>
+                            <m:t>𝑖</m:t>
+                          </m:r>
+                          <m:r>
+                            <a:rPr lang="en-CA" b="0" i="1" smtClean="0">
+                              <a:solidFill>
+                                <a:schemeClr val="tx1"/>
+                              </a:solidFill>
+                              <a:latin typeface="Cambria Math" panose="02040503050406030204" pitchFamily="18" charset="0"/>
+                            </a:rPr>
+                            <m:t>2</m:t>
+                          </m:r>
+                        </m:sub>
+                      </m:sSub>
+                    </m:oMath>
+                  </m:oMathPara>
+                </a14:m>
+                <a:endParaRPr lang="en-CA" b="0" dirty="0">
+                  <a:solidFill>
+                    <a:schemeClr val="tx1"/>
+                  </a:solidFill>
+                </a:endParaRPr>
+              </a:p>
+            </p:txBody>
+          </p:sp>
+        </mc:Choice>
+        <mc:Fallback>
+          <p:sp>
+            <p:nvSpPr>
+              <p:cNvPr id="10" name="Oval 9">
+                <a:extLst>
+                  <a:ext uri="{FF2B5EF4-FFF2-40B4-BE49-F238E27FC236}">
+                    <a16:creationId xmlns:a16="http://schemas.microsoft.com/office/drawing/2014/main" id="{83DF4CD3-8F63-86A7-F28D-D80F4364BB6F}"/>
+                  </a:ext>
+                </a:extLst>
+              </p:cNvPr>
+              <p:cNvSpPr>
+                <a:spLocks noRot="1" noChangeAspect="1" noMove="1" noResize="1" noEditPoints="1" noAdjustHandles="1" noChangeArrowheads="1" noChangeShapeType="1" noTextEdit="1"/>
+              </p:cNvSpPr>
+              <p:nvPr/>
+            </p:nvSpPr>
+            <p:spPr>
+              <a:xfrm>
+                <a:off x="5556000" y="2889000"/>
+                <a:ext cx="540000" cy="540000"/>
+              </a:xfrm>
+              <a:prstGeom prst="ellipse">
+                <a:avLst/>
+              </a:prstGeom>
+              <a:blipFill>
+                <a:blip r:embed="rId17"/>
+                <a:stretch>
+                  <a:fillRect/>
+                </a:stretch>
+              </a:blipFill>
+              <a:ln>
+                <a:solidFill>
+                  <a:schemeClr val="tx1"/>
+                </a:solidFill>
+              </a:ln>
+            </p:spPr>
+            <p:txBody>
+              <a:bodyPr/>
+              <a:lstStyle/>
+              <a:p>
+                <a:r>
+                  <a:rPr lang="en-US">
+                    <a:noFill/>
+                  </a:rPr>
+                  <a:t> </a:t>
+                </a:r>
+              </a:p>
+            </p:txBody>
+          </p:sp>
+        </mc:Fallback>
+      </mc:AlternateContent>
+      <mc:AlternateContent xmlns:mc="http://schemas.openxmlformats.org/markup-compatibility/2006">
+        <mc:Choice xmlns:a14="http://schemas.microsoft.com/office/drawing/2010/main" Requires="a14">
+          <p:sp>
+            <p:nvSpPr>
+              <p:cNvPr id="12" name="Oval 11">
+                <a:extLst>
+                  <a:ext uri="{FF2B5EF4-FFF2-40B4-BE49-F238E27FC236}">
+                    <a16:creationId xmlns:a16="http://schemas.microsoft.com/office/drawing/2014/main" id="{16963E51-D396-F0B1-7BE4-059ECC923E14}"/>
+                  </a:ext>
+                </a:extLst>
+              </p:cNvPr>
+              <p:cNvSpPr/>
+              <p:nvPr/>
+            </p:nvSpPr>
+            <p:spPr>
+              <a:xfrm>
+                <a:off x="6489346" y="4050623"/>
+                <a:ext cx="540000" cy="540000"/>
+              </a:xfrm>
+              <a:prstGeom prst="ellipse">
+                <a:avLst/>
+              </a:prstGeom>
+              <a:noFill/>
+              <a:ln>
+                <a:solidFill>
+                  <a:schemeClr val="tx1"/>
+                </a:solidFill>
+              </a:ln>
+            </p:spPr>
+            <p:style>
+              <a:lnRef idx="2">
+                <a:schemeClr val="accent1">
+                  <a:shade val="50000"/>
+                </a:schemeClr>
+              </a:lnRef>
+              <a:fillRef idx="1">
+                <a:schemeClr val="accent1"/>
+              </a:fillRef>
+              <a:effectRef idx="0">
+                <a:schemeClr val="accent1"/>
+              </a:effectRef>
+              <a:fontRef idx="minor">
+                <a:schemeClr val="lt1"/>
+              </a:fontRef>
+            </p:style>
+            <p:txBody>
+              <a:bodyPr rtlCol="0" anchor="ctr"/>
+              <a:lstStyle/>
+              <a:p>
+                <a:pPr algn="ctr"/>
+                <a14:m>
+                  <m:oMathPara xmlns:m="http://schemas.openxmlformats.org/officeDocument/2006/math">
+                    <m:oMathParaPr>
+                      <m:jc m:val="centerGroup"/>
+                    </m:oMathParaPr>
+                    <m:oMath xmlns:m="http://schemas.openxmlformats.org/officeDocument/2006/math">
+                      <m:sSub>
+                        <m:sSubPr>
+                          <m:ctrlPr>
+                            <a:rPr lang="en-CA" b="0" i="1" smtClean="0">
+                              <a:solidFill>
+                                <a:schemeClr val="tx1"/>
+                              </a:solidFill>
+                              <a:latin typeface="Cambria Math" panose="02040503050406030204" pitchFamily="18" charset="0"/>
+                            </a:rPr>
+                          </m:ctrlPr>
+                        </m:sSubPr>
+                        <m:e>
+                          <m:r>
+                            <a:rPr lang="en-CA" b="0" i="1" smtClean="0">
+                              <a:solidFill>
+                                <a:schemeClr val="tx1"/>
+                              </a:solidFill>
+                              <a:latin typeface="Cambria Math" panose="02040503050406030204" pitchFamily="18" charset="0"/>
+                            </a:rPr>
+                            <m:t>𝑌</m:t>
+                          </m:r>
+                        </m:e>
+                        <m:sub>
+                          <m:r>
+                            <a:rPr lang="en-CA" b="0" i="1" smtClean="0">
+                              <a:solidFill>
+                                <a:schemeClr val="tx1"/>
+                              </a:solidFill>
+                              <a:latin typeface="Cambria Math" panose="02040503050406030204" pitchFamily="18" charset="0"/>
+                            </a:rPr>
+                            <m:t>𝑖</m:t>
+                          </m:r>
+                          <m:r>
+                            <a:rPr lang="en-CA" b="0" i="1" smtClean="0">
+                              <a:solidFill>
+                                <a:schemeClr val="tx1"/>
+                              </a:solidFill>
+                              <a:latin typeface="Cambria Math" panose="02040503050406030204" pitchFamily="18" charset="0"/>
+                            </a:rPr>
+                            <m:t>3</m:t>
+                          </m:r>
+                        </m:sub>
+                      </m:sSub>
+                    </m:oMath>
+                  </m:oMathPara>
+                </a14:m>
+                <a:endParaRPr lang="en-CA" b="0" dirty="0">
+                  <a:solidFill>
+                    <a:schemeClr val="tx1"/>
+                  </a:solidFill>
+                </a:endParaRPr>
+              </a:p>
+            </p:txBody>
+          </p:sp>
+        </mc:Choice>
+        <mc:Fallback>
+          <p:sp>
+            <p:nvSpPr>
+              <p:cNvPr id="12" name="Oval 11">
+                <a:extLst>
+                  <a:ext uri="{FF2B5EF4-FFF2-40B4-BE49-F238E27FC236}">
+                    <a16:creationId xmlns:a16="http://schemas.microsoft.com/office/drawing/2014/main" id="{16963E51-D396-F0B1-7BE4-059ECC923E14}"/>
+                  </a:ext>
+                </a:extLst>
+              </p:cNvPr>
+              <p:cNvSpPr>
+                <a:spLocks noRot="1" noChangeAspect="1" noMove="1" noResize="1" noEditPoints="1" noAdjustHandles="1" noChangeArrowheads="1" noChangeShapeType="1" noTextEdit="1"/>
+              </p:cNvSpPr>
+              <p:nvPr/>
+            </p:nvSpPr>
+            <p:spPr>
+              <a:xfrm>
+                <a:off x="6489346" y="4050623"/>
+                <a:ext cx="540000" cy="540000"/>
+              </a:xfrm>
+              <a:prstGeom prst="ellipse">
+                <a:avLst/>
+              </a:prstGeom>
+              <a:blipFill>
+                <a:blip r:embed="rId18"/>
+                <a:stretch>
+                  <a:fillRect/>
+                </a:stretch>
+              </a:blipFill>
+              <a:ln>
+                <a:solidFill>
+                  <a:schemeClr val="tx1"/>
+                </a:solidFill>
+              </a:ln>
+            </p:spPr>
+            <p:txBody>
+              <a:bodyPr/>
+              <a:lstStyle/>
+              <a:p>
+                <a:r>
+                  <a:rPr lang="en-US">
+                    <a:noFill/>
+                  </a:rPr>
+                  <a:t> </a:t>
+                </a:r>
+              </a:p>
+            </p:txBody>
+          </p:sp>
+        </mc:Fallback>
+      </mc:AlternateContent>
+      <mc:AlternateContent xmlns:mc="http://schemas.openxmlformats.org/markup-compatibility/2006">
+        <mc:Choice xmlns:a14="http://schemas.microsoft.com/office/drawing/2010/main" Requires="a14">
+          <p:sp>
+            <p:nvSpPr>
+              <p:cNvPr id="16" name="Oval 15">
+                <a:extLst>
+                  <a:ext uri="{FF2B5EF4-FFF2-40B4-BE49-F238E27FC236}">
+                    <a16:creationId xmlns:a16="http://schemas.microsoft.com/office/drawing/2014/main" id="{8DE7D8EB-376E-96A5-B740-CB4B34761554}"/>
+                  </a:ext>
+                </a:extLst>
+              </p:cNvPr>
+              <p:cNvSpPr/>
+              <p:nvPr/>
+            </p:nvSpPr>
+            <p:spPr>
+              <a:xfrm>
+                <a:off x="6489346" y="2889000"/>
+                <a:ext cx="540000" cy="540000"/>
+              </a:xfrm>
+              <a:prstGeom prst="ellipse">
+                <a:avLst/>
+              </a:prstGeom>
+              <a:noFill/>
+              <a:ln>
+                <a:solidFill>
+                  <a:schemeClr val="tx1"/>
+                </a:solidFill>
+              </a:ln>
+            </p:spPr>
+            <p:style>
+              <a:lnRef idx="2">
+                <a:schemeClr val="accent1">
+                  <a:shade val="50000"/>
+                </a:schemeClr>
+              </a:lnRef>
+              <a:fillRef idx="1">
+                <a:schemeClr val="accent1"/>
+              </a:fillRef>
+              <a:effectRef idx="0">
+                <a:schemeClr val="accent1"/>
+              </a:effectRef>
+              <a:fontRef idx="minor">
+                <a:schemeClr val="lt1"/>
+              </a:fontRef>
+            </p:style>
+            <p:txBody>
+              <a:bodyPr rtlCol="0" anchor="ctr"/>
+              <a:lstStyle/>
+              <a:p>
+                <a:pPr algn="ctr"/>
+                <a14:m>
+                  <m:oMathPara xmlns:m="http://schemas.openxmlformats.org/officeDocument/2006/math">
+                    <m:oMathParaPr>
+                      <m:jc m:val="centerGroup"/>
+                    </m:oMathParaPr>
+                    <m:oMath xmlns:m="http://schemas.openxmlformats.org/officeDocument/2006/math">
+                      <m:sSub>
+                        <m:sSubPr>
+                          <m:ctrlPr>
+                            <a:rPr lang="en-CA" b="0" i="1" smtClean="0">
+                              <a:solidFill>
+                                <a:schemeClr val="tx1"/>
+                              </a:solidFill>
+                              <a:latin typeface="Cambria Math" panose="02040503050406030204" pitchFamily="18" charset="0"/>
+                            </a:rPr>
+                          </m:ctrlPr>
+                        </m:sSubPr>
+                        <m:e>
+                          <m:r>
+                            <a:rPr lang="en-CA" b="0" i="1" smtClean="0">
+                              <a:solidFill>
+                                <a:schemeClr val="tx1"/>
+                              </a:solidFill>
+                              <a:latin typeface="Cambria Math" panose="02040503050406030204" pitchFamily="18" charset="0"/>
+                            </a:rPr>
+                            <m:t>𝑍</m:t>
+                          </m:r>
+                        </m:e>
+                        <m:sub>
+                          <m:r>
+                            <a:rPr lang="en-CA" b="0" i="1" smtClean="0">
+                              <a:solidFill>
+                                <a:schemeClr val="tx1"/>
+                              </a:solidFill>
+                              <a:latin typeface="Cambria Math" panose="02040503050406030204" pitchFamily="18" charset="0"/>
+                            </a:rPr>
+                            <m:t>𝑖</m:t>
+                          </m:r>
+                          <m:r>
+                            <a:rPr lang="en-CA" b="0" i="1" smtClean="0">
+                              <a:solidFill>
+                                <a:schemeClr val="tx1"/>
+                              </a:solidFill>
+                              <a:latin typeface="Cambria Math" panose="02040503050406030204" pitchFamily="18" charset="0"/>
+                            </a:rPr>
+                            <m:t>3</m:t>
+                          </m:r>
+                        </m:sub>
+                      </m:sSub>
+                    </m:oMath>
+                  </m:oMathPara>
+                </a14:m>
+                <a:endParaRPr lang="en-CA" b="0" dirty="0">
+                  <a:solidFill>
+                    <a:schemeClr val="tx1"/>
+                  </a:solidFill>
+                </a:endParaRPr>
+              </a:p>
+            </p:txBody>
+          </p:sp>
+        </mc:Choice>
+        <mc:Fallback>
+          <p:sp>
+            <p:nvSpPr>
+              <p:cNvPr id="16" name="Oval 15">
+                <a:extLst>
+                  <a:ext uri="{FF2B5EF4-FFF2-40B4-BE49-F238E27FC236}">
+                    <a16:creationId xmlns:a16="http://schemas.microsoft.com/office/drawing/2014/main" id="{8DE7D8EB-376E-96A5-B740-CB4B34761554}"/>
+                  </a:ext>
+                </a:extLst>
+              </p:cNvPr>
+              <p:cNvSpPr>
+                <a:spLocks noRot="1" noChangeAspect="1" noMove="1" noResize="1" noEditPoints="1" noAdjustHandles="1" noChangeArrowheads="1" noChangeShapeType="1" noTextEdit="1"/>
+              </p:cNvSpPr>
+              <p:nvPr/>
+            </p:nvSpPr>
+            <p:spPr>
+              <a:xfrm>
+                <a:off x="6489346" y="2889000"/>
+                <a:ext cx="540000" cy="540000"/>
+              </a:xfrm>
+              <a:prstGeom prst="ellipse">
+                <a:avLst/>
+              </a:prstGeom>
+              <a:blipFill>
+                <a:blip r:embed="rId19"/>
+                <a:stretch>
+                  <a:fillRect/>
+                </a:stretch>
+              </a:blipFill>
+              <a:ln>
+                <a:solidFill>
+                  <a:schemeClr val="tx1"/>
+                </a:solidFill>
+              </a:ln>
+            </p:spPr>
+            <p:txBody>
+              <a:bodyPr/>
+              <a:lstStyle/>
+              <a:p>
+                <a:r>
+                  <a:rPr lang="en-US">
+                    <a:noFill/>
+                  </a:rPr>
+                  <a:t> </a:t>
+                </a:r>
+              </a:p>
+            </p:txBody>
+          </p:sp>
+        </mc:Fallback>
+      </mc:AlternateContent>
+      <p:cxnSp>
+        <p:nvCxnSpPr>
+          <p:cNvPr id="17" name="Straight Arrow Connector 16">
             <a:extLst>
               <a:ext uri="{FF2B5EF4-FFF2-40B4-BE49-F238E27FC236}">
-                <a16:creationId xmlns:a16="http://schemas.microsoft.com/office/drawing/2014/main" id="{30A6F96F-5911-7342-E518-EA0700B1986C}"/>
-              </a:ext>
-            </a:extLst>
-          </p:cNvPr>
-          <p:cNvSpPr/>
-          <p:nvPr/>
-        </p:nvSpPr>
-        <p:spPr>
-          <a:xfrm>
-            <a:off x="7409634" y="1724772"/>
-            <a:ext cx="540000" cy="540000"/>
-          </a:xfrm>
-          <a:prstGeom prst="rect">
-            <a:avLst/>
-          </a:prstGeom>
-          <a:noFill/>
-          <a:ln>
-            <a:solidFill>
-              <a:schemeClr val="tx1"/>
-            </a:solidFill>
-          </a:ln>
-        </p:spPr>
-        <p:style>
-          <a:lnRef idx="2">
-            <a:schemeClr val="accent1">
-              <a:shade val="50000"/>
-            </a:schemeClr>
-          </a:lnRef>
-          <a:fillRef idx="1">
-            <a:schemeClr val="accent1"/>
-          </a:fillRef>
-          <a:effectRef idx="0">
-            <a:schemeClr val="accent1"/>
-          </a:effectRef>
-          <a:fontRef idx="minor">
-            <a:schemeClr val="lt1"/>
-          </a:fontRef>
-        </p:style>
-        <p:txBody>
-          <a:bodyPr rtlCol="0" anchor="ctr"/>
-          <a:lstStyle/>
-          <a:p>
-            <a:pPr algn="ctr"/>
-            <a:endParaRPr lang="en-US"/>
-          </a:p>
-        </p:txBody>
-      </p:sp>
-      <p:cxnSp>
-        <p:nvCxnSpPr>
-          <p:cNvPr id="54" name="Straight Arrow Connector 53">
-            <a:extLst>
-              <a:ext uri="{FF2B5EF4-FFF2-40B4-BE49-F238E27FC236}">
-                <a16:creationId xmlns:a16="http://schemas.microsoft.com/office/drawing/2014/main" id="{AD43F07E-7152-FC60-2A63-FDE33806B14D}"/>
+                <a16:creationId xmlns:a16="http://schemas.microsoft.com/office/drawing/2014/main" id="{AD72718A-F8B4-84CF-0CD4-7537585731F8}"/>
               </a:ext>
             </a:extLst>
           </p:cNvPr>
           <p:cNvCxnSpPr>
             <a:cxnSpLocks/>
-            <a:stCxn id="53" idx="2"/>
+            <a:endCxn id="10" idx="2"/>
           </p:cNvCxnSpPr>
           <p:nvPr/>
         </p:nvCxnSpPr>
         <p:spPr>
-          <a:xfrm>
-            <a:off x="7679634" y="2264772"/>
-            <a:ext cx="472427" cy="707235"/>
+          <a:xfrm flipV="1">
+            <a:off x="5162654" y="3159000"/>
+            <a:ext cx="393346" cy="1620"/>
           </a:xfrm>
           <a:prstGeom prst="straightConnector1">
             <a:avLst/>
@@ -11640,14 +11419,236 @@
           </a:fontRef>
         </p:style>
       </p:cxnSp>
-      <mc:AlternateContent xmlns:mc="http://schemas.openxmlformats.org/markup-compatibility/2006" xmlns:a14="http://schemas.microsoft.com/office/drawing/2010/main">
-        <mc:Choice Requires="a14">
+      <p:cxnSp>
+        <p:nvCxnSpPr>
+          <p:cNvPr id="18" name="Straight Arrow Connector 17">
+            <a:extLst>
+              <a:ext uri="{FF2B5EF4-FFF2-40B4-BE49-F238E27FC236}">
+                <a16:creationId xmlns:a16="http://schemas.microsoft.com/office/drawing/2014/main" id="{2C8B5226-A6A0-B474-E940-DED28CA92524}"/>
+              </a:ext>
+            </a:extLst>
+          </p:cNvPr>
+          <p:cNvCxnSpPr>
+            <a:cxnSpLocks/>
+          </p:cNvCxnSpPr>
+          <p:nvPr/>
+        </p:nvCxnSpPr>
+        <p:spPr>
+          <a:xfrm flipV="1">
+            <a:off x="6095998" y="3159000"/>
+            <a:ext cx="393346" cy="1620"/>
+          </a:xfrm>
+          <a:prstGeom prst="straightConnector1">
+            <a:avLst/>
+          </a:prstGeom>
+          <a:ln>
+            <a:solidFill>
+              <a:schemeClr val="tx1"/>
+            </a:solidFill>
+            <a:tailEnd type="triangle" w="lg" len="lg"/>
+          </a:ln>
+        </p:spPr>
+        <p:style>
+          <a:lnRef idx="1">
+            <a:schemeClr val="accent1"/>
+          </a:lnRef>
+          <a:fillRef idx="0">
+            <a:schemeClr val="accent1"/>
+          </a:fillRef>
+          <a:effectRef idx="0">
+            <a:schemeClr val="accent1"/>
+          </a:effectRef>
+          <a:fontRef idx="minor">
+            <a:schemeClr val="tx1"/>
+          </a:fontRef>
+        </p:style>
+      </p:cxnSp>
+      <p:cxnSp>
+        <p:nvCxnSpPr>
+          <p:cNvPr id="20" name="Straight Arrow Connector 19">
+            <a:extLst>
+              <a:ext uri="{FF2B5EF4-FFF2-40B4-BE49-F238E27FC236}">
+                <a16:creationId xmlns:a16="http://schemas.microsoft.com/office/drawing/2014/main" id="{C51D0DAD-679E-4A2A-2326-FAB7AB9CA515}"/>
+              </a:ext>
+            </a:extLst>
+          </p:cNvPr>
+          <p:cNvCxnSpPr>
+            <a:cxnSpLocks/>
+          </p:cNvCxnSpPr>
+          <p:nvPr/>
+        </p:nvCxnSpPr>
+        <p:spPr>
+          <a:xfrm flipV="1">
+            <a:off x="7032100" y="3159000"/>
+            <a:ext cx="393346" cy="1620"/>
+          </a:xfrm>
+          <a:prstGeom prst="straightConnector1">
+            <a:avLst/>
+          </a:prstGeom>
+          <a:ln>
+            <a:solidFill>
+              <a:schemeClr val="tx1"/>
+            </a:solidFill>
+            <a:tailEnd type="triangle" w="lg" len="lg"/>
+          </a:ln>
+        </p:spPr>
+        <p:style>
+          <a:lnRef idx="1">
+            <a:schemeClr val="accent1"/>
+          </a:lnRef>
+          <a:fillRef idx="0">
+            <a:schemeClr val="accent1"/>
+          </a:fillRef>
+          <a:effectRef idx="0">
+            <a:schemeClr val="accent1"/>
+          </a:effectRef>
+          <a:fontRef idx="minor">
+            <a:schemeClr val="tx1"/>
+          </a:fontRef>
+        </p:style>
+      </p:cxnSp>
+      <p:cxnSp>
+        <p:nvCxnSpPr>
+          <p:cNvPr id="21" name="Straight Arrow Connector 20">
+            <a:extLst>
+              <a:ext uri="{FF2B5EF4-FFF2-40B4-BE49-F238E27FC236}">
+                <a16:creationId xmlns:a16="http://schemas.microsoft.com/office/drawing/2014/main" id="{6688E28C-5E93-C310-3739-69F9E2DC47A1}"/>
+              </a:ext>
+            </a:extLst>
+          </p:cNvPr>
+          <p:cNvCxnSpPr>
+            <a:cxnSpLocks/>
+            <a:stCxn id="7" idx="4"/>
+            <a:endCxn id="6" idx="0"/>
+          </p:cNvCxnSpPr>
+          <p:nvPr/>
+        </p:nvCxnSpPr>
+        <p:spPr>
+          <a:xfrm>
+            <a:off x="4892656" y="3429000"/>
+            <a:ext cx="0" cy="621623"/>
+          </a:xfrm>
+          <a:prstGeom prst="straightConnector1">
+            <a:avLst/>
+          </a:prstGeom>
+          <a:ln>
+            <a:solidFill>
+              <a:schemeClr val="tx1"/>
+            </a:solidFill>
+            <a:tailEnd type="triangle" w="lg" len="lg"/>
+          </a:ln>
+        </p:spPr>
+        <p:style>
+          <a:lnRef idx="1">
+            <a:schemeClr val="accent1"/>
+          </a:lnRef>
+          <a:fillRef idx="0">
+            <a:schemeClr val="accent1"/>
+          </a:fillRef>
+          <a:effectRef idx="0">
+            <a:schemeClr val="accent1"/>
+          </a:effectRef>
+          <a:fontRef idx="minor">
+            <a:schemeClr val="tx1"/>
+          </a:fontRef>
+        </p:style>
+      </p:cxnSp>
+      <p:cxnSp>
+        <p:nvCxnSpPr>
+          <p:cNvPr id="23" name="Straight Arrow Connector 22">
+            <a:extLst>
+              <a:ext uri="{FF2B5EF4-FFF2-40B4-BE49-F238E27FC236}">
+                <a16:creationId xmlns:a16="http://schemas.microsoft.com/office/drawing/2014/main" id="{B93D2928-799B-8E0B-CCB4-FB0536D53778}"/>
+              </a:ext>
+            </a:extLst>
+          </p:cNvPr>
+          <p:cNvCxnSpPr>
+            <a:cxnSpLocks/>
+          </p:cNvCxnSpPr>
+          <p:nvPr/>
+        </p:nvCxnSpPr>
+        <p:spPr>
+          <a:xfrm>
+            <a:off x="5826000" y="3429000"/>
+            <a:ext cx="0" cy="621623"/>
+          </a:xfrm>
+          <a:prstGeom prst="straightConnector1">
+            <a:avLst/>
+          </a:prstGeom>
+          <a:ln>
+            <a:solidFill>
+              <a:schemeClr val="tx1"/>
+            </a:solidFill>
+            <a:tailEnd type="triangle" w="lg" len="lg"/>
+          </a:ln>
+        </p:spPr>
+        <p:style>
+          <a:lnRef idx="1">
+            <a:schemeClr val="accent1"/>
+          </a:lnRef>
+          <a:fillRef idx="0">
+            <a:schemeClr val="accent1"/>
+          </a:fillRef>
+          <a:effectRef idx="0">
+            <a:schemeClr val="accent1"/>
+          </a:effectRef>
+          <a:fontRef idx="minor">
+            <a:schemeClr val="tx1"/>
+          </a:fontRef>
+        </p:style>
+      </p:cxnSp>
+      <p:cxnSp>
+        <p:nvCxnSpPr>
+          <p:cNvPr id="24" name="Straight Arrow Connector 23">
+            <a:extLst>
+              <a:ext uri="{FF2B5EF4-FFF2-40B4-BE49-F238E27FC236}">
+                <a16:creationId xmlns:a16="http://schemas.microsoft.com/office/drawing/2014/main" id="{40022CBF-B8A8-D395-DC83-DE00AF791232}"/>
+              </a:ext>
+            </a:extLst>
+          </p:cNvPr>
+          <p:cNvCxnSpPr>
+            <a:cxnSpLocks/>
+          </p:cNvCxnSpPr>
+          <p:nvPr/>
+        </p:nvCxnSpPr>
+        <p:spPr>
+          <a:xfrm>
+            <a:off x="6759346" y="3430529"/>
+            <a:ext cx="0" cy="621623"/>
+          </a:xfrm>
+          <a:prstGeom prst="straightConnector1">
+            <a:avLst/>
+          </a:prstGeom>
+          <a:ln>
+            <a:solidFill>
+              <a:schemeClr val="tx1"/>
+            </a:solidFill>
+            <a:tailEnd type="triangle" w="lg" len="lg"/>
+          </a:ln>
+        </p:spPr>
+        <p:style>
+          <a:lnRef idx="1">
+            <a:schemeClr val="accent1"/>
+          </a:lnRef>
+          <a:fillRef idx="0">
+            <a:schemeClr val="accent1"/>
+          </a:fillRef>
+          <a:effectRef idx="0">
+            <a:schemeClr val="accent1"/>
+          </a:effectRef>
+          <a:fontRef idx="minor">
+            <a:schemeClr val="tx1"/>
+          </a:fontRef>
+        </p:style>
+      </p:cxnSp>
+      <mc:AlternateContent xmlns:mc="http://schemas.openxmlformats.org/markup-compatibility/2006">
+        <mc:Choice xmlns:a14="http://schemas.microsoft.com/office/drawing/2010/main" Requires="a14">
           <p:sp>
             <p:nvSpPr>
-              <p:cNvPr id="55" name="TextBox 54">
+              <p:cNvPr id="25" name="TextBox 24">
                 <a:extLst>
                   <a:ext uri="{FF2B5EF4-FFF2-40B4-BE49-F238E27FC236}">
-                    <a16:creationId xmlns:a16="http://schemas.microsoft.com/office/drawing/2014/main" id="{7B6BD2DD-A129-7C0E-F285-1E2350CE4CED}"/>
+                    <a16:creationId xmlns:a16="http://schemas.microsoft.com/office/drawing/2014/main" id="{95CE3373-D701-D086-942D-FAEDBB084236}"/>
                   </a:ext>
                 </a:extLst>
               </p:cNvPr>
@@ -11710,13 +11711,13 @@
             </p:txBody>
           </p:sp>
         </mc:Choice>
-        <mc:Fallback xmlns="">
+        <mc:Fallback>
           <p:sp>
             <p:nvSpPr>
-              <p:cNvPr id="55" name="TextBox 54">
+              <p:cNvPr id="25" name="TextBox 24">
                 <a:extLst>
                   <a:ext uri="{FF2B5EF4-FFF2-40B4-BE49-F238E27FC236}">
-                    <a16:creationId xmlns:a16="http://schemas.microsoft.com/office/drawing/2014/main" id="{7B6BD2DD-A129-7C0E-F285-1E2350CE4CED}"/>
+                    <a16:creationId xmlns:a16="http://schemas.microsoft.com/office/drawing/2014/main" id="{95CE3373-D701-D086-942D-FAEDBB084236}"/>
                   </a:ext>
                 </a:extLst>
               </p:cNvPr>
@@ -11734,7 +11735,7 @@
                 <a:avLst/>
               </a:prstGeom>
               <a:blipFill>
-                <a:blip r:embed="rId14"/>
+                <a:blip r:embed="rId20"/>
                 <a:stretch>
                   <a:fillRect b="-6667"/>
                 </a:stretch>
@@ -11757,10 +11758,10 @@
       </mc:AlternateContent>
       <p:sp>
         <p:nvSpPr>
-          <p:cNvPr id="56" name="Rectangle 55">
+          <p:cNvPr id="31" name="Rectangle 30">
             <a:extLst>
               <a:ext uri="{FF2B5EF4-FFF2-40B4-BE49-F238E27FC236}">
-                <a16:creationId xmlns:a16="http://schemas.microsoft.com/office/drawing/2014/main" id="{C8BF97B7-DA0E-3BAC-ADF9-0E22E4DC10F2}"/>
+                <a16:creationId xmlns:a16="http://schemas.microsoft.com/office/drawing/2014/main" id="{DB3FF68B-6548-91B3-EACC-FD139F214188}"/>
               </a:ext>
             </a:extLst>
           </p:cNvPr>
@@ -11809,17 +11810,17 @@
       </p:sp>
       <p:cxnSp>
         <p:nvCxnSpPr>
-          <p:cNvPr id="57" name="Straight Arrow Connector 56">
+          <p:cNvPr id="32" name="Straight Arrow Connector 31">
             <a:extLst>
               <a:ext uri="{FF2B5EF4-FFF2-40B4-BE49-F238E27FC236}">
-                <a16:creationId xmlns:a16="http://schemas.microsoft.com/office/drawing/2014/main" id="{108ECCFC-09FB-2775-4F4B-14085192D3F4}"/>
+                <a16:creationId xmlns:a16="http://schemas.microsoft.com/office/drawing/2014/main" id="{62D98B2C-2B44-57FB-85F5-F7D2F5076C54}"/>
               </a:ext>
             </a:extLst>
           </p:cNvPr>
           <p:cNvCxnSpPr>
             <a:cxnSpLocks/>
-            <a:stCxn id="56" idx="0"/>
-            <a:endCxn id="2" idx="4"/>
+            <a:stCxn id="31" idx="0"/>
+            <a:endCxn id="6" idx="4"/>
           </p:cNvCxnSpPr>
           <p:nvPr/>
         </p:nvCxnSpPr>
@@ -11853,14 +11854,14 @@
           </a:fontRef>
         </p:style>
       </p:cxnSp>
-      <mc:AlternateContent xmlns:mc="http://schemas.openxmlformats.org/markup-compatibility/2006" xmlns:a14="http://schemas.microsoft.com/office/drawing/2010/main">
-        <mc:Choice Requires="a14">
+      <mc:AlternateContent xmlns:mc="http://schemas.openxmlformats.org/markup-compatibility/2006">
+        <mc:Choice xmlns:a14="http://schemas.microsoft.com/office/drawing/2010/main" Requires="a14">
           <p:sp>
             <p:nvSpPr>
-              <p:cNvPr id="67" name="TextBox 66">
+              <p:cNvPr id="33" name="TextBox 32">
                 <a:extLst>
                   <a:ext uri="{FF2B5EF4-FFF2-40B4-BE49-F238E27FC236}">
-                    <a16:creationId xmlns:a16="http://schemas.microsoft.com/office/drawing/2014/main" id="{6EBF0153-2220-0543-18AE-062EE54CE097}"/>
+                    <a16:creationId xmlns:a16="http://schemas.microsoft.com/office/drawing/2014/main" id="{DA3691A1-EB56-8355-38FA-9F1A0CD4A3C2}"/>
                   </a:ext>
                 </a:extLst>
               </p:cNvPr>
@@ -11923,13 +11924,13 @@
             </p:txBody>
           </p:sp>
         </mc:Choice>
-        <mc:Fallback xmlns="">
+        <mc:Fallback>
           <p:sp>
             <p:nvSpPr>
-              <p:cNvPr id="67" name="TextBox 66">
+              <p:cNvPr id="33" name="TextBox 32">
                 <a:extLst>
                   <a:ext uri="{FF2B5EF4-FFF2-40B4-BE49-F238E27FC236}">
-                    <a16:creationId xmlns:a16="http://schemas.microsoft.com/office/drawing/2014/main" id="{6EBF0153-2220-0543-18AE-062EE54CE097}"/>
+                    <a16:creationId xmlns:a16="http://schemas.microsoft.com/office/drawing/2014/main" id="{DA3691A1-EB56-8355-38FA-9F1A0CD4A3C2}"/>
                   </a:ext>
                 </a:extLst>
               </p:cNvPr>
@@ -11947,7 +11948,7 @@
                 <a:avLst/>
               </a:prstGeom>
               <a:blipFill>
-                <a:blip r:embed="rId15"/>
+                <a:blip r:embed="rId21"/>
                 <a:stretch>
                   <a:fillRect b="-6452"/>
                 </a:stretch>
@@ -11970,10 +11971,10 @@
       </mc:AlternateContent>
       <p:sp>
         <p:nvSpPr>
-          <p:cNvPr id="68" name="Rectangle 67">
+          <p:cNvPr id="35" name="Rectangle 34">
             <a:extLst>
               <a:ext uri="{FF2B5EF4-FFF2-40B4-BE49-F238E27FC236}">
-                <a16:creationId xmlns:a16="http://schemas.microsoft.com/office/drawing/2014/main" id="{350B80D3-12D5-3885-F7FC-C92A0AC9C39A}"/>
+                <a16:creationId xmlns:a16="http://schemas.microsoft.com/office/drawing/2014/main" id="{A9713DFB-D582-2E8D-BF65-5951962F0C16}"/>
               </a:ext>
             </a:extLst>
           </p:cNvPr>
@@ -12022,16 +12023,16 @@
       </p:sp>
       <p:cxnSp>
         <p:nvCxnSpPr>
-          <p:cNvPr id="69" name="Straight Arrow Connector 68">
+          <p:cNvPr id="36" name="Straight Arrow Connector 35">
             <a:extLst>
               <a:ext uri="{FF2B5EF4-FFF2-40B4-BE49-F238E27FC236}">
-                <a16:creationId xmlns:a16="http://schemas.microsoft.com/office/drawing/2014/main" id="{659AADFC-3177-2A1B-E74E-648EC36B0D0D}"/>
+                <a16:creationId xmlns:a16="http://schemas.microsoft.com/office/drawing/2014/main" id="{F36256ED-5446-210E-FBB5-1E88474E794F}"/>
               </a:ext>
             </a:extLst>
           </p:cNvPr>
           <p:cNvCxnSpPr>
             <a:cxnSpLocks/>
-            <a:stCxn id="68" idx="0"/>
+            <a:stCxn id="35" idx="0"/>
           </p:cNvCxnSpPr>
           <p:nvPr/>
         </p:nvCxnSpPr>
@@ -12065,14 +12066,14 @@
           </a:fontRef>
         </p:style>
       </p:cxnSp>
-      <mc:AlternateContent xmlns:mc="http://schemas.openxmlformats.org/markup-compatibility/2006" xmlns:a14="http://schemas.microsoft.com/office/drawing/2010/main">
-        <mc:Choice Requires="a14">
+      <mc:AlternateContent xmlns:mc="http://schemas.openxmlformats.org/markup-compatibility/2006">
+        <mc:Choice xmlns:a14="http://schemas.microsoft.com/office/drawing/2010/main" Requires="a14">
           <p:sp>
             <p:nvSpPr>
-              <p:cNvPr id="70" name="TextBox 69">
+              <p:cNvPr id="37" name="TextBox 36">
                 <a:extLst>
                   <a:ext uri="{FF2B5EF4-FFF2-40B4-BE49-F238E27FC236}">
-                    <a16:creationId xmlns:a16="http://schemas.microsoft.com/office/drawing/2014/main" id="{EAE7D4FE-300E-D92E-C5BA-DA0CCA28045D}"/>
+                    <a16:creationId xmlns:a16="http://schemas.microsoft.com/office/drawing/2014/main" id="{1B02E14C-F541-73A3-0522-593AE2930BF8}"/>
                   </a:ext>
                 </a:extLst>
               </p:cNvPr>
@@ -12135,13 +12136,13 @@
             </p:txBody>
           </p:sp>
         </mc:Choice>
-        <mc:Fallback xmlns="">
+        <mc:Fallback>
           <p:sp>
             <p:nvSpPr>
-              <p:cNvPr id="70" name="TextBox 69">
+              <p:cNvPr id="37" name="TextBox 36">
                 <a:extLst>
                   <a:ext uri="{FF2B5EF4-FFF2-40B4-BE49-F238E27FC236}">
-                    <a16:creationId xmlns:a16="http://schemas.microsoft.com/office/drawing/2014/main" id="{EAE7D4FE-300E-D92E-C5BA-DA0CCA28045D}"/>
+                    <a16:creationId xmlns:a16="http://schemas.microsoft.com/office/drawing/2014/main" id="{1B02E14C-F541-73A3-0522-593AE2930BF8}"/>
                   </a:ext>
                 </a:extLst>
               </p:cNvPr>
@@ -12159,7 +12160,7 @@
                 <a:avLst/>
               </a:prstGeom>
               <a:blipFill>
-                <a:blip r:embed="rId16"/>
+                <a:blip r:embed="rId22"/>
                 <a:stretch>
                   <a:fillRect b="-6667"/>
                 </a:stretch>
@@ -12182,10 +12183,10 @@
       </mc:AlternateContent>
       <p:sp>
         <p:nvSpPr>
-          <p:cNvPr id="71" name="Rectangle 70">
+          <p:cNvPr id="38" name="Rectangle 37">
             <a:extLst>
               <a:ext uri="{FF2B5EF4-FFF2-40B4-BE49-F238E27FC236}">
-                <a16:creationId xmlns:a16="http://schemas.microsoft.com/office/drawing/2014/main" id="{B3A53B54-E451-EC79-2ECD-B85AB23ABF03}"/>
+                <a16:creationId xmlns:a16="http://schemas.microsoft.com/office/drawing/2014/main" id="{AF50CE44-8AC8-7F51-8452-E6F35173C2E1}"/>
               </a:ext>
             </a:extLst>
           </p:cNvPr>
@@ -12234,16 +12235,16 @@
       </p:sp>
       <p:cxnSp>
         <p:nvCxnSpPr>
-          <p:cNvPr id="72" name="Straight Arrow Connector 71">
+          <p:cNvPr id="42" name="Straight Arrow Connector 41">
             <a:extLst>
               <a:ext uri="{FF2B5EF4-FFF2-40B4-BE49-F238E27FC236}">
-                <a16:creationId xmlns:a16="http://schemas.microsoft.com/office/drawing/2014/main" id="{813C19E3-0F44-F9D5-0625-D95599E18F86}"/>
+                <a16:creationId xmlns:a16="http://schemas.microsoft.com/office/drawing/2014/main" id="{9B58550A-1D03-537E-CBDE-89B137C14CF1}"/>
               </a:ext>
             </a:extLst>
           </p:cNvPr>
           <p:cNvCxnSpPr>
             <a:cxnSpLocks/>
-            <a:stCxn id="71" idx="0"/>
+            <a:stCxn id="38" idx="0"/>
           </p:cNvCxnSpPr>
           <p:nvPr/>
         </p:nvCxnSpPr>
@@ -12277,14 +12278,424 @@
           </a:fontRef>
         </p:style>
       </p:cxnSp>
-      <mc:AlternateContent xmlns:mc="http://schemas.openxmlformats.org/markup-compatibility/2006" xmlns:a14="http://schemas.microsoft.com/office/drawing/2010/main">
-        <mc:Choice Requires="a14">
+      <mc:AlternateContent xmlns:mc="http://schemas.openxmlformats.org/markup-compatibility/2006">
+        <mc:Choice xmlns:a14="http://schemas.microsoft.com/office/drawing/2010/main" Requires="a14">
           <p:sp>
             <p:nvSpPr>
-              <p:cNvPr id="73" name="TextBox 72">
+              <p:cNvPr id="43" name="Oval 42">
                 <a:extLst>
                   <a:ext uri="{FF2B5EF4-FFF2-40B4-BE49-F238E27FC236}">
-                    <a16:creationId xmlns:a16="http://schemas.microsoft.com/office/drawing/2014/main" id="{3B305C2B-8326-FC60-28A8-9976D93F3324}"/>
+                    <a16:creationId xmlns:a16="http://schemas.microsoft.com/office/drawing/2014/main" id="{AD4B6A89-0FB2-4C28-B011-CE9C7EFFD39E}"/>
+                  </a:ext>
+                </a:extLst>
+              </p:cNvPr>
+              <p:cNvSpPr/>
+              <p:nvPr/>
+            </p:nvSpPr>
+            <p:spPr>
+              <a:xfrm>
+                <a:off x="7422689" y="4036932"/>
+                <a:ext cx="540000" cy="540000"/>
+              </a:xfrm>
+              <a:prstGeom prst="ellipse">
+                <a:avLst/>
+              </a:prstGeom>
+              <a:noFill/>
+              <a:ln>
+                <a:solidFill>
+                  <a:schemeClr val="tx1"/>
+                </a:solidFill>
+              </a:ln>
+            </p:spPr>
+            <p:style>
+              <a:lnRef idx="2">
+                <a:schemeClr val="accent1">
+                  <a:shade val="50000"/>
+                </a:schemeClr>
+              </a:lnRef>
+              <a:fillRef idx="1">
+                <a:schemeClr val="accent1"/>
+              </a:fillRef>
+              <a:effectRef idx="0">
+                <a:schemeClr val="accent1"/>
+              </a:effectRef>
+              <a:fontRef idx="minor">
+                <a:schemeClr val="lt1"/>
+              </a:fontRef>
+            </p:style>
+            <p:txBody>
+              <a:bodyPr rtlCol="0" anchor="ctr"/>
+              <a:lstStyle/>
+              <a:p>
+                <a:pPr algn="ctr"/>
+                <a14:m>
+                  <m:oMathPara xmlns:m="http://schemas.openxmlformats.org/officeDocument/2006/math">
+                    <m:oMathParaPr>
+                      <m:jc m:val="centerGroup"/>
+                    </m:oMathParaPr>
+                    <m:oMath xmlns:m="http://schemas.openxmlformats.org/officeDocument/2006/math">
+                      <m:sSub>
+                        <m:sSubPr>
+                          <m:ctrlPr>
+                            <a:rPr lang="en-CA" b="0" i="1" smtClean="0">
+                              <a:solidFill>
+                                <a:schemeClr val="tx1"/>
+                              </a:solidFill>
+                              <a:latin typeface="Cambria Math" panose="02040503050406030204" pitchFamily="18" charset="0"/>
+                            </a:rPr>
+                          </m:ctrlPr>
+                        </m:sSubPr>
+                        <m:e>
+                          <m:r>
+                            <a:rPr lang="en-CA" b="0" i="1" smtClean="0">
+                              <a:solidFill>
+                                <a:schemeClr val="tx1"/>
+                              </a:solidFill>
+                              <a:latin typeface="Cambria Math" panose="02040503050406030204" pitchFamily="18" charset="0"/>
+                            </a:rPr>
+                            <m:t>𝑌</m:t>
+                          </m:r>
+                        </m:e>
+                        <m:sub>
+                          <m:r>
+                            <a:rPr lang="en-CA" b="0" i="1" smtClean="0">
+                              <a:solidFill>
+                                <a:schemeClr val="tx1"/>
+                              </a:solidFill>
+                              <a:latin typeface="Cambria Math" panose="02040503050406030204" pitchFamily="18" charset="0"/>
+                            </a:rPr>
+                            <m:t>𝑖</m:t>
+                          </m:r>
+                          <m:r>
+                            <a:rPr lang="en-CA" b="0" i="1" smtClean="0">
+                              <a:solidFill>
+                                <a:schemeClr val="tx1"/>
+                              </a:solidFill>
+                              <a:latin typeface="Cambria Math" panose="02040503050406030204" pitchFamily="18" charset="0"/>
+                            </a:rPr>
+                            <m:t>4</m:t>
+                          </m:r>
+                        </m:sub>
+                      </m:sSub>
+                    </m:oMath>
+                  </m:oMathPara>
+                </a14:m>
+                <a:endParaRPr lang="en-CA" b="0" dirty="0">
+                  <a:solidFill>
+                    <a:schemeClr val="tx1"/>
+                  </a:solidFill>
+                </a:endParaRPr>
+              </a:p>
+            </p:txBody>
+          </p:sp>
+        </mc:Choice>
+        <mc:Fallback>
+          <p:sp>
+            <p:nvSpPr>
+              <p:cNvPr id="43" name="Oval 42">
+                <a:extLst>
+                  <a:ext uri="{FF2B5EF4-FFF2-40B4-BE49-F238E27FC236}">
+                    <a16:creationId xmlns:a16="http://schemas.microsoft.com/office/drawing/2014/main" id="{AD4B6A89-0FB2-4C28-B011-CE9C7EFFD39E}"/>
+                  </a:ext>
+                </a:extLst>
+              </p:cNvPr>
+              <p:cNvSpPr>
+                <a:spLocks noRot="1" noChangeAspect="1" noMove="1" noResize="1" noEditPoints="1" noAdjustHandles="1" noChangeArrowheads="1" noChangeShapeType="1" noTextEdit="1"/>
+              </p:cNvSpPr>
+              <p:nvPr/>
+            </p:nvSpPr>
+            <p:spPr>
+              <a:xfrm>
+                <a:off x="7422689" y="4036932"/>
+                <a:ext cx="540000" cy="540000"/>
+              </a:xfrm>
+              <a:prstGeom prst="ellipse">
+                <a:avLst/>
+              </a:prstGeom>
+              <a:blipFill>
+                <a:blip r:embed="rId23"/>
+                <a:stretch>
+                  <a:fillRect/>
+                </a:stretch>
+              </a:blipFill>
+              <a:ln>
+                <a:solidFill>
+                  <a:schemeClr val="tx1"/>
+                </a:solidFill>
+              </a:ln>
+            </p:spPr>
+            <p:txBody>
+              <a:bodyPr/>
+              <a:lstStyle/>
+              <a:p>
+                <a:r>
+                  <a:rPr lang="en-US">
+                    <a:noFill/>
+                  </a:rPr>
+                  <a:t> </a:t>
+                </a:r>
+              </a:p>
+            </p:txBody>
+          </p:sp>
+        </mc:Fallback>
+      </mc:AlternateContent>
+      <mc:AlternateContent xmlns:mc="http://schemas.openxmlformats.org/markup-compatibility/2006">
+        <mc:Choice xmlns:a14="http://schemas.microsoft.com/office/drawing/2010/main" Requires="a14">
+          <p:sp>
+            <p:nvSpPr>
+              <p:cNvPr id="47" name="Oval 46">
+                <a:extLst>
+                  <a:ext uri="{FF2B5EF4-FFF2-40B4-BE49-F238E27FC236}">
+                    <a16:creationId xmlns:a16="http://schemas.microsoft.com/office/drawing/2014/main" id="{611C3BF6-3AE8-D782-9AEB-B8D31F02C665}"/>
+                  </a:ext>
+                </a:extLst>
+              </p:cNvPr>
+              <p:cNvSpPr/>
+              <p:nvPr/>
+            </p:nvSpPr>
+            <p:spPr>
+              <a:xfrm>
+                <a:off x="7422689" y="2875309"/>
+                <a:ext cx="540000" cy="540000"/>
+              </a:xfrm>
+              <a:prstGeom prst="ellipse">
+                <a:avLst/>
+              </a:prstGeom>
+              <a:noFill/>
+              <a:ln>
+                <a:solidFill>
+                  <a:schemeClr val="tx1"/>
+                </a:solidFill>
+              </a:ln>
+            </p:spPr>
+            <p:style>
+              <a:lnRef idx="2">
+                <a:schemeClr val="accent1">
+                  <a:shade val="50000"/>
+                </a:schemeClr>
+              </a:lnRef>
+              <a:fillRef idx="1">
+                <a:schemeClr val="accent1"/>
+              </a:fillRef>
+              <a:effectRef idx="0">
+                <a:schemeClr val="accent1"/>
+              </a:effectRef>
+              <a:fontRef idx="minor">
+                <a:schemeClr val="lt1"/>
+              </a:fontRef>
+            </p:style>
+            <p:txBody>
+              <a:bodyPr rtlCol="0" anchor="ctr"/>
+              <a:lstStyle/>
+              <a:p>
+                <a:pPr algn="ctr"/>
+                <a14:m>
+                  <m:oMathPara xmlns:m="http://schemas.openxmlformats.org/officeDocument/2006/math">
+                    <m:oMathParaPr>
+                      <m:jc m:val="centerGroup"/>
+                    </m:oMathParaPr>
+                    <m:oMath xmlns:m="http://schemas.openxmlformats.org/officeDocument/2006/math">
+                      <m:sSub>
+                        <m:sSubPr>
+                          <m:ctrlPr>
+                            <a:rPr lang="en-CA" b="0" i="1" smtClean="0">
+                              <a:solidFill>
+                                <a:schemeClr val="tx1"/>
+                              </a:solidFill>
+                              <a:latin typeface="Cambria Math" panose="02040503050406030204" pitchFamily="18" charset="0"/>
+                            </a:rPr>
+                          </m:ctrlPr>
+                        </m:sSubPr>
+                        <m:e>
+                          <m:r>
+                            <a:rPr lang="en-CA" b="0" i="1" smtClean="0">
+                              <a:solidFill>
+                                <a:schemeClr val="tx1"/>
+                              </a:solidFill>
+                              <a:latin typeface="Cambria Math" panose="02040503050406030204" pitchFamily="18" charset="0"/>
+                            </a:rPr>
+                            <m:t>𝑍</m:t>
+                          </m:r>
+                        </m:e>
+                        <m:sub>
+                          <m:r>
+                            <a:rPr lang="en-CA" b="0" i="1" smtClean="0">
+                              <a:solidFill>
+                                <a:schemeClr val="tx1"/>
+                              </a:solidFill>
+                              <a:latin typeface="Cambria Math" panose="02040503050406030204" pitchFamily="18" charset="0"/>
+                            </a:rPr>
+                            <m:t>𝑖</m:t>
+                          </m:r>
+                          <m:r>
+                            <a:rPr lang="en-CA" b="0" i="1" smtClean="0">
+                              <a:solidFill>
+                                <a:schemeClr val="tx1"/>
+                              </a:solidFill>
+                              <a:latin typeface="Cambria Math" panose="02040503050406030204" pitchFamily="18" charset="0"/>
+                            </a:rPr>
+                            <m:t>4</m:t>
+                          </m:r>
+                        </m:sub>
+                      </m:sSub>
+                    </m:oMath>
+                  </m:oMathPara>
+                </a14:m>
+                <a:endParaRPr lang="en-CA" b="0" dirty="0">
+                  <a:solidFill>
+                    <a:schemeClr val="tx1"/>
+                  </a:solidFill>
+                </a:endParaRPr>
+              </a:p>
+            </p:txBody>
+          </p:sp>
+        </mc:Choice>
+        <mc:Fallback>
+          <p:sp>
+            <p:nvSpPr>
+              <p:cNvPr id="47" name="Oval 46">
+                <a:extLst>
+                  <a:ext uri="{FF2B5EF4-FFF2-40B4-BE49-F238E27FC236}">
+                    <a16:creationId xmlns:a16="http://schemas.microsoft.com/office/drawing/2014/main" id="{611C3BF6-3AE8-D782-9AEB-B8D31F02C665}"/>
+                  </a:ext>
+                </a:extLst>
+              </p:cNvPr>
+              <p:cNvSpPr>
+                <a:spLocks noRot="1" noChangeAspect="1" noMove="1" noResize="1" noEditPoints="1" noAdjustHandles="1" noChangeArrowheads="1" noChangeShapeType="1" noTextEdit="1"/>
+              </p:cNvSpPr>
+              <p:nvPr/>
+            </p:nvSpPr>
+            <p:spPr>
+              <a:xfrm>
+                <a:off x="7422689" y="2875309"/>
+                <a:ext cx="540000" cy="540000"/>
+              </a:xfrm>
+              <a:prstGeom prst="ellipse">
+                <a:avLst/>
+              </a:prstGeom>
+              <a:blipFill>
+                <a:blip r:embed="rId24"/>
+                <a:stretch>
+                  <a:fillRect/>
+                </a:stretch>
+              </a:blipFill>
+              <a:ln>
+                <a:solidFill>
+                  <a:schemeClr val="tx1"/>
+                </a:solidFill>
+              </a:ln>
+            </p:spPr>
+            <p:txBody>
+              <a:bodyPr/>
+              <a:lstStyle/>
+              <a:p>
+                <a:r>
+                  <a:rPr lang="en-US">
+                    <a:noFill/>
+                  </a:rPr>
+                  <a:t> </a:t>
+                </a:r>
+              </a:p>
+            </p:txBody>
+          </p:sp>
+        </mc:Fallback>
+      </mc:AlternateContent>
+      <p:cxnSp>
+        <p:nvCxnSpPr>
+          <p:cNvPr id="48" name="Straight Arrow Connector 47">
+            <a:extLst>
+              <a:ext uri="{FF2B5EF4-FFF2-40B4-BE49-F238E27FC236}">
+                <a16:creationId xmlns:a16="http://schemas.microsoft.com/office/drawing/2014/main" id="{69E2FC36-4E62-3E2B-F513-FC97BE63BBB1}"/>
+              </a:ext>
+            </a:extLst>
+          </p:cNvPr>
+          <p:cNvCxnSpPr>
+            <a:cxnSpLocks/>
+          </p:cNvCxnSpPr>
+          <p:nvPr/>
+        </p:nvCxnSpPr>
+        <p:spPr>
+          <a:xfrm flipV="1">
+            <a:off x="7965443" y="3145309"/>
+            <a:ext cx="393346" cy="1620"/>
+          </a:xfrm>
+          <a:prstGeom prst="straightConnector1">
+            <a:avLst/>
+          </a:prstGeom>
+          <a:ln>
+            <a:solidFill>
+              <a:schemeClr val="tx1"/>
+            </a:solidFill>
+            <a:tailEnd type="triangle" w="lg" len="lg"/>
+          </a:ln>
+        </p:spPr>
+        <p:style>
+          <a:lnRef idx="1">
+            <a:schemeClr val="accent1"/>
+          </a:lnRef>
+          <a:fillRef idx="0">
+            <a:schemeClr val="accent1"/>
+          </a:fillRef>
+          <a:effectRef idx="0">
+            <a:schemeClr val="accent1"/>
+          </a:effectRef>
+          <a:fontRef idx="minor">
+            <a:schemeClr val="tx1"/>
+          </a:fontRef>
+        </p:style>
+      </p:cxnSp>
+      <p:cxnSp>
+        <p:nvCxnSpPr>
+          <p:cNvPr id="58" name="Straight Arrow Connector 57">
+            <a:extLst>
+              <a:ext uri="{FF2B5EF4-FFF2-40B4-BE49-F238E27FC236}">
+                <a16:creationId xmlns:a16="http://schemas.microsoft.com/office/drawing/2014/main" id="{E2F9F9AC-83BB-DBE7-DDB5-5887ECC330DC}"/>
+              </a:ext>
+            </a:extLst>
+          </p:cNvPr>
+          <p:cNvCxnSpPr>
+            <a:cxnSpLocks/>
+          </p:cNvCxnSpPr>
+          <p:nvPr/>
+        </p:nvCxnSpPr>
+        <p:spPr>
+          <a:xfrm>
+            <a:off x="7692689" y="3416838"/>
+            <a:ext cx="0" cy="621623"/>
+          </a:xfrm>
+          <a:prstGeom prst="straightConnector1">
+            <a:avLst/>
+          </a:prstGeom>
+          <a:ln>
+            <a:solidFill>
+              <a:schemeClr val="tx1"/>
+            </a:solidFill>
+            <a:tailEnd type="triangle" w="lg" len="lg"/>
+          </a:ln>
+        </p:spPr>
+        <p:style>
+          <a:lnRef idx="1">
+            <a:schemeClr val="accent1"/>
+          </a:lnRef>
+          <a:fillRef idx="0">
+            <a:schemeClr val="accent1"/>
+          </a:fillRef>
+          <a:effectRef idx="0">
+            <a:schemeClr val="accent1"/>
+          </a:effectRef>
+          <a:fontRef idx="minor">
+            <a:schemeClr val="tx1"/>
+          </a:fontRef>
+        </p:style>
+      </p:cxnSp>
+      <mc:AlternateContent xmlns:mc="http://schemas.openxmlformats.org/markup-compatibility/2006">
+        <mc:Choice xmlns:a14="http://schemas.microsoft.com/office/drawing/2010/main" Requires="a14">
+          <p:sp>
+            <p:nvSpPr>
+              <p:cNvPr id="59" name="TextBox 58">
+                <a:extLst>
+                  <a:ext uri="{FF2B5EF4-FFF2-40B4-BE49-F238E27FC236}">
+                    <a16:creationId xmlns:a16="http://schemas.microsoft.com/office/drawing/2014/main" id="{0EC3425C-1012-0A2C-973A-2FD6E91C416C}"/>
                   </a:ext>
                 </a:extLst>
               </p:cNvPr>
@@ -12293,7 +12704,1829 @@
             </p:nvSpPr>
             <p:spPr>
               <a:xfrm>
-                <a:off x="8145685" y="5286915"/>
+                <a:off x="7503343" y="5264682"/>
+                <a:ext cx="466217" cy="369332"/>
+              </a:xfrm>
+              <a:prstGeom prst="rect">
+                <a:avLst/>
+              </a:prstGeom>
+              <a:noFill/>
+            </p:spPr>
+            <p:txBody>
+              <a:bodyPr wrap="square" rtlCol="0">
+                <a:spAutoFit/>
+              </a:bodyPr>
+              <a:lstStyle/>
+              <a:p>
+                <a:pPr/>
+                <a14:m>
+                  <m:oMathPara xmlns:m="http://schemas.openxmlformats.org/officeDocument/2006/math">
+                    <m:oMathParaPr>
+                      <m:jc m:val="centerGroup"/>
+                    </m:oMathParaPr>
+                    <m:oMath xmlns:m="http://schemas.openxmlformats.org/officeDocument/2006/math">
+                      <m:sSub>
+                        <m:sSubPr>
+                          <m:ctrlPr>
+                            <a:rPr lang="en-CA" b="0" i="1" smtClean="0">
+                              <a:latin typeface="Cambria Math" panose="02040503050406030204" pitchFamily="18" charset="0"/>
+                            </a:rPr>
+                          </m:ctrlPr>
+                        </m:sSubPr>
+                        <m:e>
+                          <m:r>
+                            <a:rPr lang="en-CA" b="0" i="1" smtClean="0">
+                              <a:latin typeface="Cambria Math" panose="02040503050406030204" pitchFamily="18" charset="0"/>
+                            </a:rPr>
+                            <m:t>𝑝</m:t>
+                          </m:r>
+                        </m:e>
+                        <m:sub>
+                          <m:r>
+                            <a:rPr lang="en-CA" b="0" i="1" smtClean="0">
+                              <a:latin typeface="Cambria Math" panose="02040503050406030204" pitchFamily="18" charset="0"/>
+                            </a:rPr>
+                            <m:t>4</m:t>
+                          </m:r>
+                        </m:sub>
+                      </m:sSub>
+                    </m:oMath>
+                  </m:oMathPara>
+                </a14:m>
+                <a:endParaRPr lang="en-US" dirty="0"/>
+              </a:p>
+            </p:txBody>
+          </p:sp>
+        </mc:Choice>
+        <mc:Fallback>
+          <p:sp>
+            <p:nvSpPr>
+              <p:cNvPr id="59" name="TextBox 58">
+                <a:extLst>
+                  <a:ext uri="{FF2B5EF4-FFF2-40B4-BE49-F238E27FC236}">
+                    <a16:creationId xmlns:a16="http://schemas.microsoft.com/office/drawing/2014/main" id="{0EC3425C-1012-0A2C-973A-2FD6E91C416C}"/>
+                  </a:ext>
+                </a:extLst>
+              </p:cNvPr>
+              <p:cNvSpPr txBox="1">
+                <a:spLocks noRot="1" noChangeAspect="1" noMove="1" noResize="1" noEditPoints="1" noAdjustHandles="1" noChangeArrowheads="1" noChangeShapeType="1" noTextEdit="1"/>
+              </p:cNvSpPr>
+              <p:nvPr/>
+            </p:nvSpPr>
+            <p:spPr>
+              <a:xfrm>
+                <a:off x="7503343" y="5264682"/>
+                <a:ext cx="466217" cy="369332"/>
+              </a:xfrm>
+              <a:prstGeom prst="rect">
+                <a:avLst/>
+              </a:prstGeom>
+              <a:blipFill>
+                <a:blip r:embed="rId25"/>
+                <a:stretch>
+                  <a:fillRect b="-6667"/>
+                </a:stretch>
+              </a:blipFill>
+            </p:spPr>
+            <p:txBody>
+              <a:bodyPr/>
+              <a:lstStyle/>
+              <a:p>
+                <a:r>
+                  <a:rPr lang="en-US">
+                    <a:noFill/>
+                  </a:rPr>
+                  <a:t> </a:t>
+                </a:r>
+              </a:p>
+            </p:txBody>
+          </p:sp>
+        </mc:Fallback>
+      </mc:AlternateContent>
+      <p:sp>
+        <p:nvSpPr>
+          <p:cNvPr id="60" name="Rectangle 59">
+            <a:extLst>
+              <a:ext uri="{FF2B5EF4-FFF2-40B4-BE49-F238E27FC236}">
+                <a16:creationId xmlns:a16="http://schemas.microsoft.com/office/drawing/2014/main" id="{4FFD342E-EC13-EA92-E7F7-2BC403457AF6}"/>
+              </a:ext>
+            </a:extLst>
+          </p:cNvPr>
+          <p:cNvSpPr/>
+          <p:nvPr/>
+        </p:nvSpPr>
+        <p:spPr>
+          <a:xfrm>
+            <a:off x="7429560" y="5179348"/>
+            <a:ext cx="540000" cy="540000"/>
+          </a:xfrm>
+          <a:prstGeom prst="rect">
+            <a:avLst/>
+          </a:prstGeom>
+          <a:noFill/>
+          <a:ln>
+            <a:solidFill>
+              <a:schemeClr val="tx1"/>
+            </a:solidFill>
+          </a:ln>
+        </p:spPr>
+        <p:style>
+          <a:lnRef idx="2">
+            <a:schemeClr val="accent1">
+              <a:shade val="50000"/>
+            </a:schemeClr>
+          </a:lnRef>
+          <a:fillRef idx="1">
+            <a:schemeClr val="accent1"/>
+          </a:fillRef>
+          <a:effectRef idx="0">
+            <a:schemeClr val="accent1"/>
+          </a:effectRef>
+          <a:fontRef idx="minor">
+            <a:schemeClr val="lt1"/>
+          </a:fontRef>
+        </p:style>
+        <p:txBody>
+          <a:bodyPr rtlCol="0" anchor="ctr"/>
+          <a:lstStyle/>
+          <a:p>
+            <a:pPr algn="ctr"/>
+            <a:endParaRPr lang="en-US"/>
+          </a:p>
+        </p:txBody>
+      </p:sp>
+      <p:cxnSp>
+        <p:nvCxnSpPr>
+          <p:cNvPr id="61" name="Straight Arrow Connector 60">
+            <a:extLst>
+              <a:ext uri="{FF2B5EF4-FFF2-40B4-BE49-F238E27FC236}">
+                <a16:creationId xmlns:a16="http://schemas.microsoft.com/office/drawing/2014/main" id="{F80F0AA3-3E0D-DF94-CF2F-CBDB3FEB43C5}"/>
+              </a:ext>
+            </a:extLst>
+          </p:cNvPr>
+          <p:cNvCxnSpPr>
+            <a:cxnSpLocks/>
+            <a:stCxn id="60" idx="0"/>
+          </p:cNvCxnSpPr>
+          <p:nvPr/>
+        </p:nvCxnSpPr>
+        <p:spPr>
+          <a:xfrm flipV="1">
+            <a:off x="7699560" y="4580858"/>
+            <a:ext cx="2867" cy="598490"/>
+          </a:xfrm>
+          <a:prstGeom prst="straightConnector1">
+            <a:avLst/>
+          </a:prstGeom>
+          <a:ln>
+            <a:solidFill>
+              <a:schemeClr val="tx1"/>
+            </a:solidFill>
+            <a:tailEnd type="triangle" w="lg" len="lg"/>
+          </a:ln>
+        </p:spPr>
+        <p:style>
+          <a:lnRef idx="1">
+            <a:schemeClr val="accent1"/>
+          </a:lnRef>
+          <a:fillRef idx="0">
+            <a:schemeClr val="accent1"/>
+          </a:fillRef>
+          <a:effectRef idx="0">
+            <a:schemeClr val="accent1"/>
+          </a:effectRef>
+          <a:fontRef idx="minor">
+            <a:schemeClr val="tx1"/>
+          </a:fontRef>
+        </p:style>
+      </p:cxnSp>
+      <mc:AlternateContent xmlns:mc="http://schemas.openxmlformats.org/markup-compatibility/2006">
+        <mc:Choice xmlns:a14="http://schemas.microsoft.com/office/drawing/2010/main" Requires="a14">
+          <p:sp>
+            <p:nvSpPr>
+              <p:cNvPr id="62" name="Oval 61">
+                <a:extLst>
+                  <a:ext uri="{FF2B5EF4-FFF2-40B4-BE49-F238E27FC236}">
+                    <a16:creationId xmlns:a16="http://schemas.microsoft.com/office/drawing/2014/main" id="{7A050908-5F49-B81B-66F8-94A2D4CEC011}"/>
+                  </a:ext>
+                </a:extLst>
+              </p:cNvPr>
+              <p:cNvSpPr/>
+              <p:nvPr/>
+            </p:nvSpPr>
+            <p:spPr>
+              <a:xfrm>
+                <a:off x="8363739" y="4036932"/>
+                <a:ext cx="540000" cy="540000"/>
+              </a:xfrm>
+              <a:prstGeom prst="ellipse">
+                <a:avLst/>
+              </a:prstGeom>
+              <a:noFill/>
+              <a:ln>
+                <a:solidFill>
+                  <a:schemeClr val="tx1"/>
+                </a:solidFill>
+              </a:ln>
+            </p:spPr>
+            <p:style>
+              <a:lnRef idx="2">
+                <a:schemeClr val="accent1">
+                  <a:shade val="50000"/>
+                </a:schemeClr>
+              </a:lnRef>
+              <a:fillRef idx="1">
+                <a:schemeClr val="accent1"/>
+              </a:fillRef>
+              <a:effectRef idx="0">
+                <a:schemeClr val="accent1"/>
+              </a:effectRef>
+              <a:fontRef idx="minor">
+                <a:schemeClr val="lt1"/>
+              </a:fontRef>
+            </p:style>
+            <p:txBody>
+              <a:bodyPr rtlCol="0" anchor="ctr"/>
+              <a:lstStyle/>
+              <a:p>
+                <a:pPr algn="ctr"/>
+                <a14:m>
+                  <m:oMathPara xmlns:m="http://schemas.openxmlformats.org/officeDocument/2006/math">
+                    <m:oMathParaPr>
+                      <m:jc m:val="centerGroup"/>
+                    </m:oMathParaPr>
+                    <m:oMath xmlns:m="http://schemas.openxmlformats.org/officeDocument/2006/math">
+                      <m:sSub>
+                        <m:sSubPr>
+                          <m:ctrlPr>
+                            <a:rPr lang="en-CA" b="0" i="1" smtClean="0">
+                              <a:solidFill>
+                                <a:schemeClr val="tx1"/>
+                              </a:solidFill>
+                              <a:latin typeface="Cambria Math" panose="02040503050406030204" pitchFamily="18" charset="0"/>
+                            </a:rPr>
+                          </m:ctrlPr>
+                        </m:sSubPr>
+                        <m:e>
+                          <m:r>
+                            <a:rPr lang="en-CA" b="0" i="1" smtClean="0">
+                              <a:solidFill>
+                                <a:schemeClr val="tx1"/>
+                              </a:solidFill>
+                              <a:latin typeface="Cambria Math" panose="02040503050406030204" pitchFamily="18" charset="0"/>
+                            </a:rPr>
+                            <m:t>𝑌</m:t>
+                          </m:r>
+                        </m:e>
+                        <m:sub>
+                          <m:r>
+                            <a:rPr lang="en-CA" b="0" i="1" smtClean="0">
+                              <a:solidFill>
+                                <a:schemeClr val="tx1"/>
+                              </a:solidFill>
+                              <a:latin typeface="Cambria Math" panose="02040503050406030204" pitchFamily="18" charset="0"/>
+                            </a:rPr>
+                            <m:t>𝑖</m:t>
+                          </m:r>
+                          <m:r>
+                            <a:rPr lang="en-CA" b="0" i="1" smtClean="0">
+                              <a:solidFill>
+                                <a:schemeClr val="tx1"/>
+                              </a:solidFill>
+                              <a:latin typeface="Cambria Math" panose="02040503050406030204" pitchFamily="18" charset="0"/>
+                            </a:rPr>
+                            <m:t>5</m:t>
+                          </m:r>
+                        </m:sub>
+                      </m:sSub>
+                    </m:oMath>
+                  </m:oMathPara>
+                </a14:m>
+                <a:endParaRPr lang="en-CA" b="0" dirty="0">
+                  <a:solidFill>
+                    <a:schemeClr val="tx1"/>
+                  </a:solidFill>
+                </a:endParaRPr>
+              </a:p>
+            </p:txBody>
+          </p:sp>
+        </mc:Choice>
+        <mc:Fallback>
+          <p:sp>
+            <p:nvSpPr>
+              <p:cNvPr id="62" name="Oval 61">
+                <a:extLst>
+                  <a:ext uri="{FF2B5EF4-FFF2-40B4-BE49-F238E27FC236}">
+                    <a16:creationId xmlns:a16="http://schemas.microsoft.com/office/drawing/2014/main" id="{7A050908-5F49-B81B-66F8-94A2D4CEC011}"/>
+                  </a:ext>
+                </a:extLst>
+              </p:cNvPr>
+              <p:cNvSpPr>
+                <a:spLocks noRot="1" noChangeAspect="1" noMove="1" noResize="1" noEditPoints="1" noAdjustHandles="1" noChangeArrowheads="1" noChangeShapeType="1" noTextEdit="1"/>
+              </p:cNvSpPr>
+              <p:nvPr/>
+            </p:nvSpPr>
+            <p:spPr>
+              <a:xfrm>
+                <a:off x="8363739" y="4036932"/>
+                <a:ext cx="540000" cy="540000"/>
+              </a:xfrm>
+              <a:prstGeom prst="ellipse">
+                <a:avLst/>
+              </a:prstGeom>
+              <a:blipFill>
+                <a:blip r:embed="rId26"/>
+                <a:stretch>
+                  <a:fillRect/>
+                </a:stretch>
+              </a:blipFill>
+              <a:ln>
+                <a:solidFill>
+                  <a:schemeClr val="tx1"/>
+                </a:solidFill>
+              </a:ln>
+            </p:spPr>
+            <p:txBody>
+              <a:bodyPr/>
+              <a:lstStyle/>
+              <a:p>
+                <a:r>
+                  <a:rPr lang="en-US">
+                    <a:noFill/>
+                  </a:rPr>
+                  <a:t> </a:t>
+                </a:r>
+              </a:p>
+            </p:txBody>
+          </p:sp>
+        </mc:Fallback>
+      </mc:AlternateContent>
+      <mc:AlternateContent xmlns:mc="http://schemas.openxmlformats.org/markup-compatibility/2006">
+        <mc:Choice xmlns:a14="http://schemas.microsoft.com/office/drawing/2010/main" Requires="a14">
+          <p:sp>
+            <p:nvSpPr>
+              <p:cNvPr id="63" name="Oval 62">
+                <a:extLst>
+                  <a:ext uri="{FF2B5EF4-FFF2-40B4-BE49-F238E27FC236}">
+                    <a16:creationId xmlns:a16="http://schemas.microsoft.com/office/drawing/2014/main" id="{4A354B0B-115A-413D-A009-92E201AAFE5F}"/>
+                  </a:ext>
+                </a:extLst>
+              </p:cNvPr>
+              <p:cNvSpPr/>
+              <p:nvPr/>
+            </p:nvSpPr>
+            <p:spPr>
+              <a:xfrm>
+                <a:off x="8363739" y="2875309"/>
+                <a:ext cx="540000" cy="540000"/>
+              </a:xfrm>
+              <a:prstGeom prst="ellipse">
+                <a:avLst/>
+              </a:prstGeom>
+              <a:noFill/>
+              <a:ln>
+                <a:solidFill>
+                  <a:schemeClr val="tx1"/>
+                </a:solidFill>
+              </a:ln>
+            </p:spPr>
+            <p:style>
+              <a:lnRef idx="2">
+                <a:schemeClr val="accent1">
+                  <a:shade val="50000"/>
+                </a:schemeClr>
+              </a:lnRef>
+              <a:fillRef idx="1">
+                <a:schemeClr val="accent1"/>
+              </a:fillRef>
+              <a:effectRef idx="0">
+                <a:schemeClr val="accent1"/>
+              </a:effectRef>
+              <a:fontRef idx="minor">
+                <a:schemeClr val="lt1"/>
+              </a:fontRef>
+            </p:style>
+            <p:txBody>
+              <a:bodyPr rtlCol="0" anchor="ctr"/>
+              <a:lstStyle/>
+              <a:p>
+                <a:pPr algn="ctr"/>
+                <a14:m>
+                  <m:oMathPara xmlns:m="http://schemas.openxmlformats.org/officeDocument/2006/math">
+                    <m:oMathParaPr>
+                      <m:jc m:val="centerGroup"/>
+                    </m:oMathParaPr>
+                    <m:oMath xmlns:m="http://schemas.openxmlformats.org/officeDocument/2006/math">
+                      <m:sSub>
+                        <m:sSubPr>
+                          <m:ctrlPr>
+                            <a:rPr lang="en-CA" b="0" i="1" smtClean="0">
+                              <a:solidFill>
+                                <a:schemeClr val="tx1"/>
+                              </a:solidFill>
+                              <a:latin typeface="Cambria Math" panose="02040503050406030204" pitchFamily="18" charset="0"/>
+                            </a:rPr>
+                          </m:ctrlPr>
+                        </m:sSubPr>
+                        <m:e>
+                          <m:r>
+                            <a:rPr lang="en-CA" b="0" i="1" smtClean="0">
+                              <a:solidFill>
+                                <a:schemeClr val="tx1"/>
+                              </a:solidFill>
+                              <a:latin typeface="Cambria Math" panose="02040503050406030204" pitchFamily="18" charset="0"/>
+                            </a:rPr>
+                            <m:t>𝑍</m:t>
+                          </m:r>
+                        </m:e>
+                        <m:sub>
+                          <m:r>
+                            <a:rPr lang="en-CA" b="0" i="1" smtClean="0">
+                              <a:solidFill>
+                                <a:schemeClr val="tx1"/>
+                              </a:solidFill>
+                              <a:latin typeface="Cambria Math" panose="02040503050406030204" pitchFamily="18" charset="0"/>
+                            </a:rPr>
+                            <m:t>𝑖</m:t>
+                          </m:r>
+                          <m:r>
+                            <a:rPr lang="en-CA" b="0" i="1" smtClean="0">
+                              <a:solidFill>
+                                <a:schemeClr val="tx1"/>
+                              </a:solidFill>
+                              <a:latin typeface="Cambria Math" panose="02040503050406030204" pitchFamily="18" charset="0"/>
+                            </a:rPr>
+                            <m:t>5</m:t>
+                          </m:r>
+                        </m:sub>
+                      </m:sSub>
+                    </m:oMath>
+                  </m:oMathPara>
+                </a14:m>
+                <a:endParaRPr lang="en-CA" b="0" dirty="0">
+                  <a:solidFill>
+                    <a:schemeClr val="tx1"/>
+                  </a:solidFill>
+                </a:endParaRPr>
+              </a:p>
+            </p:txBody>
+          </p:sp>
+        </mc:Choice>
+        <mc:Fallback>
+          <p:sp>
+            <p:nvSpPr>
+              <p:cNvPr id="63" name="Oval 62">
+                <a:extLst>
+                  <a:ext uri="{FF2B5EF4-FFF2-40B4-BE49-F238E27FC236}">
+                    <a16:creationId xmlns:a16="http://schemas.microsoft.com/office/drawing/2014/main" id="{4A354B0B-115A-413D-A009-92E201AAFE5F}"/>
+                  </a:ext>
+                </a:extLst>
+              </p:cNvPr>
+              <p:cNvSpPr>
+                <a:spLocks noRot="1" noChangeAspect="1" noMove="1" noResize="1" noEditPoints="1" noAdjustHandles="1" noChangeArrowheads="1" noChangeShapeType="1" noTextEdit="1"/>
+              </p:cNvSpPr>
+              <p:nvPr/>
+            </p:nvSpPr>
+            <p:spPr>
+              <a:xfrm>
+                <a:off x="8363739" y="2875309"/>
+                <a:ext cx="540000" cy="540000"/>
+              </a:xfrm>
+              <a:prstGeom prst="ellipse">
+                <a:avLst/>
+              </a:prstGeom>
+              <a:blipFill>
+                <a:blip r:embed="rId27"/>
+                <a:stretch>
+                  <a:fillRect/>
+                </a:stretch>
+              </a:blipFill>
+              <a:ln>
+                <a:solidFill>
+                  <a:schemeClr val="tx1"/>
+                </a:solidFill>
+              </a:ln>
+            </p:spPr>
+            <p:txBody>
+              <a:bodyPr/>
+              <a:lstStyle/>
+              <a:p>
+                <a:r>
+                  <a:rPr lang="en-US">
+                    <a:noFill/>
+                  </a:rPr>
+                  <a:t> </a:t>
+                </a:r>
+              </a:p>
+            </p:txBody>
+          </p:sp>
+        </mc:Fallback>
+      </mc:AlternateContent>
+      <p:cxnSp>
+        <p:nvCxnSpPr>
+          <p:cNvPr id="64" name="Straight Arrow Connector 63">
+            <a:extLst>
+              <a:ext uri="{FF2B5EF4-FFF2-40B4-BE49-F238E27FC236}">
+                <a16:creationId xmlns:a16="http://schemas.microsoft.com/office/drawing/2014/main" id="{DB5B2788-90D6-6B3E-AACD-B5899560EA6E}"/>
+              </a:ext>
+            </a:extLst>
+          </p:cNvPr>
+          <p:cNvCxnSpPr>
+            <a:cxnSpLocks/>
+          </p:cNvCxnSpPr>
+          <p:nvPr/>
+        </p:nvCxnSpPr>
+        <p:spPr>
+          <a:xfrm flipV="1">
+            <a:off x="8906493" y="3145309"/>
+            <a:ext cx="393346" cy="1620"/>
+          </a:xfrm>
+          <a:prstGeom prst="straightConnector1">
+            <a:avLst/>
+          </a:prstGeom>
+          <a:ln>
+            <a:solidFill>
+              <a:schemeClr val="tx1"/>
+            </a:solidFill>
+            <a:tailEnd type="triangle" w="lg" len="lg"/>
+          </a:ln>
+        </p:spPr>
+        <p:style>
+          <a:lnRef idx="1">
+            <a:schemeClr val="accent1"/>
+          </a:lnRef>
+          <a:fillRef idx="0">
+            <a:schemeClr val="accent1"/>
+          </a:fillRef>
+          <a:effectRef idx="0">
+            <a:schemeClr val="accent1"/>
+          </a:effectRef>
+          <a:fontRef idx="minor">
+            <a:schemeClr val="tx1"/>
+          </a:fontRef>
+        </p:style>
+      </p:cxnSp>
+      <p:cxnSp>
+        <p:nvCxnSpPr>
+          <p:cNvPr id="65" name="Straight Arrow Connector 64">
+            <a:extLst>
+              <a:ext uri="{FF2B5EF4-FFF2-40B4-BE49-F238E27FC236}">
+                <a16:creationId xmlns:a16="http://schemas.microsoft.com/office/drawing/2014/main" id="{DE1574B3-367D-3D9E-501D-44E4CF50D893}"/>
+              </a:ext>
+            </a:extLst>
+          </p:cNvPr>
+          <p:cNvCxnSpPr>
+            <a:cxnSpLocks/>
+          </p:cNvCxnSpPr>
+          <p:nvPr/>
+        </p:nvCxnSpPr>
+        <p:spPr>
+          <a:xfrm>
+            <a:off x="8633739" y="3416838"/>
+            <a:ext cx="0" cy="621623"/>
+          </a:xfrm>
+          <a:prstGeom prst="straightConnector1">
+            <a:avLst/>
+          </a:prstGeom>
+          <a:ln>
+            <a:solidFill>
+              <a:schemeClr val="tx1"/>
+            </a:solidFill>
+            <a:tailEnd type="triangle" w="lg" len="lg"/>
+          </a:ln>
+        </p:spPr>
+        <p:style>
+          <a:lnRef idx="1">
+            <a:schemeClr val="accent1"/>
+          </a:lnRef>
+          <a:fillRef idx="0">
+            <a:schemeClr val="accent1"/>
+          </a:fillRef>
+          <a:effectRef idx="0">
+            <a:schemeClr val="accent1"/>
+          </a:effectRef>
+          <a:fontRef idx="minor">
+            <a:schemeClr val="tx1"/>
+          </a:fontRef>
+        </p:style>
+      </p:cxnSp>
+      <mc:AlternateContent xmlns:mc="http://schemas.openxmlformats.org/markup-compatibility/2006">
+        <mc:Choice xmlns:a14="http://schemas.microsoft.com/office/drawing/2010/main" Requires="a14">
+          <p:sp>
+            <p:nvSpPr>
+              <p:cNvPr id="66" name="TextBox 65">
+                <a:extLst>
+                  <a:ext uri="{FF2B5EF4-FFF2-40B4-BE49-F238E27FC236}">
+                    <a16:creationId xmlns:a16="http://schemas.microsoft.com/office/drawing/2014/main" id="{3C5DC824-31A2-70C5-D726-A1D240F3F098}"/>
+                  </a:ext>
+                </a:extLst>
+              </p:cNvPr>
+              <p:cNvSpPr txBox="1"/>
+              <p:nvPr/>
+            </p:nvSpPr>
+            <p:spPr>
+              <a:xfrm>
+                <a:off x="8444393" y="5264682"/>
+                <a:ext cx="466217" cy="369332"/>
+              </a:xfrm>
+              <a:prstGeom prst="rect">
+                <a:avLst/>
+              </a:prstGeom>
+              <a:noFill/>
+            </p:spPr>
+            <p:txBody>
+              <a:bodyPr wrap="square" rtlCol="0">
+                <a:spAutoFit/>
+              </a:bodyPr>
+              <a:lstStyle/>
+              <a:p>
+                <a:pPr/>
+                <a14:m>
+                  <m:oMathPara xmlns:m="http://schemas.openxmlformats.org/officeDocument/2006/math">
+                    <m:oMathParaPr>
+                      <m:jc m:val="centerGroup"/>
+                    </m:oMathParaPr>
+                    <m:oMath xmlns:m="http://schemas.openxmlformats.org/officeDocument/2006/math">
+                      <m:sSub>
+                        <m:sSubPr>
+                          <m:ctrlPr>
+                            <a:rPr lang="en-CA" b="0" i="1" smtClean="0">
+                              <a:latin typeface="Cambria Math" panose="02040503050406030204" pitchFamily="18" charset="0"/>
+                            </a:rPr>
+                          </m:ctrlPr>
+                        </m:sSubPr>
+                        <m:e>
+                          <m:r>
+                            <a:rPr lang="en-CA" b="0" i="1" smtClean="0">
+                              <a:latin typeface="Cambria Math" panose="02040503050406030204" pitchFamily="18" charset="0"/>
+                            </a:rPr>
+                            <m:t>𝑝</m:t>
+                          </m:r>
+                        </m:e>
+                        <m:sub>
+                          <m:r>
+                            <a:rPr lang="en-CA" b="0" i="1" smtClean="0">
+                              <a:latin typeface="Cambria Math" panose="02040503050406030204" pitchFamily="18" charset="0"/>
+                            </a:rPr>
+                            <m:t>5</m:t>
+                          </m:r>
+                        </m:sub>
+                      </m:sSub>
+                    </m:oMath>
+                  </m:oMathPara>
+                </a14:m>
+                <a:endParaRPr lang="en-US" dirty="0"/>
+              </a:p>
+            </p:txBody>
+          </p:sp>
+        </mc:Choice>
+        <mc:Fallback>
+          <p:sp>
+            <p:nvSpPr>
+              <p:cNvPr id="66" name="TextBox 65">
+                <a:extLst>
+                  <a:ext uri="{FF2B5EF4-FFF2-40B4-BE49-F238E27FC236}">
+                    <a16:creationId xmlns:a16="http://schemas.microsoft.com/office/drawing/2014/main" id="{3C5DC824-31A2-70C5-D726-A1D240F3F098}"/>
+                  </a:ext>
+                </a:extLst>
+              </p:cNvPr>
+              <p:cNvSpPr txBox="1">
+                <a:spLocks noRot="1" noChangeAspect="1" noMove="1" noResize="1" noEditPoints="1" noAdjustHandles="1" noChangeArrowheads="1" noChangeShapeType="1" noTextEdit="1"/>
+              </p:cNvSpPr>
+              <p:nvPr/>
+            </p:nvSpPr>
+            <p:spPr>
+              <a:xfrm>
+                <a:off x="8444393" y="5264682"/>
+                <a:ext cx="466217" cy="369332"/>
+              </a:xfrm>
+              <a:prstGeom prst="rect">
+                <a:avLst/>
+              </a:prstGeom>
+              <a:blipFill>
+                <a:blip r:embed="rId28"/>
+                <a:stretch>
+                  <a:fillRect b="-6667"/>
+                </a:stretch>
+              </a:blipFill>
+            </p:spPr>
+            <p:txBody>
+              <a:bodyPr/>
+              <a:lstStyle/>
+              <a:p>
+                <a:r>
+                  <a:rPr lang="en-US">
+                    <a:noFill/>
+                  </a:rPr>
+                  <a:t> </a:t>
+                </a:r>
+              </a:p>
+            </p:txBody>
+          </p:sp>
+        </mc:Fallback>
+      </mc:AlternateContent>
+      <p:sp>
+        <p:nvSpPr>
+          <p:cNvPr id="77" name="Rectangle 76">
+            <a:extLst>
+              <a:ext uri="{FF2B5EF4-FFF2-40B4-BE49-F238E27FC236}">
+                <a16:creationId xmlns:a16="http://schemas.microsoft.com/office/drawing/2014/main" id="{19631926-B303-D07C-9552-9B0816ED98FE}"/>
+              </a:ext>
+            </a:extLst>
+          </p:cNvPr>
+          <p:cNvSpPr/>
+          <p:nvPr/>
+        </p:nvSpPr>
+        <p:spPr>
+          <a:xfrm>
+            <a:off x="8370610" y="5179348"/>
+            <a:ext cx="540000" cy="540000"/>
+          </a:xfrm>
+          <a:prstGeom prst="rect">
+            <a:avLst/>
+          </a:prstGeom>
+          <a:noFill/>
+          <a:ln>
+            <a:solidFill>
+              <a:schemeClr val="tx1"/>
+            </a:solidFill>
+          </a:ln>
+        </p:spPr>
+        <p:style>
+          <a:lnRef idx="2">
+            <a:schemeClr val="accent1">
+              <a:shade val="50000"/>
+            </a:schemeClr>
+          </a:lnRef>
+          <a:fillRef idx="1">
+            <a:schemeClr val="accent1"/>
+          </a:fillRef>
+          <a:effectRef idx="0">
+            <a:schemeClr val="accent1"/>
+          </a:effectRef>
+          <a:fontRef idx="minor">
+            <a:schemeClr val="lt1"/>
+          </a:fontRef>
+        </p:style>
+        <p:txBody>
+          <a:bodyPr rtlCol="0" anchor="ctr"/>
+          <a:lstStyle/>
+          <a:p>
+            <a:pPr algn="ctr"/>
+            <a:endParaRPr lang="en-US"/>
+          </a:p>
+        </p:txBody>
+      </p:sp>
+      <p:cxnSp>
+        <p:nvCxnSpPr>
+          <p:cNvPr id="78" name="Straight Arrow Connector 77">
+            <a:extLst>
+              <a:ext uri="{FF2B5EF4-FFF2-40B4-BE49-F238E27FC236}">
+                <a16:creationId xmlns:a16="http://schemas.microsoft.com/office/drawing/2014/main" id="{015A8E2C-79F4-99EB-06B5-0A946E534766}"/>
+              </a:ext>
+            </a:extLst>
+          </p:cNvPr>
+          <p:cNvCxnSpPr>
+            <a:cxnSpLocks/>
+            <a:stCxn id="77" idx="0"/>
+          </p:cNvCxnSpPr>
+          <p:nvPr/>
+        </p:nvCxnSpPr>
+        <p:spPr>
+          <a:xfrm flipV="1">
+            <a:off x="8640610" y="4580858"/>
+            <a:ext cx="2867" cy="598490"/>
+          </a:xfrm>
+          <a:prstGeom prst="straightConnector1">
+            <a:avLst/>
+          </a:prstGeom>
+          <a:ln>
+            <a:solidFill>
+              <a:schemeClr val="tx1"/>
+            </a:solidFill>
+            <a:tailEnd type="triangle" w="lg" len="lg"/>
+          </a:ln>
+        </p:spPr>
+        <p:style>
+          <a:lnRef idx="1">
+            <a:schemeClr val="accent1"/>
+          </a:lnRef>
+          <a:fillRef idx="0">
+            <a:schemeClr val="accent1"/>
+          </a:fillRef>
+          <a:effectRef idx="0">
+            <a:schemeClr val="accent1"/>
+          </a:effectRef>
+          <a:fontRef idx="minor">
+            <a:schemeClr val="tx1"/>
+          </a:fontRef>
+        </p:style>
+      </p:cxnSp>
+      <mc:AlternateContent xmlns:mc="http://schemas.openxmlformats.org/markup-compatibility/2006">
+        <mc:Choice xmlns:a14="http://schemas.microsoft.com/office/drawing/2010/main" Requires="a14">
+          <p:sp>
+            <p:nvSpPr>
+              <p:cNvPr id="79" name="Oval 78">
+                <a:extLst>
+                  <a:ext uri="{FF2B5EF4-FFF2-40B4-BE49-F238E27FC236}">
+                    <a16:creationId xmlns:a16="http://schemas.microsoft.com/office/drawing/2014/main" id="{F4FF1CC8-FA05-5742-1FAF-9B4822CA2527}"/>
+                  </a:ext>
+                </a:extLst>
+              </p:cNvPr>
+              <p:cNvSpPr/>
+              <p:nvPr/>
+            </p:nvSpPr>
+            <p:spPr>
+              <a:xfrm>
+                <a:off x="9294739" y="4036932"/>
+                <a:ext cx="540000" cy="540000"/>
+              </a:xfrm>
+              <a:prstGeom prst="ellipse">
+                <a:avLst/>
+              </a:prstGeom>
+              <a:noFill/>
+              <a:ln>
+                <a:solidFill>
+                  <a:schemeClr val="tx1"/>
+                </a:solidFill>
+              </a:ln>
+            </p:spPr>
+            <p:style>
+              <a:lnRef idx="2">
+                <a:schemeClr val="accent1">
+                  <a:shade val="50000"/>
+                </a:schemeClr>
+              </a:lnRef>
+              <a:fillRef idx="1">
+                <a:schemeClr val="accent1"/>
+              </a:fillRef>
+              <a:effectRef idx="0">
+                <a:schemeClr val="accent1"/>
+              </a:effectRef>
+              <a:fontRef idx="minor">
+                <a:schemeClr val="lt1"/>
+              </a:fontRef>
+            </p:style>
+            <p:txBody>
+              <a:bodyPr rtlCol="0" anchor="ctr"/>
+              <a:lstStyle/>
+              <a:p>
+                <a:pPr algn="ctr"/>
+                <a14:m>
+                  <m:oMathPara xmlns:m="http://schemas.openxmlformats.org/officeDocument/2006/math">
+                    <m:oMathParaPr>
+                      <m:jc m:val="centerGroup"/>
+                    </m:oMathParaPr>
+                    <m:oMath xmlns:m="http://schemas.openxmlformats.org/officeDocument/2006/math">
+                      <m:sSub>
+                        <m:sSubPr>
+                          <m:ctrlPr>
+                            <a:rPr lang="en-CA" b="0" i="1" smtClean="0">
+                              <a:solidFill>
+                                <a:schemeClr val="tx1"/>
+                              </a:solidFill>
+                              <a:latin typeface="Cambria Math" panose="02040503050406030204" pitchFamily="18" charset="0"/>
+                            </a:rPr>
+                          </m:ctrlPr>
+                        </m:sSubPr>
+                        <m:e>
+                          <m:r>
+                            <a:rPr lang="en-CA" b="0" i="1" smtClean="0">
+                              <a:solidFill>
+                                <a:schemeClr val="tx1"/>
+                              </a:solidFill>
+                              <a:latin typeface="Cambria Math" panose="02040503050406030204" pitchFamily="18" charset="0"/>
+                            </a:rPr>
+                            <m:t>𝑌</m:t>
+                          </m:r>
+                        </m:e>
+                        <m:sub>
+                          <m:r>
+                            <a:rPr lang="en-CA" b="0" i="1" smtClean="0">
+                              <a:solidFill>
+                                <a:schemeClr val="tx1"/>
+                              </a:solidFill>
+                              <a:latin typeface="Cambria Math" panose="02040503050406030204" pitchFamily="18" charset="0"/>
+                            </a:rPr>
+                            <m:t>𝑖</m:t>
+                          </m:r>
+                          <m:r>
+                            <a:rPr lang="en-CA" b="0" i="1" smtClean="0">
+                              <a:solidFill>
+                                <a:schemeClr val="tx1"/>
+                              </a:solidFill>
+                              <a:latin typeface="Cambria Math" panose="02040503050406030204" pitchFamily="18" charset="0"/>
+                            </a:rPr>
+                            <m:t>6</m:t>
+                          </m:r>
+                        </m:sub>
+                      </m:sSub>
+                    </m:oMath>
+                  </m:oMathPara>
+                </a14:m>
+                <a:endParaRPr lang="en-CA" b="0" dirty="0">
+                  <a:solidFill>
+                    <a:schemeClr val="tx1"/>
+                  </a:solidFill>
+                </a:endParaRPr>
+              </a:p>
+            </p:txBody>
+          </p:sp>
+        </mc:Choice>
+        <mc:Fallback>
+          <p:sp>
+            <p:nvSpPr>
+              <p:cNvPr id="79" name="Oval 78">
+                <a:extLst>
+                  <a:ext uri="{FF2B5EF4-FFF2-40B4-BE49-F238E27FC236}">
+                    <a16:creationId xmlns:a16="http://schemas.microsoft.com/office/drawing/2014/main" id="{F4FF1CC8-FA05-5742-1FAF-9B4822CA2527}"/>
+                  </a:ext>
+                </a:extLst>
+              </p:cNvPr>
+              <p:cNvSpPr>
+                <a:spLocks noRot="1" noChangeAspect="1" noMove="1" noResize="1" noEditPoints="1" noAdjustHandles="1" noChangeArrowheads="1" noChangeShapeType="1" noTextEdit="1"/>
+              </p:cNvSpPr>
+              <p:nvPr/>
+            </p:nvSpPr>
+            <p:spPr>
+              <a:xfrm>
+                <a:off x="9294739" y="4036932"/>
+                <a:ext cx="540000" cy="540000"/>
+              </a:xfrm>
+              <a:prstGeom prst="ellipse">
+                <a:avLst/>
+              </a:prstGeom>
+              <a:blipFill>
+                <a:blip r:embed="rId29"/>
+                <a:stretch>
+                  <a:fillRect/>
+                </a:stretch>
+              </a:blipFill>
+              <a:ln>
+                <a:solidFill>
+                  <a:schemeClr val="tx1"/>
+                </a:solidFill>
+              </a:ln>
+            </p:spPr>
+            <p:txBody>
+              <a:bodyPr/>
+              <a:lstStyle/>
+              <a:p>
+                <a:r>
+                  <a:rPr lang="en-US">
+                    <a:noFill/>
+                  </a:rPr>
+                  <a:t> </a:t>
+                </a:r>
+              </a:p>
+            </p:txBody>
+          </p:sp>
+        </mc:Fallback>
+      </mc:AlternateContent>
+      <mc:AlternateContent xmlns:mc="http://schemas.openxmlformats.org/markup-compatibility/2006">
+        <mc:Choice xmlns:a14="http://schemas.microsoft.com/office/drawing/2010/main" Requires="a14">
+          <p:sp>
+            <p:nvSpPr>
+              <p:cNvPr id="80" name="Oval 79">
+                <a:extLst>
+                  <a:ext uri="{FF2B5EF4-FFF2-40B4-BE49-F238E27FC236}">
+                    <a16:creationId xmlns:a16="http://schemas.microsoft.com/office/drawing/2014/main" id="{AEC82548-1F36-7E61-A4D5-CA318D848715}"/>
+                  </a:ext>
+                </a:extLst>
+              </p:cNvPr>
+              <p:cNvSpPr/>
+              <p:nvPr/>
+            </p:nvSpPr>
+            <p:spPr>
+              <a:xfrm>
+                <a:off x="9294739" y="2875309"/>
+                <a:ext cx="540000" cy="540000"/>
+              </a:xfrm>
+              <a:prstGeom prst="ellipse">
+                <a:avLst/>
+              </a:prstGeom>
+              <a:noFill/>
+              <a:ln>
+                <a:solidFill>
+                  <a:schemeClr val="tx1"/>
+                </a:solidFill>
+              </a:ln>
+            </p:spPr>
+            <p:style>
+              <a:lnRef idx="2">
+                <a:schemeClr val="accent1">
+                  <a:shade val="50000"/>
+                </a:schemeClr>
+              </a:lnRef>
+              <a:fillRef idx="1">
+                <a:schemeClr val="accent1"/>
+              </a:fillRef>
+              <a:effectRef idx="0">
+                <a:schemeClr val="accent1"/>
+              </a:effectRef>
+              <a:fontRef idx="minor">
+                <a:schemeClr val="lt1"/>
+              </a:fontRef>
+            </p:style>
+            <p:txBody>
+              <a:bodyPr rtlCol="0" anchor="ctr"/>
+              <a:lstStyle/>
+              <a:p>
+                <a:pPr algn="ctr"/>
+                <a14:m>
+                  <m:oMathPara xmlns:m="http://schemas.openxmlformats.org/officeDocument/2006/math">
+                    <m:oMathParaPr>
+                      <m:jc m:val="centerGroup"/>
+                    </m:oMathParaPr>
+                    <m:oMath xmlns:m="http://schemas.openxmlformats.org/officeDocument/2006/math">
+                      <m:sSub>
+                        <m:sSubPr>
+                          <m:ctrlPr>
+                            <a:rPr lang="en-CA" b="0" i="1" smtClean="0">
+                              <a:solidFill>
+                                <a:schemeClr val="tx1"/>
+                              </a:solidFill>
+                              <a:latin typeface="Cambria Math" panose="02040503050406030204" pitchFamily="18" charset="0"/>
+                            </a:rPr>
+                          </m:ctrlPr>
+                        </m:sSubPr>
+                        <m:e>
+                          <m:r>
+                            <a:rPr lang="en-CA" b="0" i="1" smtClean="0">
+                              <a:solidFill>
+                                <a:schemeClr val="tx1"/>
+                              </a:solidFill>
+                              <a:latin typeface="Cambria Math" panose="02040503050406030204" pitchFamily="18" charset="0"/>
+                            </a:rPr>
+                            <m:t>𝑍</m:t>
+                          </m:r>
+                        </m:e>
+                        <m:sub>
+                          <m:r>
+                            <a:rPr lang="en-CA" b="0" i="1" smtClean="0">
+                              <a:solidFill>
+                                <a:schemeClr val="tx1"/>
+                              </a:solidFill>
+                              <a:latin typeface="Cambria Math" panose="02040503050406030204" pitchFamily="18" charset="0"/>
+                            </a:rPr>
+                            <m:t>𝑖</m:t>
+                          </m:r>
+                          <m:r>
+                            <a:rPr lang="en-CA" b="0" i="1" smtClean="0">
+                              <a:solidFill>
+                                <a:schemeClr val="tx1"/>
+                              </a:solidFill>
+                              <a:latin typeface="Cambria Math" panose="02040503050406030204" pitchFamily="18" charset="0"/>
+                            </a:rPr>
+                            <m:t>6</m:t>
+                          </m:r>
+                        </m:sub>
+                      </m:sSub>
+                    </m:oMath>
+                  </m:oMathPara>
+                </a14:m>
+                <a:endParaRPr lang="en-CA" b="0" dirty="0">
+                  <a:solidFill>
+                    <a:schemeClr val="tx1"/>
+                  </a:solidFill>
+                </a:endParaRPr>
+              </a:p>
+            </p:txBody>
+          </p:sp>
+        </mc:Choice>
+        <mc:Fallback>
+          <p:sp>
+            <p:nvSpPr>
+              <p:cNvPr id="80" name="Oval 79">
+                <a:extLst>
+                  <a:ext uri="{FF2B5EF4-FFF2-40B4-BE49-F238E27FC236}">
+                    <a16:creationId xmlns:a16="http://schemas.microsoft.com/office/drawing/2014/main" id="{AEC82548-1F36-7E61-A4D5-CA318D848715}"/>
+                  </a:ext>
+                </a:extLst>
+              </p:cNvPr>
+              <p:cNvSpPr>
+                <a:spLocks noRot="1" noChangeAspect="1" noMove="1" noResize="1" noEditPoints="1" noAdjustHandles="1" noChangeArrowheads="1" noChangeShapeType="1" noTextEdit="1"/>
+              </p:cNvSpPr>
+              <p:nvPr/>
+            </p:nvSpPr>
+            <p:spPr>
+              <a:xfrm>
+                <a:off x="9294739" y="2875309"/>
+                <a:ext cx="540000" cy="540000"/>
+              </a:xfrm>
+              <a:prstGeom prst="ellipse">
+                <a:avLst/>
+              </a:prstGeom>
+              <a:blipFill>
+                <a:blip r:embed="rId30"/>
+                <a:stretch>
+                  <a:fillRect/>
+                </a:stretch>
+              </a:blipFill>
+              <a:ln>
+                <a:solidFill>
+                  <a:schemeClr val="tx1"/>
+                </a:solidFill>
+              </a:ln>
+            </p:spPr>
+            <p:txBody>
+              <a:bodyPr/>
+              <a:lstStyle/>
+              <a:p>
+                <a:r>
+                  <a:rPr lang="en-US">
+                    <a:noFill/>
+                  </a:rPr>
+                  <a:t> </a:t>
+                </a:r>
+              </a:p>
+            </p:txBody>
+          </p:sp>
+        </mc:Fallback>
+      </mc:AlternateContent>
+      <p:cxnSp>
+        <p:nvCxnSpPr>
+          <p:cNvPr id="81" name="Straight Arrow Connector 80">
+            <a:extLst>
+              <a:ext uri="{FF2B5EF4-FFF2-40B4-BE49-F238E27FC236}">
+                <a16:creationId xmlns:a16="http://schemas.microsoft.com/office/drawing/2014/main" id="{FDECAE0E-49F6-BDC5-8ABB-9F96C226A0F3}"/>
+              </a:ext>
+            </a:extLst>
+          </p:cNvPr>
+          <p:cNvCxnSpPr>
+            <a:cxnSpLocks/>
+          </p:cNvCxnSpPr>
+          <p:nvPr/>
+        </p:nvCxnSpPr>
+        <p:spPr>
+          <a:xfrm flipV="1">
+            <a:off x="9837493" y="3145309"/>
+            <a:ext cx="393346" cy="1620"/>
+          </a:xfrm>
+          <a:prstGeom prst="straightConnector1">
+            <a:avLst/>
+          </a:prstGeom>
+          <a:ln>
+            <a:solidFill>
+              <a:schemeClr val="tx1"/>
+            </a:solidFill>
+            <a:tailEnd type="triangle" w="lg" len="lg"/>
+          </a:ln>
+        </p:spPr>
+        <p:style>
+          <a:lnRef idx="1">
+            <a:schemeClr val="accent1"/>
+          </a:lnRef>
+          <a:fillRef idx="0">
+            <a:schemeClr val="accent1"/>
+          </a:fillRef>
+          <a:effectRef idx="0">
+            <a:schemeClr val="accent1"/>
+          </a:effectRef>
+          <a:fontRef idx="minor">
+            <a:schemeClr val="tx1"/>
+          </a:fontRef>
+        </p:style>
+      </p:cxnSp>
+      <p:cxnSp>
+        <p:nvCxnSpPr>
+          <p:cNvPr id="82" name="Straight Arrow Connector 81">
+            <a:extLst>
+              <a:ext uri="{FF2B5EF4-FFF2-40B4-BE49-F238E27FC236}">
+                <a16:creationId xmlns:a16="http://schemas.microsoft.com/office/drawing/2014/main" id="{1322AE4A-AFFF-1137-3E36-1AE24EF0FB2A}"/>
+              </a:ext>
+            </a:extLst>
+          </p:cNvPr>
+          <p:cNvCxnSpPr>
+            <a:cxnSpLocks/>
+          </p:cNvCxnSpPr>
+          <p:nvPr/>
+        </p:nvCxnSpPr>
+        <p:spPr>
+          <a:xfrm>
+            <a:off x="9564739" y="3416838"/>
+            <a:ext cx="0" cy="621623"/>
+          </a:xfrm>
+          <a:prstGeom prst="straightConnector1">
+            <a:avLst/>
+          </a:prstGeom>
+          <a:ln>
+            <a:solidFill>
+              <a:schemeClr val="tx1"/>
+            </a:solidFill>
+            <a:tailEnd type="triangle" w="lg" len="lg"/>
+          </a:ln>
+        </p:spPr>
+        <p:style>
+          <a:lnRef idx="1">
+            <a:schemeClr val="accent1"/>
+          </a:lnRef>
+          <a:fillRef idx="0">
+            <a:schemeClr val="accent1"/>
+          </a:fillRef>
+          <a:effectRef idx="0">
+            <a:schemeClr val="accent1"/>
+          </a:effectRef>
+          <a:fontRef idx="minor">
+            <a:schemeClr val="tx1"/>
+          </a:fontRef>
+        </p:style>
+      </p:cxnSp>
+      <mc:AlternateContent xmlns:mc="http://schemas.openxmlformats.org/markup-compatibility/2006">
+        <mc:Choice xmlns:a14="http://schemas.microsoft.com/office/drawing/2010/main" Requires="a14">
+          <p:sp>
+            <p:nvSpPr>
+              <p:cNvPr id="83" name="TextBox 82">
+                <a:extLst>
+                  <a:ext uri="{FF2B5EF4-FFF2-40B4-BE49-F238E27FC236}">
+                    <a16:creationId xmlns:a16="http://schemas.microsoft.com/office/drawing/2014/main" id="{11CD05E1-D52F-6AD1-0096-971CADF05B94}"/>
+                  </a:ext>
+                </a:extLst>
+              </p:cNvPr>
+              <p:cNvSpPr txBox="1"/>
+              <p:nvPr/>
+            </p:nvSpPr>
+            <p:spPr>
+              <a:xfrm>
+                <a:off x="9375393" y="5264682"/>
+                <a:ext cx="466217" cy="369332"/>
+              </a:xfrm>
+              <a:prstGeom prst="rect">
+                <a:avLst/>
+              </a:prstGeom>
+              <a:noFill/>
+            </p:spPr>
+            <p:txBody>
+              <a:bodyPr wrap="square" rtlCol="0">
+                <a:spAutoFit/>
+              </a:bodyPr>
+              <a:lstStyle/>
+              <a:p>
+                <a:pPr/>
+                <a14:m>
+                  <m:oMathPara xmlns:m="http://schemas.openxmlformats.org/officeDocument/2006/math">
+                    <m:oMathParaPr>
+                      <m:jc m:val="centerGroup"/>
+                    </m:oMathParaPr>
+                    <m:oMath xmlns:m="http://schemas.openxmlformats.org/officeDocument/2006/math">
+                      <m:sSub>
+                        <m:sSubPr>
+                          <m:ctrlPr>
+                            <a:rPr lang="en-CA" b="0" i="1" smtClean="0">
+                              <a:latin typeface="Cambria Math" panose="02040503050406030204" pitchFamily="18" charset="0"/>
+                            </a:rPr>
+                          </m:ctrlPr>
+                        </m:sSubPr>
+                        <m:e>
+                          <m:r>
+                            <a:rPr lang="en-CA" b="0" i="1" smtClean="0">
+                              <a:latin typeface="Cambria Math" panose="02040503050406030204" pitchFamily="18" charset="0"/>
+                            </a:rPr>
+                            <m:t>𝑝</m:t>
+                          </m:r>
+                        </m:e>
+                        <m:sub>
+                          <m:r>
+                            <a:rPr lang="en-CA" b="0" i="1" smtClean="0">
+                              <a:latin typeface="Cambria Math" panose="02040503050406030204" pitchFamily="18" charset="0"/>
+                            </a:rPr>
+                            <m:t>6</m:t>
+                          </m:r>
+                        </m:sub>
+                      </m:sSub>
+                    </m:oMath>
+                  </m:oMathPara>
+                </a14:m>
+                <a:endParaRPr lang="en-US" dirty="0"/>
+              </a:p>
+            </p:txBody>
+          </p:sp>
+        </mc:Choice>
+        <mc:Fallback>
+          <p:sp>
+            <p:nvSpPr>
+              <p:cNvPr id="83" name="TextBox 82">
+                <a:extLst>
+                  <a:ext uri="{FF2B5EF4-FFF2-40B4-BE49-F238E27FC236}">
+                    <a16:creationId xmlns:a16="http://schemas.microsoft.com/office/drawing/2014/main" id="{11CD05E1-D52F-6AD1-0096-971CADF05B94}"/>
+                  </a:ext>
+                </a:extLst>
+              </p:cNvPr>
+              <p:cNvSpPr txBox="1">
+                <a:spLocks noRot="1" noChangeAspect="1" noMove="1" noResize="1" noEditPoints="1" noAdjustHandles="1" noChangeArrowheads="1" noChangeShapeType="1" noTextEdit="1"/>
+              </p:cNvSpPr>
+              <p:nvPr/>
+            </p:nvSpPr>
+            <p:spPr>
+              <a:xfrm>
+                <a:off x="9375393" y="5264682"/>
+                <a:ext cx="466217" cy="369332"/>
+              </a:xfrm>
+              <a:prstGeom prst="rect">
+                <a:avLst/>
+              </a:prstGeom>
+              <a:blipFill>
+                <a:blip r:embed="rId31"/>
+                <a:stretch>
+                  <a:fillRect b="-6667"/>
+                </a:stretch>
+              </a:blipFill>
+            </p:spPr>
+            <p:txBody>
+              <a:bodyPr/>
+              <a:lstStyle/>
+              <a:p>
+                <a:r>
+                  <a:rPr lang="en-US">
+                    <a:noFill/>
+                  </a:rPr>
+                  <a:t> </a:t>
+                </a:r>
+              </a:p>
+            </p:txBody>
+          </p:sp>
+        </mc:Fallback>
+      </mc:AlternateContent>
+      <p:sp>
+        <p:nvSpPr>
+          <p:cNvPr id="84" name="Rectangle 83">
+            <a:extLst>
+              <a:ext uri="{FF2B5EF4-FFF2-40B4-BE49-F238E27FC236}">
+                <a16:creationId xmlns:a16="http://schemas.microsoft.com/office/drawing/2014/main" id="{279ECACE-8533-D8DC-E8FA-4B71A2225D8F}"/>
+              </a:ext>
+            </a:extLst>
+          </p:cNvPr>
+          <p:cNvSpPr/>
+          <p:nvPr/>
+        </p:nvSpPr>
+        <p:spPr>
+          <a:xfrm>
+            <a:off x="9301610" y="5179348"/>
+            <a:ext cx="540000" cy="540000"/>
+          </a:xfrm>
+          <a:prstGeom prst="rect">
+            <a:avLst/>
+          </a:prstGeom>
+          <a:noFill/>
+          <a:ln>
+            <a:solidFill>
+              <a:schemeClr val="tx1"/>
+            </a:solidFill>
+          </a:ln>
+        </p:spPr>
+        <p:style>
+          <a:lnRef idx="2">
+            <a:schemeClr val="accent1">
+              <a:shade val="50000"/>
+            </a:schemeClr>
+          </a:lnRef>
+          <a:fillRef idx="1">
+            <a:schemeClr val="accent1"/>
+          </a:fillRef>
+          <a:effectRef idx="0">
+            <a:schemeClr val="accent1"/>
+          </a:effectRef>
+          <a:fontRef idx="minor">
+            <a:schemeClr val="lt1"/>
+          </a:fontRef>
+        </p:style>
+        <p:txBody>
+          <a:bodyPr rtlCol="0" anchor="ctr"/>
+          <a:lstStyle/>
+          <a:p>
+            <a:pPr algn="ctr"/>
+            <a:endParaRPr lang="en-US"/>
+          </a:p>
+        </p:txBody>
+      </p:sp>
+      <p:cxnSp>
+        <p:nvCxnSpPr>
+          <p:cNvPr id="85" name="Straight Arrow Connector 84">
+            <a:extLst>
+              <a:ext uri="{FF2B5EF4-FFF2-40B4-BE49-F238E27FC236}">
+                <a16:creationId xmlns:a16="http://schemas.microsoft.com/office/drawing/2014/main" id="{36BFF7B0-4D11-579B-9AD9-FA7D0E46F9CF}"/>
+              </a:ext>
+            </a:extLst>
+          </p:cNvPr>
+          <p:cNvCxnSpPr>
+            <a:cxnSpLocks/>
+            <a:stCxn id="84" idx="0"/>
+          </p:cNvCxnSpPr>
+          <p:nvPr/>
+        </p:nvCxnSpPr>
+        <p:spPr>
+          <a:xfrm flipV="1">
+            <a:off x="9571610" y="4580858"/>
+            <a:ext cx="2867" cy="598490"/>
+          </a:xfrm>
+          <a:prstGeom prst="straightConnector1">
+            <a:avLst/>
+          </a:prstGeom>
+          <a:ln>
+            <a:solidFill>
+              <a:schemeClr val="tx1"/>
+            </a:solidFill>
+            <a:tailEnd type="triangle" w="lg" len="lg"/>
+          </a:ln>
+        </p:spPr>
+        <p:style>
+          <a:lnRef idx="1">
+            <a:schemeClr val="accent1"/>
+          </a:lnRef>
+          <a:fillRef idx="0">
+            <a:schemeClr val="accent1"/>
+          </a:fillRef>
+          <a:effectRef idx="0">
+            <a:schemeClr val="accent1"/>
+          </a:effectRef>
+          <a:fontRef idx="minor">
+            <a:schemeClr val="tx1"/>
+          </a:fontRef>
+        </p:style>
+      </p:cxnSp>
+      <mc:AlternateContent xmlns:mc="http://schemas.openxmlformats.org/markup-compatibility/2006">
+        <mc:Choice xmlns:a14="http://schemas.microsoft.com/office/drawing/2010/main" Requires="a14">
+          <p:sp>
+            <p:nvSpPr>
+              <p:cNvPr id="86" name="Oval 85">
+                <a:extLst>
+                  <a:ext uri="{FF2B5EF4-FFF2-40B4-BE49-F238E27FC236}">
+                    <a16:creationId xmlns:a16="http://schemas.microsoft.com/office/drawing/2014/main" id="{AB872FA8-C666-6726-02B4-05F34BDA8ED6}"/>
+                  </a:ext>
+                </a:extLst>
+              </p:cNvPr>
+              <p:cNvSpPr/>
+              <p:nvPr/>
+            </p:nvSpPr>
+            <p:spPr>
+              <a:xfrm>
+                <a:off x="10232610" y="4050623"/>
+                <a:ext cx="540000" cy="540000"/>
+              </a:xfrm>
+              <a:prstGeom prst="ellipse">
+                <a:avLst/>
+              </a:prstGeom>
+              <a:noFill/>
+              <a:ln>
+                <a:solidFill>
+                  <a:schemeClr val="tx1"/>
+                </a:solidFill>
+              </a:ln>
+            </p:spPr>
+            <p:style>
+              <a:lnRef idx="2">
+                <a:schemeClr val="accent1">
+                  <a:shade val="50000"/>
+                </a:schemeClr>
+              </a:lnRef>
+              <a:fillRef idx="1">
+                <a:schemeClr val="accent1"/>
+              </a:fillRef>
+              <a:effectRef idx="0">
+                <a:schemeClr val="accent1"/>
+              </a:effectRef>
+              <a:fontRef idx="minor">
+                <a:schemeClr val="lt1"/>
+              </a:fontRef>
+            </p:style>
+            <p:txBody>
+              <a:bodyPr rtlCol="0" anchor="ctr"/>
+              <a:lstStyle/>
+              <a:p>
+                <a:pPr algn="ctr"/>
+                <a14:m>
+                  <m:oMathPara xmlns:m="http://schemas.openxmlformats.org/officeDocument/2006/math">
+                    <m:oMathParaPr>
+                      <m:jc m:val="centerGroup"/>
+                    </m:oMathParaPr>
+                    <m:oMath xmlns:m="http://schemas.openxmlformats.org/officeDocument/2006/math">
+                      <m:sSub>
+                        <m:sSubPr>
+                          <m:ctrlPr>
+                            <a:rPr lang="en-CA" b="0" i="1" smtClean="0">
+                              <a:solidFill>
+                                <a:schemeClr val="tx1"/>
+                              </a:solidFill>
+                              <a:latin typeface="Cambria Math" panose="02040503050406030204" pitchFamily="18" charset="0"/>
+                            </a:rPr>
+                          </m:ctrlPr>
+                        </m:sSubPr>
+                        <m:e>
+                          <m:r>
+                            <a:rPr lang="en-CA" b="0" i="1" smtClean="0">
+                              <a:solidFill>
+                                <a:schemeClr val="tx1"/>
+                              </a:solidFill>
+                              <a:latin typeface="Cambria Math" panose="02040503050406030204" pitchFamily="18" charset="0"/>
+                            </a:rPr>
+                            <m:t>𝑌</m:t>
+                          </m:r>
+                        </m:e>
+                        <m:sub>
+                          <m:r>
+                            <a:rPr lang="en-CA" b="0" i="1" smtClean="0">
+                              <a:solidFill>
+                                <a:schemeClr val="tx1"/>
+                              </a:solidFill>
+                              <a:latin typeface="Cambria Math" panose="02040503050406030204" pitchFamily="18" charset="0"/>
+                            </a:rPr>
+                            <m:t>𝑖</m:t>
+                          </m:r>
+                          <m:r>
+                            <a:rPr lang="en-CA" b="0" i="1" smtClean="0">
+                              <a:solidFill>
+                                <a:schemeClr val="tx1"/>
+                              </a:solidFill>
+                              <a:latin typeface="Cambria Math" panose="02040503050406030204" pitchFamily="18" charset="0"/>
+                            </a:rPr>
+                            <m:t>7</m:t>
+                          </m:r>
+                        </m:sub>
+                      </m:sSub>
+                    </m:oMath>
+                  </m:oMathPara>
+                </a14:m>
+                <a:endParaRPr lang="en-CA" b="0" dirty="0">
+                  <a:solidFill>
+                    <a:schemeClr val="tx1"/>
+                  </a:solidFill>
+                </a:endParaRPr>
+              </a:p>
+            </p:txBody>
+          </p:sp>
+        </mc:Choice>
+        <mc:Fallback>
+          <p:sp>
+            <p:nvSpPr>
+              <p:cNvPr id="86" name="Oval 85">
+                <a:extLst>
+                  <a:ext uri="{FF2B5EF4-FFF2-40B4-BE49-F238E27FC236}">
+                    <a16:creationId xmlns:a16="http://schemas.microsoft.com/office/drawing/2014/main" id="{AB872FA8-C666-6726-02B4-05F34BDA8ED6}"/>
+                  </a:ext>
+                </a:extLst>
+              </p:cNvPr>
+              <p:cNvSpPr>
+                <a:spLocks noRot="1" noChangeAspect="1" noMove="1" noResize="1" noEditPoints="1" noAdjustHandles="1" noChangeArrowheads="1" noChangeShapeType="1" noTextEdit="1"/>
+              </p:cNvSpPr>
+              <p:nvPr/>
+            </p:nvSpPr>
+            <p:spPr>
+              <a:xfrm>
+                <a:off x="10232610" y="4050623"/>
+                <a:ext cx="540000" cy="540000"/>
+              </a:xfrm>
+              <a:prstGeom prst="ellipse">
+                <a:avLst/>
+              </a:prstGeom>
+              <a:blipFill>
+                <a:blip r:embed="rId32"/>
+                <a:stretch>
+                  <a:fillRect/>
+                </a:stretch>
+              </a:blipFill>
+              <a:ln>
+                <a:solidFill>
+                  <a:schemeClr val="tx1"/>
+                </a:solidFill>
+              </a:ln>
+            </p:spPr>
+            <p:txBody>
+              <a:bodyPr/>
+              <a:lstStyle/>
+              <a:p>
+                <a:r>
+                  <a:rPr lang="en-US">
+                    <a:noFill/>
+                  </a:rPr>
+                  <a:t> </a:t>
+                </a:r>
+              </a:p>
+            </p:txBody>
+          </p:sp>
+        </mc:Fallback>
+      </mc:AlternateContent>
+      <mc:AlternateContent xmlns:mc="http://schemas.openxmlformats.org/markup-compatibility/2006">
+        <mc:Choice xmlns:a14="http://schemas.microsoft.com/office/drawing/2010/main" Requires="a14">
+          <p:sp>
+            <p:nvSpPr>
+              <p:cNvPr id="87" name="Oval 86">
+                <a:extLst>
+                  <a:ext uri="{FF2B5EF4-FFF2-40B4-BE49-F238E27FC236}">
+                    <a16:creationId xmlns:a16="http://schemas.microsoft.com/office/drawing/2014/main" id="{6D028BCC-D715-0BEC-807A-0DB59678F247}"/>
+                  </a:ext>
+                </a:extLst>
+              </p:cNvPr>
+              <p:cNvSpPr/>
+              <p:nvPr/>
+            </p:nvSpPr>
+            <p:spPr>
+              <a:xfrm>
+                <a:off x="10232610" y="2889000"/>
+                <a:ext cx="540000" cy="540000"/>
+              </a:xfrm>
+              <a:prstGeom prst="ellipse">
+                <a:avLst/>
+              </a:prstGeom>
+              <a:noFill/>
+              <a:ln>
+                <a:solidFill>
+                  <a:schemeClr val="tx1"/>
+                </a:solidFill>
+              </a:ln>
+            </p:spPr>
+            <p:style>
+              <a:lnRef idx="2">
+                <a:schemeClr val="accent1">
+                  <a:shade val="50000"/>
+                </a:schemeClr>
+              </a:lnRef>
+              <a:fillRef idx="1">
+                <a:schemeClr val="accent1"/>
+              </a:fillRef>
+              <a:effectRef idx="0">
+                <a:schemeClr val="accent1"/>
+              </a:effectRef>
+              <a:fontRef idx="minor">
+                <a:schemeClr val="lt1"/>
+              </a:fontRef>
+            </p:style>
+            <p:txBody>
+              <a:bodyPr rtlCol="0" anchor="ctr"/>
+              <a:lstStyle/>
+              <a:p>
+                <a:pPr algn="ctr"/>
+                <a14:m>
+                  <m:oMathPara xmlns:m="http://schemas.openxmlformats.org/officeDocument/2006/math">
+                    <m:oMathParaPr>
+                      <m:jc m:val="centerGroup"/>
+                    </m:oMathParaPr>
+                    <m:oMath xmlns:m="http://schemas.openxmlformats.org/officeDocument/2006/math">
+                      <m:sSub>
+                        <m:sSubPr>
+                          <m:ctrlPr>
+                            <a:rPr lang="en-CA" b="0" i="1" smtClean="0">
+                              <a:solidFill>
+                                <a:schemeClr val="tx1"/>
+                              </a:solidFill>
+                              <a:latin typeface="Cambria Math" panose="02040503050406030204" pitchFamily="18" charset="0"/>
+                            </a:rPr>
+                          </m:ctrlPr>
+                        </m:sSubPr>
+                        <m:e>
+                          <m:r>
+                            <a:rPr lang="en-CA" b="0" i="1" smtClean="0">
+                              <a:solidFill>
+                                <a:schemeClr val="tx1"/>
+                              </a:solidFill>
+                              <a:latin typeface="Cambria Math" panose="02040503050406030204" pitchFamily="18" charset="0"/>
+                            </a:rPr>
+                            <m:t>𝑍</m:t>
+                          </m:r>
+                        </m:e>
+                        <m:sub>
+                          <m:r>
+                            <a:rPr lang="en-CA" b="0" i="1" smtClean="0">
+                              <a:solidFill>
+                                <a:schemeClr val="tx1"/>
+                              </a:solidFill>
+                              <a:latin typeface="Cambria Math" panose="02040503050406030204" pitchFamily="18" charset="0"/>
+                            </a:rPr>
+                            <m:t>𝑖</m:t>
+                          </m:r>
+                          <m:r>
+                            <a:rPr lang="en-CA" b="0" i="1" smtClean="0">
+                              <a:solidFill>
+                                <a:schemeClr val="tx1"/>
+                              </a:solidFill>
+                              <a:latin typeface="Cambria Math" panose="02040503050406030204" pitchFamily="18" charset="0"/>
+                            </a:rPr>
+                            <m:t>7</m:t>
+                          </m:r>
+                        </m:sub>
+                      </m:sSub>
+                    </m:oMath>
+                  </m:oMathPara>
+                </a14:m>
+                <a:endParaRPr lang="en-CA" b="0" dirty="0">
+                  <a:solidFill>
+                    <a:schemeClr val="tx1"/>
+                  </a:solidFill>
+                </a:endParaRPr>
+              </a:p>
+            </p:txBody>
+          </p:sp>
+        </mc:Choice>
+        <mc:Fallback>
+          <p:sp>
+            <p:nvSpPr>
+              <p:cNvPr id="87" name="Oval 86">
+                <a:extLst>
+                  <a:ext uri="{FF2B5EF4-FFF2-40B4-BE49-F238E27FC236}">
+                    <a16:creationId xmlns:a16="http://schemas.microsoft.com/office/drawing/2014/main" id="{6D028BCC-D715-0BEC-807A-0DB59678F247}"/>
+                  </a:ext>
+                </a:extLst>
+              </p:cNvPr>
+              <p:cNvSpPr>
+                <a:spLocks noRot="1" noChangeAspect="1" noMove="1" noResize="1" noEditPoints="1" noAdjustHandles="1" noChangeArrowheads="1" noChangeShapeType="1" noTextEdit="1"/>
+              </p:cNvSpPr>
+              <p:nvPr/>
+            </p:nvSpPr>
+            <p:spPr>
+              <a:xfrm>
+                <a:off x="10232610" y="2889000"/>
+                <a:ext cx="540000" cy="540000"/>
+              </a:xfrm>
+              <a:prstGeom prst="ellipse">
+                <a:avLst/>
+              </a:prstGeom>
+              <a:blipFill>
+                <a:blip r:embed="rId33"/>
+                <a:stretch>
+                  <a:fillRect/>
+                </a:stretch>
+              </a:blipFill>
+              <a:ln>
+                <a:solidFill>
+                  <a:schemeClr val="tx1"/>
+                </a:solidFill>
+              </a:ln>
+            </p:spPr>
+            <p:txBody>
+              <a:bodyPr/>
+              <a:lstStyle/>
+              <a:p>
+                <a:r>
+                  <a:rPr lang="en-US">
+                    <a:noFill/>
+                  </a:rPr>
+                  <a:t> </a:t>
+                </a:r>
+              </a:p>
+            </p:txBody>
+          </p:sp>
+        </mc:Fallback>
+      </mc:AlternateContent>
+      <p:cxnSp>
+        <p:nvCxnSpPr>
+          <p:cNvPr id="88" name="Straight Arrow Connector 87">
+            <a:extLst>
+              <a:ext uri="{FF2B5EF4-FFF2-40B4-BE49-F238E27FC236}">
+                <a16:creationId xmlns:a16="http://schemas.microsoft.com/office/drawing/2014/main" id="{6F3F0D74-D898-DFA2-5849-9303E3873F51}"/>
+              </a:ext>
+            </a:extLst>
+          </p:cNvPr>
+          <p:cNvCxnSpPr>
+            <a:cxnSpLocks/>
+          </p:cNvCxnSpPr>
+          <p:nvPr/>
+        </p:nvCxnSpPr>
+        <p:spPr>
+          <a:xfrm>
+            <a:off x="10502610" y="3430529"/>
+            <a:ext cx="0" cy="621623"/>
+          </a:xfrm>
+          <a:prstGeom prst="straightConnector1">
+            <a:avLst/>
+          </a:prstGeom>
+          <a:ln>
+            <a:solidFill>
+              <a:schemeClr val="tx1"/>
+            </a:solidFill>
+            <a:tailEnd type="triangle" w="lg" len="lg"/>
+          </a:ln>
+        </p:spPr>
+        <p:style>
+          <a:lnRef idx="1">
+            <a:schemeClr val="accent1"/>
+          </a:lnRef>
+          <a:fillRef idx="0">
+            <a:schemeClr val="accent1"/>
+          </a:fillRef>
+          <a:effectRef idx="0">
+            <a:schemeClr val="accent1"/>
+          </a:effectRef>
+          <a:fontRef idx="minor">
+            <a:schemeClr val="tx1"/>
+          </a:fontRef>
+        </p:style>
+      </p:cxnSp>
+      <mc:AlternateContent xmlns:mc="http://schemas.openxmlformats.org/markup-compatibility/2006">
+        <mc:Choice xmlns:a14="http://schemas.microsoft.com/office/drawing/2010/main" Requires="a14">
+          <p:sp>
+            <p:nvSpPr>
+              <p:cNvPr id="89" name="TextBox 88">
+                <a:extLst>
+                  <a:ext uri="{FF2B5EF4-FFF2-40B4-BE49-F238E27FC236}">
+                    <a16:creationId xmlns:a16="http://schemas.microsoft.com/office/drawing/2014/main" id="{F05BCCD7-3F8D-E057-A9B6-F3AE862E308E}"/>
+                  </a:ext>
+                </a:extLst>
+              </p:cNvPr>
+              <p:cNvSpPr txBox="1"/>
+              <p:nvPr/>
+            </p:nvSpPr>
+            <p:spPr>
+              <a:xfrm>
+                <a:off x="10313264" y="5278373"/>
                 <a:ext cx="466217" cy="369332"/>
               </a:xfrm>
               <a:prstGeom prst="rect">
@@ -12347,13 +14580,13 @@
             </p:txBody>
           </p:sp>
         </mc:Choice>
-        <mc:Fallback xmlns="">
+        <mc:Fallback>
           <p:sp>
             <p:nvSpPr>
-              <p:cNvPr id="73" name="TextBox 72">
+              <p:cNvPr id="89" name="TextBox 88">
                 <a:extLst>
                   <a:ext uri="{FF2B5EF4-FFF2-40B4-BE49-F238E27FC236}">
-                    <a16:creationId xmlns:a16="http://schemas.microsoft.com/office/drawing/2014/main" id="{3B305C2B-8326-FC60-28A8-9976D93F3324}"/>
+                    <a16:creationId xmlns:a16="http://schemas.microsoft.com/office/drawing/2014/main" id="{F05BCCD7-3F8D-E057-A9B6-F3AE862E308E}"/>
                   </a:ext>
                 </a:extLst>
               </p:cNvPr>
@@ -12364,14 +14597,14 @@
             </p:nvSpPr>
             <p:spPr>
               <a:xfrm>
-                <a:off x="8145685" y="5286915"/>
+                <a:off x="10313264" y="5278373"/>
                 <a:ext cx="466217" cy="369332"/>
               </a:xfrm>
               <a:prstGeom prst="rect">
                 <a:avLst/>
               </a:prstGeom>
               <a:blipFill>
-                <a:blip r:embed="rId17"/>
+                <a:blip r:embed="rId34"/>
                 <a:stretch>
                   <a:fillRect b="-6667"/>
                 </a:stretch>
@@ -12394,10 +14627,10 @@
       </mc:AlternateContent>
       <p:sp>
         <p:nvSpPr>
-          <p:cNvPr id="74" name="Rectangle 73">
+          <p:cNvPr id="90" name="Rectangle 89">
             <a:extLst>
               <a:ext uri="{FF2B5EF4-FFF2-40B4-BE49-F238E27FC236}">
-                <a16:creationId xmlns:a16="http://schemas.microsoft.com/office/drawing/2014/main" id="{6D65F5CD-76E4-77FA-5291-28C92BB7DBDC}"/>
+                <a16:creationId xmlns:a16="http://schemas.microsoft.com/office/drawing/2014/main" id="{E4FB9D4F-FB63-32FC-FF6B-611A5E55B208}"/>
               </a:ext>
             </a:extLst>
           </p:cNvPr>
@@ -12406,7 +14639,7 @@
         </p:nvSpPr>
         <p:spPr>
           <a:xfrm>
-            <a:off x="8071902" y="5201581"/>
+            <a:off x="10239481" y="5193039"/>
             <a:ext cx="540000" cy="540000"/>
           </a:xfrm>
           <a:prstGeom prst="rect">
@@ -12446,22 +14679,22 @@
       </p:sp>
       <p:cxnSp>
         <p:nvCxnSpPr>
-          <p:cNvPr id="75" name="Straight Arrow Connector 74">
+          <p:cNvPr id="91" name="Straight Arrow Connector 90">
             <a:extLst>
               <a:ext uri="{FF2B5EF4-FFF2-40B4-BE49-F238E27FC236}">
-                <a16:creationId xmlns:a16="http://schemas.microsoft.com/office/drawing/2014/main" id="{9E043008-F0AC-CBFC-311C-CE97BD96FAA7}"/>
+                <a16:creationId xmlns:a16="http://schemas.microsoft.com/office/drawing/2014/main" id="{B650C21A-05BF-2FB3-AB91-2D687670F924}"/>
               </a:ext>
             </a:extLst>
           </p:cNvPr>
           <p:cNvCxnSpPr>
             <a:cxnSpLocks/>
-            <a:stCxn id="74" idx="0"/>
+            <a:stCxn id="90" idx="0"/>
           </p:cNvCxnSpPr>
           <p:nvPr/>
         </p:nvCxnSpPr>
         <p:spPr>
           <a:xfrm flipV="1">
-            <a:off x="8341902" y="4603091"/>
+            <a:off x="10509481" y="4594549"/>
             <a:ext cx="2867" cy="598490"/>
           </a:xfrm>
           <a:prstGeom prst="straightConnector1">
@@ -12489,41 +14722,854 @@
           </a:fontRef>
         </p:style>
       </p:cxnSp>
+      <mc:AlternateContent xmlns:mc="http://schemas.openxmlformats.org/markup-compatibility/2006">
+        <mc:Choice xmlns:a14="http://schemas.microsoft.com/office/drawing/2010/main" Requires="a14">
+          <p:sp>
+            <p:nvSpPr>
+              <p:cNvPr id="93" name="TextBox 92">
+                <a:extLst>
+                  <a:ext uri="{FF2B5EF4-FFF2-40B4-BE49-F238E27FC236}">
+                    <a16:creationId xmlns:a16="http://schemas.microsoft.com/office/drawing/2014/main" id="{A9619732-452D-8BD0-6F96-1B2052B3C246}"/>
+                  </a:ext>
+                </a:extLst>
+              </p:cNvPr>
+              <p:cNvSpPr txBox="1"/>
+              <p:nvPr/>
+            </p:nvSpPr>
+            <p:spPr>
+              <a:xfrm>
+                <a:off x="6807375" y="1806180"/>
+                <a:ext cx="466217" cy="369332"/>
+              </a:xfrm>
+              <a:prstGeom prst="rect">
+                <a:avLst/>
+              </a:prstGeom>
+              <a:noFill/>
+            </p:spPr>
+            <p:txBody>
+              <a:bodyPr wrap="square" rtlCol="0">
+                <a:spAutoFit/>
+              </a:bodyPr>
+              <a:lstStyle/>
+              <a:p>
+                <a:pPr/>
+                <a14:m>
+                  <m:oMathPara xmlns:m="http://schemas.openxmlformats.org/officeDocument/2006/math">
+                    <m:oMathParaPr>
+                      <m:jc m:val="centerGroup"/>
+                    </m:oMathParaPr>
+                    <m:oMath xmlns:m="http://schemas.openxmlformats.org/officeDocument/2006/math">
+                      <m:sSub>
+                        <m:sSubPr>
+                          <m:ctrlPr>
+                            <a:rPr lang="en-CA" b="0" i="1" smtClean="0">
+                              <a:latin typeface="Cambria Math" panose="02040503050406030204" pitchFamily="18" charset="0"/>
+                            </a:rPr>
+                          </m:ctrlPr>
+                        </m:sSubPr>
+                        <m:e>
+                          <m:r>
+                            <a:rPr lang="en-CA" b="0" i="1" smtClean="0">
+                              <a:latin typeface="Cambria Math" panose="02040503050406030204" pitchFamily="18" charset="0"/>
+                            </a:rPr>
+                            <m:t>𝜙</m:t>
+                          </m:r>
+                        </m:e>
+                        <m:sub>
+                          <m:r>
+                            <a:rPr lang="en-CA" b="0" i="1" smtClean="0">
+                              <a:latin typeface="Cambria Math" panose="02040503050406030204" pitchFamily="18" charset="0"/>
+                            </a:rPr>
+                            <m:t>3</m:t>
+                          </m:r>
+                        </m:sub>
+                      </m:sSub>
+                    </m:oMath>
+                  </m:oMathPara>
+                </a14:m>
+                <a:endParaRPr lang="en-US" dirty="0"/>
+              </a:p>
+            </p:txBody>
+          </p:sp>
+        </mc:Choice>
+        <mc:Fallback>
+          <p:sp>
+            <p:nvSpPr>
+              <p:cNvPr id="93" name="TextBox 92">
+                <a:extLst>
+                  <a:ext uri="{FF2B5EF4-FFF2-40B4-BE49-F238E27FC236}">
+                    <a16:creationId xmlns:a16="http://schemas.microsoft.com/office/drawing/2014/main" id="{A9619732-452D-8BD0-6F96-1B2052B3C246}"/>
+                  </a:ext>
+                </a:extLst>
+              </p:cNvPr>
+              <p:cNvSpPr txBox="1">
+                <a:spLocks noRot="1" noChangeAspect="1" noMove="1" noResize="1" noEditPoints="1" noAdjustHandles="1" noChangeArrowheads="1" noChangeShapeType="1" noTextEdit="1"/>
+              </p:cNvSpPr>
+              <p:nvPr/>
+            </p:nvSpPr>
+            <p:spPr>
+              <a:xfrm>
+                <a:off x="6807375" y="1806180"/>
+                <a:ext cx="466217" cy="369332"/>
+              </a:xfrm>
+              <a:prstGeom prst="rect">
+                <a:avLst/>
+              </a:prstGeom>
+              <a:blipFill>
+                <a:blip r:embed="rId35"/>
+                <a:stretch>
+                  <a:fillRect l="-2703" b="-13333"/>
+                </a:stretch>
+              </a:blipFill>
+            </p:spPr>
+            <p:txBody>
+              <a:bodyPr/>
+              <a:lstStyle/>
+              <a:p>
+                <a:r>
+                  <a:rPr lang="en-US">
+                    <a:noFill/>
+                  </a:rPr>
+                  <a:t> </a:t>
+                </a:r>
+              </a:p>
+            </p:txBody>
+          </p:sp>
+        </mc:Fallback>
+      </mc:AlternateContent>
       <p:sp>
         <p:nvSpPr>
-          <p:cNvPr id="76" name="TextBox 75">
+          <p:cNvPr id="94" name="Rectangle 93">
             <a:extLst>
               <a:ext uri="{FF2B5EF4-FFF2-40B4-BE49-F238E27FC236}">
-                <a16:creationId xmlns:a16="http://schemas.microsoft.com/office/drawing/2014/main" id="{2FD33B5E-4CC6-7574-F3D6-78E3636BCEAB}"/>
+                <a16:creationId xmlns:a16="http://schemas.microsoft.com/office/drawing/2014/main" id="{D80F2499-CC3B-88D6-775F-1E5EE8B1B604}"/>
               </a:ext>
             </a:extLst>
           </p:cNvPr>
-          <p:cNvSpPr txBox="1"/>
+          <p:cNvSpPr/>
           <p:nvPr/>
         </p:nvSpPr>
         <p:spPr>
           <a:xfrm>
-            <a:off x="7400560" y="2902816"/>
-            <a:ext cx="343364" cy="369332"/>
+            <a:off x="6733592" y="1720846"/>
+            <a:ext cx="540000" cy="540000"/>
           </a:xfrm>
           <a:prstGeom prst="rect">
             <a:avLst/>
           </a:prstGeom>
           <a:noFill/>
+          <a:ln>
+            <a:solidFill>
+              <a:schemeClr val="tx1"/>
+            </a:solidFill>
+          </a:ln>
         </p:spPr>
+        <p:style>
+          <a:lnRef idx="2">
+            <a:schemeClr val="accent1">
+              <a:shade val="50000"/>
+            </a:schemeClr>
+          </a:lnRef>
+          <a:fillRef idx="1">
+            <a:schemeClr val="accent1"/>
+          </a:fillRef>
+          <a:effectRef idx="0">
+            <a:schemeClr val="accent1"/>
+          </a:effectRef>
+          <a:fontRef idx="minor">
+            <a:schemeClr val="lt1"/>
+          </a:fontRef>
+        </p:style>
         <p:txBody>
-          <a:bodyPr wrap="none" rtlCol="0">
-            <a:spAutoFit/>
-          </a:bodyPr>
+          <a:bodyPr rtlCol="0" anchor="ctr"/>
           <a:lstStyle/>
           <a:p>
-            <a:r>
-              <a:rPr lang="en-US" dirty="0"/>
-              <a:t>…</a:t>
-            </a:r>
+            <a:pPr algn="ctr"/>
+            <a:endParaRPr lang="en-US"/>
           </a:p>
         </p:txBody>
       </p:sp>
+      <p:cxnSp>
+        <p:nvCxnSpPr>
+          <p:cNvPr id="95" name="Straight Arrow Connector 94">
+            <a:extLst>
+              <a:ext uri="{FF2B5EF4-FFF2-40B4-BE49-F238E27FC236}">
+                <a16:creationId xmlns:a16="http://schemas.microsoft.com/office/drawing/2014/main" id="{CE27BFB2-88C0-4834-3454-2602022D5CDD}"/>
+              </a:ext>
+            </a:extLst>
+          </p:cNvPr>
+          <p:cNvCxnSpPr>
+            <a:cxnSpLocks/>
+            <a:stCxn id="94" idx="2"/>
+          </p:cNvCxnSpPr>
+          <p:nvPr/>
+        </p:nvCxnSpPr>
+        <p:spPr>
+          <a:xfrm>
+            <a:off x="7003592" y="2260846"/>
+            <a:ext cx="472427" cy="707235"/>
+          </a:xfrm>
+          <a:prstGeom prst="straightConnector1">
+            <a:avLst/>
+          </a:prstGeom>
+          <a:ln>
+            <a:solidFill>
+              <a:schemeClr val="tx1"/>
+            </a:solidFill>
+            <a:tailEnd type="triangle" w="lg" len="lg"/>
+          </a:ln>
+        </p:spPr>
+        <p:style>
+          <a:lnRef idx="1">
+            <a:schemeClr val="accent1"/>
+          </a:lnRef>
+          <a:fillRef idx="0">
+            <a:schemeClr val="accent1"/>
+          </a:fillRef>
+          <a:effectRef idx="0">
+            <a:schemeClr val="accent1"/>
+          </a:effectRef>
+          <a:fontRef idx="minor">
+            <a:schemeClr val="tx1"/>
+          </a:fontRef>
+        </p:style>
+      </p:cxnSp>
+      <mc:AlternateContent xmlns:mc="http://schemas.openxmlformats.org/markup-compatibility/2006">
+        <mc:Choice xmlns:a14="http://schemas.microsoft.com/office/drawing/2010/main" Requires="a14">
+          <p:sp>
+            <p:nvSpPr>
+              <p:cNvPr id="96" name="TextBox 95">
+                <a:extLst>
+                  <a:ext uri="{FF2B5EF4-FFF2-40B4-BE49-F238E27FC236}">
+                    <a16:creationId xmlns:a16="http://schemas.microsoft.com/office/drawing/2014/main" id="{CEE53E6A-EED7-C38D-47B5-226DE505B13F}"/>
+                  </a:ext>
+                </a:extLst>
+              </p:cNvPr>
+              <p:cNvSpPr txBox="1"/>
+              <p:nvPr/>
+            </p:nvSpPr>
+            <p:spPr>
+              <a:xfrm>
+                <a:off x="7792873" y="1806180"/>
+                <a:ext cx="466217" cy="369332"/>
+              </a:xfrm>
+              <a:prstGeom prst="rect">
+                <a:avLst/>
+              </a:prstGeom>
+              <a:noFill/>
+            </p:spPr>
+            <p:txBody>
+              <a:bodyPr wrap="square" rtlCol="0">
+                <a:spAutoFit/>
+              </a:bodyPr>
+              <a:lstStyle/>
+              <a:p>
+                <a:pPr/>
+                <a14:m>
+                  <m:oMathPara xmlns:m="http://schemas.openxmlformats.org/officeDocument/2006/math">
+                    <m:oMathParaPr>
+                      <m:jc m:val="centerGroup"/>
+                    </m:oMathParaPr>
+                    <m:oMath xmlns:m="http://schemas.openxmlformats.org/officeDocument/2006/math">
+                      <m:sSub>
+                        <m:sSubPr>
+                          <m:ctrlPr>
+                            <a:rPr lang="en-CA" b="0" i="1" smtClean="0">
+                              <a:latin typeface="Cambria Math" panose="02040503050406030204" pitchFamily="18" charset="0"/>
+                            </a:rPr>
+                          </m:ctrlPr>
+                        </m:sSubPr>
+                        <m:e>
+                          <m:r>
+                            <a:rPr lang="en-CA" b="0" i="1" smtClean="0">
+                              <a:latin typeface="Cambria Math" panose="02040503050406030204" pitchFamily="18" charset="0"/>
+                            </a:rPr>
+                            <m:t>𝜙</m:t>
+                          </m:r>
+                        </m:e>
+                        <m:sub>
+                          <m:r>
+                            <a:rPr lang="en-CA" b="0" i="1" smtClean="0">
+                              <a:latin typeface="Cambria Math" panose="02040503050406030204" pitchFamily="18" charset="0"/>
+                            </a:rPr>
+                            <m:t>4</m:t>
+                          </m:r>
+                        </m:sub>
+                      </m:sSub>
+                    </m:oMath>
+                  </m:oMathPara>
+                </a14:m>
+                <a:endParaRPr lang="en-US" dirty="0"/>
+              </a:p>
+            </p:txBody>
+          </p:sp>
+        </mc:Choice>
+        <mc:Fallback>
+          <p:sp>
+            <p:nvSpPr>
+              <p:cNvPr id="96" name="TextBox 95">
+                <a:extLst>
+                  <a:ext uri="{FF2B5EF4-FFF2-40B4-BE49-F238E27FC236}">
+                    <a16:creationId xmlns:a16="http://schemas.microsoft.com/office/drawing/2014/main" id="{CEE53E6A-EED7-C38D-47B5-226DE505B13F}"/>
+                  </a:ext>
+                </a:extLst>
+              </p:cNvPr>
+              <p:cNvSpPr txBox="1">
+                <a:spLocks noRot="1" noChangeAspect="1" noMove="1" noResize="1" noEditPoints="1" noAdjustHandles="1" noChangeArrowheads="1" noChangeShapeType="1" noTextEdit="1"/>
+              </p:cNvSpPr>
+              <p:nvPr/>
+            </p:nvSpPr>
+            <p:spPr>
+              <a:xfrm>
+                <a:off x="7792873" y="1806180"/>
+                <a:ext cx="466217" cy="369332"/>
+              </a:xfrm>
+              <a:prstGeom prst="rect">
+                <a:avLst/>
+              </a:prstGeom>
+              <a:blipFill>
+                <a:blip r:embed="rId36"/>
+                <a:stretch>
+                  <a:fillRect b="-13333"/>
+                </a:stretch>
+              </a:blipFill>
+            </p:spPr>
+            <p:txBody>
+              <a:bodyPr/>
+              <a:lstStyle/>
+              <a:p>
+                <a:r>
+                  <a:rPr lang="en-US">
+                    <a:noFill/>
+                  </a:rPr>
+                  <a:t> </a:t>
+                </a:r>
+              </a:p>
+            </p:txBody>
+          </p:sp>
+        </mc:Fallback>
+      </mc:AlternateContent>
+      <p:sp>
+        <p:nvSpPr>
+          <p:cNvPr id="97" name="Rectangle 96">
+            <a:extLst>
+              <a:ext uri="{FF2B5EF4-FFF2-40B4-BE49-F238E27FC236}">
+                <a16:creationId xmlns:a16="http://schemas.microsoft.com/office/drawing/2014/main" id="{99BC4020-DE9C-CADA-37C7-A682A5166093}"/>
+              </a:ext>
+            </a:extLst>
+          </p:cNvPr>
+          <p:cNvSpPr/>
+          <p:nvPr/>
+        </p:nvSpPr>
+        <p:spPr>
+          <a:xfrm>
+            <a:off x="7719090" y="1720846"/>
+            <a:ext cx="540000" cy="540000"/>
+          </a:xfrm>
+          <a:prstGeom prst="rect">
+            <a:avLst/>
+          </a:prstGeom>
+          <a:noFill/>
+          <a:ln>
+            <a:solidFill>
+              <a:schemeClr val="tx1"/>
+            </a:solidFill>
+          </a:ln>
+        </p:spPr>
+        <p:style>
+          <a:lnRef idx="2">
+            <a:schemeClr val="accent1">
+              <a:shade val="50000"/>
+            </a:schemeClr>
+          </a:lnRef>
+          <a:fillRef idx="1">
+            <a:schemeClr val="accent1"/>
+          </a:fillRef>
+          <a:effectRef idx="0">
+            <a:schemeClr val="accent1"/>
+          </a:effectRef>
+          <a:fontRef idx="minor">
+            <a:schemeClr val="lt1"/>
+          </a:fontRef>
+        </p:style>
+        <p:txBody>
+          <a:bodyPr rtlCol="0" anchor="ctr"/>
+          <a:lstStyle/>
+          <a:p>
+            <a:pPr algn="ctr"/>
+            <a:endParaRPr lang="en-US"/>
+          </a:p>
+        </p:txBody>
+      </p:sp>
+      <p:cxnSp>
+        <p:nvCxnSpPr>
+          <p:cNvPr id="98" name="Straight Arrow Connector 97">
+            <a:extLst>
+              <a:ext uri="{FF2B5EF4-FFF2-40B4-BE49-F238E27FC236}">
+                <a16:creationId xmlns:a16="http://schemas.microsoft.com/office/drawing/2014/main" id="{98B4452D-81A6-4A0E-D567-28E2D1AC83E7}"/>
+              </a:ext>
+            </a:extLst>
+          </p:cNvPr>
+          <p:cNvCxnSpPr>
+            <a:cxnSpLocks/>
+            <a:stCxn id="97" idx="2"/>
+          </p:cNvCxnSpPr>
+          <p:nvPr/>
+        </p:nvCxnSpPr>
+        <p:spPr>
+          <a:xfrm>
+            <a:off x="7989090" y="2260846"/>
+            <a:ext cx="472427" cy="707235"/>
+          </a:xfrm>
+          <a:prstGeom prst="straightConnector1">
+            <a:avLst/>
+          </a:prstGeom>
+          <a:ln>
+            <a:solidFill>
+              <a:schemeClr val="tx1"/>
+            </a:solidFill>
+            <a:tailEnd type="triangle" w="lg" len="lg"/>
+          </a:ln>
+        </p:spPr>
+        <p:style>
+          <a:lnRef idx="1">
+            <a:schemeClr val="accent1"/>
+          </a:lnRef>
+          <a:fillRef idx="0">
+            <a:schemeClr val="accent1"/>
+          </a:fillRef>
+          <a:effectRef idx="0">
+            <a:schemeClr val="accent1"/>
+          </a:effectRef>
+          <a:fontRef idx="minor">
+            <a:schemeClr val="tx1"/>
+          </a:fontRef>
+        </p:style>
+      </p:cxnSp>
+      <mc:AlternateContent xmlns:mc="http://schemas.openxmlformats.org/markup-compatibility/2006">
+        <mc:Choice xmlns:a14="http://schemas.microsoft.com/office/drawing/2010/main" Requires="a14">
+          <p:sp>
+            <p:nvSpPr>
+              <p:cNvPr id="99" name="TextBox 98">
+                <a:extLst>
+                  <a:ext uri="{FF2B5EF4-FFF2-40B4-BE49-F238E27FC236}">
+                    <a16:creationId xmlns:a16="http://schemas.microsoft.com/office/drawing/2014/main" id="{D3D70C8E-DE3C-0602-CD16-4AF44E05A67E}"/>
+                  </a:ext>
+                </a:extLst>
+              </p:cNvPr>
+              <p:cNvSpPr txBox="1"/>
+              <p:nvPr/>
+            </p:nvSpPr>
+            <p:spPr>
+              <a:xfrm>
+                <a:off x="8700651" y="1806180"/>
+                <a:ext cx="466217" cy="369332"/>
+              </a:xfrm>
+              <a:prstGeom prst="rect">
+                <a:avLst/>
+              </a:prstGeom>
+              <a:noFill/>
+            </p:spPr>
+            <p:txBody>
+              <a:bodyPr wrap="square" rtlCol="0">
+                <a:spAutoFit/>
+              </a:bodyPr>
+              <a:lstStyle/>
+              <a:p>
+                <a:pPr/>
+                <a14:m>
+                  <m:oMathPara xmlns:m="http://schemas.openxmlformats.org/officeDocument/2006/math">
+                    <m:oMathParaPr>
+                      <m:jc m:val="centerGroup"/>
+                    </m:oMathParaPr>
+                    <m:oMath xmlns:m="http://schemas.openxmlformats.org/officeDocument/2006/math">
+                      <m:sSub>
+                        <m:sSubPr>
+                          <m:ctrlPr>
+                            <a:rPr lang="en-CA" b="0" i="1" smtClean="0">
+                              <a:latin typeface="Cambria Math" panose="02040503050406030204" pitchFamily="18" charset="0"/>
+                            </a:rPr>
+                          </m:ctrlPr>
+                        </m:sSubPr>
+                        <m:e>
+                          <m:r>
+                            <a:rPr lang="en-CA" b="0" i="1" smtClean="0">
+                              <a:latin typeface="Cambria Math" panose="02040503050406030204" pitchFamily="18" charset="0"/>
+                            </a:rPr>
+                            <m:t>𝜙</m:t>
+                          </m:r>
+                        </m:e>
+                        <m:sub>
+                          <m:r>
+                            <a:rPr lang="en-CA" b="0" i="1" smtClean="0">
+                              <a:latin typeface="Cambria Math" panose="02040503050406030204" pitchFamily="18" charset="0"/>
+                            </a:rPr>
+                            <m:t>5</m:t>
+                          </m:r>
+                        </m:sub>
+                      </m:sSub>
+                    </m:oMath>
+                  </m:oMathPara>
+                </a14:m>
+                <a:endParaRPr lang="en-US" dirty="0"/>
+              </a:p>
+            </p:txBody>
+          </p:sp>
+        </mc:Choice>
+        <mc:Fallback>
+          <p:sp>
+            <p:nvSpPr>
+              <p:cNvPr id="99" name="TextBox 98">
+                <a:extLst>
+                  <a:ext uri="{FF2B5EF4-FFF2-40B4-BE49-F238E27FC236}">
+                    <a16:creationId xmlns:a16="http://schemas.microsoft.com/office/drawing/2014/main" id="{D3D70C8E-DE3C-0602-CD16-4AF44E05A67E}"/>
+                  </a:ext>
+                </a:extLst>
+              </p:cNvPr>
+              <p:cNvSpPr txBox="1">
+                <a:spLocks noRot="1" noChangeAspect="1" noMove="1" noResize="1" noEditPoints="1" noAdjustHandles="1" noChangeArrowheads="1" noChangeShapeType="1" noTextEdit="1"/>
+              </p:cNvSpPr>
+              <p:nvPr/>
+            </p:nvSpPr>
+            <p:spPr>
+              <a:xfrm>
+                <a:off x="8700651" y="1806180"/>
+                <a:ext cx="466217" cy="369332"/>
+              </a:xfrm>
+              <a:prstGeom prst="rect">
+                <a:avLst/>
+              </a:prstGeom>
+              <a:blipFill>
+                <a:blip r:embed="rId37"/>
+                <a:stretch>
+                  <a:fillRect b="-13333"/>
+                </a:stretch>
+              </a:blipFill>
+            </p:spPr>
+            <p:txBody>
+              <a:bodyPr/>
+              <a:lstStyle/>
+              <a:p>
+                <a:r>
+                  <a:rPr lang="en-US">
+                    <a:noFill/>
+                  </a:rPr>
+                  <a:t> </a:t>
+                </a:r>
+              </a:p>
+            </p:txBody>
+          </p:sp>
+        </mc:Fallback>
+      </mc:AlternateContent>
+      <p:sp>
+        <p:nvSpPr>
+          <p:cNvPr id="100" name="Rectangle 99">
+            <a:extLst>
+              <a:ext uri="{FF2B5EF4-FFF2-40B4-BE49-F238E27FC236}">
+                <a16:creationId xmlns:a16="http://schemas.microsoft.com/office/drawing/2014/main" id="{4E30375D-4581-E0EB-A8ED-66C132959880}"/>
+              </a:ext>
+            </a:extLst>
+          </p:cNvPr>
+          <p:cNvSpPr/>
+          <p:nvPr/>
+        </p:nvSpPr>
+        <p:spPr>
+          <a:xfrm>
+            <a:off x="8626868" y="1720846"/>
+            <a:ext cx="540000" cy="540000"/>
+          </a:xfrm>
+          <a:prstGeom prst="rect">
+            <a:avLst/>
+          </a:prstGeom>
+          <a:noFill/>
+          <a:ln>
+            <a:solidFill>
+              <a:schemeClr val="tx1"/>
+            </a:solidFill>
+          </a:ln>
+        </p:spPr>
+        <p:style>
+          <a:lnRef idx="2">
+            <a:schemeClr val="accent1">
+              <a:shade val="50000"/>
+            </a:schemeClr>
+          </a:lnRef>
+          <a:fillRef idx="1">
+            <a:schemeClr val="accent1"/>
+          </a:fillRef>
+          <a:effectRef idx="0">
+            <a:schemeClr val="accent1"/>
+          </a:effectRef>
+          <a:fontRef idx="minor">
+            <a:schemeClr val="lt1"/>
+          </a:fontRef>
+        </p:style>
+        <p:txBody>
+          <a:bodyPr rtlCol="0" anchor="ctr"/>
+          <a:lstStyle/>
+          <a:p>
+            <a:pPr algn="ctr"/>
+            <a:endParaRPr lang="en-US"/>
+          </a:p>
+        </p:txBody>
+      </p:sp>
+      <p:cxnSp>
+        <p:nvCxnSpPr>
+          <p:cNvPr id="101" name="Straight Arrow Connector 100">
+            <a:extLst>
+              <a:ext uri="{FF2B5EF4-FFF2-40B4-BE49-F238E27FC236}">
+                <a16:creationId xmlns:a16="http://schemas.microsoft.com/office/drawing/2014/main" id="{81191252-9C1A-320F-FF62-93DE6D7E738B}"/>
+              </a:ext>
+            </a:extLst>
+          </p:cNvPr>
+          <p:cNvCxnSpPr>
+            <a:cxnSpLocks/>
+            <a:stCxn id="100" idx="2"/>
+          </p:cNvCxnSpPr>
+          <p:nvPr/>
+        </p:nvCxnSpPr>
+        <p:spPr>
+          <a:xfrm>
+            <a:off x="8896868" y="2260846"/>
+            <a:ext cx="472427" cy="707235"/>
+          </a:xfrm>
+          <a:prstGeom prst="straightConnector1">
+            <a:avLst/>
+          </a:prstGeom>
+          <a:ln>
+            <a:solidFill>
+              <a:schemeClr val="tx1"/>
+            </a:solidFill>
+            <a:tailEnd type="triangle" w="lg" len="lg"/>
+          </a:ln>
+        </p:spPr>
+        <p:style>
+          <a:lnRef idx="1">
+            <a:schemeClr val="accent1"/>
+          </a:lnRef>
+          <a:fillRef idx="0">
+            <a:schemeClr val="accent1"/>
+          </a:fillRef>
+          <a:effectRef idx="0">
+            <a:schemeClr val="accent1"/>
+          </a:effectRef>
+          <a:fontRef idx="minor">
+            <a:schemeClr val="tx1"/>
+          </a:fontRef>
+        </p:style>
+      </p:cxnSp>
+      <mc:AlternateContent xmlns:mc="http://schemas.openxmlformats.org/markup-compatibility/2006">
+        <mc:Choice xmlns:a14="http://schemas.microsoft.com/office/drawing/2010/main" Requires="a14">
+          <p:sp>
+            <p:nvSpPr>
+              <p:cNvPr id="102" name="TextBox 101">
+                <a:extLst>
+                  <a:ext uri="{FF2B5EF4-FFF2-40B4-BE49-F238E27FC236}">
+                    <a16:creationId xmlns:a16="http://schemas.microsoft.com/office/drawing/2014/main" id="{424E37BB-BF0B-15F6-F0E2-0B01F585526F}"/>
+                  </a:ext>
+                </a:extLst>
+              </p:cNvPr>
+              <p:cNvSpPr txBox="1"/>
+              <p:nvPr/>
+            </p:nvSpPr>
+            <p:spPr>
+              <a:xfrm>
+                <a:off x="9643049" y="1806180"/>
+                <a:ext cx="466217" cy="369332"/>
+              </a:xfrm>
+              <a:prstGeom prst="rect">
+                <a:avLst/>
+              </a:prstGeom>
+              <a:noFill/>
+            </p:spPr>
+            <p:txBody>
+              <a:bodyPr wrap="square" rtlCol="0">
+                <a:spAutoFit/>
+              </a:bodyPr>
+              <a:lstStyle/>
+              <a:p>
+                <a:pPr/>
+                <a14:m>
+                  <m:oMathPara xmlns:m="http://schemas.openxmlformats.org/officeDocument/2006/math">
+                    <m:oMathParaPr>
+                      <m:jc m:val="centerGroup"/>
+                    </m:oMathParaPr>
+                    <m:oMath xmlns:m="http://schemas.openxmlformats.org/officeDocument/2006/math">
+                      <m:sSub>
+                        <m:sSubPr>
+                          <m:ctrlPr>
+                            <a:rPr lang="en-CA" b="0" i="1" smtClean="0">
+                              <a:latin typeface="Cambria Math" panose="02040503050406030204" pitchFamily="18" charset="0"/>
+                            </a:rPr>
+                          </m:ctrlPr>
+                        </m:sSubPr>
+                        <m:e>
+                          <m:r>
+                            <a:rPr lang="en-CA" b="0" i="1" smtClean="0">
+                              <a:latin typeface="Cambria Math" panose="02040503050406030204" pitchFamily="18" charset="0"/>
+                            </a:rPr>
+                            <m:t>𝜙</m:t>
+                          </m:r>
+                        </m:e>
+                        <m:sub>
+                          <m:r>
+                            <a:rPr lang="en-CA" b="0" i="1" smtClean="0">
+                              <a:latin typeface="Cambria Math" panose="02040503050406030204" pitchFamily="18" charset="0"/>
+                            </a:rPr>
+                            <m:t>6</m:t>
+                          </m:r>
+                        </m:sub>
+                      </m:sSub>
+                    </m:oMath>
+                  </m:oMathPara>
+                </a14:m>
+                <a:endParaRPr lang="en-US" dirty="0"/>
+              </a:p>
+            </p:txBody>
+          </p:sp>
+        </mc:Choice>
+        <mc:Fallback>
+          <p:sp>
+            <p:nvSpPr>
+              <p:cNvPr id="102" name="TextBox 101">
+                <a:extLst>
+                  <a:ext uri="{FF2B5EF4-FFF2-40B4-BE49-F238E27FC236}">
+                    <a16:creationId xmlns:a16="http://schemas.microsoft.com/office/drawing/2014/main" id="{424E37BB-BF0B-15F6-F0E2-0B01F585526F}"/>
+                  </a:ext>
+                </a:extLst>
+              </p:cNvPr>
+              <p:cNvSpPr txBox="1">
+                <a:spLocks noRot="1" noChangeAspect="1" noMove="1" noResize="1" noEditPoints="1" noAdjustHandles="1" noChangeArrowheads="1" noChangeShapeType="1" noTextEdit="1"/>
+              </p:cNvSpPr>
+              <p:nvPr/>
+            </p:nvSpPr>
+            <p:spPr>
+              <a:xfrm>
+                <a:off x="9643049" y="1806180"/>
+                <a:ext cx="466217" cy="369332"/>
+              </a:xfrm>
+              <a:prstGeom prst="rect">
+                <a:avLst/>
+              </a:prstGeom>
+              <a:blipFill>
+                <a:blip r:embed="rId38"/>
+                <a:stretch>
+                  <a:fillRect l="-2703" b="-13333"/>
+                </a:stretch>
+              </a:blipFill>
+            </p:spPr>
+            <p:txBody>
+              <a:bodyPr/>
+              <a:lstStyle/>
+              <a:p>
+                <a:r>
+                  <a:rPr lang="en-US">
+                    <a:noFill/>
+                  </a:rPr>
+                  <a:t> </a:t>
+                </a:r>
+              </a:p>
+            </p:txBody>
+          </p:sp>
+        </mc:Fallback>
+      </mc:AlternateContent>
+      <p:sp>
+        <p:nvSpPr>
+          <p:cNvPr id="103" name="Rectangle 102">
+            <a:extLst>
+              <a:ext uri="{FF2B5EF4-FFF2-40B4-BE49-F238E27FC236}">
+                <a16:creationId xmlns:a16="http://schemas.microsoft.com/office/drawing/2014/main" id="{6787E5BE-1D6E-EEC7-773D-D4BD6703AE32}"/>
+              </a:ext>
+            </a:extLst>
+          </p:cNvPr>
+          <p:cNvSpPr/>
+          <p:nvPr/>
+        </p:nvSpPr>
+        <p:spPr>
+          <a:xfrm>
+            <a:off x="9569266" y="1720846"/>
+            <a:ext cx="540000" cy="540000"/>
+          </a:xfrm>
+          <a:prstGeom prst="rect">
+            <a:avLst/>
+          </a:prstGeom>
+          <a:noFill/>
+          <a:ln>
+            <a:solidFill>
+              <a:schemeClr val="tx1"/>
+            </a:solidFill>
+          </a:ln>
+        </p:spPr>
+        <p:style>
+          <a:lnRef idx="2">
+            <a:schemeClr val="accent1">
+              <a:shade val="50000"/>
+            </a:schemeClr>
+          </a:lnRef>
+          <a:fillRef idx="1">
+            <a:schemeClr val="accent1"/>
+          </a:fillRef>
+          <a:effectRef idx="0">
+            <a:schemeClr val="accent1"/>
+          </a:effectRef>
+          <a:fontRef idx="minor">
+            <a:schemeClr val="lt1"/>
+          </a:fontRef>
+        </p:style>
+        <p:txBody>
+          <a:bodyPr rtlCol="0" anchor="ctr"/>
+          <a:lstStyle/>
+          <a:p>
+            <a:pPr algn="ctr"/>
+            <a:endParaRPr lang="en-US"/>
+          </a:p>
+        </p:txBody>
+      </p:sp>
+      <p:cxnSp>
+        <p:nvCxnSpPr>
+          <p:cNvPr id="104" name="Straight Arrow Connector 103">
+            <a:extLst>
+              <a:ext uri="{FF2B5EF4-FFF2-40B4-BE49-F238E27FC236}">
+                <a16:creationId xmlns:a16="http://schemas.microsoft.com/office/drawing/2014/main" id="{2F99811A-56AF-0DAD-91A8-1982BC0375F5}"/>
+              </a:ext>
+            </a:extLst>
+          </p:cNvPr>
+          <p:cNvCxnSpPr>
+            <a:cxnSpLocks/>
+            <a:stCxn id="103" idx="2"/>
+          </p:cNvCxnSpPr>
+          <p:nvPr/>
+        </p:nvCxnSpPr>
+        <p:spPr>
+          <a:xfrm>
+            <a:off x="9839266" y="2260846"/>
+            <a:ext cx="472427" cy="707235"/>
+          </a:xfrm>
+          <a:prstGeom prst="straightConnector1">
+            <a:avLst/>
+          </a:prstGeom>
+          <a:ln>
+            <a:solidFill>
+              <a:schemeClr val="tx1"/>
+            </a:solidFill>
+            <a:tailEnd type="triangle" w="lg" len="lg"/>
+          </a:ln>
+        </p:spPr>
+        <p:style>
+          <a:lnRef idx="1">
+            <a:schemeClr val="accent1"/>
+          </a:lnRef>
+          <a:fillRef idx="0">
+            <a:schemeClr val="accent1"/>
+          </a:fillRef>
+          <a:effectRef idx="0">
+            <a:schemeClr val="accent1"/>
+          </a:effectRef>
+          <a:fontRef idx="minor">
+            <a:schemeClr val="tx1"/>
+          </a:fontRef>
+        </p:style>
+      </p:cxnSp>
     </p:spTree>
     <p:extLst>
       <p:ext uri="{BB962C8B-B14F-4D97-AF65-F5344CB8AC3E}">
@@ -12606,8 +15652,8 @@
           </a:p>
         </p:txBody>
       </p:sp>
-      <mc:AlternateContent xmlns:mc="http://schemas.openxmlformats.org/markup-compatibility/2006">
-        <mc:Choice xmlns:a14="http://schemas.microsoft.com/office/drawing/2010/main" Requires="a14">
+      <mc:AlternateContent xmlns:mc="http://schemas.openxmlformats.org/markup-compatibility/2006" xmlns:a14="http://schemas.microsoft.com/office/drawing/2010/main">
+        <mc:Choice Requires="a14">
           <p:sp>
             <p:nvSpPr>
               <p:cNvPr id="27" name="TextBox 26">
@@ -12661,7 +15707,7 @@
             </p:txBody>
           </p:sp>
         </mc:Choice>
-        <mc:Fallback>
+        <mc:Fallback xmlns="">
           <p:sp>
             <p:nvSpPr>
               <p:cNvPr id="27" name="TextBox 26">
@@ -12785,6 +15831,15 @@
                           </m:r>
                         </m:e>
                         <m:sub>
+                          <m:r>
+                            <a:rPr lang="en-CA" b="0" i="1" smtClean="0">
+                              <a:solidFill>
+                                <a:schemeClr val="tx1"/>
+                              </a:solidFill>
+                              <a:latin typeface="Cambria Math" panose="02040503050406030204" pitchFamily="18" charset="0"/>
+                            </a:rPr>
+                            <m:t>𝑖</m:t>
+                          </m:r>
                           <m:r>
                             <a:rPr lang="en-CA" b="0" i="1" smtClean="0">
                               <a:solidFill>
@@ -12944,6 +15999,15 @@
                               </a:solidFill>
                               <a:latin typeface="Cambria Math" panose="02040503050406030204" pitchFamily="18" charset="0"/>
                             </a:rPr>
+                            <m:t>𝑖</m:t>
+                          </m:r>
+                          <m:r>
+                            <a:rPr lang="en-CA" b="0" i="1" smtClean="0">
+                              <a:solidFill>
+                                <a:schemeClr val="tx1"/>
+                              </a:solidFill>
+                              <a:latin typeface="Cambria Math" panose="02040503050406030204" pitchFamily="18" charset="0"/>
+                            </a:rPr>
                             <m:t>1</m:t>
                           </m:r>
                         </m:sub>
@@ -13089,6 +16153,15 @@
                           </m:r>
                         </m:e>
                         <m:sub>
+                          <m:r>
+                            <a:rPr lang="en-CA" b="0" i="1" smtClean="0">
+                              <a:solidFill>
+                                <a:schemeClr val="tx1"/>
+                              </a:solidFill>
+                              <a:latin typeface="Cambria Math" panose="02040503050406030204" pitchFamily="18" charset="0"/>
+                            </a:rPr>
+                            <m:t>𝑖</m:t>
+                          </m:r>
                           <m:r>
                             <a:rPr lang="en-CA" b="0" i="1" smtClean="0">
                               <a:solidFill>
@@ -13248,6 +16321,15 @@
                               </a:solidFill>
                               <a:latin typeface="Cambria Math" panose="02040503050406030204" pitchFamily="18" charset="0"/>
                             </a:rPr>
+                            <m:t>𝑖</m:t>
+                          </m:r>
+                          <m:r>
+                            <a:rPr lang="en-CA" b="0" i="1" smtClean="0">
+                              <a:solidFill>
+                                <a:schemeClr val="tx1"/>
+                              </a:solidFill>
+                              <a:latin typeface="Cambria Math" panose="02040503050406030204" pitchFamily="18" charset="0"/>
+                            </a:rPr>
                             <m:t>2</m:t>
                           </m:r>
                         </m:sub>
@@ -13393,6 +16475,15 @@
                           </m:r>
                         </m:e>
                         <m:sub>
+                          <m:r>
+                            <a:rPr lang="en-CA" b="0" i="1" smtClean="0">
+                              <a:solidFill>
+                                <a:schemeClr val="tx1"/>
+                              </a:solidFill>
+                              <a:latin typeface="Cambria Math" panose="02040503050406030204" pitchFamily="18" charset="0"/>
+                            </a:rPr>
+                            <m:t>𝑖</m:t>
+                          </m:r>
                           <m:r>
                             <a:rPr lang="en-CA" b="0" i="1" smtClean="0">
                               <a:solidFill>
@@ -13552,6 +16643,15 @@
                               </a:solidFill>
                               <a:latin typeface="Cambria Math" panose="02040503050406030204" pitchFamily="18" charset="0"/>
                             </a:rPr>
+                            <m:t>𝑖</m:t>
+                          </m:r>
+                          <m:r>
+                            <a:rPr lang="en-CA" b="0" i="1" smtClean="0">
+                              <a:solidFill>
+                                <a:schemeClr val="tx1"/>
+                              </a:solidFill>
+                              <a:latin typeface="Cambria Math" panose="02040503050406030204" pitchFamily="18" charset="0"/>
+                            </a:rPr>
                             <m:t>3</m:t>
                           </m:r>
                         </m:sub>
@@ -13885,8 +16985,8 @@
           </a:fontRef>
         </p:style>
       </p:cxnSp>
-      <mc:AlternateContent xmlns:mc="http://schemas.openxmlformats.org/markup-compatibility/2006">
-        <mc:Choice xmlns:a14="http://schemas.microsoft.com/office/drawing/2010/main" Requires="a14">
+      <mc:AlternateContent xmlns:mc="http://schemas.openxmlformats.org/markup-compatibility/2006" xmlns:a14="http://schemas.microsoft.com/office/drawing/2010/main">
+        <mc:Choice Requires="a14">
           <p:sp>
             <p:nvSpPr>
               <p:cNvPr id="44" name="TextBox 43">
@@ -13955,7 +17055,7 @@
             </p:txBody>
           </p:sp>
         </mc:Choice>
-        <mc:Fallback>
+        <mc:Fallback xmlns="">
           <p:sp>
             <p:nvSpPr>
               <p:cNvPr id="44" name="TextBox 43">
@@ -14098,8 +17198,8 @@
           </a:fontRef>
         </p:style>
       </p:cxnSp>
-      <mc:AlternateContent xmlns:mc="http://schemas.openxmlformats.org/markup-compatibility/2006">
-        <mc:Choice xmlns:a14="http://schemas.microsoft.com/office/drawing/2010/main" Requires="a14">
+      <mc:AlternateContent xmlns:mc="http://schemas.openxmlformats.org/markup-compatibility/2006" xmlns:a14="http://schemas.microsoft.com/office/drawing/2010/main">
+        <mc:Choice Requires="a14">
           <p:sp>
             <p:nvSpPr>
               <p:cNvPr id="49" name="TextBox 48">
@@ -14168,7 +17268,7 @@
             </p:txBody>
           </p:sp>
         </mc:Choice>
-        <mc:Fallback>
+        <mc:Fallback xmlns="">
           <p:sp>
             <p:nvSpPr>
               <p:cNvPr id="49" name="TextBox 48">
@@ -14310,8 +17410,8 @@
           </a:fontRef>
         </p:style>
       </p:cxnSp>
-      <mc:AlternateContent xmlns:mc="http://schemas.openxmlformats.org/markup-compatibility/2006">
-        <mc:Choice xmlns:a14="http://schemas.microsoft.com/office/drawing/2010/main" Requires="a14">
+      <mc:AlternateContent xmlns:mc="http://schemas.openxmlformats.org/markup-compatibility/2006" xmlns:a14="http://schemas.microsoft.com/office/drawing/2010/main">
+        <mc:Choice Requires="a14">
           <p:sp>
             <p:nvSpPr>
               <p:cNvPr id="55" name="TextBox 54">
@@ -14380,7 +17480,7 @@
             </p:txBody>
           </p:sp>
         </mc:Choice>
-        <mc:Fallback>
+        <mc:Fallback xmlns="">
           <p:sp>
             <p:nvSpPr>
               <p:cNvPr id="55" name="TextBox 54">
@@ -14523,8 +17623,8 @@
           </a:fontRef>
         </p:style>
       </p:cxnSp>
-      <mc:AlternateContent xmlns:mc="http://schemas.openxmlformats.org/markup-compatibility/2006">
-        <mc:Choice xmlns:a14="http://schemas.microsoft.com/office/drawing/2010/main" Requires="a14">
+      <mc:AlternateContent xmlns:mc="http://schemas.openxmlformats.org/markup-compatibility/2006" xmlns:a14="http://schemas.microsoft.com/office/drawing/2010/main">
+        <mc:Choice Requires="a14">
           <p:sp>
             <p:nvSpPr>
               <p:cNvPr id="67" name="TextBox 66">
@@ -14593,7 +17693,7 @@
             </p:txBody>
           </p:sp>
         </mc:Choice>
-        <mc:Fallback>
+        <mc:Fallback xmlns="">
           <p:sp>
             <p:nvSpPr>
               <p:cNvPr id="67" name="TextBox 66">
@@ -14735,8 +17835,8 @@
           </a:fontRef>
         </p:style>
       </p:cxnSp>
-      <mc:AlternateContent xmlns:mc="http://schemas.openxmlformats.org/markup-compatibility/2006">
-        <mc:Choice xmlns:a14="http://schemas.microsoft.com/office/drawing/2010/main" Requires="a14">
+      <mc:AlternateContent xmlns:mc="http://schemas.openxmlformats.org/markup-compatibility/2006" xmlns:a14="http://schemas.microsoft.com/office/drawing/2010/main">
+        <mc:Choice Requires="a14">
           <p:sp>
             <p:nvSpPr>
               <p:cNvPr id="70" name="TextBox 69">
@@ -14805,7 +17905,7 @@
             </p:txBody>
           </p:sp>
         </mc:Choice>
-        <mc:Fallback>
+        <mc:Fallback xmlns="">
           <p:sp>
             <p:nvSpPr>
               <p:cNvPr id="70" name="TextBox 69">
@@ -15026,6 +18126,15 @@
                           </m:r>
                         </m:e>
                         <m:sub>
+                          <m:r>
+                            <a:rPr lang="en-CA" b="0" i="1" smtClean="0">
+                              <a:solidFill>
+                                <a:schemeClr val="tx1"/>
+                              </a:solidFill>
+                              <a:latin typeface="Cambria Math" panose="02040503050406030204" pitchFamily="18" charset="0"/>
+                            </a:rPr>
+                            <m:t>𝑖</m:t>
+                          </m:r>
                           <m:r>
                             <a:rPr lang="en-CA" b="0" i="1" smtClean="0">
                               <a:solidFill>
@@ -15185,6 +18294,15 @@
                               </a:solidFill>
                               <a:latin typeface="Cambria Math" panose="02040503050406030204" pitchFamily="18" charset="0"/>
                             </a:rPr>
+                            <m:t>𝑖</m:t>
+                          </m:r>
+                          <m:r>
+                            <a:rPr lang="en-CA" b="0" i="1" smtClean="0">
+                              <a:solidFill>
+                                <a:schemeClr val="tx1"/>
+                              </a:solidFill>
+                              <a:latin typeface="Cambria Math" panose="02040503050406030204" pitchFamily="18" charset="0"/>
+                            </a:rPr>
                             <m:t>4</m:t>
                           </m:r>
                         </m:sub>
@@ -15339,8 +18457,8 @@
           </a:fontRef>
         </p:style>
       </p:cxnSp>
-      <mc:AlternateContent xmlns:mc="http://schemas.openxmlformats.org/markup-compatibility/2006">
-        <mc:Choice xmlns:a14="http://schemas.microsoft.com/office/drawing/2010/main" Requires="a14">
+      <mc:AlternateContent xmlns:mc="http://schemas.openxmlformats.org/markup-compatibility/2006" xmlns:a14="http://schemas.microsoft.com/office/drawing/2010/main">
+        <mc:Choice Requires="a14">
           <p:sp>
             <p:nvSpPr>
               <p:cNvPr id="8" name="TextBox 7">
@@ -15409,7 +18527,7 @@
             </p:txBody>
           </p:sp>
         </mc:Choice>
-        <mc:Fallback>
+        <mc:Fallback xmlns="">
           <p:sp>
             <p:nvSpPr>
               <p:cNvPr id="8" name="TextBox 7">
@@ -15630,6 +18748,15 @@
                           </m:r>
                         </m:e>
                         <m:sub>
+                          <m:r>
+                            <a:rPr lang="en-CA" b="0" i="1" smtClean="0">
+                              <a:solidFill>
+                                <a:schemeClr val="tx1"/>
+                              </a:solidFill>
+                              <a:latin typeface="Cambria Math" panose="02040503050406030204" pitchFamily="18" charset="0"/>
+                            </a:rPr>
+                            <m:t>𝑖</m:t>
+                          </m:r>
                           <m:r>
                             <a:rPr lang="en-CA" b="0" i="1" smtClean="0">
                               <a:solidFill>
@@ -15789,6 +18916,15 @@
                               </a:solidFill>
                               <a:latin typeface="Cambria Math" panose="02040503050406030204" pitchFamily="18" charset="0"/>
                             </a:rPr>
+                            <m:t>𝑖</m:t>
+                          </m:r>
+                          <m:r>
+                            <a:rPr lang="en-CA" b="0" i="1" smtClean="0">
+                              <a:solidFill>
+                                <a:schemeClr val="tx1"/>
+                              </a:solidFill>
+                              <a:latin typeface="Cambria Math" panose="02040503050406030204" pitchFamily="18" charset="0"/>
+                            </a:rPr>
                             <m:t>5</m:t>
                           </m:r>
                         </m:sub>
@@ -15829,7 +18965,7 @@
                 <a:avLst/>
               </a:prstGeom>
               <a:blipFill>
-                <a:blip r:embed="rId18"/>
+                <a:blip r:embed="rId9"/>
                 <a:stretch>
                   <a:fillRect/>
                 </a:stretch>
@@ -15943,8 +19079,8 @@
           </a:fontRef>
         </p:style>
       </p:cxnSp>
-      <mc:AlternateContent xmlns:mc="http://schemas.openxmlformats.org/markup-compatibility/2006">
-        <mc:Choice xmlns:a14="http://schemas.microsoft.com/office/drawing/2010/main" Requires="a14">
+      <mc:AlternateContent xmlns:mc="http://schemas.openxmlformats.org/markup-compatibility/2006" xmlns:a14="http://schemas.microsoft.com/office/drawing/2010/main">
+        <mc:Choice Requires="a14">
           <p:sp>
             <p:nvSpPr>
               <p:cNvPr id="36" name="TextBox 35">
@@ -16013,7 +19149,7 @@
             </p:txBody>
           </p:sp>
         </mc:Choice>
-        <mc:Fallback>
+        <mc:Fallback xmlns="">
           <p:sp>
             <p:nvSpPr>
               <p:cNvPr id="36" name="TextBox 35">
@@ -16241,6 +19377,15 @@
                               </a:solidFill>
                               <a:latin typeface="Cambria Math" panose="02040503050406030204" pitchFamily="18" charset="0"/>
                             </a:rPr>
+                            <m:t>𝑖</m:t>
+                          </m:r>
+                          <m:r>
+                            <a:rPr lang="en-CA" b="0" i="1" smtClean="0">
+                              <a:solidFill>
+                                <a:schemeClr val="tx1"/>
+                              </a:solidFill>
+                              <a:latin typeface="Cambria Math" panose="02040503050406030204" pitchFamily="18" charset="0"/>
+                            </a:rPr>
                             <m:t>6</m:t>
                           </m:r>
                         </m:sub>
@@ -16281,7 +19426,7 @@
                 <a:avLst/>
               </a:prstGeom>
               <a:blipFill>
-                <a:blip r:embed="rId20"/>
+                <a:blip r:embed="rId11"/>
                 <a:stretch>
                   <a:fillRect/>
                 </a:stretch>
@@ -16393,6 +19538,15 @@
                               </a:solidFill>
                               <a:latin typeface="Cambria Math" panose="02040503050406030204" pitchFamily="18" charset="0"/>
                             </a:rPr>
+                            <m:t>𝑖</m:t>
+                          </m:r>
+                          <m:r>
+                            <a:rPr lang="en-CA" b="0" i="1" smtClean="0">
+                              <a:solidFill>
+                                <a:schemeClr val="tx1"/>
+                              </a:solidFill>
+                              <a:latin typeface="Cambria Math" panose="02040503050406030204" pitchFamily="18" charset="0"/>
+                            </a:rPr>
                             <m:t>6</m:t>
                           </m:r>
                         </m:sub>
@@ -16433,7 +19587,7 @@
                 <a:avLst/>
               </a:prstGeom>
               <a:blipFill>
-                <a:blip r:embed="rId21"/>
+                <a:blip r:embed="rId12"/>
                 <a:stretch>
                   <a:fillRect/>
                 </a:stretch>
@@ -16547,8 +19701,8 @@
           </a:fontRef>
         </p:style>
       </p:cxnSp>
-      <mc:AlternateContent xmlns:mc="http://schemas.openxmlformats.org/markup-compatibility/2006">
-        <mc:Choice xmlns:a14="http://schemas.microsoft.com/office/drawing/2010/main" Requires="a14">
+      <mc:AlternateContent xmlns:mc="http://schemas.openxmlformats.org/markup-compatibility/2006" xmlns:a14="http://schemas.microsoft.com/office/drawing/2010/main">
+        <mc:Choice Requires="a14">
           <p:sp>
             <p:nvSpPr>
               <p:cNvPr id="58" name="TextBox 57">
@@ -16617,7 +19771,7 @@
             </p:txBody>
           </p:sp>
         </mc:Choice>
-        <mc:Fallback>
+        <mc:Fallback xmlns="">
           <p:sp>
             <p:nvSpPr>
               <p:cNvPr id="58" name="TextBox 57">
@@ -16838,6 +19992,15 @@
                           </m:r>
                         </m:e>
                         <m:sub>
+                          <m:r>
+                            <a:rPr lang="en-CA" b="0" i="1" smtClean="0">
+                              <a:solidFill>
+                                <a:schemeClr val="tx1"/>
+                              </a:solidFill>
+                              <a:latin typeface="Cambria Math" panose="02040503050406030204" pitchFamily="18" charset="0"/>
+                            </a:rPr>
+                            <m:t>𝑖</m:t>
+                          </m:r>
                           <m:r>
                             <a:rPr lang="en-CA" b="0" i="1" smtClean="0">
                               <a:solidFill>
@@ -16997,6 +20160,15 @@
                               </a:solidFill>
                               <a:latin typeface="Cambria Math" panose="02040503050406030204" pitchFamily="18" charset="0"/>
                             </a:rPr>
+                            <m:t>𝑖</m:t>
+                          </m:r>
+                          <m:r>
+                            <a:rPr lang="en-CA" b="0" i="1" smtClean="0">
+                              <a:solidFill>
+                                <a:schemeClr val="tx1"/>
+                              </a:solidFill>
+                              <a:latin typeface="Cambria Math" panose="02040503050406030204" pitchFamily="18" charset="0"/>
+                            </a:rPr>
                             <m:t>7</m:t>
                           </m:r>
                         </m:sub>
@@ -17107,8 +20279,8 @@
           </a:fontRef>
         </p:style>
       </p:cxnSp>
-      <mc:AlternateContent xmlns:mc="http://schemas.openxmlformats.org/markup-compatibility/2006">
-        <mc:Choice xmlns:a14="http://schemas.microsoft.com/office/drawing/2010/main" Requires="a14">
+      <mc:AlternateContent xmlns:mc="http://schemas.openxmlformats.org/markup-compatibility/2006" xmlns:a14="http://schemas.microsoft.com/office/drawing/2010/main">
+        <mc:Choice Requires="a14">
           <p:sp>
             <p:nvSpPr>
               <p:cNvPr id="65" name="TextBox 64">
@@ -17177,7 +20349,7 @@
             </p:txBody>
           </p:sp>
         </mc:Choice>
-        <mc:Fallback>
+        <mc:Fallback xmlns="">
           <p:sp>
             <p:nvSpPr>
               <p:cNvPr id="65" name="TextBox 64">
